--- a/Documents/PartyBall/Project_TheBalls.pptx
+++ b/Documents/PartyBall/Project_TheBalls.pptx
@@ -11,7 +11,11 @@
     <p:sldId id="259" r:id="rId5"/>
     <p:sldId id="261" r:id="rId6"/>
     <p:sldId id="263" r:id="rId7"/>
-    <p:sldId id="257" r:id="rId8"/>
+    <p:sldId id="265" r:id="rId8"/>
+    <p:sldId id="266" r:id="rId9"/>
+    <p:sldId id="264" r:id="rId10"/>
+    <p:sldId id="267" r:id="rId11"/>
+    <p:sldId id="257" r:id="rId12"/>
   </p:sldIdLst>
   <p:sldSz cx="12192000" cy="6858000"/>
   <p:notesSz cx="6858000" cy="9144000"/>
@@ -121,13 +125,702 @@
 <file path=ppt/revisionInfo.xml><?xml version="1.0" encoding="utf-8"?>
 <p1510:revInfo xmlns:a="http://schemas.openxmlformats.org/drawingml/2006/main" xmlns:r="http://schemas.openxmlformats.org/officeDocument/2006/relationships" xmlns:p1510="http://schemas.microsoft.com/office/powerpoint/2015/10/main">
   <p1510:revLst>
-    <p1510:client id="{B153C180-B5F0-495B-91C2-8E02C97DFEE5}" v="1746" dt="2021-10-27T09:01:33.181"/>
+    <p1510:client id="{A99FF4A5-BC7F-4010-AC4C-1C661166150A}" v="162" dt="2021-10-30T13:46:08.860"/>
   </p1510:revLst>
 </p1510:revInfo>
 </file>
 
 <file path=ppt/changesInfos/changesInfo1.xml><?xml version="1.0" encoding="utf-8"?>
 <pc:chgInfo xmlns:a="http://schemas.openxmlformats.org/drawingml/2006/main" xmlns:r="http://schemas.openxmlformats.org/officeDocument/2006/relationships" xmlns:ac="http://schemas.microsoft.com/office/drawing/2013/main/command" xmlns:pc="http://schemas.microsoft.com/office/powerpoint/2013/main/command">
+  <pc:docChgLst>
+    <pc:chgData name="남 상현" userId="03ad4a8e8f7310f3" providerId="LiveId" clId="{A99FF4A5-BC7F-4010-AC4C-1C661166150A}"/>
+    <pc:docChg chg="undo custSel addSld modSld addSection delSection">
+      <pc:chgData name="남 상현" userId="03ad4a8e8f7310f3" providerId="LiveId" clId="{A99FF4A5-BC7F-4010-AC4C-1C661166150A}" dt="2021-10-30T13:47:11.272" v="436" actId="1076"/>
+      <pc:docMkLst>
+        <pc:docMk/>
+      </pc:docMkLst>
+      <pc:sldChg chg="modSp mod">
+        <pc:chgData name="남 상현" userId="03ad4a8e8f7310f3" providerId="LiveId" clId="{A99FF4A5-BC7F-4010-AC4C-1C661166150A}" dt="2021-10-30T12:41:09.882" v="10" actId="1076"/>
+        <pc:sldMkLst>
+          <pc:docMk/>
+          <pc:sldMk cId="3483264145" sldId="257"/>
+        </pc:sldMkLst>
+        <pc:grpChg chg="mod">
+          <ac:chgData name="남 상현" userId="03ad4a8e8f7310f3" providerId="LiveId" clId="{A99FF4A5-BC7F-4010-AC4C-1C661166150A}" dt="2021-10-30T12:41:09.882" v="10" actId="1076"/>
+          <ac:grpSpMkLst>
+            <pc:docMk/>
+            <pc:sldMk cId="3483264145" sldId="257"/>
+            <ac:grpSpMk id="6" creationId="{52C72FBD-6E87-44BA-BAA8-68E619E8E9C9}"/>
+          </ac:grpSpMkLst>
+        </pc:grpChg>
+      </pc:sldChg>
+      <pc:sldChg chg="modSp mod">
+        <pc:chgData name="남 상현" userId="03ad4a8e8f7310f3" providerId="LiveId" clId="{A99FF4A5-BC7F-4010-AC4C-1C661166150A}" dt="2021-10-30T12:34:15.865" v="1" actId="1076"/>
+        <pc:sldMkLst>
+          <pc:docMk/>
+          <pc:sldMk cId="2990180351" sldId="258"/>
+        </pc:sldMkLst>
+        <pc:picChg chg="mod">
+          <ac:chgData name="남 상현" userId="03ad4a8e8f7310f3" providerId="LiveId" clId="{A99FF4A5-BC7F-4010-AC4C-1C661166150A}" dt="2021-10-30T12:34:15.865" v="1" actId="1076"/>
+          <ac:picMkLst>
+            <pc:docMk/>
+            <pc:sldMk cId="2990180351" sldId="258"/>
+            <ac:picMk id="28" creationId="{68B59FB6-5AE7-41D2-8BAF-8504B5F649FE}"/>
+          </ac:picMkLst>
+        </pc:picChg>
+      </pc:sldChg>
+      <pc:sldChg chg="delSp modSp mod">
+        <pc:chgData name="남 상현" userId="03ad4a8e8f7310f3" providerId="LiveId" clId="{A99FF4A5-BC7F-4010-AC4C-1C661166150A}" dt="2021-10-30T12:41:37.221" v="21" actId="1076"/>
+        <pc:sldMkLst>
+          <pc:docMk/>
+          <pc:sldMk cId="1164592833" sldId="261"/>
+        </pc:sldMkLst>
+        <pc:spChg chg="mod">
+          <ac:chgData name="남 상현" userId="03ad4a8e8f7310f3" providerId="LiveId" clId="{A99FF4A5-BC7F-4010-AC4C-1C661166150A}" dt="2021-10-30T12:41:32.222" v="19" actId="165"/>
+          <ac:spMkLst>
+            <pc:docMk/>
+            <pc:sldMk cId="1164592833" sldId="261"/>
+            <ac:spMk id="17" creationId="{7AF5C6AA-0D59-40B9-9A38-A1042787CF52}"/>
+          </ac:spMkLst>
+        </pc:spChg>
+        <pc:spChg chg="mod">
+          <ac:chgData name="남 상현" userId="03ad4a8e8f7310f3" providerId="LiveId" clId="{A99FF4A5-BC7F-4010-AC4C-1C661166150A}" dt="2021-10-30T12:41:32.222" v="19" actId="165"/>
+          <ac:spMkLst>
+            <pc:docMk/>
+            <pc:sldMk cId="1164592833" sldId="261"/>
+            <ac:spMk id="18" creationId="{2EA809F9-F73D-404B-BE05-77352522D2BB}"/>
+          </ac:spMkLst>
+        </pc:spChg>
+        <pc:spChg chg="mod">
+          <ac:chgData name="남 상현" userId="03ad4a8e8f7310f3" providerId="LiveId" clId="{A99FF4A5-BC7F-4010-AC4C-1C661166150A}" dt="2021-10-30T12:41:32.222" v="19" actId="165"/>
+          <ac:spMkLst>
+            <pc:docMk/>
+            <pc:sldMk cId="1164592833" sldId="261"/>
+            <ac:spMk id="19" creationId="{64FE688B-048F-4060-81CC-64FB0DF25CBD}"/>
+          </ac:spMkLst>
+        </pc:spChg>
+        <pc:spChg chg="mod">
+          <ac:chgData name="남 상현" userId="03ad4a8e8f7310f3" providerId="LiveId" clId="{A99FF4A5-BC7F-4010-AC4C-1C661166150A}" dt="2021-10-30T12:41:32.222" v="19" actId="165"/>
+          <ac:spMkLst>
+            <pc:docMk/>
+            <pc:sldMk cId="1164592833" sldId="261"/>
+            <ac:spMk id="20" creationId="{B9ABE1F1-B379-498E-BF12-C1207C2F3590}"/>
+          </ac:spMkLst>
+        </pc:spChg>
+        <pc:grpChg chg="del">
+          <ac:chgData name="남 상현" userId="03ad4a8e8f7310f3" providerId="LiveId" clId="{A99FF4A5-BC7F-4010-AC4C-1C661166150A}" dt="2021-10-30T12:41:18.966" v="13" actId="165"/>
+          <ac:grpSpMkLst>
+            <pc:docMk/>
+            <pc:sldMk cId="1164592833" sldId="261"/>
+            <ac:grpSpMk id="8" creationId="{F56FAE9C-0633-4B67-AEA5-4F1C4ABCC972}"/>
+          </ac:grpSpMkLst>
+        </pc:grpChg>
+        <pc:grpChg chg="del mod topLvl">
+          <ac:chgData name="남 상현" userId="03ad4a8e8f7310f3" providerId="LiveId" clId="{A99FF4A5-BC7F-4010-AC4C-1C661166150A}" dt="2021-10-30T12:41:23.038" v="15" actId="165"/>
+          <ac:grpSpMkLst>
+            <pc:docMk/>
+            <pc:sldMk cId="1164592833" sldId="261"/>
+            <ac:grpSpMk id="9" creationId="{0FB66482-9B2B-4026-B647-A8A4045F340F}"/>
+          </ac:grpSpMkLst>
+        </pc:grpChg>
+        <pc:grpChg chg="del mod topLvl">
+          <ac:chgData name="남 상현" userId="03ad4a8e8f7310f3" providerId="LiveId" clId="{A99FF4A5-BC7F-4010-AC4C-1C661166150A}" dt="2021-10-30T12:41:27.717" v="17" actId="165"/>
+          <ac:grpSpMkLst>
+            <pc:docMk/>
+            <pc:sldMk cId="1164592833" sldId="261"/>
+            <ac:grpSpMk id="11" creationId="{E8846C35-8EDA-4385-91CA-CEAD8A735BAA}"/>
+          </ac:grpSpMkLst>
+        </pc:grpChg>
+        <pc:grpChg chg="del mod topLvl">
+          <ac:chgData name="남 상현" userId="03ad4a8e8f7310f3" providerId="LiveId" clId="{A99FF4A5-BC7F-4010-AC4C-1C661166150A}" dt="2021-10-30T12:41:32.222" v="19" actId="165"/>
+          <ac:grpSpMkLst>
+            <pc:docMk/>
+            <pc:sldMk cId="1164592833" sldId="261"/>
+            <ac:grpSpMk id="13" creationId="{12C276AC-6F37-4A7C-AC04-A8979C42D540}"/>
+          </ac:grpSpMkLst>
+        </pc:grpChg>
+        <pc:grpChg chg="mod topLvl">
+          <ac:chgData name="남 상현" userId="03ad4a8e8f7310f3" providerId="LiveId" clId="{A99FF4A5-BC7F-4010-AC4C-1C661166150A}" dt="2021-10-30T12:41:32.222" v="19" actId="165"/>
+          <ac:grpSpMkLst>
+            <pc:docMk/>
+            <pc:sldMk cId="1164592833" sldId="261"/>
+            <ac:grpSpMk id="15" creationId="{C98A8742-925B-4F08-BB50-B8B6D5A561D8}"/>
+          </ac:grpSpMkLst>
+        </pc:grpChg>
+        <pc:grpChg chg="mod">
+          <ac:chgData name="남 상현" userId="03ad4a8e8f7310f3" providerId="LiveId" clId="{A99FF4A5-BC7F-4010-AC4C-1C661166150A}" dt="2021-10-30T12:41:13.920" v="11" actId="1076"/>
+          <ac:grpSpMkLst>
+            <pc:docMk/>
+            <pc:sldMk cId="1164592833" sldId="261"/>
+            <ac:grpSpMk id="22" creationId="{B43C50B1-E7F2-4A11-8D76-762DB5556E85}"/>
+          </ac:grpSpMkLst>
+        </pc:grpChg>
+        <pc:picChg chg="mod topLvl">
+          <ac:chgData name="남 상현" userId="03ad4a8e8f7310f3" providerId="LiveId" clId="{A99FF4A5-BC7F-4010-AC4C-1C661166150A}" dt="2021-10-30T12:41:18.966" v="13" actId="165"/>
+          <ac:picMkLst>
+            <pc:docMk/>
+            <pc:sldMk cId="1164592833" sldId="261"/>
+            <ac:picMk id="10" creationId="{9184F08C-DF24-4C8D-A387-53391FEA37F7}"/>
+          </ac:picMkLst>
+        </pc:picChg>
+        <pc:picChg chg="mod topLvl">
+          <ac:chgData name="남 상현" userId="03ad4a8e8f7310f3" providerId="LiveId" clId="{A99FF4A5-BC7F-4010-AC4C-1C661166150A}" dt="2021-10-30T12:41:23.038" v="15" actId="165"/>
+          <ac:picMkLst>
+            <pc:docMk/>
+            <pc:sldMk cId="1164592833" sldId="261"/>
+            <ac:picMk id="12" creationId="{1B6D791E-197E-462A-BEF2-9E31989CA723}"/>
+          </ac:picMkLst>
+        </pc:picChg>
+        <pc:picChg chg="mod topLvl">
+          <ac:chgData name="남 상현" userId="03ad4a8e8f7310f3" providerId="LiveId" clId="{A99FF4A5-BC7F-4010-AC4C-1C661166150A}" dt="2021-10-30T12:41:27.717" v="17" actId="165"/>
+          <ac:picMkLst>
+            <pc:docMk/>
+            <pc:sldMk cId="1164592833" sldId="261"/>
+            <ac:picMk id="14" creationId="{D215CAD4-8BEF-426F-9231-E2971401006E}"/>
+          </ac:picMkLst>
+        </pc:picChg>
+        <pc:picChg chg="mod topLvl">
+          <ac:chgData name="남 상현" userId="03ad4a8e8f7310f3" providerId="LiveId" clId="{A99FF4A5-BC7F-4010-AC4C-1C661166150A}" dt="2021-10-30T12:41:37.221" v="21" actId="1076"/>
+          <ac:picMkLst>
+            <pc:docMk/>
+            <pc:sldMk cId="1164592833" sldId="261"/>
+            <ac:picMk id="16" creationId="{13525086-705A-4ADA-A8BC-B57312596E65}"/>
+          </ac:picMkLst>
+        </pc:picChg>
+      </pc:sldChg>
+      <pc:sldChg chg="modSp">
+        <pc:chgData name="남 상현" userId="03ad4a8e8f7310f3" providerId="LiveId" clId="{A99FF4A5-BC7F-4010-AC4C-1C661166150A}" dt="2021-10-30T12:36:51.556" v="2" actId="1076"/>
+        <pc:sldMkLst>
+          <pc:docMk/>
+          <pc:sldMk cId="4055690299" sldId="263"/>
+        </pc:sldMkLst>
+        <pc:spChg chg="mod">
+          <ac:chgData name="남 상현" userId="03ad4a8e8f7310f3" providerId="LiveId" clId="{A99FF4A5-BC7F-4010-AC4C-1C661166150A}" dt="2021-10-30T12:36:51.556" v="2" actId="1076"/>
+          <ac:spMkLst>
+            <pc:docMk/>
+            <pc:sldMk cId="4055690299" sldId="263"/>
+            <ac:spMk id="4" creationId="{1DE0D762-4B14-4327-AE7B-FBAEE8B49657}"/>
+          </ac:spMkLst>
+        </pc:spChg>
+        <pc:spChg chg="mod">
+          <ac:chgData name="남 상현" userId="03ad4a8e8f7310f3" providerId="LiveId" clId="{A99FF4A5-BC7F-4010-AC4C-1C661166150A}" dt="2021-10-30T12:36:51.556" v="2" actId="1076"/>
+          <ac:spMkLst>
+            <pc:docMk/>
+            <pc:sldMk cId="4055690299" sldId="263"/>
+            <ac:spMk id="5" creationId="{9F75C88B-3C11-4E46-9253-348555D41D42}"/>
+          </ac:spMkLst>
+        </pc:spChg>
+        <pc:spChg chg="mod">
+          <ac:chgData name="남 상현" userId="03ad4a8e8f7310f3" providerId="LiveId" clId="{A99FF4A5-BC7F-4010-AC4C-1C661166150A}" dt="2021-10-30T12:36:51.556" v="2" actId="1076"/>
+          <ac:spMkLst>
+            <pc:docMk/>
+            <pc:sldMk cId="4055690299" sldId="263"/>
+            <ac:spMk id="6" creationId="{0AC4CDB7-8E5B-4C37-8E81-BAFA7EA4F576}"/>
+          </ac:spMkLst>
+        </pc:spChg>
+        <pc:spChg chg="mod">
+          <ac:chgData name="남 상현" userId="03ad4a8e8f7310f3" providerId="LiveId" clId="{A99FF4A5-BC7F-4010-AC4C-1C661166150A}" dt="2021-10-30T12:36:51.556" v="2" actId="1076"/>
+          <ac:spMkLst>
+            <pc:docMk/>
+            <pc:sldMk cId="4055690299" sldId="263"/>
+            <ac:spMk id="7" creationId="{F5707C24-1700-469D-9714-6A3BE98D5425}"/>
+          </ac:spMkLst>
+        </pc:spChg>
+        <pc:spChg chg="mod">
+          <ac:chgData name="남 상현" userId="03ad4a8e8f7310f3" providerId="LiveId" clId="{A99FF4A5-BC7F-4010-AC4C-1C661166150A}" dt="2021-10-30T12:36:51.556" v="2" actId="1076"/>
+          <ac:spMkLst>
+            <pc:docMk/>
+            <pc:sldMk cId="4055690299" sldId="263"/>
+            <ac:spMk id="8" creationId="{793F3155-F901-4859-85CD-A531951937A3}"/>
+          </ac:spMkLst>
+        </pc:spChg>
+        <pc:spChg chg="mod">
+          <ac:chgData name="남 상현" userId="03ad4a8e8f7310f3" providerId="LiveId" clId="{A99FF4A5-BC7F-4010-AC4C-1C661166150A}" dt="2021-10-30T12:36:51.556" v="2" actId="1076"/>
+          <ac:spMkLst>
+            <pc:docMk/>
+            <pc:sldMk cId="4055690299" sldId="263"/>
+            <ac:spMk id="9" creationId="{273C6437-4F35-4690-9D85-A1612D36B94E}"/>
+          </ac:spMkLst>
+        </pc:spChg>
+        <pc:grpChg chg="mod">
+          <ac:chgData name="남 상현" userId="03ad4a8e8f7310f3" providerId="LiveId" clId="{A99FF4A5-BC7F-4010-AC4C-1C661166150A}" dt="2021-10-30T12:36:51.556" v="2" actId="1076"/>
+          <ac:grpSpMkLst>
+            <pc:docMk/>
+            <pc:sldMk cId="4055690299" sldId="263"/>
+            <ac:grpSpMk id="10" creationId="{767B0698-10D4-4F27-84CB-5792CCEE04DF}"/>
+          </ac:grpSpMkLst>
+        </pc:grpChg>
+        <pc:grpChg chg="mod">
+          <ac:chgData name="남 상현" userId="03ad4a8e8f7310f3" providerId="LiveId" clId="{A99FF4A5-BC7F-4010-AC4C-1C661166150A}" dt="2021-10-30T12:36:51.556" v="2" actId="1076"/>
+          <ac:grpSpMkLst>
+            <pc:docMk/>
+            <pc:sldMk cId="4055690299" sldId="263"/>
+            <ac:grpSpMk id="11" creationId="{DD6DC4C2-7449-460D-9ED1-1575650B63B1}"/>
+          </ac:grpSpMkLst>
+        </pc:grpChg>
+        <pc:grpChg chg="mod">
+          <ac:chgData name="남 상현" userId="03ad4a8e8f7310f3" providerId="LiveId" clId="{A99FF4A5-BC7F-4010-AC4C-1C661166150A}" dt="2021-10-30T12:36:51.556" v="2" actId="1076"/>
+          <ac:grpSpMkLst>
+            <pc:docMk/>
+            <pc:sldMk cId="4055690299" sldId="263"/>
+            <ac:grpSpMk id="12" creationId="{C7708510-3AE2-4264-95AD-4F9A1AC4898D}"/>
+          </ac:grpSpMkLst>
+        </pc:grpChg>
+        <pc:grpChg chg="mod">
+          <ac:chgData name="남 상현" userId="03ad4a8e8f7310f3" providerId="LiveId" clId="{A99FF4A5-BC7F-4010-AC4C-1C661166150A}" dt="2021-10-30T12:36:51.556" v="2" actId="1076"/>
+          <ac:grpSpMkLst>
+            <pc:docMk/>
+            <pc:sldMk cId="4055690299" sldId="263"/>
+            <ac:grpSpMk id="13" creationId="{6C357C5D-3EF0-4C22-BED2-672E01D07803}"/>
+          </ac:grpSpMkLst>
+        </pc:grpChg>
+        <pc:picChg chg="mod">
+          <ac:chgData name="남 상현" userId="03ad4a8e8f7310f3" providerId="LiveId" clId="{A99FF4A5-BC7F-4010-AC4C-1C661166150A}" dt="2021-10-30T12:36:51.556" v="2" actId="1076"/>
+          <ac:picMkLst>
+            <pc:docMk/>
+            <pc:sldMk cId="4055690299" sldId="263"/>
+            <ac:picMk id="1028" creationId="{65B642DB-DF5A-48FA-A283-A35CCC10A278}"/>
+          </ac:picMkLst>
+        </pc:picChg>
+        <pc:picChg chg="mod">
+          <ac:chgData name="남 상현" userId="03ad4a8e8f7310f3" providerId="LiveId" clId="{A99FF4A5-BC7F-4010-AC4C-1C661166150A}" dt="2021-10-30T12:36:51.556" v="2" actId="1076"/>
+          <ac:picMkLst>
+            <pc:docMk/>
+            <pc:sldMk cId="4055690299" sldId="263"/>
+            <ac:picMk id="1030" creationId="{FE3EADAB-42EC-41B9-8DD6-595E76912D6E}"/>
+          </ac:picMkLst>
+        </pc:picChg>
+        <pc:picChg chg="mod">
+          <ac:chgData name="남 상현" userId="03ad4a8e8f7310f3" providerId="LiveId" clId="{A99FF4A5-BC7F-4010-AC4C-1C661166150A}" dt="2021-10-30T12:36:51.556" v="2" actId="1076"/>
+          <ac:picMkLst>
+            <pc:docMk/>
+            <pc:sldMk cId="4055690299" sldId="263"/>
+            <ac:picMk id="1032" creationId="{C9194260-6BFA-40A7-8E12-69EAA941634D}"/>
+          </ac:picMkLst>
+        </pc:picChg>
+      </pc:sldChg>
+      <pc:sldChg chg="addSp delSp modSp new mod">
+        <pc:chgData name="남 상현" userId="03ad4a8e8f7310f3" providerId="LiveId" clId="{A99FF4A5-BC7F-4010-AC4C-1C661166150A}" dt="2021-10-30T13:05:14.460" v="274" actId="21"/>
+        <pc:sldMkLst>
+          <pc:docMk/>
+          <pc:sldMk cId="1929962801" sldId="264"/>
+        </pc:sldMkLst>
+        <pc:spChg chg="del">
+          <ac:chgData name="남 상현" userId="03ad4a8e8f7310f3" providerId="LiveId" clId="{A99FF4A5-BC7F-4010-AC4C-1C661166150A}" dt="2021-10-30T12:36:55.634" v="4" actId="478"/>
+          <ac:spMkLst>
+            <pc:docMk/>
+            <pc:sldMk cId="1929962801" sldId="264"/>
+            <ac:spMk id="2" creationId="{420C44FB-CB43-4101-AF6A-CCAAC23E5BF8}"/>
+          </ac:spMkLst>
+        </pc:spChg>
+        <pc:spChg chg="del">
+          <ac:chgData name="남 상현" userId="03ad4a8e8f7310f3" providerId="LiveId" clId="{A99FF4A5-BC7F-4010-AC4C-1C661166150A}" dt="2021-10-30T12:36:55.634" v="4" actId="478"/>
+          <ac:spMkLst>
+            <pc:docMk/>
+            <pc:sldMk cId="1929962801" sldId="264"/>
+            <ac:spMk id="3" creationId="{69FC4B8C-BDDE-43FD-8C41-08E4215F57BB}"/>
+          </ac:spMkLst>
+        </pc:spChg>
+        <pc:spChg chg="add mod">
+          <ac:chgData name="남 상현" userId="03ad4a8e8f7310f3" providerId="LiveId" clId="{A99FF4A5-BC7F-4010-AC4C-1C661166150A}" dt="2021-10-30T13:02:35.273" v="267" actId="20577"/>
+          <ac:spMkLst>
+            <pc:docMk/>
+            <pc:sldMk cId="1929962801" sldId="264"/>
+            <ac:spMk id="7" creationId="{E0F65636-5DC5-4FFE-9878-65A274FB3605}"/>
+          </ac:spMkLst>
+        </pc:spChg>
+        <pc:spChg chg="add del mod">
+          <ac:chgData name="남 상현" userId="03ad4a8e8f7310f3" providerId="LiveId" clId="{A99FF4A5-BC7F-4010-AC4C-1C661166150A}" dt="2021-10-30T12:42:17.072" v="35" actId="21"/>
+          <ac:spMkLst>
+            <pc:docMk/>
+            <pc:sldMk cId="1929962801" sldId="264"/>
+            <ac:spMk id="8" creationId="{66EF903F-163C-4E22-81DD-39AB25824AE6}"/>
+          </ac:spMkLst>
+        </pc:spChg>
+        <pc:spChg chg="add del mod">
+          <ac:chgData name="남 상현" userId="03ad4a8e8f7310f3" providerId="LiveId" clId="{A99FF4A5-BC7F-4010-AC4C-1C661166150A}" dt="2021-10-30T12:42:17.072" v="35" actId="21"/>
+          <ac:spMkLst>
+            <pc:docMk/>
+            <pc:sldMk cId="1929962801" sldId="264"/>
+            <ac:spMk id="9" creationId="{D04CBD3D-A844-42E9-AC88-2495C4D85653}"/>
+          </ac:spMkLst>
+        </pc:spChg>
+        <pc:spChg chg="add del mod">
+          <ac:chgData name="남 상현" userId="03ad4a8e8f7310f3" providerId="LiveId" clId="{A99FF4A5-BC7F-4010-AC4C-1C661166150A}" dt="2021-10-30T12:42:17.072" v="35" actId="21"/>
+          <ac:spMkLst>
+            <pc:docMk/>
+            <pc:sldMk cId="1929962801" sldId="264"/>
+            <ac:spMk id="10" creationId="{C7606BA2-2BAA-43DF-8DF7-B364ED99E345}"/>
+          </ac:spMkLst>
+        </pc:spChg>
+        <pc:spChg chg="add del mod">
+          <ac:chgData name="남 상현" userId="03ad4a8e8f7310f3" providerId="LiveId" clId="{A99FF4A5-BC7F-4010-AC4C-1C661166150A}" dt="2021-10-30T12:42:17.072" v="35" actId="21"/>
+          <ac:spMkLst>
+            <pc:docMk/>
+            <pc:sldMk cId="1929962801" sldId="264"/>
+            <ac:spMk id="11" creationId="{F1D45DAC-042B-4FDF-86B4-33785836EC9E}"/>
+          </ac:spMkLst>
+        </pc:spChg>
+        <pc:picChg chg="add del">
+          <ac:chgData name="남 상현" userId="03ad4a8e8f7310f3" providerId="LiveId" clId="{A99FF4A5-BC7F-4010-AC4C-1C661166150A}" dt="2021-10-30T12:36:59.313" v="6" actId="22"/>
+          <ac:picMkLst>
+            <pc:docMk/>
+            <pc:sldMk cId="1929962801" sldId="264"/>
+            <ac:picMk id="5" creationId="{FD3F63E8-0F9C-4CFA-BA09-DA05707677AE}"/>
+          </ac:picMkLst>
+        </pc:picChg>
+        <pc:picChg chg="add del mod">
+          <ac:chgData name="남 상현" userId="03ad4a8e8f7310f3" providerId="LiveId" clId="{A99FF4A5-BC7F-4010-AC4C-1C661166150A}" dt="2021-10-30T13:05:14.460" v="274" actId="21"/>
+          <ac:picMkLst>
+            <pc:docMk/>
+            <pc:sldMk cId="1929962801" sldId="264"/>
+            <ac:picMk id="1026" creationId="{7C395CE2-A517-4349-8550-60B597E90A24}"/>
+          </ac:picMkLst>
+        </pc:picChg>
+      </pc:sldChg>
+      <pc:sldChg chg="addSp delSp modSp new mod">
+        <pc:chgData name="남 상현" userId="03ad4a8e8f7310f3" providerId="LiveId" clId="{A99FF4A5-BC7F-4010-AC4C-1C661166150A}" dt="2021-10-30T12:53:12.021" v="175" actId="478"/>
+        <pc:sldMkLst>
+          <pc:docMk/>
+          <pc:sldMk cId="3785871057" sldId="265"/>
+        </pc:sldMkLst>
+        <pc:spChg chg="del">
+          <ac:chgData name="남 상현" userId="03ad4a8e8f7310f3" providerId="LiveId" clId="{A99FF4A5-BC7F-4010-AC4C-1C661166150A}" dt="2021-10-30T12:42:27.414" v="39" actId="478"/>
+          <ac:spMkLst>
+            <pc:docMk/>
+            <pc:sldMk cId="3785871057" sldId="265"/>
+            <ac:spMk id="2" creationId="{89DF51CA-5DC6-4200-932A-3977252AB103}"/>
+          </ac:spMkLst>
+        </pc:spChg>
+        <pc:spChg chg="del">
+          <ac:chgData name="남 상현" userId="03ad4a8e8f7310f3" providerId="LiveId" clId="{A99FF4A5-BC7F-4010-AC4C-1C661166150A}" dt="2021-10-30T12:42:27.414" v="39" actId="478"/>
+          <ac:spMkLst>
+            <pc:docMk/>
+            <pc:sldMk cId="3785871057" sldId="265"/>
+            <ac:spMk id="3" creationId="{9B95F21F-72B8-4CDE-9D06-777CDA2C0A41}"/>
+          </ac:spMkLst>
+        </pc:spChg>
+        <pc:spChg chg="add mod">
+          <ac:chgData name="남 상현" userId="03ad4a8e8f7310f3" providerId="LiveId" clId="{A99FF4A5-BC7F-4010-AC4C-1C661166150A}" dt="2021-10-30T12:47:50.757" v="152" actId="14100"/>
+          <ac:spMkLst>
+            <pc:docMk/>
+            <pc:sldMk cId="3785871057" sldId="265"/>
+            <ac:spMk id="4" creationId="{D05DF64E-C0B6-4FFD-B275-B6928EDB3174}"/>
+          </ac:spMkLst>
+        </pc:spChg>
+        <pc:spChg chg="add mod">
+          <ac:chgData name="남 상현" userId="03ad4a8e8f7310f3" providerId="LiveId" clId="{A99FF4A5-BC7F-4010-AC4C-1C661166150A}" dt="2021-10-30T12:48:01.195" v="156" actId="14100"/>
+          <ac:spMkLst>
+            <pc:docMk/>
+            <pc:sldMk cId="3785871057" sldId="265"/>
+            <ac:spMk id="5" creationId="{DBB5E173-77E5-4A3E-89D0-7AA816547D5D}"/>
+          </ac:spMkLst>
+        </pc:spChg>
+        <pc:spChg chg="add mod">
+          <ac:chgData name="남 상현" userId="03ad4a8e8f7310f3" providerId="LiveId" clId="{A99FF4A5-BC7F-4010-AC4C-1C661166150A}" dt="2021-10-30T12:47:59.184" v="155" actId="14100"/>
+          <ac:spMkLst>
+            <pc:docMk/>
+            <pc:sldMk cId="3785871057" sldId="265"/>
+            <ac:spMk id="6" creationId="{E28FE543-D60D-48AB-AA7E-3BB355995750}"/>
+          </ac:spMkLst>
+        </pc:spChg>
+        <pc:spChg chg="add mod">
+          <ac:chgData name="남 상현" userId="03ad4a8e8f7310f3" providerId="LiveId" clId="{A99FF4A5-BC7F-4010-AC4C-1C661166150A}" dt="2021-10-30T12:47:55.268" v="153" actId="14100"/>
+          <ac:spMkLst>
+            <pc:docMk/>
+            <pc:sldMk cId="3785871057" sldId="265"/>
+            <ac:spMk id="7" creationId="{6A7D73D3-E96B-429B-AA1B-FA735A01DDF8}"/>
+          </ac:spMkLst>
+        </pc:spChg>
+        <pc:spChg chg="add mod">
+          <ac:chgData name="남 상현" userId="03ad4a8e8f7310f3" providerId="LiveId" clId="{A99FF4A5-BC7F-4010-AC4C-1C661166150A}" dt="2021-10-30T12:43:02.619" v="55" actId="164"/>
+          <ac:spMkLst>
+            <pc:docMk/>
+            <pc:sldMk cId="3785871057" sldId="265"/>
+            <ac:spMk id="8" creationId="{7EC424D6-0EA4-4E4E-902B-A21B54F170F0}"/>
+          </ac:spMkLst>
+        </pc:spChg>
+        <pc:spChg chg="add mod">
+          <ac:chgData name="남 상현" userId="03ad4a8e8f7310f3" providerId="LiveId" clId="{A99FF4A5-BC7F-4010-AC4C-1C661166150A}" dt="2021-10-30T12:43:02.619" v="55" actId="164"/>
+          <ac:spMkLst>
+            <pc:docMk/>
+            <pc:sldMk cId="3785871057" sldId="265"/>
+            <ac:spMk id="9" creationId="{852CB7FE-F456-45E1-9DD6-8AB1E44D2772}"/>
+          </ac:spMkLst>
+        </pc:spChg>
+        <pc:spChg chg="add mod">
+          <ac:chgData name="남 상현" userId="03ad4a8e8f7310f3" providerId="LiveId" clId="{A99FF4A5-BC7F-4010-AC4C-1C661166150A}" dt="2021-10-30T12:43:02.619" v="55" actId="164"/>
+          <ac:spMkLst>
+            <pc:docMk/>
+            <pc:sldMk cId="3785871057" sldId="265"/>
+            <ac:spMk id="10" creationId="{E540BAEB-9A05-44B6-B5E5-FF554042F4BE}"/>
+          </ac:spMkLst>
+        </pc:spChg>
+        <pc:spChg chg="add mod">
+          <ac:chgData name="남 상현" userId="03ad4a8e8f7310f3" providerId="LiveId" clId="{A99FF4A5-BC7F-4010-AC4C-1C661166150A}" dt="2021-10-30T12:43:02.619" v="55" actId="164"/>
+          <ac:spMkLst>
+            <pc:docMk/>
+            <pc:sldMk cId="3785871057" sldId="265"/>
+            <ac:spMk id="11" creationId="{60C2FC3F-FEFD-4D08-A14D-9C59152D31D5}"/>
+          </ac:spMkLst>
+        </pc:spChg>
+        <pc:spChg chg="add mod">
+          <ac:chgData name="남 상현" userId="03ad4a8e8f7310f3" providerId="LiveId" clId="{A99FF4A5-BC7F-4010-AC4C-1C661166150A}" dt="2021-10-30T12:43:15.320" v="66" actId="1076"/>
+          <ac:spMkLst>
+            <pc:docMk/>
+            <pc:sldMk cId="3785871057" sldId="265"/>
+            <ac:spMk id="12" creationId="{31490B06-BB7B-4570-9658-32CD9322BDCC}"/>
+          </ac:spMkLst>
+        </pc:spChg>
+        <pc:spChg chg="add mod">
+          <ac:chgData name="남 상현" userId="03ad4a8e8f7310f3" providerId="LiveId" clId="{A99FF4A5-BC7F-4010-AC4C-1C661166150A}" dt="2021-10-30T12:43:32.485" v="73" actId="164"/>
+          <ac:spMkLst>
+            <pc:docMk/>
+            <pc:sldMk cId="3785871057" sldId="265"/>
+            <ac:spMk id="14" creationId="{B7B694CC-D970-4721-8321-40A840389E76}"/>
+          </ac:spMkLst>
+        </pc:spChg>
+        <pc:spChg chg="add mod">
+          <ac:chgData name="남 상현" userId="03ad4a8e8f7310f3" providerId="LiveId" clId="{A99FF4A5-BC7F-4010-AC4C-1C661166150A}" dt="2021-10-30T12:43:32.485" v="73" actId="164"/>
+          <ac:spMkLst>
+            <pc:docMk/>
+            <pc:sldMk cId="3785871057" sldId="265"/>
+            <ac:spMk id="15" creationId="{7E19018A-9D19-4BC6-B066-6B0A812D5DF9}"/>
+          </ac:spMkLst>
+        </pc:spChg>
+        <pc:spChg chg="add del mod">
+          <ac:chgData name="남 상현" userId="03ad4a8e8f7310f3" providerId="LiveId" clId="{A99FF4A5-BC7F-4010-AC4C-1C661166150A}" dt="2021-10-30T12:44:28.341" v="80" actId="21"/>
+          <ac:spMkLst>
+            <pc:docMk/>
+            <pc:sldMk cId="3785871057" sldId="265"/>
+            <ac:spMk id="17" creationId="{9FD4A54F-9796-4A79-99A9-69D0498379EB}"/>
+          </ac:spMkLst>
+        </pc:spChg>
+        <pc:spChg chg="add del mod ord">
+          <ac:chgData name="남 상현" userId="03ad4a8e8f7310f3" providerId="LiveId" clId="{A99FF4A5-BC7F-4010-AC4C-1C661166150A}" dt="2021-10-30T12:47:56.712" v="154" actId="478"/>
+          <ac:spMkLst>
+            <pc:docMk/>
+            <pc:sldMk cId="3785871057" sldId="265"/>
+            <ac:spMk id="21" creationId="{CA26EF05-BCB2-4EC5-A622-7E92B1C62ED3}"/>
+          </ac:spMkLst>
+        </pc:spChg>
+        <pc:spChg chg="add del mod">
+          <ac:chgData name="남 상현" userId="03ad4a8e8f7310f3" providerId="LiveId" clId="{A99FF4A5-BC7F-4010-AC4C-1C661166150A}" dt="2021-10-30T12:53:12.021" v="175" actId="478"/>
+          <ac:spMkLst>
+            <pc:docMk/>
+            <pc:sldMk cId="3785871057" sldId="265"/>
+            <ac:spMk id="23" creationId="{1AD52EED-BFAA-4AF1-91DB-0268045D324B}"/>
+          </ac:spMkLst>
+        </pc:spChg>
+        <pc:spChg chg="add del mod">
+          <ac:chgData name="남 상현" userId="03ad4a8e8f7310f3" providerId="LiveId" clId="{A99FF4A5-BC7F-4010-AC4C-1C661166150A}" dt="2021-10-30T12:47:08.616" v="145" actId="478"/>
+          <ac:spMkLst>
+            <pc:docMk/>
+            <pc:sldMk cId="3785871057" sldId="265"/>
+            <ac:spMk id="24" creationId="{3385AC35-2A70-4EE6-938A-1BD58618DA4C}"/>
+          </ac:spMkLst>
+        </pc:spChg>
+        <pc:spChg chg="add mod">
+          <ac:chgData name="남 상현" userId="03ad4a8e8f7310f3" providerId="LiveId" clId="{A99FF4A5-BC7F-4010-AC4C-1C661166150A}" dt="2021-10-30T12:48:20.849" v="174" actId="1037"/>
+          <ac:spMkLst>
+            <pc:docMk/>
+            <pc:sldMk cId="3785871057" sldId="265"/>
+            <ac:spMk id="25" creationId="{56DD9C64-BC14-429F-A0BF-F7DFBE5DBEC4}"/>
+          </ac:spMkLst>
+        </pc:spChg>
+        <pc:grpChg chg="add mod">
+          <ac:chgData name="남 상현" userId="03ad4a8e8f7310f3" providerId="LiveId" clId="{A99FF4A5-BC7F-4010-AC4C-1C661166150A}" dt="2021-10-30T12:43:09.170" v="64" actId="1038"/>
+          <ac:grpSpMkLst>
+            <pc:docMk/>
+            <pc:sldMk cId="3785871057" sldId="265"/>
+            <ac:grpSpMk id="13" creationId="{7B19A854-C655-4929-8204-83356276965A}"/>
+          </ac:grpSpMkLst>
+        </pc:grpChg>
+        <pc:grpChg chg="add mod">
+          <ac:chgData name="남 상현" userId="03ad4a8e8f7310f3" providerId="LiveId" clId="{A99FF4A5-BC7F-4010-AC4C-1C661166150A}" dt="2021-10-30T12:43:36.445" v="75" actId="1076"/>
+          <ac:grpSpMkLst>
+            <pc:docMk/>
+            <pc:sldMk cId="3785871057" sldId="265"/>
+            <ac:grpSpMk id="16" creationId="{02E6A878-837D-44CB-8E82-79A107ED592B}"/>
+          </ac:grpSpMkLst>
+        </pc:grpChg>
+        <pc:picChg chg="add mod modCrop">
+          <ac:chgData name="남 상현" userId="03ad4a8e8f7310f3" providerId="LiveId" clId="{A99FF4A5-BC7F-4010-AC4C-1C661166150A}" dt="2021-10-30T12:44:39.239" v="84" actId="1076"/>
+          <ac:picMkLst>
+            <pc:docMk/>
+            <pc:sldMk cId="3785871057" sldId="265"/>
+            <ac:picMk id="18" creationId="{E27E8CA0-F34D-42C4-BB47-DBA279227C80}"/>
+          </ac:picMkLst>
+        </pc:picChg>
+        <pc:picChg chg="add mod">
+          <ac:chgData name="남 상현" userId="03ad4a8e8f7310f3" providerId="LiveId" clId="{A99FF4A5-BC7F-4010-AC4C-1C661166150A}" dt="2021-10-30T12:44:46.030" v="88" actId="1076"/>
+          <ac:picMkLst>
+            <pc:docMk/>
+            <pc:sldMk cId="3785871057" sldId="265"/>
+            <ac:picMk id="19" creationId="{24006D4A-C03A-41B7-88E7-D5EBA83F392E}"/>
+          </ac:picMkLst>
+        </pc:picChg>
+        <pc:picChg chg="add mod">
+          <ac:chgData name="남 상현" userId="03ad4a8e8f7310f3" providerId="LiveId" clId="{A99FF4A5-BC7F-4010-AC4C-1C661166150A}" dt="2021-10-30T12:44:49.624" v="90" actId="1076"/>
+          <ac:picMkLst>
+            <pc:docMk/>
+            <pc:sldMk cId="3785871057" sldId="265"/>
+            <ac:picMk id="20" creationId="{4A05EEBF-4B45-4957-A237-D9B6E8F713DC}"/>
+          </ac:picMkLst>
+        </pc:picChg>
+        <pc:picChg chg="add del mod modCrop">
+          <ac:chgData name="남 상현" userId="03ad4a8e8f7310f3" providerId="LiveId" clId="{A99FF4A5-BC7F-4010-AC4C-1C661166150A}" dt="2021-10-30T12:45:46.602" v="117"/>
+          <ac:picMkLst>
+            <pc:docMk/>
+            <pc:sldMk cId="3785871057" sldId="265"/>
+            <ac:picMk id="22" creationId="{04A95C1A-B906-461E-BAE6-B171951C6F26}"/>
+          </ac:picMkLst>
+        </pc:picChg>
+      </pc:sldChg>
+      <pc:sldChg chg="addSp delSp modSp new mod">
+        <pc:chgData name="남 상현" userId="03ad4a8e8f7310f3" providerId="LiveId" clId="{A99FF4A5-BC7F-4010-AC4C-1C661166150A}" dt="2021-10-30T13:25:26.558" v="407"/>
+        <pc:sldMkLst>
+          <pc:docMk/>
+          <pc:sldMk cId="3554067655" sldId="266"/>
+        </pc:sldMkLst>
+        <pc:spChg chg="del">
+          <ac:chgData name="남 상현" userId="03ad4a8e8f7310f3" providerId="LiveId" clId="{A99FF4A5-BC7F-4010-AC4C-1C661166150A}" dt="2021-10-30T13:05:17.445" v="275" actId="478"/>
+          <ac:spMkLst>
+            <pc:docMk/>
+            <pc:sldMk cId="3554067655" sldId="266"/>
+            <ac:spMk id="2" creationId="{8D91B721-248D-4A3E-B120-2AC32757DD9D}"/>
+          </ac:spMkLst>
+        </pc:spChg>
+        <pc:spChg chg="del">
+          <ac:chgData name="남 상현" userId="03ad4a8e8f7310f3" providerId="LiveId" clId="{A99FF4A5-BC7F-4010-AC4C-1C661166150A}" dt="2021-10-30T13:05:17.445" v="275" actId="478"/>
+          <ac:spMkLst>
+            <pc:docMk/>
+            <pc:sldMk cId="3554067655" sldId="266"/>
+            <ac:spMk id="3" creationId="{979D77F3-75F6-43CD-959D-A62629C0F3C8}"/>
+          </ac:spMkLst>
+        </pc:spChg>
+        <pc:grpChg chg="add mod">
+          <ac:chgData name="남 상현" userId="03ad4a8e8f7310f3" providerId="LiveId" clId="{A99FF4A5-BC7F-4010-AC4C-1C661166150A}" dt="2021-10-30T13:24:17.471" v="403" actId="1076"/>
+          <ac:grpSpMkLst>
+            <pc:docMk/>
+            <pc:sldMk cId="3554067655" sldId="266"/>
+            <ac:grpSpMk id="9" creationId="{65CB86F7-3A13-4EA9-8891-AB3BADFB55C1}"/>
+          </ac:grpSpMkLst>
+        </pc:grpChg>
+        <pc:graphicFrameChg chg="add del mod modGraphic">
+          <ac:chgData name="남 상현" userId="03ad4a8e8f7310f3" providerId="LiveId" clId="{A99FF4A5-BC7F-4010-AC4C-1C661166150A}" dt="2021-10-30T13:06:33.986" v="281" actId="1032"/>
+          <ac:graphicFrameMkLst>
+            <pc:docMk/>
+            <pc:sldMk cId="3554067655" sldId="266"/>
+            <ac:graphicFrameMk id="5" creationId="{B66C4D04-AF2B-4A2B-B554-129357783A35}"/>
+          </ac:graphicFrameMkLst>
+        </pc:graphicFrameChg>
+        <pc:graphicFrameChg chg="add del mod modGraphic">
+          <ac:chgData name="남 상현" userId="03ad4a8e8f7310f3" providerId="LiveId" clId="{A99FF4A5-BC7F-4010-AC4C-1C661166150A}" dt="2021-10-30T13:19:02.974" v="397" actId="478"/>
+          <ac:graphicFrameMkLst>
+            <pc:docMk/>
+            <pc:sldMk cId="3554067655" sldId="266"/>
+            <ac:graphicFrameMk id="6" creationId="{AB57D977-3945-4718-92F1-0E777E1ED8C1}"/>
+          </ac:graphicFrameMkLst>
+        </pc:graphicFrameChg>
+        <pc:graphicFrameChg chg="add del mod modGraphic">
+          <ac:chgData name="남 상현" userId="03ad4a8e8f7310f3" providerId="LiveId" clId="{A99FF4A5-BC7F-4010-AC4C-1C661166150A}" dt="2021-10-30T13:17:38.030" v="379" actId="478"/>
+          <ac:graphicFrameMkLst>
+            <pc:docMk/>
+            <pc:sldMk cId="3554067655" sldId="266"/>
+            <ac:graphicFrameMk id="7" creationId="{EFB128D3-1007-4205-8152-1F6B48DC4028}"/>
+          </ac:graphicFrameMkLst>
+        </pc:graphicFrameChg>
+        <pc:graphicFrameChg chg="add mod modGraphic">
+          <ac:chgData name="남 상현" userId="03ad4a8e8f7310f3" providerId="LiveId" clId="{A99FF4A5-BC7F-4010-AC4C-1C661166150A}" dt="2021-10-30T13:25:26.558" v="407"/>
+          <ac:graphicFrameMkLst>
+            <pc:docMk/>
+            <pc:sldMk cId="3554067655" sldId="266"/>
+            <ac:graphicFrameMk id="8" creationId="{34172EB0-4EDB-429A-9696-A0AEA0C5EB34}"/>
+          </ac:graphicFrameMkLst>
+        </pc:graphicFrameChg>
+        <pc:picChg chg="add mod">
+          <ac:chgData name="남 상현" userId="03ad4a8e8f7310f3" providerId="LiveId" clId="{A99FF4A5-BC7F-4010-AC4C-1C661166150A}" dt="2021-10-30T13:24:17.471" v="403" actId="1076"/>
+          <ac:picMkLst>
+            <pc:docMk/>
+            <pc:sldMk cId="3554067655" sldId="266"/>
+            <ac:picMk id="4" creationId="{D6B674CE-3539-4EF6-A92F-E0A422FA9B4F}"/>
+          </ac:picMkLst>
+        </pc:picChg>
+      </pc:sldChg>
+      <pc:sldChg chg="addSp delSp modSp new mod">
+        <pc:chgData name="남 상현" userId="03ad4a8e8f7310f3" providerId="LiveId" clId="{A99FF4A5-BC7F-4010-AC4C-1C661166150A}" dt="2021-10-30T13:47:11.272" v="436" actId="1076"/>
+        <pc:sldMkLst>
+          <pc:docMk/>
+          <pc:sldMk cId="3388440209" sldId="267"/>
+        </pc:sldMkLst>
+        <pc:spChg chg="del">
+          <ac:chgData name="남 상현" userId="03ad4a8e8f7310f3" providerId="LiveId" clId="{A99FF4A5-BC7F-4010-AC4C-1C661166150A}" dt="2021-10-30T13:45:41.696" v="409" actId="478"/>
+          <ac:spMkLst>
+            <pc:docMk/>
+            <pc:sldMk cId="3388440209" sldId="267"/>
+            <ac:spMk id="2" creationId="{80657139-904D-4D8D-935E-02EA46E6948A}"/>
+          </ac:spMkLst>
+        </pc:spChg>
+        <pc:spChg chg="del">
+          <ac:chgData name="남 상현" userId="03ad4a8e8f7310f3" providerId="LiveId" clId="{A99FF4A5-BC7F-4010-AC4C-1C661166150A}" dt="2021-10-30T13:45:41.696" v="409" actId="478"/>
+          <ac:spMkLst>
+            <pc:docMk/>
+            <pc:sldMk cId="3388440209" sldId="267"/>
+            <ac:spMk id="3" creationId="{A86A1B52-991A-43B6-9AD7-7D3AD487B44D}"/>
+          </ac:spMkLst>
+        </pc:spChg>
+        <pc:spChg chg="add del mod">
+          <ac:chgData name="남 상현" userId="03ad4a8e8f7310f3" providerId="LiveId" clId="{A99FF4A5-BC7F-4010-AC4C-1C661166150A}" dt="2021-10-30T13:46:30.865" v="429" actId="478"/>
+          <ac:spMkLst>
+            <pc:docMk/>
+            <pc:sldMk cId="3388440209" sldId="267"/>
+            <ac:spMk id="4" creationId="{0AAD5E0C-B95E-4B6F-BDC7-BDD21D64529A}"/>
+          </ac:spMkLst>
+        </pc:spChg>
+        <pc:spChg chg="add del mod">
+          <ac:chgData name="남 상현" userId="03ad4a8e8f7310f3" providerId="LiveId" clId="{A99FF4A5-BC7F-4010-AC4C-1C661166150A}" dt="2021-10-30T13:46:33.033" v="430" actId="478"/>
+          <ac:spMkLst>
+            <pc:docMk/>
+            <pc:sldMk cId="3388440209" sldId="267"/>
+            <ac:spMk id="5" creationId="{15FD8A99-57EC-4FAD-B566-46505A34680D}"/>
+          </ac:spMkLst>
+        </pc:spChg>
+        <pc:spChg chg="add mod">
+          <ac:chgData name="남 상현" userId="03ad4a8e8f7310f3" providerId="LiveId" clId="{A99FF4A5-BC7F-4010-AC4C-1C661166150A}" dt="2021-10-30T13:46:08.668" v="423" actId="1076"/>
+          <ac:spMkLst>
+            <pc:docMk/>
+            <pc:sldMk cId="3388440209" sldId="267"/>
+            <ac:spMk id="6" creationId="{54B6F421-E2DB-4144-B2C8-60FDFB8FF60D}"/>
+          </ac:spMkLst>
+        </pc:spChg>
+        <pc:spChg chg="add mod">
+          <ac:chgData name="남 상현" userId="03ad4a8e8f7310f3" providerId="LiveId" clId="{A99FF4A5-BC7F-4010-AC4C-1C661166150A}" dt="2021-10-30T13:46:16.632" v="427" actId="1076"/>
+          <ac:spMkLst>
+            <pc:docMk/>
+            <pc:sldMk cId="3388440209" sldId="267"/>
+            <ac:spMk id="7" creationId="{D0DFD1EB-25EB-41F8-93A6-7237A1B9DF22}"/>
+          </ac:spMkLst>
+        </pc:spChg>
+        <pc:spChg chg="add mod">
+          <ac:chgData name="남 상현" userId="03ad4a8e8f7310f3" providerId="LiveId" clId="{A99FF4A5-BC7F-4010-AC4C-1C661166150A}" dt="2021-10-30T13:47:11.272" v="436" actId="1076"/>
+          <ac:spMkLst>
+            <pc:docMk/>
+            <pc:sldMk cId="3388440209" sldId="267"/>
+            <ac:spMk id="8" creationId="{0E5CA458-52A2-43FB-80DB-22B9106D0312}"/>
+          </ac:spMkLst>
+        </pc:spChg>
+        <pc:spChg chg="add mod">
+          <ac:chgData name="남 상현" userId="03ad4a8e8f7310f3" providerId="LiveId" clId="{A99FF4A5-BC7F-4010-AC4C-1C661166150A}" dt="2021-10-30T13:47:07.617" v="435" actId="1076"/>
+          <ac:spMkLst>
+            <pc:docMk/>
+            <pc:sldMk cId="3388440209" sldId="267"/>
+            <ac:spMk id="9" creationId="{1C3CD3A3-B1F1-4C38-ACDE-8594E9C3454B}"/>
+          </ac:spMkLst>
+        </pc:spChg>
+      </pc:sldChg>
+    </pc:docChg>
+  </pc:docChgLst>
   <pc:docChgLst>
     <pc:chgData name="남 상현" userId="03ad4a8e8f7310f3" providerId="LiveId" clId="{B153C180-B5F0-495B-91C2-8E02C97DFEE5}"/>
     <pc:docChg chg="undo redo custSel addSld delSld modSld sldOrd modMainMaster">
@@ -2981,6 +3674,3128 @@
     </pc:docChg>
   </pc:docChgLst>
 </pc:chgInfo>
+</file>
+
+<file path=ppt/diagrams/colors1.xml><?xml version="1.0" encoding="utf-8"?>
+<dgm:colorsDef xmlns:dgm="http://schemas.openxmlformats.org/drawingml/2006/diagram" xmlns:a="http://schemas.openxmlformats.org/drawingml/2006/main" uniqueId="urn:microsoft.com/office/officeart/2005/8/colors/accent1_2">
+  <dgm:title val=""/>
+  <dgm:desc val=""/>
+  <dgm:catLst>
+    <dgm:cat type="accent1" pri="11200"/>
+  </dgm:catLst>
+  <dgm:styleLbl name="node0">
+    <dgm:fillClrLst meth="repeat">
+      <a:schemeClr val="accent1"/>
+    </dgm:fillClrLst>
+    <dgm:linClrLst meth="repeat">
+      <a:schemeClr val="lt1"/>
+    </dgm:linClrLst>
+    <dgm:effectClrLst/>
+    <dgm:txLinClrLst/>
+    <dgm:txFillClrLst/>
+    <dgm:txEffectClrLst/>
+  </dgm:styleLbl>
+  <dgm:styleLbl name="alignNode1">
+    <dgm:fillClrLst meth="repeat">
+      <a:schemeClr val="accent1"/>
+    </dgm:fillClrLst>
+    <dgm:linClrLst meth="repeat">
+      <a:schemeClr val="accent1"/>
+    </dgm:linClrLst>
+    <dgm:effectClrLst/>
+    <dgm:txLinClrLst/>
+    <dgm:txFillClrLst/>
+    <dgm:txEffectClrLst/>
+  </dgm:styleLbl>
+  <dgm:styleLbl name="node1">
+    <dgm:fillClrLst meth="repeat">
+      <a:schemeClr val="accent1"/>
+    </dgm:fillClrLst>
+    <dgm:linClrLst meth="repeat">
+      <a:schemeClr val="lt1"/>
+    </dgm:linClrLst>
+    <dgm:effectClrLst/>
+    <dgm:txLinClrLst/>
+    <dgm:txFillClrLst/>
+    <dgm:txEffectClrLst/>
+  </dgm:styleLbl>
+  <dgm:styleLbl name="lnNode1">
+    <dgm:fillClrLst meth="repeat">
+      <a:schemeClr val="accent1"/>
+    </dgm:fillClrLst>
+    <dgm:linClrLst meth="repeat">
+      <a:schemeClr val="lt1"/>
+    </dgm:linClrLst>
+    <dgm:effectClrLst/>
+    <dgm:txLinClrLst/>
+    <dgm:txFillClrLst/>
+    <dgm:txEffectClrLst/>
+  </dgm:styleLbl>
+  <dgm:styleLbl name="vennNode1">
+    <dgm:fillClrLst meth="repeat">
+      <a:schemeClr val="accent1">
+        <a:alpha val="50000"/>
+      </a:schemeClr>
+    </dgm:fillClrLst>
+    <dgm:linClrLst meth="repeat">
+      <a:schemeClr val="lt1"/>
+    </dgm:linClrLst>
+    <dgm:effectClrLst/>
+    <dgm:txLinClrLst/>
+    <dgm:txFillClrLst/>
+    <dgm:txEffectClrLst/>
+  </dgm:styleLbl>
+  <dgm:styleLbl name="node2">
+    <dgm:fillClrLst meth="repeat">
+      <a:schemeClr val="accent1"/>
+    </dgm:fillClrLst>
+    <dgm:linClrLst meth="repeat">
+      <a:schemeClr val="lt1"/>
+    </dgm:linClrLst>
+    <dgm:effectClrLst/>
+    <dgm:txLinClrLst/>
+    <dgm:txFillClrLst/>
+    <dgm:txEffectClrLst/>
+  </dgm:styleLbl>
+  <dgm:styleLbl name="node3">
+    <dgm:fillClrLst meth="repeat">
+      <a:schemeClr val="accent1"/>
+    </dgm:fillClrLst>
+    <dgm:linClrLst meth="repeat">
+      <a:schemeClr val="lt1"/>
+    </dgm:linClrLst>
+    <dgm:effectClrLst/>
+    <dgm:txLinClrLst/>
+    <dgm:txFillClrLst/>
+    <dgm:txEffectClrLst/>
+  </dgm:styleLbl>
+  <dgm:styleLbl name="node4">
+    <dgm:fillClrLst meth="repeat">
+      <a:schemeClr val="accent1"/>
+    </dgm:fillClrLst>
+    <dgm:linClrLst meth="repeat">
+      <a:schemeClr val="lt1"/>
+    </dgm:linClrLst>
+    <dgm:effectClrLst/>
+    <dgm:txLinClrLst/>
+    <dgm:txFillClrLst/>
+    <dgm:txEffectClrLst/>
+  </dgm:styleLbl>
+  <dgm:styleLbl name="fgImgPlace1">
+    <dgm:fillClrLst meth="repeat">
+      <a:schemeClr val="accent1">
+        <a:tint val="50000"/>
+      </a:schemeClr>
+    </dgm:fillClrLst>
+    <dgm:linClrLst meth="repeat">
+      <a:schemeClr val="lt1"/>
+    </dgm:linClrLst>
+    <dgm:effectClrLst/>
+    <dgm:txLinClrLst/>
+    <dgm:txFillClrLst meth="repeat">
+      <a:schemeClr val="lt1"/>
+    </dgm:txFillClrLst>
+    <dgm:txEffectClrLst/>
+  </dgm:styleLbl>
+  <dgm:styleLbl name="alignImgPlace1">
+    <dgm:fillClrLst meth="repeat">
+      <a:schemeClr val="accent1">
+        <a:tint val="50000"/>
+      </a:schemeClr>
+    </dgm:fillClrLst>
+    <dgm:linClrLst meth="repeat">
+      <a:schemeClr val="lt1"/>
+    </dgm:linClrLst>
+    <dgm:effectClrLst/>
+    <dgm:txLinClrLst/>
+    <dgm:txFillClrLst meth="repeat">
+      <a:schemeClr val="lt1"/>
+    </dgm:txFillClrLst>
+    <dgm:txEffectClrLst/>
+  </dgm:styleLbl>
+  <dgm:styleLbl name="bgImgPlace1">
+    <dgm:fillClrLst meth="repeat">
+      <a:schemeClr val="accent1">
+        <a:tint val="50000"/>
+      </a:schemeClr>
+    </dgm:fillClrLst>
+    <dgm:linClrLst meth="repeat">
+      <a:schemeClr val="lt1"/>
+    </dgm:linClrLst>
+    <dgm:effectClrLst/>
+    <dgm:txLinClrLst/>
+    <dgm:txFillClrLst meth="repeat">
+      <a:schemeClr val="lt1"/>
+    </dgm:txFillClrLst>
+    <dgm:txEffectClrLst/>
+  </dgm:styleLbl>
+  <dgm:styleLbl name="sibTrans2D1">
+    <dgm:fillClrLst meth="repeat">
+      <a:schemeClr val="accent1">
+        <a:tint val="60000"/>
+      </a:schemeClr>
+    </dgm:fillClrLst>
+    <dgm:linClrLst meth="repeat">
+      <a:schemeClr val="accent1">
+        <a:tint val="60000"/>
+      </a:schemeClr>
+    </dgm:linClrLst>
+    <dgm:effectClrLst/>
+    <dgm:txLinClrLst/>
+    <dgm:txFillClrLst/>
+    <dgm:txEffectClrLst/>
+  </dgm:styleLbl>
+  <dgm:styleLbl name="fgSibTrans2D1">
+    <dgm:fillClrLst meth="repeat">
+      <a:schemeClr val="accent1">
+        <a:tint val="60000"/>
+      </a:schemeClr>
+    </dgm:fillClrLst>
+    <dgm:linClrLst meth="repeat">
+      <a:schemeClr val="accent1">
+        <a:tint val="60000"/>
+      </a:schemeClr>
+    </dgm:linClrLst>
+    <dgm:effectClrLst/>
+    <dgm:txLinClrLst/>
+    <dgm:txFillClrLst/>
+    <dgm:txEffectClrLst/>
+  </dgm:styleLbl>
+  <dgm:styleLbl name="bgSibTrans2D1">
+    <dgm:fillClrLst meth="repeat">
+      <a:schemeClr val="accent1">
+        <a:tint val="60000"/>
+      </a:schemeClr>
+    </dgm:fillClrLst>
+    <dgm:linClrLst meth="repeat">
+      <a:schemeClr val="accent1">
+        <a:tint val="60000"/>
+      </a:schemeClr>
+    </dgm:linClrLst>
+    <dgm:effectClrLst/>
+    <dgm:txLinClrLst/>
+    <dgm:txFillClrLst/>
+    <dgm:txEffectClrLst/>
+  </dgm:styleLbl>
+  <dgm:styleLbl name="sibTrans1D1">
+    <dgm:fillClrLst meth="repeat">
+      <a:schemeClr val="accent1"/>
+    </dgm:fillClrLst>
+    <dgm:linClrLst meth="repeat">
+      <a:schemeClr val="accent1"/>
+    </dgm:linClrLst>
+    <dgm:effectClrLst/>
+    <dgm:txLinClrLst/>
+    <dgm:txFillClrLst meth="repeat">
+      <a:schemeClr val="tx1"/>
+    </dgm:txFillClrLst>
+    <dgm:txEffectClrLst/>
+  </dgm:styleLbl>
+  <dgm:styleLbl name="callout">
+    <dgm:fillClrLst meth="repeat">
+      <a:schemeClr val="accent1"/>
+    </dgm:fillClrLst>
+    <dgm:linClrLst meth="repeat">
+      <a:schemeClr val="accent1">
+        <a:tint val="50000"/>
+      </a:schemeClr>
+    </dgm:linClrLst>
+    <dgm:effectClrLst/>
+    <dgm:txLinClrLst/>
+    <dgm:txFillClrLst meth="repeat">
+      <a:schemeClr val="tx1"/>
+    </dgm:txFillClrLst>
+    <dgm:txEffectClrLst/>
+  </dgm:styleLbl>
+  <dgm:styleLbl name="asst0">
+    <dgm:fillClrLst meth="repeat">
+      <a:schemeClr val="accent1"/>
+    </dgm:fillClrLst>
+    <dgm:linClrLst meth="repeat">
+      <a:schemeClr val="lt1"/>
+    </dgm:linClrLst>
+    <dgm:effectClrLst/>
+    <dgm:txLinClrLst/>
+    <dgm:txFillClrLst/>
+    <dgm:txEffectClrLst/>
+  </dgm:styleLbl>
+  <dgm:styleLbl name="asst1">
+    <dgm:fillClrLst meth="repeat">
+      <a:schemeClr val="accent1"/>
+    </dgm:fillClrLst>
+    <dgm:linClrLst meth="repeat">
+      <a:schemeClr val="lt1"/>
+    </dgm:linClrLst>
+    <dgm:effectClrLst/>
+    <dgm:txLinClrLst/>
+    <dgm:txFillClrLst/>
+    <dgm:txEffectClrLst/>
+  </dgm:styleLbl>
+  <dgm:styleLbl name="asst2">
+    <dgm:fillClrLst meth="repeat">
+      <a:schemeClr val="accent1"/>
+    </dgm:fillClrLst>
+    <dgm:linClrLst meth="repeat">
+      <a:schemeClr val="lt1"/>
+    </dgm:linClrLst>
+    <dgm:effectClrLst/>
+    <dgm:txLinClrLst/>
+    <dgm:txFillClrLst/>
+    <dgm:txEffectClrLst/>
+  </dgm:styleLbl>
+  <dgm:styleLbl name="asst3">
+    <dgm:fillClrLst meth="repeat">
+      <a:schemeClr val="accent1"/>
+    </dgm:fillClrLst>
+    <dgm:linClrLst meth="repeat">
+      <a:schemeClr val="lt1"/>
+    </dgm:linClrLst>
+    <dgm:effectClrLst/>
+    <dgm:txLinClrLst/>
+    <dgm:txFillClrLst/>
+    <dgm:txEffectClrLst/>
+  </dgm:styleLbl>
+  <dgm:styleLbl name="asst4">
+    <dgm:fillClrLst meth="repeat">
+      <a:schemeClr val="accent1"/>
+    </dgm:fillClrLst>
+    <dgm:linClrLst meth="repeat">
+      <a:schemeClr val="lt1"/>
+    </dgm:linClrLst>
+    <dgm:effectClrLst/>
+    <dgm:txLinClrLst/>
+    <dgm:txFillClrLst/>
+    <dgm:txEffectClrLst/>
+  </dgm:styleLbl>
+  <dgm:styleLbl name="parChTrans2D1">
+    <dgm:fillClrLst meth="repeat">
+      <a:schemeClr val="accent1">
+        <a:tint val="60000"/>
+      </a:schemeClr>
+    </dgm:fillClrLst>
+    <dgm:linClrLst meth="repeat">
+      <a:schemeClr val="accent1">
+        <a:tint val="60000"/>
+      </a:schemeClr>
+    </dgm:linClrLst>
+    <dgm:effectClrLst/>
+    <dgm:txLinClrLst/>
+    <dgm:txFillClrLst meth="repeat">
+      <a:schemeClr val="lt1"/>
+    </dgm:txFillClrLst>
+    <dgm:txEffectClrLst/>
+  </dgm:styleLbl>
+  <dgm:styleLbl name="parChTrans2D2">
+    <dgm:fillClrLst meth="repeat">
+      <a:schemeClr val="accent1"/>
+    </dgm:fillClrLst>
+    <dgm:linClrLst meth="repeat">
+      <a:schemeClr val="accent1"/>
+    </dgm:linClrLst>
+    <dgm:effectClrLst/>
+    <dgm:txLinClrLst/>
+    <dgm:txFillClrLst meth="repeat">
+      <a:schemeClr val="lt1"/>
+    </dgm:txFillClrLst>
+    <dgm:txEffectClrLst/>
+  </dgm:styleLbl>
+  <dgm:styleLbl name="parChTrans2D3">
+    <dgm:fillClrLst meth="repeat">
+      <a:schemeClr val="accent1"/>
+    </dgm:fillClrLst>
+    <dgm:linClrLst meth="repeat">
+      <a:schemeClr val="accent1"/>
+    </dgm:linClrLst>
+    <dgm:effectClrLst/>
+    <dgm:txLinClrLst/>
+    <dgm:txFillClrLst meth="repeat">
+      <a:schemeClr val="lt1"/>
+    </dgm:txFillClrLst>
+    <dgm:txEffectClrLst/>
+  </dgm:styleLbl>
+  <dgm:styleLbl name="parChTrans2D4">
+    <dgm:fillClrLst meth="repeat">
+      <a:schemeClr val="accent1"/>
+    </dgm:fillClrLst>
+    <dgm:linClrLst meth="repeat">
+      <a:schemeClr val="accent1"/>
+    </dgm:linClrLst>
+    <dgm:effectClrLst/>
+    <dgm:txLinClrLst/>
+    <dgm:txFillClrLst meth="repeat">
+      <a:schemeClr val="lt1"/>
+    </dgm:txFillClrLst>
+    <dgm:txEffectClrLst/>
+  </dgm:styleLbl>
+  <dgm:styleLbl name="parChTrans1D1">
+    <dgm:fillClrLst meth="repeat">
+      <a:schemeClr val="accent1"/>
+    </dgm:fillClrLst>
+    <dgm:linClrLst meth="repeat">
+      <a:schemeClr val="accent1">
+        <a:shade val="60000"/>
+      </a:schemeClr>
+    </dgm:linClrLst>
+    <dgm:effectClrLst/>
+    <dgm:txLinClrLst/>
+    <dgm:txFillClrLst meth="repeat">
+      <a:schemeClr val="tx1"/>
+    </dgm:txFillClrLst>
+    <dgm:txEffectClrLst/>
+  </dgm:styleLbl>
+  <dgm:styleLbl name="parChTrans1D2">
+    <dgm:fillClrLst meth="repeat">
+      <a:schemeClr val="accent1"/>
+    </dgm:fillClrLst>
+    <dgm:linClrLst meth="repeat">
+      <a:schemeClr val="accent1">
+        <a:shade val="60000"/>
+      </a:schemeClr>
+    </dgm:linClrLst>
+    <dgm:effectClrLst/>
+    <dgm:txLinClrLst/>
+    <dgm:txFillClrLst meth="repeat">
+      <a:schemeClr val="tx1"/>
+    </dgm:txFillClrLst>
+    <dgm:txEffectClrLst/>
+  </dgm:styleLbl>
+  <dgm:styleLbl name="parChTrans1D3">
+    <dgm:fillClrLst meth="repeat">
+      <a:schemeClr val="accent1"/>
+    </dgm:fillClrLst>
+    <dgm:linClrLst meth="repeat">
+      <a:schemeClr val="accent1">
+        <a:shade val="80000"/>
+      </a:schemeClr>
+    </dgm:linClrLst>
+    <dgm:effectClrLst/>
+    <dgm:txLinClrLst/>
+    <dgm:txFillClrLst meth="repeat">
+      <a:schemeClr val="tx1"/>
+    </dgm:txFillClrLst>
+    <dgm:txEffectClrLst/>
+  </dgm:styleLbl>
+  <dgm:styleLbl name="parChTrans1D4">
+    <dgm:fillClrLst meth="repeat">
+      <a:schemeClr val="accent1"/>
+    </dgm:fillClrLst>
+    <dgm:linClrLst meth="repeat">
+      <a:schemeClr val="accent1">
+        <a:shade val="80000"/>
+      </a:schemeClr>
+    </dgm:linClrLst>
+    <dgm:effectClrLst/>
+    <dgm:txLinClrLst/>
+    <dgm:txFillClrLst meth="repeat">
+      <a:schemeClr val="tx1"/>
+    </dgm:txFillClrLst>
+    <dgm:txEffectClrLst/>
+  </dgm:styleLbl>
+  <dgm:styleLbl name="fgAcc1">
+    <dgm:fillClrLst meth="repeat">
+      <a:schemeClr val="lt1">
+        <a:alpha val="90000"/>
+      </a:schemeClr>
+    </dgm:fillClrLst>
+    <dgm:linClrLst meth="repeat">
+      <a:schemeClr val="accent1"/>
+    </dgm:linClrLst>
+    <dgm:effectClrLst/>
+    <dgm:txLinClrLst/>
+    <dgm:txFillClrLst meth="repeat">
+      <a:schemeClr val="dk1"/>
+    </dgm:txFillClrLst>
+    <dgm:txEffectClrLst/>
+  </dgm:styleLbl>
+  <dgm:styleLbl name="conFgAcc1">
+    <dgm:fillClrLst meth="repeat">
+      <a:schemeClr val="lt1">
+        <a:alpha val="90000"/>
+      </a:schemeClr>
+    </dgm:fillClrLst>
+    <dgm:linClrLst meth="repeat">
+      <a:schemeClr val="accent1"/>
+    </dgm:linClrLst>
+    <dgm:effectClrLst/>
+    <dgm:txLinClrLst/>
+    <dgm:txFillClrLst meth="repeat">
+      <a:schemeClr val="dk1"/>
+    </dgm:txFillClrLst>
+    <dgm:txEffectClrLst/>
+  </dgm:styleLbl>
+  <dgm:styleLbl name="alignAcc1">
+    <dgm:fillClrLst meth="repeat">
+      <a:schemeClr val="lt1">
+        <a:alpha val="90000"/>
+      </a:schemeClr>
+    </dgm:fillClrLst>
+    <dgm:linClrLst meth="repeat">
+      <a:schemeClr val="accent1"/>
+    </dgm:linClrLst>
+    <dgm:effectClrLst/>
+    <dgm:txLinClrLst/>
+    <dgm:txFillClrLst meth="repeat">
+      <a:schemeClr val="dk1"/>
+    </dgm:txFillClrLst>
+    <dgm:txEffectClrLst/>
+  </dgm:styleLbl>
+  <dgm:styleLbl name="trAlignAcc1">
+    <dgm:fillClrLst meth="repeat">
+      <a:schemeClr val="lt1">
+        <a:alpha val="40000"/>
+      </a:schemeClr>
+    </dgm:fillClrLst>
+    <dgm:linClrLst meth="repeat">
+      <a:schemeClr val="accent1"/>
+    </dgm:linClrLst>
+    <dgm:effectClrLst/>
+    <dgm:txLinClrLst/>
+    <dgm:txFillClrLst meth="repeat">
+      <a:schemeClr val="dk1"/>
+    </dgm:txFillClrLst>
+    <dgm:txEffectClrLst/>
+  </dgm:styleLbl>
+  <dgm:styleLbl name="bgAcc1">
+    <dgm:fillClrLst meth="repeat">
+      <a:schemeClr val="lt1">
+        <a:alpha val="90000"/>
+      </a:schemeClr>
+    </dgm:fillClrLst>
+    <dgm:linClrLst meth="repeat">
+      <a:schemeClr val="accent1"/>
+    </dgm:linClrLst>
+    <dgm:effectClrLst/>
+    <dgm:txLinClrLst/>
+    <dgm:txFillClrLst meth="repeat">
+      <a:schemeClr val="dk1"/>
+    </dgm:txFillClrLst>
+    <dgm:txEffectClrLst/>
+  </dgm:styleLbl>
+  <dgm:styleLbl name="solidFgAcc1">
+    <dgm:fillClrLst meth="repeat">
+      <a:schemeClr val="lt1"/>
+    </dgm:fillClrLst>
+    <dgm:linClrLst meth="repeat">
+      <a:schemeClr val="accent1"/>
+    </dgm:linClrLst>
+    <dgm:effectClrLst/>
+    <dgm:txLinClrLst/>
+    <dgm:txFillClrLst meth="repeat">
+      <a:schemeClr val="dk1"/>
+    </dgm:txFillClrLst>
+    <dgm:txEffectClrLst/>
+  </dgm:styleLbl>
+  <dgm:styleLbl name="solidAlignAcc1">
+    <dgm:fillClrLst meth="repeat">
+      <a:schemeClr val="lt1"/>
+    </dgm:fillClrLst>
+    <dgm:linClrLst meth="repeat">
+      <a:schemeClr val="accent1"/>
+    </dgm:linClrLst>
+    <dgm:effectClrLst/>
+    <dgm:txLinClrLst/>
+    <dgm:txFillClrLst meth="repeat">
+      <a:schemeClr val="dk1"/>
+    </dgm:txFillClrLst>
+    <dgm:txEffectClrLst/>
+  </dgm:styleLbl>
+  <dgm:styleLbl name="solidBgAcc1">
+    <dgm:fillClrLst meth="repeat">
+      <a:schemeClr val="lt1"/>
+    </dgm:fillClrLst>
+    <dgm:linClrLst meth="repeat">
+      <a:schemeClr val="accent1"/>
+    </dgm:linClrLst>
+    <dgm:effectClrLst/>
+    <dgm:txLinClrLst/>
+    <dgm:txFillClrLst meth="repeat">
+      <a:schemeClr val="dk1"/>
+    </dgm:txFillClrLst>
+    <dgm:txEffectClrLst/>
+  </dgm:styleLbl>
+  <dgm:styleLbl name="fgAccFollowNode1">
+    <dgm:fillClrLst meth="repeat">
+      <a:schemeClr val="accent1">
+        <a:alpha val="90000"/>
+        <a:tint val="40000"/>
+      </a:schemeClr>
+    </dgm:fillClrLst>
+    <dgm:linClrLst meth="repeat">
+      <a:schemeClr val="accent1">
+        <a:alpha val="90000"/>
+        <a:tint val="40000"/>
+      </a:schemeClr>
+    </dgm:linClrLst>
+    <dgm:effectClrLst/>
+    <dgm:txLinClrLst/>
+    <dgm:txFillClrLst meth="repeat">
+      <a:schemeClr val="dk1"/>
+    </dgm:txFillClrLst>
+    <dgm:txEffectClrLst/>
+  </dgm:styleLbl>
+  <dgm:styleLbl name="alignAccFollowNode1">
+    <dgm:fillClrLst meth="repeat">
+      <a:schemeClr val="accent1">
+        <a:alpha val="90000"/>
+        <a:tint val="40000"/>
+      </a:schemeClr>
+    </dgm:fillClrLst>
+    <dgm:linClrLst meth="repeat">
+      <a:schemeClr val="accent1">
+        <a:alpha val="90000"/>
+        <a:tint val="40000"/>
+      </a:schemeClr>
+    </dgm:linClrLst>
+    <dgm:effectClrLst/>
+    <dgm:txLinClrLst/>
+    <dgm:txFillClrLst meth="repeat">
+      <a:schemeClr val="dk1"/>
+    </dgm:txFillClrLst>
+    <dgm:txEffectClrLst/>
+  </dgm:styleLbl>
+  <dgm:styleLbl name="bgAccFollowNode1">
+    <dgm:fillClrLst meth="repeat">
+      <a:schemeClr val="accent1">
+        <a:alpha val="90000"/>
+        <a:tint val="40000"/>
+      </a:schemeClr>
+    </dgm:fillClrLst>
+    <dgm:linClrLst meth="repeat">
+      <a:schemeClr val="accent1">
+        <a:alpha val="90000"/>
+        <a:tint val="40000"/>
+      </a:schemeClr>
+    </dgm:linClrLst>
+    <dgm:effectClrLst/>
+    <dgm:txLinClrLst/>
+    <dgm:txFillClrLst meth="repeat">
+      <a:schemeClr val="dk1"/>
+    </dgm:txFillClrLst>
+    <dgm:txEffectClrLst/>
+  </dgm:styleLbl>
+  <dgm:styleLbl name="fgAcc0">
+    <dgm:fillClrLst meth="repeat">
+      <a:schemeClr val="lt1">
+        <a:alpha val="90000"/>
+      </a:schemeClr>
+    </dgm:fillClrLst>
+    <dgm:linClrLst meth="repeat">
+      <a:schemeClr val="accent1"/>
+    </dgm:linClrLst>
+    <dgm:effectClrLst/>
+    <dgm:txLinClrLst/>
+    <dgm:txFillClrLst meth="repeat">
+      <a:schemeClr val="dk1"/>
+    </dgm:txFillClrLst>
+    <dgm:txEffectClrLst/>
+  </dgm:styleLbl>
+  <dgm:styleLbl name="fgAcc2">
+    <dgm:fillClrLst meth="repeat">
+      <a:schemeClr val="lt1">
+        <a:alpha val="90000"/>
+      </a:schemeClr>
+    </dgm:fillClrLst>
+    <dgm:linClrLst meth="repeat">
+      <a:schemeClr val="accent1"/>
+    </dgm:linClrLst>
+    <dgm:effectClrLst/>
+    <dgm:txLinClrLst/>
+    <dgm:txFillClrLst meth="repeat">
+      <a:schemeClr val="dk1"/>
+    </dgm:txFillClrLst>
+    <dgm:txEffectClrLst/>
+  </dgm:styleLbl>
+  <dgm:styleLbl name="fgAcc3">
+    <dgm:fillClrLst meth="repeat">
+      <a:schemeClr val="lt1">
+        <a:alpha val="90000"/>
+      </a:schemeClr>
+    </dgm:fillClrLst>
+    <dgm:linClrLst meth="repeat">
+      <a:schemeClr val="accent1"/>
+    </dgm:linClrLst>
+    <dgm:effectClrLst/>
+    <dgm:txLinClrLst/>
+    <dgm:txFillClrLst meth="repeat">
+      <a:schemeClr val="dk1"/>
+    </dgm:txFillClrLst>
+    <dgm:txEffectClrLst/>
+  </dgm:styleLbl>
+  <dgm:styleLbl name="fgAcc4">
+    <dgm:fillClrLst meth="repeat">
+      <a:schemeClr val="lt1">
+        <a:alpha val="90000"/>
+      </a:schemeClr>
+    </dgm:fillClrLst>
+    <dgm:linClrLst meth="repeat">
+      <a:schemeClr val="accent1"/>
+    </dgm:linClrLst>
+    <dgm:effectClrLst/>
+    <dgm:txLinClrLst/>
+    <dgm:txFillClrLst meth="repeat">
+      <a:schemeClr val="dk1"/>
+    </dgm:txFillClrLst>
+    <dgm:txEffectClrLst/>
+  </dgm:styleLbl>
+  <dgm:styleLbl name="bgShp">
+    <dgm:fillClrLst meth="repeat">
+      <a:schemeClr val="accent1">
+        <a:tint val="40000"/>
+      </a:schemeClr>
+    </dgm:fillClrLst>
+    <dgm:linClrLst meth="repeat">
+      <a:schemeClr val="accent1"/>
+    </dgm:linClrLst>
+    <dgm:effectClrLst/>
+    <dgm:txLinClrLst/>
+    <dgm:txFillClrLst meth="repeat">
+      <a:schemeClr val="dk1"/>
+    </dgm:txFillClrLst>
+    <dgm:txEffectClrLst/>
+  </dgm:styleLbl>
+  <dgm:styleLbl name="dkBgShp">
+    <dgm:fillClrLst meth="repeat">
+      <a:schemeClr val="accent1">
+        <a:shade val="80000"/>
+      </a:schemeClr>
+    </dgm:fillClrLst>
+    <dgm:linClrLst meth="repeat">
+      <a:schemeClr val="accent1"/>
+    </dgm:linClrLst>
+    <dgm:effectClrLst/>
+    <dgm:txLinClrLst/>
+    <dgm:txFillClrLst meth="repeat">
+      <a:schemeClr val="lt1"/>
+    </dgm:txFillClrLst>
+    <dgm:txEffectClrLst/>
+  </dgm:styleLbl>
+  <dgm:styleLbl name="trBgShp">
+    <dgm:fillClrLst meth="repeat">
+      <a:schemeClr val="accent1">
+        <a:tint val="50000"/>
+        <a:alpha val="40000"/>
+      </a:schemeClr>
+    </dgm:fillClrLst>
+    <dgm:linClrLst meth="repeat">
+      <a:schemeClr val="accent1"/>
+    </dgm:linClrLst>
+    <dgm:effectClrLst/>
+    <dgm:txLinClrLst/>
+    <dgm:txFillClrLst meth="repeat">
+      <a:schemeClr val="lt1"/>
+    </dgm:txFillClrLst>
+    <dgm:txEffectClrLst/>
+  </dgm:styleLbl>
+  <dgm:styleLbl name="fgShp">
+    <dgm:fillClrLst meth="repeat">
+      <a:schemeClr val="accent1">
+        <a:tint val="60000"/>
+      </a:schemeClr>
+    </dgm:fillClrLst>
+    <dgm:linClrLst meth="repeat">
+      <a:schemeClr val="lt1"/>
+    </dgm:linClrLst>
+    <dgm:effectClrLst/>
+    <dgm:txLinClrLst/>
+    <dgm:txFillClrLst meth="repeat">
+      <a:schemeClr val="dk1"/>
+    </dgm:txFillClrLst>
+    <dgm:txEffectClrLst/>
+  </dgm:styleLbl>
+  <dgm:styleLbl name="revTx">
+    <dgm:fillClrLst meth="repeat">
+      <a:schemeClr val="lt1">
+        <a:alpha val="0"/>
+      </a:schemeClr>
+    </dgm:fillClrLst>
+    <dgm:linClrLst meth="repeat">
+      <a:schemeClr val="dk1">
+        <a:alpha val="0"/>
+      </a:schemeClr>
+    </dgm:linClrLst>
+    <dgm:effectClrLst/>
+    <dgm:txLinClrLst/>
+    <dgm:txFillClrLst meth="repeat">
+      <a:schemeClr val="tx1"/>
+    </dgm:txFillClrLst>
+    <dgm:txEffectClrLst/>
+  </dgm:styleLbl>
+</dgm:colorsDef>
+</file>
+
+<file path=ppt/diagrams/data1.xml><?xml version="1.0" encoding="utf-8"?>
+<dgm:dataModel xmlns:dgm="http://schemas.openxmlformats.org/drawingml/2006/diagram" xmlns:a="http://schemas.openxmlformats.org/drawingml/2006/main">
+  <dgm:ptLst>
+    <dgm:pt modelId="{54889F8F-A791-410A-ACCA-85B1E6C505CB}" type="doc">
+      <dgm:prSet loTypeId="urn:microsoft.com/office/officeart/2005/8/layout/cycle2" loCatId="cycle" qsTypeId="urn:microsoft.com/office/officeart/2005/8/quickstyle/simple1" qsCatId="simple" csTypeId="urn:microsoft.com/office/officeart/2005/8/colors/accent1_2" csCatId="accent1" phldr="1"/>
+      <dgm:spPr/>
+      <dgm:t>
+        <a:bodyPr/>
+        <a:lstStyle/>
+        <a:p>
+          <a:pPr latinLnBrk="1"/>
+          <a:endParaRPr lang="ko-KR" altLang="en-US"/>
+        </a:p>
+      </dgm:t>
+    </dgm:pt>
+    <dgm:pt modelId="{70BD98A4-09AE-48C3-B393-5F0650E2EE6A}">
+      <dgm:prSet phldrT="[텍스트]"/>
+      <dgm:spPr>
+        <a:solidFill>
+          <a:srgbClr val="06CFEA"/>
+        </a:solidFill>
+        <a:ln>
+          <a:solidFill>
+            <a:srgbClr val="06CFEA"/>
+          </a:solidFill>
+        </a:ln>
+      </dgm:spPr>
+      <dgm:t>
+        <a:bodyPr/>
+        <a:lstStyle/>
+        <a:p>
+          <a:pPr latinLnBrk="1"/>
+          <a:r>
+            <a:rPr lang="ko-KR" altLang="en-US" dirty="0"/>
+            <a:t>주체 선택 </a:t>
+          </a:r>
+        </a:p>
+      </dgm:t>
+    </dgm:pt>
+    <dgm:pt modelId="{FB569B29-EC6A-4F3C-B894-2A1C268B5850}" type="parTrans" cxnId="{534763F1-0DE4-4FD1-A6F0-FAF81617E7C3}">
+      <dgm:prSet/>
+      <dgm:spPr/>
+      <dgm:t>
+        <a:bodyPr/>
+        <a:lstStyle/>
+        <a:p>
+          <a:pPr latinLnBrk="1"/>
+          <a:endParaRPr lang="ko-KR" altLang="en-US"/>
+        </a:p>
+      </dgm:t>
+    </dgm:pt>
+    <dgm:pt modelId="{B3E55A89-B202-4993-942A-698132A70212}" type="sibTrans" cxnId="{534763F1-0DE4-4FD1-A6F0-FAF81617E7C3}">
+      <dgm:prSet/>
+      <dgm:spPr>
+        <a:solidFill>
+          <a:srgbClr val="0070C0"/>
+        </a:solidFill>
+        <a:ln>
+          <a:solidFill>
+            <a:srgbClr val="0070C0"/>
+          </a:solidFill>
+        </a:ln>
+      </dgm:spPr>
+      <dgm:t>
+        <a:bodyPr/>
+        <a:lstStyle/>
+        <a:p>
+          <a:pPr latinLnBrk="1"/>
+          <a:endParaRPr lang="ko-KR" altLang="en-US"/>
+        </a:p>
+      </dgm:t>
+    </dgm:pt>
+    <dgm:pt modelId="{B48A9FF6-87CB-4FC2-86F6-BE80D4A3103D}">
+      <dgm:prSet phldrT="[텍스트]"/>
+      <dgm:spPr>
+        <a:solidFill>
+          <a:srgbClr val="06CFEA"/>
+        </a:solidFill>
+        <a:ln>
+          <a:solidFill>
+            <a:srgbClr val="06CFEA"/>
+          </a:solidFill>
+        </a:ln>
+      </dgm:spPr>
+      <dgm:t>
+        <a:bodyPr/>
+        <a:lstStyle/>
+        <a:p>
+          <a:pPr latinLnBrk="1"/>
+          <a:r>
+            <a:rPr lang="ko-KR" altLang="en-US" dirty="0"/>
+            <a:t>목적지 설정 </a:t>
+          </a:r>
+        </a:p>
+      </dgm:t>
+    </dgm:pt>
+    <dgm:pt modelId="{93206018-2666-4E38-A444-C79611D1BA1D}" type="parTrans" cxnId="{1288AC42-37BB-46FD-82EE-95E10FB69370}">
+      <dgm:prSet/>
+      <dgm:spPr/>
+      <dgm:t>
+        <a:bodyPr/>
+        <a:lstStyle/>
+        <a:p>
+          <a:pPr latinLnBrk="1"/>
+          <a:endParaRPr lang="ko-KR" altLang="en-US"/>
+        </a:p>
+      </dgm:t>
+    </dgm:pt>
+    <dgm:pt modelId="{500C59A5-EB13-4A6F-B1A2-35A770432680}" type="sibTrans" cxnId="{1288AC42-37BB-46FD-82EE-95E10FB69370}">
+      <dgm:prSet/>
+      <dgm:spPr>
+        <a:solidFill>
+          <a:srgbClr val="0070C0"/>
+        </a:solidFill>
+        <a:ln>
+          <a:solidFill>
+            <a:srgbClr val="0070C0"/>
+          </a:solidFill>
+        </a:ln>
+      </dgm:spPr>
+      <dgm:t>
+        <a:bodyPr/>
+        <a:lstStyle/>
+        <a:p>
+          <a:pPr latinLnBrk="1"/>
+          <a:endParaRPr lang="ko-KR" altLang="en-US"/>
+        </a:p>
+      </dgm:t>
+    </dgm:pt>
+    <dgm:pt modelId="{5CF65F0F-B68B-422C-B909-B301B8EB6737}">
+      <dgm:prSet phldrT="[텍스트]"/>
+      <dgm:spPr>
+        <a:solidFill>
+          <a:srgbClr val="06CFEA"/>
+        </a:solidFill>
+        <a:ln>
+          <a:solidFill>
+            <a:srgbClr val="06CFEA"/>
+          </a:solidFill>
+        </a:ln>
+      </dgm:spPr>
+      <dgm:t>
+        <a:bodyPr/>
+        <a:lstStyle/>
+        <a:p>
+          <a:pPr latinLnBrk="1"/>
+          <a:r>
+            <a:rPr lang="ko-KR" altLang="en-US" dirty="0"/>
+            <a:t>중력장 설정</a:t>
+          </a:r>
+        </a:p>
+      </dgm:t>
+    </dgm:pt>
+    <dgm:pt modelId="{2B0B77C5-4E4D-47DC-888A-66A35F3A1816}" type="parTrans" cxnId="{3734E5DA-34A7-4F4E-8719-2F253044D7AC}">
+      <dgm:prSet/>
+      <dgm:spPr/>
+      <dgm:t>
+        <a:bodyPr/>
+        <a:lstStyle/>
+        <a:p>
+          <a:pPr latinLnBrk="1"/>
+          <a:endParaRPr lang="ko-KR" altLang="en-US"/>
+        </a:p>
+      </dgm:t>
+    </dgm:pt>
+    <dgm:pt modelId="{E601E327-A10C-4E56-9A2C-F5AA5CB2B9F9}" type="sibTrans" cxnId="{3734E5DA-34A7-4F4E-8719-2F253044D7AC}">
+      <dgm:prSet/>
+      <dgm:spPr>
+        <a:solidFill>
+          <a:srgbClr val="0070C0"/>
+        </a:solidFill>
+        <a:ln>
+          <a:solidFill>
+            <a:srgbClr val="0070C0"/>
+          </a:solidFill>
+        </a:ln>
+      </dgm:spPr>
+      <dgm:t>
+        <a:bodyPr/>
+        <a:lstStyle/>
+        <a:p>
+          <a:pPr latinLnBrk="1"/>
+          <a:endParaRPr lang="ko-KR" altLang="en-US"/>
+        </a:p>
+      </dgm:t>
+    </dgm:pt>
+    <dgm:pt modelId="{CDBFA2AB-7F97-4410-AEAF-F84C022E05A0}">
+      <dgm:prSet phldrT="[텍스트]"/>
+      <dgm:spPr>
+        <a:solidFill>
+          <a:srgbClr val="06CFEA"/>
+        </a:solidFill>
+        <a:ln>
+          <a:solidFill>
+            <a:srgbClr val="06CFEA"/>
+          </a:solidFill>
+        </a:ln>
+      </dgm:spPr>
+      <dgm:t>
+        <a:bodyPr/>
+        <a:lstStyle/>
+        <a:p>
+          <a:pPr latinLnBrk="1">
+            <a:buAutoNum type="arabicPeriod"/>
+          </a:pPr>
+          <a:r>
+            <a:rPr lang="ko-KR" altLang="en-US" dirty="0" err="1"/>
+            <a:t>파티볼</a:t>
+          </a:r>
+          <a:r>
+            <a:rPr lang="ko-KR" altLang="en-US" dirty="0"/>
+            <a:t> 이동 </a:t>
+          </a:r>
+        </a:p>
+      </dgm:t>
+    </dgm:pt>
+    <dgm:pt modelId="{AD78B790-A709-4911-96D6-D76D7A081C3D}" type="parTrans" cxnId="{B5BB6EC1-A58B-4B98-8E61-9E61ED21E917}">
+      <dgm:prSet/>
+      <dgm:spPr/>
+      <dgm:t>
+        <a:bodyPr/>
+        <a:lstStyle/>
+        <a:p>
+          <a:pPr latinLnBrk="1"/>
+          <a:endParaRPr lang="ko-KR" altLang="en-US"/>
+        </a:p>
+      </dgm:t>
+    </dgm:pt>
+    <dgm:pt modelId="{9769BE9A-C847-4D1E-94E3-6717BA49C7E0}" type="sibTrans" cxnId="{B5BB6EC1-A58B-4B98-8E61-9E61ED21E917}">
+      <dgm:prSet/>
+      <dgm:spPr>
+        <a:solidFill>
+          <a:srgbClr val="0070C0"/>
+        </a:solidFill>
+        <a:ln>
+          <a:solidFill>
+            <a:srgbClr val="0070C0"/>
+          </a:solidFill>
+        </a:ln>
+      </dgm:spPr>
+      <dgm:t>
+        <a:bodyPr/>
+        <a:lstStyle/>
+        <a:p>
+          <a:pPr latinLnBrk="1"/>
+          <a:endParaRPr lang="ko-KR" altLang="en-US"/>
+        </a:p>
+      </dgm:t>
+    </dgm:pt>
+    <dgm:pt modelId="{B25A50E3-29F5-4E10-9337-24B398709A54}">
+      <dgm:prSet phldrT="[텍스트]"/>
+      <dgm:spPr>
+        <a:solidFill>
+          <a:srgbClr val="06CFEA"/>
+        </a:solidFill>
+        <a:ln>
+          <a:solidFill>
+            <a:srgbClr val="06CFEA"/>
+          </a:solidFill>
+        </a:ln>
+      </dgm:spPr>
+      <dgm:t>
+        <a:bodyPr/>
+        <a:lstStyle/>
+        <a:p>
+          <a:pPr latinLnBrk="1"/>
+          <a:r>
+            <a:rPr lang="ko-KR" altLang="en-US" dirty="0"/>
+            <a:t>중력장 재생성 </a:t>
+          </a:r>
+        </a:p>
+      </dgm:t>
+    </dgm:pt>
+    <dgm:pt modelId="{A3755EDE-B7D4-40EB-BCE6-5E6F7CF46912}" type="parTrans" cxnId="{C0CEF41C-1DAD-4723-8307-AC0347BC0735}">
+      <dgm:prSet/>
+      <dgm:spPr/>
+      <dgm:t>
+        <a:bodyPr/>
+        <a:lstStyle/>
+        <a:p>
+          <a:pPr latinLnBrk="1"/>
+          <a:endParaRPr lang="ko-KR" altLang="en-US"/>
+        </a:p>
+      </dgm:t>
+    </dgm:pt>
+    <dgm:pt modelId="{08274452-61F5-4133-9E16-46BC686407DA}" type="sibTrans" cxnId="{C0CEF41C-1DAD-4723-8307-AC0347BC0735}">
+      <dgm:prSet/>
+      <dgm:spPr>
+        <a:solidFill>
+          <a:srgbClr val="0070C0"/>
+        </a:solidFill>
+        <a:ln>
+          <a:solidFill>
+            <a:srgbClr val="0070C0"/>
+          </a:solidFill>
+        </a:ln>
+      </dgm:spPr>
+      <dgm:t>
+        <a:bodyPr/>
+        <a:lstStyle/>
+        <a:p>
+          <a:pPr latinLnBrk="1"/>
+          <a:endParaRPr lang="ko-KR" altLang="en-US"/>
+        </a:p>
+      </dgm:t>
+    </dgm:pt>
+    <dgm:pt modelId="{C2457DC2-CEE0-4C52-AECA-A3DDB844C889}" type="pres">
+      <dgm:prSet presAssocID="{54889F8F-A791-410A-ACCA-85B1E6C505CB}" presName="cycle" presStyleCnt="0">
+        <dgm:presLayoutVars>
+          <dgm:dir/>
+          <dgm:resizeHandles val="exact"/>
+        </dgm:presLayoutVars>
+      </dgm:prSet>
+      <dgm:spPr/>
+    </dgm:pt>
+    <dgm:pt modelId="{E76CD65D-CD2C-478D-9167-E6C7C84E9BEB}" type="pres">
+      <dgm:prSet presAssocID="{70BD98A4-09AE-48C3-B393-5F0650E2EE6A}" presName="node" presStyleLbl="node1" presStyleIdx="0" presStyleCnt="5" custScaleX="113455" custScaleY="113455">
+        <dgm:presLayoutVars>
+          <dgm:bulletEnabled val="1"/>
+        </dgm:presLayoutVars>
+      </dgm:prSet>
+      <dgm:spPr/>
+    </dgm:pt>
+    <dgm:pt modelId="{EA9049B3-EA0D-433B-8B0F-64683D8B8BFB}" type="pres">
+      <dgm:prSet presAssocID="{B3E55A89-B202-4993-942A-698132A70212}" presName="sibTrans" presStyleLbl="sibTrans2D1" presStyleIdx="0" presStyleCnt="5" custScaleY="72382"/>
+      <dgm:spPr/>
+    </dgm:pt>
+    <dgm:pt modelId="{697313F1-8372-4967-9E10-8AD99C07B620}" type="pres">
+      <dgm:prSet presAssocID="{B3E55A89-B202-4993-942A-698132A70212}" presName="connectorText" presStyleLbl="sibTrans2D1" presStyleIdx="0" presStyleCnt="5"/>
+      <dgm:spPr/>
+    </dgm:pt>
+    <dgm:pt modelId="{3E68BC3A-80B0-4560-A643-DDFB33E3B8B5}" type="pres">
+      <dgm:prSet presAssocID="{B48A9FF6-87CB-4FC2-86F6-BE80D4A3103D}" presName="node" presStyleLbl="node1" presStyleIdx="1" presStyleCnt="5" custScaleX="113455" custScaleY="113455">
+        <dgm:presLayoutVars>
+          <dgm:bulletEnabled val="1"/>
+        </dgm:presLayoutVars>
+      </dgm:prSet>
+      <dgm:spPr/>
+    </dgm:pt>
+    <dgm:pt modelId="{7D9901C0-A407-41CD-BFB6-F4A9BC9B1DB0}" type="pres">
+      <dgm:prSet presAssocID="{500C59A5-EB13-4A6F-B1A2-35A770432680}" presName="sibTrans" presStyleLbl="sibTrans2D1" presStyleIdx="1" presStyleCnt="5" custScaleY="72382"/>
+      <dgm:spPr/>
+    </dgm:pt>
+    <dgm:pt modelId="{8DEF97DE-EEA5-4849-B8BA-107118405A01}" type="pres">
+      <dgm:prSet presAssocID="{500C59A5-EB13-4A6F-B1A2-35A770432680}" presName="connectorText" presStyleLbl="sibTrans2D1" presStyleIdx="1" presStyleCnt="5"/>
+      <dgm:spPr/>
+    </dgm:pt>
+    <dgm:pt modelId="{91529ED1-B200-45F7-8C00-8927899542A2}" type="pres">
+      <dgm:prSet presAssocID="{5CF65F0F-B68B-422C-B909-B301B8EB6737}" presName="node" presStyleLbl="node1" presStyleIdx="2" presStyleCnt="5" custScaleX="113455" custScaleY="113455">
+        <dgm:presLayoutVars>
+          <dgm:bulletEnabled val="1"/>
+        </dgm:presLayoutVars>
+      </dgm:prSet>
+      <dgm:spPr/>
+    </dgm:pt>
+    <dgm:pt modelId="{CDE4AFEA-C889-4106-BC1D-E399DE3BFDE8}" type="pres">
+      <dgm:prSet presAssocID="{E601E327-A10C-4E56-9A2C-F5AA5CB2B9F9}" presName="sibTrans" presStyleLbl="sibTrans2D1" presStyleIdx="2" presStyleCnt="5" custScaleY="72382"/>
+      <dgm:spPr/>
+    </dgm:pt>
+    <dgm:pt modelId="{2E1816D8-CEBE-4A0A-9D42-E0D2B30A313A}" type="pres">
+      <dgm:prSet presAssocID="{E601E327-A10C-4E56-9A2C-F5AA5CB2B9F9}" presName="connectorText" presStyleLbl="sibTrans2D1" presStyleIdx="2" presStyleCnt="5"/>
+      <dgm:spPr/>
+    </dgm:pt>
+    <dgm:pt modelId="{6698A1E4-41C7-4745-86E9-0C810646D032}" type="pres">
+      <dgm:prSet presAssocID="{CDBFA2AB-7F97-4410-AEAF-F84C022E05A0}" presName="node" presStyleLbl="node1" presStyleIdx="3" presStyleCnt="5" custScaleX="113455" custScaleY="113455">
+        <dgm:presLayoutVars>
+          <dgm:bulletEnabled val="1"/>
+        </dgm:presLayoutVars>
+      </dgm:prSet>
+      <dgm:spPr/>
+    </dgm:pt>
+    <dgm:pt modelId="{F0048BA6-7C9F-408B-AD6E-4190F4DB1523}" type="pres">
+      <dgm:prSet presAssocID="{9769BE9A-C847-4D1E-94E3-6717BA49C7E0}" presName="sibTrans" presStyleLbl="sibTrans2D1" presStyleIdx="3" presStyleCnt="5" custScaleY="72382"/>
+      <dgm:spPr/>
+    </dgm:pt>
+    <dgm:pt modelId="{75B77F09-1D13-40C3-AEFF-CA0C2BF095DB}" type="pres">
+      <dgm:prSet presAssocID="{9769BE9A-C847-4D1E-94E3-6717BA49C7E0}" presName="connectorText" presStyleLbl="sibTrans2D1" presStyleIdx="3" presStyleCnt="5"/>
+      <dgm:spPr/>
+    </dgm:pt>
+    <dgm:pt modelId="{A018A31C-1401-43DE-A03A-BD0F5D5F0E0F}" type="pres">
+      <dgm:prSet presAssocID="{B25A50E3-29F5-4E10-9337-24B398709A54}" presName="node" presStyleLbl="node1" presStyleIdx="4" presStyleCnt="5" custScaleX="113455" custScaleY="113455">
+        <dgm:presLayoutVars>
+          <dgm:bulletEnabled val="1"/>
+        </dgm:presLayoutVars>
+      </dgm:prSet>
+      <dgm:spPr/>
+    </dgm:pt>
+    <dgm:pt modelId="{A909A5D8-9B06-4B52-B4B9-AD52FCEE310A}" type="pres">
+      <dgm:prSet presAssocID="{08274452-61F5-4133-9E16-46BC686407DA}" presName="sibTrans" presStyleLbl="sibTrans2D1" presStyleIdx="4" presStyleCnt="5" custScaleY="72382"/>
+      <dgm:spPr/>
+    </dgm:pt>
+    <dgm:pt modelId="{E6C1904E-5B0F-4307-93F2-A6396C143796}" type="pres">
+      <dgm:prSet presAssocID="{08274452-61F5-4133-9E16-46BC686407DA}" presName="connectorText" presStyleLbl="sibTrans2D1" presStyleIdx="4" presStyleCnt="5"/>
+      <dgm:spPr/>
+    </dgm:pt>
+  </dgm:ptLst>
+  <dgm:cxnLst>
+    <dgm:cxn modelId="{BF196A06-29C5-4CEB-9E65-3991EE12D8D0}" type="presOf" srcId="{E601E327-A10C-4E56-9A2C-F5AA5CB2B9F9}" destId="{CDE4AFEA-C889-4106-BC1D-E399DE3BFDE8}" srcOrd="0" destOrd="0" presId="urn:microsoft.com/office/officeart/2005/8/layout/cycle2"/>
+    <dgm:cxn modelId="{6D117717-0DE0-4467-9DF0-3BA9B5458B2C}" type="presOf" srcId="{54889F8F-A791-410A-ACCA-85B1E6C505CB}" destId="{C2457DC2-CEE0-4C52-AECA-A3DDB844C889}" srcOrd="0" destOrd="0" presId="urn:microsoft.com/office/officeart/2005/8/layout/cycle2"/>
+    <dgm:cxn modelId="{54F1E319-1C05-4E26-A4EA-90C95E21D09D}" type="presOf" srcId="{B3E55A89-B202-4993-942A-698132A70212}" destId="{EA9049B3-EA0D-433B-8B0F-64683D8B8BFB}" srcOrd="0" destOrd="0" presId="urn:microsoft.com/office/officeart/2005/8/layout/cycle2"/>
+    <dgm:cxn modelId="{C0CEF41C-1DAD-4723-8307-AC0347BC0735}" srcId="{54889F8F-A791-410A-ACCA-85B1E6C505CB}" destId="{B25A50E3-29F5-4E10-9337-24B398709A54}" srcOrd="4" destOrd="0" parTransId="{A3755EDE-B7D4-40EB-BCE6-5E6F7CF46912}" sibTransId="{08274452-61F5-4133-9E16-46BC686407DA}"/>
+    <dgm:cxn modelId="{34338026-865C-454D-B204-38CBED25BEBC}" type="presOf" srcId="{CDBFA2AB-7F97-4410-AEAF-F84C022E05A0}" destId="{6698A1E4-41C7-4745-86E9-0C810646D032}" srcOrd="0" destOrd="0" presId="urn:microsoft.com/office/officeart/2005/8/layout/cycle2"/>
+    <dgm:cxn modelId="{57BA602E-5A96-4F45-9B14-6E8F639F4D59}" type="presOf" srcId="{08274452-61F5-4133-9E16-46BC686407DA}" destId="{A909A5D8-9B06-4B52-B4B9-AD52FCEE310A}" srcOrd="0" destOrd="0" presId="urn:microsoft.com/office/officeart/2005/8/layout/cycle2"/>
+    <dgm:cxn modelId="{71FE665F-E592-4628-8A42-F600EB3EF2B3}" type="presOf" srcId="{500C59A5-EB13-4A6F-B1A2-35A770432680}" destId="{7D9901C0-A407-41CD-BFB6-F4A9BC9B1DB0}" srcOrd="0" destOrd="0" presId="urn:microsoft.com/office/officeart/2005/8/layout/cycle2"/>
+    <dgm:cxn modelId="{1288AC42-37BB-46FD-82EE-95E10FB69370}" srcId="{54889F8F-A791-410A-ACCA-85B1E6C505CB}" destId="{B48A9FF6-87CB-4FC2-86F6-BE80D4A3103D}" srcOrd="1" destOrd="0" parTransId="{93206018-2666-4E38-A444-C79611D1BA1D}" sibTransId="{500C59A5-EB13-4A6F-B1A2-35A770432680}"/>
+    <dgm:cxn modelId="{A6329064-6898-4FFC-90F0-04FF6ECBDA03}" type="presOf" srcId="{B3E55A89-B202-4993-942A-698132A70212}" destId="{697313F1-8372-4967-9E10-8AD99C07B620}" srcOrd="1" destOrd="0" presId="urn:microsoft.com/office/officeart/2005/8/layout/cycle2"/>
+    <dgm:cxn modelId="{BD2C0F47-9093-48F6-A31F-F2639C150331}" type="presOf" srcId="{500C59A5-EB13-4A6F-B1A2-35A770432680}" destId="{8DEF97DE-EEA5-4849-B8BA-107118405A01}" srcOrd="1" destOrd="0" presId="urn:microsoft.com/office/officeart/2005/8/layout/cycle2"/>
+    <dgm:cxn modelId="{BEB82148-A4D5-4742-8C21-C8732723A0EE}" type="presOf" srcId="{9769BE9A-C847-4D1E-94E3-6717BA49C7E0}" destId="{75B77F09-1D13-40C3-AEFF-CA0C2BF095DB}" srcOrd="1" destOrd="0" presId="urn:microsoft.com/office/officeart/2005/8/layout/cycle2"/>
+    <dgm:cxn modelId="{14138555-E15C-425C-96E6-EA4C9E473359}" type="presOf" srcId="{08274452-61F5-4133-9E16-46BC686407DA}" destId="{E6C1904E-5B0F-4307-93F2-A6396C143796}" srcOrd="1" destOrd="0" presId="urn:microsoft.com/office/officeart/2005/8/layout/cycle2"/>
+    <dgm:cxn modelId="{B1F0FCB5-423B-4CBC-A2A4-188BEBC058EB}" type="presOf" srcId="{B48A9FF6-87CB-4FC2-86F6-BE80D4A3103D}" destId="{3E68BC3A-80B0-4560-A643-DDFB33E3B8B5}" srcOrd="0" destOrd="0" presId="urn:microsoft.com/office/officeart/2005/8/layout/cycle2"/>
+    <dgm:cxn modelId="{6E7292BE-CB46-400D-A534-9ACFD72615B7}" type="presOf" srcId="{5CF65F0F-B68B-422C-B909-B301B8EB6737}" destId="{91529ED1-B200-45F7-8C00-8927899542A2}" srcOrd="0" destOrd="0" presId="urn:microsoft.com/office/officeart/2005/8/layout/cycle2"/>
+    <dgm:cxn modelId="{D51737BF-AC06-4274-8905-C2EEE2C45C72}" type="presOf" srcId="{9769BE9A-C847-4D1E-94E3-6717BA49C7E0}" destId="{F0048BA6-7C9F-408B-AD6E-4190F4DB1523}" srcOrd="0" destOrd="0" presId="urn:microsoft.com/office/officeart/2005/8/layout/cycle2"/>
+    <dgm:cxn modelId="{B5BB6EC1-A58B-4B98-8E61-9E61ED21E917}" srcId="{54889F8F-A791-410A-ACCA-85B1E6C505CB}" destId="{CDBFA2AB-7F97-4410-AEAF-F84C022E05A0}" srcOrd="3" destOrd="0" parTransId="{AD78B790-A709-4911-96D6-D76D7A081C3D}" sibTransId="{9769BE9A-C847-4D1E-94E3-6717BA49C7E0}"/>
+    <dgm:cxn modelId="{73E20FCC-3565-47C6-9634-9853F1B93E20}" type="presOf" srcId="{B25A50E3-29F5-4E10-9337-24B398709A54}" destId="{A018A31C-1401-43DE-A03A-BD0F5D5F0E0F}" srcOrd="0" destOrd="0" presId="urn:microsoft.com/office/officeart/2005/8/layout/cycle2"/>
+    <dgm:cxn modelId="{7C7B77D7-7684-4F97-82E2-AC1165228B4F}" type="presOf" srcId="{E601E327-A10C-4E56-9A2C-F5AA5CB2B9F9}" destId="{2E1816D8-CEBE-4A0A-9D42-E0D2B30A313A}" srcOrd="1" destOrd="0" presId="urn:microsoft.com/office/officeart/2005/8/layout/cycle2"/>
+    <dgm:cxn modelId="{3734E5DA-34A7-4F4E-8719-2F253044D7AC}" srcId="{54889F8F-A791-410A-ACCA-85B1E6C505CB}" destId="{5CF65F0F-B68B-422C-B909-B301B8EB6737}" srcOrd="2" destOrd="0" parTransId="{2B0B77C5-4E4D-47DC-888A-66A35F3A1816}" sibTransId="{E601E327-A10C-4E56-9A2C-F5AA5CB2B9F9}"/>
+    <dgm:cxn modelId="{76ECC9F0-577A-4725-852D-C9E0A6785BDA}" type="presOf" srcId="{70BD98A4-09AE-48C3-B393-5F0650E2EE6A}" destId="{E76CD65D-CD2C-478D-9167-E6C7C84E9BEB}" srcOrd="0" destOrd="0" presId="urn:microsoft.com/office/officeart/2005/8/layout/cycle2"/>
+    <dgm:cxn modelId="{534763F1-0DE4-4FD1-A6F0-FAF81617E7C3}" srcId="{54889F8F-A791-410A-ACCA-85B1E6C505CB}" destId="{70BD98A4-09AE-48C3-B393-5F0650E2EE6A}" srcOrd="0" destOrd="0" parTransId="{FB569B29-EC6A-4F3C-B894-2A1C268B5850}" sibTransId="{B3E55A89-B202-4993-942A-698132A70212}"/>
+    <dgm:cxn modelId="{15D5172B-4C16-4971-ABF4-AC4578B9769C}" type="presParOf" srcId="{C2457DC2-CEE0-4C52-AECA-A3DDB844C889}" destId="{E76CD65D-CD2C-478D-9167-E6C7C84E9BEB}" srcOrd="0" destOrd="0" presId="urn:microsoft.com/office/officeart/2005/8/layout/cycle2"/>
+    <dgm:cxn modelId="{02F564FF-C525-4CDB-AC7C-8B2A42681276}" type="presParOf" srcId="{C2457DC2-CEE0-4C52-AECA-A3DDB844C889}" destId="{EA9049B3-EA0D-433B-8B0F-64683D8B8BFB}" srcOrd="1" destOrd="0" presId="urn:microsoft.com/office/officeart/2005/8/layout/cycle2"/>
+    <dgm:cxn modelId="{62488DDC-FEA3-4AA4-87B7-AD47A290EE42}" type="presParOf" srcId="{EA9049B3-EA0D-433B-8B0F-64683D8B8BFB}" destId="{697313F1-8372-4967-9E10-8AD99C07B620}" srcOrd="0" destOrd="0" presId="urn:microsoft.com/office/officeart/2005/8/layout/cycle2"/>
+    <dgm:cxn modelId="{046FFA7F-3E52-497A-9B0C-22D04113F498}" type="presParOf" srcId="{C2457DC2-CEE0-4C52-AECA-A3DDB844C889}" destId="{3E68BC3A-80B0-4560-A643-DDFB33E3B8B5}" srcOrd="2" destOrd="0" presId="urn:microsoft.com/office/officeart/2005/8/layout/cycle2"/>
+    <dgm:cxn modelId="{8522EC35-7291-440A-97D8-E8FFBEA6CF78}" type="presParOf" srcId="{C2457DC2-CEE0-4C52-AECA-A3DDB844C889}" destId="{7D9901C0-A407-41CD-BFB6-F4A9BC9B1DB0}" srcOrd="3" destOrd="0" presId="urn:microsoft.com/office/officeart/2005/8/layout/cycle2"/>
+    <dgm:cxn modelId="{E18BC197-8368-4BD9-97ED-447DDDFAF3B3}" type="presParOf" srcId="{7D9901C0-A407-41CD-BFB6-F4A9BC9B1DB0}" destId="{8DEF97DE-EEA5-4849-B8BA-107118405A01}" srcOrd="0" destOrd="0" presId="urn:microsoft.com/office/officeart/2005/8/layout/cycle2"/>
+    <dgm:cxn modelId="{BC74B3CF-D695-4986-9791-35140A14166A}" type="presParOf" srcId="{C2457DC2-CEE0-4C52-AECA-A3DDB844C889}" destId="{91529ED1-B200-45F7-8C00-8927899542A2}" srcOrd="4" destOrd="0" presId="urn:microsoft.com/office/officeart/2005/8/layout/cycle2"/>
+    <dgm:cxn modelId="{05F16925-0352-40E1-9CC3-988165D4645C}" type="presParOf" srcId="{C2457DC2-CEE0-4C52-AECA-A3DDB844C889}" destId="{CDE4AFEA-C889-4106-BC1D-E399DE3BFDE8}" srcOrd="5" destOrd="0" presId="urn:microsoft.com/office/officeart/2005/8/layout/cycle2"/>
+    <dgm:cxn modelId="{D5B63CC6-2D75-418D-8648-5BD49EDAA259}" type="presParOf" srcId="{CDE4AFEA-C889-4106-BC1D-E399DE3BFDE8}" destId="{2E1816D8-CEBE-4A0A-9D42-E0D2B30A313A}" srcOrd="0" destOrd="0" presId="urn:microsoft.com/office/officeart/2005/8/layout/cycle2"/>
+    <dgm:cxn modelId="{DB165AE3-E357-4EF9-BFA3-C822B1A59353}" type="presParOf" srcId="{C2457DC2-CEE0-4C52-AECA-A3DDB844C889}" destId="{6698A1E4-41C7-4745-86E9-0C810646D032}" srcOrd="6" destOrd="0" presId="urn:microsoft.com/office/officeart/2005/8/layout/cycle2"/>
+    <dgm:cxn modelId="{DBAA8B53-361C-4A1F-B010-40C5CA342729}" type="presParOf" srcId="{C2457DC2-CEE0-4C52-AECA-A3DDB844C889}" destId="{F0048BA6-7C9F-408B-AD6E-4190F4DB1523}" srcOrd="7" destOrd="0" presId="urn:microsoft.com/office/officeart/2005/8/layout/cycle2"/>
+    <dgm:cxn modelId="{A6B37C44-B7F6-4D65-8046-F6C097730750}" type="presParOf" srcId="{F0048BA6-7C9F-408B-AD6E-4190F4DB1523}" destId="{75B77F09-1D13-40C3-AEFF-CA0C2BF095DB}" srcOrd="0" destOrd="0" presId="urn:microsoft.com/office/officeart/2005/8/layout/cycle2"/>
+    <dgm:cxn modelId="{334B17BE-85EE-4E17-8531-6A6E2A55ED2A}" type="presParOf" srcId="{C2457DC2-CEE0-4C52-AECA-A3DDB844C889}" destId="{A018A31C-1401-43DE-A03A-BD0F5D5F0E0F}" srcOrd="8" destOrd="0" presId="urn:microsoft.com/office/officeart/2005/8/layout/cycle2"/>
+    <dgm:cxn modelId="{89B7B397-79E4-4963-8E99-5AEE44071A1D}" type="presParOf" srcId="{C2457DC2-CEE0-4C52-AECA-A3DDB844C889}" destId="{A909A5D8-9B06-4B52-B4B9-AD52FCEE310A}" srcOrd="9" destOrd="0" presId="urn:microsoft.com/office/officeart/2005/8/layout/cycle2"/>
+    <dgm:cxn modelId="{A643B105-35E0-4748-9C0D-B7294C98454A}" type="presParOf" srcId="{A909A5D8-9B06-4B52-B4B9-AD52FCEE310A}" destId="{E6C1904E-5B0F-4307-93F2-A6396C143796}" srcOrd="0" destOrd="0" presId="urn:microsoft.com/office/officeart/2005/8/layout/cycle2"/>
+  </dgm:cxnLst>
+  <dgm:bg/>
+  <dgm:whole/>
+  <dgm:extLst>
+    <a:ext uri="http://schemas.microsoft.com/office/drawing/2008/diagram">
+      <dsp:dataModelExt xmlns:dsp="http://schemas.microsoft.com/office/drawing/2008/diagram" relId="rId7" minVer="http://schemas.openxmlformats.org/drawingml/2006/diagram"/>
+    </a:ext>
+  </dgm:extLst>
+</dgm:dataModel>
+</file>
+
+<file path=ppt/diagrams/drawing1.xml><?xml version="1.0" encoding="utf-8"?>
+<dsp:drawing xmlns:dgm="http://schemas.openxmlformats.org/drawingml/2006/diagram" xmlns:dsp="http://schemas.microsoft.com/office/drawing/2008/diagram" xmlns:a="http://schemas.openxmlformats.org/drawingml/2006/main">
+  <dsp:spTree>
+    <dsp:nvGrpSpPr>
+      <dsp:cNvPr id="0" name=""/>
+      <dsp:cNvGrpSpPr/>
+    </dsp:nvGrpSpPr>
+    <dsp:grpSpPr/>
+    <dsp:sp modelId="{E76CD65D-CD2C-478D-9167-E6C7C84E9BEB}">
+      <dsp:nvSpPr>
+        <dsp:cNvPr id="0" name=""/>
+        <dsp:cNvSpPr/>
+      </dsp:nvSpPr>
+      <dsp:spPr>
+        <a:xfrm>
+          <a:off x="3136434" y="-109468"/>
+          <a:ext cx="1855131" cy="1855131"/>
+        </a:xfrm>
+        <a:prstGeom prst="ellipse">
+          <a:avLst/>
+        </a:prstGeom>
+        <a:solidFill>
+          <a:srgbClr val="06CFEA"/>
+        </a:solidFill>
+        <a:ln w="12700" cap="flat" cmpd="sng" algn="ctr">
+          <a:solidFill>
+            <a:srgbClr val="06CFEA"/>
+          </a:solidFill>
+          <a:prstDash val="solid"/>
+          <a:miter lim="800000"/>
+        </a:ln>
+        <a:effectLst/>
+      </dsp:spPr>
+      <dsp:style>
+        <a:lnRef idx="2">
+          <a:scrgbClr r="0" g="0" b="0"/>
+        </a:lnRef>
+        <a:fillRef idx="1">
+          <a:scrgbClr r="0" g="0" b="0"/>
+        </a:fillRef>
+        <a:effectRef idx="0">
+          <a:scrgbClr r="0" g="0" b="0"/>
+        </a:effectRef>
+        <a:fontRef idx="minor">
+          <a:schemeClr val="lt1"/>
+        </a:fontRef>
+      </dsp:style>
+      <dsp:txBody>
+        <a:bodyPr spcFirstLastPara="0" vert="horz" wrap="square" lIns="38100" tIns="38100" rIns="38100" bIns="38100" numCol="1" spcCol="1270" anchor="ctr" anchorCtr="0">
+          <a:noAutofit/>
+        </a:bodyPr>
+        <a:lstStyle/>
+        <a:p>
+          <a:pPr marL="0" lvl="0" indent="0" algn="ctr" defTabSz="1333500" latinLnBrk="1">
+            <a:lnSpc>
+              <a:spcPct val="90000"/>
+            </a:lnSpc>
+            <a:spcBef>
+              <a:spcPct val="0"/>
+            </a:spcBef>
+            <a:spcAft>
+              <a:spcPct val="35000"/>
+            </a:spcAft>
+            <a:buNone/>
+          </a:pPr>
+          <a:r>
+            <a:rPr lang="ko-KR" altLang="en-US" sz="3000" kern="1200" dirty="0"/>
+            <a:t>주체 선택 </a:t>
+          </a:r>
+        </a:p>
+      </dsp:txBody>
+      <dsp:txXfrm>
+        <a:off x="3408112" y="162210"/>
+        <a:ext cx="1311775" cy="1311775"/>
+      </dsp:txXfrm>
+    </dsp:sp>
+    <dsp:sp modelId="{EA9049B3-EA0D-433B-8B0F-64683D8B8BFB}">
+      <dsp:nvSpPr>
+        <dsp:cNvPr id="0" name=""/>
+        <dsp:cNvSpPr/>
+      </dsp:nvSpPr>
+      <dsp:spPr>
+        <a:xfrm rot="2160000">
+          <a:off x="4891205" y="1335448"/>
+          <a:ext cx="319520" cy="399443"/>
+        </a:xfrm>
+        <a:prstGeom prst="rightArrow">
+          <a:avLst>
+            <a:gd name="adj1" fmla="val 60000"/>
+            <a:gd name="adj2" fmla="val 50000"/>
+          </a:avLst>
+        </a:prstGeom>
+        <a:solidFill>
+          <a:srgbClr val="0070C0"/>
+        </a:solidFill>
+        <a:ln>
+          <a:solidFill>
+            <a:srgbClr val="0070C0"/>
+          </a:solidFill>
+        </a:ln>
+        <a:effectLst/>
+      </dsp:spPr>
+      <dsp:style>
+        <a:lnRef idx="0">
+          <a:scrgbClr r="0" g="0" b="0"/>
+        </a:lnRef>
+        <a:fillRef idx="1">
+          <a:scrgbClr r="0" g="0" b="0"/>
+        </a:fillRef>
+        <a:effectRef idx="0">
+          <a:scrgbClr r="0" g="0" b="0"/>
+        </a:effectRef>
+        <a:fontRef idx="minor">
+          <a:schemeClr val="lt1"/>
+        </a:fontRef>
+      </dsp:style>
+      <dsp:txBody>
+        <a:bodyPr spcFirstLastPara="0" vert="horz" wrap="square" lIns="0" tIns="0" rIns="0" bIns="0" numCol="1" spcCol="1270" anchor="ctr" anchorCtr="0">
+          <a:noAutofit/>
+        </a:bodyPr>
+        <a:lstStyle/>
+        <a:p>
+          <a:pPr marL="0" lvl="0" indent="0" algn="ctr" defTabSz="488950" latinLnBrk="1">
+            <a:lnSpc>
+              <a:spcPct val="90000"/>
+            </a:lnSpc>
+            <a:spcBef>
+              <a:spcPct val="0"/>
+            </a:spcBef>
+            <a:spcAft>
+              <a:spcPct val="35000"/>
+            </a:spcAft>
+            <a:buNone/>
+          </a:pPr>
+          <a:endParaRPr lang="ko-KR" altLang="en-US" sz="1100" kern="1200"/>
+        </a:p>
+      </dsp:txBody>
+      <dsp:txXfrm>
+        <a:off x="4900358" y="1387166"/>
+        <a:ext cx="223664" cy="239665"/>
+      </dsp:txXfrm>
+    </dsp:sp>
+    <dsp:sp modelId="{3E68BC3A-80B0-4560-A643-DDFB33E3B8B5}">
+      <dsp:nvSpPr>
+        <dsp:cNvPr id="0" name=""/>
+        <dsp:cNvSpPr/>
+      </dsp:nvSpPr>
+      <dsp:spPr>
+        <a:xfrm>
+          <a:off x="5124997" y="1335307"/>
+          <a:ext cx="1855131" cy="1855131"/>
+        </a:xfrm>
+        <a:prstGeom prst="ellipse">
+          <a:avLst/>
+        </a:prstGeom>
+        <a:solidFill>
+          <a:srgbClr val="06CFEA"/>
+        </a:solidFill>
+        <a:ln w="12700" cap="flat" cmpd="sng" algn="ctr">
+          <a:solidFill>
+            <a:srgbClr val="06CFEA"/>
+          </a:solidFill>
+          <a:prstDash val="solid"/>
+          <a:miter lim="800000"/>
+        </a:ln>
+        <a:effectLst/>
+      </dsp:spPr>
+      <dsp:style>
+        <a:lnRef idx="2">
+          <a:scrgbClr r="0" g="0" b="0"/>
+        </a:lnRef>
+        <a:fillRef idx="1">
+          <a:scrgbClr r="0" g="0" b="0"/>
+        </a:fillRef>
+        <a:effectRef idx="0">
+          <a:scrgbClr r="0" g="0" b="0"/>
+        </a:effectRef>
+        <a:fontRef idx="minor">
+          <a:schemeClr val="lt1"/>
+        </a:fontRef>
+      </dsp:style>
+      <dsp:txBody>
+        <a:bodyPr spcFirstLastPara="0" vert="horz" wrap="square" lIns="38100" tIns="38100" rIns="38100" bIns="38100" numCol="1" spcCol="1270" anchor="ctr" anchorCtr="0">
+          <a:noAutofit/>
+        </a:bodyPr>
+        <a:lstStyle/>
+        <a:p>
+          <a:pPr marL="0" lvl="0" indent="0" algn="ctr" defTabSz="1333500" latinLnBrk="1">
+            <a:lnSpc>
+              <a:spcPct val="90000"/>
+            </a:lnSpc>
+            <a:spcBef>
+              <a:spcPct val="0"/>
+            </a:spcBef>
+            <a:spcAft>
+              <a:spcPct val="35000"/>
+            </a:spcAft>
+            <a:buNone/>
+          </a:pPr>
+          <a:r>
+            <a:rPr lang="ko-KR" altLang="en-US" sz="3000" kern="1200" dirty="0"/>
+            <a:t>목적지 설정 </a:t>
+          </a:r>
+        </a:p>
+      </dsp:txBody>
+      <dsp:txXfrm>
+        <a:off x="5396675" y="1606985"/>
+        <a:ext cx="1311775" cy="1311775"/>
+      </dsp:txXfrm>
+    </dsp:sp>
+    <dsp:sp modelId="{7D9901C0-A407-41CD-BFB6-F4A9BC9B1DB0}">
+      <dsp:nvSpPr>
+        <dsp:cNvPr id="0" name=""/>
+        <dsp:cNvSpPr/>
+      </dsp:nvSpPr>
+      <dsp:spPr>
+        <a:xfrm rot="6480000">
+          <a:off x="5515815" y="3223399"/>
+          <a:ext cx="319520" cy="399443"/>
+        </a:xfrm>
+        <a:prstGeom prst="rightArrow">
+          <a:avLst>
+            <a:gd name="adj1" fmla="val 60000"/>
+            <a:gd name="adj2" fmla="val 50000"/>
+          </a:avLst>
+        </a:prstGeom>
+        <a:solidFill>
+          <a:srgbClr val="0070C0"/>
+        </a:solidFill>
+        <a:ln>
+          <a:solidFill>
+            <a:srgbClr val="0070C0"/>
+          </a:solidFill>
+        </a:ln>
+        <a:effectLst/>
+      </dsp:spPr>
+      <dsp:style>
+        <a:lnRef idx="0">
+          <a:scrgbClr r="0" g="0" b="0"/>
+        </a:lnRef>
+        <a:fillRef idx="1">
+          <a:scrgbClr r="0" g="0" b="0"/>
+        </a:fillRef>
+        <a:effectRef idx="0">
+          <a:scrgbClr r="0" g="0" b="0"/>
+        </a:effectRef>
+        <a:fontRef idx="minor">
+          <a:schemeClr val="lt1"/>
+        </a:fontRef>
+      </dsp:style>
+      <dsp:txBody>
+        <a:bodyPr spcFirstLastPara="0" vert="horz" wrap="square" lIns="0" tIns="0" rIns="0" bIns="0" numCol="1" spcCol="1270" anchor="ctr" anchorCtr="0">
+          <a:noAutofit/>
+        </a:bodyPr>
+        <a:lstStyle/>
+        <a:p>
+          <a:pPr marL="0" lvl="0" indent="0" algn="ctr" defTabSz="488950" latinLnBrk="1">
+            <a:lnSpc>
+              <a:spcPct val="90000"/>
+            </a:lnSpc>
+            <a:spcBef>
+              <a:spcPct val="0"/>
+            </a:spcBef>
+            <a:spcAft>
+              <a:spcPct val="35000"/>
+            </a:spcAft>
+            <a:buNone/>
+          </a:pPr>
+          <a:endParaRPr lang="ko-KR" altLang="en-US" sz="1100" kern="1200"/>
+        </a:p>
+      </dsp:txBody>
+      <dsp:txXfrm rot="10800000">
+        <a:off x="5578554" y="3257706"/>
+        <a:ext cx="223664" cy="239665"/>
+      </dsp:txXfrm>
+    </dsp:sp>
+    <dsp:sp modelId="{91529ED1-B200-45F7-8C00-8927899542A2}">
+      <dsp:nvSpPr>
+        <dsp:cNvPr id="0" name=""/>
+        <dsp:cNvSpPr/>
+      </dsp:nvSpPr>
+      <dsp:spPr>
+        <a:xfrm>
+          <a:off x="4365434" y="3673004"/>
+          <a:ext cx="1855131" cy="1855131"/>
+        </a:xfrm>
+        <a:prstGeom prst="ellipse">
+          <a:avLst/>
+        </a:prstGeom>
+        <a:solidFill>
+          <a:srgbClr val="06CFEA"/>
+        </a:solidFill>
+        <a:ln w="12700" cap="flat" cmpd="sng" algn="ctr">
+          <a:solidFill>
+            <a:srgbClr val="06CFEA"/>
+          </a:solidFill>
+          <a:prstDash val="solid"/>
+          <a:miter lim="800000"/>
+        </a:ln>
+        <a:effectLst/>
+      </dsp:spPr>
+      <dsp:style>
+        <a:lnRef idx="2">
+          <a:scrgbClr r="0" g="0" b="0"/>
+        </a:lnRef>
+        <a:fillRef idx="1">
+          <a:scrgbClr r="0" g="0" b="0"/>
+        </a:fillRef>
+        <a:effectRef idx="0">
+          <a:scrgbClr r="0" g="0" b="0"/>
+        </a:effectRef>
+        <a:fontRef idx="minor">
+          <a:schemeClr val="lt1"/>
+        </a:fontRef>
+      </dsp:style>
+      <dsp:txBody>
+        <a:bodyPr spcFirstLastPara="0" vert="horz" wrap="square" lIns="38100" tIns="38100" rIns="38100" bIns="38100" numCol="1" spcCol="1270" anchor="ctr" anchorCtr="0">
+          <a:noAutofit/>
+        </a:bodyPr>
+        <a:lstStyle/>
+        <a:p>
+          <a:pPr marL="0" lvl="0" indent="0" algn="ctr" defTabSz="1333500" latinLnBrk="1">
+            <a:lnSpc>
+              <a:spcPct val="90000"/>
+            </a:lnSpc>
+            <a:spcBef>
+              <a:spcPct val="0"/>
+            </a:spcBef>
+            <a:spcAft>
+              <a:spcPct val="35000"/>
+            </a:spcAft>
+            <a:buNone/>
+          </a:pPr>
+          <a:r>
+            <a:rPr lang="ko-KR" altLang="en-US" sz="3000" kern="1200" dirty="0"/>
+            <a:t>중력장 설정</a:t>
+          </a:r>
+        </a:p>
+      </dsp:txBody>
+      <dsp:txXfrm>
+        <a:off x="4637112" y="3944682"/>
+        <a:ext cx="1311775" cy="1311775"/>
+      </dsp:txXfrm>
+    </dsp:sp>
+    <dsp:sp modelId="{CDE4AFEA-C889-4106-BC1D-E399DE3BFDE8}">
+      <dsp:nvSpPr>
+        <dsp:cNvPr id="0" name=""/>
+        <dsp:cNvSpPr/>
+      </dsp:nvSpPr>
+      <dsp:spPr>
+        <a:xfrm rot="10800000">
+          <a:off x="3913282" y="4400848"/>
+          <a:ext cx="319520" cy="399443"/>
+        </a:xfrm>
+        <a:prstGeom prst="rightArrow">
+          <a:avLst>
+            <a:gd name="adj1" fmla="val 60000"/>
+            <a:gd name="adj2" fmla="val 50000"/>
+          </a:avLst>
+        </a:prstGeom>
+        <a:solidFill>
+          <a:srgbClr val="0070C0"/>
+        </a:solidFill>
+        <a:ln>
+          <a:solidFill>
+            <a:srgbClr val="0070C0"/>
+          </a:solidFill>
+        </a:ln>
+        <a:effectLst/>
+      </dsp:spPr>
+      <dsp:style>
+        <a:lnRef idx="0">
+          <a:scrgbClr r="0" g="0" b="0"/>
+        </a:lnRef>
+        <a:fillRef idx="1">
+          <a:scrgbClr r="0" g="0" b="0"/>
+        </a:fillRef>
+        <a:effectRef idx="0">
+          <a:scrgbClr r="0" g="0" b="0"/>
+        </a:effectRef>
+        <a:fontRef idx="minor">
+          <a:schemeClr val="lt1"/>
+        </a:fontRef>
+      </dsp:style>
+      <dsp:txBody>
+        <a:bodyPr spcFirstLastPara="0" vert="horz" wrap="square" lIns="0" tIns="0" rIns="0" bIns="0" numCol="1" spcCol="1270" anchor="ctr" anchorCtr="0">
+          <a:noAutofit/>
+        </a:bodyPr>
+        <a:lstStyle/>
+        <a:p>
+          <a:pPr marL="0" lvl="0" indent="0" algn="ctr" defTabSz="488950" latinLnBrk="1">
+            <a:lnSpc>
+              <a:spcPct val="90000"/>
+            </a:lnSpc>
+            <a:spcBef>
+              <a:spcPct val="0"/>
+            </a:spcBef>
+            <a:spcAft>
+              <a:spcPct val="35000"/>
+            </a:spcAft>
+            <a:buNone/>
+          </a:pPr>
+          <a:endParaRPr lang="ko-KR" altLang="en-US" sz="1100" kern="1200"/>
+        </a:p>
+      </dsp:txBody>
+      <dsp:txXfrm rot="10800000">
+        <a:off x="4009138" y="4480737"/>
+        <a:ext cx="223664" cy="239665"/>
+      </dsp:txXfrm>
+    </dsp:sp>
+    <dsp:sp modelId="{6698A1E4-41C7-4745-86E9-0C810646D032}">
+      <dsp:nvSpPr>
+        <dsp:cNvPr id="0" name=""/>
+        <dsp:cNvSpPr/>
+      </dsp:nvSpPr>
+      <dsp:spPr>
+        <a:xfrm>
+          <a:off x="1907434" y="3673004"/>
+          <a:ext cx="1855131" cy="1855131"/>
+        </a:xfrm>
+        <a:prstGeom prst="ellipse">
+          <a:avLst/>
+        </a:prstGeom>
+        <a:solidFill>
+          <a:srgbClr val="06CFEA"/>
+        </a:solidFill>
+        <a:ln w="12700" cap="flat" cmpd="sng" algn="ctr">
+          <a:solidFill>
+            <a:srgbClr val="06CFEA"/>
+          </a:solidFill>
+          <a:prstDash val="solid"/>
+          <a:miter lim="800000"/>
+        </a:ln>
+        <a:effectLst/>
+      </dsp:spPr>
+      <dsp:style>
+        <a:lnRef idx="2">
+          <a:scrgbClr r="0" g="0" b="0"/>
+        </a:lnRef>
+        <a:fillRef idx="1">
+          <a:scrgbClr r="0" g="0" b="0"/>
+        </a:fillRef>
+        <a:effectRef idx="0">
+          <a:scrgbClr r="0" g="0" b="0"/>
+        </a:effectRef>
+        <a:fontRef idx="minor">
+          <a:schemeClr val="lt1"/>
+        </a:fontRef>
+      </dsp:style>
+      <dsp:txBody>
+        <a:bodyPr spcFirstLastPara="0" vert="horz" wrap="square" lIns="38100" tIns="38100" rIns="38100" bIns="38100" numCol="1" spcCol="1270" anchor="ctr" anchorCtr="0">
+          <a:noAutofit/>
+        </a:bodyPr>
+        <a:lstStyle/>
+        <a:p>
+          <a:pPr marL="0" lvl="0" indent="0" algn="ctr" defTabSz="1333500" latinLnBrk="1">
+            <a:lnSpc>
+              <a:spcPct val="90000"/>
+            </a:lnSpc>
+            <a:spcBef>
+              <a:spcPct val="0"/>
+            </a:spcBef>
+            <a:spcAft>
+              <a:spcPct val="35000"/>
+            </a:spcAft>
+            <a:buNone/>
+          </a:pPr>
+          <a:r>
+            <a:rPr lang="ko-KR" altLang="en-US" sz="3000" kern="1200" dirty="0" err="1"/>
+            <a:t>파티볼</a:t>
+          </a:r>
+          <a:r>
+            <a:rPr lang="ko-KR" altLang="en-US" sz="3000" kern="1200" dirty="0"/>
+            <a:t> 이동 </a:t>
+          </a:r>
+        </a:p>
+      </dsp:txBody>
+      <dsp:txXfrm>
+        <a:off x="2179112" y="3944682"/>
+        <a:ext cx="1311775" cy="1311775"/>
+      </dsp:txXfrm>
+    </dsp:sp>
+    <dsp:sp modelId="{F0048BA6-7C9F-408B-AD6E-4190F4DB1523}">
+      <dsp:nvSpPr>
+        <dsp:cNvPr id="0" name=""/>
+        <dsp:cNvSpPr/>
+      </dsp:nvSpPr>
+      <dsp:spPr>
+        <a:xfrm rot="15120000">
+          <a:off x="2298252" y="3240600"/>
+          <a:ext cx="319520" cy="399443"/>
+        </a:xfrm>
+        <a:prstGeom prst="rightArrow">
+          <a:avLst>
+            <a:gd name="adj1" fmla="val 60000"/>
+            <a:gd name="adj2" fmla="val 50000"/>
+          </a:avLst>
+        </a:prstGeom>
+        <a:solidFill>
+          <a:srgbClr val="0070C0"/>
+        </a:solidFill>
+        <a:ln>
+          <a:solidFill>
+            <a:srgbClr val="0070C0"/>
+          </a:solidFill>
+        </a:ln>
+        <a:effectLst/>
+      </dsp:spPr>
+      <dsp:style>
+        <a:lnRef idx="0">
+          <a:scrgbClr r="0" g="0" b="0"/>
+        </a:lnRef>
+        <a:fillRef idx="1">
+          <a:scrgbClr r="0" g="0" b="0"/>
+        </a:fillRef>
+        <a:effectRef idx="0">
+          <a:scrgbClr r="0" g="0" b="0"/>
+        </a:effectRef>
+        <a:fontRef idx="minor">
+          <a:schemeClr val="lt1"/>
+        </a:fontRef>
+      </dsp:style>
+      <dsp:txBody>
+        <a:bodyPr spcFirstLastPara="0" vert="horz" wrap="square" lIns="0" tIns="0" rIns="0" bIns="0" numCol="1" spcCol="1270" anchor="ctr" anchorCtr="0">
+          <a:noAutofit/>
+        </a:bodyPr>
+        <a:lstStyle/>
+        <a:p>
+          <a:pPr marL="0" lvl="0" indent="0" algn="ctr" defTabSz="488950" latinLnBrk="1">
+            <a:lnSpc>
+              <a:spcPct val="90000"/>
+            </a:lnSpc>
+            <a:spcBef>
+              <a:spcPct val="0"/>
+            </a:spcBef>
+            <a:spcAft>
+              <a:spcPct val="35000"/>
+            </a:spcAft>
+            <a:buNone/>
+          </a:pPr>
+          <a:endParaRPr lang="ko-KR" altLang="en-US" sz="1100" kern="1200"/>
+        </a:p>
+      </dsp:txBody>
+      <dsp:txXfrm rot="10800000">
+        <a:off x="2360991" y="3366071"/>
+        <a:ext cx="223664" cy="239665"/>
+      </dsp:txXfrm>
+    </dsp:sp>
+    <dsp:sp modelId="{A018A31C-1401-43DE-A03A-BD0F5D5F0E0F}">
+      <dsp:nvSpPr>
+        <dsp:cNvPr id="0" name=""/>
+        <dsp:cNvSpPr/>
+      </dsp:nvSpPr>
+      <dsp:spPr>
+        <a:xfrm>
+          <a:off x="1147870" y="1335307"/>
+          <a:ext cx="1855131" cy="1855131"/>
+        </a:xfrm>
+        <a:prstGeom prst="ellipse">
+          <a:avLst/>
+        </a:prstGeom>
+        <a:solidFill>
+          <a:srgbClr val="06CFEA"/>
+        </a:solidFill>
+        <a:ln w="12700" cap="flat" cmpd="sng" algn="ctr">
+          <a:solidFill>
+            <a:srgbClr val="06CFEA"/>
+          </a:solidFill>
+          <a:prstDash val="solid"/>
+          <a:miter lim="800000"/>
+        </a:ln>
+        <a:effectLst/>
+      </dsp:spPr>
+      <dsp:style>
+        <a:lnRef idx="2">
+          <a:scrgbClr r="0" g="0" b="0"/>
+        </a:lnRef>
+        <a:fillRef idx="1">
+          <a:scrgbClr r="0" g="0" b="0"/>
+        </a:fillRef>
+        <a:effectRef idx="0">
+          <a:scrgbClr r="0" g="0" b="0"/>
+        </a:effectRef>
+        <a:fontRef idx="minor">
+          <a:schemeClr val="lt1"/>
+        </a:fontRef>
+      </dsp:style>
+      <dsp:txBody>
+        <a:bodyPr spcFirstLastPara="0" vert="horz" wrap="square" lIns="38100" tIns="38100" rIns="38100" bIns="38100" numCol="1" spcCol="1270" anchor="ctr" anchorCtr="0">
+          <a:noAutofit/>
+        </a:bodyPr>
+        <a:lstStyle/>
+        <a:p>
+          <a:pPr marL="0" lvl="0" indent="0" algn="ctr" defTabSz="1333500" latinLnBrk="1">
+            <a:lnSpc>
+              <a:spcPct val="90000"/>
+            </a:lnSpc>
+            <a:spcBef>
+              <a:spcPct val="0"/>
+            </a:spcBef>
+            <a:spcAft>
+              <a:spcPct val="35000"/>
+            </a:spcAft>
+            <a:buNone/>
+          </a:pPr>
+          <a:r>
+            <a:rPr lang="ko-KR" altLang="en-US" sz="3000" kern="1200" dirty="0"/>
+            <a:t>중력장 재생성 </a:t>
+          </a:r>
+        </a:p>
+      </dsp:txBody>
+      <dsp:txXfrm>
+        <a:off x="1419548" y="1606985"/>
+        <a:ext cx="1311775" cy="1311775"/>
+      </dsp:txXfrm>
+    </dsp:sp>
+    <dsp:sp modelId="{A909A5D8-9B06-4B52-B4B9-AD52FCEE310A}">
+      <dsp:nvSpPr>
+        <dsp:cNvPr id="0" name=""/>
+        <dsp:cNvSpPr/>
+      </dsp:nvSpPr>
+      <dsp:spPr>
+        <a:xfrm rot="19440000">
+          <a:off x="2902642" y="1346078"/>
+          <a:ext cx="319520" cy="399443"/>
+        </a:xfrm>
+        <a:prstGeom prst="rightArrow">
+          <a:avLst>
+            <a:gd name="adj1" fmla="val 60000"/>
+            <a:gd name="adj2" fmla="val 50000"/>
+          </a:avLst>
+        </a:prstGeom>
+        <a:solidFill>
+          <a:srgbClr val="0070C0"/>
+        </a:solidFill>
+        <a:ln>
+          <a:solidFill>
+            <a:srgbClr val="0070C0"/>
+          </a:solidFill>
+        </a:ln>
+        <a:effectLst/>
+      </dsp:spPr>
+      <dsp:style>
+        <a:lnRef idx="0">
+          <a:scrgbClr r="0" g="0" b="0"/>
+        </a:lnRef>
+        <a:fillRef idx="1">
+          <a:scrgbClr r="0" g="0" b="0"/>
+        </a:fillRef>
+        <a:effectRef idx="0">
+          <a:scrgbClr r="0" g="0" b="0"/>
+        </a:effectRef>
+        <a:fontRef idx="minor">
+          <a:schemeClr val="lt1"/>
+        </a:fontRef>
+      </dsp:style>
+      <dsp:txBody>
+        <a:bodyPr spcFirstLastPara="0" vert="horz" wrap="square" lIns="0" tIns="0" rIns="0" bIns="0" numCol="1" spcCol="1270" anchor="ctr" anchorCtr="0">
+          <a:noAutofit/>
+        </a:bodyPr>
+        <a:lstStyle/>
+        <a:p>
+          <a:pPr marL="0" lvl="0" indent="0" algn="ctr" defTabSz="488950" latinLnBrk="1">
+            <a:lnSpc>
+              <a:spcPct val="90000"/>
+            </a:lnSpc>
+            <a:spcBef>
+              <a:spcPct val="0"/>
+            </a:spcBef>
+            <a:spcAft>
+              <a:spcPct val="35000"/>
+            </a:spcAft>
+            <a:buNone/>
+          </a:pPr>
+          <a:endParaRPr lang="ko-KR" altLang="en-US" sz="1100" kern="1200"/>
+        </a:p>
+      </dsp:txBody>
+      <dsp:txXfrm>
+        <a:off x="2911795" y="1454138"/>
+        <a:ext cx="223664" cy="239665"/>
+      </dsp:txXfrm>
+    </dsp:sp>
+  </dsp:spTree>
+</dsp:drawing>
+</file>
+
+<file path=ppt/diagrams/layout1.xml><?xml version="1.0" encoding="utf-8"?>
+<dgm:layoutDef xmlns:dgm="http://schemas.openxmlformats.org/drawingml/2006/diagram" xmlns:a="http://schemas.openxmlformats.org/drawingml/2006/main" uniqueId="urn:microsoft.com/office/officeart/2005/8/layout/cycle2">
+  <dgm:title val=""/>
+  <dgm:desc val=""/>
+  <dgm:catLst>
+    <dgm:cat type="cycle" pri="1000"/>
+    <dgm:cat type="convert" pri="10000"/>
+  </dgm:catLst>
+  <dgm:sampData>
+    <dgm:dataModel>
+      <dgm:ptLst>
+        <dgm:pt modelId="0" type="doc"/>
+        <dgm:pt modelId="1">
+          <dgm:prSet phldr="1"/>
+        </dgm:pt>
+        <dgm:pt modelId="2">
+          <dgm:prSet phldr="1"/>
+        </dgm:pt>
+        <dgm:pt modelId="3">
+          <dgm:prSet phldr="1"/>
+        </dgm:pt>
+        <dgm:pt modelId="4">
+          <dgm:prSet phldr="1"/>
+        </dgm:pt>
+        <dgm:pt modelId="5">
+          <dgm:prSet phldr="1"/>
+        </dgm:pt>
+      </dgm:ptLst>
+      <dgm:cxnLst>
+        <dgm:cxn modelId="6" srcId="0" destId="1" srcOrd="0" destOrd="0"/>
+        <dgm:cxn modelId="7" srcId="0" destId="2" srcOrd="1" destOrd="0"/>
+        <dgm:cxn modelId="8" srcId="0" destId="3" srcOrd="2" destOrd="0"/>
+        <dgm:cxn modelId="9" srcId="0" destId="4" srcOrd="3" destOrd="0"/>
+        <dgm:cxn modelId="10" srcId="0" destId="5" srcOrd="4" destOrd="0"/>
+      </dgm:cxnLst>
+      <dgm:bg/>
+      <dgm:whole/>
+    </dgm:dataModel>
+  </dgm:sampData>
+  <dgm:styleData>
+    <dgm:dataModel>
+      <dgm:ptLst>
+        <dgm:pt modelId="0" type="doc"/>
+        <dgm:pt modelId="1"/>
+        <dgm:pt modelId="2"/>
+        <dgm:pt modelId="3"/>
+      </dgm:ptLst>
+      <dgm:cxnLst>
+        <dgm:cxn modelId="4" srcId="0" destId="1" srcOrd="0" destOrd="0"/>
+        <dgm:cxn modelId="5" srcId="0" destId="2" srcOrd="1" destOrd="0"/>
+        <dgm:cxn modelId="6" srcId="0" destId="3" srcOrd="2" destOrd="0"/>
+      </dgm:cxnLst>
+      <dgm:bg/>
+      <dgm:whole/>
+    </dgm:dataModel>
+  </dgm:styleData>
+  <dgm:clrData>
+    <dgm:dataModel>
+      <dgm:ptLst>
+        <dgm:pt modelId="0" type="doc"/>
+        <dgm:pt modelId="1"/>
+        <dgm:pt modelId="2"/>
+        <dgm:pt modelId="3"/>
+        <dgm:pt modelId="4"/>
+        <dgm:pt modelId="5"/>
+        <dgm:pt modelId="6"/>
+      </dgm:ptLst>
+      <dgm:cxnLst>
+        <dgm:cxn modelId="7" srcId="0" destId="1" srcOrd="0" destOrd="0"/>
+        <dgm:cxn modelId="8" srcId="0" destId="2" srcOrd="1" destOrd="0"/>
+        <dgm:cxn modelId="9" srcId="0" destId="3" srcOrd="2" destOrd="0"/>
+        <dgm:cxn modelId="10" srcId="0" destId="4" srcOrd="3" destOrd="0"/>
+        <dgm:cxn modelId="11" srcId="0" destId="5" srcOrd="4" destOrd="0"/>
+        <dgm:cxn modelId="12" srcId="0" destId="6" srcOrd="5" destOrd="0"/>
+      </dgm:cxnLst>
+      <dgm:bg/>
+      <dgm:whole/>
+    </dgm:dataModel>
+  </dgm:clrData>
+  <dgm:layoutNode name="cycle">
+    <dgm:varLst>
+      <dgm:dir/>
+      <dgm:resizeHandles val="exact"/>
+    </dgm:varLst>
+    <dgm:choose name="Name0">
+      <dgm:if name="Name1" func="var" arg="dir" op="equ" val="norm">
+        <dgm:choose name="Name2">
+          <dgm:if name="Name3" axis="ch" ptType="node" func="cnt" op="gt" val="2">
+            <dgm:alg type="cycle">
+              <dgm:param type="stAng" val="0"/>
+              <dgm:param type="spanAng" val="360"/>
+            </dgm:alg>
+          </dgm:if>
+          <dgm:else name="Name4">
+            <dgm:alg type="cycle">
+              <dgm:param type="stAng" val="-90"/>
+              <dgm:param type="spanAng" val="360"/>
+            </dgm:alg>
+          </dgm:else>
+        </dgm:choose>
+      </dgm:if>
+      <dgm:else name="Name5">
+        <dgm:choose name="Name6">
+          <dgm:if name="Name7" axis="ch" ptType="node" func="cnt" op="gt" val="2">
+            <dgm:alg type="cycle">
+              <dgm:param type="stAng" val="0"/>
+              <dgm:param type="spanAng" val="-360"/>
+            </dgm:alg>
+          </dgm:if>
+          <dgm:else name="Name8">
+            <dgm:alg type="cycle">
+              <dgm:param type="stAng" val="90"/>
+              <dgm:param type="spanAng" val="-360"/>
+            </dgm:alg>
+          </dgm:else>
+        </dgm:choose>
+      </dgm:else>
+    </dgm:choose>
+    <dgm:shape xmlns:r="http://schemas.openxmlformats.org/officeDocument/2006/relationships" r:blip="">
+      <dgm:adjLst/>
+    </dgm:shape>
+    <dgm:presOf/>
+    <dgm:constrLst>
+      <dgm:constr type="w" for="ch" ptType="node" refType="w"/>
+      <dgm:constr type="w" for="ch" ptType="sibTrans" refType="w" refFor="ch" refPtType="node" op="equ" fact="0.25"/>
+      <dgm:constr type="sibSp" refType="w" refFor="ch" refPtType="node" fact="0.5"/>
+      <dgm:constr type="primFontSz" for="ch" ptType="node" op="equ" val="65"/>
+      <dgm:constr type="primFontSz" for="des" forName="connectorText" op="equ" val="55"/>
+      <dgm:constr type="primFontSz" for="des" forName="connectorText" refType="primFontSz" refFor="ch" refPtType="node" op="lte" fact="0.8"/>
+    </dgm:constrLst>
+    <dgm:ruleLst/>
+    <dgm:forEach name="nodesForEach" axis="ch" ptType="node">
+      <dgm:layoutNode name="node">
+        <dgm:varLst>
+          <dgm:bulletEnabled val="1"/>
+        </dgm:varLst>
+        <dgm:alg type="tx">
+          <dgm:param type="txAnchorVertCh" val="mid"/>
+        </dgm:alg>
+        <dgm:shape xmlns:r="http://schemas.openxmlformats.org/officeDocument/2006/relationships" type="ellipse" r:blip="">
+          <dgm:adjLst/>
+        </dgm:shape>
+        <dgm:presOf axis="desOrSelf" ptType="node"/>
+        <dgm:constrLst>
+          <dgm:constr type="h" refType="w"/>
+          <dgm:constr type="lMarg" refType="primFontSz" fact="0.1"/>
+          <dgm:constr type="rMarg" refType="primFontSz" fact="0.1"/>
+          <dgm:constr type="tMarg" refType="primFontSz" fact="0.1"/>
+          <dgm:constr type="bMarg" refType="primFontSz" fact="0.1"/>
+        </dgm:constrLst>
+        <dgm:ruleLst>
+          <dgm:rule type="primFontSz" val="5" fact="NaN" max="NaN"/>
+        </dgm:ruleLst>
+      </dgm:layoutNode>
+      <dgm:choose name="Name9">
+        <dgm:if name="Name10" axis="par ch" ptType="doc node" func="cnt" op="gt" val="1">
+          <dgm:forEach name="sibTransForEach" axis="followSib" ptType="sibTrans" hideLastTrans="0" cnt="1">
+            <dgm:layoutNode name="sibTrans">
+              <dgm:choose name="Name11">
+                <dgm:if name="Name12" axis="par ch" ptType="doc node" func="cnt" op="lt" val="3">
+                  <dgm:alg type="conn">
+                    <dgm:param type="begPts" val="radial"/>
+                    <dgm:param type="endPts" val="radial"/>
+                  </dgm:alg>
+                </dgm:if>
+                <dgm:else name="Name13">
+                  <dgm:alg type="conn">
+                    <dgm:param type="begPts" val="auto"/>
+                    <dgm:param type="endPts" val="auto"/>
+                  </dgm:alg>
+                </dgm:else>
+              </dgm:choose>
+              <dgm:shape xmlns:r="http://schemas.openxmlformats.org/officeDocument/2006/relationships" type="conn" r:blip="">
+                <dgm:adjLst/>
+              </dgm:shape>
+              <dgm:presOf axis="self"/>
+              <dgm:constrLst>
+                <dgm:constr type="h" refType="w" fact="1.35"/>
+                <dgm:constr type="connDist"/>
+                <dgm:constr type="w" for="ch" refType="connDist" fact="0.45"/>
+                <dgm:constr type="h" for="ch" refType="h"/>
+              </dgm:constrLst>
+              <dgm:ruleLst/>
+              <dgm:layoutNode name="connectorText">
+                <dgm:alg type="tx">
+                  <dgm:param type="autoTxRot" val="grav"/>
+                </dgm:alg>
+                <dgm:shape xmlns:r="http://schemas.openxmlformats.org/officeDocument/2006/relationships" type="conn" r:blip="" hideGeom="1">
+                  <dgm:adjLst/>
+                </dgm:shape>
+                <dgm:presOf axis="self"/>
+                <dgm:constrLst>
+                  <dgm:constr type="lMarg"/>
+                  <dgm:constr type="rMarg"/>
+                  <dgm:constr type="tMarg"/>
+                  <dgm:constr type="bMarg"/>
+                </dgm:constrLst>
+                <dgm:ruleLst>
+                  <dgm:rule type="primFontSz" val="5" fact="NaN" max="NaN"/>
+                </dgm:ruleLst>
+              </dgm:layoutNode>
+            </dgm:layoutNode>
+          </dgm:forEach>
+        </dgm:if>
+        <dgm:else name="Name14"/>
+      </dgm:choose>
+    </dgm:forEach>
+  </dgm:layoutNode>
+</dgm:layoutDef>
+</file>
+
+<file path=ppt/diagrams/quickStyle1.xml><?xml version="1.0" encoding="utf-8"?>
+<dgm:styleDef xmlns:dgm="http://schemas.openxmlformats.org/drawingml/2006/diagram" xmlns:a="http://schemas.openxmlformats.org/drawingml/2006/main" uniqueId="urn:microsoft.com/office/officeart/2005/8/quickstyle/simple1">
+  <dgm:title val=""/>
+  <dgm:desc val=""/>
+  <dgm:catLst>
+    <dgm:cat type="simple" pri="10100"/>
+  </dgm:catLst>
+  <dgm:scene3d>
+    <a:camera prst="orthographicFront"/>
+    <a:lightRig rig="threePt" dir="t"/>
+  </dgm:scene3d>
+  <dgm:styleLbl name="node0">
+    <dgm:scene3d>
+      <a:camera prst="orthographicFront"/>
+      <a:lightRig rig="threePt" dir="t"/>
+    </dgm:scene3d>
+    <dgm:sp3d/>
+    <dgm:txPr/>
+    <dgm:style>
+      <a:lnRef idx="2">
+        <a:scrgbClr r="0" g="0" b="0"/>
+      </a:lnRef>
+      <a:fillRef idx="1">
+        <a:scrgbClr r="0" g="0" b="0"/>
+      </a:fillRef>
+      <a:effectRef idx="0">
+        <a:scrgbClr r="0" g="0" b="0"/>
+      </a:effectRef>
+      <a:fontRef idx="minor">
+        <a:schemeClr val="lt1"/>
+      </a:fontRef>
+    </dgm:style>
+  </dgm:styleLbl>
+  <dgm:styleLbl name="lnNode1">
+    <dgm:scene3d>
+      <a:camera prst="orthographicFront"/>
+      <a:lightRig rig="threePt" dir="t"/>
+    </dgm:scene3d>
+    <dgm:sp3d/>
+    <dgm:txPr/>
+    <dgm:style>
+      <a:lnRef idx="2">
+        <a:scrgbClr r="0" g="0" b="0"/>
+      </a:lnRef>
+      <a:fillRef idx="1">
+        <a:scrgbClr r="0" g="0" b="0"/>
+      </a:fillRef>
+      <a:effectRef idx="0">
+        <a:scrgbClr r="0" g="0" b="0"/>
+      </a:effectRef>
+      <a:fontRef idx="minor">
+        <a:schemeClr val="lt1"/>
+      </a:fontRef>
+    </dgm:style>
+  </dgm:styleLbl>
+  <dgm:styleLbl name="vennNode1">
+    <dgm:scene3d>
+      <a:camera prst="orthographicFront"/>
+      <a:lightRig rig="threePt" dir="t"/>
+    </dgm:scene3d>
+    <dgm:sp3d/>
+    <dgm:txPr/>
+    <dgm:style>
+      <a:lnRef idx="2">
+        <a:scrgbClr r="0" g="0" b="0"/>
+      </a:lnRef>
+      <a:fillRef idx="1">
+        <a:scrgbClr r="0" g="0" b="0"/>
+      </a:fillRef>
+      <a:effectRef idx="0">
+        <a:scrgbClr r="0" g="0" b="0"/>
+      </a:effectRef>
+      <a:fontRef idx="minor">
+        <a:schemeClr val="tx1"/>
+      </a:fontRef>
+    </dgm:style>
+  </dgm:styleLbl>
+  <dgm:styleLbl name="alignNode1">
+    <dgm:scene3d>
+      <a:camera prst="orthographicFront"/>
+      <a:lightRig rig="threePt" dir="t"/>
+    </dgm:scene3d>
+    <dgm:sp3d/>
+    <dgm:txPr/>
+    <dgm:style>
+      <a:lnRef idx="2">
+        <a:scrgbClr r="0" g="0" b="0"/>
+      </a:lnRef>
+      <a:fillRef idx="1">
+        <a:scrgbClr r="0" g="0" b="0"/>
+      </a:fillRef>
+      <a:effectRef idx="0">
+        <a:scrgbClr r="0" g="0" b="0"/>
+      </a:effectRef>
+      <a:fontRef idx="minor">
+        <a:schemeClr val="lt1"/>
+      </a:fontRef>
+    </dgm:style>
+  </dgm:styleLbl>
+  <dgm:styleLbl name="node1">
+    <dgm:scene3d>
+      <a:camera prst="orthographicFront"/>
+      <a:lightRig rig="threePt" dir="t"/>
+    </dgm:scene3d>
+    <dgm:sp3d/>
+    <dgm:txPr/>
+    <dgm:style>
+      <a:lnRef idx="2">
+        <a:scrgbClr r="0" g="0" b="0"/>
+      </a:lnRef>
+      <a:fillRef idx="1">
+        <a:scrgbClr r="0" g="0" b="0"/>
+      </a:fillRef>
+      <a:effectRef idx="0">
+        <a:scrgbClr r="0" g="0" b="0"/>
+      </a:effectRef>
+      <a:fontRef idx="minor">
+        <a:schemeClr val="lt1"/>
+      </a:fontRef>
+    </dgm:style>
+  </dgm:styleLbl>
+  <dgm:styleLbl name="node2">
+    <dgm:scene3d>
+      <a:camera prst="orthographicFront"/>
+      <a:lightRig rig="threePt" dir="t"/>
+    </dgm:scene3d>
+    <dgm:sp3d/>
+    <dgm:txPr/>
+    <dgm:style>
+      <a:lnRef idx="2">
+        <a:scrgbClr r="0" g="0" b="0"/>
+      </a:lnRef>
+      <a:fillRef idx="1">
+        <a:scrgbClr r="0" g="0" b="0"/>
+      </a:fillRef>
+      <a:effectRef idx="0">
+        <a:scrgbClr r="0" g="0" b="0"/>
+      </a:effectRef>
+      <a:fontRef idx="minor">
+        <a:schemeClr val="lt1"/>
+      </a:fontRef>
+    </dgm:style>
+  </dgm:styleLbl>
+  <dgm:styleLbl name="node3">
+    <dgm:scene3d>
+      <a:camera prst="orthographicFront"/>
+      <a:lightRig rig="threePt" dir="t"/>
+    </dgm:scene3d>
+    <dgm:sp3d/>
+    <dgm:txPr/>
+    <dgm:style>
+      <a:lnRef idx="2">
+        <a:scrgbClr r="0" g="0" b="0"/>
+      </a:lnRef>
+      <a:fillRef idx="1">
+        <a:scrgbClr r="0" g="0" b="0"/>
+      </a:fillRef>
+      <a:effectRef idx="0">
+        <a:scrgbClr r="0" g="0" b="0"/>
+      </a:effectRef>
+      <a:fontRef idx="minor">
+        <a:schemeClr val="lt1"/>
+      </a:fontRef>
+    </dgm:style>
+  </dgm:styleLbl>
+  <dgm:styleLbl name="node4">
+    <dgm:scene3d>
+      <a:camera prst="orthographicFront"/>
+      <a:lightRig rig="threePt" dir="t"/>
+    </dgm:scene3d>
+    <dgm:sp3d/>
+    <dgm:txPr/>
+    <dgm:style>
+      <a:lnRef idx="2">
+        <a:scrgbClr r="0" g="0" b="0"/>
+      </a:lnRef>
+      <a:fillRef idx="1">
+        <a:scrgbClr r="0" g="0" b="0"/>
+      </a:fillRef>
+      <a:effectRef idx="0">
+        <a:scrgbClr r="0" g="0" b="0"/>
+      </a:effectRef>
+      <a:fontRef idx="minor">
+        <a:schemeClr val="lt1"/>
+      </a:fontRef>
+    </dgm:style>
+  </dgm:styleLbl>
+  <dgm:styleLbl name="fgImgPlace1">
+    <dgm:scene3d>
+      <a:camera prst="orthographicFront"/>
+      <a:lightRig rig="threePt" dir="t"/>
+    </dgm:scene3d>
+    <dgm:sp3d/>
+    <dgm:txPr/>
+    <dgm:style>
+      <a:lnRef idx="2">
+        <a:scrgbClr r="0" g="0" b="0"/>
+      </a:lnRef>
+      <a:fillRef idx="1">
+        <a:scrgbClr r="0" g="0" b="0"/>
+      </a:fillRef>
+      <a:effectRef idx="0">
+        <a:scrgbClr r="0" g="0" b="0"/>
+      </a:effectRef>
+      <a:fontRef idx="minor"/>
+    </dgm:style>
+  </dgm:styleLbl>
+  <dgm:styleLbl name="alignImgPlace1">
+    <dgm:scene3d>
+      <a:camera prst="orthographicFront"/>
+      <a:lightRig rig="threePt" dir="t"/>
+    </dgm:scene3d>
+    <dgm:sp3d/>
+    <dgm:txPr/>
+    <dgm:style>
+      <a:lnRef idx="2">
+        <a:scrgbClr r="0" g="0" b="0"/>
+      </a:lnRef>
+      <a:fillRef idx="1">
+        <a:scrgbClr r="0" g="0" b="0"/>
+      </a:fillRef>
+      <a:effectRef idx="0">
+        <a:scrgbClr r="0" g="0" b="0"/>
+      </a:effectRef>
+      <a:fontRef idx="minor"/>
+    </dgm:style>
+  </dgm:styleLbl>
+  <dgm:styleLbl name="bgImgPlace1">
+    <dgm:scene3d>
+      <a:camera prst="orthographicFront"/>
+      <a:lightRig rig="threePt" dir="t"/>
+    </dgm:scene3d>
+    <dgm:sp3d/>
+    <dgm:txPr/>
+    <dgm:style>
+      <a:lnRef idx="2">
+        <a:scrgbClr r="0" g="0" b="0"/>
+      </a:lnRef>
+      <a:fillRef idx="1">
+        <a:scrgbClr r="0" g="0" b="0"/>
+      </a:fillRef>
+      <a:effectRef idx="0">
+        <a:scrgbClr r="0" g="0" b="0"/>
+      </a:effectRef>
+      <a:fontRef idx="minor"/>
+    </dgm:style>
+  </dgm:styleLbl>
+  <dgm:styleLbl name="sibTrans2D1">
+    <dgm:scene3d>
+      <a:camera prst="orthographicFront"/>
+      <a:lightRig rig="threePt" dir="t"/>
+    </dgm:scene3d>
+    <dgm:sp3d/>
+    <dgm:txPr/>
+    <dgm:style>
+      <a:lnRef idx="0">
+        <a:scrgbClr r="0" g="0" b="0"/>
+      </a:lnRef>
+      <a:fillRef idx="1">
+        <a:scrgbClr r="0" g="0" b="0"/>
+      </a:fillRef>
+      <a:effectRef idx="0">
+        <a:scrgbClr r="0" g="0" b="0"/>
+      </a:effectRef>
+      <a:fontRef idx="minor">
+        <a:schemeClr val="lt1"/>
+      </a:fontRef>
+    </dgm:style>
+  </dgm:styleLbl>
+  <dgm:styleLbl name="fgSibTrans2D1">
+    <dgm:scene3d>
+      <a:camera prst="orthographicFront"/>
+      <a:lightRig rig="threePt" dir="t"/>
+    </dgm:scene3d>
+    <dgm:sp3d/>
+    <dgm:txPr/>
+    <dgm:style>
+      <a:lnRef idx="0">
+        <a:scrgbClr r="0" g="0" b="0"/>
+      </a:lnRef>
+      <a:fillRef idx="1">
+        <a:scrgbClr r="0" g="0" b="0"/>
+      </a:fillRef>
+      <a:effectRef idx="0">
+        <a:scrgbClr r="0" g="0" b="0"/>
+      </a:effectRef>
+      <a:fontRef idx="minor">
+        <a:schemeClr val="lt1"/>
+      </a:fontRef>
+    </dgm:style>
+  </dgm:styleLbl>
+  <dgm:styleLbl name="bgSibTrans2D1">
+    <dgm:scene3d>
+      <a:camera prst="orthographicFront"/>
+      <a:lightRig rig="threePt" dir="t"/>
+    </dgm:scene3d>
+    <dgm:sp3d/>
+    <dgm:txPr/>
+    <dgm:style>
+      <a:lnRef idx="0">
+        <a:scrgbClr r="0" g="0" b="0"/>
+      </a:lnRef>
+      <a:fillRef idx="1">
+        <a:scrgbClr r="0" g="0" b="0"/>
+      </a:fillRef>
+      <a:effectRef idx="0">
+        <a:scrgbClr r="0" g="0" b="0"/>
+      </a:effectRef>
+      <a:fontRef idx="minor">
+        <a:schemeClr val="lt1"/>
+      </a:fontRef>
+    </dgm:style>
+  </dgm:styleLbl>
+  <dgm:styleLbl name="sibTrans1D1">
+    <dgm:scene3d>
+      <a:camera prst="orthographicFront"/>
+      <a:lightRig rig="threePt" dir="t"/>
+    </dgm:scene3d>
+    <dgm:sp3d/>
+    <dgm:txPr/>
+    <dgm:style>
+      <a:lnRef idx="1">
+        <a:scrgbClr r="0" g="0" b="0"/>
+      </a:lnRef>
+      <a:fillRef idx="0">
+        <a:scrgbClr r="0" g="0" b="0"/>
+      </a:fillRef>
+      <a:effectRef idx="0">
+        <a:scrgbClr r="0" g="0" b="0"/>
+      </a:effectRef>
+      <a:fontRef idx="minor"/>
+    </dgm:style>
+  </dgm:styleLbl>
+  <dgm:styleLbl name="callout">
+    <dgm:scene3d>
+      <a:camera prst="orthographicFront"/>
+      <a:lightRig rig="threePt" dir="t"/>
+    </dgm:scene3d>
+    <dgm:sp3d/>
+    <dgm:txPr/>
+    <dgm:style>
+      <a:lnRef idx="2">
+        <a:scrgbClr r="0" g="0" b="0"/>
+      </a:lnRef>
+      <a:fillRef idx="1">
+        <a:scrgbClr r="0" g="0" b="0"/>
+      </a:fillRef>
+      <a:effectRef idx="0">
+        <a:scrgbClr r="0" g="0" b="0"/>
+      </a:effectRef>
+      <a:fontRef idx="minor"/>
+    </dgm:style>
+  </dgm:styleLbl>
+  <dgm:styleLbl name="asst0">
+    <dgm:scene3d>
+      <a:camera prst="orthographicFront"/>
+      <a:lightRig rig="threePt" dir="t"/>
+    </dgm:scene3d>
+    <dgm:sp3d/>
+    <dgm:txPr/>
+    <dgm:style>
+      <a:lnRef idx="2">
+        <a:scrgbClr r="0" g="0" b="0"/>
+      </a:lnRef>
+      <a:fillRef idx="1">
+        <a:scrgbClr r="0" g="0" b="0"/>
+      </a:fillRef>
+      <a:effectRef idx="0">
+        <a:scrgbClr r="0" g="0" b="0"/>
+      </a:effectRef>
+      <a:fontRef idx="minor">
+        <a:schemeClr val="lt1"/>
+      </a:fontRef>
+    </dgm:style>
+  </dgm:styleLbl>
+  <dgm:styleLbl name="asst1">
+    <dgm:scene3d>
+      <a:camera prst="orthographicFront"/>
+      <a:lightRig rig="threePt" dir="t"/>
+    </dgm:scene3d>
+    <dgm:sp3d/>
+    <dgm:txPr/>
+    <dgm:style>
+      <a:lnRef idx="2">
+        <a:scrgbClr r="0" g="0" b="0"/>
+      </a:lnRef>
+      <a:fillRef idx="1">
+        <a:scrgbClr r="0" g="0" b="0"/>
+      </a:fillRef>
+      <a:effectRef idx="0">
+        <a:scrgbClr r="0" g="0" b="0"/>
+      </a:effectRef>
+      <a:fontRef idx="minor">
+        <a:schemeClr val="lt1"/>
+      </a:fontRef>
+    </dgm:style>
+  </dgm:styleLbl>
+  <dgm:styleLbl name="asst2">
+    <dgm:scene3d>
+      <a:camera prst="orthographicFront"/>
+      <a:lightRig rig="threePt" dir="t"/>
+    </dgm:scene3d>
+    <dgm:sp3d/>
+    <dgm:txPr/>
+    <dgm:style>
+      <a:lnRef idx="2">
+        <a:scrgbClr r="0" g="0" b="0"/>
+      </a:lnRef>
+      <a:fillRef idx="1">
+        <a:scrgbClr r="0" g="0" b="0"/>
+      </a:fillRef>
+      <a:effectRef idx="0">
+        <a:scrgbClr r="0" g="0" b="0"/>
+      </a:effectRef>
+      <a:fontRef idx="minor">
+        <a:schemeClr val="lt1"/>
+      </a:fontRef>
+    </dgm:style>
+  </dgm:styleLbl>
+  <dgm:styleLbl name="asst3">
+    <dgm:scene3d>
+      <a:camera prst="orthographicFront"/>
+      <a:lightRig rig="threePt" dir="t"/>
+    </dgm:scene3d>
+    <dgm:sp3d/>
+    <dgm:txPr/>
+    <dgm:style>
+      <a:lnRef idx="2">
+        <a:scrgbClr r="0" g="0" b="0"/>
+      </a:lnRef>
+      <a:fillRef idx="1">
+        <a:scrgbClr r="0" g="0" b="0"/>
+      </a:fillRef>
+      <a:effectRef idx="0">
+        <a:scrgbClr r="0" g="0" b="0"/>
+      </a:effectRef>
+      <a:fontRef idx="minor">
+        <a:schemeClr val="lt1"/>
+      </a:fontRef>
+    </dgm:style>
+  </dgm:styleLbl>
+  <dgm:styleLbl name="asst4">
+    <dgm:scene3d>
+      <a:camera prst="orthographicFront"/>
+      <a:lightRig rig="threePt" dir="t"/>
+    </dgm:scene3d>
+    <dgm:sp3d/>
+    <dgm:txPr/>
+    <dgm:style>
+      <a:lnRef idx="2">
+        <a:scrgbClr r="0" g="0" b="0"/>
+      </a:lnRef>
+      <a:fillRef idx="1">
+        <a:scrgbClr r="0" g="0" b="0"/>
+      </a:fillRef>
+      <a:effectRef idx="0">
+        <a:scrgbClr r="0" g="0" b="0"/>
+      </a:effectRef>
+      <a:fontRef idx="minor">
+        <a:schemeClr val="lt1"/>
+      </a:fontRef>
+    </dgm:style>
+  </dgm:styleLbl>
+  <dgm:styleLbl name="parChTrans2D1">
+    <dgm:scene3d>
+      <a:camera prst="orthographicFront"/>
+      <a:lightRig rig="threePt" dir="t"/>
+    </dgm:scene3d>
+    <dgm:sp3d/>
+    <dgm:txPr/>
+    <dgm:style>
+      <a:lnRef idx="2">
+        <a:scrgbClr r="0" g="0" b="0"/>
+      </a:lnRef>
+      <a:fillRef idx="1">
+        <a:scrgbClr r="0" g="0" b="0"/>
+      </a:fillRef>
+      <a:effectRef idx="0">
+        <a:scrgbClr r="0" g="0" b="0"/>
+      </a:effectRef>
+      <a:fontRef idx="minor">
+        <a:schemeClr val="lt1"/>
+      </a:fontRef>
+    </dgm:style>
+  </dgm:styleLbl>
+  <dgm:styleLbl name="parChTrans2D2">
+    <dgm:scene3d>
+      <a:camera prst="orthographicFront"/>
+      <a:lightRig rig="threePt" dir="t"/>
+    </dgm:scene3d>
+    <dgm:sp3d/>
+    <dgm:txPr/>
+    <dgm:style>
+      <a:lnRef idx="2">
+        <a:scrgbClr r="0" g="0" b="0"/>
+      </a:lnRef>
+      <a:fillRef idx="1">
+        <a:scrgbClr r="0" g="0" b="0"/>
+      </a:fillRef>
+      <a:effectRef idx="0">
+        <a:scrgbClr r="0" g="0" b="0"/>
+      </a:effectRef>
+      <a:fontRef idx="minor">
+        <a:schemeClr val="lt1"/>
+      </a:fontRef>
+    </dgm:style>
+  </dgm:styleLbl>
+  <dgm:styleLbl name="parChTrans2D3">
+    <dgm:scene3d>
+      <a:camera prst="orthographicFront"/>
+      <a:lightRig rig="threePt" dir="t"/>
+    </dgm:scene3d>
+    <dgm:sp3d/>
+    <dgm:txPr/>
+    <dgm:style>
+      <a:lnRef idx="2">
+        <a:scrgbClr r="0" g="0" b="0"/>
+      </a:lnRef>
+      <a:fillRef idx="1">
+        <a:scrgbClr r="0" g="0" b="0"/>
+      </a:fillRef>
+      <a:effectRef idx="0">
+        <a:scrgbClr r="0" g="0" b="0"/>
+      </a:effectRef>
+      <a:fontRef idx="minor">
+        <a:schemeClr val="lt1"/>
+      </a:fontRef>
+    </dgm:style>
+  </dgm:styleLbl>
+  <dgm:styleLbl name="parChTrans2D4">
+    <dgm:scene3d>
+      <a:camera prst="orthographicFront"/>
+      <a:lightRig rig="threePt" dir="t"/>
+    </dgm:scene3d>
+    <dgm:sp3d/>
+    <dgm:txPr/>
+    <dgm:style>
+      <a:lnRef idx="2">
+        <a:scrgbClr r="0" g="0" b="0"/>
+      </a:lnRef>
+      <a:fillRef idx="1">
+        <a:scrgbClr r="0" g="0" b="0"/>
+      </a:fillRef>
+      <a:effectRef idx="0">
+        <a:scrgbClr r="0" g="0" b="0"/>
+      </a:effectRef>
+      <a:fontRef idx="minor">
+        <a:schemeClr val="lt1"/>
+      </a:fontRef>
+    </dgm:style>
+  </dgm:styleLbl>
+  <dgm:styleLbl name="parChTrans1D1">
+    <dgm:scene3d>
+      <a:camera prst="orthographicFront"/>
+      <a:lightRig rig="threePt" dir="t"/>
+    </dgm:scene3d>
+    <dgm:sp3d/>
+    <dgm:txPr/>
+    <dgm:style>
+      <a:lnRef idx="2">
+        <a:scrgbClr r="0" g="0" b="0"/>
+      </a:lnRef>
+      <a:fillRef idx="0">
+        <a:scrgbClr r="0" g="0" b="0"/>
+      </a:fillRef>
+      <a:effectRef idx="0">
+        <a:scrgbClr r="0" g="0" b="0"/>
+      </a:effectRef>
+      <a:fontRef idx="minor"/>
+    </dgm:style>
+  </dgm:styleLbl>
+  <dgm:styleLbl name="parChTrans1D2">
+    <dgm:scene3d>
+      <a:camera prst="orthographicFront"/>
+      <a:lightRig rig="threePt" dir="t"/>
+    </dgm:scene3d>
+    <dgm:sp3d/>
+    <dgm:txPr/>
+    <dgm:style>
+      <a:lnRef idx="2">
+        <a:scrgbClr r="0" g="0" b="0"/>
+      </a:lnRef>
+      <a:fillRef idx="0">
+        <a:scrgbClr r="0" g="0" b="0"/>
+      </a:fillRef>
+      <a:effectRef idx="0">
+        <a:scrgbClr r="0" g="0" b="0"/>
+      </a:effectRef>
+      <a:fontRef idx="minor"/>
+    </dgm:style>
+  </dgm:styleLbl>
+  <dgm:styleLbl name="parChTrans1D3">
+    <dgm:scene3d>
+      <a:camera prst="orthographicFront"/>
+      <a:lightRig rig="threePt" dir="t"/>
+    </dgm:scene3d>
+    <dgm:sp3d/>
+    <dgm:txPr/>
+    <dgm:style>
+      <a:lnRef idx="2">
+        <a:scrgbClr r="0" g="0" b="0"/>
+      </a:lnRef>
+      <a:fillRef idx="0">
+        <a:scrgbClr r="0" g="0" b="0"/>
+      </a:fillRef>
+      <a:effectRef idx="0">
+        <a:scrgbClr r="0" g="0" b="0"/>
+      </a:effectRef>
+      <a:fontRef idx="minor"/>
+    </dgm:style>
+  </dgm:styleLbl>
+  <dgm:styleLbl name="parChTrans1D4">
+    <dgm:scene3d>
+      <a:camera prst="orthographicFront"/>
+      <a:lightRig rig="threePt" dir="t"/>
+    </dgm:scene3d>
+    <dgm:sp3d/>
+    <dgm:txPr/>
+    <dgm:style>
+      <a:lnRef idx="2">
+        <a:scrgbClr r="0" g="0" b="0"/>
+      </a:lnRef>
+      <a:fillRef idx="0">
+        <a:scrgbClr r="0" g="0" b="0"/>
+      </a:fillRef>
+      <a:effectRef idx="0">
+        <a:scrgbClr r="0" g="0" b="0"/>
+      </a:effectRef>
+      <a:fontRef idx="minor"/>
+    </dgm:style>
+  </dgm:styleLbl>
+  <dgm:styleLbl name="fgAcc1">
+    <dgm:scene3d>
+      <a:camera prst="orthographicFront"/>
+      <a:lightRig rig="threePt" dir="t"/>
+    </dgm:scene3d>
+    <dgm:sp3d/>
+    <dgm:txPr/>
+    <dgm:style>
+      <a:lnRef idx="2">
+        <a:scrgbClr r="0" g="0" b="0"/>
+      </a:lnRef>
+      <a:fillRef idx="1">
+        <a:scrgbClr r="0" g="0" b="0"/>
+      </a:fillRef>
+      <a:effectRef idx="0">
+        <a:scrgbClr r="0" g="0" b="0"/>
+      </a:effectRef>
+      <a:fontRef idx="minor"/>
+    </dgm:style>
+  </dgm:styleLbl>
+  <dgm:styleLbl name="conFgAcc1">
+    <dgm:scene3d>
+      <a:camera prst="orthographicFront"/>
+      <a:lightRig rig="threePt" dir="t"/>
+    </dgm:scene3d>
+    <dgm:sp3d/>
+    <dgm:txPr/>
+    <dgm:style>
+      <a:lnRef idx="2">
+        <a:scrgbClr r="0" g="0" b="0"/>
+      </a:lnRef>
+      <a:fillRef idx="1">
+        <a:scrgbClr r="0" g="0" b="0"/>
+      </a:fillRef>
+      <a:effectRef idx="0">
+        <a:scrgbClr r="0" g="0" b="0"/>
+      </a:effectRef>
+      <a:fontRef idx="minor"/>
+    </dgm:style>
+  </dgm:styleLbl>
+  <dgm:styleLbl name="alignAcc1">
+    <dgm:scene3d>
+      <a:camera prst="orthographicFront"/>
+      <a:lightRig rig="threePt" dir="t"/>
+    </dgm:scene3d>
+    <dgm:sp3d/>
+    <dgm:txPr/>
+    <dgm:style>
+      <a:lnRef idx="2">
+        <a:scrgbClr r="0" g="0" b="0"/>
+      </a:lnRef>
+      <a:fillRef idx="1">
+        <a:scrgbClr r="0" g="0" b="0"/>
+      </a:fillRef>
+      <a:effectRef idx="0">
+        <a:scrgbClr r="0" g="0" b="0"/>
+      </a:effectRef>
+      <a:fontRef idx="minor"/>
+    </dgm:style>
+  </dgm:styleLbl>
+  <dgm:styleLbl name="trAlignAcc1">
+    <dgm:scene3d>
+      <a:camera prst="orthographicFront"/>
+      <a:lightRig rig="threePt" dir="t"/>
+    </dgm:scene3d>
+    <dgm:sp3d/>
+    <dgm:txPr/>
+    <dgm:style>
+      <a:lnRef idx="1">
+        <a:scrgbClr r="0" g="0" b="0"/>
+      </a:lnRef>
+      <a:fillRef idx="1">
+        <a:scrgbClr r="0" g="0" b="0"/>
+      </a:fillRef>
+      <a:effectRef idx="0">
+        <a:scrgbClr r="0" g="0" b="0"/>
+      </a:effectRef>
+      <a:fontRef idx="minor"/>
+    </dgm:style>
+  </dgm:styleLbl>
+  <dgm:styleLbl name="bgAcc1">
+    <dgm:scene3d>
+      <a:camera prst="orthographicFront"/>
+      <a:lightRig rig="threePt" dir="t"/>
+    </dgm:scene3d>
+    <dgm:sp3d/>
+    <dgm:txPr/>
+    <dgm:style>
+      <a:lnRef idx="2">
+        <a:scrgbClr r="0" g="0" b="0"/>
+      </a:lnRef>
+      <a:fillRef idx="1">
+        <a:scrgbClr r="0" g="0" b="0"/>
+      </a:fillRef>
+      <a:effectRef idx="0">
+        <a:scrgbClr r="0" g="0" b="0"/>
+      </a:effectRef>
+      <a:fontRef idx="minor"/>
+    </dgm:style>
+  </dgm:styleLbl>
+  <dgm:styleLbl name="solidFgAcc1">
+    <dgm:scene3d>
+      <a:camera prst="orthographicFront"/>
+      <a:lightRig rig="threePt" dir="t"/>
+    </dgm:scene3d>
+    <dgm:sp3d/>
+    <dgm:txPr/>
+    <dgm:style>
+      <a:lnRef idx="2">
+        <a:scrgbClr r="0" g="0" b="0"/>
+      </a:lnRef>
+      <a:fillRef idx="1">
+        <a:scrgbClr r="0" g="0" b="0"/>
+      </a:fillRef>
+      <a:effectRef idx="0">
+        <a:scrgbClr r="0" g="0" b="0"/>
+      </a:effectRef>
+      <a:fontRef idx="minor"/>
+    </dgm:style>
+  </dgm:styleLbl>
+  <dgm:styleLbl name="solidAlignAcc1">
+    <dgm:scene3d>
+      <a:camera prst="orthographicFront"/>
+      <a:lightRig rig="threePt" dir="t"/>
+    </dgm:scene3d>
+    <dgm:sp3d/>
+    <dgm:txPr/>
+    <dgm:style>
+      <a:lnRef idx="2">
+        <a:scrgbClr r="0" g="0" b="0"/>
+      </a:lnRef>
+      <a:fillRef idx="1">
+        <a:scrgbClr r="0" g="0" b="0"/>
+      </a:fillRef>
+      <a:effectRef idx="0">
+        <a:scrgbClr r="0" g="0" b="0"/>
+      </a:effectRef>
+      <a:fontRef idx="minor"/>
+    </dgm:style>
+  </dgm:styleLbl>
+  <dgm:styleLbl name="solidBgAcc1">
+    <dgm:scene3d>
+      <a:camera prst="orthographicFront"/>
+      <a:lightRig rig="threePt" dir="t"/>
+    </dgm:scene3d>
+    <dgm:sp3d/>
+    <dgm:txPr/>
+    <dgm:style>
+      <a:lnRef idx="2">
+        <a:scrgbClr r="0" g="0" b="0"/>
+      </a:lnRef>
+      <a:fillRef idx="1">
+        <a:scrgbClr r="0" g="0" b="0"/>
+      </a:fillRef>
+      <a:effectRef idx="0">
+        <a:scrgbClr r="0" g="0" b="0"/>
+      </a:effectRef>
+      <a:fontRef idx="minor"/>
+    </dgm:style>
+  </dgm:styleLbl>
+  <dgm:styleLbl name="fgAccFollowNode1">
+    <dgm:scene3d>
+      <a:camera prst="orthographicFront"/>
+      <a:lightRig rig="threePt" dir="t"/>
+    </dgm:scene3d>
+    <dgm:sp3d/>
+    <dgm:txPr/>
+    <dgm:style>
+      <a:lnRef idx="2">
+        <a:scrgbClr r="0" g="0" b="0"/>
+      </a:lnRef>
+      <a:fillRef idx="1">
+        <a:scrgbClr r="0" g="0" b="0"/>
+      </a:fillRef>
+      <a:effectRef idx="0">
+        <a:scrgbClr r="0" g="0" b="0"/>
+      </a:effectRef>
+      <a:fontRef idx="minor"/>
+    </dgm:style>
+  </dgm:styleLbl>
+  <dgm:styleLbl name="alignAccFollowNode1">
+    <dgm:scene3d>
+      <a:camera prst="orthographicFront"/>
+      <a:lightRig rig="threePt" dir="t"/>
+    </dgm:scene3d>
+    <dgm:sp3d/>
+    <dgm:txPr/>
+    <dgm:style>
+      <a:lnRef idx="2">
+        <a:scrgbClr r="0" g="0" b="0"/>
+      </a:lnRef>
+      <a:fillRef idx="1">
+        <a:scrgbClr r="0" g="0" b="0"/>
+      </a:fillRef>
+      <a:effectRef idx="0">
+        <a:scrgbClr r="0" g="0" b="0"/>
+      </a:effectRef>
+      <a:fontRef idx="minor"/>
+    </dgm:style>
+  </dgm:styleLbl>
+  <dgm:styleLbl name="bgAccFollowNode1">
+    <dgm:scene3d>
+      <a:camera prst="orthographicFront"/>
+      <a:lightRig rig="threePt" dir="t"/>
+    </dgm:scene3d>
+    <dgm:sp3d/>
+    <dgm:txPr/>
+    <dgm:style>
+      <a:lnRef idx="2">
+        <a:scrgbClr r="0" g="0" b="0"/>
+      </a:lnRef>
+      <a:fillRef idx="1">
+        <a:scrgbClr r="0" g="0" b="0"/>
+      </a:fillRef>
+      <a:effectRef idx="0">
+        <a:scrgbClr r="0" g="0" b="0"/>
+      </a:effectRef>
+      <a:fontRef idx="minor"/>
+    </dgm:style>
+  </dgm:styleLbl>
+  <dgm:styleLbl name="fgAcc0">
+    <dgm:scene3d>
+      <a:camera prst="orthographicFront"/>
+      <a:lightRig rig="threePt" dir="t"/>
+    </dgm:scene3d>
+    <dgm:sp3d/>
+    <dgm:txPr/>
+    <dgm:style>
+      <a:lnRef idx="2">
+        <a:scrgbClr r="0" g="0" b="0"/>
+      </a:lnRef>
+      <a:fillRef idx="1">
+        <a:scrgbClr r="0" g="0" b="0"/>
+      </a:fillRef>
+      <a:effectRef idx="0">
+        <a:scrgbClr r="0" g="0" b="0"/>
+      </a:effectRef>
+      <a:fontRef idx="minor"/>
+    </dgm:style>
+  </dgm:styleLbl>
+  <dgm:styleLbl name="fgAcc2">
+    <dgm:scene3d>
+      <a:camera prst="orthographicFront"/>
+      <a:lightRig rig="threePt" dir="t"/>
+    </dgm:scene3d>
+    <dgm:sp3d/>
+    <dgm:txPr/>
+    <dgm:style>
+      <a:lnRef idx="2">
+        <a:scrgbClr r="0" g="0" b="0"/>
+      </a:lnRef>
+      <a:fillRef idx="1">
+        <a:scrgbClr r="0" g="0" b="0"/>
+      </a:fillRef>
+      <a:effectRef idx="0">
+        <a:scrgbClr r="0" g="0" b="0"/>
+      </a:effectRef>
+      <a:fontRef idx="minor"/>
+    </dgm:style>
+  </dgm:styleLbl>
+  <dgm:styleLbl name="fgAcc3">
+    <dgm:scene3d>
+      <a:camera prst="orthographicFront"/>
+      <a:lightRig rig="threePt" dir="t"/>
+    </dgm:scene3d>
+    <dgm:sp3d/>
+    <dgm:txPr/>
+    <dgm:style>
+      <a:lnRef idx="2">
+        <a:scrgbClr r="0" g="0" b="0"/>
+      </a:lnRef>
+      <a:fillRef idx="1">
+        <a:scrgbClr r="0" g="0" b="0"/>
+      </a:fillRef>
+      <a:effectRef idx="0">
+        <a:scrgbClr r="0" g="0" b="0"/>
+      </a:effectRef>
+      <a:fontRef idx="minor"/>
+    </dgm:style>
+  </dgm:styleLbl>
+  <dgm:styleLbl name="fgAcc4">
+    <dgm:scene3d>
+      <a:camera prst="orthographicFront"/>
+      <a:lightRig rig="threePt" dir="t"/>
+    </dgm:scene3d>
+    <dgm:sp3d/>
+    <dgm:txPr/>
+    <dgm:style>
+      <a:lnRef idx="2">
+        <a:scrgbClr r="0" g="0" b="0"/>
+      </a:lnRef>
+      <a:fillRef idx="1">
+        <a:scrgbClr r="0" g="0" b="0"/>
+      </a:fillRef>
+      <a:effectRef idx="0">
+        <a:scrgbClr r="0" g="0" b="0"/>
+      </a:effectRef>
+      <a:fontRef idx="minor"/>
+    </dgm:style>
+  </dgm:styleLbl>
+  <dgm:styleLbl name="bgShp">
+    <dgm:scene3d>
+      <a:camera prst="orthographicFront"/>
+      <a:lightRig rig="threePt" dir="t"/>
+    </dgm:scene3d>
+    <dgm:sp3d/>
+    <dgm:txPr/>
+    <dgm:style>
+      <a:lnRef idx="0">
+        <a:scrgbClr r="0" g="0" b="0"/>
+      </a:lnRef>
+      <a:fillRef idx="1">
+        <a:scrgbClr r="0" g="0" b="0"/>
+      </a:fillRef>
+      <a:effectRef idx="0">
+        <a:scrgbClr r="0" g="0" b="0"/>
+      </a:effectRef>
+      <a:fontRef idx="minor"/>
+    </dgm:style>
+  </dgm:styleLbl>
+  <dgm:styleLbl name="dkBgShp">
+    <dgm:scene3d>
+      <a:camera prst="orthographicFront"/>
+      <a:lightRig rig="threePt" dir="t"/>
+    </dgm:scene3d>
+    <dgm:sp3d/>
+    <dgm:txPr/>
+    <dgm:style>
+      <a:lnRef idx="0">
+        <a:scrgbClr r="0" g="0" b="0"/>
+      </a:lnRef>
+      <a:fillRef idx="1">
+        <a:scrgbClr r="0" g="0" b="0"/>
+      </a:fillRef>
+      <a:effectRef idx="0">
+        <a:scrgbClr r="0" g="0" b="0"/>
+      </a:effectRef>
+      <a:fontRef idx="minor"/>
+    </dgm:style>
+  </dgm:styleLbl>
+  <dgm:styleLbl name="trBgShp">
+    <dgm:scene3d>
+      <a:camera prst="orthographicFront"/>
+      <a:lightRig rig="threePt" dir="t"/>
+    </dgm:scene3d>
+    <dgm:sp3d/>
+    <dgm:txPr/>
+    <dgm:style>
+      <a:lnRef idx="0">
+        <a:scrgbClr r="0" g="0" b="0"/>
+      </a:lnRef>
+      <a:fillRef idx="1">
+        <a:scrgbClr r="0" g="0" b="0"/>
+      </a:fillRef>
+      <a:effectRef idx="0">
+        <a:scrgbClr r="0" g="0" b="0"/>
+      </a:effectRef>
+      <a:fontRef idx="minor"/>
+    </dgm:style>
+  </dgm:styleLbl>
+  <dgm:styleLbl name="fgShp">
+    <dgm:scene3d>
+      <a:camera prst="orthographicFront"/>
+      <a:lightRig rig="threePt" dir="t"/>
+    </dgm:scene3d>
+    <dgm:sp3d/>
+    <dgm:txPr/>
+    <dgm:style>
+      <a:lnRef idx="2">
+        <a:scrgbClr r="0" g="0" b="0"/>
+      </a:lnRef>
+      <a:fillRef idx="1">
+        <a:scrgbClr r="0" g="0" b="0"/>
+      </a:fillRef>
+      <a:effectRef idx="0">
+        <a:scrgbClr r="0" g="0" b="0"/>
+      </a:effectRef>
+      <a:fontRef idx="minor"/>
+    </dgm:style>
+  </dgm:styleLbl>
+  <dgm:styleLbl name="revTx">
+    <dgm:scene3d>
+      <a:camera prst="orthographicFront"/>
+      <a:lightRig rig="threePt" dir="t"/>
+    </dgm:scene3d>
+    <dgm:sp3d/>
+    <dgm:txPr/>
+    <dgm:style>
+      <a:lnRef idx="0">
+        <a:scrgbClr r="0" g="0" b="0"/>
+      </a:lnRef>
+      <a:fillRef idx="0">
+        <a:scrgbClr r="0" g="0" b="0"/>
+      </a:fillRef>
+      <a:effectRef idx="0">
+        <a:scrgbClr r="0" g="0" b="0"/>
+      </a:effectRef>
+      <a:fontRef idx="minor"/>
+    </dgm:style>
+  </dgm:styleLbl>
+</dgm:styleDef>
 </file>
 
 <file path=ppt/slideLayouts/slideLayout1.xml><?xml version="1.0" encoding="utf-8"?>
@@ -3130,7 +6945,7 @@
           <a:p>
             <a:fld id="{9EEA4200-C903-4FD2-AC1C-BAE29F20E4A4}" type="datetimeFigureOut">
               <a:rPr lang="ko-KR" altLang="en-US" smtClean="0"/>
-              <a:t>2021-10-27</a:t>
+              <a:t>2021-10-30</a:t>
             </a:fld>
             <a:endParaRPr lang="ko-KR" altLang="en-US"/>
           </a:p>
@@ -3328,7 +7143,7 @@
           <a:p>
             <a:fld id="{9EEA4200-C903-4FD2-AC1C-BAE29F20E4A4}" type="datetimeFigureOut">
               <a:rPr lang="ko-KR" altLang="en-US" smtClean="0"/>
-              <a:t>2021-10-27</a:t>
+              <a:t>2021-10-30</a:t>
             </a:fld>
             <a:endParaRPr lang="ko-KR" altLang="en-US"/>
           </a:p>
@@ -3536,7 +7351,7 @@
           <a:p>
             <a:fld id="{9EEA4200-C903-4FD2-AC1C-BAE29F20E4A4}" type="datetimeFigureOut">
               <a:rPr lang="ko-KR" altLang="en-US" smtClean="0"/>
-              <a:t>2021-10-27</a:t>
+              <a:t>2021-10-30</a:t>
             </a:fld>
             <a:endParaRPr lang="ko-KR" altLang="en-US"/>
           </a:p>
@@ -3734,7 +7549,7 @@
           <a:p>
             <a:fld id="{9EEA4200-C903-4FD2-AC1C-BAE29F20E4A4}" type="datetimeFigureOut">
               <a:rPr lang="ko-KR" altLang="en-US" smtClean="0"/>
-              <a:t>2021-10-27</a:t>
+              <a:t>2021-10-30</a:t>
             </a:fld>
             <a:endParaRPr lang="ko-KR" altLang="en-US"/>
           </a:p>
@@ -4009,7 +7824,7 @@
           <a:p>
             <a:fld id="{9EEA4200-C903-4FD2-AC1C-BAE29F20E4A4}" type="datetimeFigureOut">
               <a:rPr lang="ko-KR" altLang="en-US" smtClean="0"/>
-              <a:t>2021-10-27</a:t>
+              <a:t>2021-10-30</a:t>
             </a:fld>
             <a:endParaRPr lang="ko-KR" altLang="en-US"/>
           </a:p>
@@ -4274,7 +8089,7 @@
           <a:p>
             <a:fld id="{9EEA4200-C903-4FD2-AC1C-BAE29F20E4A4}" type="datetimeFigureOut">
               <a:rPr lang="ko-KR" altLang="en-US" smtClean="0"/>
-              <a:t>2021-10-27</a:t>
+              <a:t>2021-10-30</a:t>
             </a:fld>
             <a:endParaRPr lang="ko-KR" altLang="en-US"/>
           </a:p>
@@ -4686,7 +8501,7 @@
           <a:p>
             <a:fld id="{9EEA4200-C903-4FD2-AC1C-BAE29F20E4A4}" type="datetimeFigureOut">
               <a:rPr lang="ko-KR" altLang="en-US" smtClean="0"/>
-              <a:t>2021-10-27</a:t>
+              <a:t>2021-10-30</a:t>
             </a:fld>
             <a:endParaRPr lang="ko-KR" altLang="en-US"/>
           </a:p>
@@ -4827,7 +8642,7 @@
           <a:p>
             <a:fld id="{9EEA4200-C903-4FD2-AC1C-BAE29F20E4A4}" type="datetimeFigureOut">
               <a:rPr lang="ko-KR" altLang="en-US" smtClean="0"/>
-              <a:t>2021-10-27</a:t>
+              <a:t>2021-10-30</a:t>
             </a:fld>
             <a:endParaRPr lang="ko-KR" altLang="en-US"/>
           </a:p>
@@ -4940,7 +8755,7 @@
           <a:p>
             <a:fld id="{9EEA4200-C903-4FD2-AC1C-BAE29F20E4A4}" type="datetimeFigureOut">
               <a:rPr lang="ko-KR" altLang="en-US" smtClean="0"/>
-              <a:t>2021-10-27</a:t>
+              <a:t>2021-10-30</a:t>
             </a:fld>
             <a:endParaRPr lang="ko-KR" altLang="en-US"/>
           </a:p>
@@ -5251,7 +9066,7 @@
           <a:p>
             <a:fld id="{9EEA4200-C903-4FD2-AC1C-BAE29F20E4A4}" type="datetimeFigureOut">
               <a:rPr lang="ko-KR" altLang="en-US" smtClean="0"/>
-              <a:t>2021-10-27</a:t>
+              <a:t>2021-10-30</a:t>
             </a:fld>
             <a:endParaRPr lang="ko-KR" altLang="en-US"/>
           </a:p>
@@ -5539,7 +9354,7 @@
           <a:p>
             <a:fld id="{9EEA4200-C903-4FD2-AC1C-BAE29F20E4A4}" type="datetimeFigureOut">
               <a:rPr lang="ko-KR" altLang="en-US" smtClean="0"/>
-              <a:t>2021-10-27</a:t>
+              <a:t>2021-10-30</a:t>
             </a:fld>
             <a:endParaRPr lang="ko-KR" altLang="en-US"/>
           </a:p>
@@ -5783,7 +9598,7 @@
           <a:p>
             <a:fld id="{9EEA4200-C903-4FD2-AC1C-BAE29F20E4A4}" type="datetimeFigureOut">
               <a:rPr lang="ko-KR" altLang="en-US" smtClean="0"/>
-              <a:t>2021-10-27</a:t>
+              <a:t>2021-10-30</a:t>
             </a:fld>
             <a:endParaRPr lang="ko-KR" altLang="en-US"/>
           </a:p>
@@ -6222,7 +10037,7 @@
         </p:blipFill>
         <p:spPr>
           <a:xfrm>
-            <a:off x="326118" y="1091103"/>
+            <a:off x="326118" y="898156"/>
             <a:ext cx="11539764" cy="4675793"/>
           </a:xfrm>
           <a:prstGeom prst="rect">
@@ -6234,6 +10049,702 @@
     <p:extLst>
       <p:ext uri="{BB962C8B-B14F-4D97-AF65-F5344CB8AC3E}">
         <p14:creationId xmlns:p14="http://schemas.microsoft.com/office/powerpoint/2010/main" val="2990180351"/>
+      </p:ext>
+    </p:extLst>
+  </p:cSld>
+  <p:clrMapOvr>
+    <a:masterClrMapping/>
+  </p:clrMapOvr>
+</p:sld>
+</file>
+
+<file path=ppt/slides/slide10.xml><?xml version="1.0" encoding="utf-8"?>
+<p:sld xmlns:a="http://schemas.openxmlformats.org/drawingml/2006/main" xmlns:r="http://schemas.openxmlformats.org/officeDocument/2006/relationships" xmlns:p="http://schemas.openxmlformats.org/presentationml/2006/main">
+  <p:cSld>
+    <p:spTree>
+      <p:nvGrpSpPr>
+        <p:cNvPr id="1" name=""/>
+        <p:cNvGrpSpPr/>
+        <p:nvPr/>
+      </p:nvGrpSpPr>
+      <p:grpSpPr>
+        <a:xfrm>
+          <a:off x="0" y="0"/>
+          <a:ext cx="0" cy="0"/>
+          <a:chOff x="0" y="0"/>
+          <a:chExt cx="0" cy="0"/>
+        </a:xfrm>
+      </p:grpSpPr>
+      <p:sp>
+        <p:nvSpPr>
+          <p:cNvPr id="6" name="이등변 삼각형 5">
+            <a:extLst>
+              <a:ext uri="{FF2B5EF4-FFF2-40B4-BE49-F238E27FC236}">
+                <a16:creationId xmlns:a16="http://schemas.microsoft.com/office/drawing/2014/main" id="{54B6F421-E2DB-4144-B2C8-60FDFB8FF60D}"/>
+              </a:ext>
+            </a:extLst>
+          </p:cNvPr>
+          <p:cNvSpPr/>
+          <p:nvPr/>
+        </p:nvSpPr>
+        <p:spPr>
+          <a:xfrm rot="10800000">
+            <a:off x="3251433" y="3782806"/>
+            <a:ext cx="2340530" cy="2017698"/>
+          </a:xfrm>
+          <a:prstGeom prst="triangle">
+            <a:avLst/>
+          </a:prstGeom>
+          <a:solidFill>
+            <a:schemeClr val="bg1"/>
+          </a:solidFill>
+          <a:ln>
+            <a:solidFill>
+              <a:schemeClr val="tx1"/>
+            </a:solidFill>
+          </a:ln>
+        </p:spPr>
+        <p:style>
+          <a:lnRef idx="2">
+            <a:schemeClr val="accent1">
+              <a:shade val="50000"/>
+            </a:schemeClr>
+          </a:lnRef>
+          <a:fillRef idx="1">
+            <a:schemeClr val="accent1"/>
+          </a:fillRef>
+          <a:effectRef idx="0">
+            <a:schemeClr val="accent1"/>
+          </a:effectRef>
+          <a:fontRef idx="minor">
+            <a:schemeClr val="lt1"/>
+          </a:fontRef>
+        </p:style>
+        <p:txBody>
+          <a:bodyPr rtlCol="0" anchor="ctr"/>
+          <a:lstStyle/>
+          <a:p>
+            <a:pPr algn="ctr"/>
+            <a:endParaRPr lang="ko-KR" altLang="en-US"/>
+          </a:p>
+        </p:txBody>
+      </p:sp>
+      <p:sp>
+        <p:nvSpPr>
+          <p:cNvPr id="7" name="이등변 삼각형 6">
+            <a:extLst>
+              <a:ext uri="{FF2B5EF4-FFF2-40B4-BE49-F238E27FC236}">
+                <a16:creationId xmlns:a16="http://schemas.microsoft.com/office/drawing/2014/main" id="{D0DFD1EB-25EB-41F8-93A6-7237A1B9DF22}"/>
+              </a:ext>
+            </a:extLst>
+          </p:cNvPr>
+          <p:cNvSpPr/>
+          <p:nvPr/>
+        </p:nvSpPr>
+        <p:spPr>
+          <a:xfrm>
+            <a:off x="3251432" y="1694501"/>
+            <a:ext cx="2340530" cy="2017698"/>
+          </a:xfrm>
+          <a:prstGeom prst="triangle">
+            <a:avLst/>
+          </a:prstGeom>
+          <a:solidFill>
+            <a:schemeClr val="bg1"/>
+          </a:solidFill>
+          <a:ln>
+            <a:solidFill>
+              <a:schemeClr val="tx1"/>
+            </a:solidFill>
+          </a:ln>
+        </p:spPr>
+        <p:style>
+          <a:lnRef idx="2">
+            <a:schemeClr val="accent1">
+              <a:shade val="50000"/>
+            </a:schemeClr>
+          </a:lnRef>
+          <a:fillRef idx="1">
+            <a:schemeClr val="accent1"/>
+          </a:fillRef>
+          <a:effectRef idx="0">
+            <a:schemeClr val="accent1"/>
+          </a:effectRef>
+          <a:fontRef idx="minor">
+            <a:schemeClr val="lt1"/>
+          </a:fontRef>
+        </p:style>
+        <p:txBody>
+          <a:bodyPr rtlCol="0" anchor="ctr"/>
+          <a:lstStyle/>
+          <a:p>
+            <a:pPr algn="ctr"/>
+            <a:endParaRPr lang="ko-KR" altLang="en-US"/>
+          </a:p>
+        </p:txBody>
+      </p:sp>
+      <p:sp>
+        <p:nvSpPr>
+          <p:cNvPr id="8" name="이등변 삼각형 7">
+            <a:extLst>
+              <a:ext uri="{FF2B5EF4-FFF2-40B4-BE49-F238E27FC236}">
+                <a16:creationId xmlns:a16="http://schemas.microsoft.com/office/drawing/2014/main" id="{0E5CA458-52A2-43FB-80DB-22B9106D0312}"/>
+              </a:ext>
+            </a:extLst>
+          </p:cNvPr>
+          <p:cNvSpPr/>
+          <p:nvPr/>
+        </p:nvSpPr>
+        <p:spPr>
+          <a:xfrm>
+            <a:off x="4105291" y="2577515"/>
+            <a:ext cx="291937" cy="251670"/>
+          </a:xfrm>
+          <a:prstGeom prst="triangle">
+            <a:avLst/>
+          </a:prstGeom>
+        </p:spPr>
+        <p:style>
+          <a:lnRef idx="2">
+            <a:schemeClr val="accent1">
+              <a:shade val="50000"/>
+            </a:schemeClr>
+          </a:lnRef>
+          <a:fillRef idx="1">
+            <a:schemeClr val="accent1"/>
+          </a:fillRef>
+          <a:effectRef idx="0">
+            <a:schemeClr val="accent1"/>
+          </a:effectRef>
+          <a:fontRef idx="minor">
+            <a:schemeClr val="lt1"/>
+          </a:fontRef>
+        </p:style>
+        <p:txBody>
+          <a:bodyPr rtlCol="0" anchor="ctr"/>
+          <a:lstStyle/>
+          <a:p>
+            <a:pPr algn="ctr"/>
+            <a:endParaRPr lang="ko-KR" altLang="en-US"/>
+          </a:p>
+        </p:txBody>
+      </p:sp>
+      <p:sp>
+        <p:nvSpPr>
+          <p:cNvPr id="9" name="직사각형 8">
+            <a:extLst>
+              <a:ext uri="{FF2B5EF4-FFF2-40B4-BE49-F238E27FC236}">
+                <a16:creationId xmlns:a16="http://schemas.microsoft.com/office/drawing/2014/main" id="{1C3CD3A3-B1F1-4C38-ACDE-8594E9C3454B}"/>
+              </a:ext>
+            </a:extLst>
+          </p:cNvPr>
+          <p:cNvSpPr/>
+          <p:nvPr/>
+        </p:nvSpPr>
+        <p:spPr>
+          <a:xfrm>
+            <a:off x="4550888" y="3000323"/>
+            <a:ext cx="318782" cy="318782"/>
+          </a:xfrm>
+          <a:prstGeom prst="rect">
+            <a:avLst/>
+          </a:prstGeom>
+        </p:spPr>
+        <p:style>
+          <a:lnRef idx="2">
+            <a:schemeClr val="accent1">
+              <a:shade val="50000"/>
+            </a:schemeClr>
+          </a:lnRef>
+          <a:fillRef idx="1">
+            <a:schemeClr val="accent1"/>
+          </a:fillRef>
+          <a:effectRef idx="0">
+            <a:schemeClr val="accent1"/>
+          </a:effectRef>
+          <a:fontRef idx="minor">
+            <a:schemeClr val="lt1"/>
+          </a:fontRef>
+        </p:style>
+        <p:txBody>
+          <a:bodyPr rtlCol="0" anchor="ctr"/>
+          <a:lstStyle/>
+          <a:p>
+            <a:pPr algn="ctr"/>
+            <a:endParaRPr lang="ko-KR" altLang="en-US"/>
+          </a:p>
+        </p:txBody>
+      </p:sp>
+    </p:spTree>
+    <p:extLst>
+      <p:ext uri="{BB962C8B-B14F-4D97-AF65-F5344CB8AC3E}">
+        <p14:creationId xmlns:p14="http://schemas.microsoft.com/office/powerpoint/2010/main" val="3388440209"/>
+      </p:ext>
+    </p:extLst>
+  </p:cSld>
+  <p:clrMapOvr>
+    <a:masterClrMapping/>
+  </p:clrMapOvr>
+</p:sld>
+</file>
+
+<file path=ppt/slides/slide11.xml><?xml version="1.0" encoding="utf-8"?>
+<p:sld xmlns:a="http://schemas.openxmlformats.org/drawingml/2006/main" xmlns:r="http://schemas.openxmlformats.org/officeDocument/2006/relationships" xmlns:p="http://schemas.openxmlformats.org/presentationml/2006/main">
+  <p:cSld>
+    <p:spTree>
+      <p:nvGrpSpPr>
+        <p:cNvPr id="1" name=""/>
+        <p:cNvGrpSpPr/>
+        <p:nvPr/>
+      </p:nvGrpSpPr>
+      <p:grpSpPr>
+        <a:xfrm>
+          <a:off x="0" y="0"/>
+          <a:ext cx="0" cy="0"/>
+          <a:chOff x="0" y="0"/>
+          <a:chExt cx="0" cy="0"/>
+        </a:xfrm>
+      </p:grpSpPr>
+      <p:sp>
+        <p:nvSpPr>
+          <p:cNvPr id="4" name="TextBox 3">
+            <a:extLst>
+              <a:ext uri="{FF2B5EF4-FFF2-40B4-BE49-F238E27FC236}">
+                <a16:creationId xmlns:a16="http://schemas.microsoft.com/office/drawing/2014/main" id="{FD96F8E7-8716-4035-9402-EC15AC56FDBC}"/>
+              </a:ext>
+            </a:extLst>
+          </p:cNvPr>
+          <p:cNvSpPr txBox="1"/>
+          <p:nvPr/>
+        </p:nvSpPr>
+        <p:spPr>
+          <a:xfrm>
+            <a:off x="11627223" y="6412566"/>
+            <a:ext cx="564777" cy="369332"/>
+          </a:xfrm>
+          <a:prstGeom prst="rect">
+            <a:avLst/>
+          </a:prstGeom>
+          <a:noFill/>
+        </p:spPr>
+        <p:txBody>
+          <a:bodyPr wrap="square" rtlCol="0">
+            <a:spAutoFit/>
+          </a:bodyPr>
+          <a:lstStyle/>
+          <a:p>
+            <a:r>
+              <a:rPr lang="en-US" altLang="ko-KR" dirty="0">
+                <a:latin typeface="Eras Bold ITC" panose="020B0907030504020204" pitchFamily="34" charset="0"/>
+              </a:rPr>
+              <a:t>p2</a:t>
+            </a:r>
+            <a:r>
+              <a:rPr lang="ko-KR" altLang="en-US" dirty="0"/>
+              <a:t> </a:t>
+            </a:r>
+          </a:p>
+        </p:txBody>
+      </p:sp>
+      <p:sp>
+        <p:nvSpPr>
+          <p:cNvPr id="5" name="TextBox 4">
+            <a:extLst>
+              <a:ext uri="{FF2B5EF4-FFF2-40B4-BE49-F238E27FC236}">
+                <a16:creationId xmlns:a16="http://schemas.microsoft.com/office/drawing/2014/main" id="{BEC16DE9-AC68-4C24-8494-4EEFE6451F8F}"/>
+              </a:ext>
+            </a:extLst>
+          </p:cNvPr>
+          <p:cNvSpPr txBox="1"/>
+          <p:nvPr/>
+        </p:nvSpPr>
+        <p:spPr>
+          <a:xfrm>
+            <a:off x="463177" y="260768"/>
+            <a:ext cx="9858789" cy="1200329"/>
+          </a:xfrm>
+          <a:prstGeom prst="rect">
+            <a:avLst/>
+          </a:prstGeom>
+          <a:noFill/>
+        </p:spPr>
+        <p:txBody>
+          <a:bodyPr wrap="none" rtlCol="0">
+            <a:spAutoFit/>
+          </a:bodyPr>
+          <a:lstStyle/>
+          <a:p>
+            <a:r>
+              <a:rPr lang="en-US" altLang="ko-KR" sz="3200" b="1" dirty="0" err="1">
+                <a:latin typeface="Eras Bold ITC" panose="020B0907030504020204" pitchFamily="34" charset="0"/>
+              </a:rPr>
+              <a:t>Project_TheBalls</a:t>
+            </a:r>
+            <a:r>
+              <a:rPr lang="ko-KR" altLang="en-US" sz="3200" b="1" dirty="0"/>
+              <a:t>란</a:t>
+            </a:r>
+            <a:r>
+              <a:rPr lang="en-US" altLang="ko-KR" sz="3200" b="1" dirty="0"/>
+              <a:t>?</a:t>
+            </a:r>
+          </a:p>
+          <a:p>
+            <a:r>
+              <a:rPr lang="ko-KR" altLang="en-US" sz="2000" b="1" dirty="0">
+                <a:solidFill>
+                  <a:srgbClr val="FF3300"/>
+                </a:solidFill>
+              </a:rPr>
+              <a:t>조작을 공유하는 </a:t>
+            </a:r>
+            <a:r>
+              <a:rPr lang="ko-KR" altLang="en-US" sz="2000" b="1" dirty="0"/>
+              <a:t>여러 개의 공을 올바른 탈출구에 도착하게 만드는 퍼즐 게임입니다</a:t>
+            </a:r>
+            <a:r>
+              <a:rPr lang="en-US" altLang="ko-KR" sz="2000" b="1" dirty="0"/>
+              <a:t>.</a:t>
+            </a:r>
+          </a:p>
+          <a:p>
+            <a:r>
+              <a:rPr lang="ko-KR" altLang="en-US" sz="2000" b="1" dirty="0"/>
+              <a:t>플레이어는 여러 번의 시도 끝에 </a:t>
+            </a:r>
+            <a:r>
+              <a:rPr lang="ko-KR" altLang="en-US" sz="2000" b="1" dirty="0">
+                <a:solidFill>
+                  <a:srgbClr val="FF3300"/>
+                </a:solidFill>
+              </a:rPr>
+              <a:t>적절한 조작을 찾아 </a:t>
+            </a:r>
+            <a:r>
+              <a:rPr lang="ko-KR" altLang="en-US" sz="2000" b="1" dirty="0"/>
+              <a:t>퍼즐을 풀어야 합니다</a:t>
+            </a:r>
+            <a:r>
+              <a:rPr lang="en-US" altLang="ko-KR" sz="2000" b="1" dirty="0"/>
+              <a:t>.</a:t>
+            </a:r>
+            <a:endParaRPr lang="ko-KR" altLang="en-US" sz="2000" b="1" dirty="0"/>
+          </a:p>
+        </p:txBody>
+      </p:sp>
+      <p:pic>
+        <p:nvPicPr>
+          <p:cNvPr id="12" name="그림 11">
+            <a:extLst>
+              <a:ext uri="{FF2B5EF4-FFF2-40B4-BE49-F238E27FC236}">
+                <a16:creationId xmlns:a16="http://schemas.microsoft.com/office/drawing/2014/main" id="{51A25B53-BCCC-41B4-B415-15BDB83C59EE}"/>
+              </a:ext>
+            </a:extLst>
+          </p:cNvPr>
+          <p:cNvPicPr>
+            <a:picLocks noChangeAspect="1"/>
+          </p:cNvPicPr>
+          <p:nvPr/>
+        </p:nvPicPr>
+        <p:blipFill>
+          <a:blip r:embed="rId2"/>
+          <a:stretch>
+            <a:fillRect/>
+          </a:stretch>
+        </p:blipFill>
+        <p:spPr>
+          <a:xfrm>
+            <a:off x="227012" y="5081987"/>
+            <a:ext cx="7663336" cy="1591194"/>
+          </a:xfrm>
+          <a:prstGeom prst="rect">
+            <a:avLst/>
+          </a:prstGeom>
+        </p:spPr>
+      </p:pic>
+      <p:grpSp>
+        <p:nvGrpSpPr>
+          <p:cNvPr id="6" name="그룹 5">
+            <a:extLst>
+              <a:ext uri="{FF2B5EF4-FFF2-40B4-BE49-F238E27FC236}">
+                <a16:creationId xmlns:a16="http://schemas.microsoft.com/office/drawing/2014/main" id="{52C72FBD-6E87-44BA-BAA8-68E619E8E9C9}"/>
+              </a:ext>
+            </a:extLst>
+          </p:cNvPr>
+          <p:cNvGrpSpPr/>
+          <p:nvPr/>
+        </p:nvGrpSpPr>
+        <p:grpSpPr>
+          <a:xfrm>
+            <a:off x="227012" y="1519072"/>
+            <a:ext cx="11845555" cy="3335589"/>
+            <a:chOff x="173222" y="1692610"/>
+            <a:chExt cx="11845555" cy="3335589"/>
+          </a:xfrm>
+        </p:grpSpPr>
+        <p:sp>
+          <p:nvSpPr>
+            <p:cNvPr id="8" name="TextBox 7">
+              <a:extLst>
+                <a:ext uri="{FF2B5EF4-FFF2-40B4-BE49-F238E27FC236}">
+                  <a16:creationId xmlns:a16="http://schemas.microsoft.com/office/drawing/2014/main" id="{BA5DC3D1-E449-4369-8361-6484D9062500}"/>
+                </a:ext>
+              </a:extLst>
+            </p:cNvPr>
+            <p:cNvSpPr txBox="1"/>
+            <p:nvPr/>
+          </p:nvSpPr>
+          <p:spPr>
+            <a:xfrm>
+              <a:off x="597648" y="4197204"/>
+              <a:ext cx="1634564" cy="584775"/>
+            </a:xfrm>
+            <a:prstGeom prst="rect">
+              <a:avLst/>
+            </a:prstGeom>
+            <a:noFill/>
+          </p:spPr>
+          <p:txBody>
+            <a:bodyPr wrap="square">
+              <a:spAutoFit/>
+            </a:bodyPr>
+            <a:lstStyle/>
+            <a:p>
+              <a:pPr algn="ctr"/>
+              <a:r>
+                <a:rPr lang="ko-KR" altLang="en-US" sz="1600" dirty="0"/>
+                <a:t>주체가 되는 맵을 선택합니다</a:t>
+              </a:r>
+              <a:r>
+                <a:rPr lang="en-US" altLang="ko-KR" sz="1600" dirty="0"/>
+                <a:t>.</a:t>
+              </a:r>
+              <a:endParaRPr lang="ko-KR" altLang="en-US" sz="1600" dirty="0"/>
+            </a:p>
+          </p:txBody>
+        </p:sp>
+        <p:sp>
+          <p:nvSpPr>
+            <p:cNvPr id="9" name="TextBox 8">
+              <a:extLst>
+                <a:ext uri="{FF2B5EF4-FFF2-40B4-BE49-F238E27FC236}">
+                  <a16:creationId xmlns:a16="http://schemas.microsoft.com/office/drawing/2014/main" id="{95FDDE2F-6091-42C6-AA7F-53BDB61BCF4D}"/>
+                </a:ext>
+              </a:extLst>
+            </p:cNvPr>
+            <p:cNvSpPr txBox="1"/>
+            <p:nvPr/>
+          </p:nvSpPr>
+          <p:spPr>
+            <a:xfrm>
+              <a:off x="3758007" y="4197202"/>
+              <a:ext cx="1634564" cy="584775"/>
+            </a:xfrm>
+            <a:prstGeom prst="rect">
+              <a:avLst/>
+            </a:prstGeom>
+            <a:noFill/>
+          </p:spPr>
+          <p:txBody>
+            <a:bodyPr wrap="square">
+              <a:spAutoFit/>
+            </a:bodyPr>
+            <a:lstStyle/>
+            <a:p>
+              <a:pPr algn="ctr"/>
+              <a:r>
+                <a:rPr lang="ko-KR" altLang="en-US" sz="1600" dirty="0"/>
+                <a:t>공의 목적지를 설정합니다</a:t>
+              </a:r>
+              <a:r>
+                <a:rPr lang="en-US" altLang="ko-KR" sz="1600" dirty="0"/>
+                <a:t>.</a:t>
+              </a:r>
+              <a:endParaRPr lang="ko-KR" altLang="en-US" sz="1600" dirty="0"/>
+            </a:p>
+          </p:txBody>
+        </p:sp>
+        <p:sp>
+          <p:nvSpPr>
+            <p:cNvPr id="10" name="TextBox 9">
+              <a:extLst>
+                <a:ext uri="{FF2B5EF4-FFF2-40B4-BE49-F238E27FC236}">
+                  <a16:creationId xmlns:a16="http://schemas.microsoft.com/office/drawing/2014/main" id="{CC505703-8318-4444-AD95-A4EC3D124246}"/>
+                </a:ext>
+              </a:extLst>
+            </p:cNvPr>
+            <p:cNvSpPr txBox="1"/>
+            <p:nvPr/>
+          </p:nvSpPr>
+          <p:spPr>
+            <a:xfrm>
+              <a:off x="6918366" y="4197202"/>
+              <a:ext cx="1634564" cy="830997"/>
+            </a:xfrm>
+            <a:prstGeom prst="rect">
+              <a:avLst/>
+            </a:prstGeom>
+            <a:noFill/>
+          </p:spPr>
+          <p:txBody>
+            <a:bodyPr wrap="square">
+              <a:spAutoFit/>
+            </a:bodyPr>
+            <a:lstStyle/>
+            <a:p>
+              <a:pPr algn="ctr"/>
+              <a:r>
+                <a:rPr lang="ko-KR" altLang="en-US" sz="1600" dirty="0"/>
+                <a:t>드래그를 통해 중력의 방향을 바꿉니다</a:t>
+              </a:r>
+              <a:r>
+                <a:rPr lang="en-US" altLang="ko-KR" sz="1600" dirty="0"/>
+                <a:t>.</a:t>
+              </a:r>
+              <a:r>
+                <a:rPr lang="ko-KR" altLang="en-US" sz="1600" dirty="0"/>
+                <a:t> </a:t>
+              </a:r>
+            </a:p>
+          </p:txBody>
+        </p:sp>
+        <p:sp>
+          <p:nvSpPr>
+            <p:cNvPr id="11" name="TextBox 10">
+              <a:extLst>
+                <a:ext uri="{FF2B5EF4-FFF2-40B4-BE49-F238E27FC236}">
+                  <a16:creationId xmlns:a16="http://schemas.microsoft.com/office/drawing/2014/main" id="{8ACB8E5F-1AC4-4C3E-BCEA-BABBB701A58A}"/>
+                </a:ext>
+              </a:extLst>
+            </p:cNvPr>
+            <p:cNvSpPr txBox="1"/>
+            <p:nvPr/>
+          </p:nvSpPr>
+          <p:spPr>
+            <a:xfrm>
+              <a:off x="10029118" y="4197202"/>
+              <a:ext cx="1634564" cy="584775"/>
+            </a:xfrm>
+            <a:prstGeom prst="rect">
+              <a:avLst/>
+            </a:prstGeom>
+            <a:noFill/>
+          </p:spPr>
+          <p:txBody>
+            <a:bodyPr wrap="square">
+              <a:spAutoFit/>
+            </a:bodyPr>
+            <a:lstStyle/>
+            <a:p>
+              <a:pPr algn="ctr"/>
+              <a:r>
+                <a:rPr lang="ko-KR" altLang="en-US" sz="1600" dirty="0"/>
+                <a:t>공을 탈출구로 내보냅니다</a:t>
+              </a:r>
+              <a:r>
+                <a:rPr lang="en-US" altLang="ko-KR" sz="1600" dirty="0"/>
+                <a:t>.</a:t>
+              </a:r>
+              <a:endParaRPr lang="ko-KR" altLang="en-US" sz="1600" dirty="0"/>
+            </a:p>
+          </p:txBody>
+        </p:sp>
+        <p:grpSp>
+          <p:nvGrpSpPr>
+            <p:cNvPr id="3" name="그룹 2">
+              <a:extLst>
+                <a:ext uri="{FF2B5EF4-FFF2-40B4-BE49-F238E27FC236}">
+                  <a16:creationId xmlns:a16="http://schemas.microsoft.com/office/drawing/2014/main" id="{F206D1C2-E19F-46FA-944D-25DE35763C5C}"/>
+                </a:ext>
+              </a:extLst>
+            </p:cNvPr>
+            <p:cNvGrpSpPr/>
+            <p:nvPr/>
+          </p:nvGrpSpPr>
+          <p:grpSpPr>
+            <a:xfrm>
+              <a:off x="173222" y="1692610"/>
+              <a:ext cx="11845555" cy="2450804"/>
+              <a:chOff x="173222" y="1692610"/>
+              <a:chExt cx="11845555" cy="2450804"/>
+            </a:xfrm>
+          </p:grpSpPr>
+          <p:pic>
+            <p:nvPicPr>
+              <p:cNvPr id="2" name="그림 1">
+                <a:extLst>
+                  <a:ext uri="{FF2B5EF4-FFF2-40B4-BE49-F238E27FC236}">
+                    <a16:creationId xmlns:a16="http://schemas.microsoft.com/office/drawing/2014/main" id="{5B140469-E126-4714-89AA-2EA4D95D62A2}"/>
+                  </a:ext>
+                </a:extLst>
+              </p:cNvPr>
+              <p:cNvPicPr>
+                <a:picLocks noChangeAspect="1"/>
+              </p:cNvPicPr>
+              <p:nvPr/>
+            </p:nvPicPr>
+            <p:blipFill>
+              <a:blip r:embed="rId3"/>
+              <a:stretch>
+                <a:fillRect/>
+              </a:stretch>
+            </p:blipFill>
+            <p:spPr>
+              <a:xfrm>
+                <a:off x="173222" y="1692610"/>
+                <a:ext cx="11845555" cy="2450804"/>
+              </a:xfrm>
+              <a:prstGeom prst="rect">
+                <a:avLst/>
+              </a:prstGeom>
+            </p:spPr>
+          </p:pic>
+          <p:pic>
+            <p:nvPicPr>
+              <p:cNvPr id="16" name="그림 15">
+                <a:extLst>
+                  <a:ext uri="{FF2B5EF4-FFF2-40B4-BE49-F238E27FC236}">
+                    <a16:creationId xmlns:a16="http://schemas.microsoft.com/office/drawing/2014/main" id="{1BF37144-078E-4E08-ADE7-CC7BAAE23548}"/>
+                  </a:ext>
+                </a:extLst>
+              </p:cNvPr>
+              <p:cNvPicPr>
+                <a:picLocks noChangeAspect="1"/>
+              </p:cNvPicPr>
+              <p:nvPr/>
+            </p:nvPicPr>
+            <p:blipFill>
+              <a:blip r:embed="rId4"/>
+              <a:stretch>
+                <a:fillRect/>
+              </a:stretch>
+            </p:blipFill>
+            <p:spPr>
+              <a:xfrm>
+                <a:off x="2772312" y="2677199"/>
+                <a:ext cx="6754953" cy="481626"/>
+              </a:xfrm>
+              <a:prstGeom prst="rect">
+                <a:avLst/>
+              </a:prstGeom>
+              <a:ln>
+                <a:noFill/>
+              </a:ln>
+              <a:effectLst>
+                <a:outerShdw blurRad="292100" dist="139700" dir="2700000" algn="tl" rotWithShape="0">
+                  <a:srgbClr val="333333">
+                    <a:alpha val="65000"/>
+                  </a:srgbClr>
+                </a:outerShdw>
+              </a:effectLst>
+            </p:spPr>
+          </p:pic>
+        </p:grpSp>
+      </p:grpSp>
+    </p:spTree>
+    <p:extLst>
+      <p:ext uri="{BB962C8B-B14F-4D97-AF65-F5344CB8AC3E}">
+        <p14:creationId xmlns:p14="http://schemas.microsoft.com/office/powerpoint/2010/main" val="3483264145"/>
       </p:ext>
     </p:extLst>
   </p:cSld>
@@ -9868,10 +14379,10 @@
       </p:pic>
       <p:grpSp>
         <p:nvGrpSpPr>
-          <p:cNvPr id="8" name="그룹 7">
+          <p:cNvPr id="15" name="그룹 14">
             <a:extLst>
               <a:ext uri="{FF2B5EF4-FFF2-40B4-BE49-F238E27FC236}">
-                <a16:creationId xmlns:a16="http://schemas.microsoft.com/office/drawing/2014/main" id="{F56FAE9C-0633-4B67-AEA5-4F1C4ABCC972}"/>
+                <a16:creationId xmlns:a16="http://schemas.microsoft.com/office/drawing/2014/main" id="{C98A8742-925B-4F08-BB50-B8B6D5A561D8}"/>
               </a:ext>
             </a:extLst>
           </p:cNvPr>
@@ -9880,432 +14391,348 @@
         </p:nvGrpSpPr>
         <p:grpSpPr>
           <a:xfrm>
-            <a:off x="243840" y="2219960"/>
+            <a:off x="445175" y="1740672"/>
             <a:ext cx="11816080" cy="2418080"/>
-            <a:chOff x="243840" y="2219960"/>
+            <a:chOff x="213360" y="1703070"/>
             <a:chExt cx="11816080" cy="2418080"/>
           </a:xfrm>
         </p:grpSpPr>
-        <p:grpSp>
-          <p:nvGrpSpPr>
-            <p:cNvPr id="9" name="그룹 8">
+        <p:sp>
+          <p:nvSpPr>
+            <p:cNvPr id="17" name="타원 16">
               <a:extLst>
                 <a:ext uri="{FF2B5EF4-FFF2-40B4-BE49-F238E27FC236}">
-                  <a16:creationId xmlns:a16="http://schemas.microsoft.com/office/drawing/2014/main" id="{0FB66482-9B2B-4026-B647-A8A4045F340F}"/>
+                  <a16:creationId xmlns:a16="http://schemas.microsoft.com/office/drawing/2014/main" id="{7AF5C6AA-0D59-40B9-9A38-A1042787CF52}"/>
                 </a:ext>
               </a:extLst>
             </p:cNvPr>
-            <p:cNvGrpSpPr/>
+            <p:cNvSpPr/>
             <p:nvPr/>
-          </p:nvGrpSpPr>
-          <p:grpSpPr>
+          </p:nvSpPr>
+          <p:spPr>
             <a:xfrm>
-              <a:off x="243840" y="2219960"/>
-              <a:ext cx="11816080" cy="2418080"/>
-              <a:chOff x="243840" y="2219960"/>
-              <a:chExt cx="11816080" cy="2418080"/>
+              <a:off x="213360" y="1703070"/>
+              <a:ext cx="2418080" cy="2418080"/>
             </a:xfrm>
-          </p:grpSpPr>
-          <p:grpSp>
-            <p:nvGrpSpPr>
-              <p:cNvPr id="11" name="그룹 10">
-                <a:extLst>
-                  <a:ext uri="{FF2B5EF4-FFF2-40B4-BE49-F238E27FC236}">
-                    <a16:creationId xmlns:a16="http://schemas.microsoft.com/office/drawing/2014/main" id="{E8846C35-8EDA-4385-91CA-CEAD8A735BAA}"/>
-                  </a:ext>
-                </a:extLst>
-              </p:cNvPr>
-              <p:cNvGrpSpPr/>
-              <p:nvPr/>
-            </p:nvGrpSpPr>
-            <p:grpSpPr>
-              <a:xfrm>
-                <a:off x="243840" y="2219960"/>
-                <a:ext cx="11816080" cy="2418080"/>
-                <a:chOff x="243840" y="2219960"/>
-                <a:chExt cx="11816080" cy="2418080"/>
-              </a:xfrm>
-            </p:grpSpPr>
-            <p:grpSp>
-              <p:nvGrpSpPr>
-                <p:cNvPr id="13" name="그룹 12">
-                  <a:extLst>
-                    <a:ext uri="{FF2B5EF4-FFF2-40B4-BE49-F238E27FC236}">
-                      <a16:creationId xmlns:a16="http://schemas.microsoft.com/office/drawing/2014/main" id="{12C276AC-6F37-4A7C-AC04-A8979C42D540}"/>
-                    </a:ext>
-                  </a:extLst>
-                </p:cNvPr>
-                <p:cNvGrpSpPr/>
-                <p:nvPr/>
-              </p:nvGrpSpPr>
-              <p:grpSpPr>
-                <a:xfrm>
-                  <a:off x="243840" y="2219960"/>
-                  <a:ext cx="11816080" cy="2418080"/>
-                  <a:chOff x="243840" y="2219960"/>
-                  <a:chExt cx="11816080" cy="2418080"/>
-                </a:xfrm>
-              </p:grpSpPr>
-              <p:grpSp>
-                <p:nvGrpSpPr>
-                  <p:cNvPr id="15" name="그룹 14">
-                    <a:extLst>
-                      <a:ext uri="{FF2B5EF4-FFF2-40B4-BE49-F238E27FC236}">
-                        <a16:creationId xmlns:a16="http://schemas.microsoft.com/office/drawing/2014/main" id="{C98A8742-925B-4F08-BB50-B8B6D5A561D8}"/>
-                      </a:ext>
-                    </a:extLst>
-                  </p:cNvPr>
-                  <p:cNvGrpSpPr/>
-                  <p:nvPr/>
-                </p:nvGrpSpPr>
-                <p:grpSpPr>
-                  <a:xfrm>
-                    <a:off x="243840" y="2219960"/>
-                    <a:ext cx="11816080" cy="2418080"/>
-                    <a:chOff x="213360" y="1703070"/>
-                    <a:chExt cx="11816080" cy="2418080"/>
-                  </a:xfrm>
-                </p:grpSpPr>
-                <p:sp>
-                  <p:nvSpPr>
-                    <p:cNvPr id="17" name="타원 16">
-                      <a:extLst>
-                        <a:ext uri="{FF2B5EF4-FFF2-40B4-BE49-F238E27FC236}">
-                          <a16:creationId xmlns:a16="http://schemas.microsoft.com/office/drawing/2014/main" id="{7AF5C6AA-0D59-40B9-9A38-A1042787CF52}"/>
-                        </a:ext>
-                      </a:extLst>
-                    </p:cNvPr>
-                    <p:cNvSpPr/>
-                    <p:nvPr/>
-                  </p:nvSpPr>
-                  <p:spPr>
-                    <a:xfrm>
-                      <a:off x="213360" y="1703070"/>
-                      <a:ext cx="2418080" cy="2418080"/>
-                    </a:xfrm>
-                    <a:prstGeom prst="ellipse">
-                      <a:avLst/>
-                    </a:prstGeom>
-                    <a:solidFill>
-                      <a:schemeClr val="bg1"/>
-                    </a:solidFill>
-                    <a:ln w="28575">
-                      <a:solidFill>
-                        <a:srgbClr val="FF3300"/>
-                      </a:solidFill>
-                    </a:ln>
-                  </p:spPr>
-                  <p:style>
-                    <a:lnRef idx="2">
-                      <a:schemeClr val="accent1">
-                        <a:shade val="50000"/>
-                      </a:schemeClr>
-                    </a:lnRef>
-                    <a:fillRef idx="1">
-                      <a:schemeClr val="accent1"/>
-                    </a:fillRef>
-                    <a:effectRef idx="0">
-                      <a:schemeClr val="accent1"/>
-                    </a:effectRef>
-                    <a:fontRef idx="minor">
-                      <a:schemeClr val="lt1"/>
-                    </a:fontRef>
-                  </p:style>
-                  <p:txBody>
-                    <a:bodyPr rtlCol="0" anchor="ctr"/>
-                    <a:lstStyle/>
-                    <a:p>
-                      <a:pPr algn="ctr"/>
-                      <a:endParaRPr lang="ko-KR" altLang="en-US"/>
-                    </a:p>
-                  </p:txBody>
-                </p:sp>
-                <p:sp>
-                  <p:nvSpPr>
-                    <p:cNvPr id="18" name="타원 17">
-                      <a:extLst>
-                        <a:ext uri="{FF2B5EF4-FFF2-40B4-BE49-F238E27FC236}">
-                          <a16:creationId xmlns:a16="http://schemas.microsoft.com/office/drawing/2014/main" id="{2EA809F9-F73D-404B-BE05-77352522D2BB}"/>
-                        </a:ext>
-                      </a:extLst>
-                    </p:cNvPr>
-                    <p:cNvSpPr/>
-                    <p:nvPr/>
-                  </p:nvSpPr>
-                  <p:spPr>
-                    <a:xfrm>
-                      <a:off x="3346027" y="1703070"/>
-                      <a:ext cx="2418080" cy="2418080"/>
-                    </a:xfrm>
-                    <a:prstGeom prst="ellipse">
-                      <a:avLst/>
-                    </a:prstGeom>
-                    <a:solidFill>
-                      <a:schemeClr val="bg1"/>
-                    </a:solidFill>
-                    <a:ln w="28575">
-                      <a:solidFill>
-                        <a:srgbClr val="FF3300"/>
-                      </a:solidFill>
-                    </a:ln>
-                  </p:spPr>
-                  <p:style>
-                    <a:lnRef idx="2">
-                      <a:schemeClr val="accent1">
-                        <a:shade val="50000"/>
-                      </a:schemeClr>
-                    </a:lnRef>
-                    <a:fillRef idx="1">
-                      <a:schemeClr val="accent1"/>
-                    </a:fillRef>
-                    <a:effectRef idx="0">
-                      <a:schemeClr val="accent1"/>
-                    </a:effectRef>
-                    <a:fontRef idx="minor">
-                      <a:schemeClr val="lt1"/>
-                    </a:fontRef>
-                  </p:style>
-                  <p:txBody>
-                    <a:bodyPr rtlCol="0" anchor="ctr"/>
-                    <a:lstStyle/>
-                    <a:p>
-                      <a:pPr algn="ctr"/>
-                      <a:endParaRPr lang="ko-KR" altLang="en-US"/>
-                    </a:p>
-                  </p:txBody>
-                </p:sp>
-                <p:sp>
-                  <p:nvSpPr>
-                    <p:cNvPr id="19" name="타원 18">
-                      <a:extLst>
-                        <a:ext uri="{FF2B5EF4-FFF2-40B4-BE49-F238E27FC236}">
-                          <a16:creationId xmlns:a16="http://schemas.microsoft.com/office/drawing/2014/main" id="{64FE688B-048F-4060-81CC-64FB0DF25CBD}"/>
-                        </a:ext>
-                      </a:extLst>
-                    </p:cNvPr>
-                    <p:cNvSpPr/>
-                    <p:nvPr/>
-                  </p:nvSpPr>
-                  <p:spPr>
-                    <a:xfrm>
-                      <a:off x="6478694" y="1703070"/>
-                      <a:ext cx="2418080" cy="2418080"/>
-                    </a:xfrm>
-                    <a:prstGeom prst="ellipse">
-                      <a:avLst/>
-                    </a:prstGeom>
-                    <a:solidFill>
-                      <a:schemeClr val="bg1"/>
-                    </a:solidFill>
-                    <a:ln w="28575">
-                      <a:solidFill>
-                        <a:srgbClr val="FF3300"/>
-                      </a:solidFill>
-                    </a:ln>
-                  </p:spPr>
-                  <p:style>
-                    <a:lnRef idx="2">
-                      <a:schemeClr val="accent1">
-                        <a:shade val="50000"/>
-                      </a:schemeClr>
-                    </a:lnRef>
-                    <a:fillRef idx="1">
-                      <a:schemeClr val="accent1"/>
-                    </a:fillRef>
-                    <a:effectRef idx="0">
-                      <a:schemeClr val="accent1"/>
-                    </a:effectRef>
-                    <a:fontRef idx="minor">
-                      <a:schemeClr val="lt1"/>
-                    </a:fontRef>
-                  </p:style>
-                  <p:txBody>
-                    <a:bodyPr rtlCol="0" anchor="ctr"/>
-                    <a:lstStyle/>
-                    <a:p>
-                      <a:pPr algn="ctr"/>
-                      <a:endParaRPr lang="ko-KR" altLang="en-US"/>
-                    </a:p>
-                  </p:txBody>
-                </p:sp>
-                <p:sp>
-                  <p:nvSpPr>
-                    <p:cNvPr id="20" name="타원 19">
-                      <a:extLst>
-                        <a:ext uri="{FF2B5EF4-FFF2-40B4-BE49-F238E27FC236}">
-                          <a16:creationId xmlns:a16="http://schemas.microsoft.com/office/drawing/2014/main" id="{B9ABE1F1-B379-498E-BF12-C1207C2F3590}"/>
-                        </a:ext>
-                      </a:extLst>
-                    </p:cNvPr>
-                    <p:cNvSpPr/>
-                    <p:nvPr/>
-                  </p:nvSpPr>
-                  <p:spPr>
-                    <a:xfrm>
-                      <a:off x="9611360" y="1703070"/>
-                      <a:ext cx="2418080" cy="2418080"/>
-                    </a:xfrm>
-                    <a:prstGeom prst="ellipse">
-                      <a:avLst/>
-                    </a:prstGeom>
-                    <a:solidFill>
-                      <a:schemeClr val="bg1"/>
-                    </a:solidFill>
-                    <a:ln w="28575">
-                      <a:solidFill>
-                        <a:srgbClr val="FF3300"/>
-                      </a:solidFill>
-                    </a:ln>
-                  </p:spPr>
-                  <p:style>
-                    <a:lnRef idx="2">
-                      <a:schemeClr val="accent1">
-                        <a:shade val="50000"/>
-                      </a:schemeClr>
-                    </a:lnRef>
-                    <a:fillRef idx="1">
-                      <a:schemeClr val="accent1"/>
-                    </a:fillRef>
-                    <a:effectRef idx="0">
-                      <a:schemeClr val="accent1"/>
-                    </a:effectRef>
-                    <a:fontRef idx="minor">
-                      <a:schemeClr val="lt1"/>
-                    </a:fontRef>
-                  </p:style>
-                  <p:txBody>
-                    <a:bodyPr rtlCol="0" anchor="ctr"/>
-                    <a:lstStyle/>
-                    <a:p>
-                      <a:pPr algn="ctr"/>
-                      <a:endParaRPr lang="ko-KR" altLang="en-US"/>
-                    </a:p>
-                  </p:txBody>
-                </p:sp>
-              </p:grpSp>
-              <p:pic>
-                <p:nvPicPr>
-                  <p:cNvPr id="16" name="그림 15">
-                    <a:extLst>
-                      <a:ext uri="{FF2B5EF4-FFF2-40B4-BE49-F238E27FC236}">
-                        <a16:creationId xmlns:a16="http://schemas.microsoft.com/office/drawing/2014/main" id="{13525086-705A-4ADA-A8BC-B57312596E65}"/>
-                      </a:ext>
-                    </a:extLst>
-                  </p:cNvPr>
-                  <p:cNvPicPr>
-                    <a:picLocks noChangeAspect="1"/>
-                  </p:cNvPicPr>
-                  <p:nvPr/>
-                </p:nvPicPr>
-                <p:blipFill>
-                  <a:blip r:embed="rId5"/>
-                  <a:stretch>
-                    <a:fillRect/>
-                  </a:stretch>
-                </p:blipFill>
-                <p:spPr>
-                  <a:xfrm>
-                    <a:off x="375921" y="2631948"/>
-                    <a:ext cx="1828800" cy="1914651"/>
-                  </a:xfrm>
-                  <a:prstGeom prst="rect">
-                    <a:avLst/>
-                  </a:prstGeom>
-                </p:spPr>
-              </p:pic>
-            </p:grpSp>
-            <p:pic>
-              <p:nvPicPr>
-                <p:cNvPr id="14" name="그림 13">
-                  <a:extLst>
-                    <a:ext uri="{FF2B5EF4-FFF2-40B4-BE49-F238E27FC236}">
-                      <a16:creationId xmlns:a16="http://schemas.microsoft.com/office/drawing/2014/main" id="{D215CAD4-8BEF-426F-9231-E2971401006E}"/>
-                    </a:ext>
-                  </a:extLst>
-                </p:cNvPr>
-                <p:cNvPicPr>
-                  <a:picLocks noChangeAspect="1"/>
-                </p:cNvPicPr>
-                <p:nvPr/>
-              </p:nvPicPr>
-              <p:blipFill>
-                <a:blip r:embed="rId6"/>
-                <a:stretch>
-                  <a:fillRect/>
-                </a:stretch>
-              </p:blipFill>
-              <p:spPr>
-                <a:xfrm>
-                  <a:off x="3733486" y="2462597"/>
-                  <a:ext cx="1704121" cy="2133308"/>
-                </a:xfrm>
-                <a:prstGeom prst="rect">
-                  <a:avLst/>
-                </a:prstGeom>
-              </p:spPr>
-            </p:pic>
-          </p:grpSp>
-          <p:pic>
-            <p:nvPicPr>
-              <p:cNvPr id="12" name="그림 11">
-                <a:extLst>
-                  <a:ext uri="{FF2B5EF4-FFF2-40B4-BE49-F238E27FC236}">
-                    <a16:creationId xmlns:a16="http://schemas.microsoft.com/office/drawing/2014/main" id="{1B6D791E-197E-462A-BEF2-9E31989CA723}"/>
-                  </a:ext>
-                </a:extLst>
-              </p:cNvPr>
-              <p:cNvPicPr>
-                <a:picLocks noChangeAspect="1"/>
-              </p:cNvPicPr>
-              <p:nvPr/>
-            </p:nvPicPr>
-            <p:blipFill>
-              <a:blip r:embed="rId7"/>
-              <a:stretch>
-                <a:fillRect/>
-              </a:stretch>
-            </p:blipFill>
-            <p:spPr>
-              <a:xfrm>
-                <a:off x="6509173" y="2219960"/>
-                <a:ext cx="2174790" cy="2128518"/>
-              </a:xfrm>
-              <a:prstGeom prst="rect">
-                <a:avLst/>
-              </a:prstGeom>
-            </p:spPr>
-          </p:pic>
-        </p:grpSp>
-        <p:pic>
-          <p:nvPicPr>
-            <p:cNvPr id="10" name="그림 9">
+            <a:prstGeom prst="ellipse">
+              <a:avLst/>
+            </a:prstGeom>
+            <a:solidFill>
+              <a:schemeClr val="bg1"/>
+            </a:solidFill>
+            <a:ln w="28575">
+              <a:solidFill>
+                <a:srgbClr val="FF3300"/>
+              </a:solidFill>
+            </a:ln>
+          </p:spPr>
+          <p:style>
+            <a:lnRef idx="2">
+              <a:schemeClr val="accent1">
+                <a:shade val="50000"/>
+              </a:schemeClr>
+            </a:lnRef>
+            <a:fillRef idx="1">
+              <a:schemeClr val="accent1"/>
+            </a:fillRef>
+            <a:effectRef idx="0">
+              <a:schemeClr val="accent1"/>
+            </a:effectRef>
+            <a:fontRef idx="minor">
+              <a:schemeClr val="lt1"/>
+            </a:fontRef>
+          </p:style>
+          <p:txBody>
+            <a:bodyPr rtlCol="0" anchor="ctr"/>
+            <a:lstStyle/>
+            <a:p>
+              <a:pPr algn="ctr"/>
+              <a:endParaRPr lang="ko-KR" altLang="en-US"/>
+            </a:p>
+          </p:txBody>
+        </p:sp>
+        <p:sp>
+          <p:nvSpPr>
+            <p:cNvPr id="18" name="타원 17">
               <a:extLst>
                 <a:ext uri="{FF2B5EF4-FFF2-40B4-BE49-F238E27FC236}">
-                  <a16:creationId xmlns:a16="http://schemas.microsoft.com/office/drawing/2014/main" id="{9184F08C-DF24-4C8D-A387-53391FEA37F7}"/>
+                  <a16:creationId xmlns:a16="http://schemas.microsoft.com/office/drawing/2014/main" id="{2EA809F9-F73D-404B-BE05-77352522D2BB}"/>
                 </a:ext>
               </a:extLst>
             </p:cNvPr>
-            <p:cNvPicPr>
-              <a:picLocks noChangeAspect="1"/>
-            </p:cNvPicPr>
+            <p:cNvSpPr/>
             <p:nvPr/>
-          </p:nvPicPr>
-          <p:blipFill rotWithShape="1">
-            <a:blip r:embed="rId8"/>
-            <a:srcRect l="24855"/>
-            <a:stretch/>
-          </p:blipFill>
+          </p:nvSpPr>
           <p:spPr>
             <a:xfrm>
-              <a:off x="9674860" y="2516534"/>
-              <a:ext cx="2260271" cy="2005846"/>
+              <a:off x="3346027" y="1703070"/>
+              <a:ext cx="2418080" cy="2418080"/>
             </a:xfrm>
-            <a:prstGeom prst="rect">
+            <a:prstGeom prst="ellipse">
               <a:avLst/>
             </a:prstGeom>
+            <a:solidFill>
+              <a:schemeClr val="bg1"/>
+            </a:solidFill>
+            <a:ln w="28575">
+              <a:solidFill>
+                <a:srgbClr val="FF3300"/>
+              </a:solidFill>
+            </a:ln>
           </p:spPr>
-        </p:pic>
+          <p:style>
+            <a:lnRef idx="2">
+              <a:schemeClr val="accent1">
+                <a:shade val="50000"/>
+              </a:schemeClr>
+            </a:lnRef>
+            <a:fillRef idx="1">
+              <a:schemeClr val="accent1"/>
+            </a:fillRef>
+            <a:effectRef idx="0">
+              <a:schemeClr val="accent1"/>
+            </a:effectRef>
+            <a:fontRef idx="minor">
+              <a:schemeClr val="lt1"/>
+            </a:fontRef>
+          </p:style>
+          <p:txBody>
+            <a:bodyPr rtlCol="0" anchor="ctr"/>
+            <a:lstStyle/>
+            <a:p>
+              <a:pPr algn="ctr"/>
+              <a:endParaRPr lang="ko-KR" altLang="en-US"/>
+            </a:p>
+          </p:txBody>
+        </p:sp>
+        <p:sp>
+          <p:nvSpPr>
+            <p:cNvPr id="19" name="타원 18">
+              <a:extLst>
+                <a:ext uri="{FF2B5EF4-FFF2-40B4-BE49-F238E27FC236}">
+                  <a16:creationId xmlns:a16="http://schemas.microsoft.com/office/drawing/2014/main" id="{64FE688B-048F-4060-81CC-64FB0DF25CBD}"/>
+                </a:ext>
+              </a:extLst>
+            </p:cNvPr>
+            <p:cNvSpPr/>
+            <p:nvPr/>
+          </p:nvSpPr>
+          <p:spPr>
+            <a:xfrm>
+              <a:off x="6478694" y="1703070"/>
+              <a:ext cx="2418080" cy="2418080"/>
+            </a:xfrm>
+            <a:prstGeom prst="ellipse">
+              <a:avLst/>
+            </a:prstGeom>
+            <a:solidFill>
+              <a:schemeClr val="bg1"/>
+            </a:solidFill>
+            <a:ln w="28575">
+              <a:solidFill>
+                <a:srgbClr val="FF3300"/>
+              </a:solidFill>
+            </a:ln>
+          </p:spPr>
+          <p:style>
+            <a:lnRef idx="2">
+              <a:schemeClr val="accent1">
+                <a:shade val="50000"/>
+              </a:schemeClr>
+            </a:lnRef>
+            <a:fillRef idx="1">
+              <a:schemeClr val="accent1"/>
+            </a:fillRef>
+            <a:effectRef idx="0">
+              <a:schemeClr val="accent1"/>
+            </a:effectRef>
+            <a:fontRef idx="minor">
+              <a:schemeClr val="lt1"/>
+            </a:fontRef>
+          </p:style>
+          <p:txBody>
+            <a:bodyPr rtlCol="0" anchor="ctr"/>
+            <a:lstStyle/>
+            <a:p>
+              <a:pPr algn="ctr"/>
+              <a:endParaRPr lang="ko-KR" altLang="en-US"/>
+            </a:p>
+          </p:txBody>
+        </p:sp>
+        <p:sp>
+          <p:nvSpPr>
+            <p:cNvPr id="20" name="타원 19">
+              <a:extLst>
+                <a:ext uri="{FF2B5EF4-FFF2-40B4-BE49-F238E27FC236}">
+                  <a16:creationId xmlns:a16="http://schemas.microsoft.com/office/drawing/2014/main" id="{B9ABE1F1-B379-498E-BF12-C1207C2F3590}"/>
+                </a:ext>
+              </a:extLst>
+            </p:cNvPr>
+            <p:cNvSpPr/>
+            <p:nvPr/>
+          </p:nvSpPr>
+          <p:spPr>
+            <a:xfrm>
+              <a:off x="9611360" y="1703070"/>
+              <a:ext cx="2418080" cy="2418080"/>
+            </a:xfrm>
+            <a:prstGeom prst="ellipse">
+              <a:avLst/>
+            </a:prstGeom>
+            <a:solidFill>
+              <a:schemeClr val="bg1"/>
+            </a:solidFill>
+            <a:ln w="28575">
+              <a:solidFill>
+                <a:srgbClr val="FF3300"/>
+              </a:solidFill>
+            </a:ln>
+          </p:spPr>
+          <p:style>
+            <a:lnRef idx="2">
+              <a:schemeClr val="accent1">
+                <a:shade val="50000"/>
+              </a:schemeClr>
+            </a:lnRef>
+            <a:fillRef idx="1">
+              <a:schemeClr val="accent1"/>
+            </a:fillRef>
+            <a:effectRef idx="0">
+              <a:schemeClr val="accent1"/>
+            </a:effectRef>
+            <a:fontRef idx="minor">
+              <a:schemeClr val="lt1"/>
+            </a:fontRef>
+          </p:style>
+          <p:txBody>
+            <a:bodyPr rtlCol="0" anchor="ctr"/>
+            <a:lstStyle/>
+            <a:p>
+              <a:pPr algn="ctr"/>
+              <a:endParaRPr lang="ko-KR" altLang="en-US"/>
+            </a:p>
+          </p:txBody>
+        </p:sp>
       </p:grpSp>
+      <p:pic>
+        <p:nvPicPr>
+          <p:cNvPr id="16" name="그림 15">
+            <a:extLst>
+              <a:ext uri="{FF2B5EF4-FFF2-40B4-BE49-F238E27FC236}">
+                <a16:creationId xmlns:a16="http://schemas.microsoft.com/office/drawing/2014/main" id="{13525086-705A-4ADA-A8BC-B57312596E65}"/>
+              </a:ext>
+            </a:extLst>
+          </p:cNvPr>
+          <p:cNvPicPr>
+            <a:picLocks noChangeAspect="1"/>
+          </p:cNvPicPr>
+          <p:nvPr/>
+        </p:nvPicPr>
+        <p:blipFill>
+          <a:blip r:embed="rId5"/>
+          <a:stretch>
+            <a:fillRect/>
+          </a:stretch>
+        </p:blipFill>
+        <p:spPr>
+          <a:xfrm>
+            <a:off x="-2701556" y="2433827"/>
+            <a:ext cx="1828800" cy="1914651"/>
+          </a:xfrm>
+          <a:prstGeom prst="rect">
+            <a:avLst/>
+          </a:prstGeom>
+        </p:spPr>
+      </p:pic>
+      <p:pic>
+        <p:nvPicPr>
+          <p:cNvPr id="14" name="그림 13">
+            <a:extLst>
+              <a:ext uri="{FF2B5EF4-FFF2-40B4-BE49-F238E27FC236}">
+                <a16:creationId xmlns:a16="http://schemas.microsoft.com/office/drawing/2014/main" id="{D215CAD4-8BEF-426F-9231-E2971401006E}"/>
+              </a:ext>
+            </a:extLst>
+          </p:cNvPr>
+          <p:cNvPicPr>
+            <a:picLocks noChangeAspect="1"/>
+          </p:cNvPicPr>
+          <p:nvPr/>
+        </p:nvPicPr>
+        <p:blipFill>
+          <a:blip r:embed="rId6"/>
+          <a:stretch>
+            <a:fillRect/>
+          </a:stretch>
+        </p:blipFill>
+        <p:spPr>
+          <a:xfrm>
+            <a:off x="3716708" y="2126993"/>
+            <a:ext cx="1704121" cy="2133308"/>
+          </a:xfrm>
+          <a:prstGeom prst="rect">
+            <a:avLst/>
+          </a:prstGeom>
+        </p:spPr>
+      </p:pic>
+      <p:pic>
+        <p:nvPicPr>
+          <p:cNvPr id="12" name="그림 11">
+            <a:extLst>
+              <a:ext uri="{FF2B5EF4-FFF2-40B4-BE49-F238E27FC236}">
+                <a16:creationId xmlns:a16="http://schemas.microsoft.com/office/drawing/2014/main" id="{1B6D791E-197E-462A-BEF2-9E31989CA723}"/>
+              </a:ext>
+            </a:extLst>
+          </p:cNvPr>
+          <p:cNvPicPr>
+            <a:picLocks noChangeAspect="1"/>
+          </p:cNvPicPr>
+          <p:nvPr/>
+        </p:nvPicPr>
+        <p:blipFill>
+          <a:blip r:embed="rId7"/>
+          <a:stretch>
+            <a:fillRect/>
+          </a:stretch>
+        </p:blipFill>
+        <p:spPr>
+          <a:xfrm>
+            <a:off x="6509173" y="2219960"/>
+            <a:ext cx="2174790" cy="2128518"/>
+          </a:xfrm>
+          <a:prstGeom prst="rect">
+            <a:avLst/>
+          </a:prstGeom>
+        </p:spPr>
+      </p:pic>
+      <p:pic>
+        <p:nvPicPr>
+          <p:cNvPr id="10" name="그림 9">
+            <a:extLst>
+              <a:ext uri="{FF2B5EF4-FFF2-40B4-BE49-F238E27FC236}">
+                <a16:creationId xmlns:a16="http://schemas.microsoft.com/office/drawing/2014/main" id="{9184F08C-DF24-4C8D-A387-53391FEA37F7}"/>
+              </a:ext>
+            </a:extLst>
+          </p:cNvPr>
+          <p:cNvPicPr>
+            <a:picLocks noChangeAspect="1"/>
+          </p:cNvPicPr>
+          <p:nvPr/>
+        </p:nvPicPr>
+        <p:blipFill rotWithShape="1">
+          <a:blip r:embed="rId8"/>
+          <a:srcRect l="24855"/>
+          <a:stretch/>
+        </p:blipFill>
+        <p:spPr>
+          <a:xfrm>
+            <a:off x="9674860" y="2516534"/>
+            <a:ext cx="2260271" cy="2005846"/>
+          </a:xfrm>
+          <a:prstGeom prst="rect">
+            <a:avLst/>
+          </a:prstGeom>
+        </p:spPr>
+      </p:pic>
       <p:graphicFrame>
         <p:nvGraphicFramePr>
           <p:cNvPr id="21" name="표 5">
@@ -10739,7 +15166,7 @@
         </p:nvGrpSpPr>
         <p:grpSpPr>
           <a:xfrm>
-            <a:off x="-1604691" y="1330035"/>
+            <a:off x="1189395" y="-876381"/>
             <a:ext cx="9438275" cy="2750148"/>
             <a:chOff x="479828" y="1291865"/>
             <a:chExt cx="9438275" cy="2750148"/>
@@ -11598,7 +16025,7 @@
         </p:nvGrpSpPr>
         <p:grpSpPr>
           <a:xfrm>
-            <a:off x="2913529" y="554359"/>
+            <a:off x="262608" y="193632"/>
             <a:ext cx="6364943" cy="5798586"/>
             <a:chOff x="2913529" y="554359"/>
             <a:chExt cx="6364943" cy="5798586"/>
@@ -12186,12 +16613,971 @@
           <a:chExt cx="0" cy="0"/>
         </a:xfrm>
       </p:grpSpPr>
+      <p:grpSp>
+        <p:nvGrpSpPr>
+          <p:cNvPr id="13" name="그룹 12">
+            <a:extLst>
+              <a:ext uri="{FF2B5EF4-FFF2-40B4-BE49-F238E27FC236}">
+                <a16:creationId xmlns:a16="http://schemas.microsoft.com/office/drawing/2014/main" id="{7B19A854-C655-4929-8204-83356276965A}"/>
+              </a:ext>
+            </a:extLst>
+          </p:cNvPr>
+          <p:cNvGrpSpPr/>
+          <p:nvPr/>
+        </p:nvGrpSpPr>
+        <p:grpSpPr>
+          <a:xfrm>
+            <a:off x="2465313" y="67113"/>
+            <a:ext cx="6723078" cy="6727971"/>
+            <a:chOff x="2456924" y="1"/>
+            <a:chExt cx="6723078" cy="6727971"/>
+          </a:xfrm>
+        </p:grpSpPr>
+        <p:sp>
+          <p:nvSpPr>
+            <p:cNvPr id="4" name="사각형: 둥근 모서리 3">
+              <a:extLst>
+                <a:ext uri="{FF2B5EF4-FFF2-40B4-BE49-F238E27FC236}">
+                  <a16:creationId xmlns:a16="http://schemas.microsoft.com/office/drawing/2014/main" id="{D05DF64E-C0B6-4FFD-B275-B6928EDB3174}"/>
+                </a:ext>
+              </a:extLst>
+            </p:cNvPr>
+            <p:cNvSpPr/>
+            <p:nvPr/>
+          </p:nvSpPr>
+          <p:spPr>
+            <a:xfrm>
+              <a:off x="2456925" y="3429001"/>
+              <a:ext cx="3298971" cy="3298971"/>
+            </a:xfrm>
+            <a:prstGeom prst="roundRect">
+              <a:avLst>
+                <a:gd name="adj" fmla="val 0"/>
+              </a:avLst>
+            </a:prstGeom>
+            <a:noFill/>
+            <a:ln>
+              <a:solidFill>
+                <a:schemeClr val="tx1"/>
+              </a:solidFill>
+            </a:ln>
+          </p:spPr>
+          <p:style>
+            <a:lnRef idx="2">
+              <a:schemeClr val="accent1">
+                <a:shade val="50000"/>
+              </a:schemeClr>
+            </a:lnRef>
+            <a:fillRef idx="1">
+              <a:schemeClr val="accent1"/>
+            </a:fillRef>
+            <a:effectRef idx="0">
+              <a:schemeClr val="accent1"/>
+            </a:effectRef>
+            <a:fontRef idx="minor">
+              <a:schemeClr val="lt1"/>
+            </a:fontRef>
+          </p:style>
+          <p:txBody>
+            <a:bodyPr rtlCol="0" anchor="ctr"/>
+            <a:lstStyle/>
+            <a:p>
+              <a:pPr algn="ctr"/>
+              <a:endParaRPr lang="ko-KR" altLang="en-US" dirty="0"/>
+            </a:p>
+          </p:txBody>
+        </p:sp>
+        <p:sp>
+          <p:nvSpPr>
+            <p:cNvPr id="5" name="사각형: 둥근 모서리 4">
+              <a:extLst>
+                <a:ext uri="{FF2B5EF4-FFF2-40B4-BE49-F238E27FC236}">
+                  <a16:creationId xmlns:a16="http://schemas.microsoft.com/office/drawing/2014/main" id="{DBB5E173-77E5-4A3E-89D0-7AA816547D5D}"/>
+                </a:ext>
+              </a:extLst>
+            </p:cNvPr>
+            <p:cNvSpPr/>
+            <p:nvPr/>
+          </p:nvSpPr>
+          <p:spPr>
+            <a:xfrm>
+              <a:off x="5881031" y="3429000"/>
+              <a:ext cx="3298971" cy="3298971"/>
+            </a:xfrm>
+            <a:prstGeom prst="roundRect">
+              <a:avLst>
+                <a:gd name="adj" fmla="val 0"/>
+              </a:avLst>
+            </a:prstGeom>
+            <a:noFill/>
+            <a:ln>
+              <a:solidFill>
+                <a:schemeClr val="tx1"/>
+              </a:solidFill>
+            </a:ln>
+          </p:spPr>
+          <p:style>
+            <a:lnRef idx="2">
+              <a:schemeClr val="accent1">
+                <a:shade val="50000"/>
+              </a:schemeClr>
+            </a:lnRef>
+            <a:fillRef idx="1">
+              <a:schemeClr val="accent1"/>
+            </a:fillRef>
+            <a:effectRef idx="0">
+              <a:schemeClr val="accent1"/>
+            </a:effectRef>
+            <a:fontRef idx="minor">
+              <a:schemeClr val="lt1"/>
+            </a:fontRef>
+          </p:style>
+          <p:txBody>
+            <a:bodyPr rtlCol="0" anchor="ctr"/>
+            <a:lstStyle/>
+            <a:p>
+              <a:pPr algn="ctr"/>
+              <a:endParaRPr lang="ko-KR" altLang="en-US" dirty="0"/>
+            </a:p>
+          </p:txBody>
+        </p:sp>
+        <p:sp>
+          <p:nvSpPr>
+            <p:cNvPr id="6" name="사각형: 둥근 모서리 5">
+              <a:extLst>
+                <a:ext uri="{FF2B5EF4-FFF2-40B4-BE49-F238E27FC236}">
+                  <a16:creationId xmlns:a16="http://schemas.microsoft.com/office/drawing/2014/main" id="{E28FE543-D60D-48AB-AA7E-3BB355995750}"/>
+                </a:ext>
+              </a:extLst>
+            </p:cNvPr>
+            <p:cNvSpPr/>
+            <p:nvPr/>
+          </p:nvSpPr>
+          <p:spPr>
+            <a:xfrm>
+              <a:off x="5881031" y="1"/>
+              <a:ext cx="3298971" cy="3298971"/>
+            </a:xfrm>
+            <a:prstGeom prst="roundRect">
+              <a:avLst>
+                <a:gd name="adj" fmla="val 0"/>
+              </a:avLst>
+            </a:prstGeom>
+            <a:noFill/>
+            <a:ln>
+              <a:solidFill>
+                <a:schemeClr val="tx1"/>
+              </a:solidFill>
+            </a:ln>
+          </p:spPr>
+          <p:style>
+            <a:lnRef idx="2">
+              <a:schemeClr val="accent1">
+                <a:shade val="50000"/>
+              </a:schemeClr>
+            </a:lnRef>
+            <a:fillRef idx="1">
+              <a:schemeClr val="accent1"/>
+            </a:fillRef>
+            <a:effectRef idx="0">
+              <a:schemeClr val="accent1"/>
+            </a:effectRef>
+            <a:fontRef idx="minor">
+              <a:schemeClr val="lt1"/>
+            </a:fontRef>
+          </p:style>
+          <p:txBody>
+            <a:bodyPr rtlCol="0" anchor="ctr"/>
+            <a:lstStyle/>
+            <a:p>
+              <a:pPr algn="ctr"/>
+              <a:endParaRPr lang="ko-KR" altLang="en-US" dirty="0"/>
+            </a:p>
+          </p:txBody>
+        </p:sp>
+        <p:sp>
+          <p:nvSpPr>
+            <p:cNvPr id="7" name="사각형: 둥근 모서리 6">
+              <a:extLst>
+                <a:ext uri="{FF2B5EF4-FFF2-40B4-BE49-F238E27FC236}">
+                  <a16:creationId xmlns:a16="http://schemas.microsoft.com/office/drawing/2014/main" id="{6A7D73D3-E96B-429B-AA1B-FA735A01DDF8}"/>
+                </a:ext>
+              </a:extLst>
+            </p:cNvPr>
+            <p:cNvSpPr/>
+            <p:nvPr/>
+          </p:nvSpPr>
+          <p:spPr>
+            <a:xfrm>
+              <a:off x="2456924" y="1"/>
+              <a:ext cx="3298971" cy="3298971"/>
+            </a:xfrm>
+            <a:prstGeom prst="roundRect">
+              <a:avLst>
+                <a:gd name="adj" fmla="val 0"/>
+              </a:avLst>
+            </a:prstGeom>
+            <a:solidFill>
+              <a:schemeClr val="bg1"/>
+            </a:solidFill>
+            <a:ln>
+              <a:solidFill>
+                <a:schemeClr val="tx1"/>
+              </a:solidFill>
+            </a:ln>
+          </p:spPr>
+          <p:style>
+            <a:lnRef idx="2">
+              <a:schemeClr val="accent1">
+                <a:shade val="50000"/>
+              </a:schemeClr>
+            </a:lnRef>
+            <a:fillRef idx="1">
+              <a:schemeClr val="accent1"/>
+            </a:fillRef>
+            <a:effectRef idx="0">
+              <a:schemeClr val="accent1"/>
+            </a:effectRef>
+            <a:fontRef idx="minor">
+              <a:schemeClr val="lt1"/>
+            </a:fontRef>
+          </p:style>
+          <p:txBody>
+            <a:bodyPr rtlCol="0" anchor="ctr"/>
+            <a:lstStyle/>
+            <a:p>
+              <a:pPr algn="ctr"/>
+              <a:endParaRPr lang="ko-KR" altLang="en-US" dirty="0"/>
+            </a:p>
+          </p:txBody>
+        </p:sp>
+        <p:sp>
+          <p:nvSpPr>
+            <p:cNvPr id="8" name="타원 7">
+              <a:extLst>
+                <a:ext uri="{FF2B5EF4-FFF2-40B4-BE49-F238E27FC236}">
+                  <a16:creationId xmlns:a16="http://schemas.microsoft.com/office/drawing/2014/main" id="{7EC424D6-0EA4-4E4E-902B-A21B54F170F0}"/>
+                </a:ext>
+              </a:extLst>
+            </p:cNvPr>
+            <p:cNvSpPr/>
+            <p:nvPr/>
+          </p:nvSpPr>
+          <p:spPr>
+            <a:xfrm>
+              <a:off x="2618065" y="6019101"/>
+              <a:ext cx="578840" cy="578840"/>
+            </a:xfrm>
+            <a:prstGeom prst="ellipse">
+              <a:avLst/>
+            </a:prstGeom>
+            <a:solidFill>
+              <a:schemeClr val="tx1"/>
+            </a:solidFill>
+            <a:ln>
+              <a:solidFill>
+                <a:schemeClr val="tx1"/>
+              </a:solidFill>
+            </a:ln>
+          </p:spPr>
+          <p:style>
+            <a:lnRef idx="2">
+              <a:schemeClr val="accent1">
+                <a:shade val="50000"/>
+              </a:schemeClr>
+            </a:lnRef>
+            <a:fillRef idx="1">
+              <a:schemeClr val="accent1"/>
+            </a:fillRef>
+            <a:effectRef idx="0">
+              <a:schemeClr val="accent1"/>
+            </a:effectRef>
+            <a:fontRef idx="minor">
+              <a:schemeClr val="lt1"/>
+            </a:fontRef>
+          </p:style>
+          <p:txBody>
+            <a:bodyPr rtlCol="0" anchor="ctr"/>
+            <a:lstStyle/>
+            <a:p>
+              <a:pPr algn="ctr"/>
+              <a:endParaRPr lang="ko-KR" altLang="en-US"/>
+            </a:p>
+          </p:txBody>
+        </p:sp>
+        <p:sp>
+          <p:nvSpPr>
+            <p:cNvPr id="9" name="타원 8">
+              <a:extLst>
+                <a:ext uri="{FF2B5EF4-FFF2-40B4-BE49-F238E27FC236}">
+                  <a16:creationId xmlns:a16="http://schemas.microsoft.com/office/drawing/2014/main" id="{852CB7FE-F456-45E1-9DD6-8AB1E44D2772}"/>
+                </a:ext>
+              </a:extLst>
+            </p:cNvPr>
+            <p:cNvSpPr/>
+            <p:nvPr/>
+          </p:nvSpPr>
+          <p:spPr>
+            <a:xfrm>
+              <a:off x="2618065" y="2597791"/>
+              <a:ext cx="578840" cy="578840"/>
+            </a:xfrm>
+            <a:prstGeom prst="ellipse">
+              <a:avLst/>
+            </a:prstGeom>
+            <a:solidFill>
+              <a:schemeClr val="tx1"/>
+            </a:solidFill>
+            <a:ln>
+              <a:solidFill>
+                <a:schemeClr val="tx1"/>
+              </a:solidFill>
+            </a:ln>
+          </p:spPr>
+          <p:style>
+            <a:lnRef idx="2">
+              <a:schemeClr val="accent1">
+                <a:shade val="50000"/>
+              </a:schemeClr>
+            </a:lnRef>
+            <a:fillRef idx="1">
+              <a:schemeClr val="accent1"/>
+            </a:fillRef>
+            <a:effectRef idx="0">
+              <a:schemeClr val="accent1"/>
+            </a:effectRef>
+            <a:fontRef idx="minor">
+              <a:schemeClr val="lt1"/>
+            </a:fontRef>
+          </p:style>
+          <p:txBody>
+            <a:bodyPr rtlCol="0" anchor="ctr"/>
+            <a:lstStyle/>
+            <a:p>
+              <a:pPr algn="ctr"/>
+              <a:endParaRPr lang="ko-KR" altLang="en-US"/>
+            </a:p>
+          </p:txBody>
+        </p:sp>
+        <p:sp>
+          <p:nvSpPr>
+            <p:cNvPr id="10" name="타원 9">
+              <a:extLst>
+                <a:ext uri="{FF2B5EF4-FFF2-40B4-BE49-F238E27FC236}">
+                  <a16:creationId xmlns:a16="http://schemas.microsoft.com/office/drawing/2014/main" id="{E540BAEB-9A05-44B6-B5E5-FF554042F4BE}"/>
+                </a:ext>
+              </a:extLst>
+            </p:cNvPr>
+            <p:cNvSpPr/>
+            <p:nvPr/>
+          </p:nvSpPr>
+          <p:spPr>
+            <a:xfrm>
+              <a:off x="6096000" y="2597791"/>
+              <a:ext cx="578840" cy="578840"/>
+            </a:xfrm>
+            <a:prstGeom prst="ellipse">
+              <a:avLst/>
+            </a:prstGeom>
+            <a:solidFill>
+              <a:schemeClr val="tx1"/>
+            </a:solidFill>
+            <a:ln>
+              <a:solidFill>
+                <a:schemeClr val="tx1"/>
+              </a:solidFill>
+            </a:ln>
+          </p:spPr>
+          <p:style>
+            <a:lnRef idx="2">
+              <a:schemeClr val="accent1">
+                <a:shade val="50000"/>
+              </a:schemeClr>
+            </a:lnRef>
+            <a:fillRef idx="1">
+              <a:schemeClr val="accent1"/>
+            </a:fillRef>
+            <a:effectRef idx="0">
+              <a:schemeClr val="accent1"/>
+            </a:effectRef>
+            <a:fontRef idx="minor">
+              <a:schemeClr val="lt1"/>
+            </a:fontRef>
+          </p:style>
+          <p:txBody>
+            <a:bodyPr rtlCol="0" anchor="ctr"/>
+            <a:lstStyle/>
+            <a:p>
+              <a:pPr algn="ctr"/>
+              <a:endParaRPr lang="ko-KR" altLang="en-US"/>
+            </a:p>
+          </p:txBody>
+        </p:sp>
+        <p:sp>
+          <p:nvSpPr>
+            <p:cNvPr id="11" name="타원 10">
+              <a:extLst>
+                <a:ext uri="{FF2B5EF4-FFF2-40B4-BE49-F238E27FC236}">
+                  <a16:creationId xmlns:a16="http://schemas.microsoft.com/office/drawing/2014/main" id="{60C2FC3F-FEFD-4D08-A14D-9C59152D31D5}"/>
+                </a:ext>
+              </a:extLst>
+            </p:cNvPr>
+            <p:cNvSpPr/>
+            <p:nvPr/>
+          </p:nvSpPr>
+          <p:spPr>
+            <a:xfrm>
+              <a:off x="6096000" y="6028888"/>
+              <a:ext cx="578840" cy="578840"/>
+            </a:xfrm>
+            <a:prstGeom prst="ellipse">
+              <a:avLst/>
+            </a:prstGeom>
+            <a:solidFill>
+              <a:schemeClr val="tx1"/>
+            </a:solidFill>
+            <a:ln>
+              <a:solidFill>
+                <a:schemeClr val="tx1"/>
+              </a:solidFill>
+            </a:ln>
+          </p:spPr>
+          <p:style>
+            <a:lnRef idx="2">
+              <a:schemeClr val="accent1">
+                <a:shade val="50000"/>
+              </a:schemeClr>
+            </a:lnRef>
+            <a:fillRef idx="1">
+              <a:schemeClr val="accent1"/>
+            </a:fillRef>
+            <a:effectRef idx="0">
+              <a:schemeClr val="accent1"/>
+            </a:effectRef>
+            <a:fontRef idx="minor">
+              <a:schemeClr val="lt1"/>
+            </a:fontRef>
+          </p:style>
+          <p:txBody>
+            <a:bodyPr rtlCol="0" anchor="ctr"/>
+            <a:lstStyle/>
+            <a:p>
+              <a:pPr algn="ctr"/>
+              <a:endParaRPr lang="ko-KR" altLang="en-US"/>
+            </a:p>
+          </p:txBody>
+        </p:sp>
+      </p:grpSp>
       <p:sp>
         <p:nvSpPr>
-          <p:cNvPr id="4" name="TextBox 3">
+          <p:cNvPr id="12" name="타원 11">
             <a:extLst>
               <a:ext uri="{FF2B5EF4-FFF2-40B4-BE49-F238E27FC236}">
-                <a16:creationId xmlns:a16="http://schemas.microsoft.com/office/drawing/2014/main" id="{FD96F8E7-8716-4035-9402-EC15AC56FDBC}"/>
+                <a16:creationId xmlns:a16="http://schemas.microsoft.com/office/drawing/2014/main" id="{31490B06-BB7B-4570-9658-32CD9322BDCC}"/>
+              </a:ext>
+            </a:extLst>
+          </p:cNvPr>
+          <p:cNvSpPr/>
+          <p:nvPr/>
+        </p:nvSpPr>
+        <p:spPr>
+          <a:xfrm>
+            <a:off x="11397842" y="139818"/>
+            <a:ext cx="578840" cy="578840"/>
+          </a:xfrm>
+          <a:prstGeom prst="ellipse">
+            <a:avLst/>
+          </a:prstGeom>
+          <a:solidFill>
+            <a:schemeClr val="bg1"/>
+          </a:solidFill>
+          <a:ln>
+            <a:solidFill>
+              <a:schemeClr val="tx1"/>
+            </a:solidFill>
+          </a:ln>
+        </p:spPr>
+        <p:style>
+          <a:lnRef idx="2">
+            <a:schemeClr val="accent1">
+              <a:shade val="50000"/>
+            </a:schemeClr>
+          </a:lnRef>
+          <a:fillRef idx="1">
+            <a:schemeClr val="accent1"/>
+          </a:fillRef>
+          <a:effectRef idx="0">
+            <a:schemeClr val="accent1"/>
+          </a:effectRef>
+          <a:fontRef idx="minor">
+            <a:schemeClr val="lt1"/>
+          </a:fontRef>
+        </p:style>
+        <p:txBody>
+          <a:bodyPr rtlCol="0" anchor="ctr"/>
+          <a:lstStyle/>
+          <a:p>
+            <a:pPr algn="ctr"/>
+            <a:endParaRPr lang="ko-KR" altLang="en-US"/>
+          </a:p>
+        </p:txBody>
+      </p:sp>
+      <p:grpSp>
+        <p:nvGrpSpPr>
+          <p:cNvPr id="16" name="그룹 15">
+            <a:extLst>
+              <a:ext uri="{FF2B5EF4-FFF2-40B4-BE49-F238E27FC236}">
+                <a16:creationId xmlns:a16="http://schemas.microsoft.com/office/drawing/2014/main" id="{02E6A878-837D-44CB-8E82-79A107ED592B}"/>
+              </a:ext>
+            </a:extLst>
+          </p:cNvPr>
+          <p:cNvGrpSpPr/>
+          <p:nvPr/>
+        </p:nvGrpSpPr>
+        <p:grpSpPr>
+          <a:xfrm>
+            <a:off x="11580571" y="250272"/>
+            <a:ext cx="213382" cy="357932"/>
+            <a:chOff x="10461071" y="718658"/>
+            <a:chExt cx="390088" cy="654342"/>
+          </a:xfrm>
+        </p:grpSpPr>
+        <p:sp>
+          <p:nvSpPr>
+            <p:cNvPr id="14" name="사각형: 둥근 모서리 13">
+              <a:extLst>
+                <a:ext uri="{FF2B5EF4-FFF2-40B4-BE49-F238E27FC236}">
+                  <a16:creationId xmlns:a16="http://schemas.microsoft.com/office/drawing/2014/main" id="{B7B694CC-D970-4721-8321-40A840389E76}"/>
+                </a:ext>
+              </a:extLst>
+            </p:cNvPr>
+            <p:cNvSpPr/>
+            <p:nvPr/>
+          </p:nvSpPr>
+          <p:spPr>
+            <a:xfrm>
+              <a:off x="10461071" y="718658"/>
+              <a:ext cx="142613" cy="654342"/>
+            </a:xfrm>
+            <a:prstGeom prst="roundRect">
+              <a:avLst/>
+            </a:prstGeom>
+            <a:solidFill>
+              <a:schemeClr val="tx1"/>
+            </a:solidFill>
+            <a:ln>
+              <a:solidFill>
+                <a:schemeClr val="tx1"/>
+              </a:solidFill>
+            </a:ln>
+          </p:spPr>
+          <p:style>
+            <a:lnRef idx="2">
+              <a:schemeClr val="accent1">
+                <a:shade val="50000"/>
+              </a:schemeClr>
+            </a:lnRef>
+            <a:fillRef idx="1">
+              <a:schemeClr val="accent1"/>
+            </a:fillRef>
+            <a:effectRef idx="0">
+              <a:schemeClr val="accent1"/>
+            </a:effectRef>
+            <a:fontRef idx="minor">
+              <a:schemeClr val="lt1"/>
+            </a:fontRef>
+          </p:style>
+          <p:txBody>
+            <a:bodyPr rtlCol="0" anchor="ctr"/>
+            <a:lstStyle/>
+            <a:p>
+              <a:pPr algn="ctr"/>
+              <a:endParaRPr lang="ko-KR" altLang="en-US"/>
+            </a:p>
+          </p:txBody>
+        </p:sp>
+        <p:sp>
+          <p:nvSpPr>
+            <p:cNvPr id="15" name="사각형: 둥근 모서리 14">
+              <a:extLst>
+                <a:ext uri="{FF2B5EF4-FFF2-40B4-BE49-F238E27FC236}">
+                  <a16:creationId xmlns:a16="http://schemas.microsoft.com/office/drawing/2014/main" id="{7E19018A-9D19-4BC6-B066-6B0A812D5DF9}"/>
+                </a:ext>
+              </a:extLst>
+            </p:cNvPr>
+            <p:cNvSpPr/>
+            <p:nvPr/>
+          </p:nvSpPr>
+          <p:spPr>
+            <a:xfrm>
+              <a:off x="10708546" y="718658"/>
+              <a:ext cx="142613" cy="654342"/>
+            </a:xfrm>
+            <a:prstGeom prst="roundRect">
+              <a:avLst/>
+            </a:prstGeom>
+            <a:solidFill>
+              <a:schemeClr val="tx1"/>
+            </a:solidFill>
+            <a:ln>
+              <a:solidFill>
+                <a:schemeClr val="tx1"/>
+              </a:solidFill>
+            </a:ln>
+          </p:spPr>
+          <p:style>
+            <a:lnRef idx="2">
+              <a:schemeClr val="accent1">
+                <a:shade val="50000"/>
+              </a:schemeClr>
+            </a:lnRef>
+            <a:fillRef idx="1">
+              <a:schemeClr val="accent1"/>
+            </a:fillRef>
+            <a:effectRef idx="0">
+              <a:schemeClr val="accent1"/>
+            </a:effectRef>
+            <a:fontRef idx="minor">
+              <a:schemeClr val="lt1"/>
+            </a:fontRef>
+          </p:style>
+          <p:txBody>
+            <a:bodyPr rtlCol="0" anchor="ctr"/>
+            <a:lstStyle/>
+            <a:p>
+              <a:pPr algn="ctr"/>
+              <a:endParaRPr lang="ko-KR" altLang="en-US"/>
+            </a:p>
+          </p:txBody>
+        </p:sp>
+      </p:grpSp>
+      <p:pic>
+        <p:nvPicPr>
+          <p:cNvPr id="18" name="그림 17">
+            <a:extLst>
+              <a:ext uri="{FF2B5EF4-FFF2-40B4-BE49-F238E27FC236}">
+                <a16:creationId xmlns:a16="http://schemas.microsoft.com/office/drawing/2014/main" id="{E27E8CA0-F34D-42C4-BB47-DBA279227C80}"/>
+              </a:ext>
+            </a:extLst>
+          </p:cNvPr>
+          <p:cNvPicPr>
+            <a:picLocks noChangeAspect="1"/>
+          </p:cNvPicPr>
+          <p:nvPr/>
+        </p:nvPicPr>
+        <p:blipFill rotWithShape="1">
+          <a:blip r:embed="rId2"/>
+          <a:srcRect l="48567"/>
+          <a:stretch/>
+        </p:blipFill>
+        <p:spPr>
+          <a:xfrm>
+            <a:off x="2465313" y="1161814"/>
+            <a:ext cx="200682" cy="1109568"/>
+          </a:xfrm>
+          <a:prstGeom prst="rect">
+            <a:avLst/>
+          </a:prstGeom>
+        </p:spPr>
+      </p:pic>
+      <p:pic>
+        <p:nvPicPr>
+          <p:cNvPr id="19" name="그림 18">
+            <a:extLst>
+              <a:ext uri="{FF2B5EF4-FFF2-40B4-BE49-F238E27FC236}">
+                <a16:creationId xmlns:a16="http://schemas.microsoft.com/office/drawing/2014/main" id="{24006D4A-C03A-41B7-88E7-D5EBA83F392E}"/>
+              </a:ext>
+            </a:extLst>
+          </p:cNvPr>
+          <p:cNvPicPr>
+            <a:picLocks noChangeAspect="1"/>
+          </p:cNvPicPr>
+          <p:nvPr/>
+        </p:nvPicPr>
+        <p:blipFill rotWithShape="1">
+          <a:blip r:embed="rId2"/>
+          <a:srcRect l="48567"/>
+          <a:stretch/>
+        </p:blipFill>
+        <p:spPr>
+          <a:xfrm rot="10800000">
+            <a:off x="8987709" y="1161814"/>
+            <a:ext cx="200682" cy="1109568"/>
+          </a:xfrm>
+          <a:prstGeom prst="rect">
+            <a:avLst/>
+          </a:prstGeom>
+        </p:spPr>
+      </p:pic>
+      <p:pic>
+        <p:nvPicPr>
+          <p:cNvPr id="20" name="그림 19">
+            <a:extLst>
+              <a:ext uri="{FF2B5EF4-FFF2-40B4-BE49-F238E27FC236}">
+                <a16:creationId xmlns:a16="http://schemas.microsoft.com/office/drawing/2014/main" id="{4A05EEBF-4B45-4957-A237-D9B6E8F713DC}"/>
+              </a:ext>
+            </a:extLst>
+          </p:cNvPr>
+          <p:cNvPicPr>
+            <a:picLocks noChangeAspect="1"/>
+          </p:cNvPicPr>
+          <p:nvPr/>
+        </p:nvPicPr>
+        <p:blipFill rotWithShape="1">
+          <a:blip r:embed="rId2"/>
+          <a:srcRect l="48567"/>
+          <a:stretch/>
+        </p:blipFill>
+        <p:spPr>
+          <a:xfrm rot="10800000">
+            <a:off x="8597577" y="3863069"/>
+            <a:ext cx="200682" cy="1109568"/>
+          </a:xfrm>
+          <a:prstGeom prst="rect">
+            <a:avLst/>
+          </a:prstGeom>
+        </p:spPr>
+      </p:pic>
+      <p:sp>
+        <p:nvSpPr>
+          <p:cNvPr id="25" name="부분 원형 24">
+            <a:extLst>
+              <a:ext uri="{FF2B5EF4-FFF2-40B4-BE49-F238E27FC236}">
+                <a16:creationId xmlns:a16="http://schemas.microsoft.com/office/drawing/2014/main" id="{56DD9C64-BC14-429F-A0BF-F7DFBE5DBEC4}"/>
+              </a:ext>
+            </a:extLst>
+          </p:cNvPr>
+          <p:cNvSpPr/>
+          <p:nvPr/>
+        </p:nvSpPr>
+        <p:spPr>
+          <a:xfrm>
+            <a:off x="1843799" y="2887055"/>
+            <a:ext cx="1231148" cy="1231148"/>
+          </a:xfrm>
+          <a:prstGeom prst="pie">
+            <a:avLst>
+              <a:gd name="adj1" fmla="val 0"/>
+              <a:gd name="adj2" fmla="val 5382094"/>
+            </a:avLst>
+          </a:prstGeom>
+          <a:solidFill>
+            <a:srgbClr val="6699FF"/>
+          </a:solidFill>
+          <a:ln>
+            <a:solidFill>
+              <a:schemeClr val="tx1"/>
+            </a:solidFill>
+          </a:ln>
+        </p:spPr>
+        <p:style>
+          <a:lnRef idx="2">
+            <a:schemeClr val="accent1">
+              <a:shade val="50000"/>
+            </a:schemeClr>
+          </a:lnRef>
+          <a:fillRef idx="1">
+            <a:schemeClr val="accent1"/>
+          </a:fillRef>
+          <a:effectRef idx="0">
+            <a:schemeClr val="accent1"/>
+          </a:effectRef>
+          <a:fontRef idx="minor">
+            <a:schemeClr val="lt1"/>
+          </a:fontRef>
+        </p:style>
+        <p:txBody>
+          <a:bodyPr rtlCol="0" anchor="ctr"/>
+          <a:lstStyle/>
+          <a:p>
+            <a:pPr algn="ctr"/>
+            <a:endParaRPr lang="ko-KR" altLang="en-US">
+              <a:solidFill>
+                <a:schemeClr val="tx1"/>
+              </a:solidFill>
+            </a:endParaRPr>
+          </a:p>
+        </p:txBody>
+      </p:sp>
+    </p:spTree>
+    <p:extLst>
+      <p:ext uri="{BB962C8B-B14F-4D97-AF65-F5344CB8AC3E}">
+        <p14:creationId xmlns:p14="http://schemas.microsoft.com/office/powerpoint/2010/main" val="3785871057"/>
+      </p:ext>
+    </p:extLst>
+  </p:cSld>
+  <p:clrMapOvr>
+    <a:masterClrMapping/>
+  </p:clrMapOvr>
+</p:sld>
+</file>
+
+<file path=ppt/slides/slide8.xml><?xml version="1.0" encoding="utf-8"?>
+<p:sld xmlns:a="http://schemas.openxmlformats.org/drawingml/2006/main" xmlns:r="http://schemas.openxmlformats.org/officeDocument/2006/relationships" xmlns:p="http://schemas.openxmlformats.org/presentationml/2006/main">
+  <p:cSld>
+    <p:spTree>
+      <p:nvGrpSpPr>
+        <p:cNvPr id="1" name=""/>
+        <p:cNvGrpSpPr/>
+        <p:nvPr/>
+      </p:nvGrpSpPr>
+      <p:grpSpPr>
+        <a:xfrm>
+          <a:off x="0" y="0"/>
+          <a:ext cx="0" cy="0"/>
+          <a:chOff x="0" y="0"/>
+          <a:chExt cx="0" cy="0"/>
+        </a:xfrm>
+      </p:grpSpPr>
+      <p:grpSp>
+        <p:nvGrpSpPr>
+          <p:cNvPr id="9" name="그룹 8">
+            <a:extLst>
+              <a:ext uri="{FF2B5EF4-FFF2-40B4-BE49-F238E27FC236}">
+                <a16:creationId xmlns:a16="http://schemas.microsoft.com/office/drawing/2014/main" id="{65CB86F7-3A13-4EA9-8891-AB3BADFB55C1}"/>
+              </a:ext>
+            </a:extLst>
+          </p:cNvPr>
+          <p:cNvGrpSpPr/>
+          <p:nvPr/>
+        </p:nvGrpSpPr>
+        <p:grpSpPr>
+          <a:xfrm>
+            <a:off x="1795128" y="719665"/>
+            <a:ext cx="8128000" cy="5418667"/>
+            <a:chOff x="1795128" y="719665"/>
+            <a:chExt cx="8128000" cy="5418667"/>
+          </a:xfrm>
+        </p:grpSpPr>
+        <p:pic>
+          <p:nvPicPr>
+            <p:cNvPr id="4" name="Picture 2" descr="루프, 무한 무료 아이콘 의 Neu Interface">
+              <a:extLst>
+                <a:ext uri="{FF2B5EF4-FFF2-40B4-BE49-F238E27FC236}">
+                  <a16:creationId xmlns:a16="http://schemas.microsoft.com/office/drawing/2014/main" id="{D6B674CE-3539-4EF6-A92F-E0A422FA9B4F}"/>
+                </a:ext>
+              </a:extLst>
+            </p:cNvPr>
+            <p:cNvPicPr>
+              <a:picLocks noChangeAspect="1" noChangeArrowheads="1"/>
+            </p:cNvPicPr>
+            <p:nvPr/>
+          </p:nvPicPr>
+          <p:blipFill>
+            <a:blip r:embed="rId2">
+              <a:clrChange>
+                <a:clrFrom>
+                  <a:srgbClr val="FFFFFF"/>
+                </a:clrFrom>
+                <a:clrTo>
+                  <a:srgbClr val="FFFFFF">
+                    <a:alpha val="0"/>
+                  </a:srgbClr>
+                </a:clrTo>
+              </a:clrChange>
+              <a:duotone>
+                <a:schemeClr val="accent2">
+                  <a:shade val="45000"/>
+                  <a:satMod val="135000"/>
+                </a:schemeClr>
+                <a:prstClr val="white"/>
+              </a:duotone>
+              <a:extLst>
+                <a:ext uri="{28A0092B-C50C-407E-A947-70E740481C1C}">
+                  <a14:useLocalDpi xmlns:a14="http://schemas.microsoft.com/office/drawing/2010/main" val="0"/>
+                </a:ext>
+              </a:extLst>
+            </a:blip>
+            <a:srcRect/>
+            <a:stretch>
+              <a:fillRect/>
+            </a:stretch>
+          </p:blipFill>
+          <p:spPr bwMode="auto">
+            <a:xfrm>
+              <a:off x="4787566" y="2357437"/>
+              <a:ext cx="2143125" cy="2143125"/>
+            </a:xfrm>
+            <a:prstGeom prst="rect">
+              <a:avLst/>
+            </a:prstGeom>
+            <a:noFill/>
+            <a:extLst>
+              <a:ext uri="{909E8E84-426E-40DD-AFC4-6F175D3DCCD1}">
+                <a14:hiddenFill xmlns:a14="http://schemas.microsoft.com/office/drawing/2010/main">
+                  <a:solidFill>
+                    <a:srgbClr val="FFFFFF"/>
+                  </a:solidFill>
+                </a14:hiddenFill>
+              </a:ext>
+            </a:extLst>
+          </p:spPr>
+        </p:pic>
+        <p:graphicFrame>
+          <p:nvGraphicFramePr>
+            <p:cNvPr id="8" name="다이어그램 7">
+              <a:extLst>
+                <a:ext uri="{FF2B5EF4-FFF2-40B4-BE49-F238E27FC236}">
+                  <a16:creationId xmlns:a16="http://schemas.microsoft.com/office/drawing/2014/main" id="{34172EB0-4EDB-429A-9696-A0AEA0C5EB34}"/>
+                </a:ext>
+              </a:extLst>
+            </p:cNvPr>
+            <p:cNvGraphicFramePr/>
+            <p:nvPr>
+              <p:extLst>
+                <p:ext uri="{D42A27DB-BD31-4B8C-83A1-F6EECF244321}">
+                  <p14:modId xmlns:p14="http://schemas.microsoft.com/office/powerpoint/2010/main" val="1425792785"/>
+                </p:ext>
+              </p:extLst>
+            </p:nvPr>
+          </p:nvGraphicFramePr>
+          <p:xfrm>
+            <a:off x="1795128" y="719665"/>
+            <a:ext cx="8128000" cy="5418667"/>
+          </p:xfrm>
+          <a:graphic>
+            <a:graphicData uri="http://schemas.openxmlformats.org/drawingml/2006/diagram">
+              <dgm:relIds xmlns:dgm="http://schemas.openxmlformats.org/drawingml/2006/diagram" xmlns:r="http://schemas.openxmlformats.org/officeDocument/2006/relationships" r:dm="rId3" r:lo="rId4" r:qs="rId5" r:cs="rId6"/>
+            </a:graphicData>
+          </a:graphic>
+        </p:graphicFrame>
+      </p:grpSp>
+    </p:spTree>
+    <p:extLst>
+      <p:ext uri="{BB962C8B-B14F-4D97-AF65-F5344CB8AC3E}">
+        <p14:creationId xmlns:p14="http://schemas.microsoft.com/office/powerpoint/2010/main" val="3554067655"/>
+      </p:ext>
+    </p:extLst>
+  </p:cSld>
+  <p:clrMapOvr>
+    <a:masterClrMapping/>
+  </p:clrMapOvr>
+</p:sld>
+</file>
+
+<file path=ppt/slides/slide9.xml><?xml version="1.0" encoding="utf-8"?>
+<p:sld xmlns:a="http://schemas.openxmlformats.org/drawingml/2006/main" xmlns:r="http://schemas.openxmlformats.org/officeDocument/2006/relationships" xmlns:p="http://schemas.openxmlformats.org/presentationml/2006/main">
+  <p:cSld>
+    <p:spTree>
+      <p:nvGrpSpPr>
+        <p:cNvPr id="1" name=""/>
+        <p:cNvGrpSpPr/>
+        <p:nvPr/>
+      </p:nvGrpSpPr>
+      <p:grpSpPr>
+        <a:xfrm>
+          <a:off x="0" y="0"/>
+          <a:ext cx="0" cy="0"/>
+          <a:chOff x="0" y="0"/>
+          <a:chExt cx="0" cy="0"/>
+        </a:xfrm>
+      </p:grpSpPr>
+      <p:sp>
+        <p:nvSpPr>
+          <p:cNvPr id="7" name="TextBox 6">
+            <a:extLst>
+              <a:ext uri="{FF2B5EF4-FFF2-40B4-BE49-F238E27FC236}">
+                <a16:creationId xmlns:a16="http://schemas.microsoft.com/office/drawing/2014/main" id="{E0F65636-5DC5-4FFE-9878-65A274FB3605}"/>
               </a:ext>
             </a:extLst>
           </p:cNvPr>
@@ -12200,8 +17586,8 @@
         </p:nvSpPr>
         <p:spPr>
           <a:xfrm>
-            <a:off x="11627223" y="6412566"/>
-            <a:ext cx="564777" cy="369332"/>
+            <a:off x="1427876" y="591330"/>
+            <a:ext cx="7639924" cy="3416320"/>
           </a:xfrm>
           <a:prstGeom prst="rect">
             <a:avLst/>
@@ -12209,423 +17595,167 @@
           <a:noFill/>
         </p:spPr>
         <p:txBody>
-          <a:bodyPr wrap="square" rtlCol="0">
+          <a:bodyPr wrap="square">
             <a:spAutoFit/>
           </a:bodyPr>
           <a:lstStyle/>
           <a:p>
             <a:r>
-              <a:rPr lang="en-US" altLang="ko-KR" dirty="0">
-                <a:latin typeface="Eras Bold ITC" panose="020B0907030504020204" pitchFamily="34" charset="0"/>
-              </a:rPr>
-              <a:t>p2</a:t>
+              <a:rPr lang="en-US" altLang="ko-KR" dirty="0"/>
+              <a:t>0. </a:t>
             </a:r>
             <a:r>
               <a:rPr lang="ko-KR" altLang="en-US" dirty="0"/>
-              <a:t> </a:t>
-            </a:r>
-          </a:p>
-        </p:txBody>
-      </p:sp>
-      <p:sp>
-        <p:nvSpPr>
-          <p:cNvPr id="5" name="TextBox 4">
-            <a:extLst>
-              <a:ext uri="{FF2B5EF4-FFF2-40B4-BE49-F238E27FC236}">
-                <a16:creationId xmlns:a16="http://schemas.microsoft.com/office/drawing/2014/main" id="{BEC16DE9-AC68-4C24-8494-4EEFE6451F8F}"/>
-              </a:ext>
-            </a:extLst>
-          </p:cNvPr>
-          <p:cNvSpPr txBox="1"/>
-          <p:nvPr/>
-        </p:nvSpPr>
-        <p:spPr>
-          <a:xfrm>
-            <a:off x="463177" y="260768"/>
-            <a:ext cx="9858789" cy="1200329"/>
-          </a:xfrm>
-          <a:prstGeom prst="rect">
-            <a:avLst/>
-          </a:prstGeom>
-          <a:noFill/>
-        </p:spPr>
-        <p:txBody>
-          <a:bodyPr wrap="none" rtlCol="0">
-            <a:spAutoFit/>
-          </a:bodyPr>
-          <a:lstStyle/>
-          <a:p>
-            <a:r>
-              <a:rPr lang="en-US" altLang="ko-KR" sz="3200" b="1" dirty="0" err="1">
-                <a:latin typeface="Eras Bold ITC" panose="020B0907030504020204" pitchFamily="34" charset="0"/>
-              </a:rPr>
-              <a:t>Project_TheBalls</a:t>
+              <a:t>주체 선택 </a:t>
             </a:r>
             <a:r>
-              <a:rPr lang="ko-KR" altLang="en-US" sz="3200" b="1" dirty="0"/>
-              <a:t>란</a:t>
+              <a:rPr lang="en-US" altLang="ko-KR" dirty="0"/>
+              <a:t>- </a:t>
             </a:r>
             <a:r>
-              <a:rPr lang="en-US" altLang="ko-KR" sz="3200" b="1" dirty="0"/>
-              <a:t>?</a:t>
+              <a:rPr lang="ko-KR" altLang="en-US" dirty="0"/>
+              <a:t>주체가 될 공이 있는 셀을 선택하며</a:t>
             </a:r>
+            <a:r>
+              <a:rPr lang="en-US" altLang="ko-KR" dirty="0"/>
+              <a:t>, </a:t>
+            </a:r>
+            <a:r>
+              <a:rPr lang="ko-KR" altLang="en-US" dirty="0"/>
+              <a:t>주체가 속한 셀은 </a:t>
+            </a:r>
+            <a:endParaRPr lang="en-US" altLang="ko-KR" dirty="0"/>
           </a:p>
           <a:p>
             <a:r>
-              <a:rPr lang="ko-KR" altLang="en-US" sz="2000" b="1" dirty="0">
-                <a:solidFill>
-                  <a:srgbClr val="FF3300"/>
-                </a:solidFill>
-              </a:rPr>
-              <a:t>조작을 공유하는 </a:t>
+              <a:rPr lang="en-US" altLang="ko-KR" dirty="0"/>
+              <a:t>    </a:t>
             </a:r>
             <a:r>
-              <a:rPr lang="ko-KR" altLang="en-US" sz="2000" b="1" dirty="0"/>
-              <a:t>여러 개의 공을 올바른 탈출구에 도착하게 만드는 퍼즐 게임입니다</a:t>
+              <a:rPr lang="ko-KR" altLang="en-US" dirty="0"/>
+              <a:t>중력의 방향은 모든 셀의 중력의 방향을 좌지우지 합니다</a:t>
             </a:r>
             <a:r>
-              <a:rPr lang="en-US" altLang="ko-KR" sz="2000" b="1" dirty="0"/>
+              <a:rPr lang="en-US" altLang="ko-KR" dirty="0"/>
               <a:t>.</a:t>
             </a:r>
           </a:p>
           <a:p>
+            <a:endParaRPr lang="en-US" altLang="ko-KR" dirty="0"/>
+          </a:p>
+          <a:p>
+            <a:pPr marL="342900" indent="-342900">
+              <a:buAutoNum type="arabicPeriod"/>
+            </a:pPr>
             <a:r>
-              <a:rPr lang="ko-KR" altLang="en-US" sz="2000" b="1" dirty="0"/>
-              <a:t>플레이어는 여러 번의 시도 끝에 </a:t>
+              <a:rPr lang="ko-KR" altLang="en-US" dirty="0"/>
+              <a:t>목적지 설정 </a:t>
             </a:r>
             <a:r>
-              <a:rPr lang="ko-KR" altLang="en-US" sz="2000" b="1" dirty="0">
-                <a:solidFill>
-                  <a:srgbClr val="FF3300"/>
-                </a:solidFill>
-              </a:rPr>
-              <a:t>적절한 조작을 찾아 </a:t>
+              <a:rPr lang="en-US" altLang="ko-KR" dirty="0"/>
+              <a:t>- </a:t>
             </a:r>
             <a:r>
-              <a:rPr lang="ko-KR" altLang="en-US" sz="2000" b="1" dirty="0"/>
-              <a:t>퍼즐을 풀어야 합니다</a:t>
+              <a:rPr lang="ko-KR" altLang="en-US" dirty="0"/>
+              <a:t>주체가 포함 된 셀에서 주체와 다른 공들의 목적지를 지정한다</a:t>
             </a:r>
             <a:r>
-              <a:rPr lang="en-US" altLang="ko-KR" sz="2000" b="1" dirty="0"/>
+              <a:rPr lang="en-US" altLang="ko-KR" dirty="0"/>
               <a:t>.</a:t>
             </a:r>
-            <a:endParaRPr lang="ko-KR" altLang="en-US" sz="2000" b="1" dirty="0"/>
+          </a:p>
+          <a:p>
+            <a:pPr marL="342900" indent="-342900">
+              <a:buAutoNum type="arabicPeriod"/>
+            </a:pPr>
+            <a:endParaRPr lang="en-US" altLang="ko-KR" dirty="0"/>
+          </a:p>
+          <a:p>
+            <a:pPr marL="342900" indent="-342900">
+              <a:buAutoNum type="arabicPeriod"/>
+            </a:pPr>
+            <a:r>
+              <a:rPr lang="ko-KR" altLang="en-US" dirty="0"/>
+              <a:t>중력장 설정</a:t>
+            </a:r>
+            <a:r>
+              <a:rPr lang="en-US" altLang="ko-KR" dirty="0"/>
+              <a:t> – </a:t>
+            </a:r>
+            <a:r>
+              <a:rPr lang="ko-KR" altLang="en-US" dirty="0"/>
+              <a:t>공들이 움직일 방향을 바꿔주는 중력장을 최대 </a:t>
+            </a:r>
+            <a:r>
+              <a:rPr lang="en-US" altLang="ko-KR" dirty="0"/>
+              <a:t>n</a:t>
+            </a:r>
+            <a:r>
+              <a:rPr lang="ko-KR" altLang="en-US" dirty="0"/>
+              <a:t>개 설치합니다</a:t>
+            </a:r>
+            <a:r>
+              <a:rPr lang="en-US" altLang="ko-KR" dirty="0"/>
+              <a:t>.</a:t>
+            </a:r>
+          </a:p>
+          <a:p>
+            <a:pPr marL="342900" indent="-342900">
+              <a:buAutoNum type="arabicPeriod"/>
+            </a:pPr>
+            <a:endParaRPr lang="en-US" altLang="ko-KR" dirty="0"/>
+          </a:p>
+          <a:p>
+            <a:pPr marL="342900" indent="-342900">
+              <a:buAutoNum type="arabicPeriod"/>
+            </a:pPr>
+            <a:r>
+              <a:rPr lang="ko-KR" altLang="en-US" dirty="0"/>
+              <a:t>파티 볼 이동 </a:t>
+            </a:r>
+            <a:r>
+              <a:rPr lang="en-US" altLang="ko-KR" dirty="0"/>
+              <a:t>– </a:t>
+            </a:r>
+            <a:r>
+              <a:rPr lang="ko-KR" altLang="en-US" dirty="0"/>
+              <a:t>공들이 움직입니다</a:t>
+            </a:r>
+            <a:r>
+              <a:rPr lang="en-US" altLang="ko-KR" dirty="0"/>
+              <a:t>.</a:t>
+            </a:r>
+          </a:p>
+          <a:p>
+            <a:pPr marL="342900" indent="-342900">
+              <a:buAutoNum type="arabicPeriod"/>
+            </a:pPr>
+            <a:endParaRPr lang="en-US" altLang="ko-KR" dirty="0"/>
+          </a:p>
+          <a:p>
+            <a:pPr marL="342900" indent="-342900">
+              <a:buAutoNum type="arabicPeriod"/>
+            </a:pPr>
+            <a:r>
+              <a:rPr lang="ko-KR" altLang="en-US" dirty="0"/>
+              <a:t>중력장 재생성 </a:t>
+            </a:r>
+            <a:r>
+              <a:rPr lang="en-US" altLang="ko-KR" dirty="0"/>
+              <a:t>– </a:t>
+            </a:r>
+            <a:r>
+              <a:rPr lang="ko-KR" altLang="en-US" dirty="0"/>
+              <a:t>재생성 가능</a:t>
+            </a:r>
+            <a:endParaRPr lang="en-US" altLang="ko-KR" dirty="0"/>
           </a:p>
         </p:txBody>
       </p:sp>
-      <p:pic>
-        <p:nvPicPr>
-          <p:cNvPr id="12" name="그림 11">
-            <a:extLst>
-              <a:ext uri="{FF2B5EF4-FFF2-40B4-BE49-F238E27FC236}">
-                <a16:creationId xmlns:a16="http://schemas.microsoft.com/office/drawing/2014/main" id="{51A25B53-BCCC-41B4-B415-15BDB83C59EE}"/>
-              </a:ext>
-            </a:extLst>
-          </p:cNvPr>
-          <p:cNvPicPr>
-            <a:picLocks noChangeAspect="1"/>
-          </p:cNvPicPr>
-          <p:nvPr/>
-        </p:nvPicPr>
-        <p:blipFill>
-          <a:blip r:embed="rId2"/>
-          <a:stretch>
-            <a:fillRect/>
-          </a:stretch>
-        </p:blipFill>
-        <p:spPr>
-          <a:xfrm>
-            <a:off x="227012" y="5081987"/>
-            <a:ext cx="7663336" cy="1591194"/>
-          </a:xfrm>
-          <a:prstGeom prst="rect">
-            <a:avLst/>
-          </a:prstGeom>
-        </p:spPr>
-      </p:pic>
-      <p:grpSp>
-        <p:nvGrpSpPr>
-          <p:cNvPr id="6" name="그룹 5">
-            <a:extLst>
-              <a:ext uri="{FF2B5EF4-FFF2-40B4-BE49-F238E27FC236}">
-                <a16:creationId xmlns:a16="http://schemas.microsoft.com/office/drawing/2014/main" id="{52C72FBD-6E87-44BA-BAA8-68E619E8E9C9}"/>
-              </a:ext>
-            </a:extLst>
-          </p:cNvPr>
-          <p:cNvGrpSpPr/>
-          <p:nvPr/>
-        </p:nvGrpSpPr>
-        <p:grpSpPr>
-          <a:xfrm>
-            <a:off x="173222" y="1692610"/>
-            <a:ext cx="11845555" cy="3335589"/>
-            <a:chOff x="173222" y="1692610"/>
-            <a:chExt cx="11845555" cy="3335589"/>
-          </a:xfrm>
-        </p:grpSpPr>
-        <p:sp>
-          <p:nvSpPr>
-            <p:cNvPr id="8" name="TextBox 7">
-              <a:extLst>
-                <a:ext uri="{FF2B5EF4-FFF2-40B4-BE49-F238E27FC236}">
-                  <a16:creationId xmlns:a16="http://schemas.microsoft.com/office/drawing/2014/main" id="{BA5DC3D1-E449-4369-8361-6484D9062500}"/>
-                </a:ext>
-              </a:extLst>
-            </p:cNvPr>
-            <p:cNvSpPr txBox="1"/>
-            <p:nvPr/>
-          </p:nvSpPr>
-          <p:spPr>
-            <a:xfrm>
-              <a:off x="597648" y="4197204"/>
-              <a:ext cx="1634564" cy="584775"/>
-            </a:xfrm>
-            <a:prstGeom prst="rect">
-              <a:avLst/>
-            </a:prstGeom>
-            <a:noFill/>
-          </p:spPr>
-          <p:txBody>
-            <a:bodyPr wrap="square">
-              <a:spAutoFit/>
-            </a:bodyPr>
-            <a:lstStyle/>
-            <a:p>
-              <a:pPr algn="ctr"/>
-              <a:r>
-                <a:rPr lang="ko-KR" altLang="en-US" sz="1600" dirty="0"/>
-                <a:t>주체가 되는 맵을 선택합니다</a:t>
-              </a:r>
-              <a:r>
-                <a:rPr lang="en-US" altLang="ko-KR" sz="1600" dirty="0"/>
-                <a:t>.</a:t>
-              </a:r>
-              <a:endParaRPr lang="ko-KR" altLang="en-US" sz="1600" dirty="0"/>
-            </a:p>
-          </p:txBody>
-        </p:sp>
-        <p:sp>
-          <p:nvSpPr>
-            <p:cNvPr id="9" name="TextBox 8">
-              <a:extLst>
-                <a:ext uri="{FF2B5EF4-FFF2-40B4-BE49-F238E27FC236}">
-                  <a16:creationId xmlns:a16="http://schemas.microsoft.com/office/drawing/2014/main" id="{95FDDE2F-6091-42C6-AA7F-53BDB61BCF4D}"/>
-                </a:ext>
-              </a:extLst>
-            </p:cNvPr>
-            <p:cNvSpPr txBox="1"/>
-            <p:nvPr/>
-          </p:nvSpPr>
-          <p:spPr>
-            <a:xfrm>
-              <a:off x="3758007" y="4197202"/>
-              <a:ext cx="1634564" cy="584775"/>
-            </a:xfrm>
-            <a:prstGeom prst="rect">
-              <a:avLst/>
-            </a:prstGeom>
-            <a:noFill/>
-          </p:spPr>
-          <p:txBody>
-            <a:bodyPr wrap="square">
-              <a:spAutoFit/>
-            </a:bodyPr>
-            <a:lstStyle/>
-            <a:p>
-              <a:pPr algn="ctr"/>
-              <a:r>
-                <a:rPr lang="ko-KR" altLang="en-US" sz="1600" dirty="0"/>
-                <a:t>공의 목적지를 설정합니다</a:t>
-              </a:r>
-              <a:r>
-                <a:rPr lang="en-US" altLang="ko-KR" sz="1600" dirty="0"/>
-                <a:t>.</a:t>
-              </a:r>
-              <a:endParaRPr lang="ko-KR" altLang="en-US" sz="1600" dirty="0"/>
-            </a:p>
-          </p:txBody>
-        </p:sp>
-        <p:sp>
-          <p:nvSpPr>
-            <p:cNvPr id="10" name="TextBox 9">
-              <a:extLst>
-                <a:ext uri="{FF2B5EF4-FFF2-40B4-BE49-F238E27FC236}">
-                  <a16:creationId xmlns:a16="http://schemas.microsoft.com/office/drawing/2014/main" id="{CC505703-8318-4444-AD95-A4EC3D124246}"/>
-                </a:ext>
-              </a:extLst>
-            </p:cNvPr>
-            <p:cNvSpPr txBox="1"/>
-            <p:nvPr/>
-          </p:nvSpPr>
-          <p:spPr>
-            <a:xfrm>
-              <a:off x="6918366" y="4197202"/>
-              <a:ext cx="1634564" cy="830997"/>
-            </a:xfrm>
-            <a:prstGeom prst="rect">
-              <a:avLst/>
-            </a:prstGeom>
-            <a:noFill/>
-          </p:spPr>
-          <p:txBody>
-            <a:bodyPr wrap="square">
-              <a:spAutoFit/>
-            </a:bodyPr>
-            <a:lstStyle/>
-            <a:p>
-              <a:pPr algn="ctr"/>
-              <a:r>
-                <a:rPr lang="ko-KR" altLang="en-US" sz="1600" dirty="0"/>
-                <a:t>드래그를 통해 중력의 방향을 바꿉니다</a:t>
-              </a:r>
-              <a:r>
-                <a:rPr lang="en-US" altLang="ko-KR" sz="1600" dirty="0"/>
-                <a:t>.</a:t>
-              </a:r>
-              <a:r>
-                <a:rPr lang="ko-KR" altLang="en-US" sz="1600" dirty="0"/>
-                <a:t> </a:t>
-              </a:r>
-            </a:p>
-          </p:txBody>
-        </p:sp>
-        <p:sp>
-          <p:nvSpPr>
-            <p:cNvPr id="11" name="TextBox 10">
-              <a:extLst>
-                <a:ext uri="{FF2B5EF4-FFF2-40B4-BE49-F238E27FC236}">
-                  <a16:creationId xmlns:a16="http://schemas.microsoft.com/office/drawing/2014/main" id="{8ACB8E5F-1AC4-4C3E-BCEA-BABBB701A58A}"/>
-                </a:ext>
-              </a:extLst>
-            </p:cNvPr>
-            <p:cNvSpPr txBox="1"/>
-            <p:nvPr/>
-          </p:nvSpPr>
-          <p:spPr>
-            <a:xfrm>
-              <a:off x="10029118" y="4197202"/>
-              <a:ext cx="1634564" cy="584775"/>
-            </a:xfrm>
-            <a:prstGeom prst="rect">
-              <a:avLst/>
-            </a:prstGeom>
-            <a:noFill/>
-          </p:spPr>
-          <p:txBody>
-            <a:bodyPr wrap="square">
-              <a:spAutoFit/>
-            </a:bodyPr>
-            <a:lstStyle/>
-            <a:p>
-              <a:pPr algn="ctr"/>
-              <a:r>
-                <a:rPr lang="ko-KR" altLang="en-US" sz="1600" dirty="0"/>
-                <a:t>공을 탈출구로 내보냅니다</a:t>
-              </a:r>
-              <a:r>
-                <a:rPr lang="en-US" altLang="ko-KR" sz="1600" dirty="0"/>
-                <a:t>.</a:t>
-              </a:r>
-              <a:endParaRPr lang="ko-KR" altLang="en-US" sz="1600" dirty="0"/>
-            </a:p>
-          </p:txBody>
-        </p:sp>
-        <p:grpSp>
-          <p:nvGrpSpPr>
-            <p:cNvPr id="3" name="그룹 2">
-              <a:extLst>
-                <a:ext uri="{FF2B5EF4-FFF2-40B4-BE49-F238E27FC236}">
-                  <a16:creationId xmlns:a16="http://schemas.microsoft.com/office/drawing/2014/main" id="{F206D1C2-E19F-46FA-944D-25DE35763C5C}"/>
-                </a:ext>
-              </a:extLst>
-            </p:cNvPr>
-            <p:cNvGrpSpPr/>
-            <p:nvPr/>
-          </p:nvGrpSpPr>
-          <p:grpSpPr>
-            <a:xfrm>
-              <a:off x="173222" y="1692610"/>
-              <a:ext cx="11845555" cy="2450804"/>
-              <a:chOff x="173222" y="1692610"/>
-              <a:chExt cx="11845555" cy="2450804"/>
-            </a:xfrm>
-          </p:grpSpPr>
-          <p:pic>
-            <p:nvPicPr>
-              <p:cNvPr id="2" name="그림 1">
-                <a:extLst>
-                  <a:ext uri="{FF2B5EF4-FFF2-40B4-BE49-F238E27FC236}">
-                    <a16:creationId xmlns:a16="http://schemas.microsoft.com/office/drawing/2014/main" id="{5B140469-E126-4714-89AA-2EA4D95D62A2}"/>
-                  </a:ext>
-                </a:extLst>
-              </p:cNvPr>
-              <p:cNvPicPr>
-                <a:picLocks noChangeAspect="1"/>
-              </p:cNvPicPr>
-              <p:nvPr/>
-            </p:nvPicPr>
-            <p:blipFill>
-              <a:blip r:embed="rId3"/>
-              <a:stretch>
-                <a:fillRect/>
-              </a:stretch>
-            </p:blipFill>
-            <p:spPr>
-              <a:xfrm>
-                <a:off x="173222" y="1692610"/>
-                <a:ext cx="11845555" cy="2450804"/>
-              </a:xfrm>
-              <a:prstGeom prst="rect">
-                <a:avLst/>
-              </a:prstGeom>
-            </p:spPr>
-          </p:pic>
-          <p:pic>
-            <p:nvPicPr>
-              <p:cNvPr id="16" name="그림 15">
-                <a:extLst>
-                  <a:ext uri="{FF2B5EF4-FFF2-40B4-BE49-F238E27FC236}">
-                    <a16:creationId xmlns:a16="http://schemas.microsoft.com/office/drawing/2014/main" id="{1BF37144-078E-4E08-ADE7-CC7BAAE23548}"/>
-                  </a:ext>
-                </a:extLst>
-              </p:cNvPr>
-              <p:cNvPicPr>
-                <a:picLocks noChangeAspect="1"/>
-              </p:cNvPicPr>
-              <p:nvPr/>
-            </p:nvPicPr>
-            <p:blipFill>
-              <a:blip r:embed="rId4"/>
-              <a:stretch>
-                <a:fillRect/>
-              </a:stretch>
-            </p:blipFill>
-            <p:spPr>
-              <a:xfrm>
-                <a:off x="2772312" y="2677199"/>
-                <a:ext cx="6754953" cy="481626"/>
-              </a:xfrm>
-              <a:prstGeom prst="rect">
-                <a:avLst/>
-              </a:prstGeom>
-              <a:ln>
-                <a:noFill/>
-              </a:ln>
-              <a:effectLst>
-                <a:outerShdw blurRad="292100" dist="139700" dir="2700000" algn="tl" rotWithShape="0">
-                  <a:srgbClr val="333333">
-                    <a:alpha val="65000"/>
-                  </a:srgbClr>
-                </a:outerShdw>
-              </a:effectLst>
-            </p:spPr>
-          </p:pic>
-        </p:grpSp>
-      </p:grpSp>
     </p:spTree>
     <p:extLst>
       <p:ext uri="{BB962C8B-B14F-4D97-AF65-F5344CB8AC3E}">
-        <p14:creationId xmlns:p14="http://schemas.microsoft.com/office/powerpoint/2010/main" val="3483264145"/>
+        <p14:creationId xmlns:p14="http://schemas.microsoft.com/office/powerpoint/2010/main" val="1929962801"/>
       </p:ext>
     </p:extLst>
   </p:cSld>

--- a/Documents/PartyBall/Project_TheBalls.pptx
+++ b/Documents/PartyBall/Project_TheBalls.pptx
@@ -11,11 +11,12 @@
     <p:sldId id="259" r:id="rId5"/>
     <p:sldId id="261" r:id="rId6"/>
     <p:sldId id="263" r:id="rId7"/>
-    <p:sldId id="265" r:id="rId8"/>
-    <p:sldId id="266" r:id="rId9"/>
-    <p:sldId id="264" r:id="rId10"/>
-    <p:sldId id="267" r:id="rId11"/>
-    <p:sldId id="257" r:id="rId12"/>
+    <p:sldId id="268" r:id="rId8"/>
+    <p:sldId id="265" r:id="rId9"/>
+    <p:sldId id="266" r:id="rId10"/>
+    <p:sldId id="264" r:id="rId11"/>
+    <p:sldId id="267" r:id="rId12"/>
+    <p:sldId id="257" r:id="rId13"/>
   </p:sldIdLst>
   <p:sldSz cx="12192000" cy="6858000"/>
   <p:notesSz cx="6858000" cy="9144000"/>
@@ -125,7 +126,7 @@
 <file path=ppt/revisionInfo.xml><?xml version="1.0" encoding="utf-8"?>
 <p1510:revInfo xmlns:a="http://schemas.openxmlformats.org/drawingml/2006/main" xmlns:r="http://schemas.openxmlformats.org/officeDocument/2006/relationships" xmlns:p1510="http://schemas.microsoft.com/office/powerpoint/2015/10/main">
   <p1510:revLst>
-    <p1510:client id="{A99FF4A5-BC7F-4010-AC4C-1C661166150A}" v="162" dt="2021-10-30T13:46:08.860"/>
+    <p1510:client id="{B153C180-B5F0-495B-91C2-8E02C97DFEE5}" v="36" dt="2021-11-03T15:53:02.216"/>
   </p1510:revLst>
 </p1510:revInfo>
 </file>
@@ -824,7 +825,7 @@
   <pc:docChgLst>
     <pc:chgData name="남 상현" userId="03ad4a8e8f7310f3" providerId="LiveId" clId="{B153C180-B5F0-495B-91C2-8E02C97DFEE5}"/>
     <pc:docChg chg="undo redo custSel addSld delSld modSld sldOrd modMainMaster">
-      <pc:chgData name="남 상현" userId="03ad4a8e8f7310f3" providerId="LiveId" clId="{B153C180-B5F0-495B-91C2-8E02C97DFEE5}" dt="2021-10-27T09:01:33.181" v="7530" actId="164"/>
+      <pc:chgData name="남 상현" userId="03ad4a8e8f7310f3" providerId="LiveId" clId="{B153C180-B5F0-495B-91C2-8E02C97DFEE5}" dt="2021-11-03T15:53:02.216" v="8185" actId="164"/>
       <pc:docMkLst>
         <pc:docMk/>
       </pc:docMkLst>
@@ -1138,11 +1139,19 @@
         </pc:picChg>
       </pc:sldChg>
       <pc:sldChg chg="addSp delSp modSp mod setBg">
-        <pc:chgData name="남 상현" userId="03ad4a8e8f7310f3" providerId="LiveId" clId="{B153C180-B5F0-495B-91C2-8E02C97DFEE5}" dt="2021-10-27T08:13:16.014" v="7210" actId="1076"/>
+        <pc:chgData name="남 상현" userId="03ad4a8e8f7310f3" providerId="LiveId" clId="{B153C180-B5F0-495B-91C2-8E02C97DFEE5}" dt="2021-11-03T15:25:06.299" v="7590" actId="403"/>
         <pc:sldMkLst>
           <pc:docMk/>
           <pc:sldMk cId="2990180351" sldId="258"/>
         </pc:sldMkLst>
+        <pc:spChg chg="add mod">
+          <ac:chgData name="남 상현" userId="03ad4a8e8f7310f3" providerId="LiveId" clId="{B153C180-B5F0-495B-91C2-8E02C97DFEE5}" dt="2021-11-03T15:25:06.299" v="7590" actId="403"/>
+          <ac:spMkLst>
+            <pc:docMk/>
+            <pc:sldMk cId="2990180351" sldId="258"/>
+            <ac:spMk id="2" creationId="{11828C15-1DD8-4B5B-A9E0-C05202E5B710}"/>
+          </ac:spMkLst>
+        </pc:spChg>
         <pc:spChg chg="add del mod">
           <ac:chgData name="남 상현" userId="03ad4a8e8f7310f3" providerId="LiveId" clId="{B153C180-B5F0-495B-91C2-8E02C97DFEE5}" dt="2021-10-17T23:57:47.745" v="77" actId="478"/>
           <ac:spMkLst>
@@ -1360,7 +1369,7 @@
           </ac:picMkLst>
         </pc:picChg>
         <pc:picChg chg="add mod">
-          <ac:chgData name="남 상현" userId="03ad4a8e8f7310f3" providerId="LiveId" clId="{B153C180-B5F0-495B-91C2-8E02C97DFEE5}" dt="2021-10-27T08:13:16.014" v="7210" actId="1076"/>
+          <ac:chgData name="남 상현" userId="03ad4a8e8f7310f3" providerId="LiveId" clId="{B153C180-B5F0-495B-91C2-8E02C97DFEE5}" dt="2021-11-03T15:20:47.235" v="7582" actId="1076"/>
           <ac:picMkLst>
             <pc:docMk/>
             <pc:sldMk cId="2990180351" sldId="258"/>
@@ -2159,7 +2168,7 @@
         </pc:picChg>
       </pc:sldChg>
       <pc:sldChg chg="addSp delSp modSp add mod">
-        <pc:chgData name="남 상현" userId="03ad4a8e8f7310f3" providerId="LiveId" clId="{B153C180-B5F0-495B-91C2-8E02C97DFEE5}" dt="2021-10-27T08:38:17.551" v="7237" actId="21"/>
+        <pc:chgData name="남 상현" userId="03ad4a8e8f7310f3" providerId="LiveId" clId="{B153C180-B5F0-495B-91C2-8E02C97DFEE5}" dt="2021-11-03T15:16:32.982" v="7536" actId="1076"/>
         <pc:sldMkLst>
           <pc:docMk/>
           <pc:sldMk cId="1164592833" sldId="261"/>
@@ -2453,7 +2462,7 @@
           </ac:picMkLst>
         </pc:picChg>
         <pc:picChg chg="add mod">
-          <ac:chgData name="남 상현" userId="03ad4a8e8f7310f3" providerId="LiveId" clId="{B153C180-B5F0-495B-91C2-8E02C97DFEE5}" dt="2021-10-27T07:51:57.961" v="6913" actId="1076"/>
+          <ac:chgData name="남 상현" userId="03ad4a8e8f7310f3" providerId="LiveId" clId="{B153C180-B5F0-495B-91C2-8E02C97DFEE5}" dt="2021-11-03T15:16:32.982" v="7536" actId="1076"/>
           <ac:picMkLst>
             <pc:docMk/>
             <pc:sldMk cId="1164592833" sldId="261"/>
@@ -3441,8 +3450,8 @@
           </ac:picMkLst>
         </pc:picChg>
       </pc:sldChg>
-      <pc:sldChg chg="addSp delSp modSp new mod">
-        <pc:chgData name="남 상현" userId="03ad4a8e8f7310f3" providerId="LiveId" clId="{B153C180-B5F0-495B-91C2-8E02C97DFEE5}" dt="2021-10-27T09:01:33.181" v="7530" actId="164"/>
+      <pc:sldChg chg="addSp delSp modSp new mod ord">
+        <pc:chgData name="남 상현" userId="03ad4a8e8f7310f3" providerId="LiveId" clId="{B153C180-B5F0-495B-91C2-8E02C97DFEE5}" dt="2021-11-03T15:16:25.036" v="7534"/>
         <pc:sldMkLst>
           <pc:docMk/>
           <pc:sldMk cId="4055690299" sldId="263"/>
@@ -3575,6 +3584,61 @@
             <ac:picMk id="1032" creationId="{C9194260-6BFA-40A7-8E12-69EAA941634D}"/>
           </ac:picMkLst>
         </pc:picChg>
+      </pc:sldChg>
+      <pc:sldChg chg="addSp delSp modSp new mod setBg">
+        <pc:chgData name="남 상현" userId="03ad4a8e8f7310f3" providerId="LiveId" clId="{B153C180-B5F0-495B-91C2-8E02C97DFEE5}" dt="2021-11-03T15:53:02.216" v="8185" actId="164"/>
+        <pc:sldMkLst>
+          <pc:docMk/>
+          <pc:sldMk cId="2987807932" sldId="268"/>
+        </pc:sldMkLst>
+        <pc:spChg chg="del">
+          <ac:chgData name="남 상현" userId="03ad4a8e8f7310f3" providerId="LiveId" clId="{B153C180-B5F0-495B-91C2-8E02C97DFEE5}" dt="2021-11-03T15:29:18.805" v="7592" actId="478"/>
+          <ac:spMkLst>
+            <pc:docMk/>
+            <pc:sldMk cId="2987807932" sldId="268"/>
+            <ac:spMk id="2" creationId="{FC2B9F1F-BB90-4FE5-8BD9-AA0CB926B841}"/>
+          </ac:spMkLst>
+        </pc:spChg>
+        <pc:spChg chg="del">
+          <ac:chgData name="남 상현" userId="03ad4a8e8f7310f3" providerId="LiveId" clId="{B153C180-B5F0-495B-91C2-8E02C97DFEE5}" dt="2021-11-03T15:29:18.805" v="7592" actId="478"/>
+          <ac:spMkLst>
+            <pc:docMk/>
+            <pc:sldMk cId="2987807932" sldId="268"/>
+            <ac:spMk id="3" creationId="{7AF78232-5F1B-4883-956E-D366E896E7CF}"/>
+          </ac:spMkLst>
+        </pc:spChg>
+        <pc:spChg chg="add del">
+          <ac:chgData name="남 상현" userId="03ad4a8e8f7310f3" providerId="LiveId" clId="{B153C180-B5F0-495B-91C2-8E02C97DFEE5}" dt="2021-11-03T15:29:25.485" v="7594" actId="478"/>
+          <ac:spMkLst>
+            <pc:docMk/>
+            <pc:sldMk cId="2987807932" sldId="268"/>
+            <ac:spMk id="4" creationId="{9F990396-3275-4545-9D73-E993B96D482B}"/>
+          </ac:spMkLst>
+        </pc:spChg>
+        <pc:spChg chg="add mod">
+          <ac:chgData name="남 상현" userId="03ad4a8e8f7310f3" providerId="LiveId" clId="{B153C180-B5F0-495B-91C2-8E02C97DFEE5}" dt="2021-11-03T15:53:02.216" v="8185" actId="164"/>
+          <ac:spMkLst>
+            <pc:docMk/>
+            <pc:sldMk cId="2987807932" sldId="268"/>
+            <ac:spMk id="5" creationId="{D58EDEB7-59B2-497B-82F2-373D1568F7F7}"/>
+          </ac:spMkLst>
+        </pc:spChg>
+        <pc:spChg chg="add mod">
+          <ac:chgData name="남 상현" userId="03ad4a8e8f7310f3" providerId="LiveId" clId="{B153C180-B5F0-495B-91C2-8E02C97DFEE5}" dt="2021-11-03T15:53:02.216" v="8185" actId="164"/>
+          <ac:spMkLst>
+            <pc:docMk/>
+            <pc:sldMk cId="2987807932" sldId="268"/>
+            <ac:spMk id="6" creationId="{E04B0C46-5E0A-4B32-B582-F8D112DC1152}"/>
+          </ac:spMkLst>
+        </pc:spChg>
+        <pc:grpChg chg="add mod">
+          <ac:chgData name="남 상현" userId="03ad4a8e8f7310f3" providerId="LiveId" clId="{B153C180-B5F0-495B-91C2-8E02C97DFEE5}" dt="2021-11-03T15:53:02.216" v="8185" actId="164"/>
+          <ac:grpSpMkLst>
+            <pc:docMk/>
+            <pc:sldMk cId="2987807932" sldId="268"/>
+            <ac:grpSpMk id="2" creationId="{91930968-A1ED-468F-ABAF-F50A5F87E5F9}"/>
+          </ac:grpSpMkLst>
+        </pc:grpChg>
       </pc:sldChg>
       <pc:sldMasterChg chg="setBg modSldLayout">
         <pc:chgData name="남 상현" userId="03ad4a8e8f7310f3" providerId="LiveId" clId="{B153C180-B5F0-495B-91C2-8E02C97DFEE5}" dt="2021-10-27T07:54:06.897" v="6935"/>
@@ -6945,7 +7009,7 @@
           <a:p>
             <a:fld id="{9EEA4200-C903-4FD2-AC1C-BAE29F20E4A4}" type="datetimeFigureOut">
               <a:rPr lang="ko-KR" altLang="en-US" smtClean="0"/>
-              <a:t>2021-10-30</a:t>
+              <a:t>2021-11-04</a:t>
             </a:fld>
             <a:endParaRPr lang="ko-KR" altLang="en-US"/>
           </a:p>
@@ -7143,7 +7207,7 @@
           <a:p>
             <a:fld id="{9EEA4200-C903-4FD2-AC1C-BAE29F20E4A4}" type="datetimeFigureOut">
               <a:rPr lang="ko-KR" altLang="en-US" smtClean="0"/>
-              <a:t>2021-10-30</a:t>
+              <a:t>2021-11-04</a:t>
             </a:fld>
             <a:endParaRPr lang="ko-KR" altLang="en-US"/>
           </a:p>
@@ -7351,7 +7415,7 @@
           <a:p>
             <a:fld id="{9EEA4200-C903-4FD2-AC1C-BAE29F20E4A4}" type="datetimeFigureOut">
               <a:rPr lang="ko-KR" altLang="en-US" smtClean="0"/>
-              <a:t>2021-10-30</a:t>
+              <a:t>2021-11-04</a:t>
             </a:fld>
             <a:endParaRPr lang="ko-KR" altLang="en-US"/>
           </a:p>
@@ -7549,7 +7613,7 @@
           <a:p>
             <a:fld id="{9EEA4200-C903-4FD2-AC1C-BAE29F20E4A4}" type="datetimeFigureOut">
               <a:rPr lang="ko-KR" altLang="en-US" smtClean="0"/>
-              <a:t>2021-10-30</a:t>
+              <a:t>2021-11-04</a:t>
             </a:fld>
             <a:endParaRPr lang="ko-KR" altLang="en-US"/>
           </a:p>
@@ -7824,7 +7888,7 @@
           <a:p>
             <a:fld id="{9EEA4200-C903-4FD2-AC1C-BAE29F20E4A4}" type="datetimeFigureOut">
               <a:rPr lang="ko-KR" altLang="en-US" smtClean="0"/>
-              <a:t>2021-10-30</a:t>
+              <a:t>2021-11-04</a:t>
             </a:fld>
             <a:endParaRPr lang="ko-KR" altLang="en-US"/>
           </a:p>
@@ -8089,7 +8153,7 @@
           <a:p>
             <a:fld id="{9EEA4200-C903-4FD2-AC1C-BAE29F20E4A4}" type="datetimeFigureOut">
               <a:rPr lang="ko-KR" altLang="en-US" smtClean="0"/>
-              <a:t>2021-10-30</a:t>
+              <a:t>2021-11-04</a:t>
             </a:fld>
             <a:endParaRPr lang="ko-KR" altLang="en-US"/>
           </a:p>
@@ -8501,7 +8565,7 @@
           <a:p>
             <a:fld id="{9EEA4200-C903-4FD2-AC1C-BAE29F20E4A4}" type="datetimeFigureOut">
               <a:rPr lang="ko-KR" altLang="en-US" smtClean="0"/>
-              <a:t>2021-10-30</a:t>
+              <a:t>2021-11-04</a:t>
             </a:fld>
             <a:endParaRPr lang="ko-KR" altLang="en-US"/>
           </a:p>
@@ -8642,7 +8706,7 @@
           <a:p>
             <a:fld id="{9EEA4200-C903-4FD2-AC1C-BAE29F20E4A4}" type="datetimeFigureOut">
               <a:rPr lang="ko-KR" altLang="en-US" smtClean="0"/>
-              <a:t>2021-10-30</a:t>
+              <a:t>2021-11-04</a:t>
             </a:fld>
             <a:endParaRPr lang="ko-KR" altLang="en-US"/>
           </a:p>
@@ -8755,7 +8819,7 @@
           <a:p>
             <a:fld id="{9EEA4200-C903-4FD2-AC1C-BAE29F20E4A4}" type="datetimeFigureOut">
               <a:rPr lang="ko-KR" altLang="en-US" smtClean="0"/>
-              <a:t>2021-10-30</a:t>
+              <a:t>2021-11-04</a:t>
             </a:fld>
             <a:endParaRPr lang="ko-KR" altLang="en-US"/>
           </a:p>
@@ -9066,7 +9130,7 @@
           <a:p>
             <a:fld id="{9EEA4200-C903-4FD2-AC1C-BAE29F20E4A4}" type="datetimeFigureOut">
               <a:rPr lang="ko-KR" altLang="en-US" smtClean="0"/>
-              <a:t>2021-10-30</a:t>
+              <a:t>2021-11-04</a:t>
             </a:fld>
             <a:endParaRPr lang="ko-KR" altLang="en-US"/>
           </a:p>
@@ -9354,7 +9418,7 @@
           <a:p>
             <a:fld id="{9EEA4200-C903-4FD2-AC1C-BAE29F20E4A4}" type="datetimeFigureOut">
               <a:rPr lang="ko-KR" altLang="en-US" smtClean="0"/>
-              <a:t>2021-10-30</a:t>
+              <a:t>2021-11-04</a:t>
             </a:fld>
             <a:endParaRPr lang="ko-KR" altLang="en-US"/>
           </a:p>
@@ -9598,7 +9662,7 @@
           <a:p>
             <a:fld id="{9EEA4200-C903-4FD2-AC1C-BAE29F20E4A4}" type="datetimeFigureOut">
               <a:rPr lang="ko-KR" altLang="en-US" smtClean="0"/>
-              <a:t>2021-10-30</a:t>
+              <a:t>2021-11-04</a:t>
             </a:fld>
             <a:endParaRPr lang="ko-KR" altLang="en-US"/>
           </a:p>
@@ -10037,7 +10101,7 @@
         </p:blipFill>
         <p:spPr>
           <a:xfrm>
-            <a:off x="326118" y="898156"/>
+            <a:off x="-1350281" y="2117355"/>
             <a:ext cx="11539764" cy="4675793"/>
           </a:xfrm>
           <a:prstGeom prst="rect">
@@ -10045,6 +10109,46 @@
           </a:prstGeom>
         </p:spPr>
       </p:pic>
+      <p:sp>
+        <p:nvSpPr>
+          <p:cNvPr id="2" name="TextBox 1">
+            <a:extLst>
+              <a:ext uri="{FF2B5EF4-FFF2-40B4-BE49-F238E27FC236}">
+                <a16:creationId xmlns:a16="http://schemas.microsoft.com/office/drawing/2014/main" id="{11828C15-1DD8-4B5B-A9E0-C05202E5B710}"/>
+              </a:ext>
+            </a:extLst>
+          </p:cNvPr>
+          <p:cNvSpPr txBox="1"/>
+          <p:nvPr/>
+        </p:nvSpPr>
+        <p:spPr>
+          <a:xfrm>
+            <a:off x="1470211" y="962644"/>
+            <a:ext cx="8875060" cy="2646878"/>
+          </a:xfrm>
+          <a:prstGeom prst="rect">
+            <a:avLst/>
+          </a:prstGeom>
+          <a:noFill/>
+        </p:spPr>
+        <p:txBody>
+          <a:bodyPr wrap="square" rtlCol="0">
+            <a:spAutoFit/>
+          </a:bodyPr>
+          <a:lstStyle/>
+          <a:p>
+            <a:r>
+              <a:rPr lang="en-US" altLang="ko-KR" sz="16600" b="1" dirty="0">
+                <a:latin typeface="Gill Sans MT Condensed" panose="020B0506020104020203" pitchFamily="34" charset="0"/>
+              </a:rPr>
+              <a:t>PartyBall</a:t>
+            </a:r>
+            <a:endParaRPr lang="ko-KR" altLang="en-US" sz="16600" b="1" dirty="0">
+              <a:latin typeface="Gill Sans MT Condensed" panose="020B0506020104020203" pitchFamily="34" charset="0"/>
+            </a:endParaRPr>
+          </a:p>
+        </p:txBody>
+      </p:sp>
     </p:spTree>
     <p:extLst>
       <p:ext uri="{BB962C8B-B14F-4D97-AF65-F5344CB8AC3E}">
@@ -10059,6 +10163,216 @@
 </file>
 
 <file path=ppt/slides/slide10.xml><?xml version="1.0" encoding="utf-8"?>
+<p:sld xmlns:a="http://schemas.openxmlformats.org/drawingml/2006/main" xmlns:r="http://schemas.openxmlformats.org/officeDocument/2006/relationships" xmlns:p="http://schemas.openxmlformats.org/presentationml/2006/main">
+  <p:cSld>
+    <p:spTree>
+      <p:nvGrpSpPr>
+        <p:cNvPr id="1" name=""/>
+        <p:cNvGrpSpPr/>
+        <p:nvPr/>
+      </p:nvGrpSpPr>
+      <p:grpSpPr>
+        <a:xfrm>
+          <a:off x="0" y="0"/>
+          <a:ext cx="0" cy="0"/>
+          <a:chOff x="0" y="0"/>
+          <a:chExt cx="0" cy="0"/>
+        </a:xfrm>
+      </p:grpSpPr>
+      <p:sp>
+        <p:nvSpPr>
+          <p:cNvPr id="7" name="TextBox 6">
+            <a:extLst>
+              <a:ext uri="{FF2B5EF4-FFF2-40B4-BE49-F238E27FC236}">
+                <a16:creationId xmlns:a16="http://schemas.microsoft.com/office/drawing/2014/main" id="{E0F65636-5DC5-4FFE-9878-65A274FB3605}"/>
+              </a:ext>
+            </a:extLst>
+          </p:cNvPr>
+          <p:cNvSpPr txBox="1"/>
+          <p:nvPr/>
+        </p:nvSpPr>
+        <p:spPr>
+          <a:xfrm>
+            <a:off x="1427876" y="591330"/>
+            <a:ext cx="7639924" cy="3416320"/>
+          </a:xfrm>
+          <a:prstGeom prst="rect">
+            <a:avLst/>
+          </a:prstGeom>
+          <a:noFill/>
+        </p:spPr>
+        <p:txBody>
+          <a:bodyPr wrap="square">
+            <a:spAutoFit/>
+          </a:bodyPr>
+          <a:lstStyle/>
+          <a:p>
+            <a:r>
+              <a:rPr lang="en-US" altLang="ko-KR" dirty="0"/>
+              <a:t>0. </a:t>
+            </a:r>
+            <a:r>
+              <a:rPr lang="ko-KR" altLang="en-US" dirty="0"/>
+              <a:t>주체 선택 </a:t>
+            </a:r>
+            <a:r>
+              <a:rPr lang="en-US" altLang="ko-KR" dirty="0"/>
+              <a:t>- </a:t>
+            </a:r>
+            <a:r>
+              <a:rPr lang="ko-KR" altLang="en-US" dirty="0"/>
+              <a:t>주체가 될 공이 있는 셀을 선택하며</a:t>
+            </a:r>
+            <a:r>
+              <a:rPr lang="en-US" altLang="ko-KR" dirty="0"/>
+              <a:t>, </a:t>
+            </a:r>
+            <a:r>
+              <a:rPr lang="ko-KR" altLang="en-US" dirty="0"/>
+              <a:t>주체가 속한 셀은 </a:t>
+            </a:r>
+            <a:endParaRPr lang="en-US" altLang="ko-KR" dirty="0"/>
+          </a:p>
+          <a:p>
+            <a:r>
+              <a:rPr lang="en-US" altLang="ko-KR" dirty="0"/>
+              <a:t>    </a:t>
+            </a:r>
+            <a:r>
+              <a:rPr lang="ko-KR" altLang="en-US" dirty="0"/>
+              <a:t>중력의 방향은 모든 셀의 중력의 방향을 좌지우지 합니다</a:t>
+            </a:r>
+            <a:r>
+              <a:rPr lang="en-US" altLang="ko-KR" dirty="0"/>
+              <a:t>.</a:t>
+            </a:r>
+          </a:p>
+          <a:p>
+            <a:endParaRPr lang="en-US" altLang="ko-KR" dirty="0"/>
+          </a:p>
+          <a:p>
+            <a:pPr marL="342900" indent="-342900">
+              <a:buAutoNum type="arabicPeriod"/>
+            </a:pPr>
+            <a:r>
+              <a:rPr lang="ko-KR" altLang="en-US" dirty="0"/>
+              <a:t>목적지 설정 </a:t>
+            </a:r>
+            <a:r>
+              <a:rPr lang="en-US" altLang="ko-KR" dirty="0"/>
+              <a:t>- </a:t>
+            </a:r>
+            <a:r>
+              <a:rPr lang="ko-KR" altLang="en-US" dirty="0"/>
+              <a:t>주체가 포함 된 셀에서 주체와 다른 공들의 목적지를 지정한다</a:t>
+            </a:r>
+            <a:r>
+              <a:rPr lang="en-US" altLang="ko-KR" dirty="0"/>
+              <a:t>.</a:t>
+            </a:r>
+          </a:p>
+          <a:p>
+            <a:pPr marL="342900" indent="-342900">
+              <a:buAutoNum type="arabicPeriod"/>
+            </a:pPr>
+            <a:endParaRPr lang="en-US" altLang="ko-KR" dirty="0"/>
+          </a:p>
+          <a:p>
+            <a:pPr marL="342900" indent="-342900">
+              <a:buAutoNum type="arabicPeriod"/>
+            </a:pPr>
+            <a:r>
+              <a:rPr lang="ko-KR" altLang="en-US" dirty="0"/>
+              <a:t>중력장 설정</a:t>
+            </a:r>
+            <a:r>
+              <a:rPr lang="en-US" altLang="ko-KR" dirty="0"/>
+              <a:t> – </a:t>
+            </a:r>
+            <a:r>
+              <a:rPr lang="ko-KR" altLang="en-US" dirty="0"/>
+              <a:t>공들이 움직일 방향을 바꿔주는 중력장을 최대 </a:t>
+            </a:r>
+            <a:r>
+              <a:rPr lang="en-US" altLang="ko-KR" dirty="0"/>
+              <a:t>n</a:t>
+            </a:r>
+            <a:r>
+              <a:rPr lang="ko-KR" altLang="en-US" dirty="0"/>
+              <a:t>개 설치합니다</a:t>
+            </a:r>
+            <a:r>
+              <a:rPr lang="en-US" altLang="ko-KR" dirty="0"/>
+              <a:t>.</a:t>
+            </a:r>
+          </a:p>
+          <a:p>
+            <a:pPr marL="342900" indent="-342900">
+              <a:buAutoNum type="arabicPeriod"/>
+            </a:pPr>
+            <a:endParaRPr lang="en-US" altLang="ko-KR" dirty="0"/>
+          </a:p>
+          <a:p>
+            <a:pPr marL="342900" indent="-342900">
+              <a:buAutoNum type="arabicPeriod"/>
+            </a:pPr>
+            <a:r>
+              <a:rPr lang="ko-KR" altLang="en-US" dirty="0"/>
+              <a:t>파티 볼 이동 </a:t>
+            </a:r>
+            <a:r>
+              <a:rPr lang="en-US" altLang="ko-KR" dirty="0"/>
+              <a:t>– </a:t>
+            </a:r>
+            <a:r>
+              <a:rPr lang="ko-KR" altLang="en-US" dirty="0"/>
+              <a:t>공들이 움직입니다</a:t>
+            </a:r>
+            <a:r>
+              <a:rPr lang="en-US" altLang="ko-KR" dirty="0"/>
+              <a:t>.</a:t>
+            </a:r>
+          </a:p>
+          <a:p>
+            <a:pPr marL="342900" indent="-342900">
+              <a:buAutoNum type="arabicPeriod"/>
+            </a:pPr>
+            <a:endParaRPr lang="en-US" altLang="ko-KR" dirty="0"/>
+          </a:p>
+          <a:p>
+            <a:pPr marL="342900" indent="-342900">
+              <a:buAutoNum type="arabicPeriod"/>
+            </a:pPr>
+            <a:r>
+              <a:rPr lang="ko-KR" altLang="en-US" dirty="0"/>
+              <a:t>중력장 재생성 </a:t>
+            </a:r>
+            <a:r>
+              <a:rPr lang="en-US" altLang="ko-KR" dirty="0"/>
+              <a:t>– </a:t>
+            </a:r>
+            <a:r>
+              <a:rPr lang="ko-KR" altLang="en-US" dirty="0"/>
+              <a:t>재생성 가능</a:t>
+            </a:r>
+            <a:endParaRPr lang="en-US" altLang="ko-KR" dirty="0"/>
+          </a:p>
+        </p:txBody>
+      </p:sp>
+    </p:spTree>
+    <p:extLst>
+      <p:ext uri="{BB962C8B-B14F-4D97-AF65-F5344CB8AC3E}">
+        <p14:creationId xmlns:p14="http://schemas.microsoft.com/office/powerpoint/2010/main" val="1929962801"/>
+      </p:ext>
+    </p:extLst>
+  </p:cSld>
+  <p:clrMapOvr>
+    <a:masterClrMapping/>
+  </p:clrMapOvr>
+</p:sld>
+</file>
+
+<file path=ppt/slides/slide11.xml><?xml version="1.0" encoding="utf-8"?>
 <p:sld xmlns:a="http://schemas.openxmlformats.org/drawingml/2006/main" xmlns:r="http://schemas.openxmlformats.org/officeDocument/2006/relationships" xmlns:p="http://schemas.openxmlformats.org/presentationml/2006/main">
   <p:cSld>
     <p:spTree>
@@ -10288,7 +10602,7 @@
 </p:sld>
 </file>
 
-<file path=ppt/slides/slide11.xml><?xml version="1.0" encoding="utf-8"?>
+<file path=ppt/slides/slide12.xml><?xml version="1.0" encoding="utf-8"?>
 <p:sld xmlns:a="http://schemas.openxmlformats.org/drawingml/2006/main" xmlns:r="http://schemas.openxmlformats.org/officeDocument/2006/relationships" xmlns:p="http://schemas.openxmlformats.org/presentationml/2006/main">
   <p:cSld>
     <p:spTree>
@@ -16615,6 +16929,339 @@
       </p:grpSpPr>
       <p:grpSp>
         <p:nvGrpSpPr>
+          <p:cNvPr id="2" name="그룹 1">
+            <a:extLst>
+              <a:ext uri="{FF2B5EF4-FFF2-40B4-BE49-F238E27FC236}">
+                <a16:creationId xmlns:a16="http://schemas.microsoft.com/office/drawing/2014/main" id="{91930968-A1ED-468F-ABAF-F50A5F87E5F9}"/>
+              </a:ext>
+            </a:extLst>
+          </p:cNvPr>
+          <p:cNvGrpSpPr/>
+          <p:nvPr/>
+        </p:nvGrpSpPr>
+        <p:grpSpPr>
+          <a:xfrm>
+            <a:off x="2268071" y="1223682"/>
+            <a:ext cx="7655858" cy="4020671"/>
+            <a:chOff x="2268071" y="1223682"/>
+            <a:chExt cx="7655858" cy="4020671"/>
+          </a:xfrm>
+        </p:grpSpPr>
+        <p:sp>
+          <p:nvSpPr>
+            <p:cNvPr id="5" name="사각형: 둥근 모서리 4">
+              <a:extLst>
+                <a:ext uri="{FF2B5EF4-FFF2-40B4-BE49-F238E27FC236}">
+                  <a16:creationId xmlns:a16="http://schemas.microsoft.com/office/drawing/2014/main" id="{D58EDEB7-59B2-497B-82F2-373D1568F7F7}"/>
+                </a:ext>
+              </a:extLst>
+            </p:cNvPr>
+            <p:cNvSpPr/>
+            <p:nvPr/>
+          </p:nvSpPr>
+          <p:spPr>
+            <a:xfrm>
+              <a:off x="2268071" y="1223682"/>
+              <a:ext cx="7655858" cy="4020671"/>
+            </a:xfrm>
+            <a:prstGeom prst="roundRect">
+              <a:avLst>
+                <a:gd name="adj" fmla="val 9841"/>
+              </a:avLst>
+            </a:prstGeom>
+            <a:gradFill flip="none" rotWithShape="1">
+              <a:gsLst>
+                <a:gs pos="12000">
+                  <a:schemeClr val="accent1">
+                    <a:lumMod val="40000"/>
+                    <a:lumOff val="60000"/>
+                  </a:schemeClr>
+                </a:gs>
+                <a:gs pos="66000">
+                  <a:schemeClr val="accent1">
+                    <a:lumMod val="75000"/>
+                  </a:schemeClr>
+                </a:gs>
+                <a:gs pos="100000">
+                  <a:schemeClr val="accent1">
+                    <a:lumMod val="75000"/>
+                  </a:schemeClr>
+                </a:gs>
+              </a:gsLst>
+              <a:path path="circle">
+                <a:fillToRect l="50000" t="50000" r="50000" b="50000"/>
+              </a:path>
+              <a:tileRect/>
+            </a:gradFill>
+            <a:ln w="19050">
+              <a:solidFill>
+                <a:schemeClr val="tx1"/>
+              </a:solidFill>
+            </a:ln>
+          </p:spPr>
+          <p:style>
+            <a:lnRef idx="2">
+              <a:schemeClr val="accent1">
+                <a:shade val="50000"/>
+              </a:schemeClr>
+            </a:lnRef>
+            <a:fillRef idx="1">
+              <a:schemeClr val="accent1"/>
+            </a:fillRef>
+            <a:effectRef idx="0">
+              <a:schemeClr val="accent1"/>
+            </a:effectRef>
+            <a:fontRef idx="minor">
+              <a:schemeClr val="lt1"/>
+            </a:fontRef>
+          </p:style>
+          <p:txBody>
+            <a:bodyPr rtlCol="0" anchor="ctr"/>
+            <a:lstStyle/>
+            <a:p>
+              <a:pPr algn="ctr"/>
+              <a:endParaRPr lang="ko-KR" altLang="en-US"/>
+            </a:p>
+          </p:txBody>
+        </p:sp>
+        <p:sp>
+          <p:nvSpPr>
+            <p:cNvPr id="6" name="TextBox 5">
+              <a:extLst>
+                <a:ext uri="{FF2B5EF4-FFF2-40B4-BE49-F238E27FC236}">
+                  <a16:creationId xmlns:a16="http://schemas.microsoft.com/office/drawing/2014/main" id="{E04B0C46-5E0A-4B32-B582-F8D112DC1152}"/>
+                </a:ext>
+              </a:extLst>
+            </p:cNvPr>
+            <p:cNvSpPr txBox="1"/>
+            <p:nvPr/>
+          </p:nvSpPr>
+          <p:spPr>
+            <a:xfrm>
+              <a:off x="2501153" y="1936376"/>
+              <a:ext cx="7189694" cy="2554545"/>
+            </a:xfrm>
+            <a:prstGeom prst="rect">
+              <a:avLst/>
+            </a:prstGeom>
+            <a:noFill/>
+          </p:spPr>
+          <p:txBody>
+            <a:bodyPr wrap="square" rtlCol="0">
+              <a:spAutoFit/>
+            </a:bodyPr>
+            <a:lstStyle/>
+            <a:p>
+              <a:r>
+                <a:rPr lang="ko-KR" altLang="en-US" sz="4000" dirty="0">
+                  <a:solidFill>
+                    <a:schemeClr val="bg1"/>
+                  </a:solidFill>
+                  <a:latin typeface="Dongle" pitchFamily="2" charset="-127"/>
+                  <a:ea typeface="Dongle" pitchFamily="2" charset="-127"/>
+                </a:rPr>
+                <a:t>미러볼은 사람들을 반겨주었습니다</a:t>
+              </a:r>
+              <a:r>
+                <a:rPr lang="en-US" altLang="ko-KR" sz="4000" dirty="0">
+                  <a:solidFill>
+                    <a:schemeClr val="bg1"/>
+                  </a:solidFill>
+                  <a:latin typeface="Dongle" pitchFamily="2" charset="-127"/>
+                  <a:ea typeface="Dongle" pitchFamily="2" charset="-127"/>
+                </a:rPr>
+                <a:t>. </a:t>
+              </a:r>
+              <a:r>
+                <a:rPr lang="ko-KR" altLang="en-US" sz="4000" dirty="0">
+                  <a:solidFill>
+                    <a:schemeClr val="bg1"/>
+                  </a:solidFill>
+                  <a:latin typeface="Dongle" pitchFamily="2" charset="-127"/>
+                  <a:ea typeface="Dongle" pitchFamily="2" charset="-127"/>
+                </a:rPr>
+                <a:t>매일 밤마다</a:t>
+              </a:r>
+              <a:r>
+                <a:rPr lang="en-US" altLang="ko-KR" sz="4000" dirty="0">
+                  <a:solidFill>
+                    <a:schemeClr val="bg1"/>
+                  </a:solidFill>
+                  <a:latin typeface="Dongle" pitchFamily="2" charset="-127"/>
+                  <a:ea typeface="Dongle" pitchFamily="2" charset="-127"/>
+                </a:rPr>
+                <a:t>, </a:t>
+              </a:r>
+              <a:r>
+                <a:rPr lang="ko-KR" altLang="en-US" sz="4000" dirty="0">
+                  <a:solidFill>
+                    <a:schemeClr val="bg1"/>
+                  </a:solidFill>
+                  <a:latin typeface="Dongle" pitchFamily="2" charset="-127"/>
+                  <a:ea typeface="Dongle" pitchFamily="2" charset="-127"/>
+                </a:rPr>
+                <a:t>매 주마다</a:t>
+              </a:r>
+              <a:endParaRPr lang="en-US" altLang="ko-KR" sz="4000" dirty="0">
+                <a:solidFill>
+                  <a:schemeClr val="bg1"/>
+                </a:solidFill>
+                <a:latin typeface="Dongle" pitchFamily="2" charset="-127"/>
+                <a:ea typeface="Dongle" pitchFamily="2" charset="-127"/>
+              </a:endParaRPr>
+            </a:p>
+            <a:p>
+              <a:r>
+                <a:rPr lang="ko-KR" altLang="en-US" sz="4000" dirty="0">
+                  <a:solidFill>
+                    <a:schemeClr val="bg1"/>
+                  </a:solidFill>
+                  <a:latin typeface="Dongle" pitchFamily="2" charset="-127"/>
+                  <a:ea typeface="Dongle" pitchFamily="2" charset="-127"/>
+                </a:rPr>
+                <a:t>미러볼은 사람처럼 놀고 싶었습니다</a:t>
+              </a:r>
+              <a:r>
+                <a:rPr lang="en-US" altLang="ko-KR" sz="4000" dirty="0">
+                  <a:solidFill>
+                    <a:schemeClr val="bg1"/>
+                  </a:solidFill>
+                  <a:latin typeface="Dongle" pitchFamily="2" charset="-127"/>
+                  <a:ea typeface="Dongle" pitchFamily="2" charset="-127"/>
+                </a:rPr>
+                <a:t>. </a:t>
+              </a:r>
+              <a:r>
+                <a:rPr lang="ko-KR" altLang="en-US" sz="4000" dirty="0">
+                  <a:solidFill>
+                    <a:schemeClr val="bg1"/>
+                  </a:solidFill>
+                  <a:latin typeface="Dongle" pitchFamily="2" charset="-127"/>
+                  <a:ea typeface="Dongle" pitchFamily="2" charset="-127"/>
+                </a:rPr>
+                <a:t>매일마다</a:t>
+              </a:r>
+              <a:r>
+                <a:rPr lang="en-US" altLang="ko-KR" sz="4000" dirty="0">
+                  <a:solidFill>
+                    <a:schemeClr val="bg1"/>
+                  </a:solidFill>
+                  <a:latin typeface="Dongle" pitchFamily="2" charset="-127"/>
+                  <a:ea typeface="Dongle" pitchFamily="2" charset="-127"/>
+                </a:rPr>
+                <a:t>, </a:t>
+              </a:r>
+              <a:r>
+                <a:rPr lang="ko-KR" altLang="en-US" sz="4000" dirty="0">
+                  <a:solidFill>
+                    <a:schemeClr val="bg1"/>
+                  </a:solidFill>
+                  <a:latin typeface="Dongle" pitchFamily="2" charset="-127"/>
+                  <a:ea typeface="Dongle" pitchFamily="2" charset="-127"/>
+                </a:rPr>
+                <a:t>매 달마다</a:t>
+              </a:r>
+              <a:endParaRPr lang="en-US" altLang="ko-KR" sz="4000" dirty="0">
+                <a:solidFill>
+                  <a:schemeClr val="bg1"/>
+                </a:solidFill>
+                <a:latin typeface="Dongle" pitchFamily="2" charset="-127"/>
+                <a:ea typeface="Dongle" pitchFamily="2" charset="-127"/>
+              </a:endParaRPr>
+            </a:p>
+            <a:p>
+              <a:endParaRPr lang="en-US" altLang="ko-KR" sz="4000" dirty="0">
+                <a:solidFill>
+                  <a:schemeClr val="bg1"/>
+                </a:solidFill>
+                <a:latin typeface="Dongle" pitchFamily="2" charset="-127"/>
+                <a:ea typeface="Dongle" pitchFamily="2" charset="-127"/>
+              </a:endParaRPr>
+            </a:p>
+            <a:p>
+              <a:r>
+                <a:rPr lang="ko-KR" altLang="en-US" sz="4000" dirty="0">
+                  <a:solidFill>
+                    <a:schemeClr val="bg1"/>
+                  </a:solidFill>
+                  <a:latin typeface="Dongle" pitchFamily="2" charset="-127"/>
+                  <a:ea typeface="Dongle" pitchFamily="2" charset="-127"/>
+                </a:rPr>
+                <a:t>미러볼은 이제 나가고 싶습니다</a:t>
+              </a:r>
+              <a:r>
+                <a:rPr lang="en-US" altLang="ko-KR" sz="4000" dirty="0">
+                  <a:solidFill>
+                    <a:schemeClr val="bg1"/>
+                  </a:solidFill>
+                  <a:latin typeface="Dongle" pitchFamily="2" charset="-127"/>
+                  <a:ea typeface="Dongle" pitchFamily="2" charset="-127"/>
+                </a:rPr>
+                <a:t>. </a:t>
+              </a:r>
+              <a:r>
+                <a:rPr lang="ko-KR" altLang="en-US" sz="4000" dirty="0">
+                  <a:solidFill>
+                    <a:schemeClr val="bg1"/>
+                  </a:solidFill>
+                  <a:latin typeface="Dongle" pitchFamily="2" charset="-127"/>
+                  <a:ea typeface="Dongle" pitchFamily="2" charset="-127"/>
+                </a:rPr>
+                <a:t>자유롭게 살기 위해</a:t>
+              </a:r>
+              <a:r>
+                <a:rPr lang="en-US" altLang="ko-KR" sz="4000" dirty="0">
+                  <a:solidFill>
+                    <a:schemeClr val="bg1"/>
+                  </a:solidFill>
+                  <a:latin typeface="Dongle" pitchFamily="2" charset="-127"/>
+                  <a:ea typeface="Dongle" pitchFamily="2" charset="-127"/>
+                </a:rPr>
+                <a:t>..</a:t>
+              </a:r>
+              <a:endParaRPr lang="ko-KR" altLang="en-US" sz="4000" dirty="0">
+                <a:solidFill>
+                  <a:schemeClr val="bg1"/>
+                </a:solidFill>
+                <a:latin typeface="Dongle" pitchFamily="2" charset="-127"/>
+                <a:ea typeface="Dongle" pitchFamily="2" charset="-127"/>
+              </a:endParaRPr>
+            </a:p>
+          </p:txBody>
+        </p:sp>
+      </p:grpSp>
+    </p:spTree>
+    <p:extLst>
+      <p:ext uri="{BB962C8B-B14F-4D97-AF65-F5344CB8AC3E}">
+        <p14:creationId xmlns:p14="http://schemas.microsoft.com/office/powerpoint/2010/main" val="2987807932"/>
+      </p:ext>
+    </p:extLst>
+  </p:cSld>
+  <p:clrMapOvr>
+    <a:masterClrMapping/>
+  </p:clrMapOvr>
+</p:sld>
+</file>
+
+<file path=ppt/slides/slide8.xml><?xml version="1.0" encoding="utf-8"?>
+<p:sld xmlns:a="http://schemas.openxmlformats.org/drawingml/2006/main" xmlns:r="http://schemas.openxmlformats.org/officeDocument/2006/relationships" xmlns:p="http://schemas.openxmlformats.org/presentationml/2006/main">
+  <p:cSld>
+    <p:spTree>
+      <p:nvGrpSpPr>
+        <p:cNvPr id="1" name=""/>
+        <p:cNvGrpSpPr/>
+        <p:nvPr/>
+      </p:nvGrpSpPr>
+      <p:grpSpPr>
+        <a:xfrm>
+          <a:off x="0" y="0"/>
+          <a:ext cx="0" cy="0"/>
+          <a:chOff x="0" y="0"/>
+          <a:chExt cx="0" cy="0"/>
+        </a:xfrm>
+      </p:grpSpPr>
+      <p:grpSp>
+        <p:nvGrpSpPr>
           <p:cNvPr id="13" name="그룹 12">
             <a:extLst>
               <a:ext uri="{FF2B5EF4-FFF2-40B4-BE49-F238E27FC236}">
@@ -17412,7 +18059,7 @@
 </p:sld>
 </file>
 
-<file path=ppt/slides/slide8.xml><?xml version="1.0" encoding="utf-8"?>
+<file path=ppt/slides/slide9.xml><?xml version="1.0" encoding="utf-8"?>
 <p:sld xmlns:a="http://schemas.openxmlformats.org/drawingml/2006/main" xmlns:r="http://schemas.openxmlformats.org/officeDocument/2006/relationships" xmlns:p="http://schemas.openxmlformats.org/presentationml/2006/main">
   <p:cSld>
     <p:spTree>
@@ -17546,216 +18193,6 @@
     <p:extLst>
       <p:ext uri="{BB962C8B-B14F-4D97-AF65-F5344CB8AC3E}">
         <p14:creationId xmlns:p14="http://schemas.microsoft.com/office/powerpoint/2010/main" val="3554067655"/>
-      </p:ext>
-    </p:extLst>
-  </p:cSld>
-  <p:clrMapOvr>
-    <a:masterClrMapping/>
-  </p:clrMapOvr>
-</p:sld>
-</file>
-
-<file path=ppt/slides/slide9.xml><?xml version="1.0" encoding="utf-8"?>
-<p:sld xmlns:a="http://schemas.openxmlformats.org/drawingml/2006/main" xmlns:r="http://schemas.openxmlformats.org/officeDocument/2006/relationships" xmlns:p="http://schemas.openxmlformats.org/presentationml/2006/main">
-  <p:cSld>
-    <p:spTree>
-      <p:nvGrpSpPr>
-        <p:cNvPr id="1" name=""/>
-        <p:cNvGrpSpPr/>
-        <p:nvPr/>
-      </p:nvGrpSpPr>
-      <p:grpSpPr>
-        <a:xfrm>
-          <a:off x="0" y="0"/>
-          <a:ext cx="0" cy="0"/>
-          <a:chOff x="0" y="0"/>
-          <a:chExt cx="0" cy="0"/>
-        </a:xfrm>
-      </p:grpSpPr>
-      <p:sp>
-        <p:nvSpPr>
-          <p:cNvPr id="7" name="TextBox 6">
-            <a:extLst>
-              <a:ext uri="{FF2B5EF4-FFF2-40B4-BE49-F238E27FC236}">
-                <a16:creationId xmlns:a16="http://schemas.microsoft.com/office/drawing/2014/main" id="{E0F65636-5DC5-4FFE-9878-65A274FB3605}"/>
-              </a:ext>
-            </a:extLst>
-          </p:cNvPr>
-          <p:cNvSpPr txBox="1"/>
-          <p:nvPr/>
-        </p:nvSpPr>
-        <p:spPr>
-          <a:xfrm>
-            <a:off x="1427876" y="591330"/>
-            <a:ext cx="7639924" cy="3416320"/>
-          </a:xfrm>
-          <a:prstGeom prst="rect">
-            <a:avLst/>
-          </a:prstGeom>
-          <a:noFill/>
-        </p:spPr>
-        <p:txBody>
-          <a:bodyPr wrap="square">
-            <a:spAutoFit/>
-          </a:bodyPr>
-          <a:lstStyle/>
-          <a:p>
-            <a:r>
-              <a:rPr lang="en-US" altLang="ko-KR" dirty="0"/>
-              <a:t>0. </a:t>
-            </a:r>
-            <a:r>
-              <a:rPr lang="ko-KR" altLang="en-US" dirty="0"/>
-              <a:t>주체 선택 </a:t>
-            </a:r>
-            <a:r>
-              <a:rPr lang="en-US" altLang="ko-KR" dirty="0"/>
-              <a:t>- </a:t>
-            </a:r>
-            <a:r>
-              <a:rPr lang="ko-KR" altLang="en-US" dirty="0"/>
-              <a:t>주체가 될 공이 있는 셀을 선택하며</a:t>
-            </a:r>
-            <a:r>
-              <a:rPr lang="en-US" altLang="ko-KR" dirty="0"/>
-              <a:t>, </a:t>
-            </a:r>
-            <a:r>
-              <a:rPr lang="ko-KR" altLang="en-US" dirty="0"/>
-              <a:t>주체가 속한 셀은 </a:t>
-            </a:r>
-            <a:endParaRPr lang="en-US" altLang="ko-KR" dirty="0"/>
-          </a:p>
-          <a:p>
-            <a:r>
-              <a:rPr lang="en-US" altLang="ko-KR" dirty="0"/>
-              <a:t>    </a:t>
-            </a:r>
-            <a:r>
-              <a:rPr lang="ko-KR" altLang="en-US" dirty="0"/>
-              <a:t>중력의 방향은 모든 셀의 중력의 방향을 좌지우지 합니다</a:t>
-            </a:r>
-            <a:r>
-              <a:rPr lang="en-US" altLang="ko-KR" dirty="0"/>
-              <a:t>.</a:t>
-            </a:r>
-          </a:p>
-          <a:p>
-            <a:endParaRPr lang="en-US" altLang="ko-KR" dirty="0"/>
-          </a:p>
-          <a:p>
-            <a:pPr marL="342900" indent="-342900">
-              <a:buAutoNum type="arabicPeriod"/>
-            </a:pPr>
-            <a:r>
-              <a:rPr lang="ko-KR" altLang="en-US" dirty="0"/>
-              <a:t>목적지 설정 </a:t>
-            </a:r>
-            <a:r>
-              <a:rPr lang="en-US" altLang="ko-KR" dirty="0"/>
-              <a:t>- </a:t>
-            </a:r>
-            <a:r>
-              <a:rPr lang="ko-KR" altLang="en-US" dirty="0"/>
-              <a:t>주체가 포함 된 셀에서 주체와 다른 공들의 목적지를 지정한다</a:t>
-            </a:r>
-            <a:r>
-              <a:rPr lang="en-US" altLang="ko-KR" dirty="0"/>
-              <a:t>.</a:t>
-            </a:r>
-          </a:p>
-          <a:p>
-            <a:pPr marL="342900" indent="-342900">
-              <a:buAutoNum type="arabicPeriod"/>
-            </a:pPr>
-            <a:endParaRPr lang="en-US" altLang="ko-KR" dirty="0"/>
-          </a:p>
-          <a:p>
-            <a:pPr marL="342900" indent="-342900">
-              <a:buAutoNum type="arabicPeriod"/>
-            </a:pPr>
-            <a:r>
-              <a:rPr lang="ko-KR" altLang="en-US" dirty="0"/>
-              <a:t>중력장 설정</a:t>
-            </a:r>
-            <a:r>
-              <a:rPr lang="en-US" altLang="ko-KR" dirty="0"/>
-              <a:t> – </a:t>
-            </a:r>
-            <a:r>
-              <a:rPr lang="ko-KR" altLang="en-US" dirty="0"/>
-              <a:t>공들이 움직일 방향을 바꿔주는 중력장을 최대 </a:t>
-            </a:r>
-            <a:r>
-              <a:rPr lang="en-US" altLang="ko-KR" dirty="0"/>
-              <a:t>n</a:t>
-            </a:r>
-            <a:r>
-              <a:rPr lang="ko-KR" altLang="en-US" dirty="0"/>
-              <a:t>개 설치합니다</a:t>
-            </a:r>
-            <a:r>
-              <a:rPr lang="en-US" altLang="ko-KR" dirty="0"/>
-              <a:t>.</a:t>
-            </a:r>
-          </a:p>
-          <a:p>
-            <a:pPr marL="342900" indent="-342900">
-              <a:buAutoNum type="arabicPeriod"/>
-            </a:pPr>
-            <a:endParaRPr lang="en-US" altLang="ko-KR" dirty="0"/>
-          </a:p>
-          <a:p>
-            <a:pPr marL="342900" indent="-342900">
-              <a:buAutoNum type="arabicPeriod"/>
-            </a:pPr>
-            <a:r>
-              <a:rPr lang="ko-KR" altLang="en-US" dirty="0"/>
-              <a:t>파티 볼 이동 </a:t>
-            </a:r>
-            <a:r>
-              <a:rPr lang="en-US" altLang="ko-KR" dirty="0"/>
-              <a:t>– </a:t>
-            </a:r>
-            <a:r>
-              <a:rPr lang="ko-KR" altLang="en-US" dirty="0"/>
-              <a:t>공들이 움직입니다</a:t>
-            </a:r>
-            <a:r>
-              <a:rPr lang="en-US" altLang="ko-KR" dirty="0"/>
-              <a:t>.</a:t>
-            </a:r>
-          </a:p>
-          <a:p>
-            <a:pPr marL="342900" indent="-342900">
-              <a:buAutoNum type="arabicPeriod"/>
-            </a:pPr>
-            <a:endParaRPr lang="en-US" altLang="ko-KR" dirty="0"/>
-          </a:p>
-          <a:p>
-            <a:pPr marL="342900" indent="-342900">
-              <a:buAutoNum type="arabicPeriod"/>
-            </a:pPr>
-            <a:r>
-              <a:rPr lang="ko-KR" altLang="en-US" dirty="0"/>
-              <a:t>중력장 재생성 </a:t>
-            </a:r>
-            <a:r>
-              <a:rPr lang="en-US" altLang="ko-KR" dirty="0"/>
-              <a:t>– </a:t>
-            </a:r>
-            <a:r>
-              <a:rPr lang="ko-KR" altLang="en-US" dirty="0"/>
-              <a:t>재생성 가능</a:t>
-            </a:r>
-            <a:endParaRPr lang="en-US" altLang="ko-KR" dirty="0"/>
-          </a:p>
-        </p:txBody>
-      </p:sp>
-    </p:spTree>
-    <p:extLst>
-      <p:ext uri="{BB962C8B-B14F-4D97-AF65-F5344CB8AC3E}">
-        <p14:creationId xmlns:p14="http://schemas.microsoft.com/office/powerpoint/2010/main" val="1929962801"/>
       </p:ext>
     </p:extLst>
   </p:cSld>

--- a/Documents/PartyBall/Project_TheBalls.pptx
+++ b/Documents/PartyBall/Project_TheBalls.pptx
@@ -126,7 +126,7 @@
 <file path=ppt/revisionInfo.xml><?xml version="1.0" encoding="utf-8"?>
 <p1510:revInfo xmlns:a="http://schemas.openxmlformats.org/drawingml/2006/main" xmlns:r="http://schemas.openxmlformats.org/officeDocument/2006/relationships" xmlns:p1510="http://schemas.microsoft.com/office/powerpoint/2015/10/main">
   <p1510:revLst>
-    <p1510:client id="{B153C180-B5F0-495B-91C2-8E02C97DFEE5}" v="36" dt="2021-11-03T15:53:02.216"/>
+    <p1510:client id="{A99FF4A5-BC7F-4010-AC4C-1C661166150A}" v="3" dt="2021-11-27T13:54:41.652"/>
   </p1510:revLst>
 </p1510:revInfo>
 </file>
@@ -136,7 +136,7 @@
   <pc:docChgLst>
     <pc:chgData name="남 상현" userId="03ad4a8e8f7310f3" providerId="LiveId" clId="{A99FF4A5-BC7F-4010-AC4C-1C661166150A}"/>
     <pc:docChg chg="undo custSel addSld modSld addSection delSection">
-      <pc:chgData name="남 상현" userId="03ad4a8e8f7310f3" providerId="LiveId" clId="{A99FF4A5-BC7F-4010-AC4C-1C661166150A}" dt="2021-10-30T13:47:11.272" v="436" actId="1076"/>
+      <pc:chgData name="남 상현" userId="03ad4a8e8f7310f3" providerId="LiveId" clId="{A99FF4A5-BC7F-4010-AC4C-1C661166150A}" dt="2021-11-27T13:57:25.484" v="895" actId="14100"/>
       <pc:docMkLst>
         <pc:docMk/>
       </pc:docMkLst>
@@ -817,6 +817,29 @@
             <pc:docMk/>
             <pc:sldMk cId="3388440209" sldId="267"/>
             <ac:spMk id="9" creationId="{1C3CD3A3-B1F1-4C38-ACDE-8594E9C3454B}"/>
+          </ac:spMkLst>
+        </pc:spChg>
+      </pc:sldChg>
+      <pc:sldChg chg="modSp mod">
+        <pc:chgData name="남 상현" userId="03ad4a8e8f7310f3" providerId="LiveId" clId="{A99FF4A5-BC7F-4010-AC4C-1C661166150A}" dt="2021-11-27T13:57:25.484" v="895" actId="14100"/>
+        <pc:sldMkLst>
+          <pc:docMk/>
+          <pc:sldMk cId="2987807932" sldId="268"/>
+        </pc:sldMkLst>
+        <pc:spChg chg="mod">
+          <ac:chgData name="남 상현" userId="03ad4a8e8f7310f3" providerId="LiveId" clId="{A99FF4A5-BC7F-4010-AC4C-1C661166150A}" dt="2021-11-27T13:57:25.484" v="895" actId="14100"/>
+          <ac:spMkLst>
+            <pc:docMk/>
+            <pc:sldMk cId="2987807932" sldId="268"/>
+            <ac:spMk id="5" creationId="{D58EDEB7-59B2-497B-82F2-373D1568F7F7}"/>
+          </ac:spMkLst>
+        </pc:spChg>
+        <pc:spChg chg="mod">
+          <ac:chgData name="남 상현" userId="03ad4a8e8f7310f3" providerId="LiveId" clId="{A99FF4A5-BC7F-4010-AC4C-1C661166150A}" dt="2021-11-27T13:54:44.655" v="467" actId="1076"/>
+          <ac:spMkLst>
+            <pc:docMk/>
+            <pc:sldMk cId="2987807932" sldId="268"/>
+            <ac:spMk id="6" creationId="{E04B0C46-5E0A-4B32-B582-F8D112DC1152}"/>
           </ac:spMkLst>
         </pc:spChg>
       </pc:sldChg>
@@ -7009,7 +7032,7 @@
           <a:p>
             <a:fld id="{9EEA4200-C903-4FD2-AC1C-BAE29F20E4A4}" type="datetimeFigureOut">
               <a:rPr lang="ko-KR" altLang="en-US" smtClean="0"/>
-              <a:t>2021-11-04</a:t>
+              <a:t>2021-11-27</a:t>
             </a:fld>
             <a:endParaRPr lang="ko-KR" altLang="en-US"/>
           </a:p>
@@ -7207,7 +7230,7 @@
           <a:p>
             <a:fld id="{9EEA4200-C903-4FD2-AC1C-BAE29F20E4A4}" type="datetimeFigureOut">
               <a:rPr lang="ko-KR" altLang="en-US" smtClean="0"/>
-              <a:t>2021-11-04</a:t>
+              <a:t>2021-11-27</a:t>
             </a:fld>
             <a:endParaRPr lang="ko-KR" altLang="en-US"/>
           </a:p>
@@ -7415,7 +7438,7 @@
           <a:p>
             <a:fld id="{9EEA4200-C903-4FD2-AC1C-BAE29F20E4A4}" type="datetimeFigureOut">
               <a:rPr lang="ko-KR" altLang="en-US" smtClean="0"/>
-              <a:t>2021-11-04</a:t>
+              <a:t>2021-11-27</a:t>
             </a:fld>
             <a:endParaRPr lang="ko-KR" altLang="en-US"/>
           </a:p>
@@ -7613,7 +7636,7 @@
           <a:p>
             <a:fld id="{9EEA4200-C903-4FD2-AC1C-BAE29F20E4A4}" type="datetimeFigureOut">
               <a:rPr lang="ko-KR" altLang="en-US" smtClean="0"/>
-              <a:t>2021-11-04</a:t>
+              <a:t>2021-11-27</a:t>
             </a:fld>
             <a:endParaRPr lang="ko-KR" altLang="en-US"/>
           </a:p>
@@ -7888,7 +7911,7 @@
           <a:p>
             <a:fld id="{9EEA4200-C903-4FD2-AC1C-BAE29F20E4A4}" type="datetimeFigureOut">
               <a:rPr lang="ko-KR" altLang="en-US" smtClean="0"/>
-              <a:t>2021-11-04</a:t>
+              <a:t>2021-11-27</a:t>
             </a:fld>
             <a:endParaRPr lang="ko-KR" altLang="en-US"/>
           </a:p>
@@ -8153,7 +8176,7 @@
           <a:p>
             <a:fld id="{9EEA4200-C903-4FD2-AC1C-BAE29F20E4A4}" type="datetimeFigureOut">
               <a:rPr lang="ko-KR" altLang="en-US" smtClean="0"/>
-              <a:t>2021-11-04</a:t>
+              <a:t>2021-11-27</a:t>
             </a:fld>
             <a:endParaRPr lang="ko-KR" altLang="en-US"/>
           </a:p>
@@ -8565,7 +8588,7 @@
           <a:p>
             <a:fld id="{9EEA4200-C903-4FD2-AC1C-BAE29F20E4A4}" type="datetimeFigureOut">
               <a:rPr lang="ko-KR" altLang="en-US" smtClean="0"/>
-              <a:t>2021-11-04</a:t>
+              <a:t>2021-11-27</a:t>
             </a:fld>
             <a:endParaRPr lang="ko-KR" altLang="en-US"/>
           </a:p>
@@ -8706,7 +8729,7 @@
           <a:p>
             <a:fld id="{9EEA4200-C903-4FD2-AC1C-BAE29F20E4A4}" type="datetimeFigureOut">
               <a:rPr lang="ko-KR" altLang="en-US" smtClean="0"/>
-              <a:t>2021-11-04</a:t>
+              <a:t>2021-11-27</a:t>
             </a:fld>
             <a:endParaRPr lang="ko-KR" altLang="en-US"/>
           </a:p>
@@ -8819,7 +8842,7 @@
           <a:p>
             <a:fld id="{9EEA4200-C903-4FD2-AC1C-BAE29F20E4A4}" type="datetimeFigureOut">
               <a:rPr lang="ko-KR" altLang="en-US" smtClean="0"/>
-              <a:t>2021-11-04</a:t>
+              <a:t>2021-11-27</a:t>
             </a:fld>
             <a:endParaRPr lang="ko-KR" altLang="en-US"/>
           </a:p>
@@ -9130,7 +9153,7 @@
           <a:p>
             <a:fld id="{9EEA4200-C903-4FD2-AC1C-BAE29F20E4A4}" type="datetimeFigureOut">
               <a:rPr lang="ko-KR" altLang="en-US" smtClean="0"/>
-              <a:t>2021-11-04</a:t>
+              <a:t>2021-11-27</a:t>
             </a:fld>
             <a:endParaRPr lang="ko-KR" altLang="en-US"/>
           </a:p>
@@ -9418,7 +9441,7 @@
           <a:p>
             <a:fld id="{9EEA4200-C903-4FD2-AC1C-BAE29F20E4A4}" type="datetimeFigureOut">
               <a:rPr lang="ko-KR" altLang="en-US" smtClean="0"/>
-              <a:t>2021-11-04</a:t>
+              <a:t>2021-11-27</a:t>
             </a:fld>
             <a:endParaRPr lang="ko-KR" altLang="en-US"/>
           </a:p>
@@ -9662,7 +9685,7 @@
           <a:p>
             <a:fld id="{9EEA4200-C903-4FD2-AC1C-BAE29F20E4A4}" type="datetimeFigureOut">
               <a:rPr lang="ko-KR" altLang="en-US" smtClean="0"/>
-              <a:t>2021-11-04</a:t>
+              <a:t>2021-11-27</a:t>
             </a:fld>
             <a:endParaRPr lang="ko-KR" altLang="en-US"/>
           </a:p>
@@ -16941,10 +16964,10 @@
         </p:nvGrpSpPr>
         <p:grpSpPr>
           <a:xfrm>
-            <a:off x="2268071" y="1223682"/>
-            <a:ext cx="7655858" cy="4020671"/>
-            <a:chOff x="2268071" y="1223682"/>
-            <a:chExt cx="7655858" cy="4020671"/>
+            <a:off x="2268071" y="1071282"/>
+            <a:ext cx="7922558" cy="4020671"/>
+            <a:chOff x="2268071" y="1071282"/>
+            <a:chExt cx="7922558" cy="4020671"/>
           </a:xfrm>
         </p:grpSpPr>
         <p:sp>
@@ -16961,36 +16984,40 @@
           </p:nvSpPr>
           <p:spPr>
             <a:xfrm>
-              <a:off x="2268071" y="1223682"/>
+              <a:off x="2268071" y="1071282"/>
               <a:ext cx="7655858" cy="4020671"/>
             </a:xfrm>
             <a:prstGeom prst="roundRect">
               <a:avLst>
-                <a:gd name="adj" fmla="val 9841"/>
+                <a:gd name="adj" fmla="val 0"/>
               </a:avLst>
             </a:prstGeom>
             <a:gradFill flip="none" rotWithShape="1">
               <a:gsLst>
-                <a:gs pos="12000">
-                  <a:schemeClr val="accent1">
-                    <a:lumMod val="40000"/>
-                    <a:lumOff val="60000"/>
-                  </a:schemeClr>
-                </a:gs>
-                <a:gs pos="66000">
-                  <a:schemeClr val="accent1">
-                    <a:lumMod val="75000"/>
+                <a:gs pos="50000">
+                  <a:schemeClr val="tx1">
+                    <a:lumMod val="50000"/>
+                    <a:lumOff val="50000"/>
                   </a:schemeClr>
                 </a:gs>
                 <a:gs pos="100000">
-                  <a:schemeClr val="accent1">
-                    <a:lumMod val="75000"/>
+                  <a:schemeClr val="bg1">
+                    <a:lumMod val="85000"/>
+                  </a:schemeClr>
+                </a:gs>
+                <a:gs pos="28000">
+                  <a:schemeClr val="tx1">
+                    <a:lumMod val="85000"/>
+                    <a:lumOff val="15000"/>
+                  </a:schemeClr>
+                </a:gs>
+                <a:gs pos="0">
+                  <a:schemeClr val="bg2">
+                    <a:lumMod val="10000"/>
                   </a:schemeClr>
                 </a:gs>
               </a:gsLst>
-              <a:path path="circle">
-                <a:fillToRect l="50000" t="50000" r="50000" b="50000"/>
-              </a:path>
+              <a:lin ang="0" scaled="1"/>
               <a:tileRect/>
             </a:gradFill>
             <a:ln w="19050">
@@ -17020,7 +17047,7 @@
             <a:lstStyle/>
             <a:p>
               <a:pPr algn="ctr"/>
-              <a:endParaRPr lang="ko-KR" altLang="en-US"/>
+              <a:endParaRPr lang="ko-KR" altLang="en-US" dirty="0"/>
             </a:p>
           </p:txBody>
         </p:sp>
@@ -17038,8 +17065,8 @@
           </p:nvSpPr>
           <p:spPr>
             <a:xfrm>
-              <a:off x="2501153" y="1936376"/>
-              <a:ext cx="7189694" cy="2554545"/>
+              <a:off x="2767853" y="2204454"/>
+              <a:ext cx="7422776" cy="1754326"/>
             </a:xfrm>
             <a:prstGeom prst="rect">
               <a:avLst/>
@@ -17053,17 +17080,135 @@
             <a:lstStyle/>
             <a:p>
               <a:r>
-                <a:rPr lang="ko-KR" altLang="en-US" sz="4000" dirty="0">
+                <a:rPr lang="ko-KR" altLang="en-US" sz="3600" dirty="0">
                   <a:solidFill>
                     <a:schemeClr val="bg1"/>
                   </a:solidFill>
-                  <a:latin typeface="Dongle" pitchFamily="2" charset="-127"/>
-                  <a:ea typeface="Dongle" pitchFamily="2" charset="-127"/>
+                  <a:latin typeface="나눔손글씨 중학생" panose="02000503000000000000" pitchFamily="2" charset="-127"/>
+                  <a:ea typeface="나눔손글씨 중학생" panose="02000503000000000000" pitchFamily="2" charset="-127"/>
                 </a:rPr>
-                <a:t>미러볼은 사람들을 반겨주었습니다</a:t>
+                <a:t>공은 사람들을 반겨주었습니다</a:t>
               </a:r>
               <a:r>
-                <a:rPr lang="en-US" altLang="ko-KR" sz="4000" dirty="0">
+                <a:rPr lang="en-US" altLang="ko-KR" sz="3600" dirty="0">
+                  <a:solidFill>
+                    <a:schemeClr val="bg1"/>
+                  </a:solidFill>
+                  <a:latin typeface="나눔손글씨 중학생" panose="02000503000000000000" pitchFamily="2" charset="-127"/>
+                  <a:ea typeface="나눔손글씨 중학생" panose="02000503000000000000" pitchFamily="2" charset="-127"/>
+                </a:rPr>
+                <a:t>. </a:t>
+              </a:r>
+              <a:r>
+                <a:rPr lang="ko-KR" altLang="en-US" sz="3600" dirty="0">
+                  <a:solidFill>
+                    <a:schemeClr val="bg1"/>
+                  </a:solidFill>
+                  <a:latin typeface="나눔손글씨 중학생" panose="02000503000000000000" pitchFamily="2" charset="-127"/>
+                  <a:ea typeface="나눔손글씨 중학생" panose="02000503000000000000" pitchFamily="2" charset="-127"/>
+                </a:rPr>
+                <a:t>매일 밤마다</a:t>
+              </a:r>
+              <a:r>
+                <a:rPr lang="en-US" altLang="ko-KR" sz="3600" dirty="0">
+                  <a:solidFill>
+                    <a:schemeClr val="bg1"/>
+                  </a:solidFill>
+                  <a:latin typeface="나눔손글씨 중학생" panose="02000503000000000000" pitchFamily="2" charset="-127"/>
+                  <a:ea typeface="나눔손글씨 중학생" panose="02000503000000000000" pitchFamily="2" charset="-127"/>
+                </a:rPr>
+                <a:t>, </a:t>
+              </a:r>
+              <a:r>
+                <a:rPr lang="ko-KR" altLang="en-US" sz="3600" dirty="0">
+                  <a:solidFill>
+                    <a:schemeClr val="bg1"/>
+                  </a:solidFill>
+                  <a:latin typeface="나눔손글씨 중학생" panose="02000503000000000000" pitchFamily="2" charset="-127"/>
+                  <a:ea typeface="나눔손글씨 중학생" panose="02000503000000000000" pitchFamily="2" charset="-127"/>
+                </a:rPr>
+                <a:t>매 주마다</a:t>
+              </a:r>
+              <a:endParaRPr lang="en-US" altLang="ko-KR" sz="3600" dirty="0">
+                <a:solidFill>
+                  <a:schemeClr val="bg1"/>
+                </a:solidFill>
+                <a:latin typeface="나눔손글씨 중학생" panose="02000503000000000000" pitchFamily="2" charset="-127"/>
+                <a:ea typeface="나눔손글씨 중학생" panose="02000503000000000000" pitchFamily="2" charset="-127"/>
+              </a:endParaRPr>
+            </a:p>
+            <a:p>
+              <a:r>
+                <a:rPr lang="ko-KR" altLang="en-US" sz="3600" dirty="0">
+                  <a:solidFill>
+                    <a:schemeClr val="bg1"/>
+                  </a:solidFill>
+                  <a:latin typeface="나눔손글씨 중학생" panose="02000503000000000000" pitchFamily="2" charset="-127"/>
+                  <a:ea typeface="나눔손글씨 중학생" panose="02000503000000000000" pitchFamily="2" charset="-127"/>
+                </a:rPr>
+                <a:t>공은 사람처럼 놀고 싶었습니다</a:t>
+              </a:r>
+              <a:r>
+                <a:rPr lang="en-US" altLang="ko-KR" sz="3600" dirty="0">
+                  <a:solidFill>
+                    <a:schemeClr val="bg1"/>
+                  </a:solidFill>
+                  <a:latin typeface="나눔손글씨 중학생" panose="02000503000000000000" pitchFamily="2" charset="-127"/>
+                  <a:ea typeface="나눔손글씨 중학생" panose="02000503000000000000" pitchFamily="2" charset="-127"/>
+                </a:rPr>
+                <a:t>. </a:t>
+              </a:r>
+              <a:r>
+                <a:rPr lang="ko-KR" altLang="en-US" sz="3600" dirty="0">
+                  <a:solidFill>
+                    <a:schemeClr val="bg1"/>
+                  </a:solidFill>
+                  <a:latin typeface="나눔손글씨 중학생" panose="02000503000000000000" pitchFamily="2" charset="-127"/>
+                  <a:ea typeface="나눔손글씨 중학생" panose="02000503000000000000" pitchFamily="2" charset="-127"/>
+                </a:rPr>
+                <a:t>매일마다</a:t>
+              </a:r>
+              <a:r>
+                <a:rPr lang="en-US" altLang="ko-KR" sz="3600" dirty="0">
+                  <a:solidFill>
+                    <a:schemeClr val="bg1"/>
+                  </a:solidFill>
+                  <a:latin typeface="나눔손글씨 중학생" panose="02000503000000000000" pitchFamily="2" charset="-127"/>
+                  <a:ea typeface="나눔손글씨 중학생" panose="02000503000000000000" pitchFamily="2" charset="-127"/>
+                </a:rPr>
+                <a:t>, </a:t>
+              </a:r>
+              <a:r>
+                <a:rPr lang="ko-KR" altLang="en-US" sz="3600" dirty="0">
+                  <a:solidFill>
+                    <a:schemeClr val="bg1"/>
+                  </a:solidFill>
+                  <a:latin typeface="나눔손글씨 중학생" panose="02000503000000000000" pitchFamily="2" charset="-127"/>
+                  <a:ea typeface="나눔손글씨 중학생" panose="02000503000000000000" pitchFamily="2" charset="-127"/>
+                </a:rPr>
+                <a:t>매 달마다</a:t>
+              </a:r>
+              <a:endParaRPr lang="en-US" altLang="ko-KR" sz="3600" dirty="0">
+                <a:solidFill>
+                  <a:schemeClr val="bg1"/>
+                </a:solidFill>
+                <a:latin typeface="나눔손글씨 중학생" panose="02000503000000000000" pitchFamily="2" charset="-127"/>
+                <a:ea typeface="나눔손글씨 중학생" panose="02000503000000000000" pitchFamily="2" charset="-127"/>
+              </a:endParaRPr>
+            </a:p>
+            <a:p>
+              <a:r>
+                <a:rPr lang="ko-KR" altLang="en-US" sz="3600" dirty="0">
+                  <a:solidFill>
+                    <a:schemeClr val="bg1"/>
+                  </a:solidFill>
+                  <a:latin typeface="나눔손글씨 중학생" panose="02000503000000000000" pitchFamily="2" charset="-127"/>
+                  <a:ea typeface="나눔손글씨 중학생" panose="02000503000000000000" pitchFamily="2" charset="-127"/>
+                </a:rPr>
+                <a:t>공은 이제 나가고 싶습니다</a:t>
+              </a:r>
+              <a:r>
+                <a:rPr lang="en-US" altLang="ko-KR" sz="3600" dirty="0">
                   <a:solidFill>
                     <a:schemeClr val="bg1"/>
                   </a:solidFill>
@@ -17073,158 +17218,31 @@
                 <a:t>. </a:t>
               </a:r>
               <a:r>
-                <a:rPr lang="ko-KR" altLang="en-US" sz="4000" dirty="0">
+                <a:rPr lang="ko-KR" altLang="en-US" sz="3600" dirty="0">
                   <a:solidFill>
                     <a:schemeClr val="bg1"/>
                   </a:solidFill>
-                  <a:latin typeface="Dongle" pitchFamily="2" charset="-127"/>
-                  <a:ea typeface="Dongle" pitchFamily="2" charset="-127"/>
-                </a:rPr>
-                <a:t>매일 밤마다</a:t>
-              </a:r>
-              <a:r>
-                <a:rPr lang="en-US" altLang="ko-KR" sz="4000" dirty="0">
-                  <a:solidFill>
-                    <a:schemeClr val="bg1"/>
-                  </a:solidFill>
-                  <a:latin typeface="Dongle" pitchFamily="2" charset="-127"/>
-                  <a:ea typeface="Dongle" pitchFamily="2" charset="-127"/>
-                </a:rPr>
-                <a:t>, </a:t>
-              </a:r>
-              <a:r>
-                <a:rPr lang="ko-KR" altLang="en-US" sz="4000" dirty="0">
-                  <a:solidFill>
-                    <a:schemeClr val="bg1"/>
-                  </a:solidFill>
-                  <a:latin typeface="Dongle" pitchFamily="2" charset="-127"/>
-                  <a:ea typeface="Dongle" pitchFamily="2" charset="-127"/>
-                </a:rPr>
-                <a:t>매 주마다</a:t>
-              </a:r>
-              <a:endParaRPr lang="en-US" altLang="ko-KR" sz="4000" dirty="0">
-                <a:solidFill>
-                  <a:schemeClr val="bg1"/>
-                </a:solidFill>
-                <a:latin typeface="Dongle" pitchFamily="2" charset="-127"/>
-                <a:ea typeface="Dongle" pitchFamily="2" charset="-127"/>
-              </a:endParaRPr>
-            </a:p>
-            <a:p>
-              <a:r>
-                <a:rPr lang="ko-KR" altLang="en-US" sz="4000" dirty="0">
-                  <a:solidFill>
-                    <a:schemeClr val="bg1"/>
-                  </a:solidFill>
-                  <a:latin typeface="Dongle" pitchFamily="2" charset="-127"/>
-                  <a:ea typeface="Dongle" pitchFamily="2" charset="-127"/>
-                </a:rPr>
-                <a:t>미러볼은 사람처럼 놀고 싶었습니다</a:t>
-              </a:r>
-              <a:r>
-                <a:rPr lang="en-US" altLang="ko-KR" sz="4000" dirty="0">
-                  <a:solidFill>
-                    <a:schemeClr val="bg1"/>
-                  </a:solidFill>
-                  <a:latin typeface="Dongle" pitchFamily="2" charset="-127"/>
-                  <a:ea typeface="Dongle" pitchFamily="2" charset="-127"/>
-                </a:rPr>
-                <a:t>. </a:t>
-              </a:r>
-              <a:r>
-                <a:rPr lang="ko-KR" altLang="en-US" sz="4000" dirty="0">
-                  <a:solidFill>
-                    <a:schemeClr val="bg1"/>
-                  </a:solidFill>
-                  <a:latin typeface="Dongle" pitchFamily="2" charset="-127"/>
-                  <a:ea typeface="Dongle" pitchFamily="2" charset="-127"/>
-                </a:rPr>
-                <a:t>매일마다</a:t>
-              </a:r>
-              <a:r>
-                <a:rPr lang="en-US" altLang="ko-KR" sz="4000" dirty="0">
-                  <a:solidFill>
-                    <a:schemeClr val="bg1"/>
-                  </a:solidFill>
-                  <a:latin typeface="Dongle" pitchFamily="2" charset="-127"/>
-                  <a:ea typeface="Dongle" pitchFamily="2" charset="-127"/>
-                </a:rPr>
-                <a:t>, </a:t>
-              </a:r>
-              <a:r>
-                <a:rPr lang="ko-KR" altLang="en-US" sz="4000" dirty="0">
-                  <a:solidFill>
-                    <a:schemeClr val="bg1"/>
-                  </a:solidFill>
-                  <a:latin typeface="Dongle" pitchFamily="2" charset="-127"/>
-                  <a:ea typeface="Dongle" pitchFamily="2" charset="-127"/>
-                </a:rPr>
-                <a:t>매 달마다</a:t>
-              </a:r>
-              <a:endParaRPr lang="en-US" altLang="ko-KR" sz="4000" dirty="0">
-                <a:solidFill>
-                  <a:schemeClr val="bg1"/>
-                </a:solidFill>
-                <a:latin typeface="Dongle" pitchFamily="2" charset="-127"/>
-                <a:ea typeface="Dongle" pitchFamily="2" charset="-127"/>
-              </a:endParaRPr>
-            </a:p>
-            <a:p>
-              <a:endParaRPr lang="en-US" altLang="ko-KR" sz="4000" dirty="0">
-                <a:solidFill>
-                  <a:schemeClr val="bg1"/>
-                </a:solidFill>
-                <a:latin typeface="Dongle" pitchFamily="2" charset="-127"/>
-                <a:ea typeface="Dongle" pitchFamily="2" charset="-127"/>
-              </a:endParaRPr>
-            </a:p>
-            <a:p>
-              <a:r>
-                <a:rPr lang="ko-KR" altLang="en-US" sz="4000" dirty="0">
-                  <a:solidFill>
-                    <a:schemeClr val="bg1"/>
-                  </a:solidFill>
-                  <a:latin typeface="Dongle" pitchFamily="2" charset="-127"/>
-                  <a:ea typeface="Dongle" pitchFamily="2" charset="-127"/>
-                </a:rPr>
-                <a:t>미러볼은 이제 나가고 싶습니다</a:t>
-              </a:r>
-              <a:r>
-                <a:rPr lang="en-US" altLang="ko-KR" sz="4000" dirty="0">
-                  <a:solidFill>
-                    <a:schemeClr val="bg1"/>
-                  </a:solidFill>
-                  <a:latin typeface="Dongle" pitchFamily="2" charset="-127"/>
-                  <a:ea typeface="Dongle" pitchFamily="2" charset="-127"/>
-                </a:rPr>
-                <a:t>. </a:t>
-              </a:r>
-              <a:r>
-                <a:rPr lang="ko-KR" altLang="en-US" sz="4000" dirty="0">
-                  <a:solidFill>
-                    <a:schemeClr val="bg1"/>
-                  </a:solidFill>
-                  <a:latin typeface="Dongle" pitchFamily="2" charset="-127"/>
-                  <a:ea typeface="Dongle" pitchFamily="2" charset="-127"/>
+                  <a:latin typeface="나눔손글씨 중학생" panose="02000503000000000000" pitchFamily="2" charset="-127"/>
+                  <a:ea typeface="나눔손글씨 중학생" panose="02000503000000000000" pitchFamily="2" charset="-127"/>
                 </a:rPr>
                 <a:t>자유롭게 살기 위해</a:t>
               </a:r>
               <a:r>
-                <a:rPr lang="en-US" altLang="ko-KR" sz="4000" dirty="0">
+                <a:rPr lang="en-US" altLang="ko-KR" sz="3600" dirty="0">
                   <a:solidFill>
                     <a:schemeClr val="bg1"/>
                   </a:solidFill>
-                  <a:latin typeface="Dongle" pitchFamily="2" charset="-127"/>
-                  <a:ea typeface="Dongle" pitchFamily="2" charset="-127"/>
+                  <a:latin typeface="나눔손글씨 중학생" panose="02000503000000000000" pitchFamily="2" charset="-127"/>
+                  <a:ea typeface="나눔손글씨 중학생" panose="02000503000000000000" pitchFamily="2" charset="-127"/>
                 </a:rPr>
                 <a:t>..</a:t>
               </a:r>
-              <a:endParaRPr lang="ko-KR" altLang="en-US" sz="4000" dirty="0">
+              <a:endParaRPr lang="ko-KR" altLang="en-US" sz="3600" dirty="0">
                 <a:solidFill>
                   <a:schemeClr val="bg1"/>
                 </a:solidFill>
-                <a:latin typeface="Dongle" pitchFamily="2" charset="-127"/>
-                <a:ea typeface="Dongle" pitchFamily="2" charset="-127"/>
+                <a:latin typeface="나눔손글씨 중학생" panose="02000503000000000000" pitchFamily="2" charset="-127"/>
+                <a:ea typeface="나눔손글씨 중학생" panose="02000503000000000000" pitchFamily="2" charset="-127"/>
               </a:endParaRPr>
             </a:p>
           </p:txBody>

--- a/Documents/PartyBall/Project_TheBalls.pptx
+++ b/Documents/PartyBall/Project_TheBalls.pptx
@@ -4544,7 +4544,15 @@
           <a:pPr latinLnBrk="1"/>
           <a:r>
             <a:rPr lang="ko-KR" altLang="en-US" dirty="0"/>
-            <a:t>주체 선택 </a:t>
+            <a:t>주체 </a:t>
+          </a:r>
+          <a:endParaRPr lang="en-US" altLang="ko-KR" dirty="0"/>
+        </a:p>
+        <a:p>
+          <a:pPr latinLnBrk="1"/>
+          <a:r>
+            <a:rPr lang="ko-KR" altLang="en-US" dirty="0"/>
+            <a:t>선택 </a:t>
           </a:r>
         </a:p>
       </dgm:t>
@@ -4716,12 +4724,18 @@
             <a:buAutoNum type="arabicPeriod"/>
           </a:pPr>
           <a:r>
-            <a:rPr lang="ko-KR" altLang="en-US" dirty="0" err="1"/>
-            <a:t>파티볼</a:t>
+            <a:rPr lang="ko-KR" altLang="en-US" dirty="0"/>
+            <a:t>구체</a:t>
           </a:r>
+          <a:endParaRPr lang="en-US" altLang="ko-KR" dirty="0"/>
+        </a:p>
+        <a:p>
+          <a:pPr latinLnBrk="1">
+            <a:buAutoNum type="arabicPeriod"/>
+          </a:pPr>
           <a:r>
             <a:rPr lang="ko-KR" altLang="en-US" dirty="0"/>
-            <a:t> 이동 </a:t>
+            <a:t>이동 </a:t>
           </a:r>
         </a:p>
       </dgm:t>
@@ -5002,12 +5016,12 @@
         </a:fontRef>
       </dsp:style>
       <dsp:txBody>
-        <a:bodyPr spcFirstLastPara="0" vert="horz" wrap="square" lIns="38100" tIns="38100" rIns="38100" bIns="38100" numCol="1" spcCol="1270" anchor="ctr" anchorCtr="0">
+        <a:bodyPr spcFirstLastPara="0" vert="horz" wrap="square" lIns="33020" tIns="33020" rIns="33020" bIns="33020" numCol="1" spcCol="1270" anchor="ctr" anchorCtr="0">
           <a:noAutofit/>
         </a:bodyPr>
         <a:lstStyle/>
         <a:p>
-          <a:pPr marL="0" lvl="0" indent="0" algn="ctr" defTabSz="1333500" latinLnBrk="1">
+          <a:pPr marL="0" lvl="0" indent="0" algn="ctr" defTabSz="1155700" latinLnBrk="1">
             <a:lnSpc>
               <a:spcPct val="90000"/>
             </a:lnSpc>
@@ -5020,8 +5034,27 @@
             <a:buNone/>
           </a:pPr>
           <a:r>
-            <a:rPr lang="ko-KR" altLang="en-US" sz="3000" kern="1200" dirty="0"/>
-            <a:t>주체 선택 </a:t>
+            <a:rPr lang="ko-KR" altLang="en-US" sz="2600" kern="1200" dirty="0"/>
+            <a:t>주체 </a:t>
+          </a:r>
+          <a:endParaRPr lang="en-US" altLang="ko-KR" sz="2600" kern="1200" dirty="0"/>
+        </a:p>
+        <a:p>
+          <a:pPr marL="0" lvl="0" indent="0" algn="ctr" defTabSz="1155700" latinLnBrk="1">
+            <a:lnSpc>
+              <a:spcPct val="90000"/>
+            </a:lnSpc>
+            <a:spcBef>
+              <a:spcPct val="0"/>
+            </a:spcBef>
+            <a:spcAft>
+              <a:spcPct val="35000"/>
+            </a:spcAft>
+            <a:buNone/>
+          </a:pPr>
+          <a:r>
+            <a:rPr lang="ko-KR" altLang="en-US" sz="2600" kern="1200" dirty="0"/>
+            <a:t>선택 </a:t>
           </a:r>
         </a:p>
       </dsp:txBody>
@@ -5136,12 +5169,12 @@
         </a:fontRef>
       </dsp:style>
       <dsp:txBody>
-        <a:bodyPr spcFirstLastPara="0" vert="horz" wrap="square" lIns="38100" tIns="38100" rIns="38100" bIns="38100" numCol="1" spcCol="1270" anchor="ctr" anchorCtr="0">
+        <a:bodyPr spcFirstLastPara="0" vert="horz" wrap="square" lIns="33020" tIns="33020" rIns="33020" bIns="33020" numCol="1" spcCol="1270" anchor="ctr" anchorCtr="0">
           <a:noAutofit/>
         </a:bodyPr>
         <a:lstStyle/>
         <a:p>
-          <a:pPr marL="0" lvl="0" indent="0" algn="ctr" defTabSz="1333500" latinLnBrk="1">
+          <a:pPr marL="0" lvl="0" indent="0" algn="ctr" defTabSz="1155700" latinLnBrk="1">
             <a:lnSpc>
               <a:spcPct val="90000"/>
             </a:lnSpc>
@@ -5154,7 +5187,7 @@
             <a:buNone/>
           </a:pPr>
           <a:r>
-            <a:rPr lang="ko-KR" altLang="en-US" sz="3000" kern="1200" dirty="0"/>
+            <a:rPr lang="ko-KR" altLang="en-US" sz="2600" kern="1200" dirty="0"/>
             <a:t>목적지 설정 </a:t>
           </a:r>
         </a:p>
@@ -5270,12 +5303,12 @@
         </a:fontRef>
       </dsp:style>
       <dsp:txBody>
-        <a:bodyPr spcFirstLastPara="0" vert="horz" wrap="square" lIns="38100" tIns="38100" rIns="38100" bIns="38100" numCol="1" spcCol="1270" anchor="ctr" anchorCtr="0">
+        <a:bodyPr spcFirstLastPara="0" vert="horz" wrap="square" lIns="33020" tIns="33020" rIns="33020" bIns="33020" numCol="1" spcCol="1270" anchor="ctr" anchorCtr="0">
           <a:noAutofit/>
         </a:bodyPr>
         <a:lstStyle/>
         <a:p>
-          <a:pPr marL="0" lvl="0" indent="0" algn="ctr" defTabSz="1333500" latinLnBrk="1">
+          <a:pPr marL="0" lvl="0" indent="0" algn="ctr" defTabSz="1155700" latinLnBrk="1">
             <a:lnSpc>
               <a:spcPct val="90000"/>
             </a:lnSpc>
@@ -5288,7 +5321,7 @@
             <a:buNone/>
           </a:pPr>
           <a:r>
-            <a:rPr lang="ko-KR" altLang="en-US" sz="3000" kern="1200" dirty="0"/>
+            <a:rPr lang="ko-KR" altLang="en-US" sz="2600" kern="1200" dirty="0"/>
             <a:t>중력장 설정</a:t>
           </a:r>
         </a:p>
@@ -5404,12 +5437,12 @@
         </a:fontRef>
       </dsp:style>
       <dsp:txBody>
-        <a:bodyPr spcFirstLastPara="0" vert="horz" wrap="square" lIns="38100" tIns="38100" rIns="38100" bIns="38100" numCol="1" spcCol="1270" anchor="ctr" anchorCtr="0">
+        <a:bodyPr spcFirstLastPara="0" vert="horz" wrap="square" lIns="33020" tIns="33020" rIns="33020" bIns="33020" numCol="1" spcCol="1270" anchor="ctr" anchorCtr="0">
           <a:noAutofit/>
         </a:bodyPr>
         <a:lstStyle/>
         <a:p>
-          <a:pPr marL="0" lvl="0" indent="0" algn="ctr" defTabSz="1333500" latinLnBrk="1">
+          <a:pPr marL="0" lvl="0" indent="0" algn="ctr" defTabSz="1155700" latinLnBrk="1">
             <a:lnSpc>
               <a:spcPct val="90000"/>
             </a:lnSpc>
@@ -5422,12 +5455,27 @@
             <a:buNone/>
           </a:pPr>
           <a:r>
-            <a:rPr lang="ko-KR" altLang="en-US" sz="3000" kern="1200" dirty="0" err="1"/>
-            <a:t>파티볼</a:t>
+            <a:rPr lang="ko-KR" altLang="en-US" sz="2600" kern="1200" dirty="0"/>
+            <a:t>구체</a:t>
           </a:r>
+          <a:endParaRPr lang="en-US" altLang="ko-KR" sz="2600" kern="1200" dirty="0"/>
+        </a:p>
+        <a:p>
+          <a:pPr marL="0" lvl="0" indent="0" algn="ctr" defTabSz="1155700" latinLnBrk="1">
+            <a:lnSpc>
+              <a:spcPct val="90000"/>
+            </a:lnSpc>
+            <a:spcBef>
+              <a:spcPct val="0"/>
+            </a:spcBef>
+            <a:spcAft>
+              <a:spcPct val="35000"/>
+            </a:spcAft>
+            <a:buNone/>
+          </a:pPr>
           <a:r>
-            <a:rPr lang="ko-KR" altLang="en-US" sz="3000" kern="1200" dirty="0"/>
-            <a:t> 이동 </a:t>
+            <a:rPr lang="ko-KR" altLang="en-US" sz="2600" kern="1200" dirty="0"/>
+            <a:t>이동 </a:t>
           </a:r>
         </a:p>
       </dsp:txBody>
@@ -5542,12 +5590,12 @@
         </a:fontRef>
       </dsp:style>
       <dsp:txBody>
-        <a:bodyPr spcFirstLastPara="0" vert="horz" wrap="square" lIns="38100" tIns="38100" rIns="38100" bIns="38100" numCol="1" spcCol="1270" anchor="ctr" anchorCtr="0">
+        <a:bodyPr spcFirstLastPara="0" vert="horz" wrap="square" lIns="33020" tIns="33020" rIns="33020" bIns="33020" numCol="1" spcCol="1270" anchor="ctr" anchorCtr="0">
           <a:noAutofit/>
         </a:bodyPr>
         <a:lstStyle/>
         <a:p>
-          <a:pPr marL="0" lvl="0" indent="0" algn="ctr" defTabSz="1333500" latinLnBrk="1">
+          <a:pPr marL="0" lvl="0" indent="0" algn="ctr" defTabSz="1155700" latinLnBrk="1">
             <a:lnSpc>
               <a:spcPct val="90000"/>
             </a:lnSpc>
@@ -5560,7 +5608,7 @@
             <a:buNone/>
           </a:pPr>
           <a:r>
-            <a:rPr lang="ko-KR" altLang="en-US" sz="3000" kern="1200" dirty="0"/>
+            <a:rPr lang="ko-KR" altLang="en-US" sz="2600" kern="1200" dirty="0"/>
             <a:t>중력장 재생성 </a:t>
           </a:r>
         </a:p>
@@ -7032,7 +7080,7 @@
           <a:p>
             <a:fld id="{9EEA4200-C903-4FD2-AC1C-BAE29F20E4A4}" type="datetimeFigureOut">
               <a:rPr lang="ko-KR" altLang="en-US" smtClean="0"/>
-              <a:t>2021-11-27</a:t>
+              <a:t>2021-11-29</a:t>
             </a:fld>
             <a:endParaRPr lang="ko-KR" altLang="en-US"/>
           </a:p>
@@ -7230,7 +7278,7 @@
           <a:p>
             <a:fld id="{9EEA4200-C903-4FD2-AC1C-BAE29F20E4A4}" type="datetimeFigureOut">
               <a:rPr lang="ko-KR" altLang="en-US" smtClean="0"/>
-              <a:t>2021-11-27</a:t>
+              <a:t>2021-11-29</a:t>
             </a:fld>
             <a:endParaRPr lang="ko-KR" altLang="en-US"/>
           </a:p>
@@ -7438,7 +7486,7 @@
           <a:p>
             <a:fld id="{9EEA4200-C903-4FD2-AC1C-BAE29F20E4A4}" type="datetimeFigureOut">
               <a:rPr lang="ko-KR" altLang="en-US" smtClean="0"/>
-              <a:t>2021-11-27</a:t>
+              <a:t>2021-11-29</a:t>
             </a:fld>
             <a:endParaRPr lang="ko-KR" altLang="en-US"/>
           </a:p>
@@ -7636,7 +7684,7 @@
           <a:p>
             <a:fld id="{9EEA4200-C903-4FD2-AC1C-BAE29F20E4A4}" type="datetimeFigureOut">
               <a:rPr lang="ko-KR" altLang="en-US" smtClean="0"/>
-              <a:t>2021-11-27</a:t>
+              <a:t>2021-11-29</a:t>
             </a:fld>
             <a:endParaRPr lang="ko-KR" altLang="en-US"/>
           </a:p>
@@ -7911,7 +7959,7 @@
           <a:p>
             <a:fld id="{9EEA4200-C903-4FD2-AC1C-BAE29F20E4A4}" type="datetimeFigureOut">
               <a:rPr lang="ko-KR" altLang="en-US" smtClean="0"/>
-              <a:t>2021-11-27</a:t>
+              <a:t>2021-11-29</a:t>
             </a:fld>
             <a:endParaRPr lang="ko-KR" altLang="en-US"/>
           </a:p>
@@ -8176,7 +8224,7 @@
           <a:p>
             <a:fld id="{9EEA4200-C903-4FD2-AC1C-BAE29F20E4A4}" type="datetimeFigureOut">
               <a:rPr lang="ko-KR" altLang="en-US" smtClean="0"/>
-              <a:t>2021-11-27</a:t>
+              <a:t>2021-11-29</a:t>
             </a:fld>
             <a:endParaRPr lang="ko-KR" altLang="en-US"/>
           </a:p>
@@ -8588,7 +8636,7 @@
           <a:p>
             <a:fld id="{9EEA4200-C903-4FD2-AC1C-BAE29F20E4A4}" type="datetimeFigureOut">
               <a:rPr lang="ko-KR" altLang="en-US" smtClean="0"/>
-              <a:t>2021-11-27</a:t>
+              <a:t>2021-11-29</a:t>
             </a:fld>
             <a:endParaRPr lang="ko-KR" altLang="en-US"/>
           </a:p>
@@ -8729,7 +8777,7 @@
           <a:p>
             <a:fld id="{9EEA4200-C903-4FD2-AC1C-BAE29F20E4A4}" type="datetimeFigureOut">
               <a:rPr lang="ko-KR" altLang="en-US" smtClean="0"/>
-              <a:t>2021-11-27</a:t>
+              <a:t>2021-11-29</a:t>
             </a:fld>
             <a:endParaRPr lang="ko-KR" altLang="en-US"/>
           </a:p>
@@ -8842,7 +8890,7 @@
           <a:p>
             <a:fld id="{9EEA4200-C903-4FD2-AC1C-BAE29F20E4A4}" type="datetimeFigureOut">
               <a:rPr lang="ko-KR" altLang="en-US" smtClean="0"/>
-              <a:t>2021-11-27</a:t>
+              <a:t>2021-11-29</a:t>
             </a:fld>
             <a:endParaRPr lang="ko-KR" altLang="en-US"/>
           </a:p>
@@ -9153,7 +9201,7 @@
           <a:p>
             <a:fld id="{9EEA4200-C903-4FD2-AC1C-BAE29F20E4A4}" type="datetimeFigureOut">
               <a:rPr lang="ko-KR" altLang="en-US" smtClean="0"/>
-              <a:t>2021-11-27</a:t>
+              <a:t>2021-11-29</a:t>
             </a:fld>
             <a:endParaRPr lang="ko-KR" altLang="en-US"/>
           </a:p>
@@ -9441,7 +9489,7 @@
           <a:p>
             <a:fld id="{9EEA4200-C903-4FD2-AC1C-BAE29F20E4A4}" type="datetimeFigureOut">
               <a:rPr lang="ko-KR" altLang="en-US" smtClean="0"/>
-              <a:t>2021-11-27</a:t>
+              <a:t>2021-11-29</a:t>
             </a:fld>
             <a:endParaRPr lang="ko-KR" altLang="en-US"/>
           </a:p>
@@ -9685,7 +9733,7 @@
           <a:p>
             <a:fld id="{9EEA4200-C903-4FD2-AC1C-BAE29F20E4A4}" type="datetimeFigureOut">
               <a:rPr lang="ko-KR" altLang="en-US" smtClean="0"/>
-              <a:t>2021-11-27</a:t>
+              <a:t>2021-11-29</a:t>
             </a:fld>
             <a:endParaRPr lang="ko-KR" altLang="en-US"/>
           </a:p>
@@ -18191,7 +18239,7 @@
             <p:nvPr>
               <p:extLst>
                 <p:ext uri="{D42A27DB-BD31-4B8C-83A1-F6EECF244321}">
-                  <p14:modId xmlns:p14="http://schemas.microsoft.com/office/powerpoint/2010/main" val="1425792785"/>
+                  <p14:modId xmlns:p14="http://schemas.microsoft.com/office/powerpoint/2010/main" val="3195643532"/>
                 </p:ext>
               </p:extLst>
             </p:nvPr>

--- a/Documents/PartyBall/Project_TheBalls.pptx
+++ b/Documents/PartyBall/Project_TheBalls.pptx
@@ -5,18 +5,27 @@
     <p:sldMasterId id="2147483648" r:id="rId1"/>
   </p:sldMasterIdLst>
   <p:sldIdLst>
-    <p:sldId id="258" r:id="rId2"/>
-    <p:sldId id="256" r:id="rId3"/>
-    <p:sldId id="262" r:id="rId4"/>
-    <p:sldId id="259" r:id="rId5"/>
-    <p:sldId id="261" r:id="rId6"/>
-    <p:sldId id="263" r:id="rId7"/>
-    <p:sldId id="268" r:id="rId8"/>
-    <p:sldId id="265" r:id="rId9"/>
-    <p:sldId id="266" r:id="rId10"/>
-    <p:sldId id="264" r:id="rId11"/>
-    <p:sldId id="267" r:id="rId12"/>
-    <p:sldId id="257" r:id="rId13"/>
+    <p:sldId id="273" r:id="rId2"/>
+    <p:sldId id="274" r:id="rId3"/>
+    <p:sldId id="275" r:id="rId4"/>
+    <p:sldId id="276" r:id="rId5"/>
+    <p:sldId id="277" r:id="rId6"/>
+    <p:sldId id="272" r:id="rId7"/>
+    <p:sldId id="270" r:id="rId8"/>
+    <p:sldId id="271" r:id="rId9"/>
+    <p:sldId id="269" r:id="rId10"/>
+    <p:sldId id="258" r:id="rId11"/>
+    <p:sldId id="256" r:id="rId12"/>
+    <p:sldId id="262" r:id="rId13"/>
+    <p:sldId id="259" r:id="rId14"/>
+    <p:sldId id="261" r:id="rId15"/>
+    <p:sldId id="263" r:id="rId16"/>
+    <p:sldId id="268" r:id="rId17"/>
+    <p:sldId id="265" r:id="rId18"/>
+    <p:sldId id="266" r:id="rId19"/>
+    <p:sldId id="264" r:id="rId20"/>
+    <p:sldId id="267" r:id="rId21"/>
+    <p:sldId id="257" r:id="rId22"/>
   </p:sldIdLst>
   <p:sldSz cx="12192000" cy="6858000"/>
   <p:notesSz cx="6858000" cy="9144000"/>
@@ -7080,7 +7089,7 @@
           <a:p>
             <a:fld id="{9EEA4200-C903-4FD2-AC1C-BAE29F20E4A4}" type="datetimeFigureOut">
               <a:rPr lang="ko-KR" altLang="en-US" smtClean="0"/>
-              <a:t>2021-11-29</a:t>
+              <a:t>2021-11-30</a:t>
             </a:fld>
             <a:endParaRPr lang="ko-KR" altLang="en-US"/>
           </a:p>
@@ -7278,7 +7287,7 @@
           <a:p>
             <a:fld id="{9EEA4200-C903-4FD2-AC1C-BAE29F20E4A4}" type="datetimeFigureOut">
               <a:rPr lang="ko-KR" altLang="en-US" smtClean="0"/>
-              <a:t>2021-11-29</a:t>
+              <a:t>2021-11-30</a:t>
             </a:fld>
             <a:endParaRPr lang="ko-KR" altLang="en-US"/>
           </a:p>
@@ -7486,7 +7495,7 @@
           <a:p>
             <a:fld id="{9EEA4200-C903-4FD2-AC1C-BAE29F20E4A4}" type="datetimeFigureOut">
               <a:rPr lang="ko-KR" altLang="en-US" smtClean="0"/>
-              <a:t>2021-11-29</a:t>
+              <a:t>2021-11-30</a:t>
             </a:fld>
             <a:endParaRPr lang="ko-KR" altLang="en-US"/>
           </a:p>
@@ -7684,7 +7693,7 @@
           <a:p>
             <a:fld id="{9EEA4200-C903-4FD2-AC1C-BAE29F20E4A4}" type="datetimeFigureOut">
               <a:rPr lang="ko-KR" altLang="en-US" smtClean="0"/>
-              <a:t>2021-11-29</a:t>
+              <a:t>2021-11-30</a:t>
             </a:fld>
             <a:endParaRPr lang="ko-KR" altLang="en-US"/>
           </a:p>
@@ -7959,7 +7968,7 @@
           <a:p>
             <a:fld id="{9EEA4200-C903-4FD2-AC1C-BAE29F20E4A4}" type="datetimeFigureOut">
               <a:rPr lang="ko-KR" altLang="en-US" smtClean="0"/>
-              <a:t>2021-11-29</a:t>
+              <a:t>2021-11-30</a:t>
             </a:fld>
             <a:endParaRPr lang="ko-KR" altLang="en-US"/>
           </a:p>
@@ -8224,7 +8233,7 @@
           <a:p>
             <a:fld id="{9EEA4200-C903-4FD2-AC1C-BAE29F20E4A4}" type="datetimeFigureOut">
               <a:rPr lang="ko-KR" altLang="en-US" smtClean="0"/>
-              <a:t>2021-11-29</a:t>
+              <a:t>2021-11-30</a:t>
             </a:fld>
             <a:endParaRPr lang="ko-KR" altLang="en-US"/>
           </a:p>
@@ -8636,7 +8645,7 @@
           <a:p>
             <a:fld id="{9EEA4200-C903-4FD2-AC1C-BAE29F20E4A4}" type="datetimeFigureOut">
               <a:rPr lang="ko-KR" altLang="en-US" smtClean="0"/>
-              <a:t>2021-11-29</a:t>
+              <a:t>2021-11-30</a:t>
             </a:fld>
             <a:endParaRPr lang="ko-KR" altLang="en-US"/>
           </a:p>
@@ -8777,7 +8786,7 @@
           <a:p>
             <a:fld id="{9EEA4200-C903-4FD2-AC1C-BAE29F20E4A4}" type="datetimeFigureOut">
               <a:rPr lang="ko-KR" altLang="en-US" smtClean="0"/>
-              <a:t>2021-11-29</a:t>
+              <a:t>2021-11-30</a:t>
             </a:fld>
             <a:endParaRPr lang="ko-KR" altLang="en-US"/>
           </a:p>
@@ -8890,7 +8899,7 @@
           <a:p>
             <a:fld id="{9EEA4200-C903-4FD2-AC1C-BAE29F20E4A4}" type="datetimeFigureOut">
               <a:rPr lang="ko-KR" altLang="en-US" smtClean="0"/>
-              <a:t>2021-11-29</a:t>
+              <a:t>2021-11-30</a:t>
             </a:fld>
             <a:endParaRPr lang="ko-KR" altLang="en-US"/>
           </a:p>
@@ -9201,7 +9210,7 @@
           <a:p>
             <a:fld id="{9EEA4200-C903-4FD2-AC1C-BAE29F20E4A4}" type="datetimeFigureOut">
               <a:rPr lang="ko-KR" altLang="en-US" smtClean="0"/>
-              <a:t>2021-11-29</a:t>
+              <a:t>2021-11-30</a:t>
             </a:fld>
             <a:endParaRPr lang="ko-KR" altLang="en-US"/>
           </a:p>
@@ -9489,7 +9498,7 @@
           <a:p>
             <a:fld id="{9EEA4200-C903-4FD2-AC1C-BAE29F20E4A4}" type="datetimeFigureOut">
               <a:rPr lang="ko-KR" altLang="en-US" smtClean="0"/>
-              <a:t>2021-11-29</a:t>
+              <a:t>2021-11-30</a:t>
             </a:fld>
             <a:endParaRPr lang="ko-KR" altLang="en-US"/>
           </a:p>
@@ -9733,7 +9742,7 @@
           <a:p>
             <a:fld id="{9EEA4200-C903-4FD2-AC1C-BAE29F20E4A4}" type="datetimeFigureOut">
               <a:rPr lang="ko-KR" altLang="en-US" smtClean="0"/>
-              <a:t>2021-11-29</a:t>
+              <a:t>2021-11-30</a:t>
             </a:fld>
             <a:endParaRPr lang="ko-KR" altLang="en-US"/>
           </a:p>
@@ -10152,6 +10161,230 @@
       </p:grpSpPr>
       <p:pic>
         <p:nvPicPr>
+          <p:cNvPr id="4" name="그림 3">
+            <a:extLst>
+              <a:ext uri="{FF2B5EF4-FFF2-40B4-BE49-F238E27FC236}">
+                <a16:creationId xmlns:a16="http://schemas.microsoft.com/office/drawing/2014/main" id="{D0B419ED-8DBD-4027-A732-89F51DF0F841}"/>
+              </a:ext>
+            </a:extLst>
+          </p:cNvPr>
+          <p:cNvPicPr>
+            <a:picLocks noChangeAspect="1"/>
+          </p:cNvPicPr>
+          <p:nvPr/>
+        </p:nvPicPr>
+        <p:blipFill>
+          <a:blip r:embed="rId2"/>
+          <a:stretch>
+            <a:fillRect/>
+          </a:stretch>
+        </p:blipFill>
+        <p:spPr>
+          <a:xfrm>
+            <a:off x="2724150" y="1771650"/>
+            <a:ext cx="6743700" cy="3314700"/>
+          </a:xfrm>
+          <a:prstGeom prst="rect">
+            <a:avLst/>
+          </a:prstGeom>
+        </p:spPr>
+      </p:pic>
+      <p:pic>
+        <p:nvPicPr>
+          <p:cNvPr id="5" name="그림 4">
+            <a:extLst>
+              <a:ext uri="{FF2B5EF4-FFF2-40B4-BE49-F238E27FC236}">
+                <a16:creationId xmlns:a16="http://schemas.microsoft.com/office/drawing/2014/main" id="{141377A7-75B2-4188-9C25-0A46CB0A212D}"/>
+              </a:ext>
+            </a:extLst>
+          </p:cNvPr>
+          <p:cNvPicPr>
+            <a:picLocks noChangeAspect="1"/>
+          </p:cNvPicPr>
+          <p:nvPr/>
+        </p:nvPicPr>
+        <p:blipFill>
+          <a:blip r:embed="rId3">
+            <a:duotone>
+              <a:prstClr val="black"/>
+              <a:schemeClr val="accent1">
+                <a:tint val="45000"/>
+                <a:satMod val="400000"/>
+              </a:schemeClr>
+            </a:duotone>
+          </a:blip>
+          <a:stretch>
+            <a:fillRect/>
+          </a:stretch>
+        </p:blipFill>
+        <p:spPr>
+          <a:xfrm rot="19796575">
+            <a:off x="2161451" y="3658674"/>
+            <a:ext cx="4822354" cy="1347333"/>
+          </a:xfrm>
+          <a:prstGeom prst="rect">
+            <a:avLst/>
+          </a:prstGeom>
+        </p:spPr>
+      </p:pic>
+      <p:pic>
+        <p:nvPicPr>
+          <p:cNvPr id="6" name="그림 5">
+            <a:extLst>
+              <a:ext uri="{FF2B5EF4-FFF2-40B4-BE49-F238E27FC236}">
+                <a16:creationId xmlns:a16="http://schemas.microsoft.com/office/drawing/2014/main" id="{4E945025-5B04-4707-9FB7-A32DAE8AE3E3}"/>
+              </a:ext>
+            </a:extLst>
+          </p:cNvPr>
+          <p:cNvPicPr>
+            <a:picLocks noChangeAspect="1"/>
+          </p:cNvPicPr>
+          <p:nvPr/>
+        </p:nvPicPr>
+        <p:blipFill>
+          <a:blip r:embed="rId3">
+            <a:duotone>
+              <a:prstClr val="black"/>
+              <a:schemeClr val="accent2">
+                <a:tint val="45000"/>
+                <a:satMod val="400000"/>
+              </a:schemeClr>
+            </a:duotone>
+          </a:blip>
+          <a:stretch>
+            <a:fillRect/>
+          </a:stretch>
+        </p:blipFill>
+        <p:spPr>
+          <a:xfrm flipH="1">
+            <a:off x="2546113" y="2688335"/>
+            <a:ext cx="4822354" cy="1347333"/>
+          </a:xfrm>
+          <a:prstGeom prst="rect">
+            <a:avLst/>
+          </a:prstGeom>
+        </p:spPr>
+      </p:pic>
+      <p:pic>
+        <p:nvPicPr>
+          <p:cNvPr id="7" name="그림 6">
+            <a:extLst>
+              <a:ext uri="{FF2B5EF4-FFF2-40B4-BE49-F238E27FC236}">
+                <a16:creationId xmlns:a16="http://schemas.microsoft.com/office/drawing/2014/main" id="{1C104CD9-F1D7-4684-B83C-D347F7966A99}"/>
+              </a:ext>
+            </a:extLst>
+          </p:cNvPr>
+          <p:cNvPicPr>
+            <a:picLocks noChangeAspect="1"/>
+          </p:cNvPicPr>
+          <p:nvPr/>
+        </p:nvPicPr>
+        <p:blipFill>
+          <a:blip r:embed="rId3">
+            <a:duotone>
+              <a:prstClr val="black"/>
+              <a:schemeClr val="accent4">
+                <a:tint val="45000"/>
+                <a:satMod val="400000"/>
+              </a:schemeClr>
+            </a:duotone>
+          </a:blip>
+          <a:stretch>
+            <a:fillRect/>
+          </a:stretch>
+        </p:blipFill>
+        <p:spPr>
+          <a:xfrm rot="10800000">
+            <a:off x="9780823" y="5071625"/>
+            <a:ext cx="4822354" cy="1347333"/>
+          </a:xfrm>
+          <a:prstGeom prst="rect">
+            <a:avLst/>
+          </a:prstGeom>
+        </p:spPr>
+      </p:pic>
+      <p:sp>
+        <p:nvSpPr>
+          <p:cNvPr id="8" name="사각형: 둥근 모서리 7">
+            <a:extLst>
+              <a:ext uri="{FF2B5EF4-FFF2-40B4-BE49-F238E27FC236}">
+                <a16:creationId xmlns:a16="http://schemas.microsoft.com/office/drawing/2014/main" id="{994893E9-9AC6-4B39-8C31-992CC5279E7A}"/>
+              </a:ext>
+            </a:extLst>
+          </p:cNvPr>
+          <p:cNvSpPr/>
+          <p:nvPr/>
+        </p:nvSpPr>
+        <p:spPr>
+          <a:xfrm>
+            <a:off x="332509" y="129309"/>
+            <a:ext cx="3537527" cy="471608"/>
+          </a:xfrm>
+          <a:prstGeom prst="roundRect">
+            <a:avLst/>
+          </a:prstGeom>
+        </p:spPr>
+        <p:style>
+          <a:lnRef idx="2">
+            <a:schemeClr val="accent1">
+              <a:shade val="50000"/>
+            </a:schemeClr>
+          </a:lnRef>
+          <a:fillRef idx="1">
+            <a:schemeClr val="accent1"/>
+          </a:fillRef>
+          <a:effectRef idx="0">
+            <a:schemeClr val="accent1"/>
+          </a:effectRef>
+          <a:fontRef idx="minor">
+            <a:schemeClr val="lt1"/>
+          </a:fontRef>
+        </p:style>
+        <p:txBody>
+          <a:bodyPr rtlCol="0" anchor="ctr"/>
+          <a:lstStyle/>
+          <a:p>
+            <a:pPr algn="ctr"/>
+            <a:r>
+              <a:rPr lang="en-US" altLang="ko-KR" dirty="0"/>
+              <a:t>Stage 1</a:t>
+            </a:r>
+            <a:endParaRPr lang="ko-KR" altLang="en-US" dirty="0"/>
+          </a:p>
+        </p:txBody>
+      </p:sp>
+    </p:spTree>
+    <p:extLst>
+      <p:ext uri="{BB962C8B-B14F-4D97-AF65-F5344CB8AC3E}">
+        <p14:creationId xmlns:p14="http://schemas.microsoft.com/office/powerpoint/2010/main" val="4174163929"/>
+      </p:ext>
+    </p:extLst>
+  </p:cSld>
+  <p:clrMapOvr>
+    <a:masterClrMapping/>
+  </p:clrMapOvr>
+</p:sld>
+</file>
+
+<file path=ppt/slides/slide10.xml><?xml version="1.0" encoding="utf-8"?>
+<p:sld xmlns:a="http://schemas.openxmlformats.org/drawingml/2006/main" xmlns:r="http://schemas.openxmlformats.org/officeDocument/2006/relationships" xmlns:p="http://schemas.openxmlformats.org/presentationml/2006/main">
+  <p:cSld>
+    <p:spTree>
+      <p:nvGrpSpPr>
+        <p:cNvPr id="1" name=""/>
+        <p:cNvGrpSpPr/>
+        <p:nvPr/>
+      </p:nvGrpSpPr>
+      <p:grpSpPr>
+        <a:xfrm>
+          <a:off x="0" y="0"/>
+          <a:ext cx="0" cy="0"/>
+          <a:chOff x="0" y="0"/>
+          <a:chExt cx="0" cy="0"/>
+        </a:xfrm>
+      </p:grpSpPr>
+      <p:pic>
+        <p:nvPicPr>
           <p:cNvPr id="28" name="그림 27">
             <a:extLst>
               <a:ext uri="{FF2B5EF4-FFF2-40B4-BE49-F238E27FC236}">
@@ -10233,913 +10466,7 @@
 </p:sld>
 </file>
 
-<file path=ppt/slides/slide10.xml><?xml version="1.0" encoding="utf-8"?>
-<p:sld xmlns:a="http://schemas.openxmlformats.org/drawingml/2006/main" xmlns:r="http://schemas.openxmlformats.org/officeDocument/2006/relationships" xmlns:p="http://schemas.openxmlformats.org/presentationml/2006/main">
-  <p:cSld>
-    <p:spTree>
-      <p:nvGrpSpPr>
-        <p:cNvPr id="1" name=""/>
-        <p:cNvGrpSpPr/>
-        <p:nvPr/>
-      </p:nvGrpSpPr>
-      <p:grpSpPr>
-        <a:xfrm>
-          <a:off x="0" y="0"/>
-          <a:ext cx="0" cy="0"/>
-          <a:chOff x="0" y="0"/>
-          <a:chExt cx="0" cy="0"/>
-        </a:xfrm>
-      </p:grpSpPr>
-      <p:sp>
-        <p:nvSpPr>
-          <p:cNvPr id="7" name="TextBox 6">
-            <a:extLst>
-              <a:ext uri="{FF2B5EF4-FFF2-40B4-BE49-F238E27FC236}">
-                <a16:creationId xmlns:a16="http://schemas.microsoft.com/office/drawing/2014/main" id="{E0F65636-5DC5-4FFE-9878-65A274FB3605}"/>
-              </a:ext>
-            </a:extLst>
-          </p:cNvPr>
-          <p:cNvSpPr txBox="1"/>
-          <p:nvPr/>
-        </p:nvSpPr>
-        <p:spPr>
-          <a:xfrm>
-            <a:off x="1427876" y="591330"/>
-            <a:ext cx="7639924" cy="3416320"/>
-          </a:xfrm>
-          <a:prstGeom prst="rect">
-            <a:avLst/>
-          </a:prstGeom>
-          <a:noFill/>
-        </p:spPr>
-        <p:txBody>
-          <a:bodyPr wrap="square">
-            <a:spAutoFit/>
-          </a:bodyPr>
-          <a:lstStyle/>
-          <a:p>
-            <a:r>
-              <a:rPr lang="en-US" altLang="ko-KR" dirty="0"/>
-              <a:t>0. </a:t>
-            </a:r>
-            <a:r>
-              <a:rPr lang="ko-KR" altLang="en-US" dirty="0"/>
-              <a:t>주체 선택 </a:t>
-            </a:r>
-            <a:r>
-              <a:rPr lang="en-US" altLang="ko-KR" dirty="0"/>
-              <a:t>- </a:t>
-            </a:r>
-            <a:r>
-              <a:rPr lang="ko-KR" altLang="en-US" dirty="0"/>
-              <a:t>주체가 될 공이 있는 셀을 선택하며</a:t>
-            </a:r>
-            <a:r>
-              <a:rPr lang="en-US" altLang="ko-KR" dirty="0"/>
-              <a:t>, </a:t>
-            </a:r>
-            <a:r>
-              <a:rPr lang="ko-KR" altLang="en-US" dirty="0"/>
-              <a:t>주체가 속한 셀은 </a:t>
-            </a:r>
-            <a:endParaRPr lang="en-US" altLang="ko-KR" dirty="0"/>
-          </a:p>
-          <a:p>
-            <a:r>
-              <a:rPr lang="en-US" altLang="ko-KR" dirty="0"/>
-              <a:t>    </a:t>
-            </a:r>
-            <a:r>
-              <a:rPr lang="ko-KR" altLang="en-US" dirty="0"/>
-              <a:t>중력의 방향은 모든 셀의 중력의 방향을 좌지우지 합니다</a:t>
-            </a:r>
-            <a:r>
-              <a:rPr lang="en-US" altLang="ko-KR" dirty="0"/>
-              <a:t>.</a:t>
-            </a:r>
-          </a:p>
-          <a:p>
-            <a:endParaRPr lang="en-US" altLang="ko-KR" dirty="0"/>
-          </a:p>
-          <a:p>
-            <a:pPr marL="342900" indent="-342900">
-              <a:buAutoNum type="arabicPeriod"/>
-            </a:pPr>
-            <a:r>
-              <a:rPr lang="ko-KR" altLang="en-US" dirty="0"/>
-              <a:t>목적지 설정 </a:t>
-            </a:r>
-            <a:r>
-              <a:rPr lang="en-US" altLang="ko-KR" dirty="0"/>
-              <a:t>- </a:t>
-            </a:r>
-            <a:r>
-              <a:rPr lang="ko-KR" altLang="en-US" dirty="0"/>
-              <a:t>주체가 포함 된 셀에서 주체와 다른 공들의 목적지를 지정한다</a:t>
-            </a:r>
-            <a:r>
-              <a:rPr lang="en-US" altLang="ko-KR" dirty="0"/>
-              <a:t>.</a:t>
-            </a:r>
-          </a:p>
-          <a:p>
-            <a:pPr marL="342900" indent="-342900">
-              <a:buAutoNum type="arabicPeriod"/>
-            </a:pPr>
-            <a:endParaRPr lang="en-US" altLang="ko-KR" dirty="0"/>
-          </a:p>
-          <a:p>
-            <a:pPr marL="342900" indent="-342900">
-              <a:buAutoNum type="arabicPeriod"/>
-            </a:pPr>
-            <a:r>
-              <a:rPr lang="ko-KR" altLang="en-US" dirty="0"/>
-              <a:t>중력장 설정</a:t>
-            </a:r>
-            <a:r>
-              <a:rPr lang="en-US" altLang="ko-KR" dirty="0"/>
-              <a:t> – </a:t>
-            </a:r>
-            <a:r>
-              <a:rPr lang="ko-KR" altLang="en-US" dirty="0"/>
-              <a:t>공들이 움직일 방향을 바꿔주는 중력장을 최대 </a:t>
-            </a:r>
-            <a:r>
-              <a:rPr lang="en-US" altLang="ko-KR" dirty="0"/>
-              <a:t>n</a:t>
-            </a:r>
-            <a:r>
-              <a:rPr lang="ko-KR" altLang="en-US" dirty="0"/>
-              <a:t>개 설치합니다</a:t>
-            </a:r>
-            <a:r>
-              <a:rPr lang="en-US" altLang="ko-KR" dirty="0"/>
-              <a:t>.</a:t>
-            </a:r>
-          </a:p>
-          <a:p>
-            <a:pPr marL="342900" indent="-342900">
-              <a:buAutoNum type="arabicPeriod"/>
-            </a:pPr>
-            <a:endParaRPr lang="en-US" altLang="ko-KR" dirty="0"/>
-          </a:p>
-          <a:p>
-            <a:pPr marL="342900" indent="-342900">
-              <a:buAutoNum type="arabicPeriod"/>
-            </a:pPr>
-            <a:r>
-              <a:rPr lang="ko-KR" altLang="en-US" dirty="0"/>
-              <a:t>파티 볼 이동 </a:t>
-            </a:r>
-            <a:r>
-              <a:rPr lang="en-US" altLang="ko-KR" dirty="0"/>
-              <a:t>– </a:t>
-            </a:r>
-            <a:r>
-              <a:rPr lang="ko-KR" altLang="en-US" dirty="0"/>
-              <a:t>공들이 움직입니다</a:t>
-            </a:r>
-            <a:r>
-              <a:rPr lang="en-US" altLang="ko-KR" dirty="0"/>
-              <a:t>.</a:t>
-            </a:r>
-          </a:p>
-          <a:p>
-            <a:pPr marL="342900" indent="-342900">
-              <a:buAutoNum type="arabicPeriod"/>
-            </a:pPr>
-            <a:endParaRPr lang="en-US" altLang="ko-KR" dirty="0"/>
-          </a:p>
-          <a:p>
-            <a:pPr marL="342900" indent="-342900">
-              <a:buAutoNum type="arabicPeriod"/>
-            </a:pPr>
-            <a:r>
-              <a:rPr lang="ko-KR" altLang="en-US" dirty="0"/>
-              <a:t>중력장 재생성 </a:t>
-            </a:r>
-            <a:r>
-              <a:rPr lang="en-US" altLang="ko-KR" dirty="0"/>
-              <a:t>– </a:t>
-            </a:r>
-            <a:r>
-              <a:rPr lang="ko-KR" altLang="en-US" dirty="0"/>
-              <a:t>재생성 가능</a:t>
-            </a:r>
-            <a:endParaRPr lang="en-US" altLang="ko-KR" dirty="0"/>
-          </a:p>
-        </p:txBody>
-      </p:sp>
-    </p:spTree>
-    <p:extLst>
-      <p:ext uri="{BB962C8B-B14F-4D97-AF65-F5344CB8AC3E}">
-        <p14:creationId xmlns:p14="http://schemas.microsoft.com/office/powerpoint/2010/main" val="1929962801"/>
-      </p:ext>
-    </p:extLst>
-  </p:cSld>
-  <p:clrMapOvr>
-    <a:masterClrMapping/>
-  </p:clrMapOvr>
-</p:sld>
-</file>
-
 <file path=ppt/slides/slide11.xml><?xml version="1.0" encoding="utf-8"?>
-<p:sld xmlns:a="http://schemas.openxmlformats.org/drawingml/2006/main" xmlns:r="http://schemas.openxmlformats.org/officeDocument/2006/relationships" xmlns:p="http://schemas.openxmlformats.org/presentationml/2006/main">
-  <p:cSld>
-    <p:spTree>
-      <p:nvGrpSpPr>
-        <p:cNvPr id="1" name=""/>
-        <p:cNvGrpSpPr/>
-        <p:nvPr/>
-      </p:nvGrpSpPr>
-      <p:grpSpPr>
-        <a:xfrm>
-          <a:off x="0" y="0"/>
-          <a:ext cx="0" cy="0"/>
-          <a:chOff x="0" y="0"/>
-          <a:chExt cx="0" cy="0"/>
-        </a:xfrm>
-      </p:grpSpPr>
-      <p:sp>
-        <p:nvSpPr>
-          <p:cNvPr id="6" name="이등변 삼각형 5">
-            <a:extLst>
-              <a:ext uri="{FF2B5EF4-FFF2-40B4-BE49-F238E27FC236}">
-                <a16:creationId xmlns:a16="http://schemas.microsoft.com/office/drawing/2014/main" id="{54B6F421-E2DB-4144-B2C8-60FDFB8FF60D}"/>
-              </a:ext>
-            </a:extLst>
-          </p:cNvPr>
-          <p:cNvSpPr/>
-          <p:nvPr/>
-        </p:nvSpPr>
-        <p:spPr>
-          <a:xfrm rot="10800000">
-            <a:off x="3251433" y="3782806"/>
-            <a:ext cx="2340530" cy="2017698"/>
-          </a:xfrm>
-          <a:prstGeom prst="triangle">
-            <a:avLst/>
-          </a:prstGeom>
-          <a:solidFill>
-            <a:schemeClr val="bg1"/>
-          </a:solidFill>
-          <a:ln>
-            <a:solidFill>
-              <a:schemeClr val="tx1"/>
-            </a:solidFill>
-          </a:ln>
-        </p:spPr>
-        <p:style>
-          <a:lnRef idx="2">
-            <a:schemeClr val="accent1">
-              <a:shade val="50000"/>
-            </a:schemeClr>
-          </a:lnRef>
-          <a:fillRef idx="1">
-            <a:schemeClr val="accent1"/>
-          </a:fillRef>
-          <a:effectRef idx="0">
-            <a:schemeClr val="accent1"/>
-          </a:effectRef>
-          <a:fontRef idx="minor">
-            <a:schemeClr val="lt1"/>
-          </a:fontRef>
-        </p:style>
-        <p:txBody>
-          <a:bodyPr rtlCol="0" anchor="ctr"/>
-          <a:lstStyle/>
-          <a:p>
-            <a:pPr algn="ctr"/>
-            <a:endParaRPr lang="ko-KR" altLang="en-US"/>
-          </a:p>
-        </p:txBody>
-      </p:sp>
-      <p:sp>
-        <p:nvSpPr>
-          <p:cNvPr id="7" name="이등변 삼각형 6">
-            <a:extLst>
-              <a:ext uri="{FF2B5EF4-FFF2-40B4-BE49-F238E27FC236}">
-                <a16:creationId xmlns:a16="http://schemas.microsoft.com/office/drawing/2014/main" id="{D0DFD1EB-25EB-41F8-93A6-7237A1B9DF22}"/>
-              </a:ext>
-            </a:extLst>
-          </p:cNvPr>
-          <p:cNvSpPr/>
-          <p:nvPr/>
-        </p:nvSpPr>
-        <p:spPr>
-          <a:xfrm>
-            <a:off x="3251432" y="1694501"/>
-            <a:ext cx="2340530" cy="2017698"/>
-          </a:xfrm>
-          <a:prstGeom prst="triangle">
-            <a:avLst/>
-          </a:prstGeom>
-          <a:solidFill>
-            <a:schemeClr val="bg1"/>
-          </a:solidFill>
-          <a:ln>
-            <a:solidFill>
-              <a:schemeClr val="tx1"/>
-            </a:solidFill>
-          </a:ln>
-        </p:spPr>
-        <p:style>
-          <a:lnRef idx="2">
-            <a:schemeClr val="accent1">
-              <a:shade val="50000"/>
-            </a:schemeClr>
-          </a:lnRef>
-          <a:fillRef idx="1">
-            <a:schemeClr val="accent1"/>
-          </a:fillRef>
-          <a:effectRef idx="0">
-            <a:schemeClr val="accent1"/>
-          </a:effectRef>
-          <a:fontRef idx="minor">
-            <a:schemeClr val="lt1"/>
-          </a:fontRef>
-        </p:style>
-        <p:txBody>
-          <a:bodyPr rtlCol="0" anchor="ctr"/>
-          <a:lstStyle/>
-          <a:p>
-            <a:pPr algn="ctr"/>
-            <a:endParaRPr lang="ko-KR" altLang="en-US"/>
-          </a:p>
-        </p:txBody>
-      </p:sp>
-      <p:sp>
-        <p:nvSpPr>
-          <p:cNvPr id="8" name="이등변 삼각형 7">
-            <a:extLst>
-              <a:ext uri="{FF2B5EF4-FFF2-40B4-BE49-F238E27FC236}">
-                <a16:creationId xmlns:a16="http://schemas.microsoft.com/office/drawing/2014/main" id="{0E5CA458-52A2-43FB-80DB-22B9106D0312}"/>
-              </a:ext>
-            </a:extLst>
-          </p:cNvPr>
-          <p:cNvSpPr/>
-          <p:nvPr/>
-        </p:nvSpPr>
-        <p:spPr>
-          <a:xfrm>
-            <a:off x="4105291" y="2577515"/>
-            <a:ext cx="291937" cy="251670"/>
-          </a:xfrm>
-          <a:prstGeom prst="triangle">
-            <a:avLst/>
-          </a:prstGeom>
-        </p:spPr>
-        <p:style>
-          <a:lnRef idx="2">
-            <a:schemeClr val="accent1">
-              <a:shade val="50000"/>
-            </a:schemeClr>
-          </a:lnRef>
-          <a:fillRef idx="1">
-            <a:schemeClr val="accent1"/>
-          </a:fillRef>
-          <a:effectRef idx="0">
-            <a:schemeClr val="accent1"/>
-          </a:effectRef>
-          <a:fontRef idx="minor">
-            <a:schemeClr val="lt1"/>
-          </a:fontRef>
-        </p:style>
-        <p:txBody>
-          <a:bodyPr rtlCol="0" anchor="ctr"/>
-          <a:lstStyle/>
-          <a:p>
-            <a:pPr algn="ctr"/>
-            <a:endParaRPr lang="ko-KR" altLang="en-US"/>
-          </a:p>
-        </p:txBody>
-      </p:sp>
-      <p:sp>
-        <p:nvSpPr>
-          <p:cNvPr id="9" name="직사각형 8">
-            <a:extLst>
-              <a:ext uri="{FF2B5EF4-FFF2-40B4-BE49-F238E27FC236}">
-                <a16:creationId xmlns:a16="http://schemas.microsoft.com/office/drawing/2014/main" id="{1C3CD3A3-B1F1-4C38-ACDE-8594E9C3454B}"/>
-              </a:ext>
-            </a:extLst>
-          </p:cNvPr>
-          <p:cNvSpPr/>
-          <p:nvPr/>
-        </p:nvSpPr>
-        <p:spPr>
-          <a:xfrm>
-            <a:off x="4550888" y="3000323"/>
-            <a:ext cx="318782" cy="318782"/>
-          </a:xfrm>
-          <a:prstGeom prst="rect">
-            <a:avLst/>
-          </a:prstGeom>
-        </p:spPr>
-        <p:style>
-          <a:lnRef idx="2">
-            <a:schemeClr val="accent1">
-              <a:shade val="50000"/>
-            </a:schemeClr>
-          </a:lnRef>
-          <a:fillRef idx="1">
-            <a:schemeClr val="accent1"/>
-          </a:fillRef>
-          <a:effectRef idx="0">
-            <a:schemeClr val="accent1"/>
-          </a:effectRef>
-          <a:fontRef idx="minor">
-            <a:schemeClr val="lt1"/>
-          </a:fontRef>
-        </p:style>
-        <p:txBody>
-          <a:bodyPr rtlCol="0" anchor="ctr"/>
-          <a:lstStyle/>
-          <a:p>
-            <a:pPr algn="ctr"/>
-            <a:endParaRPr lang="ko-KR" altLang="en-US"/>
-          </a:p>
-        </p:txBody>
-      </p:sp>
-    </p:spTree>
-    <p:extLst>
-      <p:ext uri="{BB962C8B-B14F-4D97-AF65-F5344CB8AC3E}">
-        <p14:creationId xmlns:p14="http://schemas.microsoft.com/office/powerpoint/2010/main" val="3388440209"/>
-      </p:ext>
-    </p:extLst>
-  </p:cSld>
-  <p:clrMapOvr>
-    <a:masterClrMapping/>
-  </p:clrMapOvr>
-</p:sld>
-</file>
-
-<file path=ppt/slides/slide12.xml><?xml version="1.0" encoding="utf-8"?>
-<p:sld xmlns:a="http://schemas.openxmlformats.org/drawingml/2006/main" xmlns:r="http://schemas.openxmlformats.org/officeDocument/2006/relationships" xmlns:p="http://schemas.openxmlformats.org/presentationml/2006/main">
-  <p:cSld>
-    <p:spTree>
-      <p:nvGrpSpPr>
-        <p:cNvPr id="1" name=""/>
-        <p:cNvGrpSpPr/>
-        <p:nvPr/>
-      </p:nvGrpSpPr>
-      <p:grpSpPr>
-        <a:xfrm>
-          <a:off x="0" y="0"/>
-          <a:ext cx="0" cy="0"/>
-          <a:chOff x="0" y="0"/>
-          <a:chExt cx="0" cy="0"/>
-        </a:xfrm>
-      </p:grpSpPr>
-      <p:sp>
-        <p:nvSpPr>
-          <p:cNvPr id="4" name="TextBox 3">
-            <a:extLst>
-              <a:ext uri="{FF2B5EF4-FFF2-40B4-BE49-F238E27FC236}">
-                <a16:creationId xmlns:a16="http://schemas.microsoft.com/office/drawing/2014/main" id="{FD96F8E7-8716-4035-9402-EC15AC56FDBC}"/>
-              </a:ext>
-            </a:extLst>
-          </p:cNvPr>
-          <p:cNvSpPr txBox="1"/>
-          <p:nvPr/>
-        </p:nvSpPr>
-        <p:spPr>
-          <a:xfrm>
-            <a:off x="11627223" y="6412566"/>
-            <a:ext cx="564777" cy="369332"/>
-          </a:xfrm>
-          <a:prstGeom prst="rect">
-            <a:avLst/>
-          </a:prstGeom>
-          <a:noFill/>
-        </p:spPr>
-        <p:txBody>
-          <a:bodyPr wrap="square" rtlCol="0">
-            <a:spAutoFit/>
-          </a:bodyPr>
-          <a:lstStyle/>
-          <a:p>
-            <a:r>
-              <a:rPr lang="en-US" altLang="ko-KR" dirty="0">
-                <a:latin typeface="Eras Bold ITC" panose="020B0907030504020204" pitchFamily="34" charset="0"/>
-              </a:rPr>
-              <a:t>p2</a:t>
-            </a:r>
-            <a:r>
-              <a:rPr lang="ko-KR" altLang="en-US" dirty="0"/>
-              <a:t> </a:t>
-            </a:r>
-          </a:p>
-        </p:txBody>
-      </p:sp>
-      <p:sp>
-        <p:nvSpPr>
-          <p:cNvPr id="5" name="TextBox 4">
-            <a:extLst>
-              <a:ext uri="{FF2B5EF4-FFF2-40B4-BE49-F238E27FC236}">
-                <a16:creationId xmlns:a16="http://schemas.microsoft.com/office/drawing/2014/main" id="{BEC16DE9-AC68-4C24-8494-4EEFE6451F8F}"/>
-              </a:ext>
-            </a:extLst>
-          </p:cNvPr>
-          <p:cNvSpPr txBox="1"/>
-          <p:nvPr/>
-        </p:nvSpPr>
-        <p:spPr>
-          <a:xfrm>
-            <a:off x="463177" y="260768"/>
-            <a:ext cx="9858789" cy="1200329"/>
-          </a:xfrm>
-          <a:prstGeom prst="rect">
-            <a:avLst/>
-          </a:prstGeom>
-          <a:noFill/>
-        </p:spPr>
-        <p:txBody>
-          <a:bodyPr wrap="none" rtlCol="0">
-            <a:spAutoFit/>
-          </a:bodyPr>
-          <a:lstStyle/>
-          <a:p>
-            <a:r>
-              <a:rPr lang="en-US" altLang="ko-KR" sz="3200" b="1" dirty="0" err="1">
-                <a:latin typeface="Eras Bold ITC" panose="020B0907030504020204" pitchFamily="34" charset="0"/>
-              </a:rPr>
-              <a:t>Project_TheBalls</a:t>
-            </a:r>
-            <a:r>
-              <a:rPr lang="ko-KR" altLang="en-US" sz="3200" b="1" dirty="0"/>
-              <a:t>란</a:t>
-            </a:r>
-            <a:r>
-              <a:rPr lang="en-US" altLang="ko-KR" sz="3200" b="1" dirty="0"/>
-              <a:t>?</a:t>
-            </a:r>
-          </a:p>
-          <a:p>
-            <a:r>
-              <a:rPr lang="ko-KR" altLang="en-US" sz="2000" b="1" dirty="0">
-                <a:solidFill>
-                  <a:srgbClr val="FF3300"/>
-                </a:solidFill>
-              </a:rPr>
-              <a:t>조작을 공유하는 </a:t>
-            </a:r>
-            <a:r>
-              <a:rPr lang="ko-KR" altLang="en-US" sz="2000" b="1" dirty="0"/>
-              <a:t>여러 개의 공을 올바른 탈출구에 도착하게 만드는 퍼즐 게임입니다</a:t>
-            </a:r>
-            <a:r>
-              <a:rPr lang="en-US" altLang="ko-KR" sz="2000" b="1" dirty="0"/>
-              <a:t>.</a:t>
-            </a:r>
-          </a:p>
-          <a:p>
-            <a:r>
-              <a:rPr lang="ko-KR" altLang="en-US" sz="2000" b="1" dirty="0"/>
-              <a:t>플레이어는 여러 번의 시도 끝에 </a:t>
-            </a:r>
-            <a:r>
-              <a:rPr lang="ko-KR" altLang="en-US" sz="2000" b="1" dirty="0">
-                <a:solidFill>
-                  <a:srgbClr val="FF3300"/>
-                </a:solidFill>
-              </a:rPr>
-              <a:t>적절한 조작을 찾아 </a:t>
-            </a:r>
-            <a:r>
-              <a:rPr lang="ko-KR" altLang="en-US" sz="2000" b="1" dirty="0"/>
-              <a:t>퍼즐을 풀어야 합니다</a:t>
-            </a:r>
-            <a:r>
-              <a:rPr lang="en-US" altLang="ko-KR" sz="2000" b="1" dirty="0"/>
-              <a:t>.</a:t>
-            </a:r>
-            <a:endParaRPr lang="ko-KR" altLang="en-US" sz="2000" b="1" dirty="0"/>
-          </a:p>
-        </p:txBody>
-      </p:sp>
-      <p:pic>
-        <p:nvPicPr>
-          <p:cNvPr id="12" name="그림 11">
-            <a:extLst>
-              <a:ext uri="{FF2B5EF4-FFF2-40B4-BE49-F238E27FC236}">
-                <a16:creationId xmlns:a16="http://schemas.microsoft.com/office/drawing/2014/main" id="{51A25B53-BCCC-41B4-B415-15BDB83C59EE}"/>
-              </a:ext>
-            </a:extLst>
-          </p:cNvPr>
-          <p:cNvPicPr>
-            <a:picLocks noChangeAspect="1"/>
-          </p:cNvPicPr>
-          <p:nvPr/>
-        </p:nvPicPr>
-        <p:blipFill>
-          <a:blip r:embed="rId2"/>
-          <a:stretch>
-            <a:fillRect/>
-          </a:stretch>
-        </p:blipFill>
-        <p:spPr>
-          <a:xfrm>
-            <a:off x="227012" y="5081987"/>
-            <a:ext cx="7663336" cy="1591194"/>
-          </a:xfrm>
-          <a:prstGeom prst="rect">
-            <a:avLst/>
-          </a:prstGeom>
-        </p:spPr>
-      </p:pic>
-      <p:grpSp>
-        <p:nvGrpSpPr>
-          <p:cNvPr id="6" name="그룹 5">
-            <a:extLst>
-              <a:ext uri="{FF2B5EF4-FFF2-40B4-BE49-F238E27FC236}">
-                <a16:creationId xmlns:a16="http://schemas.microsoft.com/office/drawing/2014/main" id="{52C72FBD-6E87-44BA-BAA8-68E619E8E9C9}"/>
-              </a:ext>
-            </a:extLst>
-          </p:cNvPr>
-          <p:cNvGrpSpPr/>
-          <p:nvPr/>
-        </p:nvGrpSpPr>
-        <p:grpSpPr>
-          <a:xfrm>
-            <a:off x="227012" y="1519072"/>
-            <a:ext cx="11845555" cy="3335589"/>
-            <a:chOff x="173222" y="1692610"/>
-            <a:chExt cx="11845555" cy="3335589"/>
-          </a:xfrm>
-        </p:grpSpPr>
-        <p:sp>
-          <p:nvSpPr>
-            <p:cNvPr id="8" name="TextBox 7">
-              <a:extLst>
-                <a:ext uri="{FF2B5EF4-FFF2-40B4-BE49-F238E27FC236}">
-                  <a16:creationId xmlns:a16="http://schemas.microsoft.com/office/drawing/2014/main" id="{BA5DC3D1-E449-4369-8361-6484D9062500}"/>
-                </a:ext>
-              </a:extLst>
-            </p:cNvPr>
-            <p:cNvSpPr txBox="1"/>
-            <p:nvPr/>
-          </p:nvSpPr>
-          <p:spPr>
-            <a:xfrm>
-              <a:off x="597648" y="4197204"/>
-              <a:ext cx="1634564" cy="584775"/>
-            </a:xfrm>
-            <a:prstGeom prst="rect">
-              <a:avLst/>
-            </a:prstGeom>
-            <a:noFill/>
-          </p:spPr>
-          <p:txBody>
-            <a:bodyPr wrap="square">
-              <a:spAutoFit/>
-            </a:bodyPr>
-            <a:lstStyle/>
-            <a:p>
-              <a:pPr algn="ctr"/>
-              <a:r>
-                <a:rPr lang="ko-KR" altLang="en-US" sz="1600" dirty="0"/>
-                <a:t>주체가 되는 맵을 선택합니다</a:t>
-              </a:r>
-              <a:r>
-                <a:rPr lang="en-US" altLang="ko-KR" sz="1600" dirty="0"/>
-                <a:t>.</a:t>
-              </a:r>
-              <a:endParaRPr lang="ko-KR" altLang="en-US" sz="1600" dirty="0"/>
-            </a:p>
-          </p:txBody>
-        </p:sp>
-        <p:sp>
-          <p:nvSpPr>
-            <p:cNvPr id="9" name="TextBox 8">
-              <a:extLst>
-                <a:ext uri="{FF2B5EF4-FFF2-40B4-BE49-F238E27FC236}">
-                  <a16:creationId xmlns:a16="http://schemas.microsoft.com/office/drawing/2014/main" id="{95FDDE2F-6091-42C6-AA7F-53BDB61BCF4D}"/>
-                </a:ext>
-              </a:extLst>
-            </p:cNvPr>
-            <p:cNvSpPr txBox="1"/>
-            <p:nvPr/>
-          </p:nvSpPr>
-          <p:spPr>
-            <a:xfrm>
-              <a:off x="3758007" y="4197202"/>
-              <a:ext cx="1634564" cy="584775"/>
-            </a:xfrm>
-            <a:prstGeom prst="rect">
-              <a:avLst/>
-            </a:prstGeom>
-            <a:noFill/>
-          </p:spPr>
-          <p:txBody>
-            <a:bodyPr wrap="square">
-              <a:spAutoFit/>
-            </a:bodyPr>
-            <a:lstStyle/>
-            <a:p>
-              <a:pPr algn="ctr"/>
-              <a:r>
-                <a:rPr lang="ko-KR" altLang="en-US" sz="1600" dirty="0"/>
-                <a:t>공의 목적지를 설정합니다</a:t>
-              </a:r>
-              <a:r>
-                <a:rPr lang="en-US" altLang="ko-KR" sz="1600" dirty="0"/>
-                <a:t>.</a:t>
-              </a:r>
-              <a:endParaRPr lang="ko-KR" altLang="en-US" sz="1600" dirty="0"/>
-            </a:p>
-          </p:txBody>
-        </p:sp>
-        <p:sp>
-          <p:nvSpPr>
-            <p:cNvPr id="10" name="TextBox 9">
-              <a:extLst>
-                <a:ext uri="{FF2B5EF4-FFF2-40B4-BE49-F238E27FC236}">
-                  <a16:creationId xmlns:a16="http://schemas.microsoft.com/office/drawing/2014/main" id="{CC505703-8318-4444-AD95-A4EC3D124246}"/>
-                </a:ext>
-              </a:extLst>
-            </p:cNvPr>
-            <p:cNvSpPr txBox="1"/>
-            <p:nvPr/>
-          </p:nvSpPr>
-          <p:spPr>
-            <a:xfrm>
-              <a:off x="6918366" y="4197202"/>
-              <a:ext cx="1634564" cy="830997"/>
-            </a:xfrm>
-            <a:prstGeom prst="rect">
-              <a:avLst/>
-            </a:prstGeom>
-            <a:noFill/>
-          </p:spPr>
-          <p:txBody>
-            <a:bodyPr wrap="square">
-              <a:spAutoFit/>
-            </a:bodyPr>
-            <a:lstStyle/>
-            <a:p>
-              <a:pPr algn="ctr"/>
-              <a:r>
-                <a:rPr lang="ko-KR" altLang="en-US" sz="1600" dirty="0"/>
-                <a:t>드래그를 통해 중력의 방향을 바꿉니다</a:t>
-              </a:r>
-              <a:r>
-                <a:rPr lang="en-US" altLang="ko-KR" sz="1600" dirty="0"/>
-                <a:t>.</a:t>
-              </a:r>
-              <a:r>
-                <a:rPr lang="ko-KR" altLang="en-US" sz="1600" dirty="0"/>
-                <a:t> </a:t>
-              </a:r>
-            </a:p>
-          </p:txBody>
-        </p:sp>
-        <p:sp>
-          <p:nvSpPr>
-            <p:cNvPr id="11" name="TextBox 10">
-              <a:extLst>
-                <a:ext uri="{FF2B5EF4-FFF2-40B4-BE49-F238E27FC236}">
-                  <a16:creationId xmlns:a16="http://schemas.microsoft.com/office/drawing/2014/main" id="{8ACB8E5F-1AC4-4C3E-BCEA-BABBB701A58A}"/>
-                </a:ext>
-              </a:extLst>
-            </p:cNvPr>
-            <p:cNvSpPr txBox="1"/>
-            <p:nvPr/>
-          </p:nvSpPr>
-          <p:spPr>
-            <a:xfrm>
-              <a:off x="10029118" y="4197202"/>
-              <a:ext cx="1634564" cy="584775"/>
-            </a:xfrm>
-            <a:prstGeom prst="rect">
-              <a:avLst/>
-            </a:prstGeom>
-            <a:noFill/>
-          </p:spPr>
-          <p:txBody>
-            <a:bodyPr wrap="square">
-              <a:spAutoFit/>
-            </a:bodyPr>
-            <a:lstStyle/>
-            <a:p>
-              <a:pPr algn="ctr"/>
-              <a:r>
-                <a:rPr lang="ko-KR" altLang="en-US" sz="1600" dirty="0"/>
-                <a:t>공을 탈출구로 내보냅니다</a:t>
-              </a:r>
-              <a:r>
-                <a:rPr lang="en-US" altLang="ko-KR" sz="1600" dirty="0"/>
-                <a:t>.</a:t>
-              </a:r>
-              <a:endParaRPr lang="ko-KR" altLang="en-US" sz="1600" dirty="0"/>
-            </a:p>
-          </p:txBody>
-        </p:sp>
-        <p:grpSp>
-          <p:nvGrpSpPr>
-            <p:cNvPr id="3" name="그룹 2">
-              <a:extLst>
-                <a:ext uri="{FF2B5EF4-FFF2-40B4-BE49-F238E27FC236}">
-                  <a16:creationId xmlns:a16="http://schemas.microsoft.com/office/drawing/2014/main" id="{F206D1C2-E19F-46FA-944D-25DE35763C5C}"/>
-                </a:ext>
-              </a:extLst>
-            </p:cNvPr>
-            <p:cNvGrpSpPr/>
-            <p:nvPr/>
-          </p:nvGrpSpPr>
-          <p:grpSpPr>
-            <a:xfrm>
-              <a:off x="173222" y="1692610"/>
-              <a:ext cx="11845555" cy="2450804"/>
-              <a:chOff x="173222" y="1692610"/>
-              <a:chExt cx="11845555" cy="2450804"/>
-            </a:xfrm>
-          </p:grpSpPr>
-          <p:pic>
-            <p:nvPicPr>
-              <p:cNvPr id="2" name="그림 1">
-                <a:extLst>
-                  <a:ext uri="{FF2B5EF4-FFF2-40B4-BE49-F238E27FC236}">
-                    <a16:creationId xmlns:a16="http://schemas.microsoft.com/office/drawing/2014/main" id="{5B140469-E126-4714-89AA-2EA4D95D62A2}"/>
-                  </a:ext>
-                </a:extLst>
-              </p:cNvPr>
-              <p:cNvPicPr>
-                <a:picLocks noChangeAspect="1"/>
-              </p:cNvPicPr>
-              <p:nvPr/>
-            </p:nvPicPr>
-            <p:blipFill>
-              <a:blip r:embed="rId3"/>
-              <a:stretch>
-                <a:fillRect/>
-              </a:stretch>
-            </p:blipFill>
-            <p:spPr>
-              <a:xfrm>
-                <a:off x="173222" y="1692610"/>
-                <a:ext cx="11845555" cy="2450804"/>
-              </a:xfrm>
-              <a:prstGeom prst="rect">
-                <a:avLst/>
-              </a:prstGeom>
-            </p:spPr>
-          </p:pic>
-          <p:pic>
-            <p:nvPicPr>
-              <p:cNvPr id="16" name="그림 15">
-                <a:extLst>
-                  <a:ext uri="{FF2B5EF4-FFF2-40B4-BE49-F238E27FC236}">
-                    <a16:creationId xmlns:a16="http://schemas.microsoft.com/office/drawing/2014/main" id="{1BF37144-078E-4E08-ADE7-CC7BAAE23548}"/>
-                  </a:ext>
-                </a:extLst>
-              </p:cNvPr>
-              <p:cNvPicPr>
-                <a:picLocks noChangeAspect="1"/>
-              </p:cNvPicPr>
-              <p:nvPr/>
-            </p:nvPicPr>
-            <p:blipFill>
-              <a:blip r:embed="rId4"/>
-              <a:stretch>
-                <a:fillRect/>
-              </a:stretch>
-            </p:blipFill>
-            <p:spPr>
-              <a:xfrm>
-                <a:off x="2772312" y="2677199"/>
-                <a:ext cx="6754953" cy="481626"/>
-              </a:xfrm>
-              <a:prstGeom prst="rect">
-                <a:avLst/>
-              </a:prstGeom>
-              <a:ln>
-                <a:noFill/>
-              </a:ln>
-              <a:effectLst>
-                <a:outerShdw blurRad="292100" dist="139700" dir="2700000" algn="tl" rotWithShape="0">
-                  <a:srgbClr val="333333">
-                    <a:alpha val="65000"/>
-                  </a:srgbClr>
-                </a:outerShdw>
-              </a:effectLst>
-            </p:spPr>
-          </p:pic>
-        </p:grpSp>
-      </p:grpSp>
-    </p:spTree>
-    <p:extLst>
-      <p:ext uri="{BB962C8B-B14F-4D97-AF65-F5344CB8AC3E}">
-        <p14:creationId xmlns:p14="http://schemas.microsoft.com/office/powerpoint/2010/main" val="3483264145"/>
-      </p:ext>
-    </p:extLst>
-  </p:cSld>
-  <p:clrMapOvr>
-    <a:masterClrMapping/>
-  </p:clrMapOvr>
-</p:sld>
-</file>
-
-<file path=ppt/slides/slide2.xml><?xml version="1.0" encoding="utf-8"?>
 <p:sld xmlns:a="http://schemas.openxmlformats.org/drawingml/2006/main" xmlns:r="http://schemas.openxmlformats.org/officeDocument/2006/relationships" xmlns:p="http://schemas.openxmlformats.org/presentationml/2006/main">
   <p:cSld>
     <p:spTree>
@@ -11942,7 +11269,7 @@
 </p:sld>
 </file>
 
-<file path=ppt/slides/slide3.xml><?xml version="1.0" encoding="utf-8"?>
+<file path=ppt/slides/slide12.xml><?xml version="1.0" encoding="utf-8"?>
 <p:sld xmlns:a="http://schemas.openxmlformats.org/drawingml/2006/main" xmlns:r="http://schemas.openxmlformats.org/officeDocument/2006/relationships" xmlns:p="http://schemas.openxmlformats.org/presentationml/2006/main">
   <p:cSld>
     <p:spTree>
@@ -12759,7 +12086,7 @@
 </p:sld>
 </file>
 
-<file path=ppt/slides/slide4.xml><?xml version="1.0" encoding="utf-8"?>
+<file path=ppt/slides/slide13.xml><?xml version="1.0" encoding="utf-8"?>
 <p:sld xmlns:a="http://schemas.openxmlformats.org/drawingml/2006/main" xmlns:r="http://schemas.openxmlformats.org/officeDocument/2006/relationships" xmlns:p="http://schemas.openxmlformats.org/presentationml/2006/main">
   <p:cSld>
     <p:spTree>
@@ -14564,7 +13891,7 @@
 </p:sld>
 </file>
 
-<file path=ppt/slides/slide5.xml><?xml version="1.0" encoding="utf-8"?>
+<file path=ppt/slides/slide14.xml><?xml version="1.0" encoding="utf-8"?>
 <p:sld xmlns:a="http://schemas.openxmlformats.org/drawingml/2006/main" xmlns:r="http://schemas.openxmlformats.org/officeDocument/2006/relationships" xmlns:p="http://schemas.openxmlformats.org/presentationml/2006/main">
   <p:cSld>
     <p:spTree>
@@ -16379,7 +15706,7 @@
 </p:sld>
 </file>
 
-<file path=ppt/slides/slide6.xml><?xml version="1.0" encoding="utf-8"?>
+<file path=ppt/slides/slide15.xml><?xml version="1.0" encoding="utf-8"?>
 <p:sld xmlns:a="http://schemas.openxmlformats.org/drawingml/2006/main" xmlns:r="http://schemas.openxmlformats.org/officeDocument/2006/relationships" xmlns:p="http://schemas.openxmlformats.org/presentationml/2006/main">
   <p:cSld>
     <p:spTree>
@@ -16981,7 +16308,7 @@
 </p:sld>
 </file>
 
-<file path=ppt/slides/slide7.xml><?xml version="1.0" encoding="utf-8"?>
+<file path=ppt/slides/slide16.xml><?xml version="1.0" encoding="utf-8"?>
 <p:sld xmlns:a="http://schemas.openxmlformats.org/drawingml/2006/main" xmlns:r="http://schemas.openxmlformats.org/officeDocument/2006/relationships" xmlns:p="http://schemas.openxmlformats.org/presentationml/2006/main">
   <p:cSld>
     <p:spTree>
@@ -17309,7 +16636,7 @@
 </p:sld>
 </file>
 
-<file path=ppt/slides/slide8.xml><?xml version="1.0" encoding="utf-8"?>
+<file path=ppt/slides/slide17.xml><?xml version="1.0" encoding="utf-8"?>
 <p:sld xmlns:a="http://schemas.openxmlformats.org/drawingml/2006/main" xmlns:r="http://schemas.openxmlformats.org/officeDocument/2006/relationships" xmlns:p="http://schemas.openxmlformats.org/presentationml/2006/main">
   <p:cSld>
     <p:spTree>
@@ -18125,7 +17452,7 @@
 </p:sld>
 </file>
 
-<file path=ppt/slides/slide9.xml><?xml version="1.0" encoding="utf-8"?>
+<file path=ppt/slides/slide18.xml><?xml version="1.0" encoding="utf-8"?>
 <p:sld xmlns:a="http://schemas.openxmlformats.org/drawingml/2006/main" xmlns:r="http://schemas.openxmlformats.org/officeDocument/2006/relationships" xmlns:p="http://schemas.openxmlformats.org/presentationml/2006/main">
   <p:cSld>
     <p:spTree>
@@ -18259,6 +17586,2997 @@
     <p:extLst>
       <p:ext uri="{BB962C8B-B14F-4D97-AF65-F5344CB8AC3E}">
         <p14:creationId xmlns:p14="http://schemas.microsoft.com/office/powerpoint/2010/main" val="3554067655"/>
+      </p:ext>
+    </p:extLst>
+  </p:cSld>
+  <p:clrMapOvr>
+    <a:masterClrMapping/>
+  </p:clrMapOvr>
+</p:sld>
+</file>
+
+<file path=ppt/slides/slide19.xml><?xml version="1.0" encoding="utf-8"?>
+<p:sld xmlns:a="http://schemas.openxmlformats.org/drawingml/2006/main" xmlns:r="http://schemas.openxmlformats.org/officeDocument/2006/relationships" xmlns:p="http://schemas.openxmlformats.org/presentationml/2006/main">
+  <p:cSld>
+    <p:spTree>
+      <p:nvGrpSpPr>
+        <p:cNvPr id="1" name=""/>
+        <p:cNvGrpSpPr/>
+        <p:nvPr/>
+      </p:nvGrpSpPr>
+      <p:grpSpPr>
+        <a:xfrm>
+          <a:off x="0" y="0"/>
+          <a:ext cx="0" cy="0"/>
+          <a:chOff x="0" y="0"/>
+          <a:chExt cx="0" cy="0"/>
+        </a:xfrm>
+      </p:grpSpPr>
+      <p:sp>
+        <p:nvSpPr>
+          <p:cNvPr id="7" name="TextBox 6">
+            <a:extLst>
+              <a:ext uri="{FF2B5EF4-FFF2-40B4-BE49-F238E27FC236}">
+                <a16:creationId xmlns:a16="http://schemas.microsoft.com/office/drawing/2014/main" id="{E0F65636-5DC5-4FFE-9878-65A274FB3605}"/>
+              </a:ext>
+            </a:extLst>
+          </p:cNvPr>
+          <p:cNvSpPr txBox="1"/>
+          <p:nvPr/>
+        </p:nvSpPr>
+        <p:spPr>
+          <a:xfrm>
+            <a:off x="1427876" y="591330"/>
+            <a:ext cx="7639924" cy="3416320"/>
+          </a:xfrm>
+          <a:prstGeom prst="rect">
+            <a:avLst/>
+          </a:prstGeom>
+          <a:noFill/>
+        </p:spPr>
+        <p:txBody>
+          <a:bodyPr wrap="square">
+            <a:spAutoFit/>
+          </a:bodyPr>
+          <a:lstStyle/>
+          <a:p>
+            <a:r>
+              <a:rPr lang="en-US" altLang="ko-KR" dirty="0"/>
+              <a:t>0. </a:t>
+            </a:r>
+            <a:r>
+              <a:rPr lang="ko-KR" altLang="en-US" dirty="0"/>
+              <a:t>주체 선택 </a:t>
+            </a:r>
+            <a:r>
+              <a:rPr lang="en-US" altLang="ko-KR" dirty="0"/>
+              <a:t>- </a:t>
+            </a:r>
+            <a:r>
+              <a:rPr lang="ko-KR" altLang="en-US" dirty="0"/>
+              <a:t>주체가 될 공이 있는 셀을 선택하며</a:t>
+            </a:r>
+            <a:r>
+              <a:rPr lang="en-US" altLang="ko-KR" dirty="0"/>
+              <a:t>, </a:t>
+            </a:r>
+            <a:r>
+              <a:rPr lang="ko-KR" altLang="en-US" dirty="0"/>
+              <a:t>주체가 속한 셀은 </a:t>
+            </a:r>
+            <a:endParaRPr lang="en-US" altLang="ko-KR" dirty="0"/>
+          </a:p>
+          <a:p>
+            <a:r>
+              <a:rPr lang="en-US" altLang="ko-KR" dirty="0"/>
+              <a:t>    </a:t>
+            </a:r>
+            <a:r>
+              <a:rPr lang="ko-KR" altLang="en-US" dirty="0"/>
+              <a:t>중력의 방향은 모든 셀의 중력의 방향을 좌지우지 합니다</a:t>
+            </a:r>
+            <a:r>
+              <a:rPr lang="en-US" altLang="ko-KR" dirty="0"/>
+              <a:t>.</a:t>
+            </a:r>
+          </a:p>
+          <a:p>
+            <a:endParaRPr lang="en-US" altLang="ko-KR" dirty="0"/>
+          </a:p>
+          <a:p>
+            <a:pPr marL="342900" indent="-342900">
+              <a:buAutoNum type="arabicPeriod"/>
+            </a:pPr>
+            <a:r>
+              <a:rPr lang="ko-KR" altLang="en-US" dirty="0"/>
+              <a:t>목적지 설정 </a:t>
+            </a:r>
+            <a:r>
+              <a:rPr lang="en-US" altLang="ko-KR" dirty="0"/>
+              <a:t>- </a:t>
+            </a:r>
+            <a:r>
+              <a:rPr lang="ko-KR" altLang="en-US" dirty="0"/>
+              <a:t>주체가 포함 된 셀에서 주체와 다른 공들의 목적지를 지정한다</a:t>
+            </a:r>
+            <a:r>
+              <a:rPr lang="en-US" altLang="ko-KR" dirty="0"/>
+              <a:t>.</a:t>
+            </a:r>
+          </a:p>
+          <a:p>
+            <a:pPr marL="342900" indent="-342900">
+              <a:buAutoNum type="arabicPeriod"/>
+            </a:pPr>
+            <a:endParaRPr lang="en-US" altLang="ko-KR" dirty="0"/>
+          </a:p>
+          <a:p>
+            <a:pPr marL="342900" indent="-342900">
+              <a:buAutoNum type="arabicPeriod"/>
+            </a:pPr>
+            <a:r>
+              <a:rPr lang="ko-KR" altLang="en-US" dirty="0"/>
+              <a:t>중력장 설정</a:t>
+            </a:r>
+            <a:r>
+              <a:rPr lang="en-US" altLang="ko-KR" dirty="0"/>
+              <a:t> – </a:t>
+            </a:r>
+            <a:r>
+              <a:rPr lang="ko-KR" altLang="en-US" dirty="0"/>
+              <a:t>공들이 움직일 방향을 바꿔주는 중력장을 최대 </a:t>
+            </a:r>
+            <a:r>
+              <a:rPr lang="en-US" altLang="ko-KR" dirty="0"/>
+              <a:t>n</a:t>
+            </a:r>
+            <a:r>
+              <a:rPr lang="ko-KR" altLang="en-US" dirty="0"/>
+              <a:t>개 설치합니다</a:t>
+            </a:r>
+            <a:r>
+              <a:rPr lang="en-US" altLang="ko-KR" dirty="0"/>
+              <a:t>.</a:t>
+            </a:r>
+          </a:p>
+          <a:p>
+            <a:pPr marL="342900" indent="-342900">
+              <a:buAutoNum type="arabicPeriod"/>
+            </a:pPr>
+            <a:endParaRPr lang="en-US" altLang="ko-KR" dirty="0"/>
+          </a:p>
+          <a:p>
+            <a:pPr marL="342900" indent="-342900">
+              <a:buAutoNum type="arabicPeriod"/>
+            </a:pPr>
+            <a:r>
+              <a:rPr lang="ko-KR" altLang="en-US" dirty="0"/>
+              <a:t>파티 볼 이동 </a:t>
+            </a:r>
+            <a:r>
+              <a:rPr lang="en-US" altLang="ko-KR" dirty="0"/>
+              <a:t>– </a:t>
+            </a:r>
+            <a:r>
+              <a:rPr lang="ko-KR" altLang="en-US" dirty="0"/>
+              <a:t>공들이 움직입니다</a:t>
+            </a:r>
+            <a:r>
+              <a:rPr lang="en-US" altLang="ko-KR" dirty="0"/>
+              <a:t>.</a:t>
+            </a:r>
+          </a:p>
+          <a:p>
+            <a:pPr marL="342900" indent="-342900">
+              <a:buAutoNum type="arabicPeriod"/>
+            </a:pPr>
+            <a:endParaRPr lang="en-US" altLang="ko-KR" dirty="0"/>
+          </a:p>
+          <a:p>
+            <a:pPr marL="342900" indent="-342900">
+              <a:buAutoNum type="arabicPeriod"/>
+            </a:pPr>
+            <a:r>
+              <a:rPr lang="ko-KR" altLang="en-US" dirty="0"/>
+              <a:t>중력장 재생성 </a:t>
+            </a:r>
+            <a:r>
+              <a:rPr lang="en-US" altLang="ko-KR" dirty="0"/>
+              <a:t>– </a:t>
+            </a:r>
+            <a:r>
+              <a:rPr lang="ko-KR" altLang="en-US" dirty="0"/>
+              <a:t>재생성 가능</a:t>
+            </a:r>
+            <a:endParaRPr lang="en-US" altLang="ko-KR" dirty="0"/>
+          </a:p>
+        </p:txBody>
+      </p:sp>
+    </p:spTree>
+    <p:extLst>
+      <p:ext uri="{BB962C8B-B14F-4D97-AF65-F5344CB8AC3E}">
+        <p14:creationId xmlns:p14="http://schemas.microsoft.com/office/powerpoint/2010/main" val="1929962801"/>
+      </p:ext>
+    </p:extLst>
+  </p:cSld>
+  <p:clrMapOvr>
+    <a:masterClrMapping/>
+  </p:clrMapOvr>
+</p:sld>
+</file>
+
+<file path=ppt/slides/slide2.xml><?xml version="1.0" encoding="utf-8"?>
+<p:sld xmlns:a="http://schemas.openxmlformats.org/drawingml/2006/main" xmlns:r="http://schemas.openxmlformats.org/officeDocument/2006/relationships" xmlns:p="http://schemas.openxmlformats.org/presentationml/2006/main">
+  <p:cSld>
+    <p:spTree>
+      <p:nvGrpSpPr>
+        <p:cNvPr id="1" name=""/>
+        <p:cNvGrpSpPr/>
+        <p:nvPr/>
+      </p:nvGrpSpPr>
+      <p:grpSpPr>
+        <a:xfrm>
+          <a:off x="0" y="0"/>
+          <a:ext cx="0" cy="0"/>
+          <a:chOff x="0" y="0"/>
+          <a:chExt cx="0" cy="0"/>
+        </a:xfrm>
+      </p:grpSpPr>
+      <p:sp>
+        <p:nvSpPr>
+          <p:cNvPr id="4" name="사각형: 둥근 모서리 3">
+            <a:extLst>
+              <a:ext uri="{FF2B5EF4-FFF2-40B4-BE49-F238E27FC236}">
+                <a16:creationId xmlns:a16="http://schemas.microsoft.com/office/drawing/2014/main" id="{C76EA980-B62D-4566-B2A4-B52D32E68044}"/>
+              </a:ext>
+            </a:extLst>
+          </p:cNvPr>
+          <p:cNvSpPr/>
+          <p:nvPr/>
+        </p:nvSpPr>
+        <p:spPr>
+          <a:xfrm>
+            <a:off x="332509" y="129309"/>
+            <a:ext cx="3537527" cy="471608"/>
+          </a:xfrm>
+          <a:prstGeom prst="roundRect">
+            <a:avLst/>
+          </a:prstGeom>
+        </p:spPr>
+        <p:style>
+          <a:lnRef idx="2">
+            <a:schemeClr val="accent1">
+              <a:shade val="50000"/>
+            </a:schemeClr>
+          </a:lnRef>
+          <a:fillRef idx="1">
+            <a:schemeClr val="accent1"/>
+          </a:fillRef>
+          <a:effectRef idx="0">
+            <a:schemeClr val="accent1"/>
+          </a:effectRef>
+          <a:fontRef idx="minor">
+            <a:schemeClr val="lt1"/>
+          </a:fontRef>
+        </p:style>
+        <p:txBody>
+          <a:bodyPr rtlCol="0" anchor="ctr"/>
+          <a:lstStyle/>
+          <a:p>
+            <a:pPr algn="ctr"/>
+            <a:r>
+              <a:rPr lang="en-US" altLang="ko-KR" dirty="0"/>
+              <a:t>Stage 2</a:t>
+            </a:r>
+            <a:endParaRPr lang="ko-KR" altLang="en-US" dirty="0"/>
+          </a:p>
+        </p:txBody>
+      </p:sp>
+      <p:sp>
+        <p:nvSpPr>
+          <p:cNvPr id="7" name="사각형: 둥근 모서리 6">
+            <a:extLst>
+              <a:ext uri="{FF2B5EF4-FFF2-40B4-BE49-F238E27FC236}">
+                <a16:creationId xmlns:a16="http://schemas.microsoft.com/office/drawing/2014/main" id="{AE89B528-3261-4718-BB05-CDA2A5F55064}"/>
+              </a:ext>
+            </a:extLst>
+          </p:cNvPr>
+          <p:cNvSpPr/>
+          <p:nvPr/>
+        </p:nvSpPr>
+        <p:spPr>
+          <a:xfrm>
+            <a:off x="3694020" y="1970795"/>
+            <a:ext cx="3298971" cy="3298971"/>
+          </a:xfrm>
+          <a:prstGeom prst="roundRect">
+            <a:avLst>
+              <a:gd name="adj" fmla="val 0"/>
+            </a:avLst>
+          </a:prstGeom>
+          <a:noFill/>
+          <a:ln>
+            <a:solidFill>
+              <a:schemeClr val="tx1"/>
+            </a:solidFill>
+          </a:ln>
+        </p:spPr>
+        <p:style>
+          <a:lnRef idx="2">
+            <a:schemeClr val="accent1">
+              <a:shade val="50000"/>
+            </a:schemeClr>
+          </a:lnRef>
+          <a:fillRef idx="1">
+            <a:schemeClr val="accent1"/>
+          </a:fillRef>
+          <a:effectRef idx="0">
+            <a:schemeClr val="accent1"/>
+          </a:effectRef>
+          <a:fontRef idx="minor">
+            <a:schemeClr val="lt1"/>
+          </a:fontRef>
+        </p:style>
+        <p:txBody>
+          <a:bodyPr rtlCol="0" anchor="ctr"/>
+          <a:lstStyle/>
+          <a:p>
+            <a:pPr algn="ctr"/>
+            <a:endParaRPr lang="ko-KR" altLang="en-US" dirty="0"/>
+          </a:p>
+        </p:txBody>
+      </p:sp>
+      <p:sp>
+        <p:nvSpPr>
+          <p:cNvPr id="8" name="타원 7">
+            <a:extLst>
+              <a:ext uri="{FF2B5EF4-FFF2-40B4-BE49-F238E27FC236}">
+                <a16:creationId xmlns:a16="http://schemas.microsoft.com/office/drawing/2014/main" id="{30ECAA68-9AAB-48BF-8F07-165BE27125E8}"/>
+              </a:ext>
+            </a:extLst>
+          </p:cNvPr>
+          <p:cNvSpPr/>
+          <p:nvPr/>
+        </p:nvSpPr>
+        <p:spPr>
+          <a:xfrm>
+            <a:off x="3855161" y="4568585"/>
+            <a:ext cx="578840" cy="578840"/>
+          </a:xfrm>
+          <a:prstGeom prst="ellipse">
+            <a:avLst/>
+          </a:prstGeom>
+          <a:solidFill>
+            <a:schemeClr val="tx1"/>
+          </a:solidFill>
+          <a:ln>
+            <a:solidFill>
+              <a:schemeClr val="tx1"/>
+            </a:solidFill>
+          </a:ln>
+        </p:spPr>
+        <p:style>
+          <a:lnRef idx="2">
+            <a:schemeClr val="accent1">
+              <a:shade val="50000"/>
+            </a:schemeClr>
+          </a:lnRef>
+          <a:fillRef idx="1">
+            <a:schemeClr val="accent1"/>
+          </a:fillRef>
+          <a:effectRef idx="0">
+            <a:schemeClr val="accent1"/>
+          </a:effectRef>
+          <a:fontRef idx="minor">
+            <a:schemeClr val="lt1"/>
+          </a:fontRef>
+        </p:style>
+        <p:txBody>
+          <a:bodyPr rtlCol="0" anchor="ctr"/>
+          <a:lstStyle/>
+          <a:p>
+            <a:pPr algn="ctr"/>
+            <a:endParaRPr lang="ko-KR" altLang="en-US"/>
+          </a:p>
+        </p:txBody>
+      </p:sp>
+      <p:pic>
+        <p:nvPicPr>
+          <p:cNvPr id="9" name="그림 8">
+            <a:extLst>
+              <a:ext uri="{FF2B5EF4-FFF2-40B4-BE49-F238E27FC236}">
+                <a16:creationId xmlns:a16="http://schemas.microsoft.com/office/drawing/2014/main" id="{8DEF7333-DB52-4EA3-8B8C-9786C4B4E306}"/>
+              </a:ext>
+            </a:extLst>
+          </p:cNvPr>
+          <p:cNvPicPr>
+            <a:picLocks noChangeAspect="1"/>
+          </p:cNvPicPr>
+          <p:nvPr/>
+        </p:nvPicPr>
+        <p:blipFill rotWithShape="1">
+          <a:blip r:embed="rId2"/>
+          <a:srcRect l="48567"/>
+          <a:stretch/>
+        </p:blipFill>
+        <p:spPr>
+          <a:xfrm>
+            <a:off x="3694020" y="3065496"/>
+            <a:ext cx="200682" cy="1109568"/>
+          </a:xfrm>
+          <a:prstGeom prst="rect">
+            <a:avLst/>
+          </a:prstGeom>
+        </p:spPr>
+      </p:pic>
+    </p:spTree>
+    <p:extLst>
+      <p:ext uri="{BB962C8B-B14F-4D97-AF65-F5344CB8AC3E}">
+        <p14:creationId xmlns:p14="http://schemas.microsoft.com/office/powerpoint/2010/main" val="616079119"/>
+      </p:ext>
+    </p:extLst>
+  </p:cSld>
+  <p:clrMapOvr>
+    <a:masterClrMapping/>
+  </p:clrMapOvr>
+</p:sld>
+</file>
+
+<file path=ppt/slides/slide20.xml><?xml version="1.0" encoding="utf-8"?>
+<p:sld xmlns:a="http://schemas.openxmlformats.org/drawingml/2006/main" xmlns:r="http://schemas.openxmlformats.org/officeDocument/2006/relationships" xmlns:p="http://schemas.openxmlformats.org/presentationml/2006/main">
+  <p:cSld>
+    <p:spTree>
+      <p:nvGrpSpPr>
+        <p:cNvPr id="1" name=""/>
+        <p:cNvGrpSpPr/>
+        <p:nvPr/>
+      </p:nvGrpSpPr>
+      <p:grpSpPr>
+        <a:xfrm>
+          <a:off x="0" y="0"/>
+          <a:ext cx="0" cy="0"/>
+          <a:chOff x="0" y="0"/>
+          <a:chExt cx="0" cy="0"/>
+        </a:xfrm>
+      </p:grpSpPr>
+      <p:sp>
+        <p:nvSpPr>
+          <p:cNvPr id="6" name="이등변 삼각형 5">
+            <a:extLst>
+              <a:ext uri="{FF2B5EF4-FFF2-40B4-BE49-F238E27FC236}">
+                <a16:creationId xmlns:a16="http://schemas.microsoft.com/office/drawing/2014/main" id="{54B6F421-E2DB-4144-B2C8-60FDFB8FF60D}"/>
+              </a:ext>
+            </a:extLst>
+          </p:cNvPr>
+          <p:cNvSpPr/>
+          <p:nvPr/>
+        </p:nvSpPr>
+        <p:spPr>
+          <a:xfrm rot="10800000">
+            <a:off x="3251433" y="3782806"/>
+            <a:ext cx="2340530" cy="2017698"/>
+          </a:xfrm>
+          <a:prstGeom prst="triangle">
+            <a:avLst/>
+          </a:prstGeom>
+          <a:solidFill>
+            <a:schemeClr val="bg1"/>
+          </a:solidFill>
+          <a:ln>
+            <a:solidFill>
+              <a:schemeClr val="tx1"/>
+            </a:solidFill>
+          </a:ln>
+        </p:spPr>
+        <p:style>
+          <a:lnRef idx="2">
+            <a:schemeClr val="accent1">
+              <a:shade val="50000"/>
+            </a:schemeClr>
+          </a:lnRef>
+          <a:fillRef idx="1">
+            <a:schemeClr val="accent1"/>
+          </a:fillRef>
+          <a:effectRef idx="0">
+            <a:schemeClr val="accent1"/>
+          </a:effectRef>
+          <a:fontRef idx="minor">
+            <a:schemeClr val="lt1"/>
+          </a:fontRef>
+        </p:style>
+        <p:txBody>
+          <a:bodyPr rtlCol="0" anchor="ctr"/>
+          <a:lstStyle/>
+          <a:p>
+            <a:pPr algn="ctr"/>
+            <a:endParaRPr lang="ko-KR" altLang="en-US"/>
+          </a:p>
+        </p:txBody>
+      </p:sp>
+      <p:sp>
+        <p:nvSpPr>
+          <p:cNvPr id="7" name="이등변 삼각형 6">
+            <a:extLst>
+              <a:ext uri="{FF2B5EF4-FFF2-40B4-BE49-F238E27FC236}">
+                <a16:creationId xmlns:a16="http://schemas.microsoft.com/office/drawing/2014/main" id="{D0DFD1EB-25EB-41F8-93A6-7237A1B9DF22}"/>
+              </a:ext>
+            </a:extLst>
+          </p:cNvPr>
+          <p:cNvSpPr/>
+          <p:nvPr/>
+        </p:nvSpPr>
+        <p:spPr>
+          <a:xfrm>
+            <a:off x="3251432" y="1694501"/>
+            <a:ext cx="2340530" cy="2017698"/>
+          </a:xfrm>
+          <a:prstGeom prst="triangle">
+            <a:avLst/>
+          </a:prstGeom>
+          <a:solidFill>
+            <a:schemeClr val="bg1"/>
+          </a:solidFill>
+          <a:ln>
+            <a:solidFill>
+              <a:schemeClr val="tx1"/>
+            </a:solidFill>
+          </a:ln>
+        </p:spPr>
+        <p:style>
+          <a:lnRef idx="2">
+            <a:schemeClr val="accent1">
+              <a:shade val="50000"/>
+            </a:schemeClr>
+          </a:lnRef>
+          <a:fillRef idx="1">
+            <a:schemeClr val="accent1"/>
+          </a:fillRef>
+          <a:effectRef idx="0">
+            <a:schemeClr val="accent1"/>
+          </a:effectRef>
+          <a:fontRef idx="minor">
+            <a:schemeClr val="lt1"/>
+          </a:fontRef>
+        </p:style>
+        <p:txBody>
+          <a:bodyPr rtlCol="0" anchor="ctr"/>
+          <a:lstStyle/>
+          <a:p>
+            <a:pPr algn="ctr"/>
+            <a:endParaRPr lang="ko-KR" altLang="en-US"/>
+          </a:p>
+        </p:txBody>
+      </p:sp>
+      <p:sp>
+        <p:nvSpPr>
+          <p:cNvPr id="8" name="이등변 삼각형 7">
+            <a:extLst>
+              <a:ext uri="{FF2B5EF4-FFF2-40B4-BE49-F238E27FC236}">
+                <a16:creationId xmlns:a16="http://schemas.microsoft.com/office/drawing/2014/main" id="{0E5CA458-52A2-43FB-80DB-22B9106D0312}"/>
+              </a:ext>
+            </a:extLst>
+          </p:cNvPr>
+          <p:cNvSpPr/>
+          <p:nvPr/>
+        </p:nvSpPr>
+        <p:spPr>
+          <a:xfrm>
+            <a:off x="4105291" y="2577515"/>
+            <a:ext cx="291937" cy="251670"/>
+          </a:xfrm>
+          <a:prstGeom prst="triangle">
+            <a:avLst/>
+          </a:prstGeom>
+        </p:spPr>
+        <p:style>
+          <a:lnRef idx="2">
+            <a:schemeClr val="accent1">
+              <a:shade val="50000"/>
+            </a:schemeClr>
+          </a:lnRef>
+          <a:fillRef idx="1">
+            <a:schemeClr val="accent1"/>
+          </a:fillRef>
+          <a:effectRef idx="0">
+            <a:schemeClr val="accent1"/>
+          </a:effectRef>
+          <a:fontRef idx="minor">
+            <a:schemeClr val="lt1"/>
+          </a:fontRef>
+        </p:style>
+        <p:txBody>
+          <a:bodyPr rtlCol="0" anchor="ctr"/>
+          <a:lstStyle/>
+          <a:p>
+            <a:pPr algn="ctr"/>
+            <a:endParaRPr lang="ko-KR" altLang="en-US"/>
+          </a:p>
+        </p:txBody>
+      </p:sp>
+      <p:sp>
+        <p:nvSpPr>
+          <p:cNvPr id="9" name="직사각형 8">
+            <a:extLst>
+              <a:ext uri="{FF2B5EF4-FFF2-40B4-BE49-F238E27FC236}">
+                <a16:creationId xmlns:a16="http://schemas.microsoft.com/office/drawing/2014/main" id="{1C3CD3A3-B1F1-4C38-ACDE-8594E9C3454B}"/>
+              </a:ext>
+            </a:extLst>
+          </p:cNvPr>
+          <p:cNvSpPr/>
+          <p:nvPr/>
+        </p:nvSpPr>
+        <p:spPr>
+          <a:xfrm>
+            <a:off x="4550888" y="3000323"/>
+            <a:ext cx="318782" cy="318782"/>
+          </a:xfrm>
+          <a:prstGeom prst="rect">
+            <a:avLst/>
+          </a:prstGeom>
+        </p:spPr>
+        <p:style>
+          <a:lnRef idx="2">
+            <a:schemeClr val="accent1">
+              <a:shade val="50000"/>
+            </a:schemeClr>
+          </a:lnRef>
+          <a:fillRef idx="1">
+            <a:schemeClr val="accent1"/>
+          </a:fillRef>
+          <a:effectRef idx="0">
+            <a:schemeClr val="accent1"/>
+          </a:effectRef>
+          <a:fontRef idx="minor">
+            <a:schemeClr val="lt1"/>
+          </a:fontRef>
+        </p:style>
+        <p:txBody>
+          <a:bodyPr rtlCol="0" anchor="ctr"/>
+          <a:lstStyle/>
+          <a:p>
+            <a:pPr algn="ctr"/>
+            <a:endParaRPr lang="ko-KR" altLang="en-US"/>
+          </a:p>
+        </p:txBody>
+      </p:sp>
+    </p:spTree>
+    <p:extLst>
+      <p:ext uri="{BB962C8B-B14F-4D97-AF65-F5344CB8AC3E}">
+        <p14:creationId xmlns:p14="http://schemas.microsoft.com/office/powerpoint/2010/main" val="3388440209"/>
+      </p:ext>
+    </p:extLst>
+  </p:cSld>
+  <p:clrMapOvr>
+    <a:masterClrMapping/>
+  </p:clrMapOvr>
+</p:sld>
+</file>
+
+<file path=ppt/slides/slide21.xml><?xml version="1.0" encoding="utf-8"?>
+<p:sld xmlns:a="http://schemas.openxmlformats.org/drawingml/2006/main" xmlns:r="http://schemas.openxmlformats.org/officeDocument/2006/relationships" xmlns:p="http://schemas.openxmlformats.org/presentationml/2006/main">
+  <p:cSld>
+    <p:spTree>
+      <p:nvGrpSpPr>
+        <p:cNvPr id="1" name=""/>
+        <p:cNvGrpSpPr/>
+        <p:nvPr/>
+      </p:nvGrpSpPr>
+      <p:grpSpPr>
+        <a:xfrm>
+          <a:off x="0" y="0"/>
+          <a:ext cx="0" cy="0"/>
+          <a:chOff x="0" y="0"/>
+          <a:chExt cx="0" cy="0"/>
+        </a:xfrm>
+      </p:grpSpPr>
+      <p:sp>
+        <p:nvSpPr>
+          <p:cNvPr id="4" name="TextBox 3">
+            <a:extLst>
+              <a:ext uri="{FF2B5EF4-FFF2-40B4-BE49-F238E27FC236}">
+                <a16:creationId xmlns:a16="http://schemas.microsoft.com/office/drawing/2014/main" id="{FD96F8E7-8716-4035-9402-EC15AC56FDBC}"/>
+              </a:ext>
+            </a:extLst>
+          </p:cNvPr>
+          <p:cNvSpPr txBox="1"/>
+          <p:nvPr/>
+        </p:nvSpPr>
+        <p:spPr>
+          <a:xfrm>
+            <a:off x="11627223" y="6412566"/>
+            <a:ext cx="564777" cy="369332"/>
+          </a:xfrm>
+          <a:prstGeom prst="rect">
+            <a:avLst/>
+          </a:prstGeom>
+          <a:noFill/>
+        </p:spPr>
+        <p:txBody>
+          <a:bodyPr wrap="square" rtlCol="0">
+            <a:spAutoFit/>
+          </a:bodyPr>
+          <a:lstStyle/>
+          <a:p>
+            <a:r>
+              <a:rPr lang="en-US" altLang="ko-KR" dirty="0">
+                <a:latin typeface="Eras Bold ITC" panose="020B0907030504020204" pitchFamily="34" charset="0"/>
+              </a:rPr>
+              <a:t>p2</a:t>
+            </a:r>
+            <a:r>
+              <a:rPr lang="ko-KR" altLang="en-US" dirty="0"/>
+              <a:t> </a:t>
+            </a:r>
+          </a:p>
+        </p:txBody>
+      </p:sp>
+      <p:sp>
+        <p:nvSpPr>
+          <p:cNvPr id="5" name="TextBox 4">
+            <a:extLst>
+              <a:ext uri="{FF2B5EF4-FFF2-40B4-BE49-F238E27FC236}">
+                <a16:creationId xmlns:a16="http://schemas.microsoft.com/office/drawing/2014/main" id="{BEC16DE9-AC68-4C24-8494-4EEFE6451F8F}"/>
+              </a:ext>
+            </a:extLst>
+          </p:cNvPr>
+          <p:cNvSpPr txBox="1"/>
+          <p:nvPr/>
+        </p:nvSpPr>
+        <p:spPr>
+          <a:xfrm>
+            <a:off x="463177" y="260768"/>
+            <a:ext cx="9858789" cy="1200329"/>
+          </a:xfrm>
+          <a:prstGeom prst="rect">
+            <a:avLst/>
+          </a:prstGeom>
+          <a:noFill/>
+        </p:spPr>
+        <p:txBody>
+          <a:bodyPr wrap="none" rtlCol="0">
+            <a:spAutoFit/>
+          </a:bodyPr>
+          <a:lstStyle/>
+          <a:p>
+            <a:r>
+              <a:rPr lang="en-US" altLang="ko-KR" sz="3200" b="1" dirty="0" err="1">
+                <a:latin typeface="Eras Bold ITC" panose="020B0907030504020204" pitchFamily="34" charset="0"/>
+              </a:rPr>
+              <a:t>Project_TheBalls</a:t>
+            </a:r>
+            <a:r>
+              <a:rPr lang="ko-KR" altLang="en-US" sz="3200" b="1" dirty="0"/>
+              <a:t>란</a:t>
+            </a:r>
+            <a:r>
+              <a:rPr lang="en-US" altLang="ko-KR" sz="3200" b="1" dirty="0"/>
+              <a:t>?</a:t>
+            </a:r>
+          </a:p>
+          <a:p>
+            <a:r>
+              <a:rPr lang="ko-KR" altLang="en-US" sz="2000" b="1" dirty="0">
+                <a:solidFill>
+                  <a:srgbClr val="FF3300"/>
+                </a:solidFill>
+              </a:rPr>
+              <a:t>조작을 공유하는 </a:t>
+            </a:r>
+            <a:r>
+              <a:rPr lang="ko-KR" altLang="en-US" sz="2000" b="1" dirty="0"/>
+              <a:t>여러 개의 공을 올바른 탈출구에 도착하게 만드는 퍼즐 게임입니다</a:t>
+            </a:r>
+            <a:r>
+              <a:rPr lang="en-US" altLang="ko-KR" sz="2000" b="1" dirty="0"/>
+              <a:t>.</a:t>
+            </a:r>
+          </a:p>
+          <a:p>
+            <a:r>
+              <a:rPr lang="ko-KR" altLang="en-US" sz="2000" b="1" dirty="0"/>
+              <a:t>플레이어는 여러 번의 시도 끝에 </a:t>
+            </a:r>
+            <a:r>
+              <a:rPr lang="ko-KR" altLang="en-US" sz="2000" b="1" dirty="0">
+                <a:solidFill>
+                  <a:srgbClr val="FF3300"/>
+                </a:solidFill>
+              </a:rPr>
+              <a:t>적절한 조작을 찾아 </a:t>
+            </a:r>
+            <a:r>
+              <a:rPr lang="ko-KR" altLang="en-US" sz="2000" b="1" dirty="0"/>
+              <a:t>퍼즐을 풀어야 합니다</a:t>
+            </a:r>
+            <a:r>
+              <a:rPr lang="en-US" altLang="ko-KR" sz="2000" b="1" dirty="0"/>
+              <a:t>.</a:t>
+            </a:r>
+            <a:endParaRPr lang="ko-KR" altLang="en-US" sz="2000" b="1" dirty="0"/>
+          </a:p>
+        </p:txBody>
+      </p:sp>
+      <p:pic>
+        <p:nvPicPr>
+          <p:cNvPr id="12" name="그림 11">
+            <a:extLst>
+              <a:ext uri="{FF2B5EF4-FFF2-40B4-BE49-F238E27FC236}">
+                <a16:creationId xmlns:a16="http://schemas.microsoft.com/office/drawing/2014/main" id="{51A25B53-BCCC-41B4-B415-15BDB83C59EE}"/>
+              </a:ext>
+            </a:extLst>
+          </p:cNvPr>
+          <p:cNvPicPr>
+            <a:picLocks noChangeAspect="1"/>
+          </p:cNvPicPr>
+          <p:nvPr/>
+        </p:nvPicPr>
+        <p:blipFill>
+          <a:blip r:embed="rId2"/>
+          <a:stretch>
+            <a:fillRect/>
+          </a:stretch>
+        </p:blipFill>
+        <p:spPr>
+          <a:xfrm>
+            <a:off x="227012" y="5081987"/>
+            <a:ext cx="7663336" cy="1591194"/>
+          </a:xfrm>
+          <a:prstGeom prst="rect">
+            <a:avLst/>
+          </a:prstGeom>
+        </p:spPr>
+      </p:pic>
+      <p:grpSp>
+        <p:nvGrpSpPr>
+          <p:cNvPr id="6" name="그룹 5">
+            <a:extLst>
+              <a:ext uri="{FF2B5EF4-FFF2-40B4-BE49-F238E27FC236}">
+                <a16:creationId xmlns:a16="http://schemas.microsoft.com/office/drawing/2014/main" id="{52C72FBD-6E87-44BA-BAA8-68E619E8E9C9}"/>
+              </a:ext>
+            </a:extLst>
+          </p:cNvPr>
+          <p:cNvGrpSpPr/>
+          <p:nvPr/>
+        </p:nvGrpSpPr>
+        <p:grpSpPr>
+          <a:xfrm>
+            <a:off x="227012" y="1519072"/>
+            <a:ext cx="11845555" cy="3335589"/>
+            <a:chOff x="173222" y="1692610"/>
+            <a:chExt cx="11845555" cy="3335589"/>
+          </a:xfrm>
+        </p:grpSpPr>
+        <p:sp>
+          <p:nvSpPr>
+            <p:cNvPr id="8" name="TextBox 7">
+              <a:extLst>
+                <a:ext uri="{FF2B5EF4-FFF2-40B4-BE49-F238E27FC236}">
+                  <a16:creationId xmlns:a16="http://schemas.microsoft.com/office/drawing/2014/main" id="{BA5DC3D1-E449-4369-8361-6484D9062500}"/>
+                </a:ext>
+              </a:extLst>
+            </p:cNvPr>
+            <p:cNvSpPr txBox="1"/>
+            <p:nvPr/>
+          </p:nvSpPr>
+          <p:spPr>
+            <a:xfrm>
+              <a:off x="597648" y="4197204"/>
+              <a:ext cx="1634564" cy="584775"/>
+            </a:xfrm>
+            <a:prstGeom prst="rect">
+              <a:avLst/>
+            </a:prstGeom>
+            <a:noFill/>
+          </p:spPr>
+          <p:txBody>
+            <a:bodyPr wrap="square">
+              <a:spAutoFit/>
+            </a:bodyPr>
+            <a:lstStyle/>
+            <a:p>
+              <a:pPr algn="ctr"/>
+              <a:r>
+                <a:rPr lang="ko-KR" altLang="en-US" sz="1600" dirty="0"/>
+                <a:t>주체가 되는 맵을 선택합니다</a:t>
+              </a:r>
+              <a:r>
+                <a:rPr lang="en-US" altLang="ko-KR" sz="1600" dirty="0"/>
+                <a:t>.</a:t>
+              </a:r>
+              <a:endParaRPr lang="ko-KR" altLang="en-US" sz="1600" dirty="0"/>
+            </a:p>
+          </p:txBody>
+        </p:sp>
+        <p:sp>
+          <p:nvSpPr>
+            <p:cNvPr id="9" name="TextBox 8">
+              <a:extLst>
+                <a:ext uri="{FF2B5EF4-FFF2-40B4-BE49-F238E27FC236}">
+                  <a16:creationId xmlns:a16="http://schemas.microsoft.com/office/drawing/2014/main" id="{95FDDE2F-6091-42C6-AA7F-53BDB61BCF4D}"/>
+                </a:ext>
+              </a:extLst>
+            </p:cNvPr>
+            <p:cNvSpPr txBox="1"/>
+            <p:nvPr/>
+          </p:nvSpPr>
+          <p:spPr>
+            <a:xfrm>
+              <a:off x="3758007" y="4197202"/>
+              <a:ext cx="1634564" cy="584775"/>
+            </a:xfrm>
+            <a:prstGeom prst="rect">
+              <a:avLst/>
+            </a:prstGeom>
+            <a:noFill/>
+          </p:spPr>
+          <p:txBody>
+            <a:bodyPr wrap="square">
+              <a:spAutoFit/>
+            </a:bodyPr>
+            <a:lstStyle/>
+            <a:p>
+              <a:pPr algn="ctr"/>
+              <a:r>
+                <a:rPr lang="ko-KR" altLang="en-US" sz="1600" dirty="0"/>
+                <a:t>공의 목적지를 설정합니다</a:t>
+              </a:r>
+              <a:r>
+                <a:rPr lang="en-US" altLang="ko-KR" sz="1600" dirty="0"/>
+                <a:t>.</a:t>
+              </a:r>
+              <a:endParaRPr lang="ko-KR" altLang="en-US" sz="1600" dirty="0"/>
+            </a:p>
+          </p:txBody>
+        </p:sp>
+        <p:sp>
+          <p:nvSpPr>
+            <p:cNvPr id="10" name="TextBox 9">
+              <a:extLst>
+                <a:ext uri="{FF2B5EF4-FFF2-40B4-BE49-F238E27FC236}">
+                  <a16:creationId xmlns:a16="http://schemas.microsoft.com/office/drawing/2014/main" id="{CC505703-8318-4444-AD95-A4EC3D124246}"/>
+                </a:ext>
+              </a:extLst>
+            </p:cNvPr>
+            <p:cNvSpPr txBox="1"/>
+            <p:nvPr/>
+          </p:nvSpPr>
+          <p:spPr>
+            <a:xfrm>
+              <a:off x="6918366" y="4197202"/>
+              <a:ext cx="1634564" cy="830997"/>
+            </a:xfrm>
+            <a:prstGeom prst="rect">
+              <a:avLst/>
+            </a:prstGeom>
+            <a:noFill/>
+          </p:spPr>
+          <p:txBody>
+            <a:bodyPr wrap="square">
+              <a:spAutoFit/>
+            </a:bodyPr>
+            <a:lstStyle/>
+            <a:p>
+              <a:pPr algn="ctr"/>
+              <a:r>
+                <a:rPr lang="ko-KR" altLang="en-US" sz="1600" dirty="0"/>
+                <a:t>드래그를 통해 중력의 방향을 바꿉니다</a:t>
+              </a:r>
+              <a:r>
+                <a:rPr lang="en-US" altLang="ko-KR" sz="1600" dirty="0"/>
+                <a:t>.</a:t>
+              </a:r>
+              <a:r>
+                <a:rPr lang="ko-KR" altLang="en-US" sz="1600" dirty="0"/>
+                <a:t> </a:t>
+              </a:r>
+            </a:p>
+          </p:txBody>
+        </p:sp>
+        <p:sp>
+          <p:nvSpPr>
+            <p:cNvPr id="11" name="TextBox 10">
+              <a:extLst>
+                <a:ext uri="{FF2B5EF4-FFF2-40B4-BE49-F238E27FC236}">
+                  <a16:creationId xmlns:a16="http://schemas.microsoft.com/office/drawing/2014/main" id="{8ACB8E5F-1AC4-4C3E-BCEA-BABBB701A58A}"/>
+                </a:ext>
+              </a:extLst>
+            </p:cNvPr>
+            <p:cNvSpPr txBox="1"/>
+            <p:nvPr/>
+          </p:nvSpPr>
+          <p:spPr>
+            <a:xfrm>
+              <a:off x="10029118" y="4197202"/>
+              <a:ext cx="1634564" cy="584775"/>
+            </a:xfrm>
+            <a:prstGeom prst="rect">
+              <a:avLst/>
+            </a:prstGeom>
+            <a:noFill/>
+          </p:spPr>
+          <p:txBody>
+            <a:bodyPr wrap="square">
+              <a:spAutoFit/>
+            </a:bodyPr>
+            <a:lstStyle/>
+            <a:p>
+              <a:pPr algn="ctr"/>
+              <a:r>
+                <a:rPr lang="ko-KR" altLang="en-US" sz="1600" dirty="0"/>
+                <a:t>공을 탈출구로 내보냅니다</a:t>
+              </a:r>
+              <a:r>
+                <a:rPr lang="en-US" altLang="ko-KR" sz="1600" dirty="0"/>
+                <a:t>.</a:t>
+              </a:r>
+              <a:endParaRPr lang="ko-KR" altLang="en-US" sz="1600" dirty="0"/>
+            </a:p>
+          </p:txBody>
+        </p:sp>
+        <p:grpSp>
+          <p:nvGrpSpPr>
+            <p:cNvPr id="3" name="그룹 2">
+              <a:extLst>
+                <a:ext uri="{FF2B5EF4-FFF2-40B4-BE49-F238E27FC236}">
+                  <a16:creationId xmlns:a16="http://schemas.microsoft.com/office/drawing/2014/main" id="{F206D1C2-E19F-46FA-944D-25DE35763C5C}"/>
+                </a:ext>
+              </a:extLst>
+            </p:cNvPr>
+            <p:cNvGrpSpPr/>
+            <p:nvPr/>
+          </p:nvGrpSpPr>
+          <p:grpSpPr>
+            <a:xfrm>
+              <a:off x="173222" y="1692610"/>
+              <a:ext cx="11845555" cy="2450804"/>
+              <a:chOff x="173222" y="1692610"/>
+              <a:chExt cx="11845555" cy="2450804"/>
+            </a:xfrm>
+          </p:grpSpPr>
+          <p:pic>
+            <p:nvPicPr>
+              <p:cNvPr id="2" name="그림 1">
+                <a:extLst>
+                  <a:ext uri="{FF2B5EF4-FFF2-40B4-BE49-F238E27FC236}">
+                    <a16:creationId xmlns:a16="http://schemas.microsoft.com/office/drawing/2014/main" id="{5B140469-E126-4714-89AA-2EA4D95D62A2}"/>
+                  </a:ext>
+                </a:extLst>
+              </p:cNvPr>
+              <p:cNvPicPr>
+                <a:picLocks noChangeAspect="1"/>
+              </p:cNvPicPr>
+              <p:nvPr/>
+            </p:nvPicPr>
+            <p:blipFill>
+              <a:blip r:embed="rId3"/>
+              <a:stretch>
+                <a:fillRect/>
+              </a:stretch>
+            </p:blipFill>
+            <p:spPr>
+              <a:xfrm>
+                <a:off x="173222" y="1692610"/>
+                <a:ext cx="11845555" cy="2450804"/>
+              </a:xfrm>
+              <a:prstGeom prst="rect">
+                <a:avLst/>
+              </a:prstGeom>
+            </p:spPr>
+          </p:pic>
+          <p:pic>
+            <p:nvPicPr>
+              <p:cNvPr id="16" name="그림 15">
+                <a:extLst>
+                  <a:ext uri="{FF2B5EF4-FFF2-40B4-BE49-F238E27FC236}">
+                    <a16:creationId xmlns:a16="http://schemas.microsoft.com/office/drawing/2014/main" id="{1BF37144-078E-4E08-ADE7-CC7BAAE23548}"/>
+                  </a:ext>
+                </a:extLst>
+              </p:cNvPr>
+              <p:cNvPicPr>
+                <a:picLocks noChangeAspect="1"/>
+              </p:cNvPicPr>
+              <p:nvPr/>
+            </p:nvPicPr>
+            <p:blipFill>
+              <a:blip r:embed="rId4"/>
+              <a:stretch>
+                <a:fillRect/>
+              </a:stretch>
+            </p:blipFill>
+            <p:spPr>
+              <a:xfrm>
+                <a:off x="2772312" y="2677199"/>
+                <a:ext cx="6754953" cy="481626"/>
+              </a:xfrm>
+              <a:prstGeom prst="rect">
+                <a:avLst/>
+              </a:prstGeom>
+              <a:ln>
+                <a:noFill/>
+              </a:ln>
+              <a:effectLst>
+                <a:outerShdw blurRad="292100" dist="139700" dir="2700000" algn="tl" rotWithShape="0">
+                  <a:srgbClr val="333333">
+                    <a:alpha val="65000"/>
+                  </a:srgbClr>
+                </a:outerShdw>
+              </a:effectLst>
+            </p:spPr>
+          </p:pic>
+        </p:grpSp>
+      </p:grpSp>
+    </p:spTree>
+    <p:extLst>
+      <p:ext uri="{BB962C8B-B14F-4D97-AF65-F5344CB8AC3E}">
+        <p14:creationId xmlns:p14="http://schemas.microsoft.com/office/powerpoint/2010/main" val="3483264145"/>
+      </p:ext>
+    </p:extLst>
+  </p:cSld>
+  <p:clrMapOvr>
+    <a:masterClrMapping/>
+  </p:clrMapOvr>
+</p:sld>
+</file>
+
+<file path=ppt/slides/slide3.xml><?xml version="1.0" encoding="utf-8"?>
+<p:sld xmlns:a="http://schemas.openxmlformats.org/drawingml/2006/main" xmlns:r="http://schemas.openxmlformats.org/officeDocument/2006/relationships" xmlns:p="http://schemas.openxmlformats.org/presentationml/2006/main">
+  <p:cSld>
+    <p:spTree>
+      <p:nvGrpSpPr>
+        <p:cNvPr id="1" name=""/>
+        <p:cNvGrpSpPr/>
+        <p:nvPr/>
+      </p:nvGrpSpPr>
+      <p:grpSpPr>
+        <a:xfrm>
+          <a:off x="0" y="0"/>
+          <a:ext cx="0" cy="0"/>
+          <a:chOff x="0" y="0"/>
+          <a:chExt cx="0" cy="0"/>
+        </a:xfrm>
+      </p:grpSpPr>
+      <p:sp>
+        <p:nvSpPr>
+          <p:cNvPr id="4" name="사각형: 둥근 모서리 3">
+            <a:extLst>
+              <a:ext uri="{FF2B5EF4-FFF2-40B4-BE49-F238E27FC236}">
+                <a16:creationId xmlns:a16="http://schemas.microsoft.com/office/drawing/2014/main" id="{C76EA980-B62D-4566-B2A4-B52D32E68044}"/>
+              </a:ext>
+            </a:extLst>
+          </p:cNvPr>
+          <p:cNvSpPr/>
+          <p:nvPr/>
+        </p:nvSpPr>
+        <p:spPr>
+          <a:xfrm>
+            <a:off x="332509" y="129309"/>
+            <a:ext cx="3537527" cy="471608"/>
+          </a:xfrm>
+          <a:prstGeom prst="roundRect">
+            <a:avLst/>
+          </a:prstGeom>
+        </p:spPr>
+        <p:style>
+          <a:lnRef idx="2">
+            <a:schemeClr val="accent1">
+              <a:shade val="50000"/>
+            </a:schemeClr>
+          </a:lnRef>
+          <a:fillRef idx="1">
+            <a:schemeClr val="accent1"/>
+          </a:fillRef>
+          <a:effectRef idx="0">
+            <a:schemeClr val="accent1"/>
+          </a:effectRef>
+          <a:fontRef idx="minor">
+            <a:schemeClr val="lt1"/>
+          </a:fontRef>
+        </p:style>
+        <p:txBody>
+          <a:bodyPr rtlCol="0" anchor="ctr"/>
+          <a:lstStyle/>
+          <a:p>
+            <a:pPr algn="ctr"/>
+            <a:r>
+              <a:rPr lang="en-US" altLang="ko-KR" dirty="0"/>
+              <a:t>Stage 3</a:t>
+            </a:r>
+            <a:endParaRPr lang="ko-KR" altLang="en-US" dirty="0"/>
+          </a:p>
+        </p:txBody>
+      </p:sp>
+      <p:pic>
+        <p:nvPicPr>
+          <p:cNvPr id="3" name="그림 2">
+            <a:extLst>
+              <a:ext uri="{FF2B5EF4-FFF2-40B4-BE49-F238E27FC236}">
+                <a16:creationId xmlns:a16="http://schemas.microsoft.com/office/drawing/2014/main" id="{D0733C5B-50B6-4C21-A8DA-FEE40BAEF09E}"/>
+              </a:ext>
+            </a:extLst>
+          </p:cNvPr>
+          <p:cNvPicPr>
+            <a:picLocks noChangeAspect="1"/>
+          </p:cNvPicPr>
+          <p:nvPr/>
+        </p:nvPicPr>
+        <p:blipFill>
+          <a:blip r:embed="rId2"/>
+          <a:stretch>
+            <a:fillRect/>
+          </a:stretch>
+        </p:blipFill>
+        <p:spPr>
+          <a:xfrm>
+            <a:off x="2724150" y="1771650"/>
+            <a:ext cx="6743700" cy="3314700"/>
+          </a:xfrm>
+          <a:prstGeom prst="rect">
+            <a:avLst/>
+          </a:prstGeom>
+        </p:spPr>
+      </p:pic>
+    </p:spTree>
+    <p:extLst>
+      <p:ext uri="{BB962C8B-B14F-4D97-AF65-F5344CB8AC3E}">
+        <p14:creationId xmlns:p14="http://schemas.microsoft.com/office/powerpoint/2010/main" val="3294575722"/>
+      </p:ext>
+    </p:extLst>
+  </p:cSld>
+  <p:clrMapOvr>
+    <a:masterClrMapping/>
+  </p:clrMapOvr>
+</p:sld>
+</file>
+
+<file path=ppt/slides/slide4.xml><?xml version="1.0" encoding="utf-8"?>
+<p:sld xmlns:a="http://schemas.openxmlformats.org/drawingml/2006/main" xmlns:r="http://schemas.openxmlformats.org/officeDocument/2006/relationships" xmlns:p="http://schemas.openxmlformats.org/presentationml/2006/main">
+  <p:cSld>
+    <p:spTree>
+      <p:nvGrpSpPr>
+        <p:cNvPr id="1" name=""/>
+        <p:cNvGrpSpPr/>
+        <p:nvPr/>
+      </p:nvGrpSpPr>
+      <p:grpSpPr>
+        <a:xfrm>
+          <a:off x="0" y="0"/>
+          <a:ext cx="0" cy="0"/>
+          <a:chOff x="0" y="0"/>
+          <a:chExt cx="0" cy="0"/>
+        </a:xfrm>
+      </p:grpSpPr>
+      <p:sp>
+        <p:nvSpPr>
+          <p:cNvPr id="4" name="사각형: 둥근 모서리 3">
+            <a:extLst>
+              <a:ext uri="{FF2B5EF4-FFF2-40B4-BE49-F238E27FC236}">
+                <a16:creationId xmlns:a16="http://schemas.microsoft.com/office/drawing/2014/main" id="{C76EA980-B62D-4566-B2A4-B52D32E68044}"/>
+              </a:ext>
+            </a:extLst>
+          </p:cNvPr>
+          <p:cNvSpPr/>
+          <p:nvPr/>
+        </p:nvSpPr>
+        <p:spPr>
+          <a:xfrm>
+            <a:off x="332509" y="129309"/>
+            <a:ext cx="3537527" cy="471608"/>
+          </a:xfrm>
+          <a:prstGeom prst="roundRect">
+            <a:avLst/>
+          </a:prstGeom>
+        </p:spPr>
+        <p:style>
+          <a:lnRef idx="2">
+            <a:schemeClr val="accent1">
+              <a:shade val="50000"/>
+            </a:schemeClr>
+          </a:lnRef>
+          <a:fillRef idx="1">
+            <a:schemeClr val="accent1"/>
+          </a:fillRef>
+          <a:effectRef idx="0">
+            <a:schemeClr val="accent1"/>
+          </a:effectRef>
+          <a:fontRef idx="minor">
+            <a:schemeClr val="lt1"/>
+          </a:fontRef>
+        </p:style>
+        <p:txBody>
+          <a:bodyPr rtlCol="0" anchor="ctr"/>
+          <a:lstStyle/>
+          <a:p>
+            <a:pPr algn="ctr"/>
+            <a:r>
+              <a:rPr lang="en-US" altLang="ko-KR" dirty="0"/>
+              <a:t>Stage 4</a:t>
+            </a:r>
+            <a:endParaRPr lang="ko-KR" altLang="en-US" dirty="0"/>
+          </a:p>
+        </p:txBody>
+      </p:sp>
+      <p:pic>
+        <p:nvPicPr>
+          <p:cNvPr id="3" name="그림 2">
+            <a:extLst>
+              <a:ext uri="{FF2B5EF4-FFF2-40B4-BE49-F238E27FC236}">
+                <a16:creationId xmlns:a16="http://schemas.microsoft.com/office/drawing/2014/main" id="{EE0C7C65-9E5A-4540-82D6-00572A23D3E6}"/>
+              </a:ext>
+            </a:extLst>
+          </p:cNvPr>
+          <p:cNvPicPr>
+            <a:picLocks noChangeAspect="1"/>
+          </p:cNvPicPr>
+          <p:nvPr/>
+        </p:nvPicPr>
+        <p:blipFill>
+          <a:blip r:embed="rId2"/>
+          <a:stretch>
+            <a:fillRect/>
+          </a:stretch>
+        </p:blipFill>
+        <p:spPr>
+          <a:xfrm>
+            <a:off x="2724150" y="1771650"/>
+            <a:ext cx="6743700" cy="3314700"/>
+          </a:xfrm>
+          <a:prstGeom prst="rect">
+            <a:avLst/>
+          </a:prstGeom>
+        </p:spPr>
+      </p:pic>
+    </p:spTree>
+    <p:extLst>
+      <p:ext uri="{BB962C8B-B14F-4D97-AF65-F5344CB8AC3E}">
+        <p14:creationId xmlns:p14="http://schemas.microsoft.com/office/powerpoint/2010/main" val="4062608031"/>
+      </p:ext>
+    </p:extLst>
+  </p:cSld>
+  <p:clrMapOvr>
+    <a:masterClrMapping/>
+  </p:clrMapOvr>
+</p:sld>
+</file>
+
+<file path=ppt/slides/slide5.xml><?xml version="1.0" encoding="utf-8"?>
+<p:sld xmlns:a="http://schemas.openxmlformats.org/drawingml/2006/main" xmlns:r="http://schemas.openxmlformats.org/officeDocument/2006/relationships" xmlns:p="http://schemas.openxmlformats.org/presentationml/2006/main">
+  <p:cSld>
+    <p:spTree>
+      <p:nvGrpSpPr>
+        <p:cNvPr id="1" name=""/>
+        <p:cNvGrpSpPr/>
+        <p:nvPr/>
+      </p:nvGrpSpPr>
+      <p:grpSpPr>
+        <a:xfrm>
+          <a:off x="0" y="0"/>
+          <a:ext cx="0" cy="0"/>
+          <a:chOff x="0" y="0"/>
+          <a:chExt cx="0" cy="0"/>
+        </a:xfrm>
+      </p:grpSpPr>
+      <p:sp>
+        <p:nvSpPr>
+          <p:cNvPr id="4" name="사각형: 둥근 모서리 3">
+            <a:extLst>
+              <a:ext uri="{FF2B5EF4-FFF2-40B4-BE49-F238E27FC236}">
+                <a16:creationId xmlns:a16="http://schemas.microsoft.com/office/drawing/2014/main" id="{C76EA980-B62D-4566-B2A4-B52D32E68044}"/>
+              </a:ext>
+            </a:extLst>
+          </p:cNvPr>
+          <p:cNvSpPr/>
+          <p:nvPr/>
+        </p:nvSpPr>
+        <p:spPr>
+          <a:xfrm>
+            <a:off x="332509" y="129309"/>
+            <a:ext cx="3537527" cy="471608"/>
+          </a:xfrm>
+          <a:prstGeom prst="roundRect">
+            <a:avLst/>
+          </a:prstGeom>
+        </p:spPr>
+        <p:style>
+          <a:lnRef idx="2">
+            <a:schemeClr val="accent1">
+              <a:shade val="50000"/>
+            </a:schemeClr>
+          </a:lnRef>
+          <a:fillRef idx="1">
+            <a:schemeClr val="accent1"/>
+          </a:fillRef>
+          <a:effectRef idx="0">
+            <a:schemeClr val="accent1"/>
+          </a:effectRef>
+          <a:fontRef idx="minor">
+            <a:schemeClr val="lt1"/>
+          </a:fontRef>
+        </p:style>
+        <p:txBody>
+          <a:bodyPr rtlCol="0" anchor="ctr"/>
+          <a:lstStyle/>
+          <a:p>
+            <a:pPr algn="ctr"/>
+            <a:r>
+              <a:rPr lang="en-US" altLang="ko-KR" dirty="0"/>
+              <a:t>Stage 5</a:t>
+            </a:r>
+            <a:endParaRPr lang="ko-KR" altLang="en-US" dirty="0"/>
+          </a:p>
+        </p:txBody>
+      </p:sp>
+    </p:spTree>
+    <p:extLst>
+      <p:ext uri="{BB962C8B-B14F-4D97-AF65-F5344CB8AC3E}">
+        <p14:creationId xmlns:p14="http://schemas.microsoft.com/office/powerpoint/2010/main" val="659418970"/>
+      </p:ext>
+    </p:extLst>
+  </p:cSld>
+  <p:clrMapOvr>
+    <a:masterClrMapping/>
+  </p:clrMapOvr>
+</p:sld>
+</file>
+
+<file path=ppt/slides/slide6.xml><?xml version="1.0" encoding="utf-8"?>
+<p:sld xmlns:a="http://schemas.openxmlformats.org/drawingml/2006/main" xmlns:r="http://schemas.openxmlformats.org/officeDocument/2006/relationships" xmlns:p="http://schemas.openxmlformats.org/presentationml/2006/main">
+  <p:cSld>
+    <p:spTree>
+      <p:nvGrpSpPr>
+        <p:cNvPr id="1" name=""/>
+        <p:cNvGrpSpPr/>
+        <p:nvPr/>
+      </p:nvGrpSpPr>
+      <p:grpSpPr>
+        <a:xfrm>
+          <a:off x="0" y="0"/>
+          <a:ext cx="0" cy="0"/>
+          <a:chOff x="0" y="0"/>
+          <a:chExt cx="0" cy="0"/>
+        </a:xfrm>
+      </p:grpSpPr>
+      <p:pic>
+        <p:nvPicPr>
+          <p:cNvPr id="4" name="그림 3">
+            <a:extLst>
+              <a:ext uri="{FF2B5EF4-FFF2-40B4-BE49-F238E27FC236}">
+                <a16:creationId xmlns:a16="http://schemas.microsoft.com/office/drawing/2014/main" id="{3377B707-2A2F-4B9C-A7AF-BDEA1A0FBCA6}"/>
+              </a:ext>
+            </a:extLst>
+          </p:cNvPr>
+          <p:cNvPicPr>
+            <a:picLocks noChangeAspect="1"/>
+          </p:cNvPicPr>
+          <p:nvPr/>
+        </p:nvPicPr>
+        <p:blipFill>
+          <a:blip r:embed="rId2"/>
+          <a:stretch>
+            <a:fillRect/>
+          </a:stretch>
+        </p:blipFill>
+        <p:spPr>
+          <a:xfrm>
+            <a:off x="2724150" y="1824956"/>
+            <a:ext cx="6743700" cy="3314700"/>
+          </a:xfrm>
+          <a:prstGeom prst="rect">
+            <a:avLst/>
+          </a:prstGeom>
+        </p:spPr>
+      </p:pic>
+      <p:grpSp>
+        <p:nvGrpSpPr>
+          <p:cNvPr id="21" name="그룹 20">
+            <a:extLst>
+              <a:ext uri="{FF2B5EF4-FFF2-40B4-BE49-F238E27FC236}">
+                <a16:creationId xmlns:a16="http://schemas.microsoft.com/office/drawing/2014/main" id="{7A5B19F9-2B3A-4FD7-BACC-D48EC05F7E2A}"/>
+              </a:ext>
+            </a:extLst>
+          </p:cNvPr>
+          <p:cNvGrpSpPr/>
+          <p:nvPr/>
+        </p:nvGrpSpPr>
+        <p:grpSpPr>
+          <a:xfrm>
+            <a:off x="484655" y="-117981"/>
+            <a:ext cx="6723078" cy="6720284"/>
+            <a:chOff x="2525892" y="122164"/>
+            <a:chExt cx="6723078" cy="6720284"/>
+          </a:xfrm>
+        </p:grpSpPr>
+        <p:grpSp>
+          <p:nvGrpSpPr>
+            <p:cNvPr id="5" name="그룹 4">
+              <a:extLst>
+                <a:ext uri="{FF2B5EF4-FFF2-40B4-BE49-F238E27FC236}">
+                  <a16:creationId xmlns:a16="http://schemas.microsoft.com/office/drawing/2014/main" id="{8B227904-4166-4C38-A010-00BD804EC91E}"/>
+                </a:ext>
+              </a:extLst>
+            </p:cNvPr>
+            <p:cNvGrpSpPr/>
+            <p:nvPr/>
+          </p:nvGrpSpPr>
+          <p:grpSpPr>
+            <a:xfrm>
+              <a:off x="2525892" y="122164"/>
+              <a:ext cx="6723078" cy="3298971"/>
+              <a:chOff x="2465313" y="67113"/>
+              <a:chExt cx="6723078" cy="3298971"/>
+            </a:xfrm>
+          </p:grpSpPr>
+          <p:grpSp>
+            <p:nvGrpSpPr>
+              <p:cNvPr id="6" name="그룹 5">
+                <a:extLst>
+                  <a:ext uri="{FF2B5EF4-FFF2-40B4-BE49-F238E27FC236}">
+                    <a16:creationId xmlns:a16="http://schemas.microsoft.com/office/drawing/2014/main" id="{9E6A9F3A-EBE7-41DB-80BB-C0A34F5CD136}"/>
+                  </a:ext>
+                </a:extLst>
+              </p:cNvPr>
+              <p:cNvGrpSpPr/>
+              <p:nvPr/>
+            </p:nvGrpSpPr>
+            <p:grpSpPr>
+              <a:xfrm>
+                <a:off x="2465313" y="67113"/>
+                <a:ext cx="6723078" cy="3298971"/>
+                <a:chOff x="2456924" y="1"/>
+                <a:chExt cx="6723078" cy="3298971"/>
+              </a:xfrm>
+            </p:grpSpPr>
+            <p:sp>
+              <p:nvSpPr>
+                <p:cNvPr id="9" name="사각형: 둥근 모서리 8">
+                  <a:extLst>
+                    <a:ext uri="{FF2B5EF4-FFF2-40B4-BE49-F238E27FC236}">
+                      <a16:creationId xmlns:a16="http://schemas.microsoft.com/office/drawing/2014/main" id="{49F91A3E-5241-4D70-8309-B16340D13ABB}"/>
+                    </a:ext>
+                  </a:extLst>
+                </p:cNvPr>
+                <p:cNvSpPr/>
+                <p:nvPr/>
+              </p:nvSpPr>
+              <p:spPr>
+                <a:xfrm>
+                  <a:off x="5881031" y="1"/>
+                  <a:ext cx="3298971" cy="3298971"/>
+                </a:xfrm>
+                <a:prstGeom prst="roundRect">
+                  <a:avLst>
+                    <a:gd name="adj" fmla="val 0"/>
+                  </a:avLst>
+                </a:prstGeom>
+                <a:noFill/>
+                <a:ln>
+                  <a:solidFill>
+                    <a:schemeClr val="tx1"/>
+                  </a:solidFill>
+                </a:ln>
+              </p:spPr>
+              <p:style>
+                <a:lnRef idx="2">
+                  <a:schemeClr val="accent1">
+                    <a:shade val="50000"/>
+                  </a:schemeClr>
+                </a:lnRef>
+                <a:fillRef idx="1">
+                  <a:schemeClr val="accent1"/>
+                </a:fillRef>
+                <a:effectRef idx="0">
+                  <a:schemeClr val="accent1"/>
+                </a:effectRef>
+                <a:fontRef idx="minor">
+                  <a:schemeClr val="lt1"/>
+                </a:fontRef>
+              </p:style>
+              <p:txBody>
+                <a:bodyPr rtlCol="0" anchor="ctr"/>
+                <a:lstStyle/>
+                <a:p>
+                  <a:pPr algn="ctr"/>
+                  <a:endParaRPr lang="ko-KR" altLang="en-US" dirty="0"/>
+                </a:p>
+              </p:txBody>
+            </p:sp>
+            <p:sp>
+              <p:nvSpPr>
+                <p:cNvPr id="10" name="사각형: 둥근 모서리 9">
+                  <a:extLst>
+                    <a:ext uri="{FF2B5EF4-FFF2-40B4-BE49-F238E27FC236}">
+                      <a16:creationId xmlns:a16="http://schemas.microsoft.com/office/drawing/2014/main" id="{FF95DC49-4AEF-43BA-9743-66C4E3688FBD}"/>
+                    </a:ext>
+                  </a:extLst>
+                </p:cNvPr>
+                <p:cNvSpPr/>
+                <p:nvPr/>
+              </p:nvSpPr>
+              <p:spPr>
+                <a:xfrm>
+                  <a:off x="2456924" y="1"/>
+                  <a:ext cx="3298971" cy="3298971"/>
+                </a:xfrm>
+                <a:prstGeom prst="roundRect">
+                  <a:avLst>
+                    <a:gd name="adj" fmla="val 0"/>
+                  </a:avLst>
+                </a:prstGeom>
+                <a:noFill/>
+                <a:ln>
+                  <a:solidFill>
+                    <a:schemeClr val="tx1"/>
+                  </a:solidFill>
+                </a:ln>
+              </p:spPr>
+              <p:style>
+                <a:lnRef idx="2">
+                  <a:schemeClr val="accent1">
+                    <a:shade val="50000"/>
+                  </a:schemeClr>
+                </a:lnRef>
+                <a:fillRef idx="1">
+                  <a:schemeClr val="accent1"/>
+                </a:fillRef>
+                <a:effectRef idx="0">
+                  <a:schemeClr val="accent1"/>
+                </a:effectRef>
+                <a:fontRef idx="minor">
+                  <a:schemeClr val="lt1"/>
+                </a:fontRef>
+              </p:style>
+              <p:txBody>
+                <a:bodyPr rtlCol="0" anchor="ctr"/>
+                <a:lstStyle/>
+                <a:p>
+                  <a:pPr algn="ctr"/>
+                  <a:endParaRPr lang="ko-KR" altLang="en-US" dirty="0"/>
+                </a:p>
+              </p:txBody>
+            </p:sp>
+            <p:sp>
+              <p:nvSpPr>
+                <p:cNvPr id="11" name="타원 10">
+                  <a:extLst>
+                    <a:ext uri="{FF2B5EF4-FFF2-40B4-BE49-F238E27FC236}">
+                      <a16:creationId xmlns:a16="http://schemas.microsoft.com/office/drawing/2014/main" id="{00376494-5531-45D0-8FBC-A76B9ADFF7AC}"/>
+                    </a:ext>
+                  </a:extLst>
+                </p:cNvPr>
+                <p:cNvSpPr/>
+                <p:nvPr/>
+              </p:nvSpPr>
+              <p:spPr>
+                <a:xfrm>
+                  <a:off x="2618065" y="2597791"/>
+                  <a:ext cx="578840" cy="578840"/>
+                </a:xfrm>
+                <a:prstGeom prst="ellipse">
+                  <a:avLst/>
+                </a:prstGeom>
+                <a:solidFill>
+                  <a:schemeClr val="tx1"/>
+                </a:solidFill>
+                <a:ln>
+                  <a:solidFill>
+                    <a:schemeClr val="tx1"/>
+                  </a:solidFill>
+                </a:ln>
+              </p:spPr>
+              <p:style>
+                <a:lnRef idx="2">
+                  <a:schemeClr val="accent1">
+                    <a:shade val="50000"/>
+                  </a:schemeClr>
+                </a:lnRef>
+                <a:fillRef idx="1">
+                  <a:schemeClr val="accent1"/>
+                </a:fillRef>
+                <a:effectRef idx="0">
+                  <a:schemeClr val="accent1"/>
+                </a:effectRef>
+                <a:fontRef idx="minor">
+                  <a:schemeClr val="lt1"/>
+                </a:fontRef>
+              </p:style>
+              <p:txBody>
+                <a:bodyPr rtlCol="0" anchor="ctr"/>
+                <a:lstStyle/>
+                <a:p>
+                  <a:pPr algn="ctr"/>
+                  <a:endParaRPr lang="ko-KR" altLang="en-US"/>
+                </a:p>
+              </p:txBody>
+            </p:sp>
+            <p:sp>
+              <p:nvSpPr>
+                <p:cNvPr id="12" name="타원 11">
+                  <a:extLst>
+                    <a:ext uri="{FF2B5EF4-FFF2-40B4-BE49-F238E27FC236}">
+                      <a16:creationId xmlns:a16="http://schemas.microsoft.com/office/drawing/2014/main" id="{AB8E50C4-2C43-4A44-9B59-B7ABCD43CCF3}"/>
+                    </a:ext>
+                  </a:extLst>
+                </p:cNvPr>
+                <p:cNvSpPr/>
+                <p:nvPr/>
+              </p:nvSpPr>
+              <p:spPr>
+                <a:xfrm>
+                  <a:off x="6096000" y="2597791"/>
+                  <a:ext cx="578840" cy="578840"/>
+                </a:xfrm>
+                <a:prstGeom prst="ellipse">
+                  <a:avLst/>
+                </a:prstGeom>
+                <a:solidFill>
+                  <a:schemeClr val="tx1"/>
+                </a:solidFill>
+                <a:ln>
+                  <a:solidFill>
+                    <a:schemeClr val="tx1"/>
+                  </a:solidFill>
+                </a:ln>
+              </p:spPr>
+              <p:style>
+                <a:lnRef idx="2">
+                  <a:schemeClr val="accent1">
+                    <a:shade val="50000"/>
+                  </a:schemeClr>
+                </a:lnRef>
+                <a:fillRef idx="1">
+                  <a:schemeClr val="accent1"/>
+                </a:fillRef>
+                <a:effectRef idx="0">
+                  <a:schemeClr val="accent1"/>
+                </a:effectRef>
+                <a:fontRef idx="minor">
+                  <a:schemeClr val="lt1"/>
+                </a:fontRef>
+              </p:style>
+              <p:txBody>
+                <a:bodyPr rtlCol="0" anchor="ctr"/>
+                <a:lstStyle/>
+                <a:p>
+                  <a:pPr algn="ctr"/>
+                  <a:endParaRPr lang="ko-KR" altLang="en-US"/>
+                </a:p>
+              </p:txBody>
+            </p:sp>
+          </p:grpSp>
+          <p:pic>
+            <p:nvPicPr>
+              <p:cNvPr id="7" name="그림 6">
+                <a:extLst>
+                  <a:ext uri="{FF2B5EF4-FFF2-40B4-BE49-F238E27FC236}">
+                    <a16:creationId xmlns:a16="http://schemas.microsoft.com/office/drawing/2014/main" id="{B72A3544-679B-4458-BA5D-249A73A802C4}"/>
+                  </a:ext>
+                </a:extLst>
+              </p:cNvPr>
+              <p:cNvPicPr>
+                <a:picLocks noChangeAspect="1"/>
+              </p:cNvPicPr>
+              <p:nvPr/>
+            </p:nvPicPr>
+            <p:blipFill rotWithShape="1">
+              <a:blip r:embed="rId3"/>
+              <a:srcRect l="48567"/>
+              <a:stretch/>
+            </p:blipFill>
+            <p:spPr>
+              <a:xfrm>
+                <a:off x="2465313" y="1161814"/>
+                <a:ext cx="200682" cy="1109568"/>
+              </a:xfrm>
+              <a:prstGeom prst="rect">
+                <a:avLst/>
+              </a:prstGeom>
+            </p:spPr>
+          </p:pic>
+          <p:pic>
+            <p:nvPicPr>
+              <p:cNvPr id="8" name="그림 7">
+                <a:extLst>
+                  <a:ext uri="{FF2B5EF4-FFF2-40B4-BE49-F238E27FC236}">
+                    <a16:creationId xmlns:a16="http://schemas.microsoft.com/office/drawing/2014/main" id="{1D58BDE3-82E0-468A-87D3-2E8B2197B2BD}"/>
+                  </a:ext>
+                </a:extLst>
+              </p:cNvPr>
+              <p:cNvPicPr>
+                <a:picLocks noChangeAspect="1"/>
+              </p:cNvPicPr>
+              <p:nvPr/>
+            </p:nvPicPr>
+            <p:blipFill rotWithShape="1">
+              <a:blip r:embed="rId3"/>
+              <a:srcRect l="48567"/>
+              <a:stretch/>
+            </p:blipFill>
+            <p:spPr>
+              <a:xfrm rot="10800000">
+                <a:off x="8987709" y="1161814"/>
+                <a:ext cx="200682" cy="1109568"/>
+              </a:xfrm>
+              <a:prstGeom prst="rect">
+                <a:avLst/>
+              </a:prstGeom>
+            </p:spPr>
+          </p:pic>
+        </p:grpSp>
+        <p:grpSp>
+          <p:nvGrpSpPr>
+            <p:cNvPr id="13" name="그룹 12">
+              <a:extLst>
+                <a:ext uri="{FF2B5EF4-FFF2-40B4-BE49-F238E27FC236}">
+                  <a16:creationId xmlns:a16="http://schemas.microsoft.com/office/drawing/2014/main" id="{CB267E54-30CD-45AB-BA36-AF92CBB99DDD}"/>
+                </a:ext>
+              </a:extLst>
+            </p:cNvPr>
+            <p:cNvGrpSpPr/>
+            <p:nvPr/>
+          </p:nvGrpSpPr>
+          <p:grpSpPr>
+            <a:xfrm>
+              <a:off x="2525892" y="3543477"/>
+              <a:ext cx="6723078" cy="3298971"/>
+              <a:chOff x="2465313" y="67113"/>
+              <a:chExt cx="6723078" cy="3298971"/>
+            </a:xfrm>
+          </p:grpSpPr>
+          <p:grpSp>
+            <p:nvGrpSpPr>
+              <p:cNvPr id="14" name="그룹 13">
+                <a:extLst>
+                  <a:ext uri="{FF2B5EF4-FFF2-40B4-BE49-F238E27FC236}">
+                    <a16:creationId xmlns:a16="http://schemas.microsoft.com/office/drawing/2014/main" id="{F68D4139-C92D-4841-B7D8-ADAC123202DC}"/>
+                  </a:ext>
+                </a:extLst>
+              </p:cNvPr>
+              <p:cNvGrpSpPr/>
+              <p:nvPr/>
+            </p:nvGrpSpPr>
+            <p:grpSpPr>
+              <a:xfrm>
+                <a:off x="2465313" y="67113"/>
+                <a:ext cx="6723078" cy="3298971"/>
+                <a:chOff x="2456924" y="1"/>
+                <a:chExt cx="6723078" cy="3298971"/>
+              </a:xfrm>
+            </p:grpSpPr>
+            <p:sp>
+              <p:nvSpPr>
+                <p:cNvPr id="17" name="사각형: 둥근 모서리 16">
+                  <a:extLst>
+                    <a:ext uri="{FF2B5EF4-FFF2-40B4-BE49-F238E27FC236}">
+                      <a16:creationId xmlns:a16="http://schemas.microsoft.com/office/drawing/2014/main" id="{D73B610B-A313-41EC-A276-AC00AD170D8E}"/>
+                    </a:ext>
+                  </a:extLst>
+                </p:cNvPr>
+                <p:cNvSpPr/>
+                <p:nvPr/>
+              </p:nvSpPr>
+              <p:spPr>
+                <a:xfrm>
+                  <a:off x="5881031" y="1"/>
+                  <a:ext cx="3298971" cy="3298971"/>
+                </a:xfrm>
+                <a:prstGeom prst="roundRect">
+                  <a:avLst>
+                    <a:gd name="adj" fmla="val 0"/>
+                  </a:avLst>
+                </a:prstGeom>
+                <a:noFill/>
+                <a:ln>
+                  <a:solidFill>
+                    <a:schemeClr val="tx1"/>
+                  </a:solidFill>
+                </a:ln>
+              </p:spPr>
+              <p:style>
+                <a:lnRef idx="2">
+                  <a:schemeClr val="accent1">
+                    <a:shade val="50000"/>
+                  </a:schemeClr>
+                </a:lnRef>
+                <a:fillRef idx="1">
+                  <a:schemeClr val="accent1"/>
+                </a:fillRef>
+                <a:effectRef idx="0">
+                  <a:schemeClr val="accent1"/>
+                </a:effectRef>
+                <a:fontRef idx="minor">
+                  <a:schemeClr val="lt1"/>
+                </a:fontRef>
+              </p:style>
+              <p:txBody>
+                <a:bodyPr rtlCol="0" anchor="ctr"/>
+                <a:lstStyle/>
+                <a:p>
+                  <a:pPr algn="ctr"/>
+                  <a:endParaRPr lang="ko-KR" altLang="en-US" dirty="0"/>
+                </a:p>
+              </p:txBody>
+            </p:sp>
+            <p:sp>
+              <p:nvSpPr>
+                <p:cNvPr id="18" name="사각형: 둥근 모서리 17">
+                  <a:extLst>
+                    <a:ext uri="{FF2B5EF4-FFF2-40B4-BE49-F238E27FC236}">
+                      <a16:creationId xmlns:a16="http://schemas.microsoft.com/office/drawing/2014/main" id="{28A3939C-A3C9-4795-A080-523742F1AD6B}"/>
+                    </a:ext>
+                  </a:extLst>
+                </p:cNvPr>
+                <p:cNvSpPr/>
+                <p:nvPr/>
+              </p:nvSpPr>
+              <p:spPr>
+                <a:xfrm>
+                  <a:off x="2456924" y="1"/>
+                  <a:ext cx="3298971" cy="3298971"/>
+                </a:xfrm>
+                <a:prstGeom prst="roundRect">
+                  <a:avLst>
+                    <a:gd name="adj" fmla="val 0"/>
+                  </a:avLst>
+                </a:prstGeom>
+                <a:noFill/>
+                <a:ln>
+                  <a:solidFill>
+                    <a:schemeClr val="tx1"/>
+                  </a:solidFill>
+                </a:ln>
+              </p:spPr>
+              <p:style>
+                <a:lnRef idx="2">
+                  <a:schemeClr val="accent1">
+                    <a:shade val="50000"/>
+                  </a:schemeClr>
+                </a:lnRef>
+                <a:fillRef idx="1">
+                  <a:schemeClr val="accent1"/>
+                </a:fillRef>
+                <a:effectRef idx="0">
+                  <a:schemeClr val="accent1"/>
+                </a:effectRef>
+                <a:fontRef idx="minor">
+                  <a:schemeClr val="lt1"/>
+                </a:fontRef>
+              </p:style>
+              <p:txBody>
+                <a:bodyPr rtlCol="0" anchor="ctr"/>
+                <a:lstStyle/>
+                <a:p>
+                  <a:pPr algn="ctr"/>
+                  <a:endParaRPr lang="ko-KR" altLang="en-US" dirty="0"/>
+                </a:p>
+              </p:txBody>
+            </p:sp>
+            <p:sp>
+              <p:nvSpPr>
+                <p:cNvPr id="19" name="타원 18">
+                  <a:extLst>
+                    <a:ext uri="{FF2B5EF4-FFF2-40B4-BE49-F238E27FC236}">
+                      <a16:creationId xmlns:a16="http://schemas.microsoft.com/office/drawing/2014/main" id="{5935DC22-2436-4F59-94BB-530F06A801BB}"/>
+                    </a:ext>
+                  </a:extLst>
+                </p:cNvPr>
+                <p:cNvSpPr/>
+                <p:nvPr/>
+              </p:nvSpPr>
+              <p:spPr>
+                <a:xfrm>
+                  <a:off x="2618065" y="2597791"/>
+                  <a:ext cx="578840" cy="578840"/>
+                </a:xfrm>
+                <a:prstGeom prst="ellipse">
+                  <a:avLst/>
+                </a:prstGeom>
+                <a:solidFill>
+                  <a:schemeClr val="tx1"/>
+                </a:solidFill>
+                <a:ln>
+                  <a:solidFill>
+                    <a:schemeClr val="tx1"/>
+                  </a:solidFill>
+                </a:ln>
+              </p:spPr>
+              <p:style>
+                <a:lnRef idx="2">
+                  <a:schemeClr val="accent1">
+                    <a:shade val="50000"/>
+                  </a:schemeClr>
+                </a:lnRef>
+                <a:fillRef idx="1">
+                  <a:schemeClr val="accent1"/>
+                </a:fillRef>
+                <a:effectRef idx="0">
+                  <a:schemeClr val="accent1"/>
+                </a:effectRef>
+                <a:fontRef idx="minor">
+                  <a:schemeClr val="lt1"/>
+                </a:fontRef>
+              </p:style>
+              <p:txBody>
+                <a:bodyPr rtlCol="0" anchor="ctr"/>
+                <a:lstStyle/>
+                <a:p>
+                  <a:pPr algn="ctr"/>
+                  <a:endParaRPr lang="ko-KR" altLang="en-US"/>
+                </a:p>
+              </p:txBody>
+            </p:sp>
+            <p:sp>
+              <p:nvSpPr>
+                <p:cNvPr id="20" name="타원 19">
+                  <a:extLst>
+                    <a:ext uri="{FF2B5EF4-FFF2-40B4-BE49-F238E27FC236}">
+                      <a16:creationId xmlns:a16="http://schemas.microsoft.com/office/drawing/2014/main" id="{EB863269-6E9B-439B-9474-BAB65264FA2C}"/>
+                    </a:ext>
+                  </a:extLst>
+                </p:cNvPr>
+                <p:cNvSpPr/>
+                <p:nvPr/>
+              </p:nvSpPr>
+              <p:spPr>
+                <a:xfrm>
+                  <a:off x="6096000" y="2597791"/>
+                  <a:ext cx="578840" cy="578840"/>
+                </a:xfrm>
+                <a:prstGeom prst="ellipse">
+                  <a:avLst/>
+                </a:prstGeom>
+                <a:solidFill>
+                  <a:schemeClr val="tx1"/>
+                </a:solidFill>
+                <a:ln>
+                  <a:solidFill>
+                    <a:schemeClr val="tx1"/>
+                  </a:solidFill>
+                </a:ln>
+              </p:spPr>
+              <p:style>
+                <a:lnRef idx="2">
+                  <a:schemeClr val="accent1">
+                    <a:shade val="50000"/>
+                  </a:schemeClr>
+                </a:lnRef>
+                <a:fillRef idx="1">
+                  <a:schemeClr val="accent1"/>
+                </a:fillRef>
+                <a:effectRef idx="0">
+                  <a:schemeClr val="accent1"/>
+                </a:effectRef>
+                <a:fontRef idx="minor">
+                  <a:schemeClr val="lt1"/>
+                </a:fontRef>
+              </p:style>
+              <p:txBody>
+                <a:bodyPr rtlCol="0" anchor="ctr"/>
+                <a:lstStyle/>
+                <a:p>
+                  <a:pPr algn="ctr"/>
+                  <a:endParaRPr lang="ko-KR" altLang="en-US"/>
+                </a:p>
+              </p:txBody>
+            </p:sp>
+          </p:grpSp>
+          <p:pic>
+            <p:nvPicPr>
+              <p:cNvPr id="15" name="그림 14">
+                <a:extLst>
+                  <a:ext uri="{FF2B5EF4-FFF2-40B4-BE49-F238E27FC236}">
+                    <a16:creationId xmlns:a16="http://schemas.microsoft.com/office/drawing/2014/main" id="{B18368C2-70D8-4BE2-9837-0D71057FFD88}"/>
+                  </a:ext>
+                </a:extLst>
+              </p:cNvPr>
+              <p:cNvPicPr>
+                <a:picLocks noChangeAspect="1"/>
+              </p:cNvPicPr>
+              <p:nvPr/>
+            </p:nvPicPr>
+            <p:blipFill rotWithShape="1">
+              <a:blip r:embed="rId3"/>
+              <a:srcRect l="48567"/>
+              <a:stretch/>
+            </p:blipFill>
+            <p:spPr>
+              <a:xfrm>
+                <a:off x="2465313" y="1161814"/>
+                <a:ext cx="200682" cy="1109568"/>
+              </a:xfrm>
+              <a:prstGeom prst="rect">
+                <a:avLst/>
+              </a:prstGeom>
+            </p:spPr>
+          </p:pic>
+          <p:pic>
+            <p:nvPicPr>
+              <p:cNvPr id="16" name="그림 15">
+                <a:extLst>
+                  <a:ext uri="{FF2B5EF4-FFF2-40B4-BE49-F238E27FC236}">
+                    <a16:creationId xmlns:a16="http://schemas.microsoft.com/office/drawing/2014/main" id="{012FC589-6656-422A-88D5-3958267CD3DF}"/>
+                  </a:ext>
+                </a:extLst>
+              </p:cNvPr>
+              <p:cNvPicPr>
+                <a:picLocks noChangeAspect="1"/>
+              </p:cNvPicPr>
+              <p:nvPr/>
+            </p:nvPicPr>
+            <p:blipFill rotWithShape="1">
+              <a:blip r:embed="rId3"/>
+              <a:srcRect l="48567"/>
+              <a:stretch/>
+            </p:blipFill>
+            <p:spPr>
+              <a:xfrm rot="10800000">
+                <a:off x="8987709" y="1161814"/>
+                <a:ext cx="200682" cy="1109568"/>
+              </a:xfrm>
+              <a:prstGeom prst="rect">
+                <a:avLst/>
+              </a:prstGeom>
+            </p:spPr>
+          </p:pic>
+        </p:grpSp>
+      </p:grpSp>
+    </p:spTree>
+    <p:extLst>
+      <p:ext uri="{BB962C8B-B14F-4D97-AF65-F5344CB8AC3E}">
+        <p14:creationId xmlns:p14="http://schemas.microsoft.com/office/powerpoint/2010/main" val="3654235780"/>
+      </p:ext>
+    </p:extLst>
+  </p:cSld>
+  <p:clrMapOvr>
+    <a:masterClrMapping/>
+  </p:clrMapOvr>
+</p:sld>
+</file>
+
+<file path=ppt/slides/slide7.xml><?xml version="1.0" encoding="utf-8"?>
+<p:sld xmlns:a="http://schemas.openxmlformats.org/drawingml/2006/main" xmlns:r="http://schemas.openxmlformats.org/officeDocument/2006/relationships" xmlns:p="http://schemas.openxmlformats.org/presentationml/2006/main">
+  <p:cSld>
+    <p:spTree>
+      <p:nvGrpSpPr>
+        <p:cNvPr id="1" name=""/>
+        <p:cNvGrpSpPr/>
+        <p:nvPr/>
+      </p:nvGrpSpPr>
+      <p:grpSpPr>
+        <a:xfrm>
+          <a:off x="0" y="0"/>
+          <a:ext cx="0" cy="0"/>
+          <a:chOff x="0" y="0"/>
+          <a:chExt cx="0" cy="0"/>
+        </a:xfrm>
+      </p:grpSpPr>
+      <p:pic>
+        <p:nvPicPr>
+          <p:cNvPr id="10" name="그림 9">
+            <a:extLst>
+              <a:ext uri="{FF2B5EF4-FFF2-40B4-BE49-F238E27FC236}">
+                <a16:creationId xmlns:a16="http://schemas.microsoft.com/office/drawing/2014/main" id="{8566C64A-BDC1-4032-BEEF-B87425F7B0B1}"/>
+              </a:ext>
+            </a:extLst>
+          </p:cNvPr>
+          <p:cNvPicPr>
+            <a:picLocks noChangeAspect="1"/>
+          </p:cNvPicPr>
+          <p:nvPr/>
+        </p:nvPicPr>
+        <p:blipFill>
+          <a:blip r:embed="rId2"/>
+          <a:stretch>
+            <a:fillRect/>
+          </a:stretch>
+        </p:blipFill>
+        <p:spPr>
+          <a:xfrm>
+            <a:off x="2300567" y="951940"/>
+            <a:ext cx="6743700" cy="3314700"/>
+          </a:xfrm>
+          <a:prstGeom prst="rect">
+            <a:avLst/>
+          </a:prstGeom>
+        </p:spPr>
+      </p:pic>
+      <p:pic>
+        <p:nvPicPr>
+          <p:cNvPr id="12" name="그림 11">
+            <a:extLst>
+              <a:ext uri="{FF2B5EF4-FFF2-40B4-BE49-F238E27FC236}">
+                <a16:creationId xmlns:a16="http://schemas.microsoft.com/office/drawing/2014/main" id="{04B5A2D5-DCDC-4957-8997-23F914C4B421}"/>
+              </a:ext>
+            </a:extLst>
+          </p:cNvPr>
+          <p:cNvPicPr>
+            <a:picLocks noChangeAspect="1"/>
+          </p:cNvPicPr>
+          <p:nvPr/>
+        </p:nvPicPr>
+        <p:blipFill>
+          <a:blip r:embed="rId3">
+            <a:duotone>
+              <a:prstClr val="black"/>
+              <a:schemeClr val="accent1">
+                <a:tint val="45000"/>
+                <a:satMod val="400000"/>
+              </a:schemeClr>
+            </a:duotone>
+          </a:blip>
+          <a:stretch>
+            <a:fillRect/>
+          </a:stretch>
+        </p:blipFill>
+        <p:spPr>
+          <a:xfrm>
+            <a:off x="295706" y="4543094"/>
+            <a:ext cx="4822354" cy="1347333"/>
+          </a:xfrm>
+          <a:prstGeom prst="rect">
+            <a:avLst/>
+          </a:prstGeom>
+        </p:spPr>
+      </p:pic>
+      <p:pic>
+        <p:nvPicPr>
+          <p:cNvPr id="13" name="그림 12">
+            <a:extLst>
+              <a:ext uri="{FF2B5EF4-FFF2-40B4-BE49-F238E27FC236}">
+                <a16:creationId xmlns:a16="http://schemas.microsoft.com/office/drawing/2014/main" id="{D9F28B1B-B6FD-434B-9E03-2FD9D59C1618}"/>
+              </a:ext>
+            </a:extLst>
+          </p:cNvPr>
+          <p:cNvPicPr>
+            <a:picLocks noChangeAspect="1"/>
+          </p:cNvPicPr>
+          <p:nvPr/>
+        </p:nvPicPr>
+        <p:blipFill>
+          <a:blip r:embed="rId3">
+            <a:duotone>
+              <a:prstClr val="black"/>
+              <a:schemeClr val="accent2">
+                <a:tint val="45000"/>
+                <a:satMod val="400000"/>
+              </a:schemeClr>
+            </a:duotone>
+          </a:blip>
+          <a:stretch>
+            <a:fillRect/>
+          </a:stretch>
+        </p:blipFill>
+        <p:spPr>
+          <a:xfrm>
+            <a:off x="5132295" y="4775753"/>
+            <a:ext cx="4822354" cy="1347333"/>
+          </a:xfrm>
+          <a:prstGeom prst="rect">
+            <a:avLst/>
+          </a:prstGeom>
+        </p:spPr>
+      </p:pic>
+      <p:pic>
+        <p:nvPicPr>
+          <p:cNvPr id="14" name="그림 13">
+            <a:extLst>
+              <a:ext uri="{FF2B5EF4-FFF2-40B4-BE49-F238E27FC236}">
+                <a16:creationId xmlns:a16="http://schemas.microsoft.com/office/drawing/2014/main" id="{FE22A128-A111-44E7-9DF6-E496917EC035}"/>
+              </a:ext>
+            </a:extLst>
+          </p:cNvPr>
+          <p:cNvPicPr>
+            <a:picLocks noChangeAspect="1"/>
+          </p:cNvPicPr>
+          <p:nvPr/>
+        </p:nvPicPr>
+        <p:blipFill>
+          <a:blip r:embed="rId3">
+            <a:duotone>
+              <a:prstClr val="black"/>
+              <a:schemeClr val="accent4">
+                <a:tint val="45000"/>
+                <a:satMod val="400000"/>
+              </a:schemeClr>
+            </a:duotone>
+          </a:blip>
+          <a:stretch>
+            <a:fillRect/>
+          </a:stretch>
+        </p:blipFill>
+        <p:spPr>
+          <a:xfrm rot="10800000">
+            <a:off x="9780823" y="5071625"/>
+            <a:ext cx="4822354" cy="1347333"/>
+          </a:xfrm>
+          <a:prstGeom prst="rect">
+            <a:avLst/>
+          </a:prstGeom>
+        </p:spPr>
+      </p:pic>
+    </p:spTree>
+    <p:extLst>
+      <p:ext uri="{BB962C8B-B14F-4D97-AF65-F5344CB8AC3E}">
+        <p14:creationId xmlns:p14="http://schemas.microsoft.com/office/powerpoint/2010/main" val="133528429"/>
+      </p:ext>
+    </p:extLst>
+  </p:cSld>
+  <p:clrMapOvr>
+    <a:masterClrMapping/>
+  </p:clrMapOvr>
+</p:sld>
+</file>
+
+<file path=ppt/slides/slide8.xml><?xml version="1.0" encoding="utf-8"?>
+<p:sld xmlns:a="http://schemas.openxmlformats.org/drawingml/2006/main" xmlns:r="http://schemas.openxmlformats.org/officeDocument/2006/relationships" xmlns:p="http://schemas.openxmlformats.org/presentationml/2006/main">
+  <p:cSld>
+    <p:spTree>
+      <p:nvGrpSpPr>
+        <p:cNvPr id="1" name=""/>
+        <p:cNvGrpSpPr/>
+        <p:nvPr/>
+      </p:nvGrpSpPr>
+      <p:grpSpPr>
+        <a:xfrm>
+          <a:off x="0" y="0"/>
+          <a:ext cx="0" cy="0"/>
+          <a:chOff x="0" y="0"/>
+          <a:chExt cx="0" cy="0"/>
+        </a:xfrm>
+      </p:grpSpPr>
+      <p:pic>
+        <p:nvPicPr>
+          <p:cNvPr id="4" name="그림 3">
+            <a:extLst>
+              <a:ext uri="{FF2B5EF4-FFF2-40B4-BE49-F238E27FC236}">
+                <a16:creationId xmlns:a16="http://schemas.microsoft.com/office/drawing/2014/main" id="{DC750920-5B1E-4475-A086-85641C236525}"/>
+              </a:ext>
+            </a:extLst>
+          </p:cNvPr>
+          <p:cNvPicPr>
+            <a:picLocks noChangeAspect="1"/>
+          </p:cNvPicPr>
+          <p:nvPr/>
+        </p:nvPicPr>
+        <p:blipFill>
+          <a:blip r:embed="rId2"/>
+          <a:stretch>
+            <a:fillRect/>
+          </a:stretch>
+        </p:blipFill>
+        <p:spPr>
+          <a:xfrm>
+            <a:off x="5266765" y="3429000"/>
+            <a:ext cx="4822354" cy="1347333"/>
+          </a:xfrm>
+          <a:prstGeom prst="rect">
+            <a:avLst/>
+          </a:prstGeom>
+        </p:spPr>
+      </p:pic>
+      <p:pic>
+        <p:nvPicPr>
+          <p:cNvPr id="5" name="그림 4">
+            <a:extLst>
+              <a:ext uri="{FF2B5EF4-FFF2-40B4-BE49-F238E27FC236}">
+                <a16:creationId xmlns:a16="http://schemas.microsoft.com/office/drawing/2014/main" id="{0FF5AC0B-6DF8-4E35-AD88-CB60CC951401}"/>
+              </a:ext>
+            </a:extLst>
+          </p:cNvPr>
+          <p:cNvPicPr>
+            <a:picLocks noChangeAspect="1"/>
+          </p:cNvPicPr>
+          <p:nvPr/>
+        </p:nvPicPr>
+        <p:blipFill>
+          <a:blip r:embed="rId2">
+            <a:duotone>
+              <a:prstClr val="black"/>
+              <a:schemeClr val="accent1">
+                <a:tint val="45000"/>
+                <a:satMod val="400000"/>
+              </a:schemeClr>
+            </a:duotone>
+          </a:blip>
+          <a:stretch>
+            <a:fillRect/>
+          </a:stretch>
+        </p:blipFill>
+        <p:spPr>
+          <a:xfrm>
+            <a:off x="190500" y="3013068"/>
+            <a:ext cx="4822354" cy="1347333"/>
+          </a:xfrm>
+          <a:prstGeom prst="rect">
+            <a:avLst/>
+          </a:prstGeom>
+        </p:spPr>
+      </p:pic>
+      <p:pic>
+        <p:nvPicPr>
+          <p:cNvPr id="6" name="그림 5">
+            <a:extLst>
+              <a:ext uri="{FF2B5EF4-FFF2-40B4-BE49-F238E27FC236}">
+                <a16:creationId xmlns:a16="http://schemas.microsoft.com/office/drawing/2014/main" id="{97D877EC-ABCB-4F7F-9CF5-A954403ECC7D}"/>
+              </a:ext>
+            </a:extLst>
+          </p:cNvPr>
+          <p:cNvPicPr>
+            <a:picLocks noChangeAspect="1"/>
+          </p:cNvPicPr>
+          <p:nvPr/>
+        </p:nvPicPr>
+        <p:blipFill>
+          <a:blip r:embed="rId2">
+            <a:duotone>
+              <a:prstClr val="black"/>
+              <a:schemeClr val="accent2">
+                <a:tint val="45000"/>
+                <a:satMod val="400000"/>
+              </a:schemeClr>
+            </a:duotone>
+          </a:blip>
+          <a:stretch>
+            <a:fillRect/>
+          </a:stretch>
+        </p:blipFill>
+        <p:spPr>
+          <a:xfrm>
+            <a:off x="190500" y="4775753"/>
+            <a:ext cx="4822354" cy="1347333"/>
+          </a:xfrm>
+          <a:prstGeom prst="rect">
+            <a:avLst/>
+          </a:prstGeom>
+        </p:spPr>
+      </p:pic>
+      <p:pic>
+        <p:nvPicPr>
+          <p:cNvPr id="7" name="그림 6">
+            <a:extLst>
+              <a:ext uri="{FF2B5EF4-FFF2-40B4-BE49-F238E27FC236}">
+                <a16:creationId xmlns:a16="http://schemas.microsoft.com/office/drawing/2014/main" id="{71EC9346-45FA-4861-B802-748398408D0C}"/>
+              </a:ext>
+            </a:extLst>
+          </p:cNvPr>
+          <p:cNvPicPr>
+            <a:picLocks noChangeAspect="1"/>
+          </p:cNvPicPr>
+          <p:nvPr/>
+        </p:nvPicPr>
+        <p:blipFill>
+          <a:blip r:embed="rId2">
+            <a:duotone>
+              <a:prstClr val="black"/>
+              <a:schemeClr val="accent2">
+                <a:tint val="45000"/>
+                <a:satMod val="400000"/>
+              </a:schemeClr>
+            </a:duotone>
+          </a:blip>
+          <a:stretch>
+            <a:fillRect/>
+          </a:stretch>
+        </p:blipFill>
+        <p:spPr>
+          <a:xfrm>
+            <a:off x="5266765" y="4775753"/>
+            <a:ext cx="4822354" cy="1347333"/>
+          </a:xfrm>
+          <a:prstGeom prst="rect">
+            <a:avLst/>
+          </a:prstGeom>
+        </p:spPr>
+      </p:pic>
+      <p:pic>
+        <p:nvPicPr>
+          <p:cNvPr id="8" name="그림 7">
+            <a:extLst>
+              <a:ext uri="{FF2B5EF4-FFF2-40B4-BE49-F238E27FC236}">
+                <a16:creationId xmlns:a16="http://schemas.microsoft.com/office/drawing/2014/main" id="{E7BFCD12-B917-4843-8ADE-564AC270C3EC}"/>
+              </a:ext>
+            </a:extLst>
+          </p:cNvPr>
+          <p:cNvPicPr>
+            <a:picLocks noChangeAspect="1"/>
+          </p:cNvPicPr>
+          <p:nvPr/>
+        </p:nvPicPr>
+        <p:blipFill>
+          <a:blip r:embed="rId3"/>
+          <a:stretch>
+            <a:fillRect/>
+          </a:stretch>
+        </p:blipFill>
+        <p:spPr>
+          <a:xfrm>
+            <a:off x="5257800" y="197224"/>
+            <a:ext cx="6743700" cy="3314700"/>
+          </a:xfrm>
+          <a:prstGeom prst="rect">
+            <a:avLst/>
+          </a:prstGeom>
+        </p:spPr>
+      </p:pic>
+      <p:pic>
+        <p:nvPicPr>
+          <p:cNvPr id="9" name="그림 8">
+            <a:extLst>
+              <a:ext uri="{FF2B5EF4-FFF2-40B4-BE49-F238E27FC236}">
+                <a16:creationId xmlns:a16="http://schemas.microsoft.com/office/drawing/2014/main" id="{24E53E41-D82C-40F3-A839-BF0ED62E6158}"/>
+              </a:ext>
+            </a:extLst>
+          </p:cNvPr>
+          <p:cNvPicPr>
+            <a:picLocks noChangeAspect="1"/>
+          </p:cNvPicPr>
+          <p:nvPr/>
+        </p:nvPicPr>
+        <p:blipFill>
+          <a:blip r:embed="rId2">
+            <a:duotone>
+              <a:prstClr val="black"/>
+              <a:schemeClr val="accent4">
+                <a:tint val="45000"/>
+                <a:satMod val="400000"/>
+              </a:schemeClr>
+            </a:duotone>
+          </a:blip>
+          <a:stretch>
+            <a:fillRect/>
+          </a:stretch>
+        </p:blipFill>
+        <p:spPr>
+          <a:xfrm>
+            <a:off x="190500" y="1458059"/>
+            <a:ext cx="4822354" cy="1347333"/>
+          </a:xfrm>
+          <a:prstGeom prst="rect">
+            <a:avLst/>
+          </a:prstGeom>
+        </p:spPr>
+      </p:pic>
+    </p:spTree>
+    <p:extLst>
+      <p:ext uri="{BB962C8B-B14F-4D97-AF65-F5344CB8AC3E}">
+        <p14:creationId xmlns:p14="http://schemas.microsoft.com/office/powerpoint/2010/main" val="3183050681"/>
+      </p:ext>
+    </p:extLst>
+  </p:cSld>
+  <p:clrMapOvr>
+    <a:masterClrMapping/>
+  </p:clrMapOvr>
+</p:sld>
+</file>
+
+<file path=ppt/slides/slide9.xml><?xml version="1.0" encoding="utf-8"?>
+<p:sld xmlns:a="http://schemas.openxmlformats.org/drawingml/2006/main" xmlns:r="http://schemas.openxmlformats.org/officeDocument/2006/relationships" xmlns:p="http://schemas.openxmlformats.org/presentationml/2006/main">
+  <p:cSld>
+    <p:spTree>
+      <p:nvGrpSpPr>
+        <p:cNvPr id="1" name=""/>
+        <p:cNvGrpSpPr/>
+        <p:nvPr/>
+      </p:nvGrpSpPr>
+      <p:grpSpPr>
+        <a:xfrm>
+          <a:off x="0" y="0"/>
+          <a:ext cx="0" cy="0"/>
+          <a:chOff x="0" y="0"/>
+          <a:chExt cx="0" cy="0"/>
+        </a:xfrm>
+      </p:grpSpPr>
+      <p:grpSp>
+        <p:nvGrpSpPr>
+          <p:cNvPr id="27" name="그룹 26">
+            <a:extLst>
+              <a:ext uri="{FF2B5EF4-FFF2-40B4-BE49-F238E27FC236}">
+                <a16:creationId xmlns:a16="http://schemas.microsoft.com/office/drawing/2014/main" id="{F0EBB88B-A95A-463A-9125-269913217D3E}"/>
+              </a:ext>
+            </a:extLst>
+          </p:cNvPr>
+          <p:cNvGrpSpPr/>
+          <p:nvPr/>
+        </p:nvGrpSpPr>
+        <p:grpSpPr>
+          <a:xfrm>
+            <a:off x="2294983" y="327231"/>
+            <a:ext cx="6723078" cy="3298971"/>
+            <a:chOff x="2465313" y="67113"/>
+            <a:chExt cx="6723078" cy="3298971"/>
+          </a:xfrm>
+        </p:grpSpPr>
+        <p:grpSp>
+          <p:nvGrpSpPr>
+            <p:cNvPr id="28" name="그룹 27">
+              <a:extLst>
+                <a:ext uri="{FF2B5EF4-FFF2-40B4-BE49-F238E27FC236}">
+                  <a16:creationId xmlns:a16="http://schemas.microsoft.com/office/drawing/2014/main" id="{197D83E5-C78D-4159-8E08-C579ED75DD21}"/>
+                </a:ext>
+              </a:extLst>
+            </p:cNvPr>
+            <p:cNvGrpSpPr/>
+            <p:nvPr/>
+          </p:nvGrpSpPr>
+          <p:grpSpPr>
+            <a:xfrm>
+              <a:off x="2465313" y="67113"/>
+              <a:ext cx="6723078" cy="3298971"/>
+              <a:chOff x="2456924" y="1"/>
+              <a:chExt cx="6723078" cy="3298971"/>
+            </a:xfrm>
+          </p:grpSpPr>
+          <p:sp>
+            <p:nvSpPr>
+              <p:cNvPr id="31" name="사각형: 둥근 모서리 30">
+                <a:extLst>
+                  <a:ext uri="{FF2B5EF4-FFF2-40B4-BE49-F238E27FC236}">
+                    <a16:creationId xmlns:a16="http://schemas.microsoft.com/office/drawing/2014/main" id="{A452F71E-D4A8-4511-B35F-3B6267A09604}"/>
+                  </a:ext>
+                </a:extLst>
+              </p:cNvPr>
+              <p:cNvSpPr/>
+              <p:nvPr/>
+            </p:nvSpPr>
+            <p:spPr>
+              <a:xfrm>
+                <a:off x="5881031" y="1"/>
+                <a:ext cx="3298971" cy="3298971"/>
+              </a:xfrm>
+              <a:prstGeom prst="roundRect">
+                <a:avLst>
+                  <a:gd name="adj" fmla="val 0"/>
+                </a:avLst>
+              </a:prstGeom>
+              <a:noFill/>
+              <a:ln>
+                <a:solidFill>
+                  <a:schemeClr val="tx1"/>
+                </a:solidFill>
+              </a:ln>
+            </p:spPr>
+            <p:style>
+              <a:lnRef idx="2">
+                <a:schemeClr val="accent1">
+                  <a:shade val="50000"/>
+                </a:schemeClr>
+              </a:lnRef>
+              <a:fillRef idx="1">
+                <a:schemeClr val="accent1"/>
+              </a:fillRef>
+              <a:effectRef idx="0">
+                <a:schemeClr val="accent1"/>
+              </a:effectRef>
+              <a:fontRef idx="minor">
+                <a:schemeClr val="lt1"/>
+              </a:fontRef>
+            </p:style>
+            <p:txBody>
+              <a:bodyPr rtlCol="0" anchor="ctr"/>
+              <a:lstStyle/>
+              <a:p>
+                <a:pPr algn="ctr"/>
+                <a:endParaRPr lang="ko-KR" altLang="en-US" dirty="0"/>
+              </a:p>
+            </p:txBody>
+          </p:sp>
+          <p:sp>
+            <p:nvSpPr>
+              <p:cNvPr id="32" name="사각형: 둥근 모서리 31">
+                <a:extLst>
+                  <a:ext uri="{FF2B5EF4-FFF2-40B4-BE49-F238E27FC236}">
+                    <a16:creationId xmlns:a16="http://schemas.microsoft.com/office/drawing/2014/main" id="{28AA6987-18D0-4301-A7F7-D3EA48FEA08E}"/>
+                  </a:ext>
+                </a:extLst>
+              </p:cNvPr>
+              <p:cNvSpPr/>
+              <p:nvPr/>
+            </p:nvSpPr>
+            <p:spPr>
+              <a:xfrm>
+                <a:off x="2456924" y="1"/>
+                <a:ext cx="3298971" cy="3298971"/>
+              </a:xfrm>
+              <a:prstGeom prst="roundRect">
+                <a:avLst>
+                  <a:gd name="adj" fmla="val 0"/>
+                </a:avLst>
+              </a:prstGeom>
+              <a:noFill/>
+              <a:ln>
+                <a:solidFill>
+                  <a:schemeClr val="tx1"/>
+                </a:solidFill>
+              </a:ln>
+            </p:spPr>
+            <p:style>
+              <a:lnRef idx="2">
+                <a:schemeClr val="accent1">
+                  <a:shade val="50000"/>
+                </a:schemeClr>
+              </a:lnRef>
+              <a:fillRef idx="1">
+                <a:schemeClr val="accent1"/>
+              </a:fillRef>
+              <a:effectRef idx="0">
+                <a:schemeClr val="accent1"/>
+              </a:effectRef>
+              <a:fontRef idx="minor">
+                <a:schemeClr val="lt1"/>
+              </a:fontRef>
+            </p:style>
+            <p:txBody>
+              <a:bodyPr rtlCol="0" anchor="ctr"/>
+              <a:lstStyle/>
+              <a:p>
+                <a:pPr algn="ctr"/>
+                <a:endParaRPr lang="ko-KR" altLang="en-US" dirty="0"/>
+              </a:p>
+            </p:txBody>
+          </p:sp>
+          <p:sp>
+            <p:nvSpPr>
+              <p:cNvPr id="33" name="타원 32">
+                <a:extLst>
+                  <a:ext uri="{FF2B5EF4-FFF2-40B4-BE49-F238E27FC236}">
+                    <a16:creationId xmlns:a16="http://schemas.microsoft.com/office/drawing/2014/main" id="{1AEE5C8A-BDCE-4B8B-B0BA-F8D5ECF20E30}"/>
+                  </a:ext>
+                </a:extLst>
+              </p:cNvPr>
+              <p:cNvSpPr/>
+              <p:nvPr/>
+            </p:nvSpPr>
+            <p:spPr>
+              <a:xfrm>
+                <a:off x="2618065" y="2597791"/>
+                <a:ext cx="578840" cy="578840"/>
+              </a:xfrm>
+              <a:prstGeom prst="ellipse">
+                <a:avLst/>
+              </a:prstGeom>
+              <a:solidFill>
+                <a:schemeClr val="tx1"/>
+              </a:solidFill>
+              <a:ln>
+                <a:solidFill>
+                  <a:schemeClr val="tx1"/>
+                </a:solidFill>
+              </a:ln>
+            </p:spPr>
+            <p:style>
+              <a:lnRef idx="2">
+                <a:schemeClr val="accent1">
+                  <a:shade val="50000"/>
+                </a:schemeClr>
+              </a:lnRef>
+              <a:fillRef idx="1">
+                <a:schemeClr val="accent1"/>
+              </a:fillRef>
+              <a:effectRef idx="0">
+                <a:schemeClr val="accent1"/>
+              </a:effectRef>
+              <a:fontRef idx="minor">
+                <a:schemeClr val="lt1"/>
+              </a:fontRef>
+            </p:style>
+            <p:txBody>
+              <a:bodyPr rtlCol="0" anchor="ctr"/>
+              <a:lstStyle/>
+              <a:p>
+                <a:pPr algn="ctr"/>
+                <a:endParaRPr lang="ko-KR" altLang="en-US"/>
+              </a:p>
+            </p:txBody>
+          </p:sp>
+          <p:sp>
+            <p:nvSpPr>
+              <p:cNvPr id="34" name="타원 33">
+                <a:extLst>
+                  <a:ext uri="{FF2B5EF4-FFF2-40B4-BE49-F238E27FC236}">
+                    <a16:creationId xmlns:a16="http://schemas.microsoft.com/office/drawing/2014/main" id="{DAC31FC5-16FC-4FB3-832D-3F9860AF8C4B}"/>
+                  </a:ext>
+                </a:extLst>
+              </p:cNvPr>
+              <p:cNvSpPr/>
+              <p:nvPr/>
+            </p:nvSpPr>
+            <p:spPr>
+              <a:xfrm>
+                <a:off x="6096000" y="2597791"/>
+                <a:ext cx="578840" cy="578840"/>
+              </a:xfrm>
+              <a:prstGeom prst="ellipse">
+                <a:avLst/>
+              </a:prstGeom>
+              <a:solidFill>
+                <a:schemeClr val="tx1"/>
+              </a:solidFill>
+              <a:ln>
+                <a:solidFill>
+                  <a:schemeClr val="tx1"/>
+                </a:solidFill>
+              </a:ln>
+            </p:spPr>
+            <p:style>
+              <a:lnRef idx="2">
+                <a:schemeClr val="accent1">
+                  <a:shade val="50000"/>
+                </a:schemeClr>
+              </a:lnRef>
+              <a:fillRef idx="1">
+                <a:schemeClr val="accent1"/>
+              </a:fillRef>
+              <a:effectRef idx="0">
+                <a:schemeClr val="accent1"/>
+              </a:effectRef>
+              <a:fontRef idx="minor">
+                <a:schemeClr val="lt1"/>
+              </a:fontRef>
+            </p:style>
+            <p:txBody>
+              <a:bodyPr rtlCol="0" anchor="ctr"/>
+              <a:lstStyle/>
+              <a:p>
+                <a:pPr algn="ctr"/>
+                <a:endParaRPr lang="ko-KR" altLang="en-US"/>
+              </a:p>
+            </p:txBody>
+          </p:sp>
+        </p:grpSp>
+        <p:pic>
+          <p:nvPicPr>
+            <p:cNvPr id="29" name="그림 28">
+              <a:extLst>
+                <a:ext uri="{FF2B5EF4-FFF2-40B4-BE49-F238E27FC236}">
+                  <a16:creationId xmlns:a16="http://schemas.microsoft.com/office/drawing/2014/main" id="{768F443E-97DE-44D4-AFC3-0D9913956B70}"/>
+                </a:ext>
+              </a:extLst>
+            </p:cNvPr>
+            <p:cNvPicPr>
+              <a:picLocks noChangeAspect="1"/>
+            </p:cNvPicPr>
+            <p:nvPr/>
+          </p:nvPicPr>
+          <p:blipFill rotWithShape="1">
+            <a:blip r:embed="rId2"/>
+            <a:srcRect l="48567"/>
+            <a:stretch/>
+          </p:blipFill>
+          <p:spPr>
+            <a:xfrm>
+              <a:off x="2465313" y="1161814"/>
+              <a:ext cx="200682" cy="1109568"/>
+            </a:xfrm>
+            <a:prstGeom prst="rect">
+              <a:avLst/>
+            </a:prstGeom>
+          </p:spPr>
+        </p:pic>
+        <p:pic>
+          <p:nvPicPr>
+            <p:cNvPr id="30" name="그림 29">
+              <a:extLst>
+                <a:ext uri="{FF2B5EF4-FFF2-40B4-BE49-F238E27FC236}">
+                  <a16:creationId xmlns:a16="http://schemas.microsoft.com/office/drawing/2014/main" id="{DF0DC684-7412-41B8-9899-20AB36A11B9D}"/>
+                </a:ext>
+              </a:extLst>
+            </p:cNvPr>
+            <p:cNvPicPr>
+              <a:picLocks noChangeAspect="1"/>
+            </p:cNvPicPr>
+            <p:nvPr/>
+          </p:nvPicPr>
+          <p:blipFill rotWithShape="1">
+            <a:blip r:embed="rId2"/>
+            <a:srcRect l="48567"/>
+            <a:stretch/>
+          </p:blipFill>
+          <p:spPr>
+            <a:xfrm rot="10800000">
+              <a:off x="8987709" y="1161814"/>
+              <a:ext cx="200682" cy="1109568"/>
+            </a:xfrm>
+            <a:prstGeom prst="rect">
+              <a:avLst/>
+            </a:prstGeom>
+          </p:spPr>
+        </p:pic>
+      </p:grpSp>
+      <p:grpSp>
+        <p:nvGrpSpPr>
+          <p:cNvPr id="35" name="그룹 34">
+            <a:extLst>
+              <a:ext uri="{FF2B5EF4-FFF2-40B4-BE49-F238E27FC236}">
+                <a16:creationId xmlns:a16="http://schemas.microsoft.com/office/drawing/2014/main" id="{948FB134-BC2C-4E67-B1F0-ADF0F290D578}"/>
+              </a:ext>
+            </a:extLst>
+          </p:cNvPr>
+          <p:cNvGrpSpPr/>
+          <p:nvPr/>
+        </p:nvGrpSpPr>
+        <p:grpSpPr>
+          <a:xfrm>
+            <a:off x="3181255" y="4468243"/>
+            <a:ext cx="4825397" cy="1346032"/>
+            <a:chOff x="3683301" y="2755984"/>
+            <a:chExt cx="4825397" cy="1346032"/>
+          </a:xfrm>
+        </p:grpSpPr>
+        <p:pic>
+          <p:nvPicPr>
+            <p:cNvPr id="36" name="그림 35">
+              <a:extLst>
+                <a:ext uri="{FF2B5EF4-FFF2-40B4-BE49-F238E27FC236}">
+                  <a16:creationId xmlns:a16="http://schemas.microsoft.com/office/drawing/2014/main" id="{39FBB44F-2F07-423A-B117-AE46FEB592C9}"/>
+                </a:ext>
+              </a:extLst>
+            </p:cNvPr>
+            <p:cNvPicPr>
+              <a:picLocks noChangeAspect="1"/>
+            </p:cNvPicPr>
+            <p:nvPr/>
+          </p:nvPicPr>
+          <p:blipFill>
+            <a:blip r:embed="rId3">
+              <a:extLst>
+                <a:ext uri="{28A0092B-C50C-407E-A947-70E740481C1C}">
+                  <a14:useLocalDpi xmlns:a14="http://schemas.microsoft.com/office/drawing/2010/main" val="0"/>
+                </a:ext>
+              </a:extLst>
+            </a:blip>
+            <a:stretch>
+              <a:fillRect/>
+            </a:stretch>
+          </p:blipFill>
+          <p:spPr>
+            <a:xfrm>
+              <a:off x="3683301" y="2755984"/>
+              <a:ext cx="4825397" cy="1346032"/>
+            </a:xfrm>
+            <a:prstGeom prst="rect">
+              <a:avLst/>
+            </a:prstGeom>
+          </p:spPr>
+        </p:pic>
+        <p:pic>
+          <p:nvPicPr>
+            <p:cNvPr id="37" name="그림 36">
+              <a:extLst>
+                <a:ext uri="{FF2B5EF4-FFF2-40B4-BE49-F238E27FC236}">
+                  <a16:creationId xmlns:a16="http://schemas.microsoft.com/office/drawing/2014/main" id="{2920E4A2-967B-4831-B3A4-47119C4F11DF}"/>
+                </a:ext>
+              </a:extLst>
+            </p:cNvPr>
+            <p:cNvPicPr>
+              <a:picLocks noChangeAspect="1"/>
+            </p:cNvPicPr>
+            <p:nvPr/>
+          </p:nvPicPr>
+          <p:blipFill>
+            <a:blip r:embed="rId4">
+              <a:extLst>
+                <a:ext uri="{28A0092B-C50C-407E-A947-70E740481C1C}">
+                  <a14:useLocalDpi xmlns:a14="http://schemas.microsoft.com/office/drawing/2010/main" val="0"/>
+                </a:ext>
+              </a:extLst>
+            </a:blip>
+            <a:stretch>
+              <a:fillRect/>
+            </a:stretch>
+          </p:blipFill>
+          <p:spPr>
+            <a:xfrm>
+              <a:off x="3683301" y="2755984"/>
+              <a:ext cx="4825397" cy="1346032"/>
+            </a:xfrm>
+            <a:prstGeom prst="rect">
+              <a:avLst/>
+            </a:prstGeom>
+          </p:spPr>
+        </p:pic>
+      </p:grpSp>
+    </p:spTree>
+    <p:extLst>
+      <p:ext uri="{BB962C8B-B14F-4D97-AF65-F5344CB8AC3E}">
+        <p14:creationId xmlns:p14="http://schemas.microsoft.com/office/powerpoint/2010/main" val="1734364095"/>
       </p:ext>
     </p:extLst>
   </p:cSld>

--- a/Documents/PartyBall/Project_TheBalls.pptx
+++ b/Documents/PartyBall/Project_TheBalls.pptx
@@ -4522,8 +4522,8 @@
 <file path=ppt/diagrams/data1.xml><?xml version="1.0" encoding="utf-8"?>
 <dgm:dataModel xmlns:dgm="http://schemas.openxmlformats.org/drawingml/2006/diagram" xmlns:a="http://schemas.openxmlformats.org/drawingml/2006/main">
   <dgm:ptLst>
-    <dgm:pt modelId="{54889F8F-A791-410A-ACCA-85B1E6C505CB}" type="doc">
-      <dgm:prSet loTypeId="urn:microsoft.com/office/officeart/2005/8/layout/cycle2" loCatId="cycle" qsTypeId="urn:microsoft.com/office/officeart/2005/8/quickstyle/simple1" qsCatId="simple" csTypeId="urn:microsoft.com/office/officeart/2005/8/colors/accent1_2" csCatId="accent1" phldr="1"/>
+    <dgm:pt modelId="{BEA54F20-B0FF-40AC-AD7F-FA3A75238388}" type="doc">
+      <dgm:prSet loTypeId="urn:microsoft.com/office/officeart/2005/8/layout/cycle5" loCatId="cycle" qsTypeId="urn:microsoft.com/office/officeart/2005/8/quickstyle/simple1" qsCatId="simple" csTypeId="urn:microsoft.com/office/officeart/2005/8/colors/accent1_2" csCatId="accent1" phldr="1"/>
       <dgm:spPr/>
       <dgm:t>
         <a:bodyPr/>
@@ -4534,55 +4534,11 @@
         </a:p>
       </dgm:t>
     </dgm:pt>
-    <dgm:pt modelId="{70BD98A4-09AE-48C3-B393-5F0650E2EE6A}">
+    <dgm:pt modelId="{47574E58-388A-4B47-B524-F0B275CC9510}">
       <dgm:prSet phldrT="[텍스트]"/>
       <dgm:spPr>
         <a:solidFill>
-          <a:srgbClr val="06CFEA"/>
-        </a:solidFill>
-        <a:ln>
-          <a:solidFill>
-            <a:srgbClr val="06CFEA"/>
-          </a:solidFill>
-        </a:ln>
-      </dgm:spPr>
-      <dgm:t>
-        <a:bodyPr/>
-        <a:lstStyle/>
-        <a:p>
-          <a:pPr latinLnBrk="1"/>
-          <a:r>
-            <a:rPr lang="ko-KR" altLang="en-US" dirty="0"/>
-            <a:t>주체 </a:t>
-          </a:r>
-          <a:endParaRPr lang="en-US" altLang="ko-KR" dirty="0"/>
-        </a:p>
-        <a:p>
-          <a:pPr latinLnBrk="1"/>
-          <a:r>
-            <a:rPr lang="ko-KR" altLang="en-US" dirty="0"/>
-            <a:t>선택 </a:t>
-          </a:r>
-        </a:p>
-      </dgm:t>
-    </dgm:pt>
-    <dgm:pt modelId="{FB569B29-EC6A-4F3C-B894-2A1C268B5850}" type="parTrans" cxnId="{534763F1-0DE4-4FD1-A6F0-FAF81617E7C3}">
-      <dgm:prSet/>
-      <dgm:spPr/>
-      <dgm:t>
-        <a:bodyPr/>
-        <a:lstStyle/>
-        <a:p>
-          <a:pPr latinLnBrk="1"/>
-          <a:endParaRPr lang="ko-KR" altLang="en-US"/>
-        </a:p>
-      </dgm:t>
-    </dgm:pt>
-    <dgm:pt modelId="{B3E55A89-B202-4993-942A-698132A70212}" type="sibTrans" cxnId="{534763F1-0DE4-4FD1-A6F0-FAF81617E7C3}">
-      <dgm:prSet/>
-      <dgm:spPr>
-        <a:solidFill>
-          <a:srgbClr val="0070C0"/>
+          <a:srgbClr val="99CCFF"/>
         </a:solidFill>
         <a:ln>
           <a:solidFill>
@@ -4595,35 +4551,22 @@
         <a:lstStyle/>
         <a:p>
           <a:pPr latinLnBrk="1"/>
-          <a:endParaRPr lang="ko-KR" altLang="en-US"/>
+          <a:r>
+            <a:rPr lang="ko-KR" altLang="en-US" b="1" dirty="0"/>
+            <a:t>주체</a:t>
+          </a:r>
+          <a:endParaRPr lang="en-US" altLang="ko-KR" b="1" dirty="0"/>
         </a:p>
-      </dgm:t>
-    </dgm:pt>
-    <dgm:pt modelId="{B48A9FF6-87CB-4FC2-86F6-BE80D4A3103D}">
-      <dgm:prSet phldrT="[텍스트]"/>
-      <dgm:spPr>
-        <a:solidFill>
-          <a:srgbClr val="06CFEA"/>
-        </a:solidFill>
-        <a:ln>
-          <a:solidFill>
-            <a:srgbClr val="06CFEA"/>
-          </a:solidFill>
-        </a:ln>
-      </dgm:spPr>
-      <dgm:t>
-        <a:bodyPr/>
-        <a:lstStyle/>
         <a:p>
           <a:pPr latinLnBrk="1"/>
           <a:r>
-            <a:rPr lang="ko-KR" altLang="en-US" dirty="0"/>
-            <a:t>목적지 설정 </a:t>
+            <a:rPr lang="ko-KR" altLang="en-US" b="1" dirty="0"/>
+            <a:t>선택</a:t>
           </a:r>
         </a:p>
       </dgm:t>
     </dgm:pt>
-    <dgm:pt modelId="{93206018-2666-4E38-A444-C79611D1BA1D}" type="parTrans" cxnId="{1288AC42-37BB-46FD-82EE-95E10FB69370}">
+    <dgm:pt modelId="{CA774994-4E38-4936-BA01-39289C970451}" type="parTrans" cxnId="{C7333110-E948-4987-9E0C-3C6C61A4BC10}">
       <dgm:prSet/>
       <dgm:spPr/>
       <dgm:t>
@@ -4635,11 +4578,29 @@
         </a:p>
       </dgm:t>
     </dgm:pt>
-    <dgm:pt modelId="{500C59A5-EB13-4A6F-B1A2-35A770432680}" type="sibTrans" cxnId="{1288AC42-37BB-46FD-82EE-95E10FB69370}">
+    <dgm:pt modelId="{0DE1EE65-A305-4F93-8951-6E0687D81FF9}" type="sibTrans" cxnId="{C7333110-E948-4987-9E0C-3C6C61A4BC10}">
       <dgm:prSet/>
       <dgm:spPr>
+        <a:ln w="50800">
+          <a:solidFill>
+            <a:srgbClr val="6699FF"/>
+          </a:solidFill>
+        </a:ln>
+      </dgm:spPr>
+      <dgm:t>
+        <a:bodyPr/>
+        <a:lstStyle/>
+        <a:p>
+          <a:pPr latinLnBrk="1"/>
+          <a:endParaRPr lang="ko-KR" altLang="en-US"/>
+        </a:p>
+      </dgm:t>
+    </dgm:pt>
+    <dgm:pt modelId="{EE460914-CD3B-4D36-BEB4-16326533DE76}">
+      <dgm:prSet phldrT="[텍스트]"/>
+      <dgm:spPr>
         <a:solidFill>
-          <a:srgbClr val="0070C0"/>
+          <a:srgbClr val="99CCFF"/>
         </a:solidFill>
         <a:ln>
           <a:solidFill>
@@ -4652,35 +4613,22 @@
         <a:lstStyle/>
         <a:p>
           <a:pPr latinLnBrk="1"/>
-          <a:endParaRPr lang="ko-KR" altLang="en-US"/>
+          <a:r>
+            <a:rPr lang="ko-KR" altLang="en-US" b="1" dirty="0"/>
+            <a:t>중력장</a:t>
+          </a:r>
+          <a:endParaRPr lang="en-US" altLang="ko-KR" b="1" dirty="0"/>
         </a:p>
-      </dgm:t>
-    </dgm:pt>
-    <dgm:pt modelId="{5CF65F0F-B68B-422C-B909-B301B8EB6737}">
-      <dgm:prSet phldrT="[텍스트]"/>
-      <dgm:spPr>
-        <a:solidFill>
-          <a:srgbClr val="06CFEA"/>
-        </a:solidFill>
-        <a:ln>
-          <a:solidFill>
-            <a:srgbClr val="06CFEA"/>
-          </a:solidFill>
-        </a:ln>
-      </dgm:spPr>
-      <dgm:t>
-        <a:bodyPr/>
-        <a:lstStyle/>
         <a:p>
           <a:pPr latinLnBrk="1"/>
           <a:r>
-            <a:rPr lang="ko-KR" altLang="en-US" dirty="0"/>
-            <a:t>중력장 설정</a:t>
+            <a:rPr lang="ko-KR" altLang="en-US" b="1" dirty="0"/>
+            <a:t>설정</a:t>
           </a:r>
         </a:p>
       </dgm:t>
     </dgm:pt>
-    <dgm:pt modelId="{2B0B77C5-4E4D-47DC-888A-66A35F3A1816}" type="parTrans" cxnId="{3734E5DA-34A7-4F4E-8719-2F253044D7AC}">
+    <dgm:pt modelId="{7D1A9F28-09FE-4C38-9671-82C239700977}" type="parTrans" cxnId="{0F242642-AC6A-4441-B382-86407C02367C}">
       <dgm:prSet/>
       <dgm:spPr/>
       <dgm:t>
@@ -4692,11 +4640,29 @@
         </a:p>
       </dgm:t>
     </dgm:pt>
-    <dgm:pt modelId="{E601E327-A10C-4E56-9A2C-F5AA5CB2B9F9}" type="sibTrans" cxnId="{3734E5DA-34A7-4F4E-8719-2F253044D7AC}">
+    <dgm:pt modelId="{73DD9232-9D6B-4BDB-AC78-A3ADC25F1FD1}" type="sibTrans" cxnId="{0F242642-AC6A-4441-B382-86407C02367C}">
       <dgm:prSet/>
       <dgm:spPr>
+        <a:ln w="50800">
+          <a:solidFill>
+            <a:srgbClr val="6699FF"/>
+          </a:solidFill>
+        </a:ln>
+      </dgm:spPr>
+      <dgm:t>
+        <a:bodyPr/>
+        <a:lstStyle/>
+        <a:p>
+          <a:pPr latinLnBrk="1"/>
+          <a:endParaRPr lang="ko-KR" altLang="en-US"/>
+        </a:p>
+      </dgm:t>
+    </dgm:pt>
+    <dgm:pt modelId="{B8C6C97A-86FD-41F2-BB26-F65F436F18C9}">
+      <dgm:prSet phldrT="[텍스트]"/>
+      <dgm:spPr>
         <a:solidFill>
-          <a:srgbClr val="0070C0"/>
+          <a:srgbClr val="99CCFF"/>
         </a:solidFill>
         <a:ln>
           <a:solidFill>
@@ -4709,47 +4675,22 @@
         <a:lstStyle/>
         <a:p>
           <a:pPr latinLnBrk="1"/>
-          <a:endParaRPr lang="ko-KR" altLang="en-US"/>
-        </a:p>
-      </dgm:t>
-    </dgm:pt>
-    <dgm:pt modelId="{CDBFA2AB-7F97-4410-AEAF-F84C022E05A0}">
-      <dgm:prSet phldrT="[텍스트]"/>
-      <dgm:spPr>
-        <a:solidFill>
-          <a:srgbClr val="06CFEA"/>
-        </a:solidFill>
-        <a:ln>
-          <a:solidFill>
-            <a:srgbClr val="06CFEA"/>
-          </a:solidFill>
-        </a:ln>
-      </dgm:spPr>
-      <dgm:t>
-        <a:bodyPr/>
-        <a:lstStyle/>
-        <a:p>
-          <a:pPr latinLnBrk="1">
-            <a:buAutoNum type="arabicPeriod"/>
-          </a:pPr>
           <a:r>
-            <a:rPr lang="ko-KR" altLang="en-US" dirty="0"/>
+            <a:rPr lang="ko-KR" altLang="en-US" b="1" dirty="0"/>
             <a:t>구체</a:t>
           </a:r>
-          <a:endParaRPr lang="en-US" altLang="ko-KR" dirty="0"/>
+          <a:endParaRPr lang="en-US" altLang="ko-KR" b="1" dirty="0"/>
         </a:p>
         <a:p>
-          <a:pPr latinLnBrk="1">
-            <a:buAutoNum type="arabicPeriod"/>
-          </a:pPr>
+          <a:pPr latinLnBrk="1"/>
           <a:r>
-            <a:rPr lang="ko-KR" altLang="en-US" dirty="0"/>
-            <a:t>이동 </a:t>
+            <a:rPr lang="ko-KR" altLang="en-US" b="1" dirty="0"/>
+            <a:t>이동</a:t>
           </a:r>
         </a:p>
       </dgm:t>
     </dgm:pt>
-    <dgm:pt modelId="{AD78B790-A709-4911-96D6-D76D7A081C3D}" type="parTrans" cxnId="{B5BB6EC1-A58B-4B98-8E61-9E61ED21E917}">
+    <dgm:pt modelId="{1CB14EEF-E5A0-4D83-BE8B-EFF3150CF5E2}" type="parTrans" cxnId="{775A4A5E-0B41-444D-8896-F1F3B52B7B89}">
       <dgm:prSet/>
       <dgm:spPr/>
       <dgm:t>
@@ -4761,15 +4702,12 @@
         </a:p>
       </dgm:t>
     </dgm:pt>
-    <dgm:pt modelId="{9769BE9A-C847-4D1E-94E3-6717BA49C7E0}" type="sibTrans" cxnId="{B5BB6EC1-A58B-4B98-8E61-9E61ED21E917}">
+    <dgm:pt modelId="{71BDE985-3644-4AE3-A03B-A4771A6D24DC}" type="sibTrans" cxnId="{775A4A5E-0B41-444D-8896-F1F3B52B7B89}">
       <dgm:prSet/>
       <dgm:spPr>
-        <a:solidFill>
-          <a:srgbClr val="0070C0"/>
-        </a:solidFill>
-        <a:ln>
+        <a:ln w="50800">
           <a:solidFill>
-            <a:srgbClr val="0070C0"/>
+            <a:srgbClr val="6699FF"/>
           </a:solidFill>
         </a:ln>
       </dgm:spPr>
@@ -4782,65 +4720,8 @@
         </a:p>
       </dgm:t>
     </dgm:pt>
-    <dgm:pt modelId="{B25A50E3-29F5-4E10-9337-24B398709A54}">
-      <dgm:prSet phldrT="[텍스트]"/>
-      <dgm:spPr>
-        <a:solidFill>
-          <a:srgbClr val="06CFEA"/>
-        </a:solidFill>
-        <a:ln>
-          <a:solidFill>
-            <a:srgbClr val="06CFEA"/>
-          </a:solidFill>
-        </a:ln>
-      </dgm:spPr>
-      <dgm:t>
-        <a:bodyPr/>
-        <a:lstStyle/>
-        <a:p>
-          <a:pPr latinLnBrk="1"/>
-          <a:r>
-            <a:rPr lang="ko-KR" altLang="en-US" dirty="0"/>
-            <a:t>중력장 재생성 </a:t>
-          </a:r>
-        </a:p>
-      </dgm:t>
-    </dgm:pt>
-    <dgm:pt modelId="{A3755EDE-B7D4-40EB-BCE6-5E6F7CF46912}" type="parTrans" cxnId="{C0CEF41C-1DAD-4723-8307-AC0347BC0735}">
-      <dgm:prSet/>
-      <dgm:spPr/>
-      <dgm:t>
-        <a:bodyPr/>
-        <a:lstStyle/>
-        <a:p>
-          <a:pPr latinLnBrk="1"/>
-          <a:endParaRPr lang="ko-KR" altLang="en-US"/>
-        </a:p>
-      </dgm:t>
-    </dgm:pt>
-    <dgm:pt modelId="{08274452-61F5-4133-9E16-46BC686407DA}" type="sibTrans" cxnId="{C0CEF41C-1DAD-4723-8307-AC0347BC0735}">
-      <dgm:prSet/>
-      <dgm:spPr>
-        <a:solidFill>
-          <a:srgbClr val="0070C0"/>
-        </a:solidFill>
-        <a:ln>
-          <a:solidFill>
-            <a:srgbClr val="0070C0"/>
-          </a:solidFill>
-        </a:ln>
-      </dgm:spPr>
-      <dgm:t>
-        <a:bodyPr/>
-        <a:lstStyle/>
-        <a:p>
-          <a:pPr latinLnBrk="1"/>
-          <a:endParaRPr lang="ko-KR" altLang="en-US"/>
-        </a:p>
-      </dgm:t>
-    </dgm:pt>
-    <dgm:pt modelId="{C2457DC2-CEE0-4C52-AECA-A3DDB844C889}" type="pres">
-      <dgm:prSet presAssocID="{54889F8F-A791-410A-ACCA-85B1E6C505CB}" presName="cycle" presStyleCnt="0">
+    <dgm:pt modelId="{602E4C1A-329F-4D9A-9A97-F09CAB0E7119}" type="pres">
+      <dgm:prSet presAssocID="{BEA54F20-B0FF-40AC-AD7F-FA3A75238388}" presName="cycle" presStyleCnt="0">
         <dgm:presLayoutVars>
           <dgm:dir/>
           <dgm:resizeHandles val="exact"/>
@@ -4848,124 +4729,87 @@
       </dgm:prSet>
       <dgm:spPr/>
     </dgm:pt>
-    <dgm:pt modelId="{E76CD65D-CD2C-478D-9167-E6C7C84E9BEB}" type="pres">
-      <dgm:prSet presAssocID="{70BD98A4-09AE-48C3-B393-5F0650E2EE6A}" presName="node" presStyleLbl="node1" presStyleIdx="0" presStyleCnt="5" custScaleX="113455" custScaleY="113455">
+    <dgm:pt modelId="{53D68CD2-5DB8-407B-88EC-90CB7F14115C}" type="pres">
+      <dgm:prSet presAssocID="{47574E58-388A-4B47-B524-F0B275CC9510}" presName="node" presStyleLbl="node1" presStyleIdx="0" presStyleCnt="3" custScaleX="79200" custScaleY="125044">
         <dgm:presLayoutVars>
           <dgm:bulletEnabled val="1"/>
         </dgm:presLayoutVars>
       </dgm:prSet>
+      <dgm:spPr>
+        <a:prstGeom prst="ellipse">
+          <a:avLst/>
+        </a:prstGeom>
+      </dgm:spPr>
+    </dgm:pt>
+    <dgm:pt modelId="{1E20E0E2-5B2C-4E18-88BC-B1EF012C3193}" type="pres">
+      <dgm:prSet presAssocID="{47574E58-388A-4B47-B524-F0B275CC9510}" presName="spNode" presStyleCnt="0"/>
       <dgm:spPr/>
     </dgm:pt>
-    <dgm:pt modelId="{EA9049B3-EA0D-433B-8B0F-64683D8B8BFB}" type="pres">
-      <dgm:prSet presAssocID="{B3E55A89-B202-4993-942A-698132A70212}" presName="sibTrans" presStyleLbl="sibTrans2D1" presStyleIdx="0" presStyleCnt="5" custScaleY="72382"/>
+    <dgm:pt modelId="{8BDA4B56-3FD4-4E1E-9327-CC6678E46F13}" type="pres">
+      <dgm:prSet presAssocID="{0DE1EE65-A305-4F93-8951-6E0687D81FF9}" presName="sibTrans" presStyleLbl="sibTrans1D1" presStyleIdx="0" presStyleCnt="3"/>
       <dgm:spPr/>
     </dgm:pt>
-    <dgm:pt modelId="{697313F1-8372-4967-9E10-8AD99C07B620}" type="pres">
-      <dgm:prSet presAssocID="{B3E55A89-B202-4993-942A-698132A70212}" presName="connectorText" presStyleLbl="sibTrans2D1" presStyleIdx="0" presStyleCnt="5"/>
-      <dgm:spPr/>
-    </dgm:pt>
-    <dgm:pt modelId="{3E68BC3A-80B0-4560-A643-DDFB33E3B8B5}" type="pres">
-      <dgm:prSet presAssocID="{B48A9FF6-87CB-4FC2-86F6-BE80D4A3103D}" presName="node" presStyleLbl="node1" presStyleIdx="1" presStyleCnt="5" custScaleX="113455" custScaleY="113455">
+    <dgm:pt modelId="{5B6E4B0F-FD4C-404E-B062-C5A7502F2243}" type="pres">
+      <dgm:prSet presAssocID="{EE460914-CD3B-4D36-BEB4-16326533DE76}" presName="node" presStyleLbl="node1" presStyleIdx="1" presStyleCnt="3" custScaleX="79200" custScaleY="125044">
         <dgm:presLayoutVars>
           <dgm:bulletEnabled val="1"/>
         </dgm:presLayoutVars>
       </dgm:prSet>
+      <dgm:spPr>
+        <a:prstGeom prst="ellipse">
+          <a:avLst/>
+        </a:prstGeom>
+      </dgm:spPr>
+    </dgm:pt>
+    <dgm:pt modelId="{0D1D31F2-04C9-481F-AD72-9CFBC5DC0898}" type="pres">
+      <dgm:prSet presAssocID="{EE460914-CD3B-4D36-BEB4-16326533DE76}" presName="spNode" presStyleCnt="0"/>
       <dgm:spPr/>
     </dgm:pt>
-    <dgm:pt modelId="{7D9901C0-A407-41CD-BFB6-F4A9BC9B1DB0}" type="pres">
-      <dgm:prSet presAssocID="{500C59A5-EB13-4A6F-B1A2-35A770432680}" presName="sibTrans" presStyleLbl="sibTrans2D1" presStyleIdx="1" presStyleCnt="5" custScaleY="72382"/>
+    <dgm:pt modelId="{6BF56D71-9CD4-49B6-90CB-26AA4E777908}" type="pres">
+      <dgm:prSet presAssocID="{73DD9232-9D6B-4BDB-AC78-A3ADC25F1FD1}" presName="sibTrans" presStyleLbl="sibTrans1D1" presStyleIdx="1" presStyleCnt="3"/>
       <dgm:spPr/>
     </dgm:pt>
-    <dgm:pt modelId="{8DEF97DE-EEA5-4849-B8BA-107118405A01}" type="pres">
-      <dgm:prSet presAssocID="{500C59A5-EB13-4A6F-B1A2-35A770432680}" presName="connectorText" presStyleLbl="sibTrans2D1" presStyleIdx="1" presStyleCnt="5"/>
-      <dgm:spPr/>
-    </dgm:pt>
-    <dgm:pt modelId="{91529ED1-B200-45F7-8C00-8927899542A2}" type="pres">
-      <dgm:prSet presAssocID="{5CF65F0F-B68B-422C-B909-B301B8EB6737}" presName="node" presStyleLbl="node1" presStyleIdx="2" presStyleCnt="5" custScaleX="113455" custScaleY="113455">
+    <dgm:pt modelId="{8B0AA011-AEEE-4917-AEFD-8C627E061545}" type="pres">
+      <dgm:prSet presAssocID="{B8C6C97A-86FD-41F2-BB26-F65F436F18C9}" presName="node" presStyleLbl="node1" presStyleIdx="2" presStyleCnt="3" custScaleX="79200" custScaleY="125044" custRadScaleRad="99916" custRadScaleInc="208">
         <dgm:presLayoutVars>
           <dgm:bulletEnabled val="1"/>
         </dgm:presLayoutVars>
       </dgm:prSet>
+      <dgm:spPr>
+        <a:prstGeom prst="ellipse">
+          <a:avLst/>
+        </a:prstGeom>
+      </dgm:spPr>
+    </dgm:pt>
+    <dgm:pt modelId="{383A232A-02AA-4594-B2A3-229C9BF129C4}" type="pres">
+      <dgm:prSet presAssocID="{B8C6C97A-86FD-41F2-BB26-F65F436F18C9}" presName="spNode" presStyleCnt="0"/>
       <dgm:spPr/>
     </dgm:pt>
-    <dgm:pt modelId="{CDE4AFEA-C889-4106-BC1D-E399DE3BFDE8}" type="pres">
-      <dgm:prSet presAssocID="{E601E327-A10C-4E56-9A2C-F5AA5CB2B9F9}" presName="sibTrans" presStyleLbl="sibTrans2D1" presStyleIdx="2" presStyleCnt="5" custScaleY="72382"/>
-      <dgm:spPr/>
-    </dgm:pt>
-    <dgm:pt modelId="{2E1816D8-CEBE-4A0A-9D42-E0D2B30A313A}" type="pres">
-      <dgm:prSet presAssocID="{E601E327-A10C-4E56-9A2C-F5AA5CB2B9F9}" presName="connectorText" presStyleLbl="sibTrans2D1" presStyleIdx="2" presStyleCnt="5"/>
-      <dgm:spPr/>
-    </dgm:pt>
-    <dgm:pt modelId="{6698A1E4-41C7-4745-86E9-0C810646D032}" type="pres">
-      <dgm:prSet presAssocID="{CDBFA2AB-7F97-4410-AEAF-F84C022E05A0}" presName="node" presStyleLbl="node1" presStyleIdx="3" presStyleCnt="5" custScaleX="113455" custScaleY="113455">
-        <dgm:presLayoutVars>
-          <dgm:bulletEnabled val="1"/>
-        </dgm:presLayoutVars>
-      </dgm:prSet>
-      <dgm:spPr/>
-    </dgm:pt>
-    <dgm:pt modelId="{F0048BA6-7C9F-408B-AD6E-4190F4DB1523}" type="pres">
-      <dgm:prSet presAssocID="{9769BE9A-C847-4D1E-94E3-6717BA49C7E0}" presName="sibTrans" presStyleLbl="sibTrans2D1" presStyleIdx="3" presStyleCnt="5" custScaleY="72382"/>
-      <dgm:spPr/>
-    </dgm:pt>
-    <dgm:pt modelId="{75B77F09-1D13-40C3-AEFF-CA0C2BF095DB}" type="pres">
-      <dgm:prSet presAssocID="{9769BE9A-C847-4D1E-94E3-6717BA49C7E0}" presName="connectorText" presStyleLbl="sibTrans2D1" presStyleIdx="3" presStyleCnt="5"/>
-      <dgm:spPr/>
-    </dgm:pt>
-    <dgm:pt modelId="{A018A31C-1401-43DE-A03A-BD0F5D5F0E0F}" type="pres">
-      <dgm:prSet presAssocID="{B25A50E3-29F5-4E10-9337-24B398709A54}" presName="node" presStyleLbl="node1" presStyleIdx="4" presStyleCnt="5" custScaleX="113455" custScaleY="113455">
-        <dgm:presLayoutVars>
-          <dgm:bulletEnabled val="1"/>
-        </dgm:presLayoutVars>
-      </dgm:prSet>
-      <dgm:spPr/>
-    </dgm:pt>
-    <dgm:pt modelId="{A909A5D8-9B06-4B52-B4B9-AD52FCEE310A}" type="pres">
-      <dgm:prSet presAssocID="{08274452-61F5-4133-9E16-46BC686407DA}" presName="sibTrans" presStyleLbl="sibTrans2D1" presStyleIdx="4" presStyleCnt="5" custScaleY="72382"/>
-      <dgm:spPr/>
-    </dgm:pt>
-    <dgm:pt modelId="{E6C1904E-5B0F-4307-93F2-A6396C143796}" type="pres">
-      <dgm:prSet presAssocID="{08274452-61F5-4133-9E16-46BC686407DA}" presName="connectorText" presStyleLbl="sibTrans2D1" presStyleIdx="4" presStyleCnt="5"/>
+    <dgm:pt modelId="{92A047D5-A812-4F08-ACC0-9F57F1DF8BF5}" type="pres">
+      <dgm:prSet presAssocID="{71BDE985-3644-4AE3-A03B-A4771A6D24DC}" presName="sibTrans" presStyleLbl="sibTrans1D1" presStyleIdx="2" presStyleCnt="3"/>
       <dgm:spPr/>
     </dgm:pt>
   </dgm:ptLst>
   <dgm:cxnLst>
-    <dgm:cxn modelId="{BF196A06-29C5-4CEB-9E65-3991EE12D8D0}" type="presOf" srcId="{E601E327-A10C-4E56-9A2C-F5AA5CB2B9F9}" destId="{CDE4AFEA-C889-4106-BC1D-E399DE3BFDE8}" srcOrd="0" destOrd="0" presId="urn:microsoft.com/office/officeart/2005/8/layout/cycle2"/>
-    <dgm:cxn modelId="{6D117717-0DE0-4467-9DF0-3BA9B5458B2C}" type="presOf" srcId="{54889F8F-A791-410A-ACCA-85B1E6C505CB}" destId="{C2457DC2-CEE0-4C52-AECA-A3DDB844C889}" srcOrd="0" destOrd="0" presId="urn:microsoft.com/office/officeart/2005/8/layout/cycle2"/>
-    <dgm:cxn modelId="{54F1E319-1C05-4E26-A4EA-90C95E21D09D}" type="presOf" srcId="{B3E55A89-B202-4993-942A-698132A70212}" destId="{EA9049B3-EA0D-433B-8B0F-64683D8B8BFB}" srcOrd="0" destOrd="0" presId="urn:microsoft.com/office/officeart/2005/8/layout/cycle2"/>
-    <dgm:cxn modelId="{C0CEF41C-1DAD-4723-8307-AC0347BC0735}" srcId="{54889F8F-A791-410A-ACCA-85B1E6C505CB}" destId="{B25A50E3-29F5-4E10-9337-24B398709A54}" srcOrd="4" destOrd="0" parTransId="{A3755EDE-B7D4-40EB-BCE6-5E6F7CF46912}" sibTransId="{08274452-61F5-4133-9E16-46BC686407DA}"/>
-    <dgm:cxn modelId="{34338026-865C-454D-B204-38CBED25BEBC}" type="presOf" srcId="{CDBFA2AB-7F97-4410-AEAF-F84C022E05A0}" destId="{6698A1E4-41C7-4745-86E9-0C810646D032}" srcOrd="0" destOrd="0" presId="urn:microsoft.com/office/officeart/2005/8/layout/cycle2"/>
-    <dgm:cxn modelId="{57BA602E-5A96-4F45-9B14-6E8F639F4D59}" type="presOf" srcId="{08274452-61F5-4133-9E16-46BC686407DA}" destId="{A909A5D8-9B06-4B52-B4B9-AD52FCEE310A}" srcOrd="0" destOrd="0" presId="urn:microsoft.com/office/officeart/2005/8/layout/cycle2"/>
-    <dgm:cxn modelId="{71FE665F-E592-4628-8A42-F600EB3EF2B3}" type="presOf" srcId="{500C59A5-EB13-4A6F-B1A2-35A770432680}" destId="{7D9901C0-A407-41CD-BFB6-F4A9BC9B1DB0}" srcOrd="0" destOrd="0" presId="urn:microsoft.com/office/officeart/2005/8/layout/cycle2"/>
-    <dgm:cxn modelId="{1288AC42-37BB-46FD-82EE-95E10FB69370}" srcId="{54889F8F-A791-410A-ACCA-85B1E6C505CB}" destId="{B48A9FF6-87CB-4FC2-86F6-BE80D4A3103D}" srcOrd="1" destOrd="0" parTransId="{93206018-2666-4E38-A444-C79611D1BA1D}" sibTransId="{500C59A5-EB13-4A6F-B1A2-35A770432680}"/>
-    <dgm:cxn modelId="{A6329064-6898-4FFC-90F0-04FF6ECBDA03}" type="presOf" srcId="{B3E55A89-B202-4993-942A-698132A70212}" destId="{697313F1-8372-4967-9E10-8AD99C07B620}" srcOrd="1" destOrd="0" presId="urn:microsoft.com/office/officeart/2005/8/layout/cycle2"/>
-    <dgm:cxn modelId="{BD2C0F47-9093-48F6-A31F-F2639C150331}" type="presOf" srcId="{500C59A5-EB13-4A6F-B1A2-35A770432680}" destId="{8DEF97DE-EEA5-4849-B8BA-107118405A01}" srcOrd="1" destOrd="0" presId="urn:microsoft.com/office/officeart/2005/8/layout/cycle2"/>
-    <dgm:cxn modelId="{BEB82148-A4D5-4742-8C21-C8732723A0EE}" type="presOf" srcId="{9769BE9A-C847-4D1E-94E3-6717BA49C7E0}" destId="{75B77F09-1D13-40C3-AEFF-CA0C2BF095DB}" srcOrd="1" destOrd="0" presId="urn:microsoft.com/office/officeart/2005/8/layout/cycle2"/>
-    <dgm:cxn modelId="{14138555-E15C-425C-96E6-EA4C9E473359}" type="presOf" srcId="{08274452-61F5-4133-9E16-46BC686407DA}" destId="{E6C1904E-5B0F-4307-93F2-A6396C143796}" srcOrd="1" destOrd="0" presId="urn:microsoft.com/office/officeart/2005/8/layout/cycle2"/>
-    <dgm:cxn modelId="{B1F0FCB5-423B-4CBC-A2A4-188BEBC058EB}" type="presOf" srcId="{B48A9FF6-87CB-4FC2-86F6-BE80D4A3103D}" destId="{3E68BC3A-80B0-4560-A643-DDFB33E3B8B5}" srcOrd="0" destOrd="0" presId="urn:microsoft.com/office/officeart/2005/8/layout/cycle2"/>
-    <dgm:cxn modelId="{6E7292BE-CB46-400D-A534-9ACFD72615B7}" type="presOf" srcId="{5CF65F0F-B68B-422C-B909-B301B8EB6737}" destId="{91529ED1-B200-45F7-8C00-8927899542A2}" srcOrd="0" destOrd="0" presId="urn:microsoft.com/office/officeart/2005/8/layout/cycle2"/>
-    <dgm:cxn modelId="{D51737BF-AC06-4274-8905-C2EEE2C45C72}" type="presOf" srcId="{9769BE9A-C847-4D1E-94E3-6717BA49C7E0}" destId="{F0048BA6-7C9F-408B-AD6E-4190F4DB1523}" srcOrd="0" destOrd="0" presId="urn:microsoft.com/office/officeart/2005/8/layout/cycle2"/>
-    <dgm:cxn modelId="{B5BB6EC1-A58B-4B98-8E61-9E61ED21E917}" srcId="{54889F8F-A791-410A-ACCA-85B1E6C505CB}" destId="{CDBFA2AB-7F97-4410-AEAF-F84C022E05A0}" srcOrd="3" destOrd="0" parTransId="{AD78B790-A709-4911-96D6-D76D7A081C3D}" sibTransId="{9769BE9A-C847-4D1E-94E3-6717BA49C7E0}"/>
-    <dgm:cxn modelId="{73E20FCC-3565-47C6-9634-9853F1B93E20}" type="presOf" srcId="{B25A50E3-29F5-4E10-9337-24B398709A54}" destId="{A018A31C-1401-43DE-A03A-BD0F5D5F0E0F}" srcOrd="0" destOrd="0" presId="urn:microsoft.com/office/officeart/2005/8/layout/cycle2"/>
-    <dgm:cxn modelId="{7C7B77D7-7684-4F97-82E2-AC1165228B4F}" type="presOf" srcId="{E601E327-A10C-4E56-9A2C-F5AA5CB2B9F9}" destId="{2E1816D8-CEBE-4A0A-9D42-E0D2B30A313A}" srcOrd="1" destOrd="0" presId="urn:microsoft.com/office/officeart/2005/8/layout/cycle2"/>
-    <dgm:cxn modelId="{3734E5DA-34A7-4F4E-8719-2F253044D7AC}" srcId="{54889F8F-A791-410A-ACCA-85B1E6C505CB}" destId="{5CF65F0F-B68B-422C-B909-B301B8EB6737}" srcOrd="2" destOrd="0" parTransId="{2B0B77C5-4E4D-47DC-888A-66A35F3A1816}" sibTransId="{E601E327-A10C-4E56-9A2C-F5AA5CB2B9F9}"/>
-    <dgm:cxn modelId="{76ECC9F0-577A-4725-852D-C9E0A6785BDA}" type="presOf" srcId="{70BD98A4-09AE-48C3-B393-5F0650E2EE6A}" destId="{E76CD65D-CD2C-478D-9167-E6C7C84E9BEB}" srcOrd="0" destOrd="0" presId="urn:microsoft.com/office/officeart/2005/8/layout/cycle2"/>
-    <dgm:cxn modelId="{534763F1-0DE4-4FD1-A6F0-FAF81617E7C3}" srcId="{54889F8F-A791-410A-ACCA-85B1E6C505CB}" destId="{70BD98A4-09AE-48C3-B393-5F0650E2EE6A}" srcOrd="0" destOrd="0" parTransId="{FB569B29-EC6A-4F3C-B894-2A1C268B5850}" sibTransId="{B3E55A89-B202-4993-942A-698132A70212}"/>
-    <dgm:cxn modelId="{15D5172B-4C16-4971-ABF4-AC4578B9769C}" type="presParOf" srcId="{C2457DC2-CEE0-4C52-AECA-A3DDB844C889}" destId="{E76CD65D-CD2C-478D-9167-E6C7C84E9BEB}" srcOrd="0" destOrd="0" presId="urn:microsoft.com/office/officeart/2005/8/layout/cycle2"/>
-    <dgm:cxn modelId="{02F564FF-C525-4CDB-AC7C-8B2A42681276}" type="presParOf" srcId="{C2457DC2-CEE0-4C52-AECA-A3DDB844C889}" destId="{EA9049B3-EA0D-433B-8B0F-64683D8B8BFB}" srcOrd="1" destOrd="0" presId="urn:microsoft.com/office/officeart/2005/8/layout/cycle2"/>
-    <dgm:cxn modelId="{62488DDC-FEA3-4AA4-87B7-AD47A290EE42}" type="presParOf" srcId="{EA9049B3-EA0D-433B-8B0F-64683D8B8BFB}" destId="{697313F1-8372-4967-9E10-8AD99C07B620}" srcOrd="0" destOrd="0" presId="urn:microsoft.com/office/officeart/2005/8/layout/cycle2"/>
-    <dgm:cxn modelId="{046FFA7F-3E52-497A-9B0C-22D04113F498}" type="presParOf" srcId="{C2457DC2-CEE0-4C52-AECA-A3DDB844C889}" destId="{3E68BC3A-80B0-4560-A643-DDFB33E3B8B5}" srcOrd="2" destOrd="0" presId="urn:microsoft.com/office/officeart/2005/8/layout/cycle2"/>
-    <dgm:cxn modelId="{8522EC35-7291-440A-97D8-E8FFBEA6CF78}" type="presParOf" srcId="{C2457DC2-CEE0-4C52-AECA-A3DDB844C889}" destId="{7D9901C0-A407-41CD-BFB6-F4A9BC9B1DB0}" srcOrd="3" destOrd="0" presId="urn:microsoft.com/office/officeart/2005/8/layout/cycle2"/>
-    <dgm:cxn modelId="{E18BC197-8368-4BD9-97ED-447DDDFAF3B3}" type="presParOf" srcId="{7D9901C0-A407-41CD-BFB6-F4A9BC9B1DB0}" destId="{8DEF97DE-EEA5-4849-B8BA-107118405A01}" srcOrd="0" destOrd="0" presId="urn:microsoft.com/office/officeart/2005/8/layout/cycle2"/>
-    <dgm:cxn modelId="{BC74B3CF-D695-4986-9791-35140A14166A}" type="presParOf" srcId="{C2457DC2-CEE0-4C52-AECA-A3DDB844C889}" destId="{91529ED1-B200-45F7-8C00-8927899542A2}" srcOrd="4" destOrd="0" presId="urn:microsoft.com/office/officeart/2005/8/layout/cycle2"/>
-    <dgm:cxn modelId="{05F16925-0352-40E1-9CC3-988165D4645C}" type="presParOf" srcId="{C2457DC2-CEE0-4C52-AECA-A3DDB844C889}" destId="{CDE4AFEA-C889-4106-BC1D-E399DE3BFDE8}" srcOrd="5" destOrd="0" presId="urn:microsoft.com/office/officeart/2005/8/layout/cycle2"/>
-    <dgm:cxn modelId="{D5B63CC6-2D75-418D-8648-5BD49EDAA259}" type="presParOf" srcId="{CDE4AFEA-C889-4106-BC1D-E399DE3BFDE8}" destId="{2E1816D8-CEBE-4A0A-9D42-E0D2B30A313A}" srcOrd="0" destOrd="0" presId="urn:microsoft.com/office/officeart/2005/8/layout/cycle2"/>
-    <dgm:cxn modelId="{DB165AE3-E357-4EF9-BFA3-C822B1A59353}" type="presParOf" srcId="{C2457DC2-CEE0-4C52-AECA-A3DDB844C889}" destId="{6698A1E4-41C7-4745-86E9-0C810646D032}" srcOrd="6" destOrd="0" presId="urn:microsoft.com/office/officeart/2005/8/layout/cycle2"/>
-    <dgm:cxn modelId="{DBAA8B53-361C-4A1F-B010-40C5CA342729}" type="presParOf" srcId="{C2457DC2-CEE0-4C52-AECA-A3DDB844C889}" destId="{F0048BA6-7C9F-408B-AD6E-4190F4DB1523}" srcOrd="7" destOrd="0" presId="urn:microsoft.com/office/officeart/2005/8/layout/cycle2"/>
-    <dgm:cxn modelId="{A6B37C44-B7F6-4D65-8046-F6C097730750}" type="presParOf" srcId="{F0048BA6-7C9F-408B-AD6E-4190F4DB1523}" destId="{75B77F09-1D13-40C3-AEFF-CA0C2BF095DB}" srcOrd="0" destOrd="0" presId="urn:microsoft.com/office/officeart/2005/8/layout/cycle2"/>
-    <dgm:cxn modelId="{334B17BE-85EE-4E17-8531-6A6E2A55ED2A}" type="presParOf" srcId="{C2457DC2-CEE0-4C52-AECA-A3DDB844C889}" destId="{A018A31C-1401-43DE-A03A-BD0F5D5F0E0F}" srcOrd="8" destOrd="0" presId="urn:microsoft.com/office/officeart/2005/8/layout/cycle2"/>
-    <dgm:cxn modelId="{89B7B397-79E4-4963-8E99-5AEE44071A1D}" type="presParOf" srcId="{C2457DC2-CEE0-4C52-AECA-A3DDB844C889}" destId="{A909A5D8-9B06-4B52-B4B9-AD52FCEE310A}" srcOrd="9" destOrd="0" presId="urn:microsoft.com/office/officeart/2005/8/layout/cycle2"/>
-    <dgm:cxn modelId="{A643B105-35E0-4748-9C0D-B7294C98454A}" type="presParOf" srcId="{A909A5D8-9B06-4B52-B4B9-AD52FCEE310A}" destId="{E6C1904E-5B0F-4307-93F2-A6396C143796}" srcOrd="0" destOrd="0" presId="urn:microsoft.com/office/officeart/2005/8/layout/cycle2"/>
+    <dgm:cxn modelId="{BC71F901-B868-4B6B-89C2-317A5C562E5F}" type="presOf" srcId="{73DD9232-9D6B-4BDB-AC78-A3ADC25F1FD1}" destId="{6BF56D71-9CD4-49B6-90CB-26AA4E777908}" srcOrd="0" destOrd="0" presId="urn:microsoft.com/office/officeart/2005/8/layout/cycle5"/>
+    <dgm:cxn modelId="{C7333110-E948-4987-9E0C-3C6C61A4BC10}" srcId="{BEA54F20-B0FF-40AC-AD7F-FA3A75238388}" destId="{47574E58-388A-4B47-B524-F0B275CC9510}" srcOrd="0" destOrd="0" parTransId="{CA774994-4E38-4936-BA01-39289C970451}" sibTransId="{0DE1EE65-A305-4F93-8951-6E0687D81FF9}"/>
+    <dgm:cxn modelId="{7EC66B35-5107-45E4-8662-F5BA8DB50A5E}" type="presOf" srcId="{0DE1EE65-A305-4F93-8951-6E0687D81FF9}" destId="{8BDA4B56-3FD4-4E1E-9327-CC6678E46F13}" srcOrd="0" destOrd="0" presId="urn:microsoft.com/office/officeart/2005/8/layout/cycle5"/>
+    <dgm:cxn modelId="{775A4A5E-0B41-444D-8896-F1F3B52B7B89}" srcId="{BEA54F20-B0FF-40AC-AD7F-FA3A75238388}" destId="{B8C6C97A-86FD-41F2-BB26-F65F436F18C9}" srcOrd="2" destOrd="0" parTransId="{1CB14EEF-E5A0-4D83-BE8B-EFF3150CF5E2}" sibTransId="{71BDE985-3644-4AE3-A03B-A4771A6D24DC}"/>
+    <dgm:cxn modelId="{0A947560-D755-4D9D-B204-38A88F84D8AC}" type="presOf" srcId="{47574E58-388A-4B47-B524-F0B275CC9510}" destId="{53D68CD2-5DB8-407B-88EC-90CB7F14115C}" srcOrd="0" destOrd="0" presId="urn:microsoft.com/office/officeart/2005/8/layout/cycle5"/>
+    <dgm:cxn modelId="{0F242642-AC6A-4441-B382-86407C02367C}" srcId="{BEA54F20-B0FF-40AC-AD7F-FA3A75238388}" destId="{EE460914-CD3B-4D36-BEB4-16326533DE76}" srcOrd="1" destOrd="0" parTransId="{7D1A9F28-09FE-4C38-9671-82C239700977}" sibTransId="{73DD9232-9D6B-4BDB-AC78-A3ADC25F1FD1}"/>
+    <dgm:cxn modelId="{6E7BB170-1F76-4896-8A73-E7BB4D7C7B07}" type="presOf" srcId="{71BDE985-3644-4AE3-A03B-A4771A6D24DC}" destId="{92A047D5-A812-4F08-ACC0-9F57F1DF8BF5}" srcOrd="0" destOrd="0" presId="urn:microsoft.com/office/officeart/2005/8/layout/cycle5"/>
+    <dgm:cxn modelId="{4D5D4EA4-D610-429F-B472-6AB092BAEE30}" type="presOf" srcId="{BEA54F20-B0FF-40AC-AD7F-FA3A75238388}" destId="{602E4C1A-329F-4D9A-9A97-F09CAB0E7119}" srcOrd="0" destOrd="0" presId="urn:microsoft.com/office/officeart/2005/8/layout/cycle5"/>
+    <dgm:cxn modelId="{9D10B4CA-10BF-44FD-982A-413246A550BF}" type="presOf" srcId="{B8C6C97A-86FD-41F2-BB26-F65F436F18C9}" destId="{8B0AA011-AEEE-4917-AEFD-8C627E061545}" srcOrd="0" destOrd="0" presId="urn:microsoft.com/office/officeart/2005/8/layout/cycle5"/>
+    <dgm:cxn modelId="{828A3ECE-E2AC-454A-8D1E-E03A83A676E5}" type="presOf" srcId="{EE460914-CD3B-4D36-BEB4-16326533DE76}" destId="{5B6E4B0F-FD4C-404E-B062-C5A7502F2243}" srcOrd="0" destOrd="0" presId="urn:microsoft.com/office/officeart/2005/8/layout/cycle5"/>
+    <dgm:cxn modelId="{8BF9F042-6950-4862-AA94-20EE84699759}" type="presParOf" srcId="{602E4C1A-329F-4D9A-9A97-F09CAB0E7119}" destId="{53D68CD2-5DB8-407B-88EC-90CB7F14115C}" srcOrd="0" destOrd="0" presId="urn:microsoft.com/office/officeart/2005/8/layout/cycle5"/>
+    <dgm:cxn modelId="{EC9FD4DE-39F4-4414-9723-192CE929ABB1}" type="presParOf" srcId="{602E4C1A-329F-4D9A-9A97-F09CAB0E7119}" destId="{1E20E0E2-5B2C-4E18-88BC-B1EF012C3193}" srcOrd="1" destOrd="0" presId="urn:microsoft.com/office/officeart/2005/8/layout/cycle5"/>
+    <dgm:cxn modelId="{0A8D5658-3454-47EC-ADE2-20836B4000A1}" type="presParOf" srcId="{602E4C1A-329F-4D9A-9A97-F09CAB0E7119}" destId="{8BDA4B56-3FD4-4E1E-9327-CC6678E46F13}" srcOrd="2" destOrd="0" presId="urn:microsoft.com/office/officeart/2005/8/layout/cycle5"/>
+    <dgm:cxn modelId="{1F5CD8CB-1525-4A18-AE3B-2351A8AD81A3}" type="presParOf" srcId="{602E4C1A-329F-4D9A-9A97-F09CAB0E7119}" destId="{5B6E4B0F-FD4C-404E-B062-C5A7502F2243}" srcOrd="3" destOrd="0" presId="urn:microsoft.com/office/officeart/2005/8/layout/cycle5"/>
+    <dgm:cxn modelId="{C82BBB96-9B95-4742-8128-504A8BCB9B45}" type="presParOf" srcId="{602E4C1A-329F-4D9A-9A97-F09CAB0E7119}" destId="{0D1D31F2-04C9-481F-AD72-9CFBC5DC0898}" srcOrd="4" destOrd="0" presId="urn:microsoft.com/office/officeart/2005/8/layout/cycle5"/>
+    <dgm:cxn modelId="{EA210F74-A687-40FB-BB21-6BA7892187D3}" type="presParOf" srcId="{602E4C1A-329F-4D9A-9A97-F09CAB0E7119}" destId="{6BF56D71-9CD4-49B6-90CB-26AA4E777908}" srcOrd="5" destOrd="0" presId="urn:microsoft.com/office/officeart/2005/8/layout/cycle5"/>
+    <dgm:cxn modelId="{B0DC4B41-8688-48E7-BA16-54BA1EA00CED}" type="presParOf" srcId="{602E4C1A-329F-4D9A-9A97-F09CAB0E7119}" destId="{8B0AA011-AEEE-4917-AEFD-8C627E061545}" srcOrd="6" destOrd="0" presId="urn:microsoft.com/office/officeart/2005/8/layout/cycle5"/>
+    <dgm:cxn modelId="{D471DE5A-96BB-4011-900E-E1FD4E3257FE}" type="presParOf" srcId="{602E4C1A-329F-4D9A-9A97-F09CAB0E7119}" destId="{383A232A-02AA-4594-B2A3-229C9BF129C4}" srcOrd="7" destOrd="0" presId="urn:microsoft.com/office/officeart/2005/8/layout/cycle5"/>
+    <dgm:cxn modelId="{ABDEB448-2F9D-419B-99C6-69294FB9D33C}" type="presParOf" srcId="{602E4C1A-329F-4D9A-9A97-F09CAB0E7119}" destId="{92A047D5-A812-4F08-ACC0-9F57F1DF8BF5}" srcOrd="8" destOrd="0" presId="urn:microsoft.com/office/officeart/2005/8/layout/cycle5"/>
   </dgm:cxnLst>
   <dgm:bg/>
   <dgm:whole/>
@@ -4985,25 +4829,25 @@
       <dsp:cNvGrpSpPr/>
     </dsp:nvGrpSpPr>
     <dsp:grpSpPr/>
-    <dsp:sp modelId="{E76CD65D-CD2C-478D-9167-E6C7C84E9BEB}">
+    <dsp:sp modelId="{53D68CD2-5DB8-407B-88EC-90CB7F14115C}">
       <dsp:nvSpPr>
         <dsp:cNvPr id="0" name=""/>
         <dsp:cNvSpPr/>
       </dsp:nvSpPr>
       <dsp:spPr>
         <a:xfrm>
-          <a:off x="3136434" y="-109468"/>
-          <a:ext cx="1855131" cy="1855131"/>
+          <a:off x="3080162" y="-99277"/>
+          <a:ext cx="1967674" cy="2019316"/>
         </a:xfrm>
         <a:prstGeom prst="ellipse">
           <a:avLst/>
         </a:prstGeom>
         <a:solidFill>
-          <a:srgbClr val="06CFEA"/>
+          <a:srgbClr val="99CCFF"/>
         </a:solidFill>
         <a:ln w="12700" cap="flat" cmpd="sng" algn="ctr">
           <a:solidFill>
-            <a:srgbClr val="06CFEA"/>
+            <a:srgbClr val="0070C0"/>
           </a:solidFill>
           <a:prstDash val="solid"/>
           <a:miter lim="800000"/>
@@ -5025,12 +4869,12 @@
         </a:fontRef>
       </dsp:style>
       <dsp:txBody>
-        <a:bodyPr spcFirstLastPara="0" vert="horz" wrap="square" lIns="33020" tIns="33020" rIns="33020" bIns="33020" numCol="1" spcCol="1270" anchor="ctr" anchorCtr="0">
+        <a:bodyPr spcFirstLastPara="0" vert="horz" wrap="square" lIns="87630" tIns="87630" rIns="87630" bIns="87630" numCol="1" spcCol="1270" anchor="ctr" anchorCtr="0">
           <a:noAutofit/>
         </a:bodyPr>
         <a:lstStyle/>
         <a:p>
-          <a:pPr marL="0" lvl="0" indent="0" algn="ctr" defTabSz="1155700" latinLnBrk="1">
+          <a:pPr marL="0" lvl="0" indent="0" algn="ctr" defTabSz="1022350" latinLnBrk="1">
             <a:lnSpc>
               <a:spcPct val="90000"/>
             </a:lnSpc>
@@ -5043,13 +4887,13 @@
             <a:buNone/>
           </a:pPr>
           <a:r>
-            <a:rPr lang="ko-KR" altLang="en-US" sz="2600" kern="1200" dirty="0"/>
-            <a:t>주체 </a:t>
+            <a:rPr lang="ko-KR" altLang="en-US" sz="2300" b="1" kern="1200" dirty="0"/>
+            <a:t>주체</a:t>
           </a:r>
-          <a:endParaRPr lang="en-US" altLang="ko-KR" sz="2600" kern="1200" dirty="0"/>
+          <a:endParaRPr lang="en-US" altLang="ko-KR" sz="2300" b="1" kern="1200" dirty="0"/>
         </a:p>
         <a:p>
-          <a:pPr marL="0" lvl="0" indent="0" algn="ctr" defTabSz="1155700" latinLnBrk="1">
+          <a:pPr marL="0" lvl="0" indent="0" algn="ctr" defTabSz="1022350" latinLnBrk="1">
             <a:lnSpc>
               <a:spcPct val="90000"/>
             </a:lnSpc>
@@ -5062,101 +4906,84 @@
             <a:buNone/>
           </a:pPr>
           <a:r>
-            <a:rPr lang="ko-KR" altLang="en-US" sz="2600" kern="1200" dirty="0"/>
-            <a:t>선택 </a:t>
+            <a:rPr lang="ko-KR" altLang="en-US" sz="2300" b="1" kern="1200" dirty="0"/>
+            <a:t>선택</a:t>
           </a:r>
         </a:p>
       </dsp:txBody>
       <dsp:txXfrm>
-        <a:off x="3408112" y="162210"/>
-        <a:ext cx="1311775" cy="1311775"/>
+        <a:off x="3368321" y="196445"/>
+        <a:ext cx="1391356" cy="1427872"/>
       </dsp:txXfrm>
     </dsp:sp>
-    <dsp:sp modelId="{EA9049B3-EA0D-433B-8B0F-64683D8B8BFB}">
-      <dsp:nvSpPr>
-        <dsp:cNvPr id="0" name=""/>
-        <dsp:cNvSpPr/>
-      </dsp:nvSpPr>
-      <dsp:spPr>
-        <a:xfrm rot="2160000">
-          <a:off x="4891205" y="1335448"/>
-          <a:ext cx="319520" cy="399443"/>
-        </a:xfrm>
-        <a:prstGeom prst="rightArrow">
-          <a:avLst>
-            <a:gd name="adj1" fmla="val 60000"/>
-            <a:gd name="adj2" fmla="val 50000"/>
-          </a:avLst>
-        </a:prstGeom>
-        <a:solidFill>
-          <a:srgbClr val="0070C0"/>
-        </a:solidFill>
-        <a:ln>
-          <a:solidFill>
-            <a:srgbClr val="0070C0"/>
-          </a:solidFill>
-        </a:ln>
-        <a:effectLst/>
-      </dsp:spPr>
-      <dsp:style>
-        <a:lnRef idx="0">
-          <a:scrgbClr r="0" g="0" b="0"/>
-        </a:lnRef>
-        <a:fillRef idx="1">
-          <a:scrgbClr r="0" g="0" b="0"/>
-        </a:fillRef>
-        <a:effectRef idx="0">
-          <a:scrgbClr r="0" g="0" b="0"/>
-        </a:effectRef>
-        <a:fontRef idx="minor">
-          <a:schemeClr val="lt1"/>
-        </a:fontRef>
-      </dsp:style>
-      <dsp:txBody>
-        <a:bodyPr spcFirstLastPara="0" vert="horz" wrap="square" lIns="0" tIns="0" rIns="0" bIns="0" numCol="1" spcCol="1270" anchor="ctr" anchorCtr="0">
-          <a:noAutofit/>
-        </a:bodyPr>
-        <a:lstStyle/>
-        <a:p>
-          <a:pPr marL="0" lvl="0" indent="0" algn="ctr" defTabSz="488950" latinLnBrk="1">
-            <a:lnSpc>
-              <a:spcPct val="90000"/>
-            </a:lnSpc>
-            <a:spcBef>
-              <a:spcPct val="0"/>
-            </a:spcBef>
-            <a:spcAft>
-              <a:spcPct val="35000"/>
-            </a:spcAft>
-            <a:buNone/>
-          </a:pPr>
-          <a:endParaRPr lang="ko-KR" altLang="en-US" sz="1100" kern="1200"/>
-        </a:p>
-      </dsp:txBody>
-      <dsp:txXfrm>
-        <a:off x="4900358" y="1387166"/>
-        <a:ext cx="223664" cy="239665"/>
-      </dsp:txXfrm>
-    </dsp:sp>
-    <dsp:sp modelId="{3E68BC3A-80B0-4560-A643-DDFB33E3B8B5}">
+    <dsp:sp modelId="{8BDA4B56-3FD4-4E1E-9327-CC6678E46F13}">
       <dsp:nvSpPr>
         <dsp:cNvPr id="0" name=""/>
         <dsp:cNvSpPr/>
       </dsp:nvSpPr>
       <dsp:spPr>
         <a:xfrm>
-          <a:off x="5124997" y="1335307"/>
-          <a:ext cx="1855131" cy="1855131"/>
+          <a:off x="1909284" y="910380"/>
+          <a:ext cx="4309431" cy="4309431"/>
+        </a:xfrm>
+        <a:custGeom>
+          <a:avLst/>
+          <a:gdLst/>
+          <a:ahLst/>
+          <a:cxnLst/>
+          <a:rect l="0" t="0" r="0" b="0"/>
+          <a:pathLst>
+            <a:path>
+              <a:moveTo>
+                <a:pt x="3522953" y="490165"/>
+              </a:moveTo>
+              <a:arcTo wR="2154715" hR="2154715" stAng="18565184" swAng="2407726"/>
+            </a:path>
+          </a:pathLst>
+        </a:custGeom>
+        <a:noFill/>
+        <a:ln w="50800" cap="flat" cmpd="sng" algn="ctr">
+          <a:solidFill>
+            <a:srgbClr val="6699FF"/>
+          </a:solidFill>
+          <a:prstDash val="solid"/>
+          <a:miter lim="800000"/>
+          <a:tailEnd type="arrow"/>
+        </a:ln>
+        <a:effectLst/>
+      </dsp:spPr>
+      <dsp:style>
+        <a:lnRef idx="1">
+          <a:scrgbClr r="0" g="0" b="0"/>
+        </a:lnRef>
+        <a:fillRef idx="0">
+          <a:scrgbClr r="0" g="0" b="0"/>
+        </a:fillRef>
+        <a:effectRef idx="0">
+          <a:scrgbClr r="0" g="0" b="0"/>
+        </a:effectRef>
+        <a:fontRef idx="minor"/>
+      </dsp:style>
+    </dsp:sp>
+    <dsp:sp modelId="{5B6E4B0F-FD4C-404E-B062-C5A7502F2243}">
+      <dsp:nvSpPr>
+        <dsp:cNvPr id="0" name=""/>
+        <dsp:cNvSpPr/>
+      </dsp:nvSpPr>
+      <dsp:spPr>
+        <a:xfrm>
+          <a:off x="4946201" y="3132796"/>
+          <a:ext cx="1967674" cy="2019316"/>
         </a:xfrm>
         <a:prstGeom prst="ellipse">
           <a:avLst/>
         </a:prstGeom>
         <a:solidFill>
-          <a:srgbClr val="06CFEA"/>
+          <a:srgbClr val="99CCFF"/>
         </a:solidFill>
         <a:ln w="12700" cap="flat" cmpd="sng" algn="ctr">
           <a:solidFill>
-            <a:srgbClr val="06CFEA"/>
+            <a:srgbClr val="0070C0"/>
           </a:solidFill>
           <a:prstDash val="solid"/>
           <a:miter lim="800000"/>
@@ -5178,12 +5005,12 @@
         </a:fontRef>
       </dsp:style>
       <dsp:txBody>
-        <a:bodyPr spcFirstLastPara="0" vert="horz" wrap="square" lIns="33020" tIns="33020" rIns="33020" bIns="33020" numCol="1" spcCol="1270" anchor="ctr" anchorCtr="0">
+        <a:bodyPr spcFirstLastPara="0" vert="horz" wrap="square" lIns="83820" tIns="83820" rIns="83820" bIns="83820" numCol="1" spcCol="1270" anchor="ctr" anchorCtr="0">
           <a:noAutofit/>
         </a:bodyPr>
         <a:lstStyle/>
         <a:p>
-          <a:pPr marL="0" lvl="0" indent="0" algn="ctr" defTabSz="1155700" latinLnBrk="1">
+          <a:pPr marL="0" lvl="0" indent="0" algn="ctr" defTabSz="977900" latinLnBrk="1">
             <a:lnSpc>
               <a:spcPct val="90000"/>
             </a:lnSpc>
@@ -5196,63 +5023,13 @@
             <a:buNone/>
           </a:pPr>
           <a:r>
-            <a:rPr lang="ko-KR" altLang="en-US" sz="2600" kern="1200" dirty="0"/>
-            <a:t>목적지 설정 </a:t>
+            <a:rPr lang="ko-KR" altLang="en-US" sz="2200" b="1" kern="1200" dirty="0"/>
+            <a:t>중력장</a:t>
           </a:r>
+          <a:endParaRPr lang="en-US" altLang="ko-KR" sz="2200" b="1" kern="1200" dirty="0"/>
         </a:p>
-      </dsp:txBody>
-      <dsp:txXfrm>
-        <a:off x="5396675" y="1606985"/>
-        <a:ext cx="1311775" cy="1311775"/>
-      </dsp:txXfrm>
-    </dsp:sp>
-    <dsp:sp modelId="{7D9901C0-A407-41CD-BFB6-F4A9BC9B1DB0}">
-      <dsp:nvSpPr>
-        <dsp:cNvPr id="0" name=""/>
-        <dsp:cNvSpPr/>
-      </dsp:nvSpPr>
-      <dsp:spPr>
-        <a:xfrm rot="6480000">
-          <a:off x="5515815" y="3223399"/>
-          <a:ext cx="319520" cy="399443"/>
-        </a:xfrm>
-        <a:prstGeom prst="rightArrow">
-          <a:avLst>
-            <a:gd name="adj1" fmla="val 60000"/>
-            <a:gd name="adj2" fmla="val 50000"/>
-          </a:avLst>
-        </a:prstGeom>
-        <a:solidFill>
-          <a:srgbClr val="0070C0"/>
-        </a:solidFill>
-        <a:ln>
-          <a:solidFill>
-            <a:srgbClr val="0070C0"/>
-          </a:solidFill>
-        </a:ln>
-        <a:effectLst/>
-      </dsp:spPr>
-      <dsp:style>
-        <a:lnRef idx="0">
-          <a:scrgbClr r="0" g="0" b="0"/>
-        </a:lnRef>
-        <a:fillRef idx="1">
-          <a:scrgbClr r="0" g="0" b="0"/>
-        </a:fillRef>
-        <a:effectRef idx="0">
-          <a:scrgbClr r="0" g="0" b="0"/>
-        </a:effectRef>
-        <a:fontRef idx="minor">
-          <a:schemeClr val="lt1"/>
-        </a:fontRef>
-      </dsp:style>
-      <dsp:txBody>
-        <a:bodyPr spcFirstLastPara="0" vert="horz" wrap="square" lIns="0" tIns="0" rIns="0" bIns="0" numCol="1" spcCol="1270" anchor="ctr" anchorCtr="0">
-          <a:noAutofit/>
-        </a:bodyPr>
-        <a:lstStyle/>
         <a:p>
-          <a:pPr marL="0" lvl="0" indent="0" algn="ctr" defTabSz="488950" latinLnBrk="1">
+          <a:pPr marL="0" lvl="0" indent="0" algn="ctr" defTabSz="977900" latinLnBrk="1">
             <a:lnSpc>
               <a:spcPct val="90000"/>
             </a:lnSpc>
@@ -5264,33 +5041,85 @@
             </a:spcAft>
             <a:buNone/>
           </a:pPr>
-          <a:endParaRPr lang="ko-KR" altLang="en-US" sz="1100" kern="1200"/>
+          <a:r>
+            <a:rPr lang="ko-KR" altLang="en-US" sz="2200" b="1" kern="1200" dirty="0"/>
+            <a:t>설정</a:t>
+          </a:r>
         </a:p>
       </dsp:txBody>
-      <dsp:txXfrm rot="10800000">
-        <a:off x="5578554" y="3257706"/>
-        <a:ext cx="223664" cy="239665"/>
+      <dsp:txXfrm>
+        <a:off x="5234360" y="3428518"/>
+        <a:ext cx="1391356" cy="1427872"/>
       </dsp:txXfrm>
     </dsp:sp>
-    <dsp:sp modelId="{91529ED1-B200-45F7-8C00-8927899542A2}">
+    <dsp:sp modelId="{6BF56D71-9CD4-49B6-90CB-26AA4E777908}">
       <dsp:nvSpPr>
         <dsp:cNvPr id="0" name=""/>
         <dsp:cNvSpPr/>
       </dsp:nvSpPr>
       <dsp:spPr>
         <a:xfrm>
-          <a:off x="4365434" y="3673004"/>
-          <a:ext cx="1855131" cy="1855131"/>
+          <a:off x="1911494" y="909389"/>
+          <a:ext cx="4309431" cy="4309431"/>
+        </a:xfrm>
+        <a:custGeom>
+          <a:avLst/>
+          <a:gdLst/>
+          <a:ahLst/>
+          <a:cxnLst/>
+          <a:rect l="0" t="0" r="0" b="0"/>
+          <a:pathLst>
+            <a:path>
+              <a:moveTo>
+                <a:pt x="2702260" y="4238701"/>
+              </a:moveTo>
+              <a:arcTo wR="2154715" hR="2154715" stAng="4516732" swAng="1774256"/>
+            </a:path>
+          </a:pathLst>
+        </a:custGeom>
+        <a:noFill/>
+        <a:ln w="50800" cap="flat" cmpd="sng" algn="ctr">
+          <a:solidFill>
+            <a:srgbClr val="6699FF"/>
+          </a:solidFill>
+          <a:prstDash val="solid"/>
+          <a:miter lim="800000"/>
+          <a:tailEnd type="arrow"/>
+        </a:ln>
+        <a:effectLst/>
+      </dsp:spPr>
+      <dsp:style>
+        <a:lnRef idx="1">
+          <a:scrgbClr r="0" g="0" b="0"/>
+        </a:lnRef>
+        <a:fillRef idx="0">
+          <a:scrgbClr r="0" g="0" b="0"/>
+        </a:fillRef>
+        <a:effectRef idx="0">
+          <a:scrgbClr r="0" g="0" b="0"/>
+        </a:effectRef>
+        <a:fontRef idx="minor"/>
+      </dsp:style>
+    </dsp:sp>
+    <dsp:sp modelId="{8B0AA011-AEEE-4917-AEFD-8C627E061545}">
+      <dsp:nvSpPr>
+        <dsp:cNvPr id="0" name=""/>
+        <dsp:cNvSpPr/>
+      </dsp:nvSpPr>
+      <dsp:spPr>
+        <a:xfrm>
+          <a:off x="1214130" y="3129182"/>
+          <a:ext cx="1967674" cy="2019316"/>
         </a:xfrm>
         <a:prstGeom prst="ellipse">
           <a:avLst/>
         </a:prstGeom>
         <a:solidFill>
-          <a:srgbClr val="06CFEA"/>
+          <a:srgbClr val="99CCFF"/>
         </a:solidFill>
         <a:ln w="12700" cap="flat" cmpd="sng" algn="ctr">
           <a:solidFill>
-            <a:srgbClr val="06CFEA"/>
+            <a:srgbClr val="0070C0"/>
           </a:solidFill>
           <a:prstDash val="solid"/>
           <a:miter lim="800000"/>
@@ -5312,12 +5141,12 @@
         </a:fontRef>
       </dsp:style>
       <dsp:txBody>
-        <a:bodyPr spcFirstLastPara="0" vert="horz" wrap="square" lIns="33020" tIns="33020" rIns="33020" bIns="33020" numCol="1" spcCol="1270" anchor="ctr" anchorCtr="0">
+        <a:bodyPr spcFirstLastPara="0" vert="horz" wrap="square" lIns="83820" tIns="83820" rIns="83820" bIns="83820" numCol="1" spcCol="1270" anchor="ctr" anchorCtr="0">
           <a:noAutofit/>
         </a:bodyPr>
         <a:lstStyle/>
         <a:p>
-          <a:pPr marL="0" lvl="0" indent="0" algn="ctr" defTabSz="1155700" latinLnBrk="1">
+          <a:pPr marL="0" lvl="0" indent="0" algn="ctr" defTabSz="977900" latinLnBrk="1">
             <a:lnSpc>
               <a:spcPct val="90000"/>
             </a:lnSpc>
@@ -5330,128 +5159,13 @@
             <a:buNone/>
           </a:pPr>
           <a:r>
-            <a:rPr lang="ko-KR" altLang="en-US" sz="2600" kern="1200" dirty="0"/>
-            <a:t>중력장 설정</a:t>
+            <a:rPr lang="ko-KR" altLang="en-US" sz="2200" b="1" kern="1200" dirty="0"/>
+            <a:t>구체</a:t>
           </a:r>
+          <a:endParaRPr lang="en-US" altLang="ko-KR" sz="2200" b="1" kern="1200" dirty="0"/>
         </a:p>
-      </dsp:txBody>
-      <dsp:txXfrm>
-        <a:off x="4637112" y="3944682"/>
-        <a:ext cx="1311775" cy="1311775"/>
-      </dsp:txXfrm>
-    </dsp:sp>
-    <dsp:sp modelId="{CDE4AFEA-C889-4106-BC1D-E399DE3BFDE8}">
-      <dsp:nvSpPr>
-        <dsp:cNvPr id="0" name=""/>
-        <dsp:cNvSpPr/>
-      </dsp:nvSpPr>
-      <dsp:spPr>
-        <a:xfrm rot="10800000">
-          <a:off x="3913282" y="4400848"/>
-          <a:ext cx="319520" cy="399443"/>
-        </a:xfrm>
-        <a:prstGeom prst="rightArrow">
-          <a:avLst>
-            <a:gd name="adj1" fmla="val 60000"/>
-            <a:gd name="adj2" fmla="val 50000"/>
-          </a:avLst>
-        </a:prstGeom>
-        <a:solidFill>
-          <a:srgbClr val="0070C0"/>
-        </a:solidFill>
-        <a:ln>
-          <a:solidFill>
-            <a:srgbClr val="0070C0"/>
-          </a:solidFill>
-        </a:ln>
-        <a:effectLst/>
-      </dsp:spPr>
-      <dsp:style>
-        <a:lnRef idx="0">
-          <a:scrgbClr r="0" g="0" b="0"/>
-        </a:lnRef>
-        <a:fillRef idx="1">
-          <a:scrgbClr r="0" g="0" b="0"/>
-        </a:fillRef>
-        <a:effectRef idx="0">
-          <a:scrgbClr r="0" g="0" b="0"/>
-        </a:effectRef>
-        <a:fontRef idx="minor">
-          <a:schemeClr val="lt1"/>
-        </a:fontRef>
-      </dsp:style>
-      <dsp:txBody>
-        <a:bodyPr spcFirstLastPara="0" vert="horz" wrap="square" lIns="0" tIns="0" rIns="0" bIns="0" numCol="1" spcCol="1270" anchor="ctr" anchorCtr="0">
-          <a:noAutofit/>
-        </a:bodyPr>
-        <a:lstStyle/>
         <a:p>
-          <a:pPr marL="0" lvl="0" indent="0" algn="ctr" defTabSz="488950" latinLnBrk="1">
-            <a:lnSpc>
-              <a:spcPct val="90000"/>
-            </a:lnSpc>
-            <a:spcBef>
-              <a:spcPct val="0"/>
-            </a:spcBef>
-            <a:spcAft>
-              <a:spcPct val="35000"/>
-            </a:spcAft>
-            <a:buNone/>
-          </a:pPr>
-          <a:endParaRPr lang="ko-KR" altLang="en-US" sz="1100" kern="1200"/>
-        </a:p>
-      </dsp:txBody>
-      <dsp:txXfrm rot="10800000">
-        <a:off x="4009138" y="4480737"/>
-        <a:ext cx="223664" cy="239665"/>
-      </dsp:txXfrm>
-    </dsp:sp>
-    <dsp:sp modelId="{6698A1E4-41C7-4745-86E9-0C810646D032}">
-      <dsp:nvSpPr>
-        <dsp:cNvPr id="0" name=""/>
-        <dsp:cNvSpPr/>
-      </dsp:nvSpPr>
-      <dsp:spPr>
-        <a:xfrm>
-          <a:off x="1907434" y="3673004"/>
-          <a:ext cx="1855131" cy="1855131"/>
-        </a:xfrm>
-        <a:prstGeom prst="ellipse">
-          <a:avLst/>
-        </a:prstGeom>
-        <a:solidFill>
-          <a:srgbClr val="06CFEA"/>
-        </a:solidFill>
-        <a:ln w="12700" cap="flat" cmpd="sng" algn="ctr">
-          <a:solidFill>
-            <a:srgbClr val="06CFEA"/>
-          </a:solidFill>
-          <a:prstDash val="solid"/>
-          <a:miter lim="800000"/>
-        </a:ln>
-        <a:effectLst/>
-      </dsp:spPr>
-      <dsp:style>
-        <a:lnRef idx="2">
-          <a:scrgbClr r="0" g="0" b="0"/>
-        </a:lnRef>
-        <a:fillRef idx="1">
-          <a:scrgbClr r="0" g="0" b="0"/>
-        </a:fillRef>
-        <a:effectRef idx="0">
-          <a:scrgbClr r="0" g="0" b="0"/>
-        </a:effectRef>
-        <a:fontRef idx="minor">
-          <a:schemeClr val="lt1"/>
-        </a:fontRef>
-      </dsp:style>
-      <dsp:txBody>
-        <a:bodyPr spcFirstLastPara="0" vert="horz" wrap="square" lIns="33020" tIns="33020" rIns="33020" bIns="33020" numCol="1" spcCol="1270" anchor="ctr" anchorCtr="0">
-          <a:noAutofit/>
-        </a:bodyPr>
-        <a:lstStyle/>
-        <a:p>
-          <a:pPr marL="0" lvl="0" indent="0" algn="ctr" defTabSz="1155700" latinLnBrk="1">
+          <a:pPr marL="0" lvl="0" indent="0" algn="ctr" defTabSz="977900" latinLnBrk="1">
             <a:lnSpc>
               <a:spcPct val="90000"/>
             </a:lnSpc>
@@ -5464,246 +5178,75 @@
             <a:buNone/>
           </a:pPr>
           <a:r>
-            <a:rPr lang="ko-KR" altLang="en-US" sz="2600" kern="1200" dirty="0"/>
-            <a:t>구체</a:t>
-          </a:r>
-          <a:endParaRPr lang="en-US" altLang="ko-KR" sz="2600" kern="1200" dirty="0"/>
-        </a:p>
-        <a:p>
-          <a:pPr marL="0" lvl="0" indent="0" algn="ctr" defTabSz="1155700" latinLnBrk="1">
-            <a:lnSpc>
-              <a:spcPct val="90000"/>
-            </a:lnSpc>
-            <a:spcBef>
-              <a:spcPct val="0"/>
-            </a:spcBef>
-            <a:spcAft>
-              <a:spcPct val="35000"/>
-            </a:spcAft>
-            <a:buNone/>
-          </a:pPr>
-          <a:r>
-            <a:rPr lang="ko-KR" altLang="en-US" sz="2600" kern="1200" dirty="0"/>
-            <a:t>이동 </a:t>
+            <a:rPr lang="ko-KR" altLang="en-US" sz="2200" b="1" kern="1200" dirty="0"/>
+            <a:t>이동</a:t>
           </a:r>
         </a:p>
       </dsp:txBody>
       <dsp:txXfrm>
-        <a:off x="2179112" y="3944682"/>
-        <a:ext cx="1311775" cy="1311775"/>
+        <a:off x="1502289" y="3424904"/>
+        <a:ext cx="1391356" cy="1427872"/>
       </dsp:txXfrm>
     </dsp:sp>
-    <dsp:sp modelId="{F0048BA6-7C9F-408B-AD6E-4190F4DB1523}">
-      <dsp:nvSpPr>
-        <dsp:cNvPr id="0" name=""/>
-        <dsp:cNvSpPr/>
-      </dsp:nvSpPr>
-      <dsp:spPr>
-        <a:xfrm rot="15120000">
-          <a:off x="2298252" y="3240600"/>
-          <a:ext cx="319520" cy="399443"/>
-        </a:xfrm>
-        <a:prstGeom prst="rightArrow">
-          <a:avLst>
-            <a:gd name="adj1" fmla="val 60000"/>
-            <a:gd name="adj2" fmla="val 50000"/>
-          </a:avLst>
-        </a:prstGeom>
-        <a:solidFill>
-          <a:srgbClr val="0070C0"/>
-        </a:solidFill>
-        <a:ln>
-          <a:solidFill>
-            <a:srgbClr val="0070C0"/>
-          </a:solidFill>
-        </a:ln>
-        <a:effectLst/>
-      </dsp:spPr>
-      <dsp:style>
-        <a:lnRef idx="0">
-          <a:scrgbClr r="0" g="0" b="0"/>
-        </a:lnRef>
-        <a:fillRef idx="1">
-          <a:scrgbClr r="0" g="0" b="0"/>
-        </a:fillRef>
-        <a:effectRef idx="0">
-          <a:scrgbClr r="0" g="0" b="0"/>
-        </a:effectRef>
-        <a:fontRef idx="minor">
-          <a:schemeClr val="lt1"/>
-        </a:fontRef>
-      </dsp:style>
-      <dsp:txBody>
-        <a:bodyPr spcFirstLastPara="0" vert="horz" wrap="square" lIns="0" tIns="0" rIns="0" bIns="0" numCol="1" spcCol="1270" anchor="ctr" anchorCtr="0">
-          <a:noAutofit/>
-        </a:bodyPr>
-        <a:lstStyle/>
-        <a:p>
-          <a:pPr marL="0" lvl="0" indent="0" algn="ctr" defTabSz="488950" latinLnBrk="1">
-            <a:lnSpc>
-              <a:spcPct val="90000"/>
-            </a:lnSpc>
-            <a:spcBef>
-              <a:spcPct val="0"/>
-            </a:spcBef>
-            <a:spcAft>
-              <a:spcPct val="35000"/>
-            </a:spcAft>
-            <a:buNone/>
-          </a:pPr>
-          <a:endParaRPr lang="ko-KR" altLang="en-US" sz="1100" kern="1200"/>
-        </a:p>
-      </dsp:txBody>
-      <dsp:txXfrm rot="10800000">
-        <a:off x="2360991" y="3366071"/>
-        <a:ext cx="223664" cy="239665"/>
-      </dsp:txXfrm>
-    </dsp:sp>
-    <dsp:sp modelId="{A018A31C-1401-43DE-A03A-BD0F5D5F0E0F}">
+    <dsp:sp modelId="{92A047D5-A812-4F08-ACC0-9F57F1DF8BF5}">
       <dsp:nvSpPr>
         <dsp:cNvPr id="0" name=""/>
         <dsp:cNvSpPr/>
       </dsp:nvSpPr>
       <dsp:spPr>
         <a:xfrm>
-          <a:off x="1147870" y="1335307"/>
-          <a:ext cx="1855131" cy="1855131"/>
+          <a:off x="1911067" y="909464"/>
+          <a:ext cx="4309431" cy="4309431"/>
         </a:xfrm>
-        <a:prstGeom prst="ellipse">
+        <a:custGeom>
           <a:avLst/>
-        </a:prstGeom>
-        <a:solidFill>
-          <a:srgbClr val="06CFEA"/>
-        </a:solidFill>
-        <a:ln w="12700" cap="flat" cmpd="sng" algn="ctr">
+          <a:gdLst/>
+          <a:ahLst/>
+          <a:cxnLst/>
+          <a:rect l="0" t="0" r="0" b="0"/>
+          <a:pathLst>
+            <a:path>
+              <a:moveTo>
+                <a:pt x="36095" y="1761972"/>
+              </a:moveTo>
+              <a:arcTo wR="2154715" hR="2154715" stAng="11430126" swAng="2402760"/>
+            </a:path>
+          </a:pathLst>
+        </a:custGeom>
+        <a:noFill/>
+        <a:ln w="50800" cap="flat" cmpd="sng" algn="ctr">
           <a:solidFill>
-            <a:srgbClr val="06CFEA"/>
+            <a:srgbClr val="6699FF"/>
           </a:solidFill>
           <a:prstDash val="solid"/>
           <a:miter lim="800000"/>
+          <a:tailEnd type="arrow"/>
         </a:ln>
         <a:effectLst/>
       </dsp:spPr>
       <dsp:style>
-        <a:lnRef idx="2">
+        <a:lnRef idx="1">
           <a:scrgbClr r="0" g="0" b="0"/>
         </a:lnRef>
-        <a:fillRef idx="1">
+        <a:fillRef idx="0">
           <a:scrgbClr r="0" g="0" b="0"/>
         </a:fillRef>
         <a:effectRef idx="0">
           <a:scrgbClr r="0" g="0" b="0"/>
         </a:effectRef>
-        <a:fontRef idx="minor">
-          <a:schemeClr val="lt1"/>
-        </a:fontRef>
+        <a:fontRef idx="minor"/>
       </dsp:style>
-      <dsp:txBody>
-        <a:bodyPr spcFirstLastPara="0" vert="horz" wrap="square" lIns="33020" tIns="33020" rIns="33020" bIns="33020" numCol="1" spcCol="1270" anchor="ctr" anchorCtr="0">
-          <a:noAutofit/>
-        </a:bodyPr>
-        <a:lstStyle/>
-        <a:p>
-          <a:pPr marL="0" lvl="0" indent="0" algn="ctr" defTabSz="1155700" latinLnBrk="1">
-            <a:lnSpc>
-              <a:spcPct val="90000"/>
-            </a:lnSpc>
-            <a:spcBef>
-              <a:spcPct val="0"/>
-            </a:spcBef>
-            <a:spcAft>
-              <a:spcPct val="35000"/>
-            </a:spcAft>
-            <a:buNone/>
-          </a:pPr>
-          <a:r>
-            <a:rPr lang="ko-KR" altLang="en-US" sz="2600" kern="1200" dirty="0"/>
-            <a:t>중력장 재생성 </a:t>
-          </a:r>
-        </a:p>
-      </dsp:txBody>
-      <dsp:txXfrm>
-        <a:off x="1419548" y="1606985"/>
-        <a:ext cx="1311775" cy="1311775"/>
-      </dsp:txXfrm>
-    </dsp:sp>
-    <dsp:sp modelId="{A909A5D8-9B06-4B52-B4B9-AD52FCEE310A}">
-      <dsp:nvSpPr>
-        <dsp:cNvPr id="0" name=""/>
-        <dsp:cNvSpPr/>
-      </dsp:nvSpPr>
-      <dsp:spPr>
-        <a:xfrm rot="19440000">
-          <a:off x="2902642" y="1346078"/>
-          <a:ext cx="319520" cy="399443"/>
-        </a:xfrm>
-        <a:prstGeom prst="rightArrow">
-          <a:avLst>
-            <a:gd name="adj1" fmla="val 60000"/>
-            <a:gd name="adj2" fmla="val 50000"/>
-          </a:avLst>
-        </a:prstGeom>
-        <a:solidFill>
-          <a:srgbClr val="0070C0"/>
-        </a:solidFill>
-        <a:ln>
-          <a:solidFill>
-            <a:srgbClr val="0070C0"/>
-          </a:solidFill>
-        </a:ln>
-        <a:effectLst/>
-      </dsp:spPr>
-      <dsp:style>
-        <a:lnRef idx="0">
-          <a:scrgbClr r="0" g="0" b="0"/>
-        </a:lnRef>
-        <a:fillRef idx="1">
-          <a:scrgbClr r="0" g="0" b="0"/>
-        </a:fillRef>
-        <a:effectRef idx="0">
-          <a:scrgbClr r="0" g="0" b="0"/>
-        </a:effectRef>
-        <a:fontRef idx="minor">
-          <a:schemeClr val="lt1"/>
-        </a:fontRef>
-      </dsp:style>
-      <dsp:txBody>
-        <a:bodyPr spcFirstLastPara="0" vert="horz" wrap="square" lIns="0" tIns="0" rIns="0" bIns="0" numCol="1" spcCol="1270" anchor="ctr" anchorCtr="0">
-          <a:noAutofit/>
-        </a:bodyPr>
-        <a:lstStyle/>
-        <a:p>
-          <a:pPr marL="0" lvl="0" indent="0" algn="ctr" defTabSz="488950" latinLnBrk="1">
-            <a:lnSpc>
-              <a:spcPct val="90000"/>
-            </a:lnSpc>
-            <a:spcBef>
-              <a:spcPct val="0"/>
-            </a:spcBef>
-            <a:spcAft>
-              <a:spcPct val="35000"/>
-            </a:spcAft>
-            <a:buNone/>
-          </a:pPr>
-          <a:endParaRPr lang="ko-KR" altLang="en-US" sz="1100" kern="1200"/>
-        </a:p>
-      </dsp:txBody>
-      <dsp:txXfrm>
-        <a:off x="2911795" y="1454138"/>
-        <a:ext cx="223664" cy="239665"/>
-      </dsp:txXfrm>
     </dsp:sp>
   </dsp:spTree>
 </dsp:drawing>
 </file>
 
 <file path=ppt/diagrams/layout1.xml><?xml version="1.0" encoding="utf-8"?>
-<dgm:layoutDef xmlns:dgm="http://schemas.openxmlformats.org/drawingml/2006/diagram" xmlns:a="http://schemas.openxmlformats.org/drawingml/2006/main" uniqueId="urn:microsoft.com/office/officeart/2005/8/layout/cycle2">
+<dgm:layoutDef xmlns:dgm="http://schemas.openxmlformats.org/drawingml/2006/diagram" xmlns:a="http://schemas.openxmlformats.org/drawingml/2006/main" uniqueId="urn:microsoft.com/office/officeart/2005/8/layout/cycle5">
   <dgm:title val=""/>
   <dgm:desc val=""/>
   <dgm:catLst>
-    <dgm:cat type="cycle" pri="1000"/>
-    <dgm:cat type="convert" pri="10000"/>
+    <dgm:cat type="cycle" pri="3000"/>
   </dgm:catLst>
   <dgm:sampData>
     <dgm:dataModel>
@@ -5819,89 +5362,87 @@
       <dgm:adjLst/>
     </dgm:shape>
     <dgm:presOf/>
-    <dgm:constrLst>
-      <dgm:constr type="w" for="ch" ptType="node" refType="w"/>
-      <dgm:constr type="w" for="ch" ptType="sibTrans" refType="w" refFor="ch" refPtType="node" op="equ" fact="0.25"/>
-      <dgm:constr type="sibSp" refType="w" refFor="ch" refPtType="node" fact="0.5"/>
-      <dgm:constr type="primFontSz" for="ch" ptType="node" op="equ" val="65"/>
-      <dgm:constr type="primFontSz" for="des" forName="connectorText" op="equ" val="55"/>
-      <dgm:constr type="primFontSz" for="des" forName="connectorText" refType="primFontSz" refFor="ch" refPtType="node" op="lte" fact="0.8"/>
-    </dgm:constrLst>
+    <dgm:choose name="Name9">
+      <dgm:if name="Name10" func="var" arg="dir" op="equ" val="norm">
+        <dgm:constrLst>
+          <dgm:constr type="w" for="ch" forName="node" refType="w"/>
+          <dgm:constr type="w" for="ch" ptType="sibTrans" refType="w" refFor="ch" refForName="node" op="equ" fact="0.3"/>
+          <dgm:constr type="diam" for="ch" ptType="sibTrans" refType="diam" op="equ"/>
+          <dgm:constr type="sibSp" refType="w" refFor="ch" refForName="node" op="equ" fact="0.15"/>
+          <dgm:constr type="w" for="ch" forName="spNode" refType="sibSp" fact="1.6"/>
+          <dgm:constr type="primFontSz" for="ch" forName="node" op="equ" val="65"/>
+        </dgm:constrLst>
+      </dgm:if>
+      <dgm:else name="Name11">
+        <dgm:constrLst>
+          <dgm:constr type="w" for="ch" forName="node" refType="w"/>
+          <dgm:constr type="w" for="ch" ptType="sibTrans" refType="w" refFor="ch" refForName="node" op="equ" fact="0.3"/>
+          <dgm:constr type="diam" for="ch" ptType="sibTrans" refType="diam" fact="-1"/>
+          <dgm:constr type="diam" for="ch" refType="diam" op="equ" fact="-1"/>
+          <dgm:constr type="sibSp" refType="w" refFor="ch" refForName="node" op="equ" fact="0.15"/>
+          <dgm:constr type="w" for="ch" forName="spNode" refType="sibSp" fact="1.6"/>
+          <dgm:constr type="primFontSz" for="ch" forName="node" op="equ" val="65"/>
+        </dgm:constrLst>
+      </dgm:else>
+    </dgm:choose>
     <dgm:ruleLst/>
-    <dgm:forEach name="nodesForEach" axis="ch" ptType="node">
+    <dgm:forEach name="Name12" axis="ch" ptType="node">
       <dgm:layoutNode name="node">
         <dgm:varLst>
           <dgm:bulletEnabled val="1"/>
         </dgm:varLst>
-        <dgm:alg type="tx">
-          <dgm:param type="txAnchorVertCh" val="mid"/>
-        </dgm:alg>
-        <dgm:shape xmlns:r="http://schemas.openxmlformats.org/officeDocument/2006/relationships" type="ellipse" r:blip="">
+        <dgm:alg type="tx"/>
+        <dgm:shape xmlns:r="http://schemas.openxmlformats.org/officeDocument/2006/relationships" type="roundRect" r:blip="">
           <dgm:adjLst/>
         </dgm:shape>
         <dgm:presOf axis="desOrSelf" ptType="node"/>
         <dgm:constrLst>
-          <dgm:constr type="h" refType="w"/>
-          <dgm:constr type="lMarg" refType="primFontSz" fact="0.1"/>
-          <dgm:constr type="rMarg" refType="primFontSz" fact="0.1"/>
-          <dgm:constr type="tMarg" refType="primFontSz" fact="0.1"/>
-          <dgm:constr type="bMarg" refType="primFontSz" fact="0.1"/>
+          <dgm:constr type="h" refType="w" fact="0.65"/>
+          <dgm:constr type="tMarg" refType="primFontSz" fact="0.3"/>
+          <dgm:constr type="bMarg" refType="primFontSz" fact="0.3"/>
+          <dgm:constr type="lMarg" refType="primFontSz" fact="0.3"/>
+          <dgm:constr type="rMarg" refType="primFontSz" fact="0.3"/>
         </dgm:constrLst>
         <dgm:ruleLst>
           <dgm:rule type="primFontSz" val="5" fact="NaN" max="NaN"/>
         </dgm:ruleLst>
       </dgm:layoutNode>
-      <dgm:choose name="Name9">
-        <dgm:if name="Name10" axis="par ch" ptType="doc node" func="cnt" op="gt" val="1">
-          <dgm:forEach name="sibTransForEach" axis="followSib" ptType="sibTrans" hideLastTrans="0" cnt="1">
+      <dgm:choose name="Name13">
+        <dgm:if name="Name14" axis="par ch" ptType="doc node" func="cnt" op="gt" val="1">
+          <dgm:layoutNode name="spNode">
+            <dgm:alg type="sp"/>
+            <dgm:shape xmlns:r="http://schemas.openxmlformats.org/officeDocument/2006/relationships" r:blip="">
+              <dgm:adjLst/>
+            </dgm:shape>
+            <dgm:presOf/>
+            <dgm:constrLst>
+              <dgm:constr type="h" refType="w"/>
+            </dgm:constrLst>
+            <dgm:ruleLst/>
+          </dgm:layoutNode>
+          <dgm:forEach name="Name15" axis="followSib" ptType="sibTrans" hideLastTrans="0" cnt="1">
             <dgm:layoutNode name="sibTrans">
-              <dgm:choose name="Name11">
-                <dgm:if name="Name12" axis="par ch" ptType="doc node" func="cnt" op="lt" val="3">
-                  <dgm:alg type="conn">
-                    <dgm:param type="begPts" val="radial"/>
-                    <dgm:param type="endPts" val="radial"/>
-                  </dgm:alg>
-                </dgm:if>
-                <dgm:else name="Name13">
-                  <dgm:alg type="conn">
-                    <dgm:param type="begPts" val="auto"/>
-                    <dgm:param type="endPts" val="auto"/>
-                  </dgm:alg>
-                </dgm:else>
-              </dgm:choose>
+              <dgm:alg type="conn">
+                <dgm:param type="dim" val="1D"/>
+                <dgm:param type="connRout" val="curve"/>
+                <dgm:param type="begPts" val="radial"/>
+                <dgm:param type="endPts" val="radial"/>
+              </dgm:alg>
               <dgm:shape xmlns:r="http://schemas.openxmlformats.org/officeDocument/2006/relationships" type="conn" r:blip="">
                 <dgm:adjLst/>
               </dgm:shape>
               <dgm:presOf axis="self"/>
               <dgm:constrLst>
-                <dgm:constr type="h" refType="w" fact="1.35"/>
+                <dgm:constr type="h" refType="w" fact="0.65"/>
                 <dgm:constr type="connDist"/>
-                <dgm:constr type="w" for="ch" refType="connDist" fact="0.45"/>
-                <dgm:constr type="h" for="ch" refType="h"/>
+                <dgm:constr type="begPad" refType="connDist" fact="0.2"/>
+                <dgm:constr type="endPad" refType="connDist" fact="0.2"/>
               </dgm:constrLst>
               <dgm:ruleLst/>
-              <dgm:layoutNode name="connectorText">
-                <dgm:alg type="tx">
-                  <dgm:param type="autoTxRot" val="grav"/>
-                </dgm:alg>
-                <dgm:shape xmlns:r="http://schemas.openxmlformats.org/officeDocument/2006/relationships" type="conn" r:blip="" hideGeom="1">
-                  <dgm:adjLst/>
-                </dgm:shape>
-                <dgm:presOf axis="self"/>
-                <dgm:constrLst>
-                  <dgm:constr type="lMarg"/>
-                  <dgm:constr type="rMarg"/>
-                  <dgm:constr type="tMarg"/>
-                  <dgm:constr type="bMarg"/>
-                </dgm:constrLst>
-                <dgm:ruleLst>
-                  <dgm:rule type="primFontSz" val="5" fact="NaN" max="NaN"/>
-                </dgm:ruleLst>
-              </dgm:layoutNode>
             </dgm:layoutNode>
           </dgm:forEach>
         </dgm:if>
-        <dgm:else name="Name14"/>
+        <dgm:else name="Name16"/>
       </dgm:choose>
     </dgm:forEach>
   </dgm:layoutNode>
@@ -7089,7 +6630,7 @@
           <a:p>
             <a:fld id="{9EEA4200-C903-4FD2-AC1C-BAE29F20E4A4}" type="datetimeFigureOut">
               <a:rPr lang="ko-KR" altLang="en-US" smtClean="0"/>
-              <a:t>2021-11-30</a:t>
+              <a:t>2021-12-06</a:t>
             </a:fld>
             <a:endParaRPr lang="ko-KR" altLang="en-US"/>
           </a:p>
@@ -7287,7 +6828,7 @@
           <a:p>
             <a:fld id="{9EEA4200-C903-4FD2-AC1C-BAE29F20E4A4}" type="datetimeFigureOut">
               <a:rPr lang="ko-KR" altLang="en-US" smtClean="0"/>
-              <a:t>2021-11-30</a:t>
+              <a:t>2021-12-06</a:t>
             </a:fld>
             <a:endParaRPr lang="ko-KR" altLang="en-US"/>
           </a:p>
@@ -7495,7 +7036,7 @@
           <a:p>
             <a:fld id="{9EEA4200-C903-4FD2-AC1C-BAE29F20E4A4}" type="datetimeFigureOut">
               <a:rPr lang="ko-KR" altLang="en-US" smtClean="0"/>
-              <a:t>2021-11-30</a:t>
+              <a:t>2021-12-06</a:t>
             </a:fld>
             <a:endParaRPr lang="ko-KR" altLang="en-US"/>
           </a:p>
@@ -7693,7 +7234,7 @@
           <a:p>
             <a:fld id="{9EEA4200-C903-4FD2-AC1C-BAE29F20E4A4}" type="datetimeFigureOut">
               <a:rPr lang="ko-KR" altLang="en-US" smtClean="0"/>
-              <a:t>2021-11-30</a:t>
+              <a:t>2021-12-06</a:t>
             </a:fld>
             <a:endParaRPr lang="ko-KR" altLang="en-US"/>
           </a:p>
@@ -7968,7 +7509,7 @@
           <a:p>
             <a:fld id="{9EEA4200-C903-4FD2-AC1C-BAE29F20E4A4}" type="datetimeFigureOut">
               <a:rPr lang="ko-KR" altLang="en-US" smtClean="0"/>
-              <a:t>2021-11-30</a:t>
+              <a:t>2021-12-06</a:t>
             </a:fld>
             <a:endParaRPr lang="ko-KR" altLang="en-US"/>
           </a:p>
@@ -8233,7 +7774,7 @@
           <a:p>
             <a:fld id="{9EEA4200-C903-4FD2-AC1C-BAE29F20E4A4}" type="datetimeFigureOut">
               <a:rPr lang="ko-KR" altLang="en-US" smtClean="0"/>
-              <a:t>2021-11-30</a:t>
+              <a:t>2021-12-06</a:t>
             </a:fld>
             <a:endParaRPr lang="ko-KR" altLang="en-US"/>
           </a:p>
@@ -8645,7 +8186,7 @@
           <a:p>
             <a:fld id="{9EEA4200-C903-4FD2-AC1C-BAE29F20E4A4}" type="datetimeFigureOut">
               <a:rPr lang="ko-KR" altLang="en-US" smtClean="0"/>
-              <a:t>2021-11-30</a:t>
+              <a:t>2021-12-06</a:t>
             </a:fld>
             <a:endParaRPr lang="ko-KR" altLang="en-US"/>
           </a:p>
@@ -8786,7 +8327,7 @@
           <a:p>
             <a:fld id="{9EEA4200-C903-4FD2-AC1C-BAE29F20E4A4}" type="datetimeFigureOut">
               <a:rPr lang="ko-KR" altLang="en-US" smtClean="0"/>
-              <a:t>2021-11-30</a:t>
+              <a:t>2021-12-06</a:t>
             </a:fld>
             <a:endParaRPr lang="ko-KR" altLang="en-US"/>
           </a:p>
@@ -8899,7 +8440,7 @@
           <a:p>
             <a:fld id="{9EEA4200-C903-4FD2-AC1C-BAE29F20E4A4}" type="datetimeFigureOut">
               <a:rPr lang="ko-KR" altLang="en-US" smtClean="0"/>
-              <a:t>2021-11-30</a:t>
+              <a:t>2021-12-06</a:t>
             </a:fld>
             <a:endParaRPr lang="ko-KR" altLang="en-US"/>
           </a:p>
@@ -9210,7 +8751,7 @@
           <a:p>
             <a:fld id="{9EEA4200-C903-4FD2-AC1C-BAE29F20E4A4}" type="datetimeFigureOut">
               <a:rPr lang="ko-KR" altLang="en-US" smtClean="0"/>
-              <a:t>2021-11-30</a:t>
+              <a:t>2021-12-06</a:t>
             </a:fld>
             <a:endParaRPr lang="ko-KR" altLang="en-US"/>
           </a:p>
@@ -9498,7 +9039,7 @@
           <a:p>
             <a:fld id="{9EEA4200-C903-4FD2-AC1C-BAE29F20E4A4}" type="datetimeFigureOut">
               <a:rPr lang="ko-KR" altLang="en-US" smtClean="0"/>
-              <a:t>2021-11-30</a:t>
+              <a:t>2021-12-06</a:t>
             </a:fld>
             <a:endParaRPr lang="ko-KR" altLang="en-US"/>
           </a:p>
@@ -9742,7 +9283,7 @@
           <a:p>
             <a:fld id="{9EEA4200-C903-4FD2-AC1C-BAE29F20E4A4}" type="datetimeFigureOut">
               <a:rPr lang="ko-KR" altLang="en-US" smtClean="0"/>
-              <a:t>2021-11-30</a:t>
+              <a:t>2021-12-06</a:t>
             </a:fld>
             <a:endParaRPr lang="ko-KR" altLang="en-US"/>
           </a:p>
@@ -17471,10 +17012,10 @@
       </p:grpSpPr>
       <p:grpSp>
         <p:nvGrpSpPr>
-          <p:cNvPr id="9" name="그룹 8">
+          <p:cNvPr id="3" name="그룹 2">
             <a:extLst>
               <a:ext uri="{FF2B5EF4-FFF2-40B4-BE49-F238E27FC236}">
-                <a16:creationId xmlns:a16="http://schemas.microsoft.com/office/drawing/2014/main" id="{65CB86F7-3A13-4EA9-8891-AB3BADFB55C1}"/>
+                <a16:creationId xmlns:a16="http://schemas.microsoft.com/office/drawing/2014/main" id="{6B14CDFC-00C8-4907-9BE1-906AB8433102}"/>
               </a:ext>
             </a:extLst>
           </p:cNvPr>
@@ -17483,9 +17024,9 @@
         </p:nvGrpSpPr>
         <p:grpSpPr>
           <a:xfrm>
-            <a:off x="1795128" y="719665"/>
+            <a:off x="1795128" y="424391"/>
             <a:ext cx="8128000" cy="5418667"/>
-            <a:chOff x="1795128" y="719665"/>
+            <a:chOff x="1795128" y="424391"/>
             <a:chExt cx="8128000" cy="5418667"/>
           </a:xfrm>
         </p:grpSpPr>
@@ -17555,10 +17096,10 @@
         </p:pic>
         <p:graphicFrame>
           <p:nvGraphicFramePr>
-            <p:cNvPr id="8" name="다이어그램 7">
+            <p:cNvPr id="2" name="다이어그램 1">
               <a:extLst>
                 <a:ext uri="{FF2B5EF4-FFF2-40B4-BE49-F238E27FC236}">
-                  <a16:creationId xmlns:a16="http://schemas.microsoft.com/office/drawing/2014/main" id="{34172EB0-4EDB-429A-9696-A0AEA0C5EB34}"/>
+                  <a16:creationId xmlns:a16="http://schemas.microsoft.com/office/drawing/2014/main" id="{3ED1C52E-DEEA-4E29-A43F-0FA1C28D0669}"/>
                 </a:ext>
               </a:extLst>
             </p:cNvPr>
@@ -17566,13 +17107,13 @@
             <p:nvPr>
               <p:extLst>
                 <p:ext uri="{D42A27DB-BD31-4B8C-83A1-F6EECF244321}">
-                  <p14:modId xmlns:p14="http://schemas.microsoft.com/office/powerpoint/2010/main" val="3195643532"/>
+                  <p14:modId xmlns:p14="http://schemas.microsoft.com/office/powerpoint/2010/main" val="1541752726"/>
                 </p:ext>
               </p:extLst>
             </p:nvPr>
           </p:nvGraphicFramePr>
           <p:xfrm>
-            <a:off x="1795128" y="719665"/>
+            <a:off x="1795128" y="424391"/>
             <a:ext cx="8128000" cy="5418667"/>
           </p:xfrm>
           <a:graphic>

--- a/Documents/PartyBall/Project_TheBalls.pptx
+++ b/Documents/PartyBall/Project_TheBalls.pptx
@@ -5,27 +5,28 @@
     <p:sldMasterId id="2147483648" r:id="rId1"/>
   </p:sldMasterIdLst>
   <p:sldIdLst>
-    <p:sldId id="273" r:id="rId2"/>
-    <p:sldId id="274" r:id="rId3"/>
-    <p:sldId id="275" r:id="rId4"/>
-    <p:sldId id="276" r:id="rId5"/>
-    <p:sldId id="277" r:id="rId6"/>
-    <p:sldId id="272" r:id="rId7"/>
-    <p:sldId id="270" r:id="rId8"/>
-    <p:sldId id="271" r:id="rId9"/>
-    <p:sldId id="269" r:id="rId10"/>
-    <p:sldId id="258" r:id="rId11"/>
-    <p:sldId id="256" r:id="rId12"/>
-    <p:sldId id="262" r:id="rId13"/>
-    <p:sldId id="259" r:id="rId14"/>
-    <p:sldId id="261" r:id="rId15"/>
-    <p:sldId id="263" r:id="rId16"/>
-    <p:sldId id="268" r:id="rId17"/>
-    <p:sldId id="265" r:id="rId18"/>
-    <p:sldId id="266" r:id="rId19"/>
-    <p:sldId id="264" r:id="rId20"/>
-    <p:sldId id="267" r:id="rId21"/>
-    <p:sldId id="257" r:id="rId22"/>
+    <p:sldId id="278" r:id="rId2"/>
+    <p:sldId id="273" r:id="rId3"/>
+    <p:sldId id="274" r:id="rId4"/>
+    <p:sldId id="275" r:id="rId5"/>
+    <p:sldId id="276" r:id="rId6"/>
+    <p:sldId id="277" r:id="rId7"/>
+    <p:sldId id="272" r:id="rId8"/>
+    <p:sldId id="270" r:id="rId9"/>
+    <p:sldId id="271" r:id="rId10"/>
+    <p:sldId id="269" r:id="rId11"/>
+    <p:sldId id="258" r:id="rId12"/>
+    <p:sldId id="256" r:id="rId13"/>
+    <p:sldId id="262" r:id="rId14"/>
+    <p:sldId id="259" r:id="rId15"/>
+    <p:sldId id="261" r:id="rId16"/>
+    <p:sldId id="263" r:id="rId17"/>
+    <p:sldId id="268" r:id="rId18"/>
+    <p:sldId id="265" r:id="rId19"/>
+    <p:sldId id="266" r:id="rId20"/>
+    <p:sldId id="264" r:id="rId21"/>
+    <p:sldId id="267" r:id="rId22"/>
+    <p:sldId id="257" r:id="rId23"/>
   </p:sldIdLst>
   <p:sldSz cx="12192000" cy="6858000"/>
   <p:notesSz cx="6858000" cy="9144000"/>
@@ -9760,7 +9761,7 @@
         </p:blipFill>
         <p:spPr>
           <a:xfrm rot="19796575">
-            <a:off x="2161451" y="3658674"/>
+            <a:off x="2226105" y="3557075"/>
             <a:ext cx="4822354" cy="1347333"/>
           </a:xfrm>
           <a:prstGeom prst="rect">
@@ -9798,7 +9799,7 @@
         </p:blipFill>
         <p:spPr>
           <a:xfrm flipH="1">
-            <a:off x="2546113" y="2688335"/>
+            <a:off x="2331114" y="2755333"/>
             <a:ext cx="4822354" cy="1347333"/>
           </a:xfrm>
           <a:prstGeom prst="rect">
@@ -9897,7 +9898,7 @@
     </p:spTree>
     <p:extLst>
       <p:ext uri="{BB962C8B-B14F-4D97-AF65-F5344CB8AC3E}">
-        <p14:creationId xmlns:p14="http://schemas.microsoft.com/office/powerpoint/2010/main" val="4174163929"/>
+        <p14:creationId xmlns:p14="http://schemas.microsoft.com/office/powerpoint/2010/main" val="2410359679"/>
       </p:ext>
     </p:extLst>
   </p:cSld>
@@ -9908,6 +9909,445 @@
 </file>
 
 <file path=ppt/slides/slide10.xml><?xml version="1.0" encoding="utf-8"?>
+<p:sld xmlns:a="http://schemas.openxmlformats.org/drawingml/2006/main" xmlns:r="http://schemas.openxmlformats.org/officeDocument/2006/relationships" xmlns:p="http://schemas.openxmlformats.org/presentationml/2006/main">
+  <p:cSld>
+    <p:spTree>
+      <p:nvGrpSpPr>
+        <p:cNvPr id="1" name=""/>
+        <p:cNvGrpSpPr/>
+        <p:nvPr/>
+      </p:nvGrpSpPr>
+      <p:grpSpPr>
+        <a:xfrm>
+          <a:off x="0" y="0"/>
+          <a:ext cx="0" cy="0"/>
+          <a:chOff x="0" y="0"/>
+          <a:chExt cx="0" cy="0"/>
+        </a:xfrm>
+      </p:grpSpPr>
+      <p:grpSp>
+        <p:nvGrpSpPr>
+          <p:cNvPr id="27" name="그룹 26">
+            <a:extLst>
+              <a:ext uri="{FF2B5EF4-FFF2-40B4-BE49-F238E27FC236}">
+                <a16:creationId xmlns:a16="http://schemas.microsoft.com/office/drawing/2014/main" id="{F0EBB88B-A95A-463A-9125-269913217D3E}"/>
+              </a:ext>
+            </a:extLst>
+          </p:cNvPr>
+          <p:cNvGrpSpPr/>
+          <p:nvPr/>
+        </p:nvGrpSpPr>
+        <p:grpSpPr>
+          <a:xfrm>
+            <a:off x="2294983" y="327231"/>
+            <a:ext cx="6723078" cy="3298971"/>
+            <a:chOff x="2465313" y="67113"/>
+            <a:chExt cx="6723078" cy="3298971"/>
+          </a:xfrm>
+        </p:grpSpPr>
+        <p:grpSp>
+          <p:nvGrpSpPr>
+            <p:cNvPr id="28" name="그룹 27">
+              <a:extLst>
+                <a:ext uri="{FF2B5EF4-FFF2-40B4-BE49-F238E27FC236}">
+                  <a16:creationId xmlns:a16="http://schemas.microsoft.com/office/drawing/2014/main" id="{197D83E5-C78D-4159-8E08-C579ED75DD21}"/>
+                </a:ext>
+              </a:extLst>
+            </p:cNvPr>
+            <p:cNvGrpSpPr/>
+            <p:nvPr/>
+          </p:nvGrpSpPr>
+          <p:grpSpPr>
+            <a:xfrm>
+              <a:off x="2465313" y="67113"/>
+              <a:ext cx="6723078" cy="3298971"/>
+              <a:chOff x="2456924" y="1"/>
+              <a:chExt cx="6723078" cy="3298971"/>
+            </a:xfrm>
+          </p:grpSpPr>
+          <p:sp>
+            <p:nvSpPr>
+              <p:cNvPr id="31" name="사각형: 둥근 모서리 30">
+                <a:extLst>
+                  <a:ext uri="{FF2B5EF4-FFF2-40B4-BE49-F238E27FC236}">
+                    <a16:creationId xmlns:a16="http://schemas.microsoft.com/office/drawing/2014/main" id="{A452F71E-D4A8-4511-B35F-3B6267A09604}"/>
+                  </a:ext>
+                </a:extLst>
+              </p:cNvPr>
+              <p:cNvSpPr/>
+              <p:nvPr/>
+            </p:nvSpPr>
+            <p:spPr>
+              <a:xfrm>
+                <a:off x="5881031" y="1"/>
+                <a:ext cx="3298971" cy="3298971"/>
+              </a:xfrm>
+              <a:prstGeom prst="roundRect">
+                <a:avLst>
+                  <a:gd name="adj" fmla="val 0"/>
+                </a:avLst>
+              </a:prstGeom>
+              <a:noFill/>
+              <a:ln>
+                <a:solidFill>
+                  <a:schemeClr val="tx1"/>
+                </a:solidFill>
+              </a:ln>
+            </p:spPr>
+            <p:style>
+              <a:lnRef idx="2">
+                <a:schemeClr val="accent1">
+                  <a:shade val="50000"/>
+                </a:schemeClr>
+              </a:lnRef>
+              <a:fillRef idx="1">
+                <a:schemeClr val="accent1"/>
+              </a:fillRef>
+              <a:effectRef idx="0">
+                <a:schemeClr val="accent1"/>
+              </a:effectRef>
+              <a:fontRef idx="minor">
+                <a:schemeClr val="lt1"/>
+              </a:fontRef>
+            </p:style>
+            <p:txBody>
+              <a:bodyPr rtlCol="0" anchor="ctr"/>
+              <a:lstStyle/>
+              <a:p>
+                <a:pPr algn="ctr"/>
+                <a:endParaRPr lang="ko-KR" altLang="en-US" dirty="0"/>
+              </a:p>
+            </p:txBody>
+          </p:sp>
+          <p:sp>
+            <p:nvSpPr>
+              <p:cNvPr id="32" name="사각형: 둥근 모서리 31">
+                <a:extLst>
+                  <a:ext uri="{FF2B5EF4-FFF2-40B4-BE49-F238E27FC236}">
+                    <a16:creationId xmlns:a16="http://schemas.microsoft.com/office/drawing/2014/main" id="{28AA6987-18D0-4301-A7F7-D3EA48FEA08E}"/>
+                  </a:ext>
+                </a:extLst>
+              </p:cNvPr>
+              <p:cNvSpPr/>
+              <p:nvPr/>
+            </p:nvSpPr>
+            <p:spPr>
+              <a:xfrm>
+                <a:off x="2456924" y="1"/>
+                <a:ext cx="3298971" cy="3298971"/>
+              </a:xfrm>
+              <a:prstGeom prst="roundRect">
+                <a:avLst>
+                  <a:gd name="adj" fmla="val 0"/>
+                </a:avLst>
+              </a:prstGeom>
+              <a:noFill/>
+              <a:ln>
+                <a:solidFill>
+                  <a:schemeClr val="tx1"/>
+                </a:solidFill>
+              </a:ln>
+            </p:spPr>
+            <p:style>
+              <a:lnRef idx="2">
+                <a:schemeClr val="accent1">
+                  <a:shade val="50000"/>
+                </a:schemeClr>
+              </a:lnRef>
+              <a:fillRef idx="1">
+                <a:schemeClr val="accent1"/>
+              </a:fillRef>
+              <a:effectRef idx="0">
+                <a:schemeClr val="accent1"/>
+              </a:effectRef>
+              <a:fontRef idx="minor">
+                <a:schemeClr val="lt1"/>
+              </a:fontRef>
+            </p:style>
+            <p:txBody>
+              <a:bodyPr rtlCol="0" anchor="ctr"/>
+              <a:lstStyle/>
+              <a:p>
+                <a:pPr algn="ctr"/>
+                <a:endParaRPr lang="ko-KR" altLang="en-US" dirty="0"/>
+              </a:p>
+            </p:txBody>
+          </p:sp>
+          <p:sp>
+            <p:nvSpPr>
+              <p:cNvPr id="33" name="타원 32">
+                <a:extLst>
+                  <a:ext uri="{FF2B5EF4-FFF2-40B4-BE49-F238E27FC236}">
+                    <a16:creationId xmlns:a16="http://schemas.microsoft.com/office/drawing/2014/main" id="{1AEE5C8A-BDCE-4B8B-B0BA-F8D5ECF20E30}"/>
+                  </a:ext>
+                </a:extLst>
+              </p:cNvPr>
+              <p:cNvSpPr/>
+              <p:nvPr/>
+            </p:nvSpPr>
+            <p:spPr>
+              <a:xfrm>
+                <a:off x="2618065" y="2597791"/>
+                <a:ext cx="578840" cy="578840"/>
+              </a:xfrm>
+              <a:prstGeom prst="ellipse">
+                <a:avLst/>
+              </a:prstGeom>
+              <a:solidFill>
+                <a:schemeClr val="tx1"/>
+              </a:solidFill>
+              <a:ln>
+                <a:solidFill>
+                  <a:schemeClr val="tx1"/>
+                </a:solidFill>
+              </a:ln>
+            </p:spPr>
+            <p:style>
+              <a:lnRef idx="2">
+                <a:schemeClr val="accent1">
+                  <a:shade val="50000"/>
+                </a:schemeClr>
+              </a:lnRef>
+              <a:fillRef idx="1">
+                <a:schemeClr val="accent1"/>
+              </a:fillRef>
+              <a:effectRef idx="0">
+                <a:schemeClr val="accent1"/>
+              </a:effectRef>
+              <a:fontRef idx="minor">
+                <a:schemeClr val="lt1"/>
+              </a:fontRef>
+            </p:style>
+            <p:txBody>
+              <a:bodyPr rtlCol="0" anchor="ctr"/>
+              <a:lstStyle/>
+              <a:p>
+                <a:pPr algn="ctr"/>
+                <a:endParaRPr lang="ko-KR" altLang="en-US"/>
+              </a:p>
+            </p:txBody>
+          </p:sp>
+          <p:sp>
+            <p:nvSpPr>
+              <p:cNvPr id="34" name="타원 33">
+                <a:extLst>
+                  <a:ext uri="{FF2B5EF4-FFF2-40B4-BE49-F238E27FC236}">
+                    <a16:creationId xmlns:a16="http://schemas.microsoft.com/office/drawing/2014/main" id="{DAC31FC5-16FC-4FB3-832D-3F9860AF8C4B}"/>
+                  </a:ext>
+                </a:extLst>
+              </p:cNvPr>
+              <p:cNvSpPr/>
+              <p:nvPr/>
+            </p:nvSpPr>
+            <p:spPr>
+              <a:xfrm>
+                <a:off x="6096000" y="2597791"/>
+                <a:ext cx="578840" cy="578840"/>
+              </a:xfrm>
+              <a:prstGeom prst="ellipse">
+                <a:avLst/>
+              </a:prstGeom>
+              <a:solidFill>
+                <a:schemeClr val="tx1"/>
+              </a:solidFill>
+              <a:ln>
+                <a:solidFill>
+                  <a:schemeClr val="tx1"/>
+                </a:solidFill>
+              </a:ln>
+            </p:spPr>
+            <p:style>
+              <a:lnRef idx="2">
+                <a:schemeClr val="accent1">
+                  <a:shade val="50000"/>
+                </a:schemeClr>
+              </a:lnRef>
+              <a:fillRef idx="1">
+                <a:schemeClr val="accent1"/>
+              </a:fillRef>
+              <a:effectRef idx="0">
+                <a:schemeClr val="accent1"/>
+              </a:effectRef>
+              <a:fontRef idx="minor">
+                <a:schemeClr val="lt1"/>
+              </a:fontRef>
+            </p:style>
+            <p:txBody>
+              <a:bodyPr rtlCol="0" anchor="ctr"/>
+              <a:lstStyle/>
+              <a:p>
+                <a:pPr algn="ctr"/>
+                <a:endParaRPr lang="ko-KR" altLang="en-US"/>
+              </a:p>
+            </p:txBody>
+          </p:sp>
+        </p:grpSp>
+        <p:pic>
+          <p:nvPicPr>
+            <p:cNvPr id="29" name="그림 28">
+              <a:extLst>
+                <a:ext uri="{FF2B5EF4-FFF2-40B4-BE49-F238E27FC236}">
+                  <a16:creationId xmlns:a16="http://schemas.microsoft.com/office/drawing/2014/main" id="{768F443E-97DE-44D4-AFC3-0D9913956B70}"/>
+                </a:ext>
+              </a:extLst>
+            </p:cNvPr>
+            <p:cNvPicPr>
+              <a:picLocks noChangeAspect="1"/>
+            </p:cNvPicPr>
+            <p:nvPr/>
+          </p:nvPicPr>
+          <p:blipFill rotWithShape="1">
+            <a:blip r:embed="rId2"/>
+            <a:srcRect l="48567"/>
+            <a:stretch/>
+          </p:blipFill>
+          <p:spPr>
+            <a:xfrm>
+              <a:off x="2465313" y="1161814"/>
+              <a:ext cx="200682" cy="1109568"/>
+            </a:xfrm>
+            <a:prstGeom prst="rect">
+              <a:avLst/>
+            </a:prstGeom>
+          </p:spPr>
+        </p:pic>
+        <p:pic>
+          <p:nvPicPr>
+            <p:cNvPr id="30" name="그림 29">
+              <a:extLst>
+                <a:ext uri="{FF2B5EF4-FFF2-40B4-BE49-F238E27FC236}">
+                  <a16:creationId xmlns:a16="http://schemas.microsoft.com/office/drawing/2014/main" id="{DF0DC684-7412-41B8-9899-20AB36A11B9D}"/>
+                </a:ext>
+              </a:extLst>
+            </p:cNvPr>
+            <p:cNvPicPr>
+              <a:picLocks noChangeAspect="1"/>
+            </p:cNvPicPr>
+            <p:nvPr/>
+          </p:nvPicPr>
+          <p:blipFill rotWithShape="1">
+            <a:blip r:embed="rId2"/>
+            <a:srcRect l="48567"/>
+            <a:stretch/>
+          </p:blipFill>
+          <p:spPr>
+            <a:xfrm rot="10800000">
+              <a:off x="8987709" y="1161814"/>
+              <a:ext cx="200682" cy="1109568"/>
+            </a:xfrm>
+            <a:prstGeom prst="rect">
+              <a:avLst/>
+            </a:prstGeom>
+          </p:spPr>
+        </p:pic>
+      </p:grpSp>
+      <p:grpSp>
+        <p:nvGrpSpPr>
+          <p:cNvPr id="35" name="그룹 34">
+            <a:extLst>
+              <a:ext uri="{FF2B5EF4-FFF2-40B4-BE49-F238E27FC236}">
+                <a16:creationId xmlns:a16="http://schemas.microsoft.com/office/drawing/2014/main" id="{948FB134-BC2C-4E67-B1F0-ADF0F290D578}"/>
+              </a:ext>
+            </a:extLst>
+          </p:cNvPr>
+          <p:cNvGrpSpPr/>
+          <p:nvPr/>
+        </p:nvGrpSpPr>
+        <p:grpSpPr>
+          <a:xfrm>
+            <a:off x="3181255" y="4468243"/>
+            <a:ext cx="4825397" cy="1346032"/>
+            <a:chOff x="3683301" y="2755984"/>
+            <a:chExt cx="4825397" cy="1346032"/>
+          </a:xfrm>
+        </p:grpSpPr>
+        <p:pic>
+          <p:nvPicPr>
+            <p:cNvPr id="36" name="그림 35">
+              <a:extLst>
+                <a:ext uri="{FF2B5EF4-FFF2-40B4-BE49-F238E27FC236}">
+                  <a16:creationId xmlns:a16="http://schemas.microsoft.com/office/drawing/2014/main" id="{39FBB44F-2F07-423A-B117-AE46FEB592C9}"/>
+                </a:ext>
+              </a:extLst>
+            </p:cNvPr>
+            <p:cNvPicPr>
+              <a:picLocks noChangeAspect="1"/>
+            </p:cNvPicPr>
+            <p:nvPr/>
+          </p:nvPicPr>
+          <p:blipFill>
+            <a:blip r:embed="rId3">
+              <a:extLst>
+                <a:ext uri="{28A0092B-C50C-407E-A947-70E740481C1C}">
+                  <a14:useLocalDpi xmlns:a14="http://schemas.microsoft.com/office/drawing/2010/main" val="0"/>
+                </a:ext>
+              </a:extLst>
+            </a:blip>
+            <a:stretch>
+              <a:fillRect/>
+            </a:stretch>
+          </p:blipFill>
+          <p:spPr>
+            <a:xfrm>
+              <a:off x="3683301" y="2755984"/>
+              <a:ext cx="4825397" cy="1346032"/>
+            </a:xfrm>
+            <a:prstGeom prst="rect">
+              <a:avLst/>
+            </a:prstGeom>
+          </p:spPr>
+        </p:pic>
+        <p:pic>
+          <p:nvPicPr>
+            <p:cNvPr id="37" name="그림 36">
+              <a:extLst>
+                <a:ext uri="{FF2B5EF4-FFF2-40B4-BE49-F238E27FC236}">
+                  <a16:creationId xmlns:a16="http://schemas.microsoft.com/office/drawing/2014/main" id="{2920E4A2-967B-4831-B3A4-47119C4F11DF}"/>
+                </a:ext>
+              </a:extLst>
+            </p:cNvPr>
+            <p:cNvPicPr>
+              <a:picLocks noChangeAspect="1"/>
+            </p:cNvPicPr>
+            <p:nvPr/>
+          </p:nvPicPr>
+          <p:blipFill>
+            <a:blip r:embed="rId4">
+              <a:extLst>
+                <a:ext uri="{28A0092B-C50C-407E-A947-70E740481C1C}">
+                  <a14:useLocalDpi xmlns:a14="http://schemas.microsoft.com/office/drawing/2010/main" val="0"/>
+                </a:ext>
+              </a:extLst>
+            </a:blip>
+            <a:stretch>
+              <a:fillRect/>
+            </a:stretch>
+          </p:blipFill>
+          <p:spPr>
+            <a:xfrm>
+              <a:off x="3683301" y="2755984"/>
+              <a:ext cx="4825397" cy="1346032"/>
+            </a:xfrm>
+            <a:prstGeom prst="rect">
+              <a:avLst/>
+            </a:prstGeom>
+          </p:spPr>
+        </p:pic>
+      </p:grpSp>
+    </p:spTree>
+    <p:extLst>
+      <p:ext uri="{BB962C8B-B14F-4D97-AF65-F5344CB8AC3E}">
+        <p14:creationId xmlns:p14="http://schemas.microsoft.com/office/powerpoint/2010/main" val="1734364095"/>
+      </p:ext>
+    </p:extLst>
+  </p:cSld>
+  <p:clrMapOvr>
+    <a:masterClrMapping/>
+  </p:clrMapOvr>
+</p:sld>
+</file>
+
+<file path=ppt/slides/slide11.xml><?xml version="1.0" encoding="utf-8"?>
 <p:sld xmlns:a="http://schemas.openxmlformats.org/drawingml/2006/main" xmlns:r="http://schemas.openxmlformats.org/officeDocument/2006/relationships" xmlns:p="http://schemas.openxmlformats.org/presentationml/2006/main">
   <p:cSld>
     <p:spTree>
@@ -10007,7 +10447,7 @@
 </p:sld>
 </file>
 
-<file path=ppt/slides/slide11.xml><?xml version="1.0" encoding="utf-8"?>
+<file path=ppt/slides/slide12.xml><?xml version="1.0" encoding="utf-8"?>
 <p:sld xmlns:a="http://schemas.openxmlformats.org/drawingml/2006/main" xmlns:r="http://schemas.openxmlformats.org/officeDocument/2006/relationships" xmlns:p="http://schemas.openxmlformats.org/presentationml/2006/main">
   <p:cSld>
     <p:spTree>
@@ -10810,7 +11250,7 @@
 </p:sld>
 </file>
 
-<file path=ppt/slides/slide12.xml><?xml version="1.0" encoding="utf-8"?>
+<file path=ppt/slides/slide13.xml><?xml version="1.0" encoding="utf-8"?>
 <p:sld xmlns:a="http://schemas.openxmlformats.org/drawingml/2006/main" xmlns:r="http://schemas.openxmlformats.org/officeDocument/2006/relationships" xmlns:p="http://schemas.openxmlformats.org/presentationml/2006/main">
   <p:cSld>
     <p:spTree>
@@ -11627,7 +12067,7 @@
 </p:sld>
 </file>
 
-<file path=ppt/slides/slide13.xml><?xml version="1.0" encoding="utf-8"?>
+<file path=ppt/slides/slide14.xml><?xml version="1.0" encoding="utf-8"?>
 <p:sld xmlns:a="http://schemas.openxmlformats.org/drawingml/2006/main" xmlns:r="http://schemas.openxmlformats.org/officeDocument/2006/relationships" xmlns:p="http://schemas.openxmlformats.org/presentationml/2006/main">
   <p:cSld>
     <p:spTree>
@@ -13432,7 +13872,7 @@
 </p:sld>
 </file>
 
-<file path=ppt/slides/slide14.xml><?xml version="1.0" encoding="utf-8"?>
+<file path=ppt/slides/slide15.xml><?xml version="1.0" encoding="utf-8"?>
 <p:sld xmlns:a="http://schemas.openxmlformats.org/drawingml/2006/main" xmlns:r="http://schemas.openxmlformats.org/officeDocument/2006/relationships" xmlns:p="http://schemas.openxmlformats.org/presentationml/2006/main">
   <p:cSld>
     <p:spTree>
@@ -15247,7 +15687,7 @@
 </p:sld>
 </file>
 
-<file path=ppt/slides/slide15.xml><?xml version="1.0" encoding="utf-8"?>
+<file path=ppt/slides/slide16.xml><?xml version="1.0" encoding="utf-8"?>
 <p:sld xmlns:a="http://schemas.openxmlformats.org/drawingml/2006/main" xmlns:r="http://schemas.openxmlformats.org/officeDocument/2006/relationships" xmlns:p="http://schemas.openxmlformats.org/presentationml/2006/main">
   <p:cSld>
     <p:spTree>
@@ -15849,7 +16289,7 @@
 </p:sld>
 </file>
 
-<file path=ppt/slides/slide16.xml><?xml version="1.0" encoding="utf-8"?>
+<file path=ppt/slides/slide17.xml><?xml version="1.0" encoding="utf-8"?>
 <p:sld xmlns:a="http://schemas.openxmlformats.org/drawingml/2006/main" xmlns:r="http://schemas.openxmlformats.org/officeDocument/2006/relationships" xmlns:p="http://schemas.openxmlformats.org/presentationml/2006/main">
   <p:cSld>
     <p:spTree>
@@ -16177,7 +16617,7 @@
 </p:sld>
 </file>
 
-<file path=ppt/slides/slide17.xml><?xml version="1.0" encoding="utf-8"?>
+<file path=ppt/slides/slide18.xml><?xml version="1.0" encoding="utf-8"?>
 <p:sld xmlns:a="http://schemas.openxmlformats.org/drawingml/2006/main" xmlns:r="http://schemas.openxmlformats.org/officeDocument/2006/relationships" xmlns:p="http://schemas.openxmlformats.org/presentationml/2006/main">
   <p:cSld>
     <p:spTree>
@@ -16993,7 +17433,7 @@
 </p:sld>
 </file>
 
-<file path=ppt/slides/slide18.xml><?xml version="1.0" encoding="utf-8"?>
+<file path=ppt/slides/slide19.xml><?xml version="1.0" encoding="utf-8"?>
 <p:sld xmlns:a="http://schemas.openxmlformats.org/drawingml/2006/main" xmlns:r="http://schemas.openxmlformats.org/officeDocument/2006/relationships" xmlns:p="http://schemas.openxmlformats.org/presentationml/2006/main">
   <p:cSld>
     <p:spTree>
@@ -17136,7 +17576,231 @@
 </p:sld>
 </file>
 
-<file path=ppt/slides/slide19.xml><?xml version="1.0" encoding="utf-8"?>
+<file path=ppt/slides/slide2.xml><?xml version="1.0" encoding="utf-8"?>
+<p:sld xmlns:a="http://schemas.openxmlformats.org/drawingml/2006/main" xmlns:r="http://schemas.openxmlformats.org/officeDocument/2006/relationships" xmlns:p="http://schemas.openxmlformats.org/presentationml/2006/main">
+  <p:cSld>
+    <p:spTree>
+      <p:nvGrpSpPr>
+        <p:cNvPr id="1" name=""/>
+        <p:cNvGrpSpPr/>
+        <p:nvPr/>
+      </p:nvGrpSpPr>
+      <p:grpSpPr>
+        <a:xfrm>
+          <a:off x="0" y="0"/>
+          <a:ext cx="0" cy="0"/>
+          <a:chOff x="0" y="0"/>
+          <a:chExt cx="0" cy="0"/>
+        </a:xfrm>
+      </p:grpSpPr>
+      <p:pic>
+        <p:nvPicPr>
+          <p:cNvPr id="4" name="그림 3">
+            <a:extLst>
+              <a:ext uri="{FF2B5EF4-FFF2-40B4-BE49-F238E27FC236}">
+                <a16:creationId xmlns:a16="http://schemas.microsoft.com/office/drawing/2014/main" id="{D0B419ED-8DBD-4027-A732-89F51DF0F841}"/>
+              </a:ext>
+            </a:extLst>
+          </p:cNvPr>
+          <p:cNvPicPr>
+            <a:picLocks noChangeAspect="1"/>
+          </p:cNvPicPr>
+          <p:nvPr/>
+        </p:nvPicPr>
+        <p:blipFill>
+          <a:blip r:embed="rId2"/>
+          <a:stretch>
+            <a:fillRect/>
+          </a:stretch>
+        </p:blipFill>
+        <p:spPr>
+          <a:xfrm>
+            <a:off x="2724150" y="1771650"/>
+            <a:ext cx="6743700" cy="3314700"/>
+          </a:xfrm>
+          <a:prstGeom prst="rect">
+            <a:avLst/>
+          </a:prstGeom>
+        </p:spPr>
+      </p:pic>
+      <p:pic>
+        <p:nvPicPr>
+          <p:cNvPr id="5" name="그림 4">
+            <a:extLst>
+              <a:ext uri="{FF2B5EF4-FFF2-40B4-BE49-F238E27FC236}">
+                <a16:creationId xmlns:a16="http://schemas.microsoft.com/office/drawing/2014/main" id="{141377A7-75B2-4188-9C25-0A46CB0A212D}"/>
+              </a:ext>
+            </a:extLst>
+          </p:cNvPr>
+          <p:cNvPicPr>
+            <a:picLocks noChangeAspect="1"/>
+          </p:cNvPicPr>
+          <p:nvPr/>
+        </p:nvPicPr>
+        <p:blipFill>
+          <a:blip r:embed="rId3">
+            <a:duotone>
+              <a:prstClr val="black"/>
+              <a:schemeClr val="accent1">
+                <a:tint val="45000"/>
+                <a:satMod val="400000"/>
+              </a:schemeClr>
+            </a:duotone>
+          </a:blip>
+          <a:stretch>
+            <a:fillRect/>
+          </a:stretch>
+        </p:blipFill>
+        <p:spPr>
+          <a:xfrm rot="19796575">
+            <a:off x="2161451" y="3658674"/>
+            <a:ext cx="4822354" cy="1347333"/>
+          </a:xfrm>
+          <a:prstGeom prst="rect">
+            <a:avLst/>
+          </a:prstGeom>
+        </p:spPr>
+      </p:pic>
+      <p:pic>
+        <p:nvPicPr>
+          <p:cNvPr id="6" name="그림 5">
+            <a:extLst>
+              <a:ext uri="{FF2B5EF4-FFF2-40B4-BE49-F238E27FC236}">
+                <a16:creationId xmlns:a16="http://schemas.microsoft.com/office/drawing/2014/main" id="{4E945025-5B04-4707-9FB7-A32DAE8AE3E3}"/>
+              </a:ext>
+            </a:extLst>
+          </p:cNvPr>
+          <p:cNvPicPr>
+            <a:picLocks noChangeAspect="1"/>
+          </p:cNvPicPr>
+          <p:nvPr/>
+        </p:nvPicPr>
+        <p:blipFill>
+          <a:blip r:embed="rId3">
+            <a:duotone>
+              <a:prstClr val="black"/>
+              <a:schemeClr val="accent2">
+                <a:tint val="45000"/>
+                <a:satMod val="400000"/>
+              </a:schemeClr>
+            </a:duotone>
+          </a:blip>
+          <a:stretch>
+            <a:fillRect/>
+          </a:stretch>
+        </p:blipFill>
+        <p:spPr>
+          <a:xfrm flipH="1">
+            <a:off x="2546113" y="2688335"/>
+            <a:ext cx="4822354" cy="1347333"/>
+          </a:xfrm>
+          <a:prstGeom prst="rect">
+            <a:avLst/>
+          </a:prstGeom>
+        </p:spPr>
+      </p:pic>
+      <p:pic>
+        <p:nvPicPr>
+          <p:cNvPr id="7" name="그림 6">
+            <a:extLst>
+              <a:ext uri="{FF2B5EF4-FFF2-40B4-BE49-F238E27FC236}">
+                <a16:creationId xmlns:a16="http://schemas.microsoft.com/office/drawing/2014/main" id="{1C104CD9-F1D7-4684-B83C-D347F7966A99}"/>
+              </a:ext>
+            </a:extLst>
+          </p:cNvPr>
+          <p:cNvPicPr>
+            <a:picLocks noChangeAspect="1"/>
+          </p:cNvPicPr>
+          <p:nvPr/>
+        </p:nvPicPr>
+        <p:blipFill>
+          <a:blip r:embed="rId3">
+            <a:duotone>
+              <a:prstClr val="black"/>
+              <a:schemeClr val="accent4">
+                <a:tint val="45000"/>
+                <a:satMod val="400000"/>
+              </a:schemeClr>
+            </a:duotone>
+          </a:blip>
+          <a:stretch>
+            <a:fillRect/>
+          </a:stretch>
+        </p:blipFill>
+        <p:spPr>
+          <a:xfrm rot="10800000">
+            <a:off x="9780823" y="5071625"/>
+            <a:ext cx="4822354" cy="1347333"/>
+          </a:xfrm>
+          <a:prstGeom prst="rect">
+            <a:avLst/>
+          </a:prstGeom>
+        </p:spPr>
+      </p:pic>
+      <p:sp>
+        <p:nvSpPr>
+          <p:cNvPr id="8" name="사각형: 둥근 모서리 7">
+            <a:extLst>
+              <a:ext uri="{FF2B5EF4-FFF2-40B4-BE49-F238E27FC236}">
+                <a16:creationId xmlns:a16="http://schemas.microsoft.com/office/drawing/2014/main" id="{994893E9-9AC6-4B39-8C31-992CC5279E7A}"/>
+              </a:ext>
+            </a:extLst>
+          </p:cNvPr>
+          <p:cNvSpPr/>
+          <p:nvPr/>
+        </p:nvSpPr>
+        <p:spPr>
+          <a:xfrm>
+            <a:off x="332509" y="129309"/>
+            <a:ext cx="3537527" cy="471608"/>
+          </a:xfrm>
+          <a:prstGeom prst="roundRect">
+            <a:avLst/>
+          </a:prstGeom>
+        </p:spPr>
+        <p:style>
+          <a:lnRef idx="2">
+            <a:schemeClr val="accent1">
+              <a:shade val="50000"/>
+            </a:schemeClr>
+          </a:lnRef>
+          <a:fillRef idx="1">
+            <a:schemeClr val="accent1"/>
+          </a:fillRef>
+          <a:effectRef idx="0">
+            <a:schemeClr val="accent1"/>
+          </a:effectRef>
+          <a:fontRef idx="minor">
+            <a:schemeClr val="lt1"/>
+          </a:fontRef>
+        </p:style>
+        <p:txBody>
+          <a:bodyPr rtlCol="0" anchor="ctr"/>
+          <a:lstStyle/>
+          <a:p>
+            <a:pPr algn="ctr"/>
+            <a:r>
+              <a:rPr lang="en-US" altLang="ko-KR" dirty="0"/>
+              <a:t>Stage 1</a:t>
+            </a:r>
+            <a:endParaRPr lang="ko-KR" altLang="en-US" dirty="0"/>
+          </a:p>
+        </p:txBody>
+      </p:sp>
+    </p:spTree>
+    <p:extLst>
+      <p:ext uri="{BB962C8B-B14F-4D97-AF65-F5344CB8AC3E}">
+        <p14:creationId xmlns:p14="http://schemas.microsoft.com/office/powerpoint/2010/main" val="4174163929"/>
+      </p:ext>
+    </p:extLst>
+  </p:cSld>
+  <p:clrMapOvr>
+    <a:masterClrMapping/>
+  </p:clrMapOvr>
+</p:sld>
+</file>
+
+<file path=ppt/slides/slide20.xml><?xml version="1.0" encoding="utf-8"?>
 <p:sld xmlns:a="http://schemas.openxmlformats.org/drawingml/2006/main" xmlns:r="http://schemas.openxmlformats.org/officeDocument/2006/relationships" xmlns:p="http://schemas.openxmlformats.org/presentationml/2006/main">
   <p:cSld>
     <p:spTree>
@@ -17346,224 +18010,7 @@
 </p:sld>
 </file>
 
-<file path=ppt/slides/slide2.xml><?xml version="1.0" encoding="utf-8"?>
-<p:sld xmlns:a="http://schemas.openxmlformats.org/drawingml/2006/main" xmlns:r="http://schemas.openxmlformats.org/officeDocument/2006/relationships" xmlns:p="http://schemas.openxmlformats.org/presentationml/2006/main">
-  <p:cSld>
-    <p:spTree>
-      <p:nvGrpSpPr>
-        <p:cNvPr id="1" name=""/>
-        <p:cNvGrpSpPr/>
-        <p:nvPr/>
-      </p:nvGrpSpPr>
-      <p:grpSpPr>
-        <a:xfrm>
-          <a:off x="0" y="0"/>
-          <a:ext cx="0" cy="0"/>
-          <a:chOff x="0" y="0"/>
-          <a:chExt cx="0" cy="0"/>
-        </a:xfrm>
-      </p:grpSpPr>
-      <p:sp>
-        <p:nvSpPr>
-          <p:cNvPr id="4" name="사각형: 둥근 모서리 3">
-            <a:extLst>
-              <a:ext uri="{FF2B5EF4-FFF2-40B4-BE49-F238E27FC236}">
-                <a16:creationId xmlns:a16="http://schemas.microsoft.com/office/drawing/2014/main" id="{C76EA980-B62D-4566-B2A4-B52D32E68044}"/>
-              </a:ext>
-            </a:extLst>
-          </p:cNvPr>
-          <p:cNvSpPr/>
-          <p:nvPr/>
-        </p:nvSpPr>
-        <p:spPr>
-          <a:xfrm>
-            <a:off x="332509" y="129309"/>
-            <a:ext cx="3537527" cy="471608"/>
-          </a:xfrm>
-          <a:prstGeom prst="roundRect">
-            <a:avLst/>
-          </a:prstGeom>
-        </p:spPr>
-        <p:style>
-          <a:lnRef idx="2">
-            <a:schemeClr val="accent1">
-              <a:shade val="50000"/>
-            </a:schemeClr>
-          </a:lnRef>
-          <a:fillRef idx="1">
-            <a:schemeClr val="accent1"/>
-          </a:fillRef>
-          <a:effectRef idx="0">
-            <a:schemeClr val="accent1"/>
-          </a:effectRef>
-          <a:fontRef idx="minor">
-            <a:schemeClr val="lt1"/>
-          </a:fontRef>
-        </p:style>
-        <p:txBody>
-          <a:bodyPr rtlCol="0" anchor="ctr"/>
-          <a:lstStyle/>
-          <a:p>
-            <a:pPr algn="ctr"/>
-            <a:r>
-              <a:rPr lang="en-US" altLang="ko-KR" dirty="0"/>
-              <a:t>Stage 2</a:t>
-            </a:r>
-            <a:endParaRPr lang="ko-KR" altLang="en-US" dirty="0"/>
-          </a:p>
-        </p:txBody>
-      </p:sp>
-      <p:sp>
-        <p:nvSpPr>
-          <p:cNvPr id="7" name="사각형: 둥근 모서리 6">
-            <a:extLst>
-              <a:ext uri="{FF2B5EF4-FFF2-40B4-BE49-F238E27FC236}">
-                <a16:creationId xmlns:a16="http://schemas.microsoft.com/office/drawing/2014/main" id="{AE89B528-3261-4718-BB05-CDA2A5F55064}"/>
-              </a:ext>
-            </a:extLst>
-          </p:cNvPr>
-          <p:cNvSpPr/>
-          <p:nvPr/>
-        </p:nvSpPr>
-        <p:spPr>
-          <a:xfrm>
-            <a:off x="3694020" y="1970795"/>
-            <a:ext cx="3298971" cy="3298971"/>
-          </a:xfrm>
-          <a:prstGeom prst="roundRect">
-            <a:avLst>
-              <a:gd name="adj" fmla="val 0"/>
-            </a:avLst>
-          </a:prstGeom>
-          <a:noFill/>
-          <a:ln>
-            <a:solidFill>
-              <a:schemeClr val="tx1"/>
-            </a:solidFill>
-          </a:ln>
-        </p:spPr>
-        <p:style>
-          <a:lnRef idx="2">
-            <a:schemeClr val="accent1">
-              <a:shade val="50000"/>
-            </a:schemeClr>
-          </a:lnRef>
-          <a:fillRef idx="1">
-            <a:schemeClr val="accent1"/>
-          </a:fillRef>
-          <a:effectRef idx="0">
-            <a:schemeClr val="accent1"/>
-          </a:effectRef>
-          <a:fontRef idx="minor">
-            <a:schemeClr val="lt1"/>
-          </a:fontRef>
-        </p:style>
-        <p:txBody>
-          <a:bodyPr rtlCol="0" anchor="ctr"/>
-          <a:lstStyle/>
-          <a:p>
-            <a:pPr algn="ctr"/>
-            <a:endParaRPr lang="ko-KR" altLang="en-US" dirty="0"/>
-          </a:p>
-        </p:txBody>
-      </p:sp>
-      <p:sp>
-        <p:nvSpPr>
-          <p:cNvPr id="8" name="타원 7">
-            <a:extLst>
-              <a:ext uri="{FF2B5EF4-FFF2-40B4-BE49-F238E27FC236}">
-                <a16:creationId xmlns:a16="http://schemas.microsoft.com/office/drawing/2014/main" id="{30ECAA68-9AAB-48BF-8F07-165BE27125E8}"/>
-              </a:ext>
-            </a:extLst>
-          </p:cNvPr>
-          <p:cNvSpPr/>
-          <p:nvPr/>
-        </p:nvSpPr>
-        <p:spPr>
-          <a:xfrm>
-            <a:off x="3855161" y="4568585"/>
-            <a:ext cx="578840" cy="578840"/>
-          </a:xfrm>
-          <a:prstGeom prst="ellipse">
-            <a:avLst/>
-          </a:prstGeom>
-          <a:solidFill>
-            <a:schemeClr val="tx1"/>
-          </a:solidFill>
-          <a:ln>
-            <a:solidFill>
-              <a:schemeClr val="tx1"/>
-            </a:solidFill>
-          </a:ln>
-        </p:spPr>
-        <p:style>
-          <a:lnRef idx="2">
-            <a:schemeClr val="accent1">
-              <a:shade val="50000"/>
-            </a:schemeClr>
-          </a:lnRef>
-          <a:fillRef idx="1">
-            <a:schemeClr val="accent1"/>
-          </a:fillRef>
-          <a:effectRef idx="0">
-            <a:schemeClr val="accent1"/>
-          </a:effectRef>
-          <a:fontRef idx="minor">
-            <a:schemeClr val="lt1"/>
-          </a:fontRef>
-        </p:style>
-        <p:txBody>
-          <a:bodyPr rtlCol="0" anchor="ctr"/>
-          <a:lstStyle/>
-          <a:p>
-            <a:pPr algn="ctr"/>
-            <a:endParaRPr lang="ko-KR" altLang="en-US"/>
-          </a:p>
-        </p:txBody>
-      </p:sp>
-      <p:pic>
-        <p:nvPicPr>
-          <p:cNvPr id="9" name="그림 8">
-            <a:extLst>
-              <a:ext uri="{FF2B5EF4-FFF2-40B4-BE49-F238E27FC236}">
-                <a16:creationId xmlns:a16="http://schemas.microsoft.com/office/drawing/2014/main" id="{8DEF7333-DB52-4EA3-8B8C-9786C4B4E306}"/>
-              </a:ext>
-            </a:extLst>
-          </p:cNvPr>
-          <p:cNvPicPr>
-            <a:picLocks noChangeAspect="1"/>
-          </p:cNvPicPr>
-          <p:nvPr/>
-        </p:nvPicPr>
-        <p:blipFill rotWithShape="1">
-          <a:blip r:embed="rId2"/>
-          <a:srcRect l="48567"/>
-          <a:stretch/>
-        </p:blipFill>
-        <p:spPr>
-          <a:xfrm>
-            <a:off x="3694020" y="3065496"/>
-            <a:ext cx="200682" cy="1109568"/>
-          </a:xfrm>
-          <a:prstGeom prst="rect">
-            <a:avLst/>
-          </a:prstGeom>
-        </p:spPr>
-      </p:pic>
-    </p:spTree>
-    <p:extLst>
-      <p:ext uri="{BB962C8B-B14F-4D97-AF65-F5344CB8AC3E}">
-        <p14:creationId xmlns:p14="http://schemas.microsoft.com/office/powerpoint/2010/main" val="616079119"/>
-      </p:ext>
-    </p:extLst>
-  </p:cSld>
-  <p:clrMapOvr>
-    <a:masterClrMapping/>
-  </p:clrMapOvr>
-</p:sld>
-</file>
-
-<file path=ppt/slides/slide20.xml><?xml version="1.0" encoding="utf-8"?>
+<file path=ppt/slides/slide21.xml><?xml version="1.0" encoding="utf-8"?>
 <p:sld xmlns:a="http://schemas.openxmlformats.org/drawingml/2006/main" xmlns:r="http://schemas.openxmlformats.org/officeDocument/2006/relationships" xmlns:p="http://schemas.openxmlformats.org/presentationml/2006/main">
   <p:cSld>
     <p:spTree>
@@ -17793,7 +18240,7 @@
 </p:sld>
 </file>
 
-<file path=ppt/slides/slide21.xml><?xml version="1.0" encoding="utf-8"?>
+<file path=ppt/slides/slide22.xml><?xml version="1.0" encoding="utf-8"?>
 <p:sld xmlns:a="http://schemas.openxmlformats.org/drawingml/2006/main" xmlns:r="http://schemas.openxmlformats.org/officeDocument/2006/relationships" xmlns:p="http://schemas.openxmlformats.org/presentationml/2006/main">
   <p:cSld>
     <p:spTree>
@@ -18320,6 +18767,223 @@
             <a:pPr algn="ctr"/>
             <a:r>
               <a:rPr lang="en-US" altLang="ko-KR" dirty="0"/>
+              <a:t>Stage 2</a:t>
+            </a:r>
+            <a:endParaRPr lang="ko-KR" altLang="en-US" dirty="0"/>
+          </a:p>
+        </p:txBody>
+      </p:sp>
+      <p:sp>
+        <p:nvSpPr>
+          <p:cNvPr id="7" name="사각형: 둥근 모서리 6">
+            <a:extLst>
+              <a:ext uri="{FF2B5EF4-FFF2-40B4-BE49-F238E27FC236}">
+                <a16:creationId xmlns:a16="http://schemas.microsoft.com/office/drawing/2014/main" id="{AE89B528-3261-4718-BB05-CDA2A5F55064}"/>
+              </a:ext>
+            </a:extLst>
+          </p:cNvPr>
+          <p:cNvSpPr/>
+          <p:nvPr/>
+        </p:nvSpPr>
+        <p:spPr>
+          <a:xfrm>
+            <a:off x="3694020" y="1970795"/>
+            <a:ext cx="3298971" cy="3298971"/>
+          </a:xfrm>
+          <a:prstGeom prst="roundRect">
+            <a:avLst>
+              <a:gd name="adj" fmla="val 0"/>
+            </a:avLst>
+          </a:prstGeom>
+          <a:noFill/>
+          <a:ln>
+            <a:solidFill>
+              <a:schemeClr val="tx1"/>
+            </a:solidFill>
+          </a:ln>
+        </p:spPr>
+        <p:style>
+          <a:lnRef idx="2">
+            <a:schemeClr val="accent1">
+              <a:shade val="50000"/>
+            </a:schemeClr>
+          </a:lnRef>
+          <a:fillRef idx="1">
+            <a:schemeClr val="accent1"/>
+          </a:fillRef>
+          <a:effectRef idx="0">
+            <a:schemeClr val="accent1"/>
+          </a:effectRef>
+          <a:fontRef idx="minor">
+            <a:schemeClr val="lt1"/>
+          </a:fontRef>
+        </p:style>
+        <p:txBody>
+          <a:bodyPr rtlCol="0" anchor="ctr"/>
+          <a:lstStyle/>
+          <a:p>
+            <a:pPr algn="ctr"/>
+            <a:endParaRPr lang="ko-KR" altLang="en-US" dirty="0"/>
+          </a:p>
+        </p:txBody>
+      </p:sp>
+      <p:sp>
+        <p:nvSpPr>
+          <p:cNvPr id="8" name="타원 7">
+            <a:extLst>
+              <a:ext uri="{FF2B5EF4-FFF2-40B4-BE49-F238E27FC236}">
+                <a16:creationId xmlns:a16="http://schemas.microsoft.com/office/drawing/2014/main" id="{30ECAA68-9AAB-48BF-8F07-165BE27125E8}"/>
+              </a:ext>
+            </a:extLst>
+          </p:cNvPr>
+          <p:cNvSpPr/>
+          <p:nvPr/>
+        </p:nvSpPr>
+        <p:spPr>
+          <a:xfrm>
+            <a:off x="3855161" y="4568585"/>
+            <a:ext cx="578840" cy="578840"/>
+          </a:xfrm>
+          <a:prstGeom prst="ellipse">
+            <a:avLst/>
+          </a:prstGeom>
+          <a:solidFill>
+            <a:schemeClr val="tx1"/>
+          </a:solidFill>
+          <a:ln>
+            <a:solidFill>
+              <a:schemeClr val="tx1"/>
+            </a:solidFill>
+          </a:ln>
+        </p:spPr>
+        <p:style>
+          <a:lnRef idx="2">
+            <a:schemeClr val="accent1">
+              <a:shade val="50000"/>
+            </a:schemeClr>
+          </a:lnRef>
+          <a:fillRef idx="1">
+            <a:schemeClr val="accent1"/>
+          </a:fillRef>
+          <a:effectRef idx="0">
+            <a:schemeClr val="accent1"/>
+          </a:effectRef>
+          <a:fontRef idx="minor">
+            <a:schemeClr val="lt1"/>
+          </a:fontRef>
+        </p:style>
+        <p:txBody>
+          <a:bodyPr rtlCol="0" anchor="ctr"/>
+          <a:lstStyle/>
+          <a:p>
+            <a:pPr algn="ctr"/>
+            <a:endParaRPr lang="ko-KR" altLang="en-US"/>
+          </a:p>
+        </p:txBody>
+      </p:sp>
+      <p:pic>
+        <p:nvPicPr>
+          <p:cNvPr id="9" name="그림 8">
+            <a:extLst>
+              <a:ext uri="{FF2B5EF4-FFF2-40B4-BE49-F238E27FC236}">
+                <a16:creationId xmlns:a16="http://schemas.microsoft.com/office/drawing/2014/main" id="{8DEF7333-DB52-4EA3-8B8C-9786C4B4E306}"/>
+              </a:ext>
+            </a:extLst>
+          </p:cNvPr>
+          <p:cNvPicPr>
+            <a:picLocks noChangeAspect="1"/>
+          </p:cNvPicPr>
+          <p:nvPr/>
+        </p:nvPicPr>
+        <p:blipFill rotWithShape="1">
+          <a:blip r:embed="rId2"/>
+          <a:srcRect l="48567"/>
+          <a:stretch/>
+        </p:blipFill>
+        <p:spPr>
+          <a:xfrm>
+            <a:off x="3694020" y="3065496"/>
+            <a:ext cx="200682" cy="1109568"/>
+          </a:xfrm>
+          <a:prstGeom prst="rect">
+            <a:avLst/>
+          </a:prstGeom>
+        </p:spPr>
+      </p:pic>
+    </p:spTree>
+    <p:extLst>
+      <p:ext uri="{BB962C8B-B14F-4D97-AF65-F5344CB8AC3E}">
+        <p14:creationId xmlns:p14="http://schemas.microsoft.com/office/powerpoint/2010/main" val="616079119"/>
+      </p:ext>
+    </p:extLst>
+  </p:cSld>
+  <p:clrMapOvr>
+    <a:masterClrMapping/>
+  </p:clrMapOvr>
+</p:sld>
+</file>
+
+<file path=ppt/slides/slide4.xml><?xml version="1.0" encoding="utf-8"?>
+<p:sld xmlns:a="http://schemas.openxmlformats.org/drawingml/2006/main" xmlns:r="http://schemas.openxmlformats.org/officeDocument/2006/relationships" xmlns:p="http://schemas.openxmlformats.org/presentationml/2006/main">
+  <p:cSld>
+    <p:spTree>
+      <p:nvGrpSpPr>
+        <p:cNvPr id="1" name=""/>
+        <p:cNvGrpSpPr/>
+        <p:nvPr/>
+      </p:nvGrpSpPr>
+      <p:grpSpPr>
+        <a:xfrm>
+          <a:off x="0" y="0"/>
+          <a:ext cx="0" cy="0"/>
+          <a:chOff x="0" y="0"/>
+          <a:chExt cx="0" cy="0"/>
+        </a:xfrm>
+      </p:grpSpPr>
+      <p:sp>
+        <p:nvSpPr>
+          <p:cNvPr id="4" name="사각형: 둥근 모서리 3">
+            <a:extLst>
+              <a:ext uri="{FF2B5EF4-FFF2-40B4-BE49-F238E27FC236}">
+                <a16:creationId xmlns:a16="http://schemas.microsoft.com/office/drawing/2014/main" id="{C76EA980-B62D-4566-B2A4-B52D32E68044}"/>
+              </a:ext>
+            </a:extLst>
+          </p:cNvPr>
+          <p:cNvSpPr/>
+          <p:nvPr/>
+        </p:nvSpPr>
+        <p:spPr>
+          <a:xfrm>
+            <a:off x="332509" y="129309"/>
+            <a:ext cx="3537527" cy="471608"/>
+          </a:xfrm>
+          <a:prstGeom prst="roundRect">
+            <a:avLst/>
+          </a:prstGeom>
+        </p:spPr>
+        <p:style>
+          <a:lnRef idx="2">
+            <a:schemeClr val="accent1">
+              <a:shade val="50000"/>
+            </a:schemeClr>
+          </a:lnRef>
+          <a:fillRef idx="1">
+            <a:schemeClr val="accent1"/>
+          </a:fillRef>
+          <a:effectRef idx="0">
+            <a:schemeClr val="accent1"/>
+          </a:effectRef>
+          <a:fontRef idx="minor">
+            <a:schemeClr val="lt1"/>
+          </a:fontRef>
+        </p:style>
+        <p:txBody>
+          <a:bodyPr rtlCol="0" anchor="ctr"/>
+          <a:lstStyle/>
+          <a:p>
+            <a:pPr algn="ctr"/>
+            <a:r>
+              <a:rPr lang="en-US" altLang="ko-KR" dirty="0"/>
               <a:t>Stage 3</a:t>
             </a:r>
             <a:endParaRPr lang="ko-KR" altLang="en-US" dirty="0"/>
@@ -18369,7 +19033,7 @@
 </p:sld>
 </file>
 
-<file path=ppt/slides/slide4.xml><?xml version="1.0" encoding="utf-8"?>
+<file path=ppt/slides/slide5.xml><?xml version="1.0" encoding="utf-8"?>
 <p:sld xmlns:a="http://schemas.openxmlformats.org/drawingml/2006/main" xmlns:r="http://schemas.openxmlformats.org/officeDocument/2006/relationships" xmlns:p="http://schemas.openxmlformats.org/presentationml/2006/main">
   <p:cSld>
     <p:spTree>
@@ -18479,7 +19143,7 @@
 </p:sld>
 </file>
 
-<file path=ppt/slides/slide5.xml><?xml version="1.0" encoding="utf-8"?>
+<file path=ppt/slides/slide6.xml><?xml version="1.0" encoding="utf-8"?>
 <p:sld xmlns:a="http://schemas.openxmlformats.org/drawingml/2006/main" xmlns:r="http://schemas.openxmlformats.org/officeDocument/2006/relationships" xmlns:p="http://schemas.openxmlformats.org/presentationml/2006/main">
   <p:cSld>
     <p:spTree>
@@ -18559,7 +19223,7 @@
 </p:sld>
 </file>
 
-<file path=ppt/slides/slide6.xml><?xml version="1.0" encoding="utf-8"?>
+<file path=ppt/slides/slide7.xml><?xml version="1.0" encoding="utf-8"?>
 <p:sld xmlns:a="http://schemas.openxmlformats.org/drawingml/2006/main" xmlns:r="http://schemas.openxmlformats.org/officeDocument/2006/relationships" xmlns:p="http://schemas.openxmlformats.org/presentationml/2006/main">
   <p:cSld>
     <p:spTree>
@@ -19272,7 +19936,7 @@
 </p:sld>
 </file>
 
-<file path=ppt/slides/slide7.xml><?xml version="1.0" encoding="utf-8"?>
+<file path=ppt/slides/slide8.xml><?xml version="1.0" encoding="utf-8"?>
 <p:sld xmlns:a="http://schemas.openxmlformats.org/drawingml/2006/main" xmlns:r="http://schemas.openxmlformats.org/officeDocument/2006/relationships" xmlns:p="http://schemas.openxmlformats.org/presentationml/2006/main">
   <p:cSld>
     <p:spTree>
@@ -19446,7 +20110,7 @@
 </p:sld>
 </file>
 
-<file path=ppt/slides/slide8.xml><?xml version="1.0" encoding="utf-8"?>
+<file path=ppt/slides/slide9.xml><?xml version="1.0" encoding="utf-8"?>
 <p:sld xmlns:a="http://schemas.openxmlformats.org/drawingml/2006/main" xmlns:r="http://schemas.openxmlformats.org/officeDocument/2006/relationships" xmlns:p="http://schemas.openxmlformats.org/presentationml/2006/main">
   <p:cSld>
     <p:spTree>
@@ -19679,445 +20343,6 @@
     <p:extLst>
       <p:ext uri="{BB962C8B-B14F-4D97-AF65-F5344CB8AC3E}">
         <p14:creationId xmlns:p14="http://schemas.microsoft.com/office/powerpoint/2010/main" val="3183050681"/>
-      </p:ext>
-    </p:extLst>
-  </p:cSld>
-  <p:clrMapOvr>
-    <a:masterClrMapping/>
-  </p:clrMapOvr>
-</p:sld>
-</file>
-
-<file path=ppt/slides/slide9.xml><?xml version="1.0" encoding="utf-8"?>
-<p:sld xmlns:a="http://schemas.openxmlformats.org/drawingml/2006/main" xmlns:r="http://schemas.openxmlformats.org/officeDocument/2006/relationships" xmlns:p="http://schemas.openxmlformats.org/presentationml/2006/main">
-  <p:cSld>
-    <p:spTree>
-      <p:nvGrpSpPr>
-        <p:cNvPr id="1" name=""/>
-        <p:cNvGrpSpPr/>
-        <p:nvPr/>
-      </p:nvGrpSpPr>
-      <p:grpSpPr>
-        <a:xfrm>
-          <a:off x="0" y="0"/>
-          <a:ext cx="0" cy="0"/>
-          <a:chOff x="0" y="0"/>
-          <a:chExt cx="0" cy="0"/>
-        </a:xfrm>
-      </p:grpSpPr>
-      <p:grpSp>
-        <p:nvGrpSpPr>
-          <p:cNvPr id="27" name="그룹 26">
-            <a:extLst>
-              <a:ext uri="{FF2B5EF4-FFF2-40B4-BE49-F238E27FC236}">
-                <a16:creationId xmlns:a16="http://schemas.microsoft.com/office/drawing/2014/main" id="{F0EBB88B-A95A-463A-9125-269913217D3E}"/>
-              </a:ext>
-            </a:extLst>
-          </p:cNvPr>
-          <p:cNvGrpSpPr/>
-          <p:nvPr/>
-        </p:nvGrpSpPr>
-        <p:grpSpPr>
-          <a:xfrm>
-            <a:off x="2294983" y="327231"/>
-            <a:ext cx="6723078" cy="3298971"/>
-            <a:chOff x="2465313" y="67113"/>
-            <a:chExt cx="6723078" cy="3298971"/>
-          </a:xfrm>
-        </p:grpSpPr>
-        <p:grpSp>
-          <p:nvGrpSpPr>
-            <p:cNvPr id="28" name="그룹 27">
-              <a:extLst>
-                <a:ext uri="{FF2B5EF4-FFF2-40B4-BE49-F238E27FC236}">
-                  <a16:creationId xmlns:a16="http://schemas.microsoft.com/office/drawing/2014/main" id="{197D83E5-C78D-4159-8E08-C579ED75DD21}"/>
-                </a:ext>
-              </a:extLst>
-            </p:cNvPr>
-            <p:cNvGrpSpPr/>
-            <p:nvPr/>
-          </p:nvGrpSpPr>
-          <p:grpSpPr>
-            <a:xfrm>
-              <a:off x="2465313" y="67113"/>
-              <a:ext cx="6723078" cy="3298971"/>
-              <a:chOff x="2456924" y="1"/>
-              <a:chExt cx="6723078" cy="3298971"/>
-            </a:xfrm>
-          </p:grpSpPr>
-          <p:sp>
-            <p:nvSpPr>
-              <p:cNvPr id="31" name="사각형: 둥근 모서리 30">
-                <a:extLst>
-                  <a:ext uri="{FF2B5EF4-FFF2-40B4-BE49-F238E27FC236}">
-                    <a16:creationId xmlns:a16="http://schemas.microsoft.com/office/drawing/2014/main" id="{A452F71E-D4A8-4511-B35F-3B6267A09604}"/>
-                  </a:ext>
-                </a:extLst>
-              </p:cNvPr>
-              <p:cNvSpPr/>
-              <p:nvPr/>
-            </p:nvSpPr>
-            <p:spPr>
-              <a:xfrm>
-                <a:off x="5881031" y="1"/>
-                <a:ext cx="3298971" cy="3298971"/>
-              </a:xfrm>
-              <a:prstGeom prst="roundRect">
-                <a:avLst>
-                  <a:gd name="adj" fmla="val 0"/>
-                </a:avLst>
-              </a:prstGeom>
-              <a:noFill/>
-              <a:ln>
-                <a:solidFill>
-                  <a:schemeClr val="tx1"/>
-                </a:solidFill>
-              </a:ln>
-            </p:spPr>
-            <p:style>
-              <a:lnRef idx="2">
-                <a:schemeClr val="accent1">
-                  <a:shade val="50000"/>
-                </a:schemeClr>
-              </a:lnRef>
-              <a:fillRef idx="1">
-                <a:schemeClr val="accent1"/>
-              </a:fillRef>
-              <a:effectRef idx="0">
-                <a:schemeClr val="accent1"/>
-              </a:effectRef>
-              <a:fontRef idx="minor">
-                <a:schemeClr val="lt1"/>
-              </a:fontRef>
-            </p:style>
-            <p:txBody>
-              <a:bodyPr rtlCol="0" anchor="ctr"/>
-              <a:lstStyle/>
-              <a:p>
-                <a:pPr algn="ctr"/>
-                <a:endParaRPr lang="ko-KR" altLang="en-US" dirty="0"/>
-              </a:p>
-            </p:txBody>
-          </p:sp>
-          <p:sp>
-            <p:nvSpPr>
-              <p:cNvPr id="32" name="사각형: 둥근 모서리 31">
-                <a:extLst>
-                  <a:ext uri="{FF2B5EF4-FFF2-40B4-BE49-F238E27FC236}">
-                    <a16:creationId xmlns:a16="http://schemas.microsoft.com/office/drawing/2014/main" id="{28AA6987-18D0-4301-A7F7-D3EA48FEA08E}"/>
-                  </a:ext>
-                </a:extLst>
-              </p:cNvPr>
-              <p:cNvSpPr/>
-              <p:nvPr/>
-            </p:nvSpPr>
-            <p:spPr>
-              <a:xfrm>
-                <a:off x="2456924" y="1"/>
-                <a:ext cx="3298971" cy="3298971"/>
-              </a:xfrm>
-              <a:prstGeom prst="roundRect">
-                <a:avLst>
-                  <a:gd name="adj" fmla="val 0"/>
-                </a:avLst>
-              </a:prstGeom>
-              <a:noFill/>
-              <a:ln>
-                <a:solidFill>
-                  <a:schemeClr val="tx1"/>
-                </a:solidFill>
-              </a:ln>
-            </p:spPr>
-            <p:style>
-              <a:lnRef idx="2">
-                <a:schemeClr val="accent1">
-                  <a:shade val="50000"/>
-                </a:schemeClr>
-              </a:lnRef>
-              <a:fillRef idx="1">
-                <a:schemeClr val="accent1"/>
-              </a:fillRef>
-              <a:effectRef idx="0">
-                <a:schemeClr val="accent1"/>
-              </a:effectRef>
-              <a:fontRef idx="minor">
-                <a:schemeClr val="lt1"/>
-              </a:fontRef>
-            </p:style>
-            <p:txBody>
-              <a:bodyPr rtlCol="0" anchor="ctr"/>
-              <a:lstStyle/>
-              <a:p>
-                <a:pPr algn="ctr"/>
-                <a:endParaRPr lang="ko-KR" altLang="en-US" dirty="0"/>
-              </a:p>
-            </p:txBody>
-          </p:sp>
-          <p:sp>
-            <p:nvSpPr>
-              <p:cNvPr id="33" name="타원 32">
-                <a:extLst>
-                  <a:ext uri="{FF2B5EF4-FFF2-40B4-BE49-F238E27FC236}">
-                    <a16:creationId xmlns:a16="http://schemas.microsoft.com/office/drawing/2014/main" id="{1AEE5C8A-BDCE-4B8B-B0BA-F8D5ECF20E30}"/>
-                  </a:ext>
-                </a:extLst>
-              </p:cNvPr>
-              <p:cNvSpPr/>
-              <p:nvPr/>
-            </p:nvSpPr>
-            <p:spPr>
-              <a:xfrm>
-                <a:off x="2618065" y="2597791"/>
-                <a:ext cx="578840" cy="578840"/>
-              </a:xfrm>
-              <a:prstGeom prst="ellipse">
-                <a:avLst/>
-              </a:prstGeom>
-              <a:solidFill>
-                <a:schemeClr val="tx1"/>
-              </a:solidFill>
-              <a:ln>
-                <a:solidFill>
-                  <a:schemeClr val="tx1"/>
-                </a:solidFill>
-              </a:ln>
-            </p:spPr>
-            <p:style>
-              <a:lnRef idx="2">
-                <a:schemeClr val="accent1">
-                  <a:shade val="50000"/>
-                </a:schemeClr>
-              </a:lnRef>
-              <a:fillRef idx="1">
-                <a:schemeClr val="accent1"/>
-              </a:fillRef>
-              <a:effectRef idx="0">
-                <a:schemeClr val="accent1"/>
-              </a:effectRef>
-              <a:fontRef idx="minor">
-                <a:schemeClr val="lt1"/>
-              </a:fontRef>
-            </p:style>
-            <p:txBody>
-              <a:bodyPr rtlCol="0" anchor="ctr"/>
-              <a:lstStyle/>
-              <a:p>
-                <a:pPr algn="ctr"/>
-                <a:endParaRPr lang="ko-KR" altLang="en-US"/>
-              </a:p>
-            </p:txBody>
-          </p:sp>
-          <p:sp>
-            <p:nvSpPr>
-              <p:cNvPr id="34" name="타원 33">
-                <a:extLst>
-                  <a:ext uri="{FF2B5EF4-FFF2-40B4-BE49-F238E27FC236}">
-                    <a16:creationId xmlns:a16="http://schemas.microsoft.com/office/drawing/2014/main" id="{DAC31FC5-16FC-4FB3-832D-3F9860AF8C4B}"/>
-                  </a:ext>
-                </a:extLst>
-              </p:cNvPr>
-              <p:cNvSpPr/>
-              <p:nvPr/>
-            </p:nvSpPr>
-            <p:spPr>
-              <a:xfrm>
-                <a:off x="6096000" y="2597791"/>
-                <a:ext cx="578840" cy="578840"/>
-              </a:xfrm>
-              <a:prstGeom prst="ellipse">
-                <a:avLst/>
-              </a:prstGeom>
-              <a:solidFill>
-                <a:schemeClr val="tx1"/>
-              </a:solidFill>
-              <a:ln>
-                <a:solidFill>
-                  <a:schemeClr val="tx1"/>
-                </a:solidFill>
-              </a:ln>
-            </p:spPr>
-            <p:style>
-              <a:lnRef idx="2">
-                <a:schemeClr val="accent1">
-                  <a:shade val="50000"/>
-                </a:schemeClr>
-              </a:lnRef>
-              <a:fillRef idx="1">
-                <a:schemeClr val="accent1"/>
-              </a:fillRef>
-              <a:effectRef idx="0">
-                <a:schemeClr val="accent1"/>
-              </a:effectRef>
-              <a:fontRef idx="minor">
-                <a:schemeClr val="lt1"/>
-              </a:fontRef>
-            </p:style>
-            <p:txBody>
-              <a:bodyPr rtlCol="0" anchor="ctr"/>
-              <a:lstStyle/>
-              <a:p>
-                <a:pPr algn="ctr"/>
-                <a:endParaRPr lang="ko-KR" altLang="en-US"/>
-              </a:p>
-            </p:txBody>
-          </p:sp>
-        </p:grpSp>
-        <p:pic>
-          <p:nvPicPr>
-            <p:cNvPr id="29" name="그림 28">
-              <a:extLst>
-                <a:ext uri="{FF2B5EF4-FFF2-40B4-BE49-F238E27FC236}">
-                  <a16:creationId xmlns:a16="http://schemas.microsoft.com/office/drawing/2014/main" id="{768F443E-97DE-44D4-AFC3-0D9913956B70}"/>
-                </a:ext>
-              </a:extLst>
-            </p:cNvPr>
-            <p:cNvPicPr>
-              <a:picLocks noChangeAspect="1"/>
-            </p:cNvPicPr>
-            <p:nvPr/>
-          </p:nvPicPr>
-          <p:blipFill rotWithShape="1">
-            <a:blip r:embed="rId2"/>
-            <a:srcRect l="48567"/>
-            <a:stretch/>
-          </p:blipFill>
-          <p:spPr>
-            <a:xfrm>
-              <a:off x="2465313" y="1161814"/>
-              <a:ext cx="200682" cy="1109568"/>
-            </a:xfrm>
-            <a:prstGeom prst="rect">
-              <a:avLst/>
-            </a:prstGeom>
-          </p:spPr>
-        </p:pic>
-        <p:pic>
-          <p:nvPicPr>
-            <p:cNvPr id="30" name="그림 29">
-              <a:extLst>
-                <a:ext uri="{FF2B5EF4-FFF2-40B4-BE49-F238E27FC236}">
-                  <a16:creationId xmlns:a16="http://schemas.microsoft.com/office/drawing/2014/main" id="{DF0DC684-7412-41B8-9899-20AB36A11B9D}"/>
-                </a:ext>
-              </a:extLst>
-            </p:cNvPr>
-            <p:cNvPicPr>
-              <a:picLocks noChangeAspect="1"/>
-            </p:cNvPicPr>
-            <p:nvPr/>
-          </p:nvPicPr>
-          <p:blipFill rotWithShape="1">
-            <a:blip r:embed="rId2"/>
-            <a:srcRect l="48567"/>
-            <a:stretch/>
-          </p:blipFill>
-          <p:spPr>
-            <a:xfrm rot="10800000">
-              <a:off x="8987709" y="1161814"/>
-              <a:ext cx="200682" cy="1109568"/>
-            </a:xfrm>
-            <a:prstGeom prst="rect">
-              <a:avLst/>
-            </a:prstGeom>
-          </p:spPr>
-        </p:pic>
-      </p:grpSp>
-      <p:grpSp>
-        <p:nvGrpSpPr>
-          <p:cNvPr id="35" name="그룹 34">
-            <a:extLst>
-              <a:ext uri="{FF2B5EF4-FFF2-40B4-BE49-F238E27FC236}">
-                <a16:creationId xmlns:a16="http://schemas.microsoft.com/office/drawing/2014/main" id="{948FB134-BC2C-4E67-B1F0-ADF0F290D578}"/>
-              </a:ext>
-            </a:extLst>
-          </p:cNvPr>
-          <p:cNvGrpSpPr/>
-          <p:nvPr/>
-        </p:nvGrpSpPr>
-        <p:grpSpPr>
-          <a:xfrm>
-            <a:off x="3181255" y="4468243"/>
-            <a:ext cx="4825397" cy="1346032"/>
-            <a:chOff x="3683301" y="2755984"/>
-            <a:chExt cx="4825397" cy="1346032"/>
-          </a:xfrm>
-        </p:grpSpPr>
-        <p:pic>
-          <p:nvPicPr>
-            <p:cNvPr id="36" name="그림 35">
-              <a:extLst>
-                <a:ext uri="{FF2B5EF4-FFF2-40B4-BE49-F238E27FC236}">
-                  <a16:creationId xmlns:a16="http://schemas.microsoft.com/office/drawing/2014/main" id="{39FBB44F-2F07-423A-B117-AE46FEB592C9}"/>
-                </a:ext>
-              </a:extLst>
-            </p:cNvPr>
-            <p:cNvPicPr>
-              <a:picLocks noChangeAspect="1"/>
-            </p:cNvPicPr>
-            <p:nvPr/>
-          </p:nvPicPr>
-          <p:blipFill>
-            <a:blip r:embed="rId3">
-              <a:extLst>
-                <a:ext uri="{28A0092B-C50C-407E-A947-70E740481C1C}">
-                  <a14:useLocalDpi xmlns:a14="http://schemas.microsoft.com/office/drawing/2010/main" val="0"/>
-                </a:ext>
-              </a:extLst>
-            </a:blip>
-            <a:stretch>
-              <a:fillRect/>
-            </a:stretch>
-          </p:blipFill>
-          <p:spPr>
-            <a:xfrm>
-              <a:off x="3683301" y="2755984"/>
-              <a:ext cx="4825397" cy="1346032"/>
-            </a:xfrm>
-            <a:prstGeom prst="rect">
-              <a:avLst/>
-            </a:prstGeom>
-          </p:spPr>
-        </p:pic>
-        <p:pic>
-          <p:nvPicPr>
-            <p:cNvPr id="37" name="그림 36">
-              <a:extLst>
-                <a:ext uri="{FF2B5EF4-FFF2-40B4-BE49-F238E27FC236}">
-                  <a16:creationId xmlns:a16="http://schemas.microsoft.com/office/drawing/2014/main" id="{2920E4A2-967B-4831-B3A4-47119C4F11DF}"/>
-                </a:ext>
-              </a:extLst>
-            </p:cNvPr>
-            <p:cNvPicPr>
-              <a:picLocks noChangeAspect="1"/>
-            </p:cNvPicPr>
-            <p:nvPr/>
-          </p:nvPicPr>
-          <p:blipFill>
-            <a:blip r:embed="rId4">
-              <a:extLst>
-                <a:ext uri="{28A0092B-C50C-407E-A947-70E740481C1C}">
-                  <a14:useLocalDpi xmlns:a14="http://schemas.microsoft.com/office/drawing/2010/main" val="0"/>
-                </a:ext>
-              </a:extLst>
-            </a:blip>
-            <a:stretch>
-              <a:fillRect/>
-            </a:stretch>
-          </p:blipFill>
-          <p:spPr>
-            <a:xfrm>
-              <a:off x="3683301" y="2755984"/>
-              <a:ext cx="4825397" cy="1346032"/>
-            </a:xfrm>
-            <a:prstGeom prst="rect">
-              <a:avLst/>
-            </a:prstGeom>
-          </p:spPr>
-        </p:pic>
-      </p:grpSp>
-    </p:spTree>
-    <p:extLst>
-      <p:ext uri="{BB962C8B-B14F-4D97-AF65-F5344CB8AC3E}">
-        <p14:creationId xmlns:p14="http://schemas.microsoft.com/office/powerpoint/2010/main" val="1734364095"/>
       </p:ext>
     </p:extLst>
   </p:cSld>

--- a/Documents/PartyBall/Project_TheBalls.pptx
+++ b/Documents/PartyBall/Project_TheBalls.pptx
@@ -136,7 +136,7 @@
 <file path=ppt/revisionInfo.xml><?xml version="1.0" encoding="utf-8"?>
 <p1510:revInfo xmlns:a="http://schemas.openxmlformats.org/drawingml/2006/main" xmlns:r="http://schemas.openxmlformats.org/officeDocument/2006/relationships" xmlns:p1510="http://schemas.microsoft.com/office/powerpoint/2015/10/main">
   <p1510:revLst>
-    <p1510:client id="{A99FF4A5-BC7F-4010-AC4C-1C661166150A}" v="3" dt="2021-11-27T13:54:41.652"/>
+    <p1510:client id="{86DF080D-4DAD-4A4D-A91B-C5BDE91EEC96}" v="57" dt="2021-12-07T08:14:33.662"/>
   </p1510:revLst>
 </p1510:revInfo>
 </file>
@@ -852,6 +852,78 @@
             <ac:spMk id="6" creationId="{E04B0C46-5E0A-4B32-B582-F8D112DC1152}"/>
           </ac:spMkLst>
         </pc:spChg>
+      </pc:sldChg>
+    </pc:docChg>
+  </pc:docChgLst>
+  <pc:docChgLst>
+    <pc:chgData name="남 상현" userId="03ad4a8e8f7310f3" providerId="LiveId" clId="{86DF080D-4DAD-4A4D-A91B-C5BDE91EEC96}"/>
+    <pc:docChg chg="modSld">
+      <pc:chgData name="남 상현" userId="03ad4a8e8f7310f3" providerId="LiveId" clId="{86DF080D-4DAD-4A4D-A91B-C5BDE91EEC96}" dt="2021-12-07T08:14:33.662" v="59" actId="164"/>
+      <pc:docMkLst>
+        <pc:docMk/>
+      </pc:docMkLst>
+      <pc:sldChg chg="addSp delSp modSp mod">
+        <pc:chgData name="남 상현" userId="03ad4a8e8f7310f3" providerId="LiveId" clId="{86DF080D-4DAD-4A4D-A91B-C5BDE91EEC96}" dt="2021-12-07T08:14:33.662" v="59" actId="164"/>
+        <pc:sldMkLst>
+          <pc:docMk/>
+          <pc:sldMk cId="3554067655" sldId="266"/>
+        </pc:sldMkLst>
+        <pc:spChg chg="add mod">
+          <ac:chgData name="남 상현" userId="03ad4a8e8f7310f3" providerId="LiveId" clId="{86DF080D-4DAD-4A4D-A91B-C5BDE91EEC96}" dt="2021-12-07T08:14:29.993" v="58" actId="1076"/>
+          <ac:spMkLst>
+            <pc:docMk/>
+            <pc:sldMk cId="3554067655" sldId="266"/>
+            <ac:spMk id="8" creationId="{8E6EB622-5F7E-4847-BE05-93C75252A43A}"/>
+          </ac:spMkLst>
+        </pc:spChg>
+        <pc:grpChg chg="del mod">
+          <ac:chgData name="남 상현" userId="03ad4a8e8f7310f3" providerId="LiveId" clId="{86DF080D-4DAD-4A4D-A91B-C5BDE91EEC96}" dt="2021-12-07T08:06:20.153" v="40" actId="165"/>
+          <ac:grpSpMkLst>
+            <pc:docMk/>
+            <pc:sldMk cId="3554067655" sldId="266"/>
+            <ac:grpSpMk id="3" creationId="{6B14CDFC-00C8-4907-9BE1-906AB8433102}"/>
+          </ac:grpSpMkLst>
+        </pc:grpChg>
+        <pc:grpChg chg="add mod">
+          <ac:chgData name="남 상현" userId="03ad4a8e8f7310f3" providerId="LiveId" clId="{86DF080D-4DAD-4A4D-A91B-C5BDE91EEC96}" dt="2021-12-07T08:14:33.662" v="59" actId="164"/>
+          <ac:grpSpMkLst>
+            <pc:docMk/>
+            <pc:sldMk cId="3554067655" sldId="266"/>
+            <ac:grpSpMk id="9" creationId="{AD30CA76-1101-4794-8E9F-5739A5140320}"/>
+          </ac:grpSpMkLst>
+        </pc:grpChg>
+        <pc:graphicFrameChg chg="mod ord topLvl">
+          <ac:chgData name="남 상현" userId="03ad4a8e8f7310f3" providerId="LiveId" clId="{86DF080D-4DAD-4A4D-A91B-C5BDE91EEC96}" dt="2021-12-07T08:14:33.662" v="59" actId="164"/>
+          <ac:graphicFrameMkLst>
+            <pc:docMk/>
+            <pc:sldMk cId="3554067655" sldId="266"/>
+            <ac:graphicFrameMk id="2" creationId="{3ED1C52E-DEEA-4E29-A43F-0FA1C28D0669}"/>
+          </ac:graphicFrameMkLst>
+        </pc:graphicFrameChg>
+        <pc:graphicFrameChg chg="add mod">
+          <ac:chgData name="남 상현" userId="03ad4a8e8f7310f3" providerId="LiveId" clId="{86DF080D-4DAD-4A4D-A91B-C5BDE91EEC96}" dt="2021-12-07T08:01:59.259" v="1"/>
+          <ac:graphicFrameMkLst>
+            <pc:docMk/>
+            <pc:sldMk cId="3554067655" sldId="266"/>
+            <ac:graphicFrameMk id="5" creationId="{511BCE83-78CA-42D9-9010-4150D7786072}"/>
+          </ac:graphicFrameMkLst>
+        </pc:graphicFrameChg>
+        <pc:graphicFrameChg chg="add mod">
+          <ac:chgData name="남 상현" userId="03ad4a8e8f7310f3" providerId="LiveId" clId="{86DF080D-4DAD-4A4D-A91B-C5BDE91EEC96}" dt="2021-12-07T08:02:01.674" v="3"/>
+          <ac:graphicFrameMkLst>
+            <pc:docMk/>
+            <pc:sldMk cId="3554067655" sldId="266"/>
+            <ac:graphicFrameMk id="6" creationId="{8AEFE61F-9621-48BB-A1CA-87BAFCAAFEAE}"/>
+          </ac:graphicFrameMkLst>
+        </pc:graphicFrameChg>
+        <pc:picChg chg="mod topLvl">
+          <ac:chgData name="남 상현" userId="03ad4a8e8f7310f3" providerId="LiveId" clId="{86DF080D-4DAD-4A4D-A91B-C5BDE91EEC96}" dt="2021-12-07T08:14:33.662" v="59" actId="164"/>
+          <ac:picMkLst>
+            <pc:docMk/>
+            <pc:sldMk cId="3554067655" sldId="266"/>
+            <ac:picMk id="4" creationId="{D6B674CE-3539-4EF6-A92F-E0A422FA9B4F}"/>
+          </ac:picMkLst>
+        </pc:picChg>
       </pc:sldChg>
     </pc:docChg>
   </pc:docChgLst>
@@ -4624,7 +4696,7 @@
           <a:pPr latinLnBrk="1"/>
           <a:r>
             <a:rPr lang="ko-KR" altLang="en-US" b="1" dirty="0"/>
-            <a:t>설정</a:t>
+            <a:t>배치</a:t>
           </a:r>
         </a:p>
       </dgm:t>
@@ -4721,6 +4793,69 @@
         </a:p>
       </dgm:t>
     </dgm:pt>
+    <dgm:pt modelId="{0FC3AA81-AF68-45B5-8FE9-9D1CF0CA88BC}">
+      <dgm:prSet phldrT="[텍스트]"/>
+      <dgm:spPr>
+        <a:solidFill>
+          <a:srgbClr val="99CCFF"/>
+        </a:solidFill>
+        <a:ln>
+          <a:solidFill>
+            <a:srgbClr val="0070C0"/>
+          </a:solidFill>
+        </a:ln>
+      </dgm:spPr>
+      <dgm:t>
+        <a:bodyPr/>
+        <a:lstStyle/>
+        <a:p>
+          <a:pPr latinLnBrk="1"/>
+          <a:r>
+            <a:rPr lang="ko-KR" altLang="en-US" b="1" dirty="0"/>
+            <a:t>목적지</a:t>
+          </a:r>
+          <a:endParaRPr lang="en-US" altLang="ko-KR" b="1" dirty="0"/>
+        </a:p>
+        <a:p>
+          <a:pPr latinLnBrk="1"/>
+          <a:r>
+            <a:rPr lang="ko-KR" altLang="en-US" b="1" dirty="0"/>
+            <a:t>설정</a:t>
+          </a:r>
+          <a:endParaRPr lang="en-US" altLang="ko-KR" b="1" dirty="0"/>
+        </a:p>
+      </dgm:t>
+    </dgm:pt>
+    <dgm:pt modelId="{F2A3FC3E-9285-4898-9318-C7FFE51B1AA8}" type="parTrans" cxnId="{23AA06EF-BDA2-431F-94D7-3FB240D339EA}">
+      <dgm:prSet/>
+      <dgm:spPr/>
+      <dgm:t>
+        <a:bodyPr/>
+        <a:lstStyle/>
+        <a:p>
+          <a:pPr latinLnBrk="1"/>
+          <a:endParaRPr lang="ko-KR" altLang="en-US"/>
+        </a:p>
+      </dgm:t>
+    </dgm:pt>
+    <dgm:pt modelId="{36E219FB-09E4-4409-98DD-C65E62D9B009}" type="sibTrans" cxnId="{23AA06EF-BDA2-431F-94D7-3FB240D339EA}">
+      <dgm:prSet/>
+      <dgm:spPr>
+        <a:ln w="50800">
+          <a:solidFill>
+            <a:srgbClr val="6699FF"/>
+          </a:solidFill>
+        </a:ln>
+      </dgm:spPr>
+      <dgm:t>
+        <a:bodyPr/>
+        <a:lstStyle/>
+        <a:p>
+          <a:pPr latinLnBrk="1"/>
+          <a:endParaRPr lang="ko-KR" altLang="en-US"/>
+        </a:p>
+      </dgm:t>
+    </dgm:pt>
     <dgm:pt modelId="{602E4C1A-329F-4D9A-9A97-F09CAB0E7119}" type="pres">
       <dgm:prSet presAssocID="{BEA54F20-B0FF-40AC-AD7F-FA3A75238388}" presName="cycle" presStyleCnt="0">
         <dgm:presLayoutVars>
@@ -4731,7 +4866,7 @@
       <dgm:spPr/>
     </dgm:pt>
     <dgm:pt modelId="{53D68CD2-5DB8-407B-88EC-90CB7F14115C}" type="pres">
-      <dgm:prSet presAssocID="{47574E58-388A-4B47-B524-F0B275CC9510}" presName="node" presStyleLbl="node1" presStyleIdx="0" presStyleCnt="3" custScaleX="79200" custScaleY="125044">
+      <dgm:prSet presAssocID="{47574E58-388A-4B47-B524-F0B275CC9510}" presName="node" presStyleLbl="node1" presStyleIdx="0" presStyleCnt="4" custScaleX="79200" custScaleY="125044">
         <dgm:presLayoutVars>
           <dgm:bulletEnabled val="1"/>
         </dgm:presLayoutVars>
@@ -4747,11 +4882,31 @@
       <dgm:spPr/>
     </dgm:pt>
     <dgm:pt modelId="{8BDA4B56-3FD4-4E1E-9327-CC6678E46F13}" type="pres">
-      <dgm:prSet presAssocID="{0DE1EE65-A305-4F93-8951-6E0687D81FF9}" presName="sibTrans" presStyleLbl="sibTrans1D1" presStyleIdx="0" presStyleCnt="3"/>
+      <dgm:prSet presAssocID="{0DE1EE65-A305-4F93-8951-6E0687D81FF9}" presName="sibTrans" presStyleLbl="sibTrans1D1" presStyleIdx="0" presStyleCnt="4"/>
+      <dgm:spPr/>
+    </dgm:pt>
+    <dgm:pt modelId="{AE846717-76DA-4C82-AF5F-AD43341D7AC9}" type="pres">
+      <dgm:prSet presAssocID="{0FC3AA81-AF68-45B5-8FE9-9D1CF0CA88BC}" presName="node" presStyleLbl="node1" presStyleIdx="1" presStyleCnt="4" custScaleX="79200" custScaleY="125044">
+        <dgm:presLayoutVars>
+          <dgm:bulletEnabled val="1"/>
+        </dgm:presLayoutVars>
+      </dgm:prSet>
+      <dgm:spPr>
+        <a:prstGeom prst="ellipse">
+          <a:avLst/>
+        </a:prstGeom>
+      </dgm:spPr>
+    </dgm:pt>
+    <dgm:pt modelId="{3ED159B8-08A5-45A7-8886-427394EEB4C1}" type="pres">
+      <dgm:prSet presAssocID="{0FC3AA81-AF68-45B5-8FE9-9D1CF0CA88BC}" presName="spNode" presStyleCnt="0"/>
+      <dgm:spPr/>
+    </dgm:pt>
+    <dgm:pt modelId="{7C58D9C2-C084-4FC0-A119-125C1F1CB072}" type="pres">
+      <dgm:prSet presAssocID="{36E219FB-09E4-4409-98DD-C65E62D9B009}" presName="sibTrans" presStyleLbl="sibTrans1D1" presStyleIdx="1" presStyleCnt="4"/>
       <dgm:spPr/>
     </dgm:pt>
     <dgm:pt modelId="{5B6E4B0F-FD4C-404E-B062-C5A7502F2243}" type="pres">
-      <dgm:prSet presAssocID="{EE460914-CD3B-4D36-BEB4-16326533DE76}" presName="node" presStyleLbl="node1" presStyleIdx="1" presStyleCnt="3" custScaleX="79200" custScaleY="125044">
+      <dgm:prSet presAssocID="{EE460914-CD3B-4D36-BEB4-16326533DE76}" presName="node" presStyleLbl="node1" presStyleIdx="2" presStyleCnt="4" custScaleX="79200" custScaleY="125044">
         <dgm:presLayoutVars>
           <dgm:bulletEnabled val="1"/>
         </dgm:presLayoutVars>
@@ -4767,11 +4922,11 @@
       <dgm:spPr/>
     </dgm:pt>
     <dgm:pt modelId="{6BF56D71-9CD4-49B6-90CB-26AA4E777908}" type="pres">
-      <dgm:prSet presAssocID="{73DD9232-9D6B-4BDB-AC78-A3ADC25F1FD1}" presName="sibTrans" presStyleLbl="sibTrans1D1" presStyleIdx="1" presStyleCnt="3"/>
+      <dgm:prSet presAssocID="{73DD9232-9D6B-4BDB-AC78-A3ADC25F1FD1}" presName="sibTrans" presStyleLbl="sibTrans1D1" presStyleIdx="2" presStyleCnt="4"/>
       <dgm:spPr/>
     </dgm:pt>
     <dgm:pt modelId="{8B0AA011-AEEE-4917-AEFD-8C627E061545}" type="pres">
-      <dgm:prSet presAssocID="{B8C6C97A-86FD-41F2-BB26-F65F436F18C9}" presName="node" presStyleLbl="node1" presStyleIdx="2" presStyleCnt="3" custScaleX="79200" custScaleY="125044" custRadScaleRad="99916" custRadScaleInc="208">
+      <dgm:prSet presAssocID="{B8C6C97A-86FD-41F2-BB26-F65F436F18C9}" presName="node" presStyleLbl="node1" presStyleIdx="3" presStyleCnt="4" custScaleX="79200" custScaleY="125044" custRadScaleRad="99916" custRadScaleInc="208">
         <dgm:presLayoutVars>
           <dgm:bulletEnabled val="1"/>
         </dgm:presLayoutVars>
@@ -4787,36 +4942,42 @@
       <dgm:spPr/>
     </dgm:pt>
     <dgm:pt modelId="{92A047D5-A812-4F08-ACC0-9F57F1DF8BF5}" type="pres">
-      <dgm:prSet presAssocID="{71BDE985-3644-4AE3-A03B-A4771A6D24DC}" presName="sibTrans" presStyleLbl="sibTrans1D1" presStyleIdx="2" presStyleCnt="3"/>
+      <dgm:prSet presAssocID="{71BDE985-3644-4AE3-A03B-A4771A6D24DC}" presName="sibTrans" presStyleLbl="sibTrans1D1" presStyleIdx="3" presStyleCnt="4"/>
       <dgm:spPr/>
     </dgm:pt>
   </dgm:ptLst>
   <dgm:cxnLst>
     <dgm:cxn modelId="{BC71F901-B868-4B6B-89C2-317A5C562E5F}" type="presOf" srcId="{73DD9232-9D6B-4BDB-AC78-A3ADC25F1FD1}" destId="{6BF56D71-9CD4-49B6-90CB-26AA4E777908}" srcOrd="0" destOrd="0" presId="urn:microsoft.com/office/officeart/2005/8/layout/cycle5"/>
+    <dgm:cxn modelId="{DA259108-3EC0-4115-82A7-DD28D48364E3}" type="presOf" srcId="{0FC3AA81-AF68-45B5-8FE9-9D1CF0CA88BC}" destId="{AE846717-76DA-4C82-AF5F-AD43341D7AC9}" srcOrd="0" destOrd="0" presId="urn:microsoft.com/office/officeart/2005/8/layout/cycle5"/>
     <dgm:cxn modelId="{C7333110-E948-4987-9E0C-3C6C61A4BC10}" srcId="{BEA54F20-B0FF-40AC-AD7F-FA3A75238388}" destId="{47574E58-388A-4B47-B524-F0B275CC9510}" srcOrd="0" destOrd="0" parTransId="{CA774994-4E38-4936-BA01-39289C970451}" sibTransId="{0DE1EE65-A305-4F93-8951-6E0687D81FF9}"/>
     <dgm:cxn modelId="{7EC66B35-5107-45E4-8662-F5BA8DB50A5E}" type="presOf" srcId="{0DE1EE65-A305-4F93-8951-6E0687D81FF9}" destId="{8BDA4B56-3FD4-4E1E-9327-CC6678E46F13}" srcOrd="0" destOrd="0" presId="urn:microsoft.com/office/officeart/2005/8/layout/cycle5"/>
-    <dgm:cxn modelId="{775A4A5E-0B41-444D-8896-F1F3B52B7B89}" srcId="{BEA54F20-B0FF-40AC-AD7F-FA3A75238388}" destId="{B8C6C97A-86FD-41F2-BB26-F65F436F18C9}" srcOrd="2" destOrd="0" parTransId="{1CB14EEF-E5A0-4D83-BE8B-EFF3150CF5E2}" sibTransId="{71BDE985-3644-4AE3-A03B-A4771A6D24DC}"/>
+    <dgm:cxn modelId="{775A4A5E-0B41-444D-8896-F1F3B52B7B89}" srcId="{BEA54F20-B0FF-40AC-AD7F-FA3A75238388}" destId="{B8C6C97A-86FD-41F2-BB26-F65F436F18C9}" srcOrd="3" destOrd="0" parTransId="{1CB14EEF-E5A0-4D83-BE8B-EFF3150CF5E2}" sibTransId="{71BDE985-3644-4AE3-A03B-A4771A6D24DC}"/>
     <dgm:cxn modelId="{0A947560-D755-4D9D-B204-38A88F84D8AC}" type="presOf" srcId="{47574E58-388A-4B47-B524-F0B275CC9510}" destId="{53D68CD2-5DB8-407B-88EC-90CB7F14115C}" srcOrd="0" destOrd="0" presId="urn:microsoft.com/office/officeart/2005/8/layout/cycle5"/>
-    <dgm:cxn modelId="{0F242642-AC6A-4441-B382-86407C02367C}" srcId="{BEA54F20-B0FF-40AC-AD7F-FA3A75238388}" destId="{EE460914-CD3B-4D36-BEB4-16326533DE76}" srcOrd="1" destOrd="0" parTransId="{7D1A9F28-09FE-4C38-9671-82C239700977}" sibTransId="{73DD9232-9D6B-4BDB-AC78-A3ADC25F1FD1}"/>
+    <dgm:cxn modelId="{0F242642-AC6A-4441-B382-86407C02367C}" srcId="{BEA54F20-B0FF-40AC-AD7F-FA3A75238388}" destId="{EE460914-CD3B-4D36-BEB4-16326533DE76}" srcOrd="2" destOrd="0" parTransId="{7D1A9F28-09FE-4C38-9671-82C239700977}" sibTransId="{73DD9232-9D6B-4BDB-AC78-A3ADC25F1FD1}"/>
     <dgm:cxn modelId="{6E7BB170-1F76-4896-8A73-E7BB4D7C7B07}" type="presOf" srcId="{71BDE985-3644-4AE3-A03B-A4771A6D24DC}" destId="{92A047D5-A812-4F08-ACC0-9F57F1DF8BF5}" srcOrd="0" destOrd="0" presId="urn:microsoft.com/office/officeart/2005/8/layout/cycle5"/>
     <dgm:cxn modelId="{4D5D4EA4-D610-429F-B472-6AB092BAEE30}" type="presOf" srcId="{BEA54F20-B0FF-40AC-AD7F-FA3A75238388}" destId="{602E4C1A-329F-4D9A-9A97-F09CAB0E7119}" srcOrd="0" destOrd="0" presId="urn:microsoft.com/office/officeart/2005/8/layout/cycle5"/>
     <dgm:cxn modelId="{9D10B4CA-10BF-44FD-982A-413246A550BF}" type="presOf" srcId="{B8C6C97A-86FD-41F2-BB26-F65F436F18C9}" destId="{8B0AA011-AEEE-4917-AEFD-8C627E061545}" srcOrd="0" destOrd="0" presId="urn:microsoft.com/office/officeart/2005/8/layout/cycle5"/>
     <dgm:cxn modelId="{828A3ECE-E2AC-454A-8D1E-E03A83A676E5}" type="presOf" srcId="{EE460914-CD3B-4D36-BEB4-16326533DE76}" destId="{5B6E4B0F-FD4C-404E-B062-C5A7502F2243}" srcOrd="0" destOrd="0" presId="urn:microsoft.com/office/officeart/2005/8/layout/cycle5"/>
+    <dgm:cxn modelId="{91C364D4-1A59-4077-98FC-4EAD943EC836}" type="presOf" srcId="{36E219FB-09E4-4409-98DD-C65E62D9B009}" destId="{7C58D9C2-C084-4FC0-A119-125C1F1CB072}" srcOrd="0" destOrd="0" presId="urn:microsoft.com/office/officeart/2005/8/layout/cycle5"/>
+    <dgm:cxn modelId="{23AA06EF-BDA2-431F-94D7-3FB240D339EA}" srcId="{BEA54F20-B0FF-40AC-AD7F-FA3A75238388}" destId="{0FC3AA81-AF68-45B5-8FE9-9D1CF0CA88BC}" srcOrd="1" destOrd="0" parTransId="{F2A3FC3E-9285-4898-9318-C7FFE51B1AA8}" sibTransId="{36E219FB-09E4-4409-98DD-C65E62D9B009}"/>
     <dgm:cxn modelId="{8BF9F042-6950-4862-AA94-20EE84699759}" type="presParOf" srcId="{602E4C1A-329F-4D9A-9A97-F09CAB0E7119}" destId="{53D68CD2-5DB8-407B-88EC-90CB7F14115C}" srcOrd="0" destOrd="0" presId="urn:microsoft.com/office/officeart/2005/8/layout/cycle5"/>
     <dgm:cxn modelId="{EC9FD4DE-39F4-4414-9723-192CE929ABB1}" type="presParOf" srcId="{602E4C1A-329F-4D9A-9A97-F09CAB0E7119}" destId="{1E20E0E2-5B2C-4E18-88BC-B1EF012C3193}" srcOrd="1" destOrd="0" presId="urn:microsoft.com/office/officeart/2005/8/layout/cycle5"/>
     <dgm:cxn modelId="{0A8D5658-3454-47EC-ADE2-20836B4000A1}" type="presParOf" srcId="{602E4C1A-329F-4D9A-9A97-F09CAB0E7119}" destId="{8BDA4B56-3FD4-4E1E-9327-CC6678E46F13}" srcOrd="2" destOrd="0" presId="urn:microsoft.com/office/officeart/2005/8/layout/cycle5"/>
-    <dgm:cxn modelId="{1F5CD8CB-1525-4A18-AE3B-2351A8AD81A3}" type="presParOf" srcId="{602E4C1A-329F-4D9A-9A97-F09CAB0E7119}" destId="{5B6E4B0F-FD4C-404E-B062-C5A7502F2243}" srcOrd="3" destOrd="0" presId="urn:microsoft.com/office/officeart/2005/8/layout/cycle5"/>
-    <dgm:cxn modelId="{C82BBB96-9B95-4742-8128-504A8BCB9B45}" type="presParOf" srcId="{602E4C1A-329F-4D9A-9A97-F09CAB0E7119}" destId="{0D1D31F2-04C9-481F-AD72-9CFBC5DC0898}" srcOrd="4" destOrd="0" presId="urn:microsoft.com/office/officeart/2005/8/layout/cycle5"/>
-    <dgm:cxn modelId="{EA210F74-A687-40FB-BB21-6BA7892187D3}" type="presParOf" srcId="{602E4C1A-329F-4D9A-9A97-F09CAB0E7119}" destId="{6BF56D71-9CD4-49B6-90CB-26AA4E777908}" srcOrd="5" destOrd="0" presId="urn:microsoft.com/office/officeart/2005/8/layout/cycle5"/>
-    <dgm:cxn modelId="{B0DC4B41-8688-48E7-BA16-54BA1EA00CED}" type="presParOf" srcId="{602E4C1A-329F-4D9A-9A97-F09CAB0E7119}" destId="{8B0AA011-AEEE-4917-AEFD-8C627E061545}" srcOrd="6" destOrd="0" presId="urn:microsoft.com/office/officeart/2005/8/layout/cycle5"/>
-    <dgm:cxn modelId="{D471DE5A-96BB-4011-900E-E1FD4E3257FE}" type="presParOf" srcId="{602E4C1A-329F-4D9A-9A97-F09CAB0E7119}" destId="{383A232A-02AA-4594-B2A3-229C9BF129C4}" srcOrd="7" destOrd="0" presId="urn:microsoft.com/office/officeart/2005/8/layout/cycle5"/>
-    <dgm:cxn modelId="{ABDEB448-2F9D-419B-99C6-69294FB9D33C}" type="presParOf" srcId="{602E4C1A-329F-4D9A-9A97-F09CAB0E7119}" destId="{92A047D5-A812-4F08-ACC0-9F57F1DF8BF5}" srcOrd="8" destOrd="0" presId="urn:microsoft.com/office/officeart/2005/8/layout/cycle5"/>
+    <dgm:cxn modelId="{71D91D24-FA4C-451A-87C7-B7EF8F47EA0D}" type="presParOf" srcId="{602E4C1A-329F-4D9A-9A97-F09CAB0E7119}" destId="{AE846717-76DA-4C82-AF5F-AD43341D7AC9}" srcOrd="3" destOrd="0" presId="urn:microsoft.com/office/officeart/2005/8/layout/cycle5"/>
+    <dgm:cxn modelId="{70A30935-9671-45D2-AF0D-A250D9F9C953}" type="presParOf" srcId="{602E4C1A-329F-4D9A-9A97-F09CAB0E7119}" destId="{3ED159B8-08A5-45A7-8886-427394EEB4C1}" srcOrd="4" destOrd="0" presId="urn:microsoft.com/office/officeart/2005/8/layout/cycle5"/>
+    <dgm:cxn modelId="{7AF966C9-EA62-4EEC-AEF4-3213D70EB990}" type="presParOf" srcId="{602E4C1A-329F-4D9A-9A97-F09CAB0E7119}" destId="{7C58D9C2-C084-4FC0-A119-125C1F1CB072}" srcOrd="5" destOrd="0" presId="urn:microsoft.com/office/officeart/2005/8/layout/cycle5"/>
+    <dgm:cxn modelId="{1F5CD8CB-1525-4A18-AE3B-2351A8AD81A3}" type="presParOf" srcId="{602E4C1A-329F-4D9A-9A97-F09CAB0E7119}" destId="{5B6E4B0F-FD4C-404E-B062-C5A7502F2243}" srcOrd="6" destOrd="0" presId="urn:microsoft.com/office/officeart/2005/8/layout/cycle5"/>
+    <dgm:cxn modelId="{C82BBB96-9B95-4742-8128-504A8BCB9B45}" type="presParOf" srcId="{602E4C1A-329F-4D9A-9A97-F09CAB0E7119}" destId="{0D1D31F2-04C9-481F-AD72-9CFBC5DC0898}" srcOrd="7" destOrd="0" presId="urn:microsoft.com/office/officeart/2005/8/layout/cycle5"/>
+    <dgm:cxn modelId="{EA210F74-A687-40FB-BB21-6BA7892187D3}" type="presParOf" srcId="{602E4C1A-329F-4D9A-9A97-F09CAB0E7119}" destId="{6BF56D71-9CD4-49B6-90CB-26AA4E777908}" srcOrd="8" destOrd="0" presId="urn:microsoft.com/office/officeart/2005/8/layout/cycle5"/>
+    <dgm:cxn modelId="{B0DC4B41-8688-48E7-BA16-54BA1EA00CED}" type="presParOf" srcId="{602E4C1A-329F-4D9A-9A97-F09CAB0E7119}" destId="{8B0AA011-AEEE-4917-AEFD-8C627E061545}" srcOrd="9" destOrd="0" presId="urn:microsoft.com/office/officeart/2005/8/layout/cycle5"/>
+    <dgm:cxn modelId="{D471DE5A-96BB-4011-900E-E1FD4E3257FE}" type="presParOf" srcId="{602E4C1A-329F-4D9A-9A97-F09CAB0E7119}" destId="{383A232A-02AA-4594-B2A3-229C9BF129C4}" srcOrd="10" destOrd="0" presId="urn:microsoft.com/office/officeart/2005/8/layout/cycle5"/>
+    <dgm:cxn modelId="{ABDEB448-2F9D-419B-99C6-69294FB9D33C}" type="presParOf" srcId="{602E4C1A-329F-4D9A-9A97-F09CAB0E7119}" destId="{92A047D5-A812-4F08-ACC0-9F57F1DF8BF5}" srcOrd="11" destOrd="0" presId="urn:microsoft.com/office/officeart/2005/8/layout/cycle5"/>
   </dgm:cxnLst>
   <dgm:bg/>
   <dgm:whole/>
   <dgm:extLst>
     <a:ext uri="http://schemas.microsoft.com/office/drawing/2008/diagram">
-      <dsp:dataModelExt xmlns:dsp="http://schemas.microsoft.com/office/drawing/2008/diagram" relId="rId7" minVer="http://schemas.openxmlformats.org/drawingml/2006/diagram"/>
+      <dsp:dataModelExt xmlns:dsp="http://schemas.microsoft.com/office/drawing/2008/diagram" relId="rId6" minVer="http://schemas.openxmlformats.org/drawingml/2006/diagram"/>
     </a:ext>
   </dgm:extLst>
 </dgm:dataModel>
@@ -4837,8 +4998,8 @@
       </dsp:nvSpPr>
       <dsp:spPr>
         <a:xfrm>
-          <a:off x="3080162" y="-99277"/>
-          <a:ext cx="1967674" cy="2019316"/>
+          <a:off x="3297046" y="-157405"/>
+          <a:ext cx="1533906" cy="1574163"/>
         </a:xfrm>
         <a:prstGeom prst="ellipse">
           <a:avLst/>
@@ -4870,12 +5031,12 @@
         </a:fontRef>
       </dsp:style>
       <dsp:txBody>
-        <a:bodyPr spcFirstLastPara="0" vert="horz" wrap="square" lIns="87630" tIns="87630" rIns="87630" bIns="87630" numCol="1" spcCol="1270" anchor="ctr" anchorCtr="0">
+        <a:bodyPr spcFirstLastPara="0" vert="horz" wrap="square" lIns="64770" tIns="64770" rIns="64770" bIns="64770" numCol="1" spcCol="1270" anchor="ctr" anchorCtr="0">
           <a:noAutofit/>
         </a:bodyPr>
         <a:lstStyle/>
         <a:p>
-          <a:pPr marL="0" lvl="0" indent="0" algn="ctr" defTabSz="1022350" latinLnBrk="1">
+          <a:pPr marL="0" lvl="0" indent="0" algn="ctr" defTabSz="755650" latinLnBrk="1">
             <a:lnSpc>
               <a:spcPct val="90000"/>
             </a:lnSpc>
@@ -4888,13 +5049,13 @@
             <a:buNone/>
           </a:pPr>
           <a:r>
-            <a:rPr lang="ko-KR" altLang="en-US" sz="2300" b="1" kern="1200" dirty="0"/>
+            <a:rPr lang="ko-KR" altLang="en-US" sz="1700" b="1" kern="1200" dirty="0"/>
             <a:t>주체</a:t>
           </a:r>
-          <a:endParaRPr lang="en-US" altLang="ko-KR" sz="2300" b="1" kern="1200" dirty="0"/>
+          <a:endParaRPr lang="en-US" altLang="ko-KR" sz="1700" b="1" kern="1200" dirty="0"/>
         </a:p>
         <a:p>
-          <a:pPr marL="0" lvl="0" indent="0" algn="ctr" defTabSz="1022350" latinLnBrk="1">
+          <a:pPr marL="0" lvl="0" indent="0" algn="ctr" defTabSz="755650" latinLnBrk="1">
             <a:lnSpc>
               <a:spcPct val="90000"/>
             </a:lnSpc>
@@ -4907,14 +5068,14 @@
             <a:buNone/>
           </a:pPr>
           <a:r>
-            <a:rPr lang="ko-KR" altLang="en-US" sz="2300" b="1" kern="1200" dirty="0"/>
+            <a:rPr lang="ko-KR" altLang="en-US" sz="1700" b="1" kern="1200" dirty="0"/>
             <a:t>선택</a:t>
           </a:r>
         </a:p>
       </dsp:txBody>
       <dsp:txXfrm>
-        <a:off x="3368321" y="196445"/>
-        <a:ext cx="1391356" cy="1427872"/>
+        <a:off x="3521681" y="73126"/>
+        <a:ext cx="1084636" cy="1113101"/>
       </dsp:txXfrm>
     </dsp:sp>
     <dsp:sp modelId="{8BDA4B56-3FD4-4E1E-9327-CC6678E46F13}">
@@ -4924,8 +5085,8 @@
       </dsp:nvSpPr>
       <dsp:spPr>
         <a:xfrm>
-          <a:off x="1909284" y="910380"/>
-          <a:ext cx="4309431" cy="4309431"/>
+          <a:off x="1984342" y="629676"/>
+          <a:ext cx="4159314" cy="4159314"/>
         </a:xfrm>
         <a:custGeom>
           <a:avLst/>
@@ -4936,9 +5097,146 @@
           <a:pathLst>
             <a:path>
               <a:moveTo>
-                <a:pt x="3522953" y="490165"/>
+                <a:pt x="3138849" y="289940"/>
               </a:moveTo>
-              <a:arcTo wR="2154715" hR="2154715" stAng="18565184" swAng="2407726"/>
+              <a:arcTo wR="2079657" hR="2079657" stAng="18037077" swAng="1689975"/>
+            </a:path>
+          </a:pathLst>
+        </a:custGeom>
+        <a:noFill/>
+        <a:ln w="50800" cap="flat" cmpd="sng" algn="ctr">
+          <a:solidFill>
+            <a:srgbClr val="6699FF"/>
+          </a:solidFill>
+          <a:prstDash val="solid"/>
+          <a:miter lim="800000"/>
+          <a:tailEnd type="arrow"/>
+        </a:ln>
+        <a:effectLst/>
+      </dsp:spPr>
+      <dsp:style>
+        <a:lnRef idx="1">
+          <a:scrgbClr r="0" g="0" b="0"/>
+        </a:lnRef>
+        <a:fillRef idx="0">
+          <a:scrgbClr r="0" g="0" b="0"/>
+        </a:fillRef>
+        <a:effectRef idx="0">
+          <a:scrgbClr r="0" g="0" b="0"/>
+        </a:effectRef>
+        <a:fontRef idx="minor"/>
+      </dsp:style>
+    </dsp:sp>
+    <dsp:sp modelId="{AE846717-76DA-4C82-AF5F-AD43341D7AC9}">
+      <dsp:nvSpPr>
+        <dsp:cNvPr id="0" name=""/>
+        <dsp:cNvSpPr/>
+      </dsp:nvSpPr>
+      <dsp:spPr>
+        <a:xfrm>
+          <a:off x="5376704" y="1922251"/>
+          <a:ext cx="1533906" cy="1574163"/>
+        </a:xfrm>
+        <a:prstGeom prst="ellipse">
+          <a:avLst/>
+        </a:prstGeom>
+        <a:solidFill>
+          <a:srgbClr val="99CCFF"/>
+        </a:solidFill>
+        <a:ln w="12700" cap="flat" cmpd="sng" algn="ctr">
+          <a:solidFill>
+            <a:srgbClr val="0070C0"/>
+          </a:solidFill>
+          <a:prstDash val="solid"/>
+          <a:miter lim="800000"/>
+        </a:ln>
+        <a:effectLst/>
+      </dsp:spPr>
+      <dsp:style>
+        <a:lnRef idx="2">
+          <a:scrgbClr r="0" g="0" b="0"/>
+        </a:lnRef>
+        <a:fillRef idx="1">
+          <a:scrgbClr r="0" g="0" b="0"/>
+        </a:fillRef>
+        <a:effectRef idx="0">
+          <a:scrgbClr r="0" g="0" b="0"/>
+        </a:effectRef>
+        <a:fontRef idx="minor">
+          <a:schemeClr val="lt1"/>
+        </a:fontRef>
+      </dsp:style>
+      <dsp:txBody>
+        <a:bodyPr spcFirstLastPara="0" vert="horz" wrap="square" lIns="60960" tIns="60960" rIns="60960" bIns="60960" numCol="1" spcCol="1270" anchor="ctr" anchorCtr="0">
+          <a:noAutofit/>
+        </a:bodyPr>
+        <a:lstStyle/>
+        <a:p>
+          <a:pPr marL="0" lvl="0" indent="0" algn="ctr" defTabSz="711200" latinLnBrk="1">
+            <a:lnSpc>
+              <a:spcPct val="90000"/>
+            </a:lnSpc>
+            <a:spcBef>
+              <a:spcPct val="0"/>
+            </a:spcBef>
+            <a:spcAft>
+              <a:spcPct val="35000"/>
+            </a:spcAft>
+            <a:buNone/>
+          </a:pPr>
+          <a:r>
+            <a:rPr lang="ko-KR" altLang="en-US" sz="1600" b="1" kern="1200" dirty="0"/>
+            <a:t>목적지</a:t>
+          </a:r>
+          <a:endParaRPr lang="en-US" altLang="ko-KR" sz="1600" b="1" kern="1200" dirty="0"/>
+        </a:p>
+        <a:p>
+          <a:pPr marL="0" lvl="0" indent="0" algn="ctr" defTabSz="711200" latinLnBrk="1">
+            <a:lnSpc>
+              <a:spcPct val="90000"/>
+            </a:lnSpc>
+            <a:spcBef>
+              <a:spcPct val="0"/>
+            </a:spcBef>
+            <a:spcAft>
+              <a:spcPct val="35000"/>
+            </a:spcAft>
+            <a:buNone/>
+          </a:pPr>
+          <a:r>
+            <a:rPr lang="ko-KR" altLang="en-US" sz="1600" b="1" kern="1200" dirty="0"/>
+            <a:t>설정</a:t>
+          </a:r>
+          <a:endParaRPr lang="en-US" altLang="ko-KR" sz="1600" b="1" kern="1200" dirty="0"/>
+        </a:p>
+      </dsp:txBody>
+      <dsp:txXfrm>
+        <a:off x="5601339" y="2152782"/>
+        <a:ext cx="1084636" cy="1113101"/>
+      </dsp:txXfrm>
+    </dsp:sp>
+    <dsp:sp modelId="{7C58D9C2-C084-4FC0-A119-125C1F1CB072}">
+      <dsp:nvSpPr>
+        <dsp:cNvPr id="0" name=""/>
+        <dsp:cNvSpPr/>
+      </dsp:nvSpPr>
+      <dsp:spPr>
+        <a:xfrm>
+          <a:off x="1984342" y="629676"/>
+          <a:ext cx="4159314" cy="4159314"/>
+        </a:xfrm>
+        <a:custGeom>
+          <a:avLst/>
+          <a:gdLst/>
+          <a:ahLst/>
+          <a:cxnLst/>
+          <a:rect l="0" t="0" r="0" b="0"/>
+          <a:pathLst>
+            <a:path>
+              <a:moveTo>
+                <a:pt x="3858224" y="3157466"/>
+              </a:moveTo>
+              <a:arcTo wR="2079657" hR="2079657" stAng="1872948" swAng="1689975"/>
             </a:path>
           </a:pathLst>
         </a:custGeom>
@@ -4973,8 +5271,8 @@
       </dsp:nvSpPr>
       <dsp:spPr>
         <a:xfrm>
-          <a:off x="4946201" y="3132796"/>
-          <a:ext cx="1967674" cy="2019316"/>
+          <a:off x="3297047" y="4001909"/>
+          <a:ext cx="1533906" cy="1574163"/>
         </a:xfrm>
         <a:prstGeom prst="ellipse">
           <a:avLst/>
@@ -5006,12 +5304,12 @@
         </a:fontRef>
       </dsp:style>
       <dsp:txBody>
-        <a:bodyPr spcFirstLastPara="0" vert="horz" wrap="square" lIns="83820" tIns="83820" rIns="83820" bIns="83820" numCol="1" spcCol="1270" anchor="ctr" anchorCtr="0">
+        <a:bodyPr spcFirstLastPara="0" vert="horz" wrap="square" lIns="57150" tIns="57150" rIns="57150" bIns="57150" numCol="1" spcCol="1270" anchor="ctr" anchorCtr="0">
           <a:noAutofit/>
         </a:bodyPr>
         <a:lstStyle/>
         <a:p>
-          <a:pPr marL="0" lvl="0" indent="0" algn="ctr" defTabSz="977900" latinLnBrk="1">
+          <a:pPr marL="0" lvl="0" indent="0" algn="ctr" defTabSz="666750" latinLnBrk="1">
             <a:lnSpc>
               <a:spcPct val="90000"/>
             </a:lnSpc>
@@ -5024,13 +5322,13 @@
             <a:buNone/>
           </a:pPr>
           <a:r>
-            <a:rPr lang="ko-KR" altLang="en-US" sz="2200" b="1" kern="1200" dirty="0"/>
+            <a:rPr lang="ko-KR" altLang="en-US" sz="1500" b="1" kern="1200" dirty="0"/>
             <a:t>중력장</a:t>
           </a:r>
-          <a:endParaRPr lang="en-US" altLang="ko-KR" sz="2200" b="1" kern="1200" dirty="0"/>
+          <a:endParaRPr lang="en-US" altLang="ko-KR" sz="1500" b="1" kern="1200" dirty="0"/>
         </a:p>
         <a:p>
-          <a:pPr marL="0" lvl="0" indent="0" algn="ctr" defTabSz="977900" latinLnBrk="1">
+          <a:pPr marL="0" lvl="0" indent="0" algn="ctr" defTabSz="666750" latinLnBrk="1">
             <a:lnSpc>
               <a:spcPct val="90000"/>
             </a:lnSpc>
@@ -5043,14 +5341,14 @@
             <a:buNone/>
           </a:pPr>
           <a:r>
-            <a:rPr lang="ko-KR" altLang="en-US" sz="2200" b="1" kern="1200" dirty="0"/>
-            <a:t>설정</a:t>
+            <a:rPr lang="ko-KR" altLang="en-US" sz="1500" b="1" kern="1200" dirty="0"/>
+            <a:t>배치</a:t>
           </a:r>
         </a:p>
       </dsp:txBody>
       <dsp:txXfrm>
-        <a:off x="5234360" y="3428518"/>
-        <a:ext cx="1391356" cy="1427872"/>
+        <a:off x="3521682" y="4232440"/>
+        <a:ext cx="1084636" cy="1113101"/>
       </dsp:txXfrm>
     </dsp:sp>
     <dsp:sp modelId="{6BF56D71-9CD4-49B6-90CB-26AA4E777908}">
@@ -5060,8 +5358,8 @@
       </dsp:nvSpPr>
       <dsp:spPr>
         <a:xfrm>
-          <a:off x="1911494" y="909389"/>
-          <a:ext cx="4309431" cy="4309431"/>
+          <a:off x="1986593" y="630570"/>
+          <a:ext cx="4159314" cy="4159314"/>
         </a:xfrm>
         <a:custGeom>
           <a:avLst/>
@@ -5072,9 +5370,9 @@
           <a:pathLst>
             <a:path>
               <a:moveTo>
-                <a:pt x="2702260" y="4238701"/>
+                <a:pt x="1018224" y="3868046"/>
               </a:moveTo>
-              <a:arcTo wR="2154715" hR="2154715" stAng="4516732" swAng="1774256"/>
+              <a:arcTo wR="2079657" hR="2079657" stAng="7241381" swAng="1691007"/>
             </a:path>
           </a:pathLst>
         </a:custGeom>
@@ -5109,8 +5407,8 @@
       </dsp:nvSpPr>
       <dsp:spPr>
         <a:xfrm>
-          <a:off x="1214130" y="3129182"/>
-          <a:ext cx="1967674" cy="2019316"/>
+          <a:off x="1219137" y="1919988"/>
+          <a:ext cx="1533906" cy="1574163"/>
         </a:xfrm>
         <a:prstGeom prst="ellipse">
           <a:avLst/>
@@ -5142,12 +5440,12 @@
         </a:fontRef>
       </dsp:style>
       <dsp:txBody>
-        <a:bodyPr spcFirstLastPara="0" vert="horz" wrap="square" lIns="83820" tIns="83820" rIns="83820" bIns="83820" numCol="1" spcCol="1270" anchor="ctr" anchorCtr="0">
+        <a:bodyPr spcFirstLastPara="0" vert="horz" wrap="square" lIns="57150" tIns="57150" rIns="57150" bIns="57150" numCol="1" spcCol="1270" anchor="ctr" anchorCtr="0">
           <a:noAutofit/>
         </a:bodyPr>
         <a:lstStyle/>
         <a:p>
-          <a:pPr marL="0" lvl="0" indent="0" algn="ctr" defTabSz="977900" latinLnBrk="1">
+          <a:pPr marL="0" lvl="0" indent="0" algn="ctr" defTabSz="666750" latinLnBrk="1">
             <a:lnSpc>
               <a:spcPct val="90000"/>
             </a:lnSpc>
@@ -5160,13 +5458,13 @@
             <a:buNone/>
           </a:pPr>
           <a:r>
-            <a:rPr lang="ko-KR" altLang="en-US" sz="2200" b="1" kern="1200" dirty="0"/>
+            <a:rPr lang="ko-KR" altLang="en-US" sz="1500" b="1" kern="1200" dirty="0"/>
             <a:t>구체</a:t>
           </a:r>
-          <a:endParaRPr lang="en-US" altLang="ko-KR" sz="2200" b="1" kern="1200" dirty="0"/>
+          <a:endParaRPr lang="en-US" altLang="ko-KR" sz="1500" b="1" kern="1200" dirty="0"/>
         </a:p>
         <a:p>
-          <a:pPr marL="0" lvl="0" indent="0" algn="ctr" defTabSz="977900" latinLnBrk="1">
+          <a:pPr marL="0" lvl="0" indent="0" algn="ctr" defTabSz="666750" latinLnBrk="1">
             <a:lnSpc>
               <a:spcPct val="90000"/>
             </a:lnSpc>
@@ -5179,14 +5477,14 @@
             <a:buNone/>
           </a:pPr>
           <a:r>
-            <a:rPr lang="ko-KR" altLang="en-US" sz="2200" b="1" kern="1200" dirty="0"/>
+            <a:rPr lang="ko-KR" altLang="en-US" sz="1500" b="1" kern="1200" dirty="0"/>
             <a:t>이동</a:t>
           </a:r>
         </a:p>
       </dsp:txBody>
       <dsp:txXfrm>
-        <a:off x="1502289" y="3424904"/>
-        <a:ext cx="1391356" cy="1427872"/>
+        <a:off x="1443772" y="2150519"/>
+        <a:ext cx="1084636" cy="1113101"/>
       </dsp:txXfrm>
     </dsp:sp>
     <dsp:sp modelId="{92A047D5-A812-4F08-ACC0-9F57F1DF8BF5}">
@@ -5196,8 +5494,8 @@
       </dsp:nvSpPr>
       <dsp:spPr>
         <a:xfrm>
-          <a:off x="1911067" y="909464"/>
-          <a:ext cx="4309431" cy="4309431"/>
+          <a:off x="1986598" y="628779"/>
+          <a:ext cx="4159314" cy="4159314"/>
         </a:xfrm>
         <a:custGeom>
           <a:avLst/>
@@ -5208,9 +5506,9 @@
           <a:pathLst>
             <a:path>
               <a:moveTo>
-                <a:pt x="36095" y="1761972"/>
+                <a:pt x="301482" y="1001199"/>
               </a:moveTo>
-              <a:arcTo wR="2154715" hR="2154715" stAng="11430126" swAng="2402760"/>
+              <a:arcTo wR="2079657" hR="2079657" stAng="12674201" swAng="1685897"/>
             </a:path>
           </a:pathLst>
         </a:custGeom>
@@ -6631,7 +6929,7 @@
           <a:p>
             <a:fld id="{9EEA4200-C903-4FD2-AC1C-BAE29F20E4A4}" type="datetimeFigureOut">
               <a:rPr lang="ko-KR" altLang="en-US" smtClean="0"/>
-              <a:t>2021-12-06</a:t>
+              <a:t>2021-12-07</a:t>
             </a:fld>
             <a:endParaRPr lang="ko-KR" altLang="en-US"/>
           </a:p>
@@ -6829,7 +7127,7 @@
           <a:p>
             <a:fld id="{9EEA4200-C903-4FD2-AC1C-BAE29F20E4A4}" type="datetimeFigureOut">
               <a:rPr lang="ko-KR" altLang="en-US" smtClean="0"/>
-              <a:t>2021-12-06</a:t>
+              <a:t>2021-12-07</a:t>
             </a:fld>
             <a:endParaRPr lang="ko-KR" altLang="en-US"/>
           </a:p>
@@ -7037,7 +7335,7 @@
           <a:p>
             <a:fld id="{9EEA4200-C903-4FD2-AC1C-BAE29F20E4A4}" type="datetimeFigureOut">
               <a:rPr lang="ko-KR" altLang="en-US" smtClean="0"/>
-              <a:t>2021-12-06</a:t>
+              <a:t>2021-12-07</a:t>
             </a:fld>
             <a:endParaRPr lang="ko-KR" altLang="en-US"/>
           </a:p>
@@ -7235,7 +7533,7 @@
           <a:p>
             <a:fld id="{9EEA4200-C903-4FD2-AC1C-BAE29F20E4A4}" type="datetimeFigureOut">
               <a:rPr lang="ko-KR" altLang="en-US" smtClean="0"/>
-              <a:t>2021-12-06</a:t>
+              <a:t>2021-12-07</a:t>
             </a:fld>
             <a:endParaRPr lang="ko-KR" altLang="en-US"/>
           </a:p>
@@ -7510,7 +7808,7 @@
           <a:p>
             <a:fld id="{9EEA4200-C903-4FD2-AC1C-BAE29F20E4A4}" type="datetimeFigureOut">
               <a:rPr lang="ko-KR" altLang="en-US" smtClean="0"/>
-              <a:t>2021-12-06</a:t>
+              <a:t>2021-12-07</a:t>
             </a:fld>
             <a:endParaRPr lang="ko-KR" altLang="en-US"/>
           </a:p>
@@ -7775,7 +8073,7 @@
           <a:p>
             <a:fld id="{9EEA4200-C903-4FD2-AC1C-BAE29F20E4A4}" type="datetimeFigureOut">
               <a:rPr lang="ko-KR" altLang="en-US" smtClean="0"/>
-              <a:t>2021-12-06</a:t>
+              <a:t>2021-12-07</a:t>
             </a:fld>
             <a:endParaRPr lang="ko-KR" altLang="en-US"/>
           </a:p>
@@ -8187,7 +8485,7 @@
           <a:p>
             <a:fld id="{9EEA4200-C903-4FD2-AC1C-BAE29F20E4A4}" type="datetimeFigureOut">
               <a:rPr lang="ko-KR" altLang="en-US" smtClean="0"/>
-              <a:t>2021-12-06</a:t>
+              <a:t>2021-12-07</a:t>
             </a:fld>
             <a:endParaRPr lang="ko-KR" altLang="en-US"/>
           </a:p>
@@ -8328,7 +8626,7 @@
           <a:p>
             <a:fld id="{9EEA4200-C903-4FD2-AC1C-BAE29F20E4A4}" type="datetimeFigureOut">
               <a:rPr lang="ko-KR" altLang="en-US" smtClean="0"/>
-              <a:t>2021-12-06</a:t>
+              <a:t>2021-12-07</a:t>
             </a:fld>
             <a:endParaRPr lang="ko-KR" altLang="en-US"/>
           </a:p>
@@ -8441,7 +8739,7 @@
           <a:p>
             <a:fld id="{9EEA4200-C903-4FD2-AC1C-BAE29F20E4A4}" type="datetimeFigureOut">
               <a:rPr lang="ko-KR" altLang="en-US" smtClean="0"/>
-              <a:t>2021-12-06</a:t>
+              <a:t>2021-12-07</a:t>
             </a:fld>
             <a:endParaRPr lang="ko-KR" altLang="en-US"/>
           </a:p>
@@ -8752,7 +9050,7 @@
           <a:p>
             <a:fld id="{9EEA4200-C903-4FD2-AC1C-BAE29F20E4A4}" type="datetimeFigureOut">
               <a:rPr lang="ko-KR" altLang="en-US" smtClean="0"/>
-              <a:t>2021-12-06</a:t>
+              <a:t>2021-12-07</a:t>
             </a:fld>
             <a:endParaRPr lang="ko-KR" altLang="en-US"/>
           </a:p>
@@ -9040,7 +9338,7 @@
           <a:p>
             <a:fld id="{9EEA4200-C903-4FD2-AC1C-BAE29F20E4A4}" type="datetimeFigureOut">
               <a:rPr lang="ko-KR" altLang="en-US" smtClean="0"/>
-              <a:t>2021-12-06</a:t>
+              <a:t>2021-12-07</a:t>
             </a:fld>
             <a:endParaRPr lang="ko-KR" altLang="en-US"/>
           </a:p>
@@ -9284,7 +9582,7 @@
           <a:p>
             <a:fld id="{9EEA4200-C903-4FD2-AC1C-BAE29F20E4A4}" type="datetimeFigureOut">
               <a:rPr lang="ko-KR" altLang="en-US" smtClean="0"/>
-              <a:t>2021-12-06</a:t>
+              <a:t>2021-12-07</a:t>
             </a:fld>
             <a:endParaRPr lang="ko-KR" altLang="en-US"/>
           </a:p>
@@ -17452,10 +17750,10 @@
       </p:grpSpPr>
       <p:grpSp>
         <p:nvGrpSpPr>
-          <p:cNvPr id="3" name="그룹 2">
+          <p:cNvPr id="9" name="그룹 8">
             <a:extLst>
               <a:ext uri="{FF2B5EF4-FFF2-40B4-BE49-F238E27FC236}">
-                <a16:creationId xmlns:a16="http://schemas.microsoft.com/office/drawing/2014/main" id="{6B14CDFC-00C8-4907-9BE1-906AB8433102}"/>
+                <a16:creationId xmlns:a16="http://schemas.microsoft.com/office/drawing/2014/main" id="{AD30CA76-1101-4794-8E9F-5739A5140320}"/>
               </a:ext>
             </a:extLst>
           </p:cNvPr>
@@ -17464,12 +17762,40 @@
         </p:nvGrpSpPr>
         <p:grpSpPr>
           <a:xfrm>
-            <a:off x="1795128" y="424391"/>
+            <a:off x="1786163" y="719666"/>
             <a:ext cx="8128000" cy="5418667"/>
-            <a:chOff x="1795128" y="424391"/>
+            <a:chOff x="1786163" y="719666"/>
             <a:chExt cx="8128000" cy="5418667"/>
           </a:xfrm>
         </p:grpSpPr>
+        <p:graphicFrame>
+          <p:nvGraphicFramePr>
+            <p:cNvPr id="2" name="다이어그램 1">
+              <a:extLst>
+                <a:ext uri="{FF2B5EF4-FFF2-40B4-BE49-F238E27FC236}">
+                  <a16:creationId xmlns:a16="http://schemas.microsoft.com/office/drawing/2014/main" id="{3ED1C52E-DEEA-4E29-A43F-0FA1C28D0669}"/>
+                </a:ext>
+              </a:extLst>
+            </p:cNvPr>
+            <p:cNvGraphicFramePr/>
+            <p:nvPr>
+              <p:extLst>
+                <p:ext uri="{D42A27DB-BD31-4B8C-83A1-F6EECF244321}">
+                  <p14:modId xmlns:p14="http://schemas.microsoft.com/office/powerpoint/2010/main" val="2482284796"/>
+                </p:ext>
+              </p:extLst>
+            </p:nvPr>
+          </p:nvGraphicFramePr>
+          <p:xfrm>
+            <a:off x="1786163" y="719666"/>
+            <a:ext cx="8128000" cy="5418667"/>
+          </p:xfrm>
+          <a:graphic>
+            <a:graphicData uri="http://schemas.openxmlformats.org/drawingml/2006/diagram">
+              <dgm:relIds xmlns:dgm="http://schemas.openxmlformats.org/drawingml/2006/diagram" xmlns:r="http://schemas.openxmlformats.org/officeDocument/2006/relationships" r:dm="rId2" r:lo="rId3" r:qs="rId4" r:cs="rId5"/>
+            </a:graphicData>
+          </a:graphic>
+        </p:graphicFrame>
         <p:pic>
           <p:nvPicPr>
             <p:cNvPr id="4" name="Picture 2" descr="루프, 무한 무료 아이콘 의 Neu Interface">
@@ -17485,7 +17811,7 @@
             <p:nvPr/>
           </p:nvPicPr>
           <p:blipFill>
-            <a:blip r:embed="rId2">
+            <a:blip r:embed="rId7">
               <a:clrChange>
                 <a:clrFrom>
                   <a:srgbClr val="FFFFFF"/>
@@ -17516,7 +17842,7 @@
           </p:blipFill>
           <p:spPr bwMode="auto">
             <a:xfrm>
-              <a:off x="4787566" y="2357437"/>
+              <a:off x="4778600" y="2357436"/>
               <a:ext cx="2143125" cy="2143125"/>
             </a:xfrm>
             <a:prstGeom prst="rect">
@@ -17534,35 +17860,72 @@
             </a:extLst>
           </p:spPr>
         </p:pic>
-        <p:graphicFrame>
-          <p:nvGraphicFramePr>
-            <p:cNvPr id="2" name="다이어그램 1">
-              <a:extLst>
-                <a:ext uri="{FF2B5EF4-FFF2-40B4-BE49-F238E27FC236}">
-                  <a16:creationId xmlns:a16="http://schemas.microsoft.com/office/drawing/2014/main" id="{3ED1C52E-DEEA-4E29-A43F-0FA1C28D0669}"/>
-                </a:ext>
-              </a:extLst>
-            </p:cNvPr>
-            <p:cNvGraphicFramePr/>
-            <p:nvPr>
-              <p:extLst>
-                <p:ext uri="{D42A27DB-BD31-4B8C-83A1-F6EECF244321}">
-                  <p14:modId xmlns:p14="http://schemas.microsoft.com/office/powerpoint/2010/main" val="1541752726"/>
-                </p:ext>
-              </p:extLst>
-            </p:nvPr>
-          </p:nvGraphicFramePr>
-          <p:xfrm>
-            <a:off x="1795128" y="424391"/>
-            <a:ext cx="8128000" cy="5418667"/>
-          </p:xfrm>
-          <a:graphic>
-            <a:graphicData uri="http://schemas.openxmlformats.org/drawingml/2006/diagram">
-              <dgm:relIds xmlns:dgm="http://schemas.openxmlformats.org/drawingml/2006/diagram" xmlns:r="http://schemas.openxmlformats.org/officeDocument/2006/relationships" r:dm="rId3" r:lo="rId4" r:qs="rId5" r:cs="rId6"/>
-            </a:graphicData>
-          </a:graphic>
-        </p:graphicFrame>
       </p:grpSp>
+      <p:sp>
+        <p:nvSpPr>
+          <p:cNvPr id="8" name="TextBox 7">
+            <a:extLst>
+              <a:ext uri="{FF2B5EF4-FFF2-40B4-BE49-F238E27FC236}">
+                <a16:creationId xmlns:a16="http://schemas.microsoft.com/office/drawing/2014/main" id="{8E6EB622-5F7E-4847-BE05-93C75252A43A}"/>
+              </a:ext>
+            </a:extLst>
+          </p:cNvPr>
+          <p:cNvSpPr txBox="1"/>
+          <p:nvPr/>
+        </p:nvSpPr>
+        <p:spPr>
+          <a:xfrm>
+            <a:off x="6355977" y="1583649"/>
+            <a:ext cx="6096000" cy="1754326"/>
+          </a:xfrm>
+          <a:prstGeom prst="rect">
+            <a:avLst/>
+          </a:prstGeom>
+          <a:noFill/>
+        </p:spPr>
+        <p:txBody>
+          <a:bodyPr wrap="square">
+            <a:spAutoFit/>
+          </a:bodyPr>
+          <a:lstStyle/>
+          <a:p>
+            <a:r>
+              <a:rPr lang="ko-KR" altLang="en-US" dirty="0"/>
+              <a:t>1. 주체가 될 셀을 선택함</a:t>
+            </a:r>
+          </a:p>
+          <a:p>
+            <a:r>
+              <a:rPr lang="ko-KR" altLang="en-US" dirty="0"/>
+              <a:t>2. 주체가 될 셀에 있는 구체와 타 셀의 구체들의</a:t>
+            </a:r>
+          </a:p>
+          <a:p>
+            <a:r>
+              <a:rPr lang="ko-KR" altLang="en-US" dirty="0"/>
+              <a:t>   목적지를 설정함</a:t>
+            </a:r>
+          </a:p>
+          <a:p>
+            <a:r>
+              <a:rPr lang="ko-KR" altLang="en-US" dirty="0"/>
+              <a:t>3. 중력장 1개를 배치하는 시점에서 구체는 목적</a:t>
+            </a:r>
+          </a:p>
+          <a:p>
+            <a:r>
+              <a:rPr lang="ko-KR" altLang="en-US" dirty="0"/>
+              <a:t>   지로 움직이기 시작함</a:t>
+            </a:r>
+          </a:p>
+          <a:p>
+            <a:r>
+              <a:rPr lang="ko-KR" altLang="en-US" dirty="0"/>
+              <a:t>4. 닿을 시 탈출 완료 </a:t>
+            </a:r>
+          </a:p>
+        </p:txBody>
+      </p:sp>
     </p:spTree>
     <p:extLst>
       <p:ext uri="{BB962C8B-B14F-4D97-AF65-F5344CB8AC3E}">
